--- a/source/assets/flow-chart.pptx
+++ b/source/assets/flow-chart.pptx
@@ -5,11 +5,12 @@
     <p:sldMasterId id="2147483660" r:id="rId1"/>
   </p:sldMasterIdLst>
   <p:notesMasterIdLst>
-    <p:notesMasterId r:id="rId4"/>
+    <p:notesMasterId r:id="rId5"/>
   </p:notesMasterIdLst>
   <p:sldIdLst>
-    <p:sldId id="262" r:id="rId2"/>
+    <p:sldId id="264" r:id="rId2"/>
     <p:sldId id="263" r:id="rId3"/>
+    <p:sldId id="262" r:id="rId4"/>
   </p:sldIdLst>
   <p:sldSz cx="18000663" cy="18000663"/>
   <p:notesSz cx="6858000" cy="9144000"/>
@@ -116,602 +117,23 @@
 </p:presentation>
 </file>
 
-<file path=ppt/revisionInfo.xml><?xml version="1.0" encoding="utf-8"?>
-<p1510:revInfo xmlns:a="http://schemas.openxmlformats.org/drawingml/2006/main" xmlns:r="http://schemas.openxmlformats.org/officeDocument/2006/relationships" xmlns:p1510="http://schemas.microsoft.com/office/powerpoint/2015/10/main">
-  <p1510:revLst>
-    <p1510:client id="{9539E4F2-C474-48D6-B56C-A71574028F87}" v="97" dt="2024-08-05T14:56:37.064"/>
-  </p1510:revLst>
-</p1510:revInfo>
-</file>
-
 <file path=ppt/changesInfos/changesInfo1.xml><?xml version="1.0" encoding="utf-8"?>
 <pc:chgInfo xmlns:a="http://schemas.openxmlformats.org/drawingml/2006/main" xmlns:r="http://schemas.openxmlformats.org/officeDocument/2006/relationships" xmlns:ac="http://schemas.microsoft.com/office/drawing/2013/main/command" xmlns:pc="http://schemas.microsoft.com/office/powerpoint/2013/main/command">
   <pc:docChgLst>
-    <pc:chgData name="ROEBUCK WILLIAMS RHOSLYN" userId="19c0e951-307b-46f9-a42c-f83c2dbad1d6" providerId="ADAL" clId="{9539E4F2-C474-48D6-B56C-A71574028F87}"/>
-    <pc:docChg chg="undo redo custSel addSld delSld modSld sldOrd">
-      <pc:chgData name="ROEBUCK WILLIAMS RHOSLYN" userId="19c0e951-307b-46f9-a42c-f83c2dbad1d6" providerId="ADAL" clId="{9539E4F2-C474-48D6-B56C-A71574028F87}" dt="2024-08-12T15:13:10.724" v="5223" actId="14100"/>
+    <pc:chgData name="ROEBUCK WILLIAMS RHOSLYN" userId="19c0e951-307b-46f9-a42c-f83c2dbad1d6" providerId="ADAL" clId="{CA170275-7344-438A-A8F7-1467E1F3B891}"/>
+    <pc:docChg chg="modSld sldOrd">
+      <pc:chgData name="ROEBUCK WILLIAMS RHOSLYN" userId="19c0e951-307b-46f9-a42c-f83c2dbad1d6" providerId="ADAL" clId="{CA170275-7344-438A-A8F7-1467E1F3B891}" dt="2024-11-01T08:59:28.872" v="104" actId="14100"/>
       <pc:docMkLst>
         <pc:docMk/>
       </pc:docMkLst>
-      <pc:sldChg chg="del">
-        <pc:chgData name="ROEBUCK WILLIAMS RHOSLYN" userId="19c0e951-307b-46f9-a42c-f83c2dbad1d6" providerId="ADAL" clId="{9539E4F2-C474-48D6-B56C-A71574028F87}" dt="2024-08-05T11:21:39.913" v="3200" actId="47"/>
-        <pc:sldMkLst>
-          <pc:docMk/>
-          <pc:sldMk cId="2896242572" sldId="257"/>
-        </pc:sldMkLst>
-      </pc:sldChg>
-      <pc:sldChg chg="addSp delSp modSp del mod ord">
-        <pc:chgData name="ROEBUCK WILLIAMS RHOSLYN" userId="19c0e951-307b-46f9-a42c-f83c2dbad1d6" providerId="ADAL" clId="{9539E4F2-C474-48D6-B56C-A71574028F87}" dt="2024-08-05T11:21:39.913" v="3200" actId="47"/>
-        <pc:sldMkLst>
-          <pc:docMk/>
-          <pc:sldMk cId="822998820" sldId="258"/>
-        </pc:sldMkLst>
-        <pc:spChg chg="mod">
-          <ac:chgData name="ROEBUCK WILLIAMS RHOSLYN" userId="19c0e951-307b-46f9-a42c-f83c2dbad1d6" providerId="ADAL" clId="{9539E4F2-C474-48D6-B56C-A71574028F87}" dt="2024-08-02T14:23:16.103" v="2439" actId="14100"/>
-          <ac:spMkLst>
-            <pc:docMk/>
-            <pc:sldMk cId="822998820" sldId="258"/>
-            <ac:spMk id="4" creationId="{22887272-8CFA-BF44-CACD-537694360768}"/>
-          </ac:spMkLst>
-        </pc:spChg>
-        <pc:spChg chg="mod">
-          <ac:chgData name="ROEBUCK WILLIAMS RHOSLYN" userId="19c0e951-307b-46f9-a42c-f83c2dbad1d6" providerId="ADAL" clId="{9539E4F2-C474-48D6-B56C-A71574028F87}" dt="2024-08-02T14:15:00.012" v="2364" actId="1076"/>
-          <ac:spMkLst>
-            <pc:docMk/>
-            <pc:sldMk cId="822998820" sldId="258"/>
-            <ac:spMk id="5" creationId="{346FBF56-A7DF-4167-FC34-8C7AAEEE9647}"/>
-          </ac:spMkLst>
-        </pc:spChg>
-        <pc:spChg chg="mod">
-          <ac:chgData name="ROEBUCK WILLIAMS RHOSLYN" userId="19c0e951-307b-46f9-a42c-f83c2dbad1d6" providerId="ADAL" clId="{9539E4F2-C474-48D6-B56C-A71574028F87}" dt="2024-08-02T14:22:27.766" v="2429" actId="20577"/>
-          <ac:spMkLst>
-            <pc:docMk/>
-            <pc:sldMk cId="822998820" sldId="258"/>
-            <ac:spMk id="9" creationId="{1B919D91-FC0C-7368-90E2-67BC1C60183D}"/>
-          </ac:spMkLst>
-        </pc:spChg>
-        <pc:spChg chg="mod">
-          <ac:chgData name="ROEBUCK WILLIAMS RHOSLYN" userId="19c0e951-307b-46f9-a42c-f83c2dbad1d6" providerId="ADAL" clId="{9539E4F2-C474-48D6-B56C-A71574028F87}" dt="2024-08-02T14:15:12.327" v="2366" actId="14100"/>
-          <ac:spMkLst>
-            <pc:docMk/>
-            <pc:sldMk cId="822998820" sldId="258"/>
-            <ac:spMk id="15" creationId="{1EAFDDEE-0E21-A708-736B-D49DE6669369}"/>
-          </ac:spMkLst>
-        </pc:spChg>
-        <pc:spChg chg="mod">
-          <ac:chgData name="ROEBUCK WILLIAMS RHOSLYN" userId="19c0e951-307b-46f9-a42c-f83c2dbad1d6" providerId="ADAL" clId="{9539E4F2-C474-48D6-B56C-A71574028F87}" dt="2024-08-02T14:28:59.310" v="2538" actId="20577"/>
-          <ac:spMkLst>
-            <pc:docMk/>
-            <pc:sldMk cId="822998820" sldId="258"/>
-            <ac:spMk id="19" creationId="{D2A92E3D-448A-A5B8-E6F4-384524ED1057}"/>
-          </ac:spMkLst>
-        </pc:spChg>
-        <pc:spChg chg="mod">
-          <ac:chgData name="ROEBUCK WILLIAMS RHOSLYN" userId="19c0e951-307b-46f9-a42c-f83c2dbad1d6" providerId="ADAL" clId="{9539E4F2-C474-48D6-B56C-A71574028F87}" dt="2024-08-03T08:04:34.910" v="2738" actId="1076"/>
-          <ac:spMkLst>
-            <pc:docMk/>
-            <pc:sldMk cId="822998820" sldId="258"/>
-            <ac:spMk id="24" creationId="{0A510DB6-C573-9104-CAAB-0035485EEB71}"/>
-          </ac:spMkLst>
-        </pc:spChg>
-        <pc:spChg chg="mod">
-          <ac:chgData name="ROEBUCK WILLIAMS RHOSLYN" userId="19c0e951-307b-46f9-a42c-f83c2dbad1d6" providerId="ADAL" clId="{9539E4F2-C474-48D6-B56C-A71574028F87}" dt="2024-08-03T08:04:31.868" v="2737" actId="1076"/>
-          <ac:spMkLst>
-            <pc:docMk/>
-            <pc:sldMk cId="822998820" sldId="258"/>
-            <ac:spMk id="29" creationId="{4D859BB7-BEE1-CF6A-BF53-B561B421A0BD}"/>
-          </ac:spMkLst>
-        </pc:spChg>
-        <pc:spChg chg="del mod">
-          <ac:chgData name="ROEBUCK WILLIAMS RHOSLYN" userId="19c0e951-307b-46f9-a42c-f83c2dbad1d6" providerId="ADAL" clId="{9539E4F2-C474-48D6-B56C-A71574028F87}" dt="2024-08-02T13:55:53.437" v="1994" actId="478"/>
-          <ac:spMkLst>
-            <pc:docMk/>
-            <pc:sldMk cId="822998820" sldId="258"/>
-            <ac:spMk id="30" creationId="{A8BB5F93-AA12-98E0-3D8E-30E3F1C00D0B}"/>
-          </ac:spMkLst>
-        </pc:spChg>
-        <pc:spChg chg="mod">
-          <ac:chgData name="ROEBUCK WILLIAMS RHOSLYN" userId="19c0e951-307b-46f9-a42c-f83c2dbad1d6" providerId="ADAL" clId="{9539E4F2-C474-48D6-B56C-A71574028F87}" dt="2024-08-02T14:22:35.484" v="2433" actId="20577"/>
-          <ac:spMkLst>
-            <pc:docMk/>
-            <pc:sldMk cId="822998820" sldId="258"/>
-            <ac:spMk id="38" creationId="{50AD24AF-4564-D938-2BE1-3F69D5C62F17}"/>
-          </ac:spMkLst>
-        </pc:spChg>
-        <pc:spChg chg="mod">
-          <ac:chgData name="ROEBUCK WILLIAMS RHOSLYN" userId="19c0e951-307b-46f9-a42c-f83c2dbad1d6" providerId="ADAL" clId="{9539E4F2-C474-48D6-B56C-A71574028F87}" dt="2024-08-02T14:23:16.103" v="2439" actId="14100"/>
-          <ac:spMkLst>
-            <pc:docMk/>
-            <pc:sldMk cId="822998820" sldId="258"/>
-            <ac:spMk id="40" creationId="{026E36F0-35D8-4E3A-EE82-977CCCA6EB0F}"/>
-          </ac:spMkLst>
-        </pc:spChg>
-        <pc:spChg chg="mod">
-          <ac:chgData name="ROEBUCK WILLIAMS RHOSLYN" userId="19c0e951-307b-46f9-a42c-f83c2dbad1d6" providerId="ADAL" clId="{9539E4F2-C474-48D6-B56C-A71574028F87}" dt="2024-08-02T14:31:31.682" v="2559" actId="1076"/>
-          <ac:spMkLst>
-            <pc:docMk/>
-            <pc:sldMk cId="822998820" sldId="258"/>
-            <ac:spMk id="42" creationId="{A14A1D4B-5AA1-522A-397C-D1964657C751}"/>
-          </ac:spMkLst>
-        </pc:spChg>
-        <pc:spChg chg="mod">
-          <ac:chgData name="ROEBUCK WILLIAMS RHOSLYN" userId="19c0e951-307b-46f9-a42c-f83c2dbad1d6" providerId="ADAL" clId="{9539E4F2-C474-48D6-B56C-A71574028F87}" dt="2024-08-02T14:23:16.103" v="2439" actId="14100"/>
-          <ac:spMkLst>
-            <pc:docMk/>
-            <pc:sldMk cId="822998820" sldId="258"/>
-            <ac:spMk id="44" creationId="{9A2DFD34-E640-EEAD-3436-DD63DC7A9817}"/>
-          </ac:spMkLst>
-        </pc:spChg>
-        <pc:spChg chg="del mod">
-          <ac:chgData name="ROEBUCK WILLIAMS RHOSLYN" userId="19c0e951-307b-46f9-a42c-f83c2dbad1d6" providerId="ADAL" clId="{9539E4F2-C474-48D6-B56C-A71574028F87}" dt="2024-08-02T14:01:19.925" v="2042" actId="478"/>
-          <ac:spMkLst>
-            <pc:docMk/>
-            <pc:sldMk cId="822998820" sldId="258"/>
-            <ac:spMk id="48" creationId="{B724A3D6-BE52-821F-F0CA-1E032478E6FC}"/>
-          </ac:spMkLst>
-        </pc:spChg>
-        <pc:spChg chg="mod">
-          <ac:chgData name="ROEBUCK WILLIAMS RHOSLYN" userId="19c0e951-307b-46f9-a42c-f83c2dbad1d6" providerId="ADAL" clId="{9539E4F2-C474-48D6-B56C-A71574028F87}" dt="2024-08-02T12:44:53.872" v="359" actId="255"/>
-          <ac:spMkLst>
-            <pc:docMk/>
-            <pc:sldMk cId="822998820" sldId="258"/>
-            <ac:spMk id="52" creationId="{0FC5A7EE-B148-0368-C995-579A86B17CD8}"/>
-          </ac:spMkLst>
-        </pc:spChg>
-        <pc:spChg chg="mod">
-          <ac:chgData name="ROEBUCK WILLIAMS RHOSLYN" userId="19c0e951-307b-46f9-a42c-f83c2dbad1d6" providerId="ADAL" clId="{9539E4F2-C474-48D6-B56C-A71574028F87}" dt="2024-08-02T14:05:11.979" v="2062" actId="1076"/>
-          <ac:spMkLst>
-            <pc:docMk/>
-            <pc:sldMk cId="822998820" sldId="258"/>
-            <ac:spMk id="56" creationId="{9398C94E-A74A-D10C-095D-9AE7266F22CC}"/>
-          </ac:spMkLst>
-        </pc:spChg>
-        <pc:spChg chg="mod">
-          <ac:chgData name="ROEBUCK WILLIAMS RHOSLYN" userId="19c0e951-307b-46f9-a42c-f83c2dbad1d6" providerId="ADAL" clId="{9539E4F2-C474-48D6-B56C-A71574028F87}" dt="2024-08-02T14:26:32.843" v="2517" actId="14100"/>
-          <ac:spMkLst>
-            <pc:docMk/>
-            <pc:sldMk cId="822998820" sldId="258"/>
-            <ac:spMk id="61" creationId="{340C4477-8A90-8A8C-65B7-202314C3ABCC}"/>
-          </ac:spMkLst>
-        </pc:spChg>
-        <pc:spChg chg="mod">
-          <ac:chgData name="ROEBUCK WILLIAMS RHOSLYN" userId="19c0e951-307b-46f9-a42c-f83c2dbad1d6" providerId="ADAL" clId="{9539E4F2-C474-48D6-B56C-A71574028F87}" dt="2024-08-02T14:05:21.669" v="2066" actId="1076"/>
-          <ac:spMkLst>
-            <pc:docMk/>
-            <pc:sldMk cId="822998820" sldId="258"/>
-            <ac:spMk id="64" creationId="{F1DB31A6-A394-9581-35E2-1B45D8C8135E}"/>
-          </ac:spMkLst>
-        </pc:spChg>
-        <pc:spChg chg="add mod">
-          <ac:chgData name="ROEBUCK WILLIAMS RHOSLYN" userId="19c0e951-307b-46f9-a42c-f83c2dbad1d6" providerId="ADAL" clId="{9539E4F2-C474-48D6-B56C-A71574028F87}" dt="2024-08-02T13:06:04.368" v="988" actId="1076"/>
-          <ac:spMkLst>
-            <pc:docMk/>
-            <pc:sldMk cId="822998820" sldId="258"/>
-            <ac:spMk id="271" creationId="{9731557B-6A8D-ECE3-CBF2-FAF304D57E5B}"/>
-          </ac:spMkLst>
-        </pc:spChg>
-        <pc:spChg chg="add mod">
-          <ac:chgData name="ROEBUCK WILLIAMS RHOSLYN" userId="19c0e951-307b-46f9-a42c-f83c2dbad1d6" providerId="ADAL" clId="{9539E4F2-C474-48D6-B56C-A71574028F87}" dt="2024-08-02T13:50:04.403" v="1962" actId="14100"/>
-          <ac:spMkLst>
-            <pc:docMk/>
-            <pc:sldMk cId="822998820" sldId="258"/>
-            <ac:spMk id="275" creationId="{8B8BBD31-1124-0F3F-A559-EBBC9215C49B}"/>
-          </ac:spMkLst>
-        </pc:spChg>
-        <pc:spChg chg="add mod">
-          <ac:chgData name="ROEBUCK WILLIAMS RHOSLYN" userId="19c0e951-307b-46f9-a42c-f83c2dbad1d6" providerId="ADAL" clId="{9539E4F2-C474-48D6-B56C-A71574028F87}" dt="2024-08-02T14:28:12.893" v="2522" actId="20577"/>
-          <ac:spMkLst>
-            <pc:docMk/>
-            <pc:sldMk cId="822998820" sldId="258"/>
-            <ac:spMk id="277" creationId="{3115CC88-6263-38C2-0D3E-003BDACFE043}"/>
-          </ac:spMkLst>
-        </pc:spChg>
-        <pc:spChg chg="add del mod">
-          <ac:chgData name="ROEBUCK WILLIAMS RHOSLYN" userId="19c0e951-307b-46f9-a42c-f83c2dbad1d6" providerId="ADAL" clId="{9539E4F2-C474-48D6-B56C-A71574028F87}" dt="2024-08-02T13:33:28.290" v="1549" actId="478"/>
-          <ac:spMkLst>
-            <pc:docMk/>
-            <pc:sldMk cId="822998820" sldId="258"/>
-            <ac:spMk id="299" creationId="{3DB9A0EF-23AE-F47C-4248-8EDBBEE1CE06}"/>
-          </ac:spMkLst>
-        </pc:spChg>
-        <pc:spChg chg="add del mod">
-          <ac:chgData name="ROEBUCK WILLIAMS RHOSLYN" userId="19c0e951-307b-46f9-a42c-f83c2dbad1d6" providerId="ADAL" clId="{9539E4F2-C474-48D6-B56C-A71574028F87}" dt="2024-08-02T13:50:43.906" v="1966" actId="1076"/>
-          <ac:spMkLst>
-            <pc:docMk/>
-            <pc:sldMk cId="822998820" sldId="258"/>
-            <ac:spMk id="300" creationId="{80207DE3-4325-095A-7ABD-C12AD403D167}"/>
-          </ac:spMkLst>
-        </pc:spChg>
-        <pc:spChg chg="add mod">
-          <ac:chgData name="ROEBUCK WILLIAMS RHOSLYN" userId="19c0e951-307b-46f9-a42c-f83c2dbad1d6" providerId="ADAL" clId="{9539E4F2-C474-48D6-B56C-A71574028F87}" dt="2024-08-02T14:15:28.622" v="2369" actId="14100"/>
-          <ac:spMkLst>
-            <pc:docMk/>
-            <pc:sldMk cId="822998820" sldId="258"/>
-            <ac:spMk id="305" creationId="{E93FBCF3-1541-0A07-BEC4-E6C4601835E9}"/>
-          </ac:spMkLst>
-        </pc:spChg>
-        <pc:spChg chg="add mod">
-          <ac:chgData name="ROEBUCK WILLIAMS RHOSLYN" userId="19c0e951-307b-46f9-a42c-f83c2dbad1d6" providerId="ADAL" clId="{9539E4F2-C474-48D6-B56C-A71574028F87}" dt="2024-08-02T14:29:35.689" v="2547" actId="20577"/>
-          <ac:spMkLst>
-            <pc:docMk/>
-            <pc:sldMk cId="822998820" sldId="258"/>
-            <ac:spMk id="314" creationId="{6FF04236-50E5-8739-1895-3CA914FEB9DF}"/>
-          </ac:spMkLst>
-        </pc:spChg>
-        <pc:spChg chg="add mod">
-          <ac:chgData name="ROEBUCK WILLIAMS RHOSLYN" userId="19c0e951-307b-46f9-a42c-f83c2dbad1d6" providerId="ADAL" clId="{9539E4F2-C474-48D6-B56C-A71574028F87}" dt="2024-08-02T14:24:27.121" v="2449" actId="113"/>
-          <ac:spMkLst>
-            <pc:docMk/>
-            <pc:sldMk cId="822998820" sldId="258"/>
-            <ac:spMk id="324" creationId="{6A00F52B-C080-2BFF-9C5D-566A00C0B6BD}"/>
-          </ac:spMkLst>
-        </pc:spChg>
-        <pc:spChg chg="add mod">
-          <ac:chgData name="ROEBUCK WILLIAMS RHOSLYN" userId="19c0e951-307b-46f9-a42c-f83c2dbad1d6" providerId="ADAL" clId="{9539E4F2-C474-48D6-B56C-A71574028F87}" dt="2024-08-02T14:31:44.425" v="2561" actId="113"/>
-          <ac:spMkLst>
-            <pc:docMk/>
-            <pc:sldMk cId="822998820" sldId="258"/>
-            <ac:spMk id="329" creationId="{CAB42C7C-D886-2F51-799D-9AE8A4A3E3CA}"/>
-          </ac:spMkLst>
-        </pc:spChg>
-        <pc:spChg chg="add mod">
-          <ac:chgData name="ROEBUCK WILLIAMS RHOSLYN" userId="19c0e951-307b-46f9-a42c-f83c2dbad1d6" providerId="ADAL" clId="{9539E4F2-C474-48D6-B56C-A71574028F87}" dt="2024-08-03T08:03:40.444" v="2726" actId="1076"/>
-          <ac:spMkLst>
-            <pc:docMk/>
-            <pc:sldMk cId="822998820" sldId="258"/>
-            <ac:spMk id="334" creationId="{69E8B08F-6DCC-96A9-0430-EFAF16983513}"/>
-          </ac:spMkLst>
-        </pc:spChg>
-        <pc:spChg chg="add mod">
-          <ac:chgData name="ROEBUCK WILLIAMS RHOSLYN" userId="19c0e951-307b-46f9-a42c-f83c2dbad1d6" providerId="ADAL" clId="{9539E4F2-C474-48D6-B56C-A71574028F87}" dt="2024-08-03T08:03:52.177" v="2728" actId="1076"/>
-          <ac:spMkLst>
-            <pc:docMk/>
-            <pc:sldMk cId="822998820" sldId="258"/>
-            <ac:spMk id="338" creationId="{AF7A6573-2EB0-85AC-1396-5C156AEBC5D4}"/>
-          </ac:spMkLst>
-        </pc:spChg>
-        <pc:spChg chg="add mod">
-          <ac:chgData name="ROEBUCK WILLIAMS RHOSLYN" userId="19c0e951-307b-46f9-a42c-f83c2dbad1d6" providerId="ADAL" clId="{9539E4F2-C474-48D6-B56C-A71574028F87}" dt="2024-08-02T13:19:37.790" v="1267" actId="207"/>
-          <ac:spMkLst>
-            <pc:docMk/>
-            <pc:sldMk cId="822998820" sldId="258"/>
-            <ac:spMk id="363" creationId="{33B453C8-38F8-3B27-667B-C8A99434E2AD}"/>
-          </ac:spMkLst>
-        </pc:spChg>
-        <pc:spChg chg="add mod">
-          <ac:chgData name="ROEBUCK WILLIAMS RHOSLYN" userId="19c0e951-307b-46f9-a42c-f83c2dbad1d6" providerId="ADAL" clId="{9539E4F2-C474-48D6-B56C-A71574028F87}" dt="2024-08-02T13:20:39.591" v="1293"/>
-          <ac:spMkLst>
-            <pc:docMk/>
-            <pc:sldMk cId="822998820" sldId="258"/>
-            <ac:spMk id="365" creationId="{519E1AFC-C0F5-BF15-5039-88A485B9CAA5}"/>
-          </ac:spMkLst>
-        </pc:spChg>
-        <pc:spChg chg="add mod">
-          <ac:chgData name="ROEBUCK WILLIAMS RHOSLYN" userId="19c0e951-307b-46f9-a42c-f83c2dbad1d6" providerId="ADAL" clId="{9539E4F2-C474-48D6-B56C-A71574028F87}" dt="2024-08-02T13:33:07.422" v="1544" actId="14100"/>
-          <ac:spMkLst>
-            <pc:docMk/>
-            <pc:sldMk cId="822998820" sldId="258"/>
-            <ac:spMk id="370" creationId="{1E6C3132-5A2F-96A7-98D0-8FCF4269FB45}"/>
-          </ac:spMkLst>
-        </pc:spChg>
-        <pc:spChg chg="add mod">
-          <ac:chgData name="ROEBUCK WILLIAMS RHOSLYN" userId="19c0e951-307b-46f9-a42c-f83c2dbad1d6" providerId="ADAL" clId="{9539E4F2-C474-48D6-B56C-A71574028F87}" dt="2024-08-03T08:04:08.330" v="2730" actId="1076"/>
-          <ac:spMkLst>
-            <pc:docMk/>
-            <pc:sldMk cId="822998820" sldId="258"/>
-            <ac:spMk id="371" creationId="{A79CC35C-7554-7426-B927-FF1CD8F0DFAA}"/>
-          </ac:spMkLst>
-        </pc:spChg>
-        <pc:spChg chg="add mod">
-          <ac:chgData name="ROEBUCK WILLIAMS RHOSLYN" userId="19c0e951-307b-46f9-a42c-f83c2dbad1d6" providerId="ADAL" clId="{9539E4F2-C474-48D6-B56C-A71574028F87}" dt="2024-08-02T14:22:08.852" v="2425" actId="1076"/>
-          <ac:spMkLst>
-            <pc:docMk/>
-            <pc:sldMk cId="822998820" sldId="258"/>
-            <ac:spMk id="385" creationId="{D00C56CC-CD79-D04E-6939-916AD014486C}"/>
-          </ac:spMkLst>
-        </pc:spChg>
-        <pc:spChg chg="add del mod">
-          <ac:chgData name="ROEBUCK WILLIAMS RHOSLYN" userId="19c0e951-307b-46f9-a42c-f83c2dbad1d6" providerId="ADAL" clId="{9539E4F2-C474-48D6-B56C-A71574028F87}" dt="2024-08-02T13:56:31.480" v="2004" actId="478"/>
-          <ac:spMkLst>
-            <pc:docMk/>
-            <pc:sldMk cId="822998820" sldId="258"/>
-            <ac:spMk id="408" creationId="{81552B28-3C5E-0817-DB34-06D8B5C2100C}"/>
-          </ac:spMkLst>
-        </pc:spChg>
-        <pc:spChg chg="add del mod">
-          <ac:chgData name="ROEBUCK WILLIAMS RHOSLYN" userId="19c0e951-307b-46f9-a42c-f83c2dbad1d6" providerId="ADAL" clId="{9539E4F2-C474-48D6-B56C-A71574028F87}" dt="2024-08-02T13:56:58.529" v="2010" actId="478"/>
-          <ac:spMkLst>
-            <pc:docMk/>
-            <pc:sldMk cId="822998820" sldId="258"/>
-            <ac:spMk id="409" creationId="{1416F415-169F-40CA-C993-B4B04C77729C}"/>
-          </ac:spMkLst>
-        </pc:spChg>
-        <pc:spChg chg="add del mod">
-          <ac:chgData name="ROEBUCK WILLIAMS RHOSLYN" userId="19c0e951-307b-46f9-a42c-f83c2dbad1d6" providerId="ADAL" clId="{9539E4F2-C474-48D6-B56C-A71574028F87}" dt="2024-08-02T13:56:50.956" v="2008" actId="478"/>
-          <ac:spMkLst>
-            <pc:docMk/>
-            <pc:sldMk cId="822998820" sldId="258"/>
-            <ac:spMk id="410" creationId="{E354E138-3846-9D61-9110-93E53BEB5A0B}"/>
-          </ac:spMkLst>
-        </pc:spChg>
-        <pc:grpChg chg="add mod">
-          <ac:chgData name="ROEBUCK WILLIAMS RHOSLYN" userId="19c0e951-307b-46f9-a42c-f83c2dbad1d6" providerId="ADAL" clId="{9539E4F2-C474-48D6-B56C-A71574028F87}" dt="2024-08-02T14:02:19.606" v="2046" actId="164"/>
-          <ac:grpSpMkLst>
-            <pc:docMk/>
-            <pc:sldMk cId="822998820" sldId="258"/>
-            <ac:grpSpMk id="454" creationId="{B44AF0C9-5264-F189-84BB-3594A5969415}"/>
-          </ac:grpSpMkLst>
-        </pc:grpChg>
-        <pc:cxnChg chg="mod">
-          <ac:chgData name="ROEBUCK WILLIAMS RHOSLYN" userId="19c0e951-307b-46f9-a42c-f83c2dbad1d6" providerId="ADAL" clId="{9539E4F2-C474-48D6-B56C-A71574028F87}" dt="2024-08-02T14:23:16.103" v="2439" actId="14100"/>
-          <ac:cxnSpMkLst>
-            <pc:docMk/>
-            <pc:sldMk cId="822998820" sldId="258"/>
-            <ac:cxnSpMk id="12" creationId="{926B9899-69C1-DC20-8EAB-50BDC2C23273}"/>
-          </ac:cxnSpMkLst>
-        </pc:cxnChg>
-        <pc:cxnChg chg="mod">
-          <ac:chgData name="ROEBUCK WILLIAMS RHOSLYN" userId="19c0e951-307b-46f9-a42c-f83c2dbad1d6" providerId="ADAL" clId="{9539E4F2-C474-48D6-B56C-A71574028F87}" dt="2024-08-02T14:15:12.327" v="2366" actId="14100"/>
-          <ac:cxnSpMkLst>
-            <pc:docMk/>
-            <pc:sldMk cId="822998820" sldId="258"/>
-            <ac:cxnSpMk id="16" creationId="{235209DE-3AC7-AEA2-ED89-4975A1C0D3D4}"/>
-          </ac:cxnSpMkLst>
-        </pc:cxnChg>
-        <pc:cxnChg chg="mod">
-          <ac:chgData name="ROEBUCK WILLIAMS RHOSLYN" userId="19c0e951-307b-46f9-a42c-f83c2dbad1d6" providerId="ADAL" clId="{9539E4F2-C474-48D6-B56C-A71574028F87}" dt="2024-08-02T14:15:17.055" v="2367" actId="1076"/>
-          <ac:cxnSpMkLst>
-            <pc:docMk/>
-            <pc:sldMk cId="822998820" sldId="258"/>
-            <ac:cxnSpMk id="26" creationId="{B4679F37-C6D4-6A1D-0567-7B9D67A33907}"/>
-          </ac:cxnSpMkLst>
-        </pc:cxnChg>
-        <pc:cxnChg chg="add del mod">
-          <ac:chgData name="ROEBUCK WILLIAMS RHOSLYN" userId="19c0e951-307b-46f9-a42c-f83c2dbad1d6" providerId="ADAL" clId="{9539E4F2-C474-48D6-B56C-A71574028F87}" dt="2024-08-02T12:24:56.096" v="151" actId="478"/>
-          <ac:cxnSpMkLst>
-            <pc:docMk/>
-            <pc:sldMk cId="822998820" sldId="258"/>
-            <ac:cxnSpMk id="39" creationId="{63015399-6201-1FD0-7A89-56340F3B4E03}"/>
-          </ac:cxnSpMkLst>
-        </pc:cxnChg>
-        <pc:cxnChg chg="mod">
-          <ac:chgData name="ROEBUCK WILLIAMS RHOSLYN" userId="19c0e951-307b-46f9-a42c-f83c2dbad1d6" providerId="ADAL" clId="{9539E4F2-C474-48D6-B56C-A71574028F87}" dt="2024-08-02T14:15:00.012" v="2364" actId="1076"/>
-          <ac:cxnSpMkLst>
-            <pc:docMk/>
-            <pc:sldMk cId="822998820" sldId="258"/>
-            <ac:cxnSpMk id="53" creationId="{C54EEBD3-28EB-9784-419E-34A411BC041E}"/>
-          </ac:cxnSpMkLst>
-        </pc:cxnChg>
-        <pc:cxnChg chg="mod">
-          <ac:chgData name="ROEBUCK WILLIAMS RHOSLYN" userId="19c0e951-307b-46f9-a42c-f83c2dbad1d6" providerId="ADAL" clId="{9539E4F2-C474-48D6-B56C-A71574028F87}" dt="2024-08-02T14:26:32.843" v="2517" actId="14100"/>
-          <ac:cxnSpMkLst>
-            <pc:docMk/>
-            <pc:sldMk cId="822998820" sldId="258"/>
-            <ac:cxnSpMk id="57" creationId="{C2C88BF7-142B-C3FC-489F-7EEDAA2ED7A9}"/>
-          </ac:cxnSpMkLst>
-        </pc:cxnChg>
-        <pc:cxnChg chg="add del mod">
-          <ac:chgData name="ROEBUCK WILLIAMS RHOSLYN" userId="19c0e951-307b-46f9-a42c-f83c2dbad1d6" providerId="ADAL" clId="{9539E4F2-C474-48D6-B56C-A71574028F87}" dt="2024-08-02T12:24:35.427" v="144" actId="478"/>
-          <ac:cxnSpMkLst>
-            <pc:docMk/>
-            <pc:sldMk cId="822998820" sldId="258"/>
-            <ac:cxnSpMk id="70" creationId="{16C9D944-125E-E5D2-91F2-77E9E77CB6D5}"/>
-          </ac:cxnSpMkLst>
-        </pc:cxnChg>
-        <pc:cxnChg chg="del mod">
-          <ac:chgData name="ROEBUCK WILLIAMS RHOSLYN" userId="19c0e951-307b-46f9-a42c-f83c2dbad1d6" providerId="ADAL" clId="{9539E4F2-C474-48D6-B56C-A71574028F87}" dt="2024-08-02T12:23:07.922" v="120" actId="478"/>
-          <ac:cxnSpMkLst>
-            <pc:docMk/>
-            <pc:sldMk cId="822998820" sldId="258"/>
-            <ac:cxnSpMk id="76" creationId="{AE591BCC-DECE-F195-49EA-20C6BFB1394D}"/>
-          </ac:cxnSpMkLst>
-        </pc:cxnChg>
-        <pc:cxnChg chg="add del mod">
-          <ac:chgData name="ROEBUCK WILLIAMS RHOSLYN" userId="19c0e951-307b-46f9-a42c-f83c2dbad1d6" providerId="ADAL" clId="{9539E4F2-C474-48D6-B56C-A71574028F87}" dt="2024-08-02T12:31:25.170" v="216" actId="478"/>
-          <ac:cxnSpMkLst>
-            <pc:docMk/>
-            <pc:sldMk cId="822998820" sldId="258"/>
-            <ac:cxnSpMk id="165" creationId="{65F0AE7C-9689-33F2-E5FA-39A986D10A4E}"/>
-          </ac:cxnSpMkLst>
-        </pc:cxnChg>
-        <pc:cxnChg chg="add del mod">
-          <ac:chgData name="ROEBUCK WILLIAMS RHOSLYN" userId="19c0e951-307b-46f9-a42c-f83c2dbad1d6" providerId="ADAL" clId="{9539E4F2-C474-48D6-B56C-A71574028F87}" dt="2024-08-02T12:24:55.344" v="150" actId="478"/>
-          <ac:cxnSpMkLst>
-            <pc:docMk/>
-            <pc:sldMk cId="822998820" sldId="258"/>
-            <ac:cxnSpMk id="201" creationId="{7D55D6B0-7793-1032-94BB-37F29ACFEC93}"/>
-          </ac:cxnSpMkLst>
-        </pc:cxnChg>
-        <pc:cxnChg chg="add del mod">
-          <ac:chgData name="ROEBUCK WILLIAMS RHOSLYN" userId="19c0e951-307b-46f9-a42c-f83c2dbad1d6" providerId="ADAL" clId="{9539E4F2-C474-48D6-B56C-A71574028F87}" dt="2024-08-02T13:17:33.542" v="1262" actId="478"/>
-          <ac:cxnSpMkLst>
-            <pc:docMk/>
-            <pc:sldMk cId="822998820" sldId="258"/>
-            <ac:cxnSpMk id="206" creationId="{EE022208-F676-BF61-DCC9-9C0CFF258276}"/>
-          </ac:cxnSpMkLst>
-        </pc:cxnChg>
-        <pc:cxnChg chg="add del">
-          <ac:chgData name="ROEBUCK WILLIAMS RHOSLYN" userId="19c0e951-307b-46f9-a42c-f83c2dbad1d6" providerId="ADAL" clId="{9539E4F2-C474-48D6-B56C-A71574028F87}" dt="2024-08-02T12:25:53.840" v="164" actId="478"/>
-          <ac:cxnSpMkLst>
-            <pc:docMk/>
-            <pc:sldMk cId="822998820" sldId="258"/>
-            <ac:cxnSpMk id="209" creationId="{C485AABC-44D4-0361-D451-730DF675939D}"/>
-          </ac:cxnSpMkLst>
-        </pc:cxnChg>
-        <pc:cxnChg chg="add del mod">
-          <ac:chgData name="ROEBUCK WILLIAMS RHOSLYN" userId="19c0e951-307b-46f9-a42c-f83c2dbad1d6" providerId="ADAL" clId="{9539E4F2-C474-48D6-B56C-A71574028F87}" dt="2024-08-02T12:28:42.803" v="172" actId="478"/>
-          <ac:cxnSpMkLst>
-            <pc:docMk/>
-            <pc:sldMk cId="822998820" sldId="258"/>
-            <ac:cxnSpMk id="211" creationId="{3F6A9DF7-D5A1-2A7C-98A1-2585107D06F9}"/>
-          </ac:cxnSpMkLst>
-        </pc:cxnChg>
-        <pc:cxnChg chg="add mod">
-          <ac:chgData name="ROEBUCK WILLIAMS RHOSLYN" userId="19c0e951-307b-46f9-a42c-f83c2dbad1d6" providerId="ADAL" clId="{9539E4F2-C474-48D6-B56C-A71574028F87}" dt="2024-08-02T14:23:16.103" v="2439" actId="14100"/>
-          <ac:cxnSpMkLst>
-            <pc:docMk/>
-            <pc:sldMk cId="822998820" sldId="258"/>
-            <ac:cxnSpMk id="214" creationId="{23F45CB1-F915-2592-A1C7-9FD48B78FDD7}"/>
-          </ac:cxnSpMkLst>
-        </pc:cxnChg>
-        <pc:cxnChg chg="add mod">
-          <ac:chgData name="ROEBUCK WILLIAMS RHOSLYN" userId="19c0e951-307b-46f9-a42c-f83c2dbad1d6" providerId="ADAL" clId="{9539E4F2-C474-48D6-B56C-A71574028F87}" dt="2024-08-02T14:21:44.666" v="2423"/>
-          <ac:cxnSpMkLst>
-            <pc:docMk/>
-            <pc:sldMk cId="822998820" sldId="258"/>
-            <ac:cxnSpMk id="242" creationId="{41120B5F-F708-A6F2-F648-80267F4FED55}"/>
-          </ac:cxnSpMkLst>
-        </pc:cxnChg>
-        <pc:cxnChg chg="add del mod">
-          <ac:chgData name="ROEBUCK WILLIAMS RHOSLYN" userId="19c0e951-307b-46f9-a42c-f83c2dbad1d6" providerId="ADAL" clId="{9539E4F2-C474-48D6-B56C-A71574028F87}" dt="2024-08-02T13:56:41.141" v="2007" actId="478"/>
-          <ac:cxnSpMkLst>
-            <pc:docMk/>
-            <pc:sldMk cId="822998820" sldId="258"/>
-            <ac:cxnSpMk id="273" creationId="{9DE6167A-5865-823B-B7D6-6B8D89723816}"/>
-          </ac:cxnSpMkLst>
-        </pc:cxnChg>
-        <pc:cxnChg chg="add del mod">
-          <ac:chgData name="ROEBUCK WILLIAMS RHOSLYN" userId="19c0e951-307b-46f9-a42c-f83c2dbad1d6" providerId="ADAL" clId="{9539E4F2-C474-48D6-B56C-A71574028F87}" dt="2024-08-02T12:54:37.457" v="610" actId="478"/>
-          <ac:cxnSpMkLst>
-            <pc:docMk/>
-            <pc:sldMk cId="822998820" sldId="258"/>
-            <ac:cxnSpMk id="281" creationId="{00C8B45E-E469-5A1D-2A41-1B7AF8BBAB0D}"/>
-          </ac:cxnSpMkLst>
-        </pc:cxnChg>
-        <pc:cxnChg chg="add mod">
-          <ac:chgData name="ROEBUCK WILLIAMS RHOSLYN" userId="19c0e951-307b-46f9-a42c-f83c2dbad1d6" providerId="ADAL" clId="{9539E4F2-C474-48D6-B56C-A71574028F87}" dt="2024-08-02T14:23:16.103" v="2439" actId="14100"/>
-          <ac:cxnSpMkLst>
-            <pc:docMk/>
-            <pc:sldMk cId="822998820" sldId="258"/>
-            <ac:cxnSpMk id="320" creationId="{B010DB81-FF87-6096-9227-5030260B4C51}"/>
-          </ac:cxnSpMkLst>
-        </pc:cxnChg>
-        <pc:cxnChg chg="add mod">
-          <ac:chgData name="ROEBUCK WILLIAMS RHOSLYN" userId="19c0e951-307b-46f9-a42c-f83c2dbad1d6" providerId="ADAL" clId="{9539E4F2-C474-48D6-B56C-A71574028F87}" dt="2024-08-02T14:31:31.682" v="2559" actId="1076"/>
-          <ac:cxnSpMkLst>
-            <pc:docMk/>
-            <pc:sldMk cId="822998820" sldId="258"/>
-            <ac:cxnSpMk id="330" creationId="{893746EB-0D3E-1251-F62D-B34FFC6F5154}"/>
-          </ac:cxnSpMkLst>
-        </pc:cxnChg>
-        <pc:cxnChg chg="add del mod">
-          <ac:chgData name="ROEBUCK WILLIAMS RHOSLYN" userId="19c0e951-307b-46f9-a42c-f83c2dbad1d6" providerId="ADAL" clId="{9539E4F2-C474-48D6-B56C-A71574028F87}" dt="2024-08-02T14:09:01.961" v="2107" actId="478"/>
-          <ac:cxnSpMkLst>
-            <pc:docMk/>
-            <pc:sldMk cId="822998820" sldId="258"/>
-            <ac:cxnSpMk id="335" creationId="{C772C035-D0C2-29A3-6882-8F33E7F56805}"/>
-          </ac:cxnSpMkLst>
-        </pc:cxnChg>
-        <pc:cxnChg chg="add mod">
-          <ac:chgData name="ROEBUCK WILLIAMS RHOSLYN" userId="19c0e951-307b-46f9-a42c-f83c2dbad1d6" providerId="ADAL" clId="{9539E4F2-C474-48D6-B56C-A71574028F87}" dt="2024-08-02T14:30:24.683" v="2552" actId="1076"/>
-          <ac:cxnSpMkLst>
-            <pc:docMk/>
-            <pc:sldMk cId="822998820" sldId="258"/>
-            <ac:cxnSpMk id="352" creationId="{FD7702DC-CEB3-F428-AC58-7631036208F5}"/>
-          </ac:cxnSpMkLst>
-        </pc:cxnChg>
-        <pc:cxnChg chg="add del mod">
-          <ac:chgData name="ROEBUCK WILLIAMS RHOSLYN" userId="19c0e951-307b-46f9-a42c-f83c2dbad1d6" providerId="ADAL" clId="{9539E4F2-C474-48D6-B56C-A71574028F87}" dt="2024-08-02T13:55:56.386" v="1995" actId="478"/>
-          <ac:cxnSpMkLst>
-            <pc:docMk/>
-            <pc:sldMk cId="822998820" sldId="258"/>
-            <ac:cxnSpMk id="359" creationId="{A5EDC472-8E4A-D0CE-D357-4F971605554D}"/>
-          </ac:cxnSpMkLst>
-        </pc:cxnChg>
-        <pc:cxnChg chg="add mod">
-          <ac:chgData name="ROEBUCK WILLIAMS RHOSLYN" userId="19c0e951-307b-46f9-a42c-f83c2dbad1d6" providerId="ADAL" clId="{9539E4F2-C474-48D6-B56C-A71574028F87}" dt="2024-08-02T13:20:39.591" v="1293"/>
-          <ac:cxnSpMkLst>
-            <pc:docMk/>
-            <pc:sldMk cId="822998820" sldId="258"/>
-            <ac:cxnSpMk id="364" creationId="{3D02C758-16C7-F121-7834-586DCEAE40D6}"/>
-          </ac:cxnSpMkLst>
-        </pc:cxnChg>
-        <pc:cxnChg chg="add mod">
-          <ac:chgData name="ROEBUCK WILLIAMS RHOSLYN" userId="19c0e951-307b-46f9-a42c-f83c2dbad1d6" providerId="ADAL" clId="{9539E4F2-C474-48D6-B56C-A71574028F87}" dt="2024-08-02T14:16:00.670" v="2374" actId="14100"/>
-          <ac:cxnSpMkLst>
-            <pc:docMk/>
-            <pc:sldMk cId="822998820" sldId="258"/>
-            <ac:cxnSpMk id="366" creationId="{01456621-189B-690B-2D6C-43CD380F59E4}"/>
-          </ac:cxnSpMkLst>
-        </pc:cxnChg>
-        <pc:cxnChg chg="add mod">
-          <ac:chgData name="ROEBUCK WILLIAMS RHOSLYN" userId="19c0e951-307b-46f9-a42c-f83c2dbad1d6" providerId="ADAL" clId="{9539E4F2-C474-48D6-B56C-A71574028F87}" dt="2024-08-02T14:23:16.103" v="2439" actId="14100"/>
-          <ac:cxnSpMkLst>
-            <pc:docMk/>
-            <pc:sldMk cId="822998820" sldId="258"/>
-            <ac:cxnSpMk id="402" creationId="{602FD4CE-BF27-5BA3-4A42-313934A36984}"/>
-          </ac:cxnSpMkLst>
-        </pc:cxnChg>
-        <pc:cxnChg chg="add del mod">
-          <ac:chgData name="ROEBUCK WILLIAMS RHOSLYN" userId="19c0e951-307b-46f9-a42c-f83c2dbad1d6" providerId="ADAL" clId="{9539E4F2-C474-48D6-B56C-A71574028F87}" dt="2024-08-02T13:56:38.531" v="2006" actId="478"/>
-          <ac:cxnSpMkLst>
-            <pc:docMk/>
-            <pc:sldMk cId="822998820" sldId="258"/>
-            <ac:cxnSpMk id="411" creationId="{ED61133C-99CD-8570-354F-84B1697EFDC6}"/>
-          </ac:cxnSpMkLst>
-        </pc:cxnChg>
-        <pc:cxnChg chg="add mod">
-          <ac:chgData name="ROEBUCK WILLIAMS RHOSLYN" userId="19c0e951-307b-46f9-a42c-f83c2dbad1d6" providerId="ADAL" clId="{9539E4F2-C474-48D6-B56C-A71574028F87}" dt="2024-08-02T14:23:24.814" v="2441" actId="14100"/>
-          <ac:cxnSpMkLst>
-            <pc:docMk/>
-            <pc:sldMk cId="822998820" sldId="258"/>
-            <ac:cxnSpMk id="414" creationId="{3EBB69BF-321C-B3CE-8472-0FD925D21411}"/>
-          </ac:cxnSpMkLst>
-        </pc:cxnChg>
-        <pc:cxnChg chg="add mod">
-          <ac:chgData name="ROEBUCK WILLIAMS RHOSLYN" userId="19c0e951-307b-46f9-a42c-f83c2dbad1d6" providerId="ADAL" clId="{9539E4F2-C474-48D6-B56C-A71574028F87}" dt="2024-08-02T14:31:07" v="2557" actId="33986"/>
-          <ac:cxnSpMkLst>
-            <pc:docMk/>
-            <pc:sldMk cId="822998820" sldId="258"/>
-            <ac:cxnSpMk id="526" creationId="{D53EE2C6-E9F4-0577-52F1-603DDF342357}"/>
-          </ac:cxnSpMkLst>
-        </pc:cxnChg>
-      </pc:sldChg>
-      <pc:sldChg chg="add del ord">
-        <pc:chgData name="ROEBUCK WILLIAMS RHOSLYN" userId="19c0e951-307b-46f9-a42c-f83c2dbad1d6" providerId="ADAL" clId="{9539E4F2-C474-48D6-B56C-A71574028F87}" dt="2024-08-05T11:21:39.913" v="3200" actId="47"/>
-        <pc:sldMkLst>
-          <pc:docMk/>
-          <pc:sldMk cId="4017035160" sldId="259"/>
-        </pc:sldMkLst>
-      </pc:sldChg>
-      <pc:sldChg chg="add del">
-        <pc:chgData name="ROEBUCK WILLIAMS RHOSLYN" userId="19c0e951-307b-46f9-a42c-f83c2dbad1d6" providerId="ADAL" clId="{9539E4F2-C474-48D6-B56C-A71574028F87}" dt="2024-08-05T11:21:39.913" v="3200" actId="47"/>
-        <pc:sldMkLst>
-          <pc:docMk/>
-          <pc:sldMk cId="4157479431" sldId="260"/>
-        </pc:sldMkLst>
-      </pc:sldChg>
-      <pc:sldChg chg="delSp modSp new del mod">
-        <pc:chgData name="ROEBUCK WILLIAMS RHOSLYN" userId="19c0e951-307b-46f9-a42c-f83c2dbad1d6" providerId="ADAL" clId="{9539E4F2-C474-48D6-B56C-A71574028F87}" dt="2024-08-05T11:21:39.913" v="3200" actId="47"/>
-        <pc:sldMkLst>
-          <pc:docMk/>
-          <pc:sldMk cId="641181504" sldId="261"/>
-        </pc:sldMkLst>
-        <pc:spChg chg="del">
-          <ac:chgData name="ROEBUCK WILLIAMS RHOSLYN" userId="19c0e951-307b-46f9-a42c-f83c2dbad1d6" providerId="ADAL" clId="{9539E4F2-C474-48D6-B56C-A71574028F87}" dt="2024-08-02T13:23:56.483" v="1482" actId="478"/>
-          <ac:spMkLst>
-            <pc:docMk/>
-            <pc:sldMk cId="641181504" sldId="261"/>
-            <ac:spMk id="2" creationId="{8EBFF33B-00C6-C498-82AF-6098B38D3D9C}"/>
-          </ac:spMkLst>
-        </pc:spChg>
-        <pc:spChg chg="mod">
-          <ac:chgData name="ROEBUCK WILLIAMS RHOSLYN" userId="19c0e951-307b-46f9-a42c-f83c2dbad1d6" providerId="ADAL" clId="{9539E4F2-C474-48D6-B56C-A71574028F87}" dt="2024-08-02T13:24:01.547" v="1486" actId="20577"/>
-          <ac:spMkLst>
-            <pc:docMk/>
-            <pc:sldMk cId="641181504" sldId="261"/>
-            <ac:spMk id="3" creationId="{2BDE50D2-F0DF-A701-798F-AB86BDCDAEF2}"/>
-          </ac:spMkLst>
-        </pc:spChg>
-      </pc:sldChg>
-      <pc:sldChg chg="addSp delSp modSp add mod ord">
-        <pc:chgData name="ROEBUCK WILLIAMS RHOSLYN" userId="19c0e951-307b-46f9-a42c-f83c2dbad1d6" providerId="ADAL" clId="{9539E4F2-C474-48D6-B56C-A71574028F87}" dt="2024-08-12T15:13:10.724" v="5223" actId="14100"/>
+      <pc:sldChg chg="modSp mod ord">
+        <pc:chgData name="ROEBUCK WILLIAMS RHOSLYN" userId="19c0e951-307b-46f9-a42c-f83c2dbad1d6" providerId="ADAL" clId="{CA170275-7344-438A-A8F7-1467E1F3B891}" dt="2024-11-01T08:59:28.872" v="104" actId="14100"/>
         <pc:sldMkLst>
           <pc:docMk/>
           <pc:sldMk cId="1752442661" sldId="262"/>
         </pc:sldMkLst>
         <pc:spChg chg="mod">
-          <ac:chgData name="ROEBUCK WILLIAMS RHOSLYN" userId="19c0e951-307b-46f9-a42c-f83c2dbad1d6" providerId="ADAL" clId="{9539E4F2-C474-48D6-B56C-A71574028F87}" dt="2024-08-05T10:58:57.906" v="3199" actId="14100"/>
+          <ac:chgData name="ROEBUCK WILLIAMS RHOSLYN" userId="19c0e951-307b-46f9-a42c-f83c2dbad1d6" providerId="ADAL" clId="{CA170275-7344-438A-A8F7-1467E1F3B891}" dt="2024-11-01T08:58:32.433" v="93" actId="1076"/>
           <ac:spMkLst>
             <pc:docMk/>
             <pc:sldMk cId="1752442661" sldId="262"/>
@@ -719,7 +141,39 @@
           </ac:spMkLst>
         </pc:spChg>
         <pc:spChg chg="mod">
-          <ac:chgData name="ROEBUCK WILLIAMS RHOSLYN" userId="19c0e951-307b-46f9-a42c-f83c2dbad1d6" providerId="ADAL" clId="{9539E4F2-C474-48D6-B56C-A71574028F87}" dt="2024-08-02T14:43:13.485" v="2724" actId="20577"/>
+          <ac:chgData name="ROEBUCK WILLIAMS RHOSLYN" userId="19c0e951-307b-46f9-a42c-f83c2dbad1d6" providerId="ADAL" clId="{CA170275-7344-438A-A8F7-1467E1F3B891}" dt="2024-11-01T08:58:24.928" v="91" actId="1076"/>
+          <ac:spMkLst>
+            <pc:docMk/>
+            <pc:sldMk cId="1752442661" sldId="262"/>
+            <ac:spMk id="5" creationId="{346FBF56-A7DF-4167-FC34-8C7AAEEE9647}"/>
+          </ac:spMkLst>
+        </pc:spChg>
+        <pc:spChg chg="mod">
+          <ac:chgData name="ROEBUCK WILLIAMS RHOSLYN" userId="19c0e951-307b-46f9-a42c-f83c2dbad1d6" providerId="ADAL" clId="{CA170275-7344-438A-A8F7-1467E1F3B891}" dt="2024-11-01T08:59:26.696" v="103" actId="14100"/>
+          <ac:spMkLst>
+            <pc:docMk/>
+            <pc:sldMk cId="1752442661" sldId="262"/>
+            <ac:spMk id="6" creationId="{CB0F3719-CBE3-A9A8-FFCD-2ECFD103C24E}"/>
+          </ac:spMkLst>
+        </pc:spChg>
+        <pc:spChg chg="mod">
+          <ac:chgData name="ROEBUCK WILLIAMS RHOSLYN" userId="19c0e951-307b-46f9-a42c-f83c2dbad1d6" providerId="ADAL" clId="{CA170275-7344-438A-A8F7-1467E1F3B891}" dt="2024-11-01T08:59:22.789" v="102" actId="14100"/>
+          <ac:spMkLst>
+            <pc:docMk/>
+            <pc:sldMk cId="1752442661" sldId="262"/>
+            <ac:spMk id="7" creationId="{64ABE1A5-932C-22BE-9EE8-247D1792463B}"/>
+          </ac:spMkLst>
+        </pc:spChg>
+        <pc:spChg chg="mod">
+          <ac:chgData name="ROEBUCK WILLIAMS RHOSLYN" userId="19c0e951-307b-46f9-a42c-f83c2dbad1d6" providerId="ADAL" clId="{CA170275-7344-438A-A8F7-1467E1F3B891}" dt="2024-11-01T08:58:34.991" v="94" actId="1076"/>
+          <ac:spMkLst>
+            <pc:docMk/>
+            <pc:sldMk cId="1752442661" sldId="262"/>
+            <ac:spMk id="9" creationId="{1B919D91-FC0C-7368-90E2-67BC1C60183D}"/>
+          </ac:spMkLst>
+        </pc:spChg>
+        <pc:spChg chg="mod">
+          <ac:chgData name="ROEBUCK WILLIAMS RHOSLYN" userId="19c0e951-307b-46f9-a42c-f83c2dbad1d6" providerId="ADAL" clId="{CA170275-7344-438A-A8F7-1467E1F3B891}" dt="2024-11-01T08:58:32.433" v="93" actId="1076"/>
           <ac:spMkLst>
             <pc:docMk/>
             <pc:sldMk cId="1752442661" sldId="262"/>
@@ -727,7 +181,15 @@
           </ac:spMkLst>
         </pc:spChg>
         <pc:spChg chg="mod">
-          <ac:chgData name="ROEBUCK WILLIAMS RHOSLYN" userId="19c0e951-307b-46f9-a42c-f83c2dbad1d6" providerId="ADAL" clId="{9539E4F2-C474-48D6-B56C-A71574028F87}" dt="2024-08-12T15:09:43.193" v="5207" actId="255"/>
+          <ac:chgData name="ROEBUCK WILLIAMS RHOSLYN" userId="19c0e951-307b-46f9-a42c-f83c2dbad1d6" providerId="ADAL" clId="{CA170275-7344-438A-A8F7-1467E1F3B891}" dt="2024-11-01T08:58:57.706" v="98" actId="14100"/>
+          <ac:spMkLst>
+            <pc:docMk/>
+            <pc:sldMk cId="1752442661" sldId="262"/>
+            <ac:spMk id="19" creationId="{D2A92E3D-448A-A5B8-E6F4-384524ED1057}"/>
+          </ac:spMkLst>
+        </pc:spChg>
+        <pc:spChg chg="mod">
+          <ac:chgData name="ROEBUCK WILLIAMS RHOSLYN" userId="19c0e951-307b-46f9-a42c-f83c2dbad1d6" providerId="ADAL" clId="{CA170275-7344-438A-A8F7-1467E1F3B891}" dt="2024-11-01T08:58:32.433" v="93" actId="1076"/>
           <ac:spMkLst>
             <pc:docMk/>
             <pc:sldMk cId="1752442661" sldId="262"/>
@@ -735,7 +197,7 @@
           </ac:spMkLst>
         </pc:spChg>
         <pc:spChg chg="mod">
-          <ac:chgData name="ROEBUCK WILLIAMS RHOSLYN" userId="19c0e951-307b-46f9-a42c-f83c2dbad1d6" providerId="ADAL" clId="{9539E4F2-C474-48D6-B56C-A71574028F87}" dt="2024-08-03T08:04:57.505" v="2746" actId="14100"/>
+          <ac:chgData name="ROEBUCK WILLIAMS RHOSLYN" userId="19c0e951-307b-46f9-a42c-f83c2dbad1d6" providerId="ADAL" clId="{CA170275-7344-438A-A8F7-1467E1F3B891}" dt="2024-11-01T08:58:40.060" v="95" actId="121"/>
           <ac:spMkLst>
             <pc:docMk/>
             <pc:sldMk cId="1752442661" sldId="262"/>
@@ -743,7 +205,7 @@
           </ac:spMkLst>
         </pc:spChg>
         <pc:spChg chg="mod">
-          <ac:chgData name="ROEBUCK WILLIAMS RHOSLYN" userId="19c0e951-307b-46f9-a42c-f83c2dbad1d6" providerId="ADAL" clId="{9539E4F2-C474-48D6-B56C-A71574028F87}" dt="2024-08-02T14:36:40.137" v="2623" actId="1076"/>
+          <ac:chgData name="ROEBUCK WILLIAMS RHOSLYN" userId="19c0e951-307b-46f9-a42c-f83c2dbad1d6" providerId="ADAL" clId="{CA170275-7344-438A-A8F7-1467E1F3B891}" dt="2024-11-01T08:58:24.928" v="91" actId="1076"/>
           <ac:spMkLst>
             <pc:docMk/>
             <pc:sldMk cId="1752442661" sldId="262"/>
@@ -751,7 +213,15 @@
           </ac:spMkLst>
         </pc:spChg>
         <pc:spChg chg="mod">
-          <ac:chgData name="ROEBUCK WILLIAMS RHOSLYN" userId="19c0e951-307b-46f9-a42c-f83c2dbad1d6" providerId="ADAL" clId="{9539E4F2-C474-48D6-B56C-A71574028F87}" dt="2024-08-12T15:13:10.724" v="5223" actId="14100"/>
+          <ac:chgData name="ROEBUCK WILLIAMS RHOSLYN" userId="19c0e951-307b-46f9-a42c-f83c2dbad1d6" providerId="ADAL" clId="{CA170275-7344-438A-A8F7-1467E1F3B891}" dt="2024-11-01T08:58:32.433" v="93" actId="1076"/>
+          <ac:spMkLst>
+            <pc:docMk/>
+            <pc:sldMk cId="1752442661" sldId="262"/>
+            <ac:spMk id="40" creationId="{026E36F0-35D8-4E3A-EE82-977CCCA6EB0F}"/>
+          </ac:spMkLst>
+        </pc:spChg>
+        <pc:spChg chg="mod">
+          <ac:chgData name="ROEBUCK WILLIAMS RHOSLYN" userId="19c0e951-307b-46f9-a42c-f83c2dbad1d6" providerId="ADAL" clId="{CA170275-7344-438A-A8F7-1467E1F3B891}" dt="2024-11-01T08:58:32.433" v="93" actId="1076"/>
           <ac:spMkLst>
             <pc:docMk/>
             <pc:sldMk cId="1752442661" sldId="262"/>
@@ -759,7 +229,7 @@
           </ac:spMkLst>
         </pc:spChg>
         <pc:spChg chg="mod">
-          <ac:chgData name="ROEBUCK WILLIAMS RHOSLYN" userId="19c0e951-307b-46f9-a42c-f83c2dbad1d6" providerId="ADAL" clId="{9539E4F2-C474-48D6-B56C-A71574028F87}" dt="2024-08-03T08:07:36.950" v="2781" actId="1076"/>
+          <ac:chgData name="ROEBUCK WILLIAMS RHOSLYN" userId="19c0e951-307b-46f9-a42c-f83c2dbad1d6" providerId="ADAL" clId="{CA170275-7344-438A-A8F7-1467E1F3B891}" dt="2024-11-01T08:58:32.433" v="93" actId="1076"/>
           <ac:spMkLst>
             <pc:docMk/>
             <pc:sldMk cId="1752442661" sldId="262"/>
@@ -767,55 +237,31 @@
           </ac:spMkLst>
         </pc:spChg>
         <pc:spChg chg="mod">
-          <ac:chgData name="ROEBUCK WILLIAMS RHOSLYN" userId="19c0e951-307b-46f9-a42c-f83c2dbad1d6" providerId="ADAL" clId="{9539E4F2-C474-48D6-B56C-A71574028F87}" dt="2024-08-05T09:57:52.663" v="3085" actId="20577"/>
+          <ac:chgData name="ROEBUCK WILLIAMS RHOSLYN" userId="19c0e951-307b-46f9-a42c-f83c2dbad1d6" providerId="ADAL" clId="{CA170275-7344-438A-A8F7-1467E1F3B891}" dt="2024-11-01T08:58:27.144" v="92" actId="1076"/>
           <ac:spMkLst>
             <pc:docMk/>
             <pc:sldMk cId="1752442661" sldId="262"/>
-            <ac:spMk id="61" creationId="{340C4477-8A90-8A8C-65B7-202314C3ABCC}"/>
+            <ac:spMk id="56" creationId="{9398C94E-A74A-D10C-095D-9AE7266F22CC}"/>
           </ac:spMkLst>
         </pc:spChg>
         <pc:spChg chg="mod">
-          <ac:chgData name="ROEBUCK WILLIAMS RHOSLYN" userId="19c0e951-307b-46f9-a42c-f83c2dbad1d6" providerId="ADAL" clId="{9539E4F2-C474-48D6-B56C-A71574028F87}" dt="2024-08-03T08:07:51.346" v="2782" actId="1076"/>
-          <ac:spMkLst>
-            <pc:docMk/>
-            <pc:sldMk cId="1752442661" sldId="262"/>
-            <ac:spMk id="64" creationId="{F1DB31A6-A394-9581-35E2-1B45D8C8135E}"/>
-          </ac:spMkLst>
-        </pc:spChg>
-        <pc:spChg chg="mod">
-          <ac:chgData name="ROEBUCK WILLIAMS RHOSLYN" userId="19c0e951-307b-46f9-a42c-f83c2dbad1d6" providerId="ADAL" clId="{9539E4F2-C474-48D6-B56C-A71574028F87}" dt="2024-08-03T08:09:19.672" v="2859" actId="1076"/>
-          <ac:spMkLst>
-            <pc:docMk/>
-            <pc:sldMk cId="1752442661" sldId="262"/>
-            <ac:spMk id="271" creationId="{9731557B-6A8D-ECE3-CBF2-FAF304D57E5B}"/>
-          </ac:spMkLst>
-        </pc:spChg>
-        <pc:spChg chg="del">
-          <ac:chgData name="ROEBUCK WILLIAMS RHOSLYN" userId="19c0e951-307b-46f9-a42c-f83c2dbad1d6" providerId="ADAL" clId="{9539E4F2-C474-48D6-B56C-A71574028F87}" dt="2024-08-03T08:09:15.716" v="2857" actId="478"/>
-          <ac:spMkLst>
-            <pc:docMk/>
-            <pc:sldMk cId="1752442661" sldId="262"/>
-            <ac:spMk id="275" creationId="{8B8BBD31-1124-0F3F-A559-EBBC9215C49B}"/>
-          </ac:spMkLst>
-        </pc:spChg>
-        <pc:spChg chg="mod">
-          <ac:chgData name="ROEBUCK WILLIAMS RHOSLYN" userId="19c0e951-307b-46f9-a42c-f83c2dbad1d6" providerId="ADAL" clId="{9539E4F2-C474-48D6-B56C-A71574028F87}" dt="2024-08-12T15:10:58.819" v="5211" actId="113"/>
+          <ac:chgData name="ROEBUCK WILLIAMS RHOSLYN" userId="19c0e951-307b-46f9-a42c-f83c2dbad1d6" providerId="ADAL" clId="{CA170275-7344-438A-A8F7-1467E1F3B891}" dt="2024-11-01T08:58:32.433" v="93" actId="1076"/>
           <ac:spMkLst>
             <pc:docMk/>
             <pc:sldMk cId="1752442661" sldId="262"/>
             <ac:spMk id="277" creationId="{3115CC88-6263-38C2-0D3E-003BDACFE043}"/>
           </ac:spMkLst>
         </pc:spChg>
-        <pc:spChg chg="del mod">
-          <ac:chgData name="ROEBUCK WILLIAMS RHOSLYN" userId="19c0e951-307b-46f9-a42c-f83c2dbad1d6" providerId="ADAL" clId="{9539E4F2-C474-48D6-B56C-A71574028F87}" dt="2024-08-03T08:09:17.582" v="2858" actId="478"/>
+        <pc:spChg chg="mod">
+          <ac:chgData name="ROEBUCK WILLIAMS RHOSLYN" userId="19c0e951-307b-46f9-a42c-f83c2dbad1d6" providerId="ADAL" clId="{CA170275-7344-438A-A8F7-1467E1F3B891}" dt="2024-11-01T08:58:32.433" v="93" actId="1076"/>
           <ac:spMkLst>
             <pc:docMk/>
             <pc:sldMk cId="1752442661" sldId="262"/>
-            <ac:spMk id="300" creationId="{80207DE3-4325-095A-7ABD-C12AD403D167}"/>
+            <ac:spMk id="305" creationId="{E93FBCF3-1541-0A07-BEC4-E6C4601835E9}"/>
           </ac:spMkLst>
         </pc:spChg>
         <pc:spChg chg="mod">
-          <ac:chgData name="ROEBUCK WILLIAMS RHOSLYN" userId="19c0e951-307b-46f9-a42c-f83c2dbad1d6" providerId="ADAL" clId="{9539E4F2-C474-48D6-B56C-A71574028F87}" dt="2024-08-12T15:10:49.798" v="5210" actId="113"/>
+          <ac:chgData name="ROEBUCK WILLIAMS RHOSLYN" userId="19c0e951-307b-46f9-a42c-f83c2dbad1d6" providerId="ADAL" clId="{CA170275-7344-438A-A8F7-1467E1F3B891}" dt="2024-11-01T08:58:24.928" v="91" actId="1076"/>
           <ac:spMkLst>
             <pc:docMk/>
             <pc:sldMk cId="1752442661" sldId="262"/>
@@ -823,7 +269,15 @@
           </ac:spMkLst>
         </pc:spChg>
         <pc:spChg chg="mod">
-          <ac:chgData name="ROEBUCK WILLIAMS RHOSLYN" userId="19c0e951-307b-46f9-a42c-f83c2dbad1d6" providerId="ADAL" clId="{9539E4F2-C474-48D6-B56C-A71574028F87}" dt="2024-08-03T08:06:46.855" v="2776" actId="14100"/>
+          <ac:chgData name="ROEBUCK WILLIAMS RHOSLYN" userId="19c0e951-307b-46f9-a42c-f83c2dbad1d6" providerId="ADAL" clId="{CA170275-7344-438A-A8F7-1467E1F3B891}" dt="2024-11-01T08:58:32.433" v="93" actId="1076"/>
+          <ac:spMkLst>
+            <pc:docMk/>
+            <pc:sldMk cId="1752442661" sldId="262"/>
+            <ac:spMk id="324" creationId="{6A00F52B-C080-2BFF-9C5D-566A00C0B6BD}"/>
+          </ac:spMkLst>
+        </pc:spChg>
+        <pc:spChg chg="mod">
+          <ac:chgData name="ROEBUCK WILLIAMS RHOSLYN" userId="19c0e951-307b-46f9-a42c-f83c2dbad1d6" providerId="ADAL" clId="{CA170275-7344-438A-A8F7-1467E1F3B891}" dt="2024-11-01T08:58:32.433" v="93" actId="1076"/>
           <ac:spMkLst>
             <pc:docMk/>
             <pc:sldMk cId="1752442661" sldId="262"/>
@@ -831,7 +285,7 @@
           </ac:spMkLst>
         </pc:spChg>
         <pc:spChg chg="mod">
-          <ac:chgData name="ROEBUCK WILLIAMS RHOSLYN" userId="19c0e951-307b-46f9-a42c-f83c2dbad1d6" providerId="ADAL" clId="{9539E4F2-C474-48D6-B56C-A71574028F87}" dt="2024-08-12T15:02:55.636" v="5019" actId="1076"/>
+          <ac:chgData name="ROEBUCK WILLIAMS RHOSLYN" userId="19c0e951-307b-46f9-a42c-f83c2dbad1d6" providerId="ADAL" clId="{CA170275-7344-438A-A8F7-1467E1F3B891}" dt="2024-11-01T08:58:47.534" v="96" actId="1076"/>
           <ac:spMkLst>
             <pc:docMk/>
             <pc:sldMk cId="1752442661" sldId="262"/>
@@ -839,7 +293,7 @@
           </ac:spMkLst>
         </pc:spChg>
         <pc:spChg chg="mod">
-          <ac:chgData name="ROEBUCK WILLIAMS RHOSLYN" userId="19c0e951-307b-46f9-a42c-f83c2dbad1d6" providerId="ADAL" clId="{9539E4F2-C474-48D6-B56C-A71574028F87}" dt="2024-08-02T14:34:29.254" v="2593" actId="1076"/>
+          <ac:chgData name="ROEBUCK WILLIAMS RHOSLYN" userId="19c0e951-307b-46f9-a42c-f83c2dbad1d6" providerId="ADAL" clId="{CA170275-7344-438A-A8F7-1467E1F3B891}" dt="2024-11-01T08:58:32.433" v="93" actId="1076"/>
           <ac:spMkLst>
             <pc:docMk/>
             <pc:sldMk cId="1752442661" sldId="262"/>
@@ -847,7 +301,7 @@
           </ac:spMkLst>
         </pc:spChg>
         <pc:spChg chg="mod">
-          <ac:chgData name="ROEBUCK WILLIAMS RHOSLYN" userId="19c0e951-307b-46f9-a42c-f83c2dbad1d6" providerId="ADAL" clId="{9539E4F2-C474-48D6-B56C-A71574028F87}" dt="2024-08-12T15:09:22.988" v="5206" actId="20577"/>
+          <ac:chgData name="ROEBUCK WILLIAMS RHOSLYN" userId="19c0e951-307b-46f9-a42c-f83c2dbad1d6" providerId="ADAL" clId="{CA170275-7344-438A-A8F7-1467E1F3B891}" dt="2024-11-01T08:59:28.872" v="104" actId="14100"/>
           <ac:spMkLst>
             <pc:docMk/>
             <pc:sldMk cId="1752442661" sldId="262"/>
@@ -855,15 +309,7 @@
           </ac:spMkLst>
         </pc:spChg>
         <pc:spChg chg="mod">
-          <ac:chgData name="ROEBUCK WILLIAMS RHOSLYN" userId="19c0e951-307b-46f9-a42c-f83c2dbad1d6" providerId="ADAL" clId="{9539E4F2-C474-48D6-B56C-A71574028F87}" dt="2024-08-03T08:10:07.173" v="2971" actId="20577"/>
-          <ac:spMkLst>
-            <pc:docMk/>
-            <pc:sldMk cId="1752442661" sldId="262"/>
-            <ac:spMk id="370" creationId="{1E6C3132-5A2F-96A7-98D0-8FCF4269FB45}"/>
-          </ac:spMkLst>
-        </pc:spChg>
-        <pc:spChg chg="mod">
-          <ac:chgData name="ROEBUCK WILLIAMS RHOSLYN" userId="19c0e951-307b-46f9-a42c-f83c2dbad1d6" providerId="ADAL" clId="{9539E4F2-C474-48D6-B56C-A71574028F87}" dt="2024-08-03T08:05:14.402" v="2750" actId="1076"/>
+          <ac:chgData name="ROEBUCK WILLIAMS RHOSLYN" userId="19c0e951-307b-46f9-a42c-f83c2dbad1d6" providerId="ADAL" clId="{CA170275-7344-438A-A8F7-1467E1F3B891}" dt="2024-11-01T08:58:32.433" v="93" actId="1076"/>
           <ac:spMkLst>
             <pc:docMk/>
             <pc:sldMk cId="1752442661" sldId="262"/>
@@ -871,7 +317,7 @@
           </ac:spMkLst>
         </pc:spChg>
         <pc:spChg chg="mod">
-          <ac:chgData name="ROEBUCK WILLIAMS RHOSLYN" userId="19c0e951-307b-46f9-a42c-f83c2dbad1d6" providerId="ADAL" clId="{9539E4F2-C474-48D6-B56C-A71574028F87}" dt="2024-08-03T08:05:06.706" v="2748" actId="1076"/>
+          <ac:chgData name="ROEBUCK WILLIAMS RHOSLYN" userId="19c0e951-307b-46f9-a42c-f83c2dbad1d6" providerId="ADAL" clId="{CA170275-7344-438A-A8F7-1467E1F3B891}" dt="2024-11-01T08:58:32.433" v="93" actId="1076"/>
           <ac:spMkLst>
             <pc:docMk/>
             <pc:sldMk cId="1752442661" sldId="262"/>
@@ -879,15 +325,23 @@
           </ac:spMkLst>
         </pc:spChg>
         <pc:cxnChg chg="mod">
-          <ac:chgData name="ROEBUCK WILLIAMS RHOSLYN" userId="19c0e951-307b-46f9-a42c-f83c2dbad1d6" providerId="ADAL" clId="{9539E4F2-C474-48D6-B56C-A71574028F87}" dt="2024-08-02T14:35:55.395" v="2613" actId="1038"/>
+          <ac:chgData name="ROEBUCK WILLIAMS RHOSLYN" userId="19c0e951-307b-46f9-a42c-f83c2dbad1d6" providerId="ADAL" clId="{CA170275-7344-438A-A8F7-1467E1F3B891}" dt="2024-11-01T08:58:24.928" v="91" actId="1076"/>
           <ac:cxnSpMkLst>
             <pc:docMk/>
             <pc:sldMk cId="1752442661" sldId="262"/>
             <ac:cxnSpMk id="12" creationId="{926B9899-69C1-DC20-8EAB-50BDC2C23273}"/>
           </ac:cxnSpMkLst>
         </pc:cxnChg>
-        <pc:cxnChg chg="add mod">
-          <ac:chgData name="ROEBUCK WILLIAMS RHOSLYN" userId="19c0e951-307b-46f9-a42c-f83c2dbad1d6" providerId="ADAL" clId="{9539E4F2-C474-48D6-B56C-A71574028F87}" dt="2024-08-12T15:13:10.724" v="5223" actId="14100"/>
+        <pc:cxnChg chg="mod">
+          <ac:chgData name="ROEBUCK WILLIAMS RHOSLYN" userId="19c0e951-307b-46f9-a42c-f83c2dbad1d6" providerId="ADAL" clId="{CA170275-7344-438A-A8F7-1467E1F3B891}" dt="2024-11-01T08:58:32.433" v="93" actId="1076"/>
+          <ac:cxnSpMkLst>
+            <pc:docMk/>
+            <pc:sldMk cId="1752442661" sldId="262"/>
+            <ac:cxnSpMk id="16" creationId="{235209DE-3AC7-AEA2-ED89-4975A1C0D3D4}"/>
+          </ac:cxnSpMkLst>
+        </pc:cxnChg>
+        <pc:cxnChg chg="mod">
+          <ac:chgData name="ROEBUCK WILLIAMS RHOSLYN" userId="19c0e951-307b-46f9-a42c-f83c2dbad1d6" providerId="ADAL" clId="{CA170275-7344-438A-A8F7-1467E1F3B891}" dt="2024-11-01T08:58:32.433" v="93" actId="1076"/>
           <ac:cxnSpMkLst>
             <pc:docMk/>
             <pc:sldMk cId="1752442661" sldId="262"/>
@@ -895,7 +349,7 @@
           </ac:cxnSpMkLst>
         </pc:cxnChg>
         <pc:cxnChg chg="mod">
-          <ac:chgData name="ROEBUCK WILLIAMS RHOSLYN" userId="19c0e951-307b-46f9-a42c-f83c2dbad1d6" providerId="ADAL" clId="{9539E4F2-C474-48D6-B56C-A71574028F87}" dt="2024-08-05T09:56:55.368" v="2990" actId="14100"/>
+          <ac:chgData name="ROEBUCK WILLIAMS RHOSLYN" userId="19c0e951-307b-46f9-a42c-f83c2dbad1d6" providerId="ADAL" clId="{CA170275-7344-438A-A8F7-1467E1F3B891}" dt="2024-11-01T08:58:32.433" v="93" actId="1076"/>
           <ac:cxnSpMkLst>
             <pc:docMk/>
             <pc:sldMk cId="1752442661" sldId="262"/>
@@ -903,7 +357,15 @@
           </ac:cxnSpMkLst>
         </pc:cxnChg>
         <pc:cxnChg chg="mod">
-          <ac:chgData name="ROEBUCK WILLIAMS RHOSLYN" userId="19c0e951-307b-46f9-a42c-f83c2dbad1d6" providerId="ADAL" clId="{9539E4F2-C474-48D6-B56C-A71574028F87}" dt="2024-08-05T10:58:57.906" v="3199" actId="14100"/>
+          <ac:chgData name="ROEBUCK WILLIAMS RHOSLYN" userId="19c0e951-307b-46f9-a42c-f83c2dbad1d6" providerId="ADAL" clId="{CA170275-7344-438A-A8F7-1467E1F3B891}" dt="2024-11-01T08:58:24.928" v="91" actId="1076"/>
+          <ac:cxnSpMkLst>
+            <pc:docMk/>
+            <pc:sldMk cId="1752442661" sldId="262"/>
+            <ac:cxnSpMk id="53" creationId="{C54EEBD3-28EB-9784-419E-34A411BC041E}"/>
+          </ac:cxnSpMkLst>
+        </pc:cxnChg>
+        <pc:cxnChg chg="mod">
+          <ac:chgData name="ROEBUCK WILLIAMS RHOSLYN" userId="19c0e951-307b-46f9-a42c-f83c2dbad1d6" providerId="ADAL" clId="{CA170275-7344-438A-A8F7-1467E1F3B891}" dt="2024-11-01T08:58:32.433" v="93" actId="1076"/>
           <ac:cxnSpMkLst>
             <pc:docMk/>
             <pc:sldMk cId="1752442661" sldId="262"/>
@@ -911,7 +373,15 @@
           </ac:cxnSpMkLst>
         </pc:cxnChg>
         <pc:cxnChg chg="mod">
-          <ac:chgData name="ROEBUCK WILLIAMS RHOSLYN" userId="19c0e951-307b-46f9-a42c-f83c2dbad1d6" providerId="ADAL" clId="{9539E4F2-C474-48D6-B56C-A71574028F87}" dt="2024-08-05T10:58:57.906" v="3199" actId="14100"/>
+          <ac:chgData name="ROEBUCK WILLIAMS RHOSLYN" userId="19c0e951-307b-46f9-a42c-f83c2dbad1d6" providerId="ADAL" clId="{CA170275-7344-438A-A8F7-1467E1F3B891}" dt="2024-11-01T08:58:32.433" v="93" actId="1076"/>
+          <ac:cxnSpMkLst>
+            <pc:docMk/>
+            <pc:sldMk cId="1752442661" sldId="262"/>
+            <ac:cxnSpMk id="242" creationId="{41120B5F-F708-A6F2-F648-80267F4FED55}"/>
+          </ac:cxnSpMkLst>
+        </pc:cxnChg>
+        <pc:cxnChg chg="mod">
+          <ac:chgData name="ROEBUCK WILLIAMS RHOSLYN" userId="19c0e951-307b-46f9-a42c-f83c2dbad1d6" providerId="ADAL" clId="{CA170275-7344-438A-A8F7-1467E1F3B891}" dt="2024-11-01T08:58:32.433" v="93" actId="1076"/>
           <ac:cxnSpMkLst>
             <pc:docMk/>
             <pc:sldMk cId="1752442661" sldId="262"/>
@@ -919,7 +389,7 @@
           </ac:cxnSpMkLst>
         </pc:cxnChg>
         <pc:cxnChg chg="mod">
-          <ac:chgData name="ROEBUCK WILLIAMS RHOSLYN" userId="19c0e951-307b-46f9-a42c-f83c2dbad1d6" providerId="ADAL" clId="{9539E4F2-C474-48D6-B56C-A71574028F87}" dt="2024-08-12T15:13:10.724" v="5223" actId="14100"/>
+          <ac:chgData name="ROEBUCK WILLIAMS RHOSLYN" userId="19c0e951-307b-46f9-a42c-f83c2dbad1d6" providerId="ADAL" clId="{CA170275-7344-438A-A8F7-1467E1F3B891}" dt="2024-11-01T08:58:32.433" v="93" actId="1076"/>
           <ac:cxnSpMkLst>
             <pc:docMk/>
             <pc:sldMk cId="1752442661" sldId="262"/>
@@ -927,7 +397,7 @@
           </ac:cxnSpMkLst>
         </pc:cxnChg>
         <pc:cxnChg chg="mod">
-          <ac:chgData name="ROEBUCK WILLIAMS RHOSLYN" userId="19c0e951-307b-46f9-a42c-f83c2dbad1d6" providerId="ADAL" clId="{9539E4F2-C474-48D6-B56C-A71574028F87}" dt="2024-08-05T10:58:57.906" v="3199" actId="14100"/>
+          <ac:chgData name="ROEBUCK WILLIAMS RHOSLYN" userId="19c0e951-307b-46f9-a42c-f83c2dbad1d6" providerId="ADAL" clId="{CA170275-7344-438A-A8F7-1467E1F3B891}" dt="2024-11-01T08:58:32.433" v="93" actId="1076"/>
           <ac:cxnSpMkLst>
             <pc:docMk/>
             <pc:sldMk cId="1752442661" sldId="262"/>
@@ -935,7 +405,15 @@
           </ac:cxnSpMkLst>
         </pc:cxnChg>
         <pc:cxnChg chg="mod">
-          <ac:chgData name="ROEBUCK WILLIAMS RHOSLYN" userId="19c0e951-307b-46f9-a42c-f83c2dbad1d6" providerId="ADAL" clId="{9539E4F2-C474-48D6-B56C-A71574028F87}" dt="2024-08-05T10:58:57.906" v="3199" actId="14100"/>
+          <ac:chgData name="ROEBUCK WILLIAMS RHOSLYN" userId="19c0e951-307b-46f9-a42c-f83c2dbad1d6" providerId="ADAL" clId="{CA170275-7344-438A-A8F7-1467E1F3B891}" dt="2024-11-01T08:58:57.706" v="98" actId="14100"/>
+          <ac:cxnSpMkLst>
+            <pc:docMk/>
+            <pc:sldMk cId="1752442661" sldId="262"/>
+            <ac:cxnSpMk id="366" creationId="{01456621-189B-690B-2D6C-43CD380F59E4}"/>
+          </ac:cxnSpMkLst>
+        </pc:cxnChg>
+        <pc:cxnChg chg="mod">
+          <ac:chgData name="ROEBUCK WILLIAMS RHOSLYN" userId="19c0e951-307b-46f9-a42c-f83c2dbad1d6" providerId="ADAL" clId="{CA170275-7344-438A-A8F7-1467E1F3B891}" dt="2024-11-01T08:58:32.433" v="93" actId="1076"/>
           <ac:cxnSpMkLst>
             <pc:docMk/>
             <pc:sldMk cId="1752442661" sldId="262"/>
@@ -943,7 +421,7 @@
           </ac:cxnSpMkLst>
         </pc:cxnChg>
         <pc:cxnChg chg="mod">
-          <ac:chgData name="ROEBUCK WILLIAMS RHOSLYN" userId="19c0e951-307b-46f9-a42c-f83c2dbad1d6" providerId="ADAL" clId="{9539E4F2-C474-48D6-B56C-A71574028F87}" dt="2024-08-05T09:56:55.368" v="2990" actId="14100"/>
+          <ac:chgData name="ROEBUCK WILLIAMS RHOSLYN" userId="19c0e951-307b-46f9-a42c-f83c2dbad1d6" providerId="ADAL" clId="{CA170275-7344-438A-A8F7-1467E1F3B891}" dt="2024-11-01T08:58:32.433" v="93" actId="1076"/>
           <ac:cxnSpMkLst>
             <pc:docMk/>
             <pc:sldMk cId="1752442661" sldId="262"/>
@@ -951,466 +429,11 @@
           </ac:cxnSpMkLst>
         </pc:cxnChg>
         <pc:cxnChg chg="mod">
-          <ac:chgData name="ROEBUCK WILLIAMS RHOSLYN" userId="19c0e951-307b-46f9-a42c-f83c2dbad1d6" providerId="ADAL" clId="{9539E4F2-C474-48D6-B56C-A71574028F87}" dt="2024-08-12T15:03:24.106" v="5065" actId="14100"/>
+          <ac:chgData name="ROEBUCK WILLIAMS RHOSLYN" userId="19c0e951-307b-46f9-a42c-f83c2dbad1d6" providerId="ADAL" clId="{CA170275-7344-438A-A8F7-1467E1F3B891}" dt="2024-11-01T08:58:32.433" v="93" actId="1076"/>
           <ac:cxnSpMkLst>
             <pc:docMk/>
             <pc:sldMk cId="1752442661" sldId="262"/>
             <ac:cxnSpMk id="526" creationId="{D53EE2C6-E9F4-0577-52F1-603DDF342357}"/>
-          </ac:cxnSpMkLst>
-        </pc:cxnChg>
-      </pc:sldChg>
-      <pc:sldChg chg="addSp delSp modSp new mod ord">
-        <pc:chgData name="ROEBUCK WILLIAMS RHOSLYN" userId="19c0e951-307b-46f9-a42c-f83c2dbad1d6" providerId="ADAL" clId="{9539E4F2-C474-48D6-B56C-A71574028F87}" dt="2024-08-05T15:04:48.539" v="4928" actId="1076"/>
-        <pc:sldMkLst>
-          <pc:docMk/>
-          <pc:sldMk cId="2676893550" sldId="263"/>
-        </pc:sldMkLst>
-        <pc:spChg chg="del">
-          <ac:chgData name="ROEBUCK WILLIAMS RHOSLYN" userId="19c0e951-307b-46f9-a42c-f83c2dbad1d6" providerId="ADAL" clId="{9539E4F2-C474-48D6-B56C-A71574028F87}" dt="2024-08-05T11:21:43.663" v="3202" actId="478"/>
-          <ac:spMkLst>
-            <pc:docMk/>
-            <pc:sldMk cId="2676893550" sldId="263"/>
-            <ac:spMk id="2" creationId="{C17FAF17-B73C-1BC2-0CD8-B9C6B077C650}"/>
-          </ac:spMkLst>
-        </pc:spChg>
-        <pc:spChg chg="del">
-          <ac:chgData name="ROEBUCK WILLIAMS RHOSLYN" userId="19c0e951-307b-46f9-a42c-f83c2dbad1d6" providerId="ADAL" clId="{9539E4F2-C474-48D6-B56C-A71574028F87}" dt="2024-08-05T11:21:44.382" v="3203" actId="478"/>
-          <ac:spMkLst>
-            <pc:docMk/>
-            <pc:sldMk cId="2676893550" sldId="263"/>
-            <ac:spMk id="3" creationId="{B534D582-78CF-C35E-697A-A0367507FE2C}"/>
-          </ac:spMkLst>
-        </pc:spChg>
-        <pc:spChg chg="add mod">
-          <ac:chgData name="ROEBUCK WILLIAMS RHOSLYN" userId="19c0e951-307b-46f9-a42c-f83c2dbad1d6" providerId="ADAL" clId="{9539E4F2-C474-48D6-B56C-A71574028F87}" dt="2024-08-05T11:38:36.043" v="4724" actId="1076"/>
-          <ac:spMkLst>
-            <pc:docMk/>
-            <pc:sldMk cId="2676893550" sldId="263"/>
-            <ac:spMk id="6" creationId="{6E07BB81-D828-144A-EB02-0B2D729F7626}"/>
-          </ac:spMkLst>
-        </pc:spChg>
-        <pc:spChg chg="add mod">
-          <ac:chgData name="ROEBUCK WILLIAMS RHOSLYN" userId="19c0e951-307b-46f9-a42c-f83c2dbad1d6" providerId="ADAL" clId="{9539E4F2-C474-48D6-B56C-A71574028F87}" dt="2024-08-05T11:38:36.043" v="4724" actId="1076"/>
-          <ac:spMkLst>
-            <pc:docMk/>
-            <pc:sldMk cId="2676893550" sldId="263"/>
-            <ac:spMk id="7" creationId="{E84E2C69-83A0-2B5C-C2DA-56CA1C2C769A}"/>
-          </ac:spMkLst>
-        </pc:spChg>
-        <pc:spChg chg="add del mod">
-          <ac:chgData name="ROEBUCK WILLIAMS RHOSLYN" userId="19c0e951-307b-46f9-a42c-f83c2dbad1d6" providerId="ADAL" clId="{9539E4F2-C474-48D6-B56C-A71574028F87}" dt="2024-08-05T11:23:31.542" v="3274" actId="478"/>
-          <ac:spMkLst>
-            <pc:docMk/>
-            <pc:sldMk cId="2676893550" sldId="263"/>
-            <ac:spMk id="8" creationId="{49DECEBE-7783-B9BC-67B7-D6D3ED9EE93A}"/>
-          </ac:spMkLst>
-        </pc:spChg>
-        <pc:spChg chg="add mod">
-          <ac:chgData name="ROEBUCK WILLIAMS RHOSLYN" userId="19c0e951-307b-46f9-a42c-f83c2dbad1d6" providerId="ADAL" clId="{9539E4F2-C474-48D6-B56C-A71574028F87}" dt="2024-08-05T11:41:10.749" v="4859" actId="1076"/>
-          <ac:spMkLst>
-            <pc:docMk/>
-            <pc:sldMk cId="2676893550" sldId="263"/>
-            <ac:spMk id="9" creationId="{488FD193-364C-B76F-A576-6A01CC4D876D}"/>
-          </ac:spMkLst>
-        </pc:spChg>
-        <pc:spChg chg="add mod">
-          <ac:chgData name="ROEBUCK WILLIAMS RHOSLYN" userId="19c0e951-307b-46f9-a42c-f83c2dbad1d6" providerId="ADAL" clId="{9539E4F2-C474-48D6-B56C-A71574028F87}" dt="2024-08-05T11:38:36.043" v="4724" actId="1076"/>
-          <ac:spMkLst>
-            <pc:docMk/>
-            <pc:sldMk cId="2676893550" sldId="263"/>
-            <ac:spMk id="10" creationId="{272927D8-E09A-64A9-A3E1-DDA99FC54C8C}"/>
-          </ac:spMkLst>
-        </pc:spChg>
-        <pc:spChg chg="add mod">
-          <ac:chgData name="ROEBUCK WILLIAMS RHOSLYN" userId="19c0e951-307b-46f9-a42c-f83c2dbad1d6" providerId="ADAL" clId="{9539E4F2-C474-48D6-B56C-A71574028F87}" dt="2024-08-05T11:38:36.043" v="4724" actId="1076"/>
-          <ac:spMkLst>
-            <pc:docMk/>
-            <pc:sldMk cId="2676893550" sldId="263"/>
-            <ac:spMk id="11" creationId="{72F9AC22-B3D0-400C-C41C-251C4935DF71}"/>
-          </ac:spMkLst>
-        </pc:spChg>
-        <pc:spChg chg="add mod">
-          <ac:chgData name="ROEBUCK WILLIAMS RHOSLYN" userId="19c0e951-307b-46f9-a42c-f83c2dbad1d6" providerId="ADAL" clId="{9539E4F2-C474-48D6-B56C-A71574028F87}" dt="2024-08-05T11:38:36.043" v="4724" actId="1076"/>
-          <ac:spMkLst>
-            <pc:docMk/>
-            <pc:sldMk cId="2676893550" sldId="263"/>
-            <ac:spMk id="12" creationId="{4B7B1D94-EC90-E19D-9B17-9F38F6661FAD}"/>
-          </ac:spMkLst>
-        </pc:spChg>
-        <pc:spChg chg="add mod">
-          <ac:chgData name="ROEBUCK WILLIAMS RHOSLYN" userId="19c0e951-307b-46f9-a42c-f83c2dbad1d6" providerId="ADAL" clId="{9539E4F2-C474-48D6-B56C-A71574028F87}" dt="2024-08-05T11:38:36.043" v="4724" actId="1076"/>
-          <ac:spMkLst>
-            <pc:docMk/>
-            <pc:sldMk cId="2676893550" sldId="263"/>
-            <ac:spMk id="13" creationId="{EE6B7265-0266-9F6D-AB95-EEEEB85CB011}"/>
-          </ac:spMkLst>
-        </pc:spChg>
-        <pc:spChg chg="add mod">
-          <ac:chgData name="ROEBUCK WILLIAMS RHOSLYN" userId="19c0e951-307b-46f9-a42c-f83c2dbad1d6" providerId="ADAL" clId="{9539E4F2-C474-48D6-B56C-A71574028F87}" dt="2024-08-05T11:38:36.043" v="4724" actId="1076"/>
-          <ac:spMkLst>
-            <pc:docMk/>
-            <pc:sldMk cId="2676893550" sldId="263"/>
-            <ac:spMk id="14" creationId="{D0FD8DF6-25C8-5F43-32EE-2064C0CF7D37}"/>
-          </ac:spMkLst>
-        </pc:spChg>
-        <pc:spChg chg="add mod">
-          <ac:chgData name="ROEBUCK WILLIAMS RHOSLYN" userId="19c0e951-307b-46f9-a42c-f83c2dbad1d6" providerId="ADAL" clId="{9539E4F2-C474-48D6-B56C-A71574028F87}" dt="2024-08-05T11:38:36.043" v="4724" actId="1076"/>
-          <ac:spMkLst>
-            <pc:docMk/>
-            <pc:sldMk cId="2676893550" sldId="263"/>
-            <ac:spMk id="15" creationId="{08256543-4CB1-CE21-0DE7-EE964B3723EA}"/>
-          </ac:spMkLst>
-        </pc:spChg>
-        <pc:spChg chg="add mod">
-          <ac:chgData name="ROEBUCK WILLIAMS RHOSLYN" userId="19c0e951-307b-46f9-a42c-f83c2dbad1d6" providerId="ADAL" clId="{9539E4F2-C474-48D6-B56C-A71574028F87}" dt="2024-08-05T11:38:36.043" v="4724" actId="1076"/>
-          <ac:spMkLst>
-            <pc:docMk/>
-            <pc:sldMk cId="2676893550" sldId="263"/>
-            <ac:spMk id="16" creationId="{BB874D05-B0E0-860E-9FB0-6D88A7ADC7AC}"/>
-          </ac:spMkLst>
-        </pc:spChg>
-        <pc:spChg chg="add mod">
-          <ac:chgData name="ROEBUCK WILLIAMS RHOSLYN" userId="19c0e951-307b-46f9-a42c-f83c2dbad1d6" providerId="ADAL" clId="{9539E4F2-C474-48D6-B56C-A71574028F87}" dt="2024-08-05T11:38:36.043" v="4724" actId="1076"/>
-          <ac:spMkLst>
-            <pc:docMk/>
-            <pc:sldMk cId="2676893550" sldId="263"/>
-            <ac:spMk id="17" creationId="{5E7585F8-BEBA-0297-A809-C24BC3EFEC68}"/>
-          </ac:spMkLst>
-        </pc:spChg>
-        <pc:spChg chg="add mod">
-          <ac:chgData name="ROEBUCK WILLIAMS RHOSLYN" userId="19c0e951-307b-46f9-a42c-f83c2dbad1d6" providerId="ADAL" clId="{9539E4F2-C474-48D6-B56C-A71574028F87}" dt="2024-08-05T11:38:36.043" v="4724" actId="1076"/>
-          <ac:spMkLst>
-            <pc:docMk/>
-            <pc:sldMk cId="2676893550" sldId="263"/>
-            <ac:spMk id="18" creationId="{F8737CFD-76FF-93BD-DF6B-9686F9D59FEE}"/>
-          </ac:spMkLst>
-        </pc:spChg>
-        <pc:spChg chg="add mod">
-          <ac:chgData name="ROEBUCK WILLIAMS RHOSLYN" userId="19c0e951-307b-46f9-a42c-f83c2dbad1d6" providerId="ADAL" clId="{9539E4F2-C474-48D6-B56C-A71574028F87}" dt="2024-08-05T11:38:36.043" v="4724" actId="1076"/>
-          <ac:spMkLst>
-            <pc:docMk/>
-            <pc:sldMk cId="2676893550" sldId="263"/>
-            <ac:spMk id="19" creationId="{5F6D6C7C-4C0A-2396-F7DF-836CB63FD869}"/>
-          </ac:spMkLst>
-        </pc:spChg>
-        <pc:spChg chg="add mod">
-          <ac:chgData name="ROEBUCK WILLIAMS RHOSLYN" userId="19c0e951-307b-46f9-a42c-f83c2dbad1d6" providerId="ADAL" clId="{9539E4F2-C474-48D6-B56C-A71574028F87}" dt="2024-08-05T11:38:36.043" v="4724" actId="1076"/>
-          <ac:spMkLst>
-            <pc:docMk/>
-            <pc:sldMk cId="2676893550" sldId="263"/>
-            <ac:spMk id="20" creationId="{80117929-D4A6-3D34-5660-F6DA5108CD8F}"/>
-          </ac:spMkLst>
-        </pc:spChg>
-        <pc:spChg chg="add mod">
-          <ac:chgData name="ROEBUCK WILLIAMS RHOSLYN" userId="19c0e951-307b-46f9-a42c-f83c2dbad1d6" providerId="ADAL" clId="{9539E4F2-C474-48D6-B56C-A71574028F87}" dt="2024-08-05T11:38:36.043" v="4724" actId="1076"/>
-          <ac:spMkLst>
-            <pc:docMk/>
-            <pc:sldMk cId="2676893550" sldId="263"/>
-            <ac:spMk id="21" creationId="{55F55DEF-20AD-AAB1-AB29-BC032AA0A40A}"/>
-          </ac:spMkLst>
-        </pc:spChg>
-        <pc:spChg chg="add mod">
-          <ac:chgData name="ROEBUCK WILLIAMS RHOSLYN" userId="19c0e951-307b-46f9-a42c-f83c2dbad1d6" providerId="ADAL" clId="{9539E4F2-C474-48D6-B56C-A71574028F87}" dt="2024-08-05T11:38:36.043" v="4724" actId="1076"/>
-          <ac:spMkLst>
-            <pc:docMk/>
-            <pc:sldMk cId="2676893550" sldId="263"/>
-            <ac:spMk id="22" creationId="{B92CF2EF-7863-7831-B4CB-A0BAF2922083}"/>
-          </ac:spMkLst>
-        </pc:spChg>
-        <pc:spChg chg="add mod">
-          <ac:chgData name="ROEBUCK WILLIAMS RHOSLYN" userId="19c0e951-307b-46f9-a42c-f83c2dbad1d6" providerId="ADAL" clId="{9539E4F2-C474-48D6-B56C-A71574028F87}" dt="2024-08-05T11:38:36.043" v="4724" actId="1076"/>
-          <ac:spMkLst>
-            <pc:docMk/>
-            <pc:sldMk cId="2676893550" sldId="263"/>
-            <ac:spMk id="23" creationId="{F8B03F6E-6F35-D78B-8BA0-0EE5BB8C5945}"/>
-          </ac:spMkLst>
-        </pc:spChg>
-        <pc:spChg chg="add mod">
-          <ac:chgData name="ROEBUCK WILLIAMS RHOSLYN" userId="19c0e951-307b-46f9-a42c-f83c2dbad1d6" providerId="ADAL" clId="{9539E4F2-C474-48D6-B56C-A71574028F87}" dt="2024-08-05T11:39:27.587" v="4741" actId="1076"/>
-          <ac:spMkLst>
-            <pc:docMk/>
-            <pc:sldMk cId="2676893550" sldId="263"/>
-            <ac:spMk id="24" creationId="{172B55A1-694D-BB7C-6665-B121EEA950AF}"/>
-          </ac:spMkLst>
-        </pc:spChg>
-        <pc:spChg chg="add mod">
-          <ac:chgData name="ROEBUCK WILLIAMS RHOSLYN" userId="19c0e951-307b-46f9-a42c-f83c2dbad1d6" providerId="ADAL" clId="{9539E4F2-C474-48D6-B56C-A71574028F87}" dt="2024-08-05T11:40:53.163" v="4857" actId="14100"/>
-          <ac:spMkLst>
-            <pc:docMk/>
-            <pc:sldMk cId="2676893550" sldId="263"/>
-            <ac:spMk id="25" creationId="{86D00E3F-561A-E0ED-F5FF-37A7FDDDD942}"/>
-          </ac:spMkLst>
-        </pc:spChg>
-        <pc:spChg chg="add mod">
-          <ac:chgData name="ROEBUCK WILLIAMS RHOSLYN" userId="19c0e951-307b-46f9-a42c-f83c2dbad1d6" providerId="ADAL" clId="{9539E4F2-C474-48D6-B56C-A71574028F87}" dt="2024-08-05T11:40:48.357" v="4855" actId="14100"/>
-          <ac:spMkLst>
-            <pc:docMk/>
-            <pc:sldMk cId="2676893550" sldId="263"/>
-            <ac:spMk id="26" creationId="{CCCA6C18-4808-6C21-A408-320E0F3E159B}"/>
-          </ac:spMkLst>
-        </pc:spChg>
-        <pc:spChg chg="add mod">
-          <ac:chgData name="ROEBUCK WILLIAMS RHOSLYN" userId="19c0e951-307b-46f9-a42c-f83c2dbad1d6" providerId="ADAL" clId="{9539E4F2-C474-48D6-B56C-A71574028F87}" dt="2024-08-05T11:39:53.625" v="4748" actId="20577"/>
-          <ac:spMkLst>
-            <pc:docMk/>
-            <pc:sldMk cId="2676893550" sldId="263"/>
-            <ac:spMk id="33" creationId="{F6376597-504F-D315-56EB-7DAB12073E45}"/>
-          </ac:spMkLst>
-        </pc:spChg>
-        <pc:spChg chg="add del mod">
-          <ac:chgData name="ROEBUCK WILLIAMS RHOSLYN" userId="19c0e951-307b-46f9-a42c-f83c2dbad1d6" providerId="ADAL" clId="{9539E4F2-C474-48D6-B56C-A71574028F87}" dt="2024-08-05T11:33:42.768" v="4384" actId="478"/>
-          <ac:spMkLst>
-            <pc:docMk/>
-            <pc:sldMk cId="2676893550" sldId="263"/>
-            <ac:spMk id="34" creationId="{AEC83513-C771-3363-9BE4-B5C12028D384}"/>
-          </ac:spMkLst>
-        </pc:spChg>
-        <pc:spChg chg="add mod">
-          <ac:chgData name="ROEBUCK WILLIAMS RHOSLYN" userId="19c0e951-307b-46f9-a42c-f83c2dbad1d6" providerId="ADAL" clId="{9539E4F2-C474-48D6-B56C-A71574028F87}" dt="2024-08-05T11:38:51.108" v="4726" actId="1076"/>
-          <ac:spMkLst>
-            <pc:docMk/>
-            <pc:sldMk cId="2676893550" sldId="263"/>
-            <ac:spMk id="35" creationId="{0397A6E3-6004-1107-CFA4-3DD0A244CBCC}"/>
-          </ac:spMkLst>
-        </pc:spChg>
-        <pc:spChg chg="add mod">
-          <ac:chgData name="ROEBUCK WILLIAMS RHOSLYN" userId="19c0e951-307b-46f9-a42c-f83c2dbad1d6" providerId="ADAL" clId="{9539E4F2-C474-48D6-B56C-A71574028F87}" dt="2024-08-05T11:38:36.043" v="4724" actId="1076"/>
-          <ac:spMkLst>
-            <pc:docMk/>
-            <pc:sldMk cId="2676893550" sldId="263"/>
-            <ac:spMk id="36" creationId="{052C7F83-0C2F-5979-5556-BD55491AF710}"/>
-          </ac:spMkLst>
-        </pc:spChg>
-        <pc:spChg chg="add mod">
-          <ac:chgData name="ROEBUCK WILLIAMS RHOSLYN" userId="19c0e951-307b-46f9-a42c-f83c2dbad1d6" providerId="ADAL" clId="{9539E4F2-C474-48D6-B56C-A71574028F87}" dt="2024-08-05T11:42:02.529" v="4876" actId="1076"/>
-          <ac:spMkLst>
-            <pc:docMk/>
-            <pc:sldMk cId="2676893550" sldId="263"/>
-            <ac:spMk id="37" creationId="{74F3C1B9-9AF4-244A-FD11-2A291F2B9ED7}"/>
-          </ac:spMkLst>
-        </pc:spChg>
-        <pc:spChg chg="add del mod">
-          <ac:chgData name="ROEBUCK WILLIAMS RHOSLYN" userId="19c0e951-307b-46f9-a42c-f83c2dbad1d6" providerId="ADAL" clId="{9539E4F2-C474-48D6-B56C-A71574028F87}" dt="2024-08-05T11:36:32.624" v="4696" actId="478"/>
-          <ac:spMkLst>
-            <pc:docMk/>
-            <pc:sldMk cId="2676893550" sldId="263"/>
-            <ac:spMk id="38" creationId="{2DC1C59F-C61C-06BE-62AE-503287BFBEB5}"/>
-          </ac:spMkLst>
-        </pc:spChg>
-        <pc:spChg chg="add mod">
-          <ac:chgData name="ROEBUCK WILLIAMS RHOSLYN" userId="19c0e951-307b-46f9-a42c-f83c2dbad1d6" providerId="ADAL" clId="{9539E4F2-C474-48D6-B56C-A71574028F87}" dt="2024-08-05T11:38:36.043" v="4724" actId="1076"/>
-          <ac:spMkLst>
-            <pc:docMk/>
-            <pc:sldMk cId="2676893550" sldId="263"/>
-            <ac:spMk id="39" creationId="{D7CA18CF-27F3-B728-483D-0DCAF0F1EBC3}"/>
-          </ac:spMkLst>
-        </pc:spChg>
-        <pc:spChg chg="add mod">
-          <ac:chgData name="ROEBUCK WILLIAMS RHOSLYN" userId="19c0e951-307b-46f9-a42c-f83c2dbad1d6" providerId="ADAL" clId="{9539E4F2-C474-48D6-B56C-A71574028F87}" dt="2024-08-05T11:38:36.043" v="4724" actId="1076"/>
-          <ac:spMkLst>
-            <pc:docMk/>
-            <pc:sldMk cId="2676893550" sldId="263"/>
-            <ac:spMk id="40" creationId="{94180434-932E-8F6F-C486-7C91200BA114}"/>
-          </ac:spMkLst>
-        </pc:spChg>
-        <pc:spChg chg="add mod">
-          <ac:chgData name="ROEBUCK WILLIAMS RHOSLYN" userId="19c0e951-307b-46f9-a42c-f83c2dbad1d6" providerId="ADAL" clId="{9539E4F2-C474-48D6-B56C-A71574028F87}" dt="2024-08-05T11:38:36.043" v="4724" actId="1076"/>
-          <ac:spMkLst>
-            <pc:docMk/>
-            <pc:sldMk cId="2676893550" sldId="263"/>
-            <ac:spMk id="41" creationId="{77B2A6A4-A8EE-9506-A49C-610AAF5D7832}"/>
-          </ac:spMkLst>
-        </pc:spChg>
-        <pc:spChg chg="add mod">
-          <ac:chgData name="ROEBUCK WILLIAMS RHOSLYN" userId="19c0e951-307b-46f9-a42c-f83c2dbad1d6" providerId="ADAL" clId="{9539E4F2-C474-48D6-B56C-A71574028F87}" dt="2024-08-05T11:41:40.675" v="4872" actId="1076"/>
-          <ac:spMkLst>
-            <pc:docMk/>
-            <pc:sldMk cId="2676893550" sldId="263"/>
-            <ac:spMk id="42" creationId="{530B05C7-E804-7C5A-E539-F16252160766}"/>
-          </ac:spMkLst>
-        </pc:spChg>
-        <pc:spChg chg="add del">
-          <ac:chgData name="ROEBUCK WILLIAMS RHOSLYN" userId="19c0e951-307b-46f9-a42c-f83c2dbad1d6" providerId="ADAL" clId="{9539E4F2-C474-48D6-B56C-A71574028F87}" dt="2024-08-05T11:37:03.871" v="4702" actId="11529"/>
-          <ac:spMkLst>
-            <pc:docMk/>
-            <pc:sldMk cId="2676893550" sldId="263"/>
-            <ac:spMk id="43" creationId="{60B31F21-1C30-3A92-6A87-59C1C8A02F9D}"/>
-          </ac:spMkLst>
-        </pc:spChg>
-        <pc:picChg chg="add mod modCrop">
-          <ac:chgData name="ROEBUCK WILLIAMS RHOSLYN" userId="19c0e951-307b-46f9-a42c-f83c2dbad1d6" providerId="ADAL" clId="{9539E4F2-C474-48D6-B56C-A71574028F87}" dt="2024-08-05T12:23:55.708" v="4887" actId="732"/>
-          <ac:picMkLst>
-            <pc:docMk/>
-            <pc:sldMk cId="2676893550" sldId="263"/>
-            <ac:picMk id="2" creationId="{818261D9-C1E3-5E1B-EC12-BF849741E425}"/>
-          </ac:picMkLst>
-        </pc:picChg>
-        <pc:picChg chg="add mod modCrop">
-          <ac:chgData name="ROEBUCK WILLIAMS RHOSLYN" userId="19c0e951-307b-46f9-a42c-f83c2dbad1d6" providerId="ADAL" clId="{9539E4F2-C474-48D6-B56C-A71574028F87}" dt="2024-08-05T13:51:46.518" v="4898" actId="732"/>
-          <ac:picMkLst>
-            <pc:docMk/>
-            <pc:sldMk cId="2676893550" sldId="263"/>
-            <ac:picMk id="3" creationId="{3A4F2863-E9B4-0F41-9B81-E29865ED308A}"/>
-          </ac:picMkLst>
-        </pc:picChg>
-        <pc:picChg chg="add mod modCrop">
-          <ac:chgData name="ROEBUCK WILLIAMS RHOSLYN" userId="19c0e951-307b-46f9-a42c-f83c2dbad1d6" providerId="ADAL" clId="{9539E4F2-C474-48D6-B56C-A71574028F87}" dt="2024-08-05T15:04:48.539" v="4928" actId="1076"/>
-          <ac:picMkLst>
-            <pc:docMk/>
-            <pc:sldMk cId="2676893550" sldId="263"/>
-            <ac:picMk id="4" creationId="{B763D365-327E-FCF9-1151-2497C47D918C}"/>
-          </ac:picMkLst>
-        </pc:picChg>
-        <pc:picChg chg="add mod">
-          <ac:chgData name="ROEBUCK WILLIAMS RHOSLYN" userId="19c0e951-307b-46f9-a42c-f83c2dbad1d6" providerId="ADAL" clId="{9539E4F2-C474-48D6-B56C-A71574028F87}" dt="2024-08-05T11:38:36.043" v="4724" actId="1076"/>
-          <ac:picMkLst>
-            <pc:docMk/>
-            <pc:sldMk cId="2676893550" sldId="263"/>
-            <ac:picMk id="5" creationId="{E93F567E-8717-EC59-935B-2ADCDAB9122B}"/>
-          </ac:picMkLst>
-        </pc:picChg>
-        <pc:picChg chg="add mod modCrop">
-          <ac:chgData name="ROEBUCK WILLIAMS RHOSLYN" userId="19c0e951-307b-46f9-a42c-f83c2dbad1d6" providerId="ADAL" clId="{9539E4F2-C474-48D6-B56C-A71574028F87}" dt="2024-08-05T14:35:01.215" v="4912" actId="1076"/>
-          <ac:picMkLst>
-            <pc:docMk/>
-            <pc:sldMk cId="2676893550" sldId="263"/>
-            <ac:picMk id="8" creationId="{7F0311CE-9841-8D7B-B7CD-A4B43A4080BC}"/>
-          </ac:picMkLst>
-        </pc:picChg>
-        <pc:picChg chg="add mod modCrop">
-          <ac:chgData name="ROEBUCK WILLIAMS RHOSLYN" userId="19c0e951-307b-46f9-a42c-f83c2dbad1d6" providerId="ADAL" clId="{9539E4F2-C474-48D6-B56C-A71574028F87}" dt="2024-08-05T14:35:15.529" v="4920" actId="732"/>
-          <ac:picMkLst>
-            <pc:docMk/>
-            <pc:sldMk cId="2676893550" sldId="263"/>
-            <ac:picMk id="27" creationId="{8EAEE66D-8E22-0044-E609-7970E632BF20}"/>
-          </ac:picMkLst>
-        </pc:picChg>
-        <pc:picChg chg="add mod">
-          <ac:chgData name="ROEBUCK WILLIAMS RHOSLYN" userId="19c0e951-307b-46f9-a42c-f83c2dbad1d6" providerId="ADAL" clId="{9539E4F2-C474-48D6-B56C-A71574028F87}" dt="2024-08-05T11:40:58.779" v="4858" actId="1076"/>
-          <ac:picMkLst>
-            <pc:docMk/>
-            <pc:sldMk cId="2676893550" sldId="263"/>
-            <ac:picMk id="28" creationId="{883E1A98-ABC3-47D2-BC09-0EE2F3747C93}"/>
-          </ac:picMkLst>
-        </pc:picChg>
-        <pc:picChg chg="add mod modCrop">
-          <ac:chgData name="ROEBUCK WILLIAMS RHOSLYN" userId="19c0e951-307b-46f9-a42c-f83c2dbad1d6" providerId="ADAL" clId="{9539E4F2-C474-48D6-B56C-A71574028F87}" dt="2024-08-05T14:56:49.157" v="4927" actId="732"/>
-          <ac:picMkLst>
-            <pc:docMk/>
-            <pc:sldMk cId="2676893550" sldId="263"/>
-            <ac:picMk id="29" creationId="{623BF1B8-F9C6-5A40-996E-4CCCCC11FF9C}"/>
-          </ac:picMkLst>
-        </pc:picChg>
-        <pc:picChg chg="add mod">
-          <ac:chgData name="ROEBUCK WILLIAMS RHOSLYN" userId="19c0e951-307b-46f9-a42c-f83c2dbad1d6" providerId="ADAL" clId="{9539E4F2-C474-48D6-B56C-A71574028F87}" dt="2024-08-05T11:38:51.108" v="4726" actId="1076"/>
-          <ac:picMkLst>
-            <pc:docMk/>
-            <pc:sldMk cId="2676893550" sldId="263"/>
-            <ac:picMk id="30" creationId="{80766357-3B97-AF21-B22A-54AEE5C5D93F}"/>
-          </ac:picMkLst>
-        </pc:picChg>
-        <pc:picChg chg="add mod">
-          <ac:chgData name="ROEBUCK WILLIAMS RHOSLYN" userId="19c0e951-307b-46f9-a42c-f83c2dbad1d6" providerId="ADAL" clId="{9539E4F2-C474-48D6-B56C-A71574028F87}" dt="2024-08-05T11:38:51.108" v="4726" actId="1076"/>
-          <ac:picMkLst>
-            <pc:docMk/>
-            <pc:sldMk cId="2676893550" sldId="263"/>
-            <ac:picMk id="32" creationId="{76B58336-0005-B29A-D9C1-4CCCF13BDD65}"/>
-          </ac:picMkLst>
-        </pc:picChg>
-        <pc:cxnChg chg="add mod">
-          <ac:chgData name="ROEBUCK WILLIAMS RHOSLYN" userId="19c0e951-307b-46f9-a42c-f83c2dbad1d6" providerId="ADAL" clId="{9539E4F2-C474-48D6-B56C-A71574028F87}" dt="2024-08-05T11:40:48.357" v="4855" actId="14100"/>
-          <ac:cxnSpMkLst>
-            <pc:docMk/>
-            <pc:sldMk cId="2676893550" sldId="263"/>
-            <ac:cxnSpMk id="45" creationId="{D646AB34-2024-5F47-5BB5-090F27E60CF3}"/>
-          </ac:cxnSpMkLst>
-        </pc:cxnChg>
-        <pc:cxnChg chg="add mod">
-          <ac:chgData name="ROEBUCK WILLIAMS RHOSLYN" userId="19c0e951-307b-46f9-a42c-f83c2dbad1d6" providerId="ADAL" clId="{9539E4F2-C474-48D6-B56C-A71574028F87}" dt="2024-08-05T11:40:53.163" v="4857" actId="14100"/>
-          <ac:cxnSpMkLst>
-            <pc:docMk/>
-            <pc:sldMk cId="2676893550" sldId="263"/>
-            <ac:cxnSpMk id="47" creationId="{55C9C976-3751-C3C5-C979-8969D443B41F}"/>
-          </ac:cxnSpMkLst>
-        </pc:cxnChg>
-        <pc:cxnChg chg="add mod">
-          <ac:chgData name="ROEBUCK WILLIAMS RHOSLYN" userId="19c0e951-307b-46f9-a42c-f83c2dbad1d6" providerId="ADAL" clId="{9539E4F2-C474-48D6-B56C-A71574028F87}" dt="2024-08-05T11:38:36.043" v="4724" actId="1076"/>
-          <ac:cxnSpMkLst>
-            <pc:docMk/>
-            <pc:sldMk cId="2676893550" sldId="263"/>
-            <ac:cxnSpMk id="50" creationId="{628EC9C4-2EF7-1F6D-2A9B-942679A3F1A3}"/>
-          </ac:cxnSpMkLst>
-        </pc:cxnChg>
-        <pc:cxnChg chg="add mod">
-          <ac:chgData name="ROEBUCK WILLIAMS RHOSLYN" userId="19c0e951-307b-46f9-a42c-f83c2dbad1d6" providerId="ADAL" clId="{9539E4F2-C474-48D6-B56C-A71574028F87}" dt="2024-08-05T11:39:27.587" v="4741" actId="1076"/>
-          <ac:cxnSpMkLst>
-            <pc:docMk/>
-            <pc:sldMk cId="2676893550" sldId="263"/>
-            <ac:cxnSpMk id="51" creationId="{9D90C76E-AAE3-1A13-9DEE-C3012EA5E9FB}"/>
-          </ac:cxnSpMkLst>
-        </pc:cxnChg>
-        <pc:cxnChg chg="add mod">
-          <ac:chgData name="ROEBUCK WILLIAMS RHOSLYN" userId="19c0e951-307b-46f9-a42c-f83c2dbad1d6" providerId="ADAL" clId="{9539E4F2-C474-48D6-B56C-A71574028F87}" dt="2024-08-05T11:38:51.108" v="4726" actId="1076"/>
-          <ac:cxnSpMkLst>
-            <pc:docMk/>
-            <pc:sldMk cId="2676893550" sldId="263"/>
-            <ac:cxnSpMk id="52" creationId="{25C87051-6B1F-1E9F-597C-BB991529D79E}"/>
-          </ac:cxnSpMkLst>
-        </pc:cxnChg>
-        <pc:cxnChg chg="add mod">
-          <ac:chgData name="ROEBUCK WILLIAMS RHOSLYN" userId="19c0e951-307b-46f9-a42c-f83c2dbad1d6" providerId="ADAL" clId="{9539E4F2-C474-48D6-B56C-A71574028F87}" dt="2024-08-05T11:41:56.251" v="4875" actId="1076"/>
-          <ac:cxnSpMkLst>
-            <pc:docMk/>
-            <pc:sldMk cId="2676893550" sldId="263"/>
-            <ac:cxnSpMk id="71" creationId="{B2395FF4-4C07-F9D7-5A5D-6A3DDD00CE33}"/>
-          </ac:cxnSpMkLst>
-        </pc:cxnChg>
-        <pc:cxnChg chg="add mod">
-          <ac:chgData name="ROEBUCK WILLIAMS RHOSLYN" userId="19c0e951-307b-46f9-a42c-f83c2dbad1d6" providerId="ADAL" clId="{9539E4F2-C474-48D6-B56C-A71574028F87}" dt="2024-08-05T11:41:56.251" v="4875" actId="1076"/>
-          <ac:cxnSpMkLst>
-            <pc:docMk/>
-            <pc:sldMk cId="2676893550" sldId="263"/>
-            <ac:cxnSpMk id="72" creationId="{49F8ABA7-EEB3-AC1F-A146-C5FD67C1D64C}"/>
-          </ac:cxnSpMkLst>
-        </pc:cxnChg>
-        <pc:cxnChg chg="add mod">
-          <ac:chgData name="ROEBUCK WILLIAMS RHOSLYN" userId="19c0e951-307b-46f9-a42c-f83c2dbad1d6" providerId="ADAL" clId="{9539E4F2-C474-48D6-B56C-A71574028F87}" dt="2024-08-05T11:41:56.251" v="4875" actId="1076"/>
-          <ac:cxnSpMkLst>
-            <pc:docMk/>
-            <pc:sldMk cId="2676893550" sldId="263"/>
-            <ac:cxnSpMk id="73" creationId="{730ECFF9-17E1-9676-909B-72EB33CDB34F}"/>
-          </ac:cxnSpMkLst>
-        </pc:cxnChg>
-        <pc:cxnChg chg="add mod">
-          <ac:chgData name="ROEBUCK WILLIAMS RHOSLYN" userId="19c0e951-307b-46f9-a42c-f83c2dbad1d6" providerId="ADAL" clId="{9539E4F2-C474-48D6-B56C-A71574028F87}" dt="2024-08-05T11:41:56.251" v="4875" actId="1076"/>
-          <ac:cxnSpMkLst>
-            <pc:docMk/>
-            <pc:sldMk cId="2676893550" sldId="263"/>
-            <ac:cxnSpMk id="74" creationId="{93E4ADD4-3A8D-A610-30BC-E6CF8956E03E}"/>
-          </ac:cxnSpMkLst>
-        </pc:cxnChg>
-        <pc:cxnChg chg="add mod">
-          <ac:chgData name="ROEBUCK WILLIAMS RHOSLYN" userId="19c0e951-307b-46f9-a42c-f83c2dbad1d6" providerId="ADAL" clId="{9539E4F2-C474-48D6-B56C-A71574028F87}" dt="2024-08-05T11:41:56.251" v="4875" actId="1076"/>
-          <ac:cxnSpMkLst>
-            <pc:docMk/>
-            <pc:sldMk cId="2676893550" sldId="263"/>
-            <ac:cxnSpMk id="75" creationId="{49406745-520E-D0E2-6F86-87C4E811A97F}"/>
-          </ac:cxnSpMkLst>
-        </pc:cxnChg>
-        <pc:cxnChg chg="add mod">
-          <ac:chgData name="ROEBUCK WILLIAMS RHOSLYN" userId="19c0e951-307b-46f9-a42c-f83c2dbad1d6" providerId="ADAL" clId="{9539E4F2-C474-48D6-B56C-A71574028F87}" dt="2024-08-05T11:41:48.569" v="4874" actId="14100"/>
-          <ac:cxnSpMkLst>
-            <pc:docMk/>
-            <pc:sldMk cId="2676893550" sldId="263"/>
-            <ac:cxnSpMk id="76" creationId="{633FA83C-04D9-65E0-EEF0-C45A137ED53E}"/>
-          </ac:cxnSpMkLst>
-        </pc:cxnChg>
-        <pc:cxnChg chg="add mod">
-          <ac:chgData name="ROEBUCK WILLIAMS RHOSLYN" userId="19c0e951-307b-46f9-a42c-f83c2dbad1d6" providerId="ADAL" clId="{9539E4F2-C474-48D6-B56C-A71574028F87}" dt="2024-08-05T11:42:07.481" v="4879" actId="14100"/>
-          <ac:cxnSpMkLst>
-            <pc:docMk/>
-            <pc:sldMk cId="2676893550" sldId="263"/>
-            <ac:cxnSpMk id="81" creationId="{F9571BB6-F48A-855C-998F-76A3D02FC766}"/>
           </ac:cxnSpMkLst>
         </pc:cxnChg>
       </pc:sldChg>
@@ -1501,7 +524,7 @@
           <a:p>
             <a:fld id="{E198B52E-59E9-459A-8A51-6D063C146C47}" type="datetimeFigureOut">
               <a:rPr lang="en-GB" smtClean="0"/>
-              <a:t>12/08/2024</a:t>
+              <a:t>01/11/2024</a:t>
             </a:fld>
             <a:endParaRPr lang="en-GB"/>
           </a:p>
@@ -1774,6 +797,114 @@
   <p:cSld>
     <p:spTree>
       <p:nvGrpSpPr>
+        <p:cNvPr id="1" name="">
+          <a:extLst>
+            <a:ext uri="{FF2B5EF4-FFF2-40B4-BE49-F238E27FC236}">
+              <a16:creationId xmlns:a16="http://schemas.microsoft.com/office/drawing/2014/main" id="{9A60DBAE-BE04-EC35-3677-452F24D5EAC5}"/>
+            </a:ext>
+          </a:extLst>
+        </p:cNvPr>
+        <p:cNvGrpSpPr/>
+        <p:nvPr/>
+      </p:nvGrpSpPr>
+      <p:grpSpPr>
+        <a:xfrm>
+          <a:off x="0" y="0"/>
+          <a:ext cx="0" cy="0"/>
+          <a:chOff x="0" y="0"/>
+          <a:chExt cx="0" cy="0"/>
+        </a:xfrm>
+      </p:grpSpPr>
+      <p:sp>
+        <p:nvSpPr>
+          <p:cNvPr id="2" name="Slide Image Placeholder 1">
+            <a:extLst>
+              <a:ext uri="{FF2B5EF4-FFF2-40B4-BE49-F238E27FC236}">
+                <a16:creationId xmlns:a16="http://schemas.microsoft.com/office/drawing/2014/main" id="{3FC26DAA-E3E4-A35B-6DC2-C41E23BB895A}"/>
+              </a:ext>
+            </a:extLst>
+          </p:cNvPr>
+          <p:cNvSpPr>
+            <a:spLocks noGrp="1" noRot="1" noChangeAspect="1"/>
+          </p:cNvSpPr>
+          <p:nvPr>
+            <p:ph type="sldImg"/>
+          </p:nvPr>
+        </p:nvSpPr>
+        <p:spPr/>
+      </p:sp>
+      <p:sp>
+        <p:nvSpPr>
+          <p:cNvPr id="3" name="Notes Placeholder 2">
+            <a:extLst>
+              <a:ext uri="{FF2B5EF4-FFF2-40B4-BE49-F238E27FC236}">
+                <a16:creationId xmlns:a16="http://schemas.microsoft.com/office/drawing/2014/main" id="{7B92C53B-B4F9-EA70-B44D-C9977A1A554A}"/>
+              </a:ext>
+            </a:extLst>
+          </p:cNvPr>
+          <p:cNvSpPr>
+            <a:spLocks noGrp="1"/>
+          </p:cNvSpPr>
+          <p:nvPr>
+            <p:ph type="body" idx="1"/>
+          </p:nvPr>
+        </p:nvSpPr>
+        <p:spPr/>
+        <p:txBody>
+          <a:bodyPr/>
+          <a:lstStyle/>
+          <a:p>
+            <a:endParaRPr lang="en-GB" dirty="0"/>
+          </a:p>
+        </p:txBody>
+      </p:sp>
+      <p:sp>
+        <p:nvSpPr>
+          <p:cNvPr id="4" name="Slide Number Placeholder 3">
+            <a:extLst>
+              <a:ext uri="{FF2B5EF4-FFF2-40B4-BE49-F238E27FC236}">
+                <a16:creationId xmlns:a16="http://schemas.microsoft.com/office/drawing/2014/main" id="{5223BC79-5566-4F25-DD06-C866D48AF91A}"/>
+              </a:ext>
+            </a:extLst>
+          </p:cNvPr>
+          <p:cNvSpPr>
+            <a:spLocks noGrp="1"/>
+          </p:cNvSpPr>
+          <p:nvPr>
+            <p:ph type="sldNum" sz="quarter" idx="5"/>
+          </p:nvPr>
+        </p:nvSpPr>
+        <p:spPr/>
+        <p:txBody>
+          <a:bodyPr/>
+          <a:lstStyle/>
+          <a:p>
+            <a:fld id="{01581AD5-E424-434F-99BD-F8DE17F851C7}" type="slidenum">
+              <a:rPr lang="en-GB" smtClean="0"/>
+              <a:t>1</a:t>
+            </a:fld>
+            <a:endParaRPr lang="en-GB"/>
+          </a:p>
+        </p:txBody>
+      </p:sp>
+    </p:spTree>
+    <p:extLst>
+      <p:ext uri="{BB962C8B-B14F-4D97-AF65-F5344CB8AC3E}">
+        <p14:creationId xmlns:p14="http://schemas.microsoft.com/office/powerpoint/2010/main" val="4249480563"/>
+      </p:ext>
+    </p:extLst>
+  </p:cSld>
+  <p:clrMapOvr>
+    <a:masterClrMapping/>
+  </p:clrMapOvr>
+</p:notes>
+</file>
+
+<file path=ppt/notesSlides/notesSlide2.xml><?xml version="1.0" encoding="utf-8"?>
+<p:notes xmlns:a="http://schemas.openxmlformats.org/drawingml/2006/main" xmlns:r="http://schemas.openxmlformats.org/officeDocument/2006/relationships" xmlns:p="http://schemas.openxmlformats.org/presentationml/2006/main">
+  <p:cSld>
+    <p:spTree>
+      <p:nvGrpSpPr>
         <p:cNvPr id="1" name=""/>
         <p:cNvGrpSpPr/>
         <p:nvPr/>
@@ -1834,7 +965,7 @@
           <a:p>
             <a:fld id="{01581AD5-E424-434F-99BD-F8DE17F851C7}" type="slidenum">
               <a:rPr lang="en-GB" smtClean="0"/>
-              <a:t>1</a:t>
+              <a:t>3</a:t>
             </a:fld>
             <a:endParaRPr lang="en-GB"/>
           </a:p>
@@ -1984,7 +1115,7 @@
           <a:p>
             <a:fld id="{3FBAF93D-98AC-4FE3-B4B6-00701F2D46F7}" type="datetimeFigureOut">
               <a:rPr lang="en-GB" smtClean="0"/>
-              <a:t>12/08/2024</a:t>
+              <a:t>01/11/2024</a:t>
             </a:fld>
             <a:endParaRPr lang="en-GB"/>
           </a:p>
@@ -2154,7 +1285,7 @@
           <a:p>
             <a:fld id="{3FBAF93D-98AC-4FE3-B4B6-00701F2D46F7}" type="datetimeFigureOut">
               <a:rPr lang="en-GB" smtClean="0"/>
-              <a:t>12/08/2024</a:t>
+              <a:t>01/11/2024</a:t>
             </a:fld>
             <a:endParaRPr lang="en-GB"/>
           </a:p>
@@ -2334,7 +1465,7 @@
           <a:p>
             <a:fld id="{3FBAF93D-98AC-4FE3-B4B6-00701F2D46F7}" type="datetimeFigureOut">
               <a:rPr lang="en-GB" smtClean="0"/>
-              <a:t>12/08/2024</a:t>
+              <a:t>01/11/2024</a:t>
             </a:fld>
             <a:endParaRPr lang="en-GB"/>
           </a:p>
@@ -2504,7 +1635,7 @@
           <a:p>
             <a:fld id="{3FBAF93D-98AC-4FE3-B4B6-00701F2D46F7}" type="datetimeFigureOut">
               <a:rPr lang="en-GB" smtClean="0"/>
-              <a:t>12/08/2024</a:t>
+              <a:t>01/11/2024</a:t>
             </a:fld>
             <a:endParaRPr lang="en-GB"/>
           </a:p>
@@ -2750,7 +1881,7 @@
           <a:p>
             <a:fld id="{3FBAF93D-98AC-4FE3-B4B6-00701F2D46F7}" type="datetimeFigureOut">
               <a:rPr lang="en-GB" smtClean="0"/>
-              <a:t>12/08/2024</a:t>
+              <a:t>01/11/2024</a:t>
             </a:fld>
             <a:endParaRPr lang="en-GB"/>
           </a:p>
@@ -2982,7 +2113,7 @@
           <a:p>
             <a:fld id="{3FBAF93D-98AC-4FE3-B4B6-00701F2D46F7}" type="datetimeFigureOut">
               <a:rPr lang="en-GB" smtClean="0"/>
-              <a:t>12/08/2024</a:t>
+              <a:t>01/11/2024</a:t>
             </a:fld>
             <a:endParaRPr lang="en-GB"/>
           </a:p>
@@ -3349,7 +2480,7 @@
           <a:p>
             <a:fld id="{3FBAF93D-98AC-4FE3-B4B6-00701F2D46F7}" type="datetimeFigureOut">
               <a:rPr lang="en-GB" smtClean="0"/>
-              <a:t>12/08/2024</a:t>
+              <a:t>01/11/2024</a:t>
             </a:fld>
             <a:endParaRPr lang="en-GB"/>
           </a:p>
@@ -3467,7 +2598,7 @@
           <a:p>
             <a:fld id="{3FBAF93D-98AC-4FE3-B4B6-00701F2D46F7}" type="datetimeFigureOut">
               <a:rPr lang="en-GB" smtClean="0"/>
-              <a:t>12/08/2024</a:t>
+              <a:t>01/11/2024</a:t>
             </a:fld>
             <a:endParaRPr lang="en-GB"/>
           </a:p>
@@ -3562,7 +2693,7 @@
           <a:p>
             <a:fld id="{3FBAF93D-98AC-4FE3-B4B6-00701F2D46F7}" type="datetimeFigureOut">
               <a:rPr lang="en-GB" smtClean="0"/>
-              <a:t>12/08/2024</a:t>
+              <a:t>01/11/2024</a:t>
             </a:fld>
             <a:endParaRPr lang="en-GB"/>
           </a:p>
@@ -3839,7 +2970,7 @@
           <a:p>
             <a:fld id="{3FBAF93D-98AC-4FE3-B4B6-00701F2D46F7}" type="datetimeFigureOut">
               <a:rPr lang="en-GB" smtClean="0"/>
-              <a:t>12/08/2024</a:t>
+              <a:t>01/11/2024</a:t>
             </a:fld>
             <a:endParaRPr lang="en-GB"/>
           </a:p>
@@ -4096,7 +3227,7 @@
           <a:p>
             <a:fld id="{3FBAF93D-98AC-4FE3-B4B6-00701F2D46F7}" type="datetimeFigureOut">
               <a:rPr lang="en-GB" smtClean="0"/>
-              <a:t>12/08/2024</a:t>
+              <a:t>01/11/2024</a:t>
             </a:fld>
             <a:endParaRPr lang="en-GB"/>
           </a:p>
@@ -4309,7 +3440,7 @@
           <a:p>
             <a:fld id="{3FBAF93D-98AC-4FE3-B4B6-00701F2D46F7}" type="datetimeFigureOut">
               <a:rPr lang="en-GB" smtClean="0"/>
-              <a:t>12/08/2024</a:t>
+              <a:t>01/11/2024</a:t>
             </a:fld>
             <a:endParaRPr lang="en-GB"/>
           </a:p>
@@ -4702,7 +3833,13 @@
   <p:cSld>
     <p:spTree>
       <p:nvGrpSpPr>
-        <p:cNvPr id="1" name=""/>
+        <p:cNvPr id="1" name="">
+          <a:extLst>
+            <a:ext uri="{FF2B5EF4-FFF2-40B4-BE49-F238E27FC236}">
+              <a16:creationId xmlns:a16="http://schemas.microsoft.com/office/drawing/2014/main" id="{F5F4711A-F49F-54B0-5EF6-45217BB4E1FF}"/>
+            </a:ext>
+          </a:extLst>
+        </p:cNvPr>
         <p:cNvGrpSpPr/>
         <p:nvPr/>
       </p:nvGrpSpPr>
@@ -4719,7 +3856,7 @@
           <p:cNvPr id="4" name="Rectangle 3">
             <a:extLst>
               <a:ext uri="{FF2B5EF4-FFF2-40B4-BE49-F238E27FC236}">
-                <a16:creationId xmlns:a16="http://schemas.microsoft.com/office/drawing/2014/main" id="{22887272-8CFA-BF44-CACD-537694360768}"/>
+                <a16:creationId xmlns:a16="http://schemas.microsoft.com/office/drawing/2014/main" id="{A2FAD702-8DD7-A37A-3ED0-A82F441A6E58}"/>
               </a:ext>
             </a:extLst>
           </p:cNvPr>
@@ -4793,7 +3930,7 @@
           <p:cNvPr id="5" name="Rectangle 4">
             <a:extLst>
               <a:ext uri="{FF2B5EF4-FFF2-40B4-BE49-F238E27FC236}">
-                <a16:creationId xmlns:a16="http://schemas.microsoft.com/office/drawing/2014/main" id="{346FBF56-A7DF-4167-FC34-8C7AAEEE9647}"/>
+                <a16:creationId xmlns:a16="http://schemas.microsoft.com/office/drawing/2014/main" id="{7CE8EFDC-AF70-645A-8B22-E4E90BFC9B3B}"/>
               </a:ext>
             </a:extLst>
           </p:cNvPr>
@@ -4867,7 +4004,7 @@
           <p:cNvPr id="9" name="TextBox 8">
             <a:extLst>
               <a:ext uri="{FF2B5EF4-FFF2-40B4-BE49-F238E27FC236}">
-                <a16:creationId xmlns:a16="http://schemas.microsoft.com/office/drawing/2014/main" id="{1B919D91-FC0C-7368-90E2-67BC1C60183D}"/>
+                <a16:creationId xmlns:a16="http://schemas.microsoft.com/office/drawing/2014/main" id="{D8A1B8CA-51D1-3C90-7BD8-3F765925E2E8}"/>
               </a:ext>
             </a:extLst>
           </p:cNvPr>
@@ -4903,7 +4040,7 @@
           <p:cNvPr id="12" name="Straight Arrow Connector 11">
             <a:extLst>
               <a:ext uri="{FF2B5EF4-FFF2-40B4-BE49-F238E27FC236}">
-                <a16:creationId xmlns:a16="http://schemas.microsoft.com/office/drawing/2014/main" id="{926B9899-69C1-DC20-8EAB-50BDC2C23273}"/>
+                <a16:creationId xmlns:a16="http://schemas.microsoft.com/office/drawing/2014/main" id="{E9947C11-89C9-617D-1395-69BE03F64A4D}"/>
               </a:ext>
             </a:extLst>
           </p:cNvPr>
@@ -4915,9 +4052,9 @@
           <p:nvPr/>
         </p:nvCxnSpPr>
         <p:spPr>
-          <a:xfrm>
-            <a:off x="3673878" y="5984281"/>
-            <a:ext cx="2632768" cy="2722"/>
+          <a:xfrm flipV="1">
+            <a:off x="3673878" y="5978826"/>
+            <a:ext cx="2632768" cy="5455"/>
           </a:xfrm>
           <a:prstGeom prst="straightConnector1">
             <a:avLst/>
@@ -4947,7 +4084,7 @@
           <p:cNvPr id="15" name="Rectangle 14">
             <a:extLst>
               <a:ext uri="{FF2B5EF4-FFF2-40B4-BE49-F238E27FC236}">
-                <a16:creationId xmlns:a16="http://schemas.microsoft.com/office/drawing/2014/main" id="{1EAFDDEE-0E21-A708-736B-D49DE6669369}"/>
+                <a16:creationId xmlns:a16="http://schemas.microsoft.com/office/drawing/2014/main" id="{55B72C93-E32A-3D96-9BE1-7ED2791C9484}"/>
               </a:ext>
             </a:extLst>
           </p:cNvPr>
@@ -5021,7 +4158,7 @@
           <p:cNvPr id="16" name="Straight Arrow Connector 15">
             <a:extLst>
               <a:ext uri="{FF2B5EF4-FFF2-40B4-BE49-F238E27FC236}">
-                <a16:creationId xmlns:a16="http://schemas.microsoft.com/office/drawing/2014/main" id="{235209DE-3AC7-AEA2-ED89-4975A1C0D3D4}"/>
+                <a16:creationId xmlns:a16="http://schemas.microsoft.com/office/drawing/2014/main" id="{9CDF47D4-E647-B8D3-0FEF-B8587CA5075F}"/>
               </a:ext>
             </a:extLst>
           </p:cNvPr>
@@ -5065,7 +4202,7 @@
           <p:cNvPr id="19" name="Rectangle 18">
             <a:extLst>
               <a:ext uri="{FF2B5EF4-FFF2-40B4-BE49-F238E27FC236}">
-                <a16:creationId xmlns:a16="http://schemas.microsoft.com/office/drawing/2014/main" id="{D2A92E3D-448A-A5B8-E6F4-384524ED1057}"/>
+                <a16:creationId xmlns:a16="http://schemas.microsoft.com/office/drawing/2014/main" id="{584C948F-3175-6CD7-B771-F31566E7BFCD}"/>
               </a:ext>
             </a:extLst>
           </p:cNvPr>
@@ -5140,7 +4277,7 @@
           <p:cNvPr id="24" name="TextBox 23">
             <a:extLst>
               <a:ext uri="{FF2B5EF4-FFF2-40B4-BE49-F238E27FC236}">
-                <a16:creationId xmlns:a16="http://schemas.microsoft.com/office/drawing/2014/main" id="{0A510DB6-C573-9104-CAAB-0035485EEB71}"/>
+                <a16:creationId xmlns:a16="http://schemas.microsoft.com/office/drawing/2014/main" id="{D0713938-E086-EA75-0F22-9FFB35C94E61}"/>
               </a:ext>
             </a:extLst>
           </p:cNvPr>
@@ -5185,7 +4322,7 @@
           <p:cNvPr id="26" name="Straight Arrow Connector 25">
             <a:extLst>
               <a:ext uri="{FF2B5EF4-FFF2-40B4-BE49-F238E27FC236}">
-                <a16:creationId xmlns:a16="http://schemas.microsoft.com/office/drawing/2014/main" id="{B4679F37-C6D4-6A1D-0567-7B9D67A33907}"/>
+                <a16:creationId xmlns:a16="http://schemas.microsoft.com/office/drawing/2014/main" id="{D5012E44-10FC-E095-69D2-A88C43EF1FBB}"/>
               </a:ext>
             </a:extLst>
           </p:cNvPr>
@@ -5229,7 +4366,7 @@
           <p:cNvPr id="29" name="TextBox 28">
             <a:extLst>
               <a:ext uri="{FF2B5EF4-FFF2-40B4-BE49-F238E27FC236}">
-                <a16:creationId xmlns:a16="http://schemas.microsoft.com/office/drawing/2014/main" id="{4D859BB7-BEE1-CF6A-BF53-B561B421A0BD}"/>
+                <a16:creationId xmlns:a16="http://schemas.microsoft.com/office/drawing/2014/main" id="{21C2B675-6EB8-254F-1E47-F62C60390582}"/>
               </a:ext>
             </a:extLst>
           </p:cNvPr>
@@ -5264,7 +4401,7 @@
           <p:cNvPr id="38" name="TextBox 37">
             <a:extLst>
               <a:ext uri="{FF2B5EF4-FFF2-40B4-BE49-F238E27FC236}">
-                <a16:creationId xmlns:a16="http://schemas.microsoft.com/office/drawing/2014/main" id="{50AD24AF-4564-D938-2BE1-3F69D5C62F17}"/>
+                <a16:creationId xmlns:a16="http://schemas.microsoft.com/office/drawing/2014/main" id="{79D96338-8637-2174-9D22-3340B13DBF76}"/>
               </a:ext>
             </a:extLst>
           </p:cNvPr>
@@ -5310,7 +4447,7 @@
           <p:cNvPr id="40" name="TextBox 39">
             <a:extLst>
               <a:ext uri="{FF2B5EF4-FFF2-40B4-BE49-F238E27FC236}">
-                <a16:creationId xmlns:a16="http://schemas.microsoft.com/office/drawing/2014/main" id="{026E36F0-35D8-4E3A-EE82-977CCCA6EB0F}"/>
+                <a16:creationId xmlns:a16="http://schemas.microsoft.com/office/drawing/2014/main" id="{01A9FA33-334D-E559-397F-2099F3B668DC}"/>
               </a:ext>
             </a:extLst>
           </p:cNvPr>
@@ -5353,7 +4490,7 @@
           <p:cNvPr id="42" name="Rectangle 41">
             <a:extLst>
               <a:ext uri="{FF2B5EF4-FFF2-40B4-BE49-F238E27FC236}">
-                <a16:creationId xmlns:a16="http://schemas.microsoft.com/office/drawing/2014/main" id="{A14A1D4B-5AA1-522A-397C-D1964657C751}"/>
+                <a16:creationId xmlns:a16="http://schemas.microsoft.com/office/drawing/2014/main" id="{2C44848B-8CCB-0FD0-82B6-5793FB8EDDFF}"/>
               </a:ext>
             </a:extLst>
           </p:cNvPr>
@@ -5474,7 +4611,7 @@
           <p:cNvPr id="44" name="TextBox 43">
             <a:extLst>
               <a:ext uri="{FF2B5EF4-FFF2-40B4-BE49-F238E27FC236}">
-                <a16:creationId xmlns:a16="http://schemas.microsoft.com/office/drawing/2014/main" id="{9A2DFD34-E640-EEAD-3436-DD63DC7A9817}"/>
+                <a16:creationId xmlns:a16="http://schemas.microsoft.com/office/drawing/2014/main" id="{4715A73C-FCFD-7450-B019-55EA79F7C8A9}"/>
               </a:ext>
             </a:extLst>
           </p:cNvPr>
@@ -5509,7 +4646,7 @@
           <p:cNvPr id="52" name="Rectangle 51">
             <a:extLst>
               <a:ext uri="{FF2B5EF4-FFF2-40B4-BE49-F238E27FC236}">
-                <a16:creationId xmlns:a16="http://schemas.microsoft.com/office/drawing/2014/main" id="{0FC5A7EE-B148-0368-C995-579A86B17CD8}"/>
+                <a16:creationId xmlns:a16="http://schemas.microsoft.com/office/drawing/2014/main" id="{A9F42814-BA83-FC20-C818-545BF4150D3A}"/>
               </a:ext>
             </a:extLst>
           </p:cNvPr>
@@ -5583,7 +4720,7 @@
           <p:cNvPr id="53" name="Straight Arrow Connector 52">
             <a:extLst>
               <a:ext uri="{FF2B5EF4-FFF2-40B4-BE49-F238E27FC236}">
-                <a16:creationId xmlns:a16="http://schemas.microsoft.com/office/drawing/2014/main" id="{C54EEBD3-28EB-9784-419E-34A411BC041E}"/>
+                <a16:creationId xmlns:a16="http://schemas.microsoft.com/office/drawing/2014/main" id="{FF98F939-3778-C647-30CA-D55FDAD22C50}"/>
               </a:ext>
             </a:extLst>
           </p:cNvPr>
@@ -5627,7 +4764,7 @@
           <p:cNvPr id="56" name="TextBox 55">
             <a:extLst>
               <a:ext uri="{FF2B5EF4-FFF2-40B4-BE49-F238E27FC236}">
-                <a16:creationId xmlns:a16="http://schemas.microsoft.com/office/drawing/2014/main" id="{9398C94E-A74A-D10C-095D-9AE7266F22CC}"/>
+                <a16:creationId xmlns:a16="http://schemas.microsoft.com/office/drawing/2014/main" id="{2DC2420B-077E-DD07-3FAC-507EBC2E6892}"/>
               </a:ext>
             </a:extLst>
           </p:cNvPr>
@@ -5662,7 +4799,7 @@
           <p:cNvPr id="57" name="Straight Arrow Connector 56">
             <a:extLst>
               <a:ext uri="{FF2B5EF4-FFF2-40B4-BE49-F238E27FC236}">
-                <a16:creationId xmlns:a16="http://schemas.microsoft.com/office/drawing/2014/main" id="{C2C88BF7-142B-C3FC-489F-7EEDAA2ED7A9}"/>
+                <a16:creationId xmlns:a16="http://schemas.microsoft.com/office/drawing/2014/main" id="{6D412D88-B13A-82C7-8E5F-224111B6AA86}"/>
               </a:ext>
             </a:extLst>
           </p:cNvPr>
@@ -5706,7 +4843,7 @@
           <p:cNvPr id="61" name="Rectangle 60">
             <a:extLst>
               <a:ext uri="{FF2B5EF4-FFF2-40B4-BE49-F238E27FC236}">
-                <a16:creationId xmlns:a16="http://schemas.microsoft.com/office/drawing/2014/main" id="{340C4477-8A90-8A8C-65B7-202314C3ABCC}"/>
+                <a16:creationId xmlns:a16="http://schemas.microsoft.com/office/drawing/2014/main" id="{00F965A2-4698-D65C-2B1F-3601FDCBF34D}"/>
               </a:ext>
             </a:extLst>
           </p:cNvPr>
@@ -5815,7 +4952,7 @@
           <p:cNvPr id="64" name="TextBox 63">
             <a:extLst>
               <a:ext uri="{FF2B5EF4-FFF2-40B4-BE49-F238E27FC236}">
-                <a16:creationId xmlns:a16="http://schemas.microsoft.com/office/drawing/2014/main" id="{F1DB31A6-A394-9581-35E2-1B45D8C8135E}"/>
+                <a16:creationId xmlns:a16="http://schemas.microsoft.com/office/drawing/2014/main" id="{E7DA87D9-7353-A367-0573-09BE9672AE94}"/>
               </a:ext>
             </a:extLst>
           </p:cNvPr>
@@ -5859,7 +4996,7 @@
           <p:cNvPr id="214" name="Connector: Elbow 213">
             <a:extLst>
               <a:ext uri="{FF2B5EF4-FFF2-40B4-BE49-F238E27FC236}">
-                <a16:creationId xmlns:a16="http://schemas.microsoft.com/office/drawing/2014/main" id="{23F45CB1-F915-2592-A1C7-9FD48B78FDD7}"/>
+                <a16:creationId xmlns:a16="http://schemas.microsoft.com/office/drawing/2014/main" id="{8915FEFC-CA70-F387-533F-0C8D5A8498EA}"/>
               </a:ext>
             </a:extLst>
           </p:cNvPr>
@@ -5903,7 +5040,7 @@
           <p:cNvPr id="242" name="Connector: Elbow 241">
             <a:extLst>
               <a:ext uri="{FF2B5EF4-FFF2-40B4-BE49-F238E27FC236}">
-                <a16:creationId xmlns:a16="http://schemas.microsoft.com/office/drawing/2014/main" id="{41120B5F-F708-A6F2-F648-80267F4FED55}"/>
+                <a16:creationId xmlns:a16="http://schemas.microsoft.com/office/drawing/2014/main" id="{0F449B89-EC22-6C06-2851-24D2ED0F59EA}"/>
               </a:ext>
             </a:extLst>
           </p:cNvPr>
@@ -5947,7 +5084,7 @@
           <p:cNvPr id="271" name="Rectangle 270">
             <a:extLst>
               <a:ext uri="{FF2B5EF4-FFF2-40B4-BE49-F238E27FC236}">
-                <a16:creationId xmlns:a16="http://schemas.microsoft.com/office/drawing/2014/main" id="{9731557B-6A8D-ECE3-CBF2-FAF304D57E5B}"/>
+                <a16:creationId xmlns:a16="http://schemas.microsoft.com/office/drawing/2014/main" id="{EFDFD7D8-A683-BDA2-6299-5DB0307AC51F}"/>
               </a:ext>
             </a:extLst>
           </p:cNvPr>
@@ -6013,7 +5150,7 @@
           <p:cNvPr id="277" name="Rectangle 276">
             <a:extLst>
               <a:ext uri="{FF2B5EF4-FFF2-40B4-BE49-F238E27FC236}">
-                <a16:creationId xmlns:a16="http://schemas.microsoft.com/office/drawing/2014/main" id="{3115CC88-6263-38C2-0D3E-003BDACFE043}"/>
+                <a16:creationId xmlns:a16="http://schemas.microsoft.com/office/drawing/2014/main" id="{054B4518-B4E6-0287-E41E-BCFD01E3E6D9}"/>
               </a:ext>
             </a:extLst>
           </p:cNvPr>
@@ -6103,7 +5240,7 @@
           <p:cNvPr id="305" name="Rectangle 304">
             <a:extLst>
               <a:ext uri="{FF2B5EF4-FFF2-40B4-BE49-F238E27FC236}">
-                <a16:creationId xmlns:a16="http://schemas.microsoft.com/office/drawing/2014/main" id="{E93FBCF3-1541-0A07-BEC4-E6C4601835E9}"/>
+                <a16:creationId xmlns:a16="http://schemas.microsoft.com/office/drawing/2014/main" id="{37186F6D-EA23-AC06-B48C-CF71E21CC18F}"/>
               </a:ext>
             </a:extLst>
           </p:cNvPr>
@@ -6177,7 +5314,7 @@
           <p:cNvPr id="314" name="Rectangle 313">
             <a:extLst>
               <a:ext uri="{FF2B5EF4-FFF2-40B4-BE49-F238E27FC236}">
-                <a16:creationId xmlns:a16="http://schemas.microsoft.com/office/drawing/2014/main" id="{6FF04236-50E5-8739-1895-3CA914FEB9DF}"/>
+                <a16:creationId xmlns:a16="http://schemas.microsoft.com/office/drawing/2014/main" id="{4ABE8EE9-4D34-8761-817F-837E91450588}"/>
               </a:ext>
             </a:extLst>
           </p:cNvPr>
@@ -6186,8 +5323,8 @@
         </p:nvSpPr>
         <p:spPr>
           <a:xfrm>
-            <a:off x="6306646" y="5488515"/>
-            <a:ext cx="2436388" cy="996976"/>
+            <a:off x="6306646" y="5156346"/>
+            <a:ext cx="2436388" cy="1644960"/>
           </a:xfrm>
           <a:prstGeom prst="rect">
             <a:avLst/>
@@ -6225,7 +5362,7 @@
                   <a:schemeClr val="tx1"/>
                 </a:solidFill>
               </a:rPr>
-              <a:t>You will need to use a </a:t>
+              <a:t>You will need to use a cable to connect your VR headset to your computer, see </a:t>
             </a:r>
             <a:r>
               <a:rPr lang="en-GB" sz="2000" b="1" dirty="0">
@@ -6233,7 +5370,7 @@
                   <a:schemeClr val="tx1"/>
                 </a:solidFill>
               </a:rPr>
-              <a:t>tethered </a:t>
+              <a:t>tethered</a:t>
             </a:r>
             <a:r>
               <a:rPr lang="en-GB" sz="2000" dirty="0">
@@ -6241,7 +5378,7 @@
                   <a:schemeClr val="tx1"/>
                 </a:solidFill>
               </a:rPr>
-              <a:t>setup.</a:t>
+              <a:t> setup.</a:t>
             </a:r>
           </a:p>
         </p:txBody>
@@ -6251,7 +5388,7 @@
           <p:cNvPr id="320" name="Straight Arrow Connector 319">
             <a:extLst>
               <a:ext uri="{FF2B5EF4-FFF2-40B4-BE49-F238E27FC236}">
-                <a16:creationId xmlns:a16="http://schemas.microsoft.com/office/drawing/2014/main" id="{B010DB81-FF87-6096-9227-5030260B4C51}"/>
+                <a16:creationId xmlns:a16="http://schemas.microsoft.com/office/drawing/2014/main" id="{4082EBAF-97DE-51D0-B32D-BFB60A659864}"/>
               </a:ext>
             </a:extLst>
           </p:cNvPr>
@@ -6264,8 +5401,8 @@
         </p:nvCxnSpPr>
         <p:spPr>
           <a:xfrm flipH="1">
-            <a:off x="7521504" y="6485491"/>
-            <a:ext cx="3336" cy="4291261"/>
+            <a:off x="7521504" y="6801306"/>
+            <a:ext cx="3336" cy="3975446"/>
           </a:xfrm>
           <a:prstGeom prst="straightConnector1">
             <a:avLst/>
@@ -6295,7 +5432,7 @@
           <p:cNvPr id="324" name="Rectangle 323">
             <a:extLst>
               <a:ext uri="{FF2B5EF4-FFF2-40B4-BE49-F238E27FC236}">
-                <a16:creationId xmlns:a16="http://schemas.microsoft.com/office/drawing/2014/main" id="{6A00F52B-C080-2BFF-9C5D-566A00C0B6BD}"/>
+                <a16:creationId xmlns:a16="http://schemas.microsoft.com/office/drawing/2014/main" id="{8B7A30EB-4E2C-0232-AB53-D2D1AA4C927A}"/>
               </a:ext>
             </a:extLst>
           </p:cNvPr>
@@ -6369,7 +5506,7 @@
           <p:cNvPr id="329" name="Rectangle 328">
             <a:extLst>
               <a:ext uri="{FF2B5EF4-FFF2-40B4-BE49-F238E27FC236}">
-                <a16:creationId xmlns:a16="http://schemas.microsoft.com/office/drawing/2014/main" id="{CAB42C7C-D886-2F51-799D-9AE8A4A3E3CA}"/>
+                <a16:creationId xmlns:a16="http://schemas.microsoft.com/office/drawing/2014/main" id="{5B436087-E31E-E23C-F799-5BCFC6A70BEB}"/>
               </a:ext>
             </a:extLst>
           </p:cNvPr>
@@ -6443,7 +5580,7 @@
           <p:cNvPr id="330" name="Straight Arrow Connector 329">
             <a:extLst>
               <a:ext uri="{FF2B5EF4-FFF2-40B4-BE49-F238E27FC236}">
-                <a16:creationId xmlns:a16="http://schemas.microsoft.com/office/drawing/2014/main" id="{893746EB-0D3E-1251-F62D-B34FFC6F5154}"/>
+                <a16:creationId xmlns:a16="http://schemas.microsoft.com/office/drawing/2014/main" id="{0E92A7F7-7B0A-2D55-5955-98EAA33B77F6}"/>
               </a:ext>
             </a:extLst>
           </p:cNvPr>
@@ -6487,7 +5624,7 @@
           <p:cNvPr id="334" name="TextBox 333">
             <a:extLst>
               <a:ext uri="{FF2B5EF4-FFF2-40B4-BE49-F238E27FC236}">
-                <a16:creationId xmlns:a16="http://schemas.microsoft.com/office/drawing/2014/main" id="{69E8B08F-6DCC-96A9-0430-EFAF16983513}"/>
+                <a16:creationId xmlns:a16="http://schemas.microsoft.com/office/drawing/2014/main" id="{2D9BE690-229C-4FD7-EE40-B9522A8FD700}"/>
               </a:ext>
             </a:extLst>
           </p:cNvPr>
@@ -6523,7 +5660,7 @@
           <p:cNvPr id="338" name="TextBox 337">
             <a:extLst>
               <a:ext uri="{FF2B5EF4-FFF2-40B4-BE49-F238E27FC236}">
-                <a16:creationId xmlns:a16="http://schemas.microsoft.com/office/drawing/2014/main" id="{AF7A6573-2EB0-85AC-1396-5C156AEBC5D4}"/>
+                <a16:creationId xmlns:a16="http://schemas.microsoft.com/office/drawing/2014/main" id="{7936CC4F-0E31-81CA-7154-1A0F59097619}"/>
               </a:ext>
             </a:extLst>
           </p:cNvPr>
@@ -6559,7 +5696,7 @@
           <p:cNvPr id="352" name="Straight Arrow Connector 351">
             <a:extLst>
               <a:ext uri="{FF2B5EF4-FFF2-40B4-BE49-F238E27FC236}">
-                <a16:creationId xmlns:a16="http://schemas.microsoft.com/office/drawing/2014/main" id="{FD7702DC-CEB3-F428-AC58-7631036208F5}"/>
+                <a16:creationId xmlns:a16="http://schemas.microsoft.com/office/drawing/2014/main" id="{2D87CCDF-2114-179A-6FBF-4C0D60B8CD5A}"/>
               </a:ext>
             </a:extLst>
           </p:cNvPr>
@@ -6603,7 +5740,7 @@
           <p:cNvPr id="363" name="Rectangle 362">
             <a:extLst>
               <a:ext uri="{FF2B5EF4-FFF2-40B4-BE49-F238E27FC236}">
-                <a16:creationId xmlns:a16="http://schemas.microsoft.com/office/drawing/2014/main" id="{33B453C8-38F8-3B27-667B-C8A99434E2AD}"/>
+                <a16:creationId xmlns:a16="http://schemas.microsoft.com/office/drawing/2014/main" id="{3FCABCA6-B23A-47BA-509B-5D47655E682F}"/>
               </a:ext>
             </a:extLst>
           </p:cNvPr>
@@ -6816,7 +5953,7 @@
           <p:cNvPr id="366" name="Straight Arrow Connector 365">
             <a:extLst>
               <a:ext uri="{FF2B5EF4-FFF2-40B4-BE49-F238E27FC236}">
-                <a16:creationId xmlns:a16="http://schemas.microsoft.com/office/drawing/2014/main" id="{01456621-189B-690B-2D6C-43CD380F59E4}"/>
+                <a16:creationId xmlns:a16="http://schemas.microsoft.com/office/drawing/2014/main" id="{35082CC1-0216-3C16-EAB7-F23A16C2CB6C}"/>
               </a:ext>
             </a:extLst>
           </p:cNvPr>
@@ -6860,7 +5997,7 @@
           <p:cNvPr id="370" name="Content Placeholder 2">
             <a:extLst>
               <a:ext uri="{FF2B5EF4-FFF2-40B4-BE49-F238E27FC236}">
-                <a16:creationId xmlns:a16="http://schemas.microsoft.com/office/drawing/2014/main" id="{1E6C3132-5A2F-96A7-98D0-8FCF4269FB45}"/>
+                <a16:creationId xmlns:a16="http://schemas.microsoft.com/office/drawing/2014/main" id="{2468CD57-6ABB-E6A0-F4E1-75AF0C420360}"/>
               </a:ext>
             </a:extLst>
           </p:cNvPr>
@@ -7007,7 +6144,7 @@
           <p:cNvPr id="371" name="TextBox 370">
             <a:extLst>
               <a:ext uri="{FF2B5EF4-FFF2-40B4-BE49-F238E27FC236}">
-                <a16:creationId xmlns:a16="http://schemas.microsoft.com/office/drawing/2014/main" id="{A79CC35C-7554-7426-B927-FF1CD8F0DFAA}"/>
+                <a16:creationId xmlns:a16="http://schemas.microsoft.com/office/drawing/2014/main" id="{E48CC2C6-AA99-29A0-6C4E-49FF890CFBB4}"/>
               </a:ext>
             </a:extLst>
           </p:cNvPr>
@@ -7043,7 +6180,7 @@
           <p:cNvPr id="385" name="TextBox 384">
             <a:extLst>
               <a:ext uri="{FF2B5EF4-FFF2-40B4-BE49-F238E27FC236}">
-                <a16:creationId xmlns:a16="http://schemas.microsoft.com/office/drawing/2014/main" id="{D00C56CC-CD79-D04E-6939-916AD014486C}"/>
+                <a16:creationId xmlns:a16="http://schemas.microsoft.com/office/drawing/2014/main" id="{5DF54585-F242-75F5-D2D0-D582E257D7DB}"/>
               </a:ext>
             </a:extLst>
           </p:cNvPr>
@@ -7079,7 +6216,7 @@
           <p:cNvPr id="402" name="Connector: Elbow 401">
             <a:extLst>
               <a:ext uri="{FF2B5EF4-FFF2-40B4-BE49-F238E27FC236}">
-                <a16:creationId xmlns:a16="http://schemas.microsoft.com/office/drawing/2014/main" id="{602FD4CE-BF27-5BA3-4A42-313934A36984}"/>
+                <a16:creationId xmlns:a16="http://schemas.microsoft.com/office/drawing/2014/main" id="{613D65C8-C4EF-D149-FD91-825305D1DEAE}"/>
               </a:ext>
             </a:extLst>
           </p:cNvPr>
@@ -7123,7 +6260,7 @@
           <p:cNvPr id="414" name="Connector: Elbow 413">
             <a:extLst>
               <a:ext uri="{FF2B5EF4-FFF2-40B4-BE49-F238E27FC236}">
-                <a16:creationId xmlns:a16="http://schemas.microsoft.com/office/drawing/2014/main" id="{3EBB69BF-321C-B3CE-8472-0FD925D21411}"/>
+                <a16:creationId xmlns:a16="http://schemas.microsoft.com/office/drawing/2014/main" id="{22F97906-8371-B057-3E92-43E13EC8D70E}"/>
               </a:ext>
             </a:extLst>
           </p:cNvPr>
@@ -7166,7 +6303,7 @@
           <p:cNvPr id="526" name="Connector: Elbow 525">
             <a:extLst>
               <a:ext uri="{FF2B5EF4-FFF2-40B4-BE49-F238E27FC236}">
-                <a16:creationId xmlns:a16="http://schemas.microsoft.com/office/drawing/2014/main" id="{D53EE2C6-E9F4-0577-52F1-603DDF342357}"/>
+                <a16:creationId xmlns:a16="http://schemas.microsoft.com/office/drawing/2014/main" id="{0B188F7E-236F-8D45-B01F-6447669D6776}"/>
               </a:ext>
             </a:extLst>
           </p:cNvPr>
@@ -7213,7 +6350,7 @@
           <p:cNvPr id="20" name="Connector: Elbow 213">
             <a:extLst>
               <a:ext uri="{FF2B5EF4-FFF2-40B4-BE49-F238E27FC236}">
-                <a16:creationId xmlns:a16="http://schemas.microsoft.com/office/drawing/2014/main" id="{38CF9B38-FDE4-A1FC-8EBD-60F2F36FA19B}"/>
+                <a16:creationId xmlns:a16="http://schemas.microsoft.com/office/drawing/2014/main" id="{DC564A8A-7E1F-7F21-E7A0-008F0935269A}"/>
               </a:ext>
             </a:extLst>
           </p:cNvPr>
@@ -7255,7 +6392,7 @@
     </p:spTree>
     <p:extLst>
       <p:ext uri="{BB962C8B-B14F-4D97-AF65-F5344CB8AC3E}">
-        <p14:creationId xmlns:p14="http://schemas.microsoft.com/office/powerpoint/2010/main" val="1752442661"/>
+        <p14:creationId xmlns:p14="http://schemas.microsoft.com/office/powerpoint/2010/main" val="1838229114"/>
       </p:ext>
     </p:extLst>
   </p:cSld>
@@ -9743,6 +8880,2438 @@
     <p:extLst>
       <p:ext uri="{BB962C8B-B14F-4D97-AF65-F5344CB8AC3E}">
         <p14:creationId xmlns:p14="http://schemas.microsoft.com/office/powerpoint/2010/main" val="2676893550"/>
+      </p:ext>
+    </p:extLst>
+  </p:cSld>
+  <p:clrMapOvr>
+    <a:masterClrMapping/>
+  </p:clrMapOvr>
+</p:sld>
+</file>
+
+<file path=ppt/slides/slide3.xml><?xml version="1.0" encoding="utf-8"?>
+<p:sld xmlns:a="http://schemas.openxmlformats.org/drawingml/2006/main" xmlns:r="http://schemas.openxmlformats.org/officeDocument/2006/relationships" xmlns:p="http://schemas.openxmlformats.org/presentationml/2006/main">
+  <p:cSld>
+    <p:spTree>
+      <p:nvGrpSpPr>
+        <p:cNvPr id="1" name=""/>
+        <p:cNvGrpSpPr/>
+        <p:nvPr/>
+      </p:nvGrpSpPr>
+      <p:grpSpPr>
+        <a:xfrm>
+          <a:off x="0" y="0"/>
+          <a:ext cx="0" cy="0"/>
+          <a:chOff x="0" y="0"/>
+          <a:chExt cx="0" cy="0"/>
+        </a:xfrm>
+      </p:grpSpPr>
+      <p:sp>
+        <p:nvSpPr>
+          <p:cNvPr id="4" name="Rectangle 3">
+            <a:extLst>
+              <a:ext uri="{FF2B5EF4-FFF2-40B4-BE49-F238E27FC236}">
+                <a16:creationId xmlns:a16="http://schemas.microsoft.com/office/drawing/2014/main" id="{22887272-8CFA-BF44-CACD-537694360768}"/>
+              </a:ext>
+            </a:extLst>
+          </p:cNvPr>
+          <p:cNvSpPr/>
+          <p:nvPr/>
+        </p:nvSpPr>
+        <p:spPr>
+          <a:xfrm>
+            <a:off x="6189662" y="9820434"/>
+            <a:ext cx="2663685" cy="1259320"/>
+          </a:xfrm>
+          <a:prstGeom prst="rect">
+            <a:avLst/>
+          </a:prstGeom>
+          <a:solidFill>
+            <a:schemeClr val="bg1">
+              <a:lumMod val="85000"/>
+            </a:schemeClr>
+          </a:solidFill>
+        </p:spPr>
+        <p:style>
+          <a:lnRef idx="2">
+            <a:schemeClr val="accent1">
+              <a:shade val="15000"/>
+            </a:schemeClr>
+          </a:lnRef>
+          <a:fillRef idx="1">
+            <a:schemeClr val="accent1"/>
+          </a:fillRef>
+          <a:effectRef idx="0">
+            <a:schemeClr val="accent1"/>
+          </a:effectRef>
+          <a:fontRef idx="minor">
+            <a:schemeClr val="lt1"/>
+          </a:fontRef>
+        </p:style>
+        <p:txBody>
+          <a:bodyPr rtlCol="0" anchor="ctr"/>
+          <a:lstStyle/>
+          <a:p>
+            <a:pPr algn="ctr"/>
+            <a:r>
+              <a:rPr lang="en-GB" sz="2000" dirty="0">
+                <a:solidFill>
+                  <a:schemeClr val="tx1"/>
+                </a:solidFill>
+              </a:rPr>
+              <a:t>Which </a:t>
+            </a:r>
+            <a:r>
+              <a:rPr lang="en-GB" sz="2000" b="1" dirty="0">
+                <a:solidFill>
+                  <a:schemeClr val="tx1"/>
+                </a:solidFill>
+              </a:rPr>
+              <a:t>configuration</a:t>
+            </a:r>
+            <a:r>
+              <a:rPr lang="en-GB" sz="2000" dirty="0">
+                <a:solidFill>
+                  <a:schemeClr val="tx1"/>
+                </a:solidFill>
+              </a:rPr>
+              <a:t> are you looking for?</a:t>
+            </a:r>
+          </a:p>
+        </p:txBody>
+      </p:sp>
+      <p:sp>
+        <p:nvSpPr>
+          <p:cNvPr id="5" name="Rectangle 4">
+            <a:extLst>
+              <a:ext uri="{FF2B5EF4-FFF2-40B4-BE49-F238E27FC236}">
+                <a16:creationId xmlns:a16="http://schemas.microsoft.com/office/drawing/2014/main" id="{346FBF56-A7DF-4167-FC34-8C7AAEEE9647}"/>
+              </a:ext>
+            </a:extLst>
+          </p:cNvPr>
+          <p:cNvSpPr/>
+          <p:nvPr/>
+        </p:nvSpPr>
+        <p:spPr>
+          <a:xfrm>
+            <a:off x="1237490" y="4564051"/>
+            <a:ext cx="2436388" cy="1644960"/>
+          </a:xfrm>
+          <a:prstGeom prst="rect">
+            <a:avLst/>
+          </a:prstGeom>
+          <a:solidFill>
+            <a:schemeClr val="bg1">
+              <a:lumMod val="85000"/>
+            </a:schemeClr>
+          </a:solidFill>
+        </p:spPr>
+        <p:style>
+          <a:lnRef idx="2">
+            <a:schemeClr val="accent1">
+              <a:shade val="15000"/>
+            </a:schemeClr>
+          </a:lnRef>
+          <a:fillRef idx="1">
+            <a:schemeClr val="accent1"/>
+          </a:fillRef>
+          <a:effectRef idx="0">
+            <a:schemeClr val="accent1"/>
+          </a:effectRef>
+          <a:fontRef idx="minor">
+            <a:schemeClr val="lt1"/>
+          </a:fontRef>
+        </p:style>
+        <p:txBody>
+          <a:bodyPr rtlCol="0" anchor="ctr"/>
+          <a:lstStyle/>
+          <a:p>
+            <a:pPr algn="ctr"/>
+            <a:r>
+              <a:rPr lang="en-GB" sz="2000" dirty="0">
+                <a:solidFill>
+                  <a:schemeClr val="tx1"/>
+                </a:solidFill>
+              </a:rPr>
+              <a:t>What type of </a:t>
+            </a:r>
+            <a:r>
+              <a:rPr lang="en-GB" sz="2000" b="1" dirty="0">
+                <a:solidFill>
+                  <a:schemeClr val="tx1"/>
+                </a:solidFill>
+              </a:rPr>
+              <a:t>network</a:t>
+            </a:r>
+            <a:r>
+              <a:rPr lang="en-GB" sz="2000" dirty="0">
+                <a:solidFill>
+                  <a:schemeClr val="tx1"/>
+                </a:solidFill>
+              </a:rPr>
+              <a:t> are you using?</a:t>
+            </a:r>
+          </a:p>
+        </p:txBody>
+      </p:sp>
+      <p:sp>
+        <p:nvSpPr>
+          <p:cNvPr id="9" name="TextBox 8">
+            <a:extLst>
+              <a:ext uri="{FF2B5EF4-FFF2-40B4-BE49-F238E27FC236}">
+                <a16:creationId xmlns:a16="http://schemas.microsoft.com/office/drawing/2014/main" id="{1B919D91-FC0C-7368-90E2-67BC1C60183D}"/>
+              </a:ext>
+            </a:extLst>
+          </p:cNvPr>
+          <p:cNvSpPr txBox="1"/>
+          <p:nvPr/>
+        </p:nvSpPr>
+        <p:spPr>
+          <a:xfrm>
+            <a:off x="2455682" y="6373915"/>
+            <a:ext cx="942374" cy="400110"/>
+          </a:xfrm>
+          <a:prstGeom prst="rect">
+            <a:avLst/>
+          </a:prstGeom>
+          <a:noFill/>
+        </p:spPr>
+        <p:txBody>
+          <a:bodyPr wrap="none" rtlCol="0">
+            <a:spAutoFit/>
+          </a:bodyPr>
+          <a:lstStyle/>
+          <a:p>
+            <a:r>
+              <a:rPr lang="en-GB" sz="2000" dirty="0"/>
+              <a:t>Private</a:t>
+            </a:r>
+            <a:endParaRPr lang="en-GB" sz="2000" b="1" dirty="0"/>
+          </a:p>
+        </p:txBody>
+      </p:sp>
+      <p:cxnSp>
+        <p:nvCxnSpPr>
+          <p:cNvPr id="12" name="Straight Arrow Connector 11">
+            <a:extLst>
+              <a:ext uri="{FF2B5EF4-FFF2-40B4-BE49-F238E27FC236}">
+                <a16:creationId xmlns:a16="http://schemas.microsoft.com/office/drawing/2014/main" id="{926B9899-69C1-DC20-8EAB-50BDC2C23273}"/>
+              </a:ext>
+            </a:extLst>
+          </p:cNvPr>
+          <p:cNvCxnSpPr>
+            <a:cxnSpLocks/>
+            <a:stCxn id="5" idx="3"/>
+            <a:endCxn id="314" idx="1"/>
+          </p:cNvCxnSpPr>
+          <p:nvPr/>
+        </p:nvCxnSpPr>
+        <p:spPr>
+          <a:xfrm flipV="1">
+            <a:off x="3673878" y="5381076"/>
+            <a:ext cx="2632768" cy="5455"/>
+          </a:xfrm>
+          <a:prstGeom prst="straightConnector1">
+            <a:avLst/>
+          </a:prstGeom>
+          <a:ln>
+            <a:headEnd type="none" w="med" len="med"/>
+            <a:tailEnd type="arrow" w="med" len="med"/>
+          </a:ln>
+        </p:spPr>
+        <p:style>
+          <a:lnRef idx="2">
+            <a:schemeClr val="dk1"/>
+          </a:lnRef>
+          <a:fillRef idx="0">
+            <a:schemeClr val="dk1"/>
+          </a:fillRef>
+          <a:effectRef idx="1">
+            <a:schemeClr val="dk1"/>
+          </a:effectRef>
+          <a:fontRef idx="minor">
+            <a:schemeClr val="tx1"/>
+          </a:fontRef>
+        </p:style>
+      </p:cxnSp>
+      <p:sp>
+        <p:nvSpPr>
+          <p:cNvPr id="15" name="Rectangle 14">
+            <a:extLst>
+              <a:ext uri="{FF2B5EF4-FFF2-40B4-BE49-F238E27FC236}">
+                <a16:creationId xmlns:a16="http://schemas.microsoft.com/office/drawing/2014/main" id="{1EAFDDEE-0E21-A708-736B-D49DE6669369}"/>
+              </a:ext>
+            </a:extLst>
+          </p:cNvPr>
+          <p:cNvSpPr/>
+          <p:nvPr/>
+        </p:nvSpPr>
+        <p:spPr>
+          <a:xfrm>
+            <a:off x="1237491" y="6986883"/>
+            <a:ext cx="2436387" cy="1644960"/>
+          </a:xfrm>
+          <a:prstGeom prst="rect">
+            <a:avLst/>
+          </a:prstGeom>
+          <a:solidFill>
+            <a:schemeClr val="bg1">
+              <a:lumMod val="85000"/>
+            </a:schemeClr>
+          </a:solidFill>
+        </p:spPr>
+        <p:style>
+          <a:lnRef idx="2">
+            <a:schemeClr val="accent1">
+              <a:shade val="15000"/>
+            </a:schemeClr>
+          </a:lnRef>
+          <a:fillRef idx="1">
+            <a:schemeClr val="accent1"/>
+          </a:fillRef>
+          <a:effectRef idx="0">
+            <a:schemeClr val="accent1"/>
+          </a:effectRef>
+          <a:fontRef idx="minor">
+            <a:schemeClr val="lt1"/>
+          </a:fontRef>
+        </p:style>
+        <p:txBody>
+          <a:bodyPr rtlCol="0" anchor="ctr"/>
+          <a:lstStyle/>
+          <a:p>
+            <a:pPr algn="ctr"/>
+            <a:r>
+              <a:rPr lang="en-GB" sz="2000" dirty="0">
+                <a:solidFill>
+                  <a:schemeClr val="tx1"/>
+                </a:solidFill>
+              </a:rPr>
+              <a:t>Which type of </a:t>
+            </a:r>
+            <a:r>
+              <a:rPr lang="en-GB" sz="2000" b="1" dirty="0">
+                <a:solidFill>
+                  <a:schemeClr val="tx1"/>
+                </a:solidFill>
+              </a:rPr>
+              <a:t>VR headset</a:t>
+            </a:r>
+            <a:r>
+              <a:rPr lang="en-GB" sz="2000" dirty="0">
+                <a:solidFill>
+                  <a:schemeClr val="tx1"/>
+                </a:solidFill>
+              </a:rPr>
+              <a:t> are you using?</a:t>
+            </a:r>
+          </a:p>
+        </p:txBody>
+      </p:sp>
+      <p:cxnSp>
+        <p:nvCxnSpPr>
+          <p:cNvPr id="16" name="Straight Arrow Connector 15">
+            <a:extLst>
+              <a:ext uri="{FF2B5EF4-FFF2-40B4-BE49-F238E27FC236}">
+                <a16:creationId xmlns:a16="http://schemas.microsoft.com/office/drawing/2014/main" id="{235209DE-3AC7-AEA2-ED89-4975A1C0D3D4}"/>
+              </a:ext>
+            </a:extLst>
+          </p:cNvPr>
+          <p:cNvCxnSpPr>
+            <a:cxnSpLocks/>
+            <a:stCxn id="5" idx="2"/>
+            <a:endCxn id="15" idx="0"/>
+          </p:cNvCxnSpPr>
+          <p:nvPr/>
+        </p:nvCxnSpPr>
+        <p:spPr>
+          <a:xfrm>
+            <a:off x="2455684" y="6209011"/>
+            <a:ext cx="1" cy="777872"/>
+          </a:xfrm>
+          <a:prstGeom prst="straightConnector1">
+            <a:avLst/>
+          </a:prstGeom>
+          <a:ln>
+            <a:headEnd type="none" w="med" len="med"/>
+            <a:tailEnd type="arrow" w="med" len="med"/>
+          </a:ln>
+        </p:spPr>
+        <p:style>
+          <a:lnRef idx="2">
+            <a:schemeClr val="dk1"/>
+          </a:lnRef>
+          <a:fillRef idx="0">
+            <a:schemeClr val="dk1"/>
+          </a:fillRef>
+          <a:effectRef idx="1">
+            <a:schemeClr val="dk1"/>
+          </a:effectRef>
+          <a:fontRef idx="minor">
+            <a:schemeClr val="tx1"/>
+          </a:fontRef>
+        </p:style>
+      </p:cxnSp>
+      <p:sp>
+        <p:nvSpPr>
+          <p:cNvPr id="19" name="Rectangle 18">
+            <a:extLst>
+              <a:ext uri="{FF2B5EF4-FFF2-40B4-BE49-F238E27FC236}">
+                <a16:creationId xmlns:a16="http://schemas.microsoft.com/office/drawing/2014/main" id="{D2A92E3D-448A-A5B8-E6F4-384524ED1057}"/>
+              </a:ext>
+            </a:extLst>
+          </p:cNvPr>
+          <p:cNvSpPr/>
+          <p:nvPr/>
+        </p:nvSpPr>
+        <p:spPr>
+          <a:xfrm>
+            <a:off x="1237490" y="12185799"/>
+            <a:ext cx="2436386" cy="1093980"/>
+          </a:xfrm>
+          <a:prstGeom prst="rect">
+            <a:avLst/>
+          </a:prstGeom>
+          <a:solidFill>
+            <a:schemeClr val="accent2">
+              <a:lumMod val="40000"/>
+              <a:lumOff val="60000"/>
+            </a:schemeClr>
+          </a:solidFill>
+        </p:spPr>
+        <p:style>
+          <a:lnRef idx="2">
+            <a:schemeClr val="accent1">
+              <a:shade val="15000"/>
+            </a:schemeClr>
+          </a:lnRef>
+          <a:fillRef idx="1">
+            <a:schemeClr val="accent1"/>
+          </a:fillRef>
+          <a:effectRef idx="0">
+            <a:schemeClr val="accent1"/>
+          </a:effectRef>
+          <a:fontRef idx="minor">
+            <a:schemeClr val="lt1"/>
+          </a:fontRef>
+        </p:style>
+        <p:txBody>
+          <a:bodyPr rtlCol="0" anchor="ctr"/>
+          <a:lstStyle/>
+          <a:p>
+            <a:pPr algn="ctr"/>
+            <a:r>
+              <a:rPr lang="en-GB" sz="2000" dirty="0">
+                <a:solidFill>
+                  <a:schemeClr val="tx1"/>
+                </a:solidFill>
+              </a:rPr>
+              <a:t>You can choose </a:t>
+            </a:r>
+            <a:r>
+              <a:rPr lang="en-GB" sz="2000" b="1" dirty="0">
+                <a:solidFill>
+                  <a:schemeClr val="tx1"/>
+                </a:solidFill>
+              </a:rPr>
+              <a:t>any installation option</a:t>
+            </a:r>
+            <a:r>
+              <a:rPr lang="en-GB" sz="2000" dirty="0">
+                <a:solidFill>
+                  <a:schemeClr val="tx1"/>
+                </a:solidFill>
+              </a:rPr>
+              <a:t>.</a:t>
+            </a:r>
+          </a:p>
+        </p:txBody>
+      </p:sp>
+      <p:sp>
+        <p:nvSpPr>
+          <p:cNvPr id="24" name="TextBox 23">
+            <a:extLst>
+              <a:ext uri="{FF2B5EF4-FFF2-40B4-BE49-F238E27FC236}">
+                <a16:creationId xmlns:a16="http://schemas.microsoft.com/office/drawing/2014/main" id="{0A510DB6-C573-9104-CAAB-0035485EEB71}"/>
+              </a:ext>
+            </a:extLst>
+          </p:cNvPr>
+          <p:cNvSpPr txBox="1"/>
+          <p:nvPr/>
+        </p:nvSpPr>
+        <p:spPr>
+          <a:xfrm>
+            <a:off x="3776743" y="7442101"/>
+            <a:ext cx="920445" cy="400110"/>
+          </a:xfrm>
+          <a:prstGeom prst="rect">
+            <a:avLst/>
+          </a:prstGeom>
+          <a:noFill/>
+        </p:spPr>
+        <p:txBody>
+          <a:bodyPr wrap="none" rtlCol="0">
+            <a:spAutoFit/>
+          </a:bodyPr>
+          <a:lstStyle/>
+          <a:p>
+            <a:r>
+              <a:rPr lang="en-GB" sz="2000" dirty="0"/>
+              <a:t>Other</a:t>
+            </a:r>
+            <a:r>
+              <a:rPr lang="en-GB" sz="2000" b="1" i="0" baseline="30000" dirty="0">
+                <a:solidFill>
+                  <a:srgbClr val="040C28"/>
+                </a:solidFill>
+                <a:effectLst/>
+              </a:rPr>
+              <a:t>†</a:t>
+            </a:r>
+            <a:endParaRPr lang="en-GB" sz="2000" b="1" baseline="30000" dirty="0"/>
+          </a:p>
+        </p:txBody>
+      </p:sp>
+      <p:cxnSp>
+        <p:nvCxnSpPr>
+          <p:cNvPr id="26" name="Straight Arrow Connector 25">
+            <a:extLst>
+              <a:ext uri="{FF2B5EF4-FFF2-40B4-BE49-F238E27FC236}">
+                <a16:creationId xmlns:a16="http://schemas.microsoft.com/office/drawing/2014/main" id="{B4679F37-C6D4-6A1D-0567-7B9D67A33907}"/>
+              </a:ext>
+            </a:extLst>
+          </p:cNvPr>
+          <p:cNvCxnSpPr>
+            <a:cxnSpLocks/>
+            <a:stCxn id="15" idx="3"/>
+            <a:endCxn id="277" idx="1"/>
+          </p:cNvCxnSpPr>
+          <p:nvPr/>
+        </p:nvCxnSpPr>
+        <p:spPr>
+          <a:xfrm>
+            <a:off x="3673878" y="7809363"/>
+            <a:ext cx="1150908" cy="6507"/>
+          </a:xfrm>
+          <a:prstGeom prst="straightConnector1">
+            <a:avLst/>
+          </a:prstGeom>
+          <a:ln>
+            <a:headEnd type="none" w="med" len="med"/>
+            <a:tailEnd type="arrow" w="med" len="med"/>
+          </a:ln>
+        </p:spPr>
+        <p:style>
+          <a:lnRef idx="2">
+            <a:schemeClr val="dk1"/>
+          </a:lnRef>
+          <a:fillRef idx="0">
+            <a:schemeClr val="dk1"/>
+          </a:fillRef>
+          <a:effectRef idx="1">
+            <a:schemeClr val="dk1"/>
+          </a:effectRef>
+          <a:fontRef idx="minor">
+            <a:schemeClr val="tx1"/>
+          </a:fontRef>
+        </p:style>
+      </p:cxnSp>
+      <p:sp>
+        <p:nvSpPr>
+          <p:cNvPr id="29" name="TextBox 28">
+            <a:extLst>
+              <a:ext uri="{FF2B5EF4-FFF2-40B4-BE49-F238E27FC236}">
+                <a16:creationId xmlns:a16="http://schemas.microsoft.com/office/drawing/2014/main" id="{4D859BB7-BEE1-CF6A-BF53-B561B421A0BD}"/>
+              </a:ext>
+            </a:extLst>
+          </p:cNvPr>
+          <p:cNvSpPr txBox="1"/>
+          <p:nvPr/>
+        </p:nvSpPr>
+        <p:spPr>
+          <a:xfrm>
+            <a:off x="1226608" y="8764555"/>
+            <a:ext cx="1205582" cy="707886"/>
+          </a:xfrm>
+          <a:prstGeom prst="rect">
+            <a:avLst/>
+          </a:prstGeom>
+          <a:noFill/>
+        </p:spPr>
+        <p:txBody>
+          <a:bodyPr wrap="square" rtlCol="0">
+            <a:spAutoFit/>
+          </a:bodyPr>
+          <a:lstStyle/>
+          <a:p>
+            <a:pPr algn="r"/>
+            <a:r>
+              <a:rPr lang="en-GB" sz="2000" dirty="0"/>
+              <a:t>Any Meta Quest</a:t>
+            </a:r>
+          </a:p>
+        </p:txBody>
+      </p:sp>
+      <p:sp>
+        <p:nvSpPr>
+          <p:cNvPr id="38" name="TextBox 37">
+            <a:extLst>
+              <a:ext uri="{FF2B5EF4-FFF2-40B4-BE49-F238E27FC236}">
+                <a16:creationId xmlns:a16="http://schemas.microsoft.com/office/drawing/2014/main" id="{50AD24AF-4564-D938-2BE1-3F69D5C62F17}"/>
+              </a:ext>
+            </a:extLst>
+          </p:cNvPr>
+          <p:cNvSpPr txBox="1"/>
+          <p:nvPr/>
+        </p:nvSpPr>
+        <p:spPr>
+          <a:xfrm>
+            <a:off x="3790863" y="4878699"/>
+            <a:ext cx="2398798" cy="1015663"/>
+          </a:xfrm>
+          <a:prstGeom prst="rect">
+            <a:avLst/>
+          </a:prstGeom>
+          <a:noFill/>
+        </p:spPr>
+        <p:txBody>
+          <a:bodyPr wrap="none" rtlCol="0">
+            <a:spAutoFit/>
+          </a:bodyPr>
+          <a:lstStyle/>
+          <a:p>
+            <a:pPr algn="ctr"/>
+            <a:r>
+              <a:rPr lang="en-GB" sz="2000" dirty="0"/>
+              <a:t>Public / Institutional</a:t>
+            </a:r>
+          </a:p>
+          <a:p>
+            <a:pPr algn="ctr"/>
+            <a:br>
+              <a:rPr lang="en-GB" sz="2000" dirty="0"/>
+            </a:br>
+            <a:r>
+              <a:rPr lang="en-GB" sz="2000" dirty="0"/>
+              <a:t>e.g. Eduroam</a:t>
+            </a:r>
+          </a:p>
+        </p:txBody>
+      </p:sp>
+      <p:sp>
+        <p:nvSpPr>
+          <p:cNvPr id="40" name="TextBox 39">
+            <a:extLst>
+              <a:ext uri="{FF2B5EF4-FFF2-40B4-BE49-F238E27FC236}">
+                <a16:creationId xmlns:a16="http://schemas.microsoft.com/office/drawing/2014/main" id="{026E36F0-35D8-4E3A-EE82-977CCCA6EB0F}"/>
+              </a:ext>
+            </a:extLst>
+          </p:cNvPr>
+          <p:cNvSpPr txBox="1"/>
+          <p:nvPr/>
+        </p:nvSpPr>
+        <p:spPr>
+          <a:xfrm>
+            <a:off x="8697192" y="9707619"/>
+            <a:ext cx="1756246" cy="707886"/>
+          </a:xfrm>
+          <a:prstGeom prst="rect">
+            <a:avLst/>
+          </a:prstGeom>
+          <a:noFill/>
+        </p:spPr>
+        <p:txBody>
+          <a:bodyPr wrap="square" rtlCol="0">
+            <a:spAutoFit/>
+          </a:bodyPr>
+          <a:lstStyle/>
+          <a:p>
+            <a:pPr algn="ctr"/>
+            <a:r>
+              <a:rPr lang="en-GB" sz="2000" dirty="0"/>
+              <a:t>Single-</a:t>
+            </a:r>
+          </a:p>
+          <a:p>
+            <a:pPr algn="ctr"/>
+            <a:r>
+              <a:rPr lang="en-GB" sz="2000" dirty="0"/>
+              <a:t>person</a:t>
+            </a:r>
+          </a:p>
+        </p:txBody>
+      </p:sp>
+      <p:sp>
+        <p:nvSpPr>
+          <p:cNvPr id="42" name="Rectangle 41">
+            <a:extLst>
+              <a:ext uri="{FF2B5EF4-FFF2-40B4-BE49-F238E27FC236}">
+                <a16:creationId xmlns:a16="http://schemas.microsoft.com/office/drawing/2014/main" id="{A14A1D4B-5AA1-522A-397C-D1964657C751}"/>
+              </a:ext>
+            </a:extLst>
+          </p:cNvPr>
+          <p:cNvSpPr/>
+          <p:nvPr/>
+        </p:nvSpPr>
+        <p:spPr>
+          <a:xfrm>
+            <a:off x="10402377" y="12004216"/>
+            <a:ext cx="2663685" cy="1554111"/>
+          </a:xfrm>
+          <a:prstGeom prst="rect">
+            <a:avLst/>
+          </a:prstGeom>
+          <a:solidFill>
+            <a:schemeClr val="accent2">
+              <a:lumMod val="40000"/>
+              <a:lumOff val="60000"/>
+            </a:schemeClr>
+          </a:solidFill>
+        </p:spPr>
+        <p:style>
+          <a:lnRef idx="2">
+            <a:schemeClr val="accent1">
+              <a:shade val="15000"/>
+            </a:schemeClr>
+          </a:lnRef>
+          <a:fillRef idx="1">
+            <a:schemeClr val="accent1"/>
+          </a:fillRef>
+          <a:effectRef idx="0">
+            <a:schemeClr val="accent1"/>
+          </a:effectRef>
+          <a:fontRef idx="minor">
+            <a:schemeClr val="lt1"/>
+          </a:fontRef>
+        </p:style>
+        <p:txBody>
+          <a:bodyPr rtlCol="0" anchor="ctr"/>
+          <a:lstStyle/>
+          <a:p>
+            <a:pPr algn="ctr"/>
+            <a:r>
+              <a:rPr lang="en-GB" sz="2000" dirty="0">
+                <a:solidFill>
+                  <a:schemeClr val="tx1"/>
+                </a:solidFill>
+              </a:rPr>
+              <a:t>Follow </a:t>
+            </a:r>
+            <a:r>
+              <a:rPr lang="en-GB" sz="2000" b="1" dirty="0">
+                <a:solidFill>
+                  <a:schemeClr val="tx1"/>
+                </a:solidFill>
+              </a:rPr>
+              <a:t>PC-VR</a:t>
+            </a:r>
+          </a:p>
+          <a:p>
+            <a:pPr algn="ctr"/>
+            <a:r>
+              <a:rPr lang="en-GB" sz="2000" u="sng" dirty="0">
+                <a:solidFill>
+                  <a:schemeClr val="tx1"/>
+                </a:solidFill>
+              </a:rPr>
+              <a:t>or</a:t>
+            </a:r>
+            <a:r>
+              <a:rPr lang="en-GB" sz="2000" dirty="0">
+                <a:solidFill>
+                  <a:schemeClr val="tx1"/>
+                </a:solidFill>
+              </a:rPr>
+              <a:t> </a:t>
+            </a:r>
+          </a:p>
+          <a:p>
+            <a:pPr algn="ctr"/>
+            <a:r>
+              <a:rPr lang="en-GB" sz="2000" b="1" dirty="0">
+                <a:solidFill>
+                  <a:schemeClr val="tx1"/>
+                </a:solidFill>
+              </a:rPr>
+              <a:t>tethered Meta Quest</a:t>
+            </a:r>
+            <a:r>
+              <a:rPr lang="en-GB" sz="2000" b="1" baseline="30000" dirty="0">
+                <a:solidFill>
+                  <a:schemeClr val="tx1"/>
+                </a:solidFill>
+              </a:rPr>
+              <a:t>‡</a:t>
+            </a:r>
+            <a:r>
+              <a:rPr lang="en-GB" sz="2000" b="1" dirty="0">
+                <a:solidFill>
+                  <a:schemeClr val="tx1"/>
+                </a:solidFill>
+              </a:rPr>
+              <a:t> </a:t>
+            </a:r>
+            <a:r>
+              <a:rPr lang="en-GB" sz="2000" dirty="0">
+                <a:solidFill>
+                  <a:schemeClr val="tx1"/>
+                </a:solidFill>
+              </a:rPr>
+              <a:t>instructions.</a:t>
+            </a:r>
+          </a:p>
+        </p:txBody>
+      </p:sp>
+      <p:sp>
+        <p:nvSpPr>
+          <p:cNvPr id="44" name="TextBox 43">
+            <a:extLst>
+              <a:ext uri="{FF2B5EF4-FFF2-40B4-BE49-F238E27FC236}">
+                <a16:creationId xmlns:a16="http://schemas.microsoft.com/office/drawing/2014/main" id="{9A2DFD34-E640-EEAD-3436-DD63DC7A9817}"/>
+              </a:ext>
+            </a:extLst>
+          </p:cNvPr>
+          <p:cNvSpPr txBox="1"/>
+          <p:nvPr/>
+        </p:nvSpPr>
+        <p:spPr>
+          <a:xfrm>
+            <a:off x="7548554" y="11148924"/>
+            <a:ext cx="1155922" cy="707886"/>
+          </a:xfrm>
+          <a:prstGeom prst="rect">
+            <a:avLst/>
+          </a:prstGeom>
+          <a:noFill/>
+        </p:spPr>
+        <p:txBody>
+          <a:bodyPr wrap="square" rtlCol="0">
+            <a:spAutoFit/>
+          </a:bodyPr>
+          <a:lstStyle/>
+          <a:p>
+            <a:r>
+              <a:rPr lang="en-GB" sz="2000" dirty="0"/>
+              <a:t>Multi-person</a:t>
+            </a:r>
+          </a:p>
+        </p:txBody>
+      </p:sp>
+      <p:sp>
+        <p:nvSpPr>
+          <p:cNvPr id="52" name="Rectangle 51">
+            <a:extLst>
+              <a:ext uri="{FF2B5EF4-FFF2-40B4-BE49-F238E27FC236}">
+                <a16:creationId xmlns:a16="http://schemas.microsoft.com/office/drawing/2014/main" id="{0FC5A7EE-B148-0368-C995-579A86B17CD8}"/>
+              </a:ext>
+            </a:extLst>
+          </p:cNvPr>
+          <p:cNvSpPr/>
+          <p:nvPr/>
+        </p:nvSpPr>
+        <p:spPr>
+          <a:xfrm>
+            <a:off x="1237490" y="2252064"/>
+            <a:ext cx="2436388" cy="1644960"/>
+          </a:xfrm>
+          <a:prstGeom prst="rect">
+            <a:avLst/>
+          </a:prstGeom>
+          <a:solidFill>
+            <a:schemeClr val="bg1">
+              <a:lumMod val="85000"/>
+            </a:schemeClr>
+          </a:solidFill>
+        </p:spPr>
+        <p:style>
+          <a:lnRef idx="2">
+            <a:schemeClr val="accent1">
+              <a:shade val="15000"/>
+            </a:schemeClr>
+          </a:lnRef>
+          <a:fillRef idx="1">
+            <a:schemeClr val="accent1"/>
+          </a:fillRef>
+          <a:effectRef idx="0">
+            <a:schemeClr val="accent1"/>
+          </a:effectRef>
+          <a:fontRef idx="minor">
+            <a:schemeClr val="lt1"/>
+          </a:fontRef>
+        </p:style>
+        <p:txBody>
+          <a:bodyPr rtlCol="0" anchor="ctr"/>
+          <a:lstStyle/>
+          <a:p>
+            <a:pPr algn="ctr"/>
+            <a:r>
+              <a:rPr lang="en-GB" sz="2000" dirty="0">
+                <a:solidFill>
+                  <a:schemeClr val="tx1"/>
+                </a:solidFill>
+              </a:rPr>
+              <a:t>Which </a:t>
+            </a:r>
+            <a:r>
+              <a:rPr lang="en-GB" sz="2000" b="1" dirty="0">
+                <a:solidFill>
+                  <a:schemeClr val="tx1"/>
+                </a:solidFill>
+              </a:rPr>
+              <a:t>operating system</a:t>
+            </a:r>
+            <a:r>
+              <a:rPr lang="en-GB" sz="2000" dirty="0">
+                <a:solidFill>
+                  <a:schemeClr val="tx1"/>
+                </a:solidFill>
+              </a:rPr>
+              <a:t> are you using?</a:t>
+            </a:r>
+          </a:p>
+        </p:txBody>
+      </p:sp>
+      <p:cxnSp>
+        <p:nvCxnSpPr>
+          <p:cNvPr id="53" name="Straight Arrow Connector 52">
+            <a:extLst>
+              <a:ext uri="{FF2B5EF4-FFF2-40B4-BE49-F238E27FC236}">
+                <a16:creationId xmlns:a16="http://schemas.microsoft.com/office/drawing/2014/main" id="{C54EEBD3-28EB-9784-419E-34A411BC041E}"/>
+              </a:ext>
+            </a:extLst>
+          </p:cNvPr>
+          <p:cNvCxnSpPr>
+            <a:cxnSpLocks/>
+            <a:stCxn id="52" idx="2"/>
+            <a:endCxn id="5" idx="0"/>
+          </p:cNvCxnSpPr>
+          <p:nvPr/>
+        </p:nvCxnSpPr>
+        <p:spPr>
+          <a:xfrm>
+            <a:off x="2455684" y="3897024"/>
+            <a:ext cx="0" cy="667027"/>
+          </a:xfrm>
+          <a:prstGeom prst="straightConnector1">
+            <a:avLst/>
+          </a:prstGeom>
+          <a:ln>
+            <a:headEnd type="none" w="med" len="med"/>
+            <a:tailEnd type="arrow" w="med" len="med"/>
+          </a:ln>
+        </p:spPr>
+        <p:style>
+          <a:lnRef idx="2">
+            <a:schemeClr val="dk1"/>
+          </a:lnRef>
+          <a:fillRef idx="0">
+            <a:schemeClr val="dk1"/>
+          </a:fillRef>
+          <a:effectRef idx="1">
+            <a:schemeClr val="dk1"/>
+          </a:effectRef>
+          <a:fontRef idx="minor">
+            <a:schemeClr val="tx1"/>
+          </a:fontRef>
+        </p:style>
+      </p:cxnSp>
+      <p:sp>
+        <p:nvSpPr>
+          <p:cNvPr id="56" name="TextBox 55">
+            <a:extLst>
+              <a:ext uri="{FF2B5EF4-FFF2-40B4-BE49-F238E27FC236}">
+                <a16:creationId xmlns:a16="http://schemas.microsoft.com/office/drawing/2014/main" id="{9398C94E-A74A-D10C-095D-9AE7266F22CC}"/>
+              </a:ext>
+            </a:extLst>
+          </p:cNvPr>
+          <p:cNvSpPr txBox="1"/>
+          <p:nvPr/>
+        </p:nvSpPr>
+        <p:spPr>
+          <a:xfrm>
+            <a:off x="2455682" y="4022141"/>
+            <a:ext cx="1206612" cy="400110"/>
+          </a:xfrm>
+          <a:prstGeom prst="rect">
+            <a:avLst/>
+          </a:prstGeom>
+          <a:noFill/>
+        </p:spPr>
+        <p:txBody>
+          <a:bodyPr wrap="none" rtlCol="0">
+            <a:spAutoFit/>
+          </a:bodyPr>
+          <a:lstStyle/>
+          <a:p>
+            <a:r>
+              <a:rPr lang="en-GB" sz="2000" dirty="0"/>
+              <a:t>Windows</a:t>
+            </a:r>
+          </a:p>
+        </p:txBody>
+      </p:sp>
+      <p:cxnSp>
+        <p:nvCxnSpPr>
+          <p:cNvPr id="57" name="Straight Arrow Connector 56">
+            <a:extLst>
+              <a:ext uri="{FF2B5EF4-FFF2-40B4-BE49-F238E27FC236}">
+                <a16:creationId xmlns:a16="http://schemas.microsoft.com/office/drawing/2014/main" id="{C2C88BF7-142B-C3FC-489F-7EEDAA2ED7A9}"/>
+              </a:ext>
+            </a:extLst>
+          </p:cNvPr>
+          <p:cNvCxnSpPr>
+            <a:cxnSpLocks/>
+            <a:stCxn id="52" idx="3"/>
+            <a:endCxn id="61" idx="1"/>
+          </p:cNvCxnSpPr>
+          <p:nvPr/>
+        </p:nvCxnSpPr>
+        <p:spPr>
+          <a:xfrm>
+            <a:off x="3673878" y="3074544"/>
+            <a:ext cx="1792328" cy="1"/>
+          </a:xfrm>
+          <a:prstGeom prst="straightConnector1">
+            <a:avLst/>
+          </a:prstGeom>
+          <a:ln>
+            <a:headEnd type="none" w="med" len="med"/>
+            <a:tailEnd type="arrow" w="med" len="med"/>
+          </a:ln>
+        </p:spPr>
+        <p:style>
+          <a:lnRef idx="2">
+            <a:schemeClr val="dk1"/>
+          </a:lnRef>
+          <a:fillRef idx="0">
+            <a:schemeClr val="dk1"/>
+          </a:fillRef>
+          <a:effectRef idx="1">
+            <a:schemeClr val="dk1"/>
+          </a:effectRef>
+          <a:fontRef idx="minor">
+            <a:schemeClr val="tx1"/>
+          </a:fontRef>
+        </p:style>
+      </p:cxnSp>
+      <p:sp>
+        <p:nvSpPr>
+          <p:cNvPr id="61" name="Rectangle 60">
+            <a:extLst>
+              <a:ext uri="{FF2B5EF4-FFF2-40B4-BE49-F238E27FC236}">
+                <a16:creationId xmlns:a16="http://schemas.microsoft.com/office/drawing/2014/main" id="{340C4477-8A90-8A8C-65B7-202314C3ABCC}"/>
+              </a:ext>
+            </a:extLst>
+          </p:cNvPr>
+          <p:cNvSpPr/>
+          <p:nvPr/>
+        </p:nvSpPr>
+        <p:spPr>
+          <a:xfrm>
+            <a:off x="5466206" y="2252065"/>
+            <a:ext cx="7599855" cy="1644960"/>
+          </a:xfrm>
+          <a:prstGeom prst="rect">
+            <a:avLst/>
+          </a:prstGeom>
+          <a:solidFill>
+            <a:schemeClr val="accent2">
+              <a:lumMod val="40000"/>
+              <a:lumOff val="60000"/>
+            </a:schemeClr>
+          </a:solidFill>
+        </p:spPr>
+        <p:style>
+          <a:lnRef idx="2">
+            <a:schemeClr val="accent1">
+              <a:shade val="15000"/>
+            </a:schemeClr>
+          </a:lnRef>
+          <a:fillRef idx="1">
+            <a:schemeClr val="accent1"/>
+          </a:fillRef>
+          <a:effectRef idx="0">
+            <a:schemeClr val="accent1"/>
+          </a:effectRef>
+          <a:fontRef idx="minor">
+            <a:schemeClr val="lt1"/>
+          </a:fontRef>
+        </p:style>
+        <p:txBody>
+          <a:bodyPr rtlCol="0" anchor="ctr"/>
+          <a:lstStyle/>
+          <a:p>
+            <a:pPr algn="ctr"/>
+            <a:r>
+              <a:rPr lang="en-GB" sz="2000" dirty="0">
+                <a:solidFill>
+                  <a:schemeClr val="tx1"/>
+                </a:solidFill>
+              </a:rPr>
+              <a:t>You will need to run the app </a:t>
+            </a:r>
+            <a:r>
+              <a:rPr lang="en-GB" sz="2000" b="1" dirty="0">
+                <a:solidFill>
+                  <a:schemeClr val="tx1"/>
+                </a:solidFill>
+              </a:rPr>
+              <a:t>locally on a Meta Quest</a:t>
+            </a:r>
+            <a:r>
+              <a:rPr lang="en-GB" sz="2000" dirty="0">
+                <a:solidFill>
+                  <a:schemeClr val="tx1"/>
+                </a:solidFill>
+              </a:rPr>
+              <a:t> headset (you cannot run PC-VR).</a:t>
+            </a:r>
+          </a:p>
+          <a:p>
+            <a:pPr algn="ctr"/>
+            <a:br>
+              <a:rPr lang="en-GB" sz="2000" dirty="0">
+                <a:solidFill>
+                  <a:schemeClr val="tx1"/>
+                </a:solidFill>
+              </a:rPr>
+            </a:br>
+            <a:r>
+              <a:rPr lang="en-GB" sz="2000" dirty="0">
+                <a:solidFill>
+                  <a:schemeClr val="tx1"/>
+                </a:solidFill>
+              </a:rPr>
+              <a:t> You must meet the </a:t>
+            </a:r>
+            <a:r>
+              <a:rPr lang="en-GB" sz="2000" b="1" dirty="0">
+                <a:solidFill>
+                  <a:schemeClr val="tx1"/>
+                </a:solidFill>
+              </a:rPr>
+              <a:t>requirements for a Wi-Fi setup*</a:t>
+            </a:r>
+            <a:r>
+              <a:rPr lang="en-GB" sz="2000" dirty="0">
+                <a:solidFill>
+                  <a:schemeClr val="tx1"/>
+                </a:solidFill>
+              </a:rPr>
+              <a:t>.</a:t>
+            </a:r>
+          </a:p>
+        </p:txBody>
+      </p:sp>
+      <p:sp>
+        <p:nvSpPr>
+          <p:cNvPr id="64" name="TextBox 63">
+            <a:extLst>
+              <a:ext uri="{FF2B5EF4-FFF2-40B4-BE49-F238E27FC236}">
+                <a16:creationId xmlns:a16="http://schemas.microsoft.com/office/drawing/2014/main" id="{F1DB31A6-A394-9581-35E2-1B45D8C8135E}"/>
+              </a:ext>
+            </a:extLst>
+          </p:cNvPr>
+          <p:cNvSpPr txBox="1"/>
+          <p:nvPr/>
+        </p:nvSpPr>
+        <p:spPr>
+          <a:xfrm>
+            <a:off x="4048104" y="2357147"/>
+            <a:ext cx="1043876" cy="707886"/>
+          </a:xfrm>
+          <a:prstGeom prst="rect">
+            <a:avLst/>
+          </a:prstGeom>
+          <a:noFill/>
+        </p:spPr>
+        <p:txBody>
+          <a:bodyPr wrap="none" rtlCol="0">
+            <a:spAutoFit/>
+          </a:bodyPr>
+          <a:lstStyle/>
+          <a:p>
+            <a:pPr algn="ctr"/>
+            <a:r>
+              <a:rPr lang="en-GB" sz="2000" dirty="0"/>
+              <a:t>MacOS </a:t>
+            </a:r>
+            <a:br>
+              <a:rPr lang="en-GB" sz="2000" dirty="0"/>
+            </a:br>
+            <a:r>
+              <a:rPr lang="en-GB" sz="2000" dirty="0"/>
+              <a:t>/ Linux</a:t>
+            </a:r>
+            <a:endParaRPr lang="en-GB" sz="2000" b="1" dirty="0"/>
+          </a:p>
+        </p:txBody>
+      </p:sp>
+      <p:cxnSp>
+        <p:nvCxnSpPr>
+          <p:cNvPr id="214" name="Connector: Elbow 213">
+            <a:extLst>
+              <a:ext uri="{FF2B5EF4-FFF2-40B4-BE49-F238E27FC236}">
+                <a16:creationId xmlns:a16="http://schemas.microsoft.com/office/drawing/2014/main" id="{23F45CB1-F915-2592-A1C7-9FD48B78FDD7}"/>
+              </a:ext>
+            </a:extLst>
+          </p:cNvPr>
+          <p:cNvCxnSpPr>
+            <a:cxnSpLocks/>
+            <a:stCxn id="4" idx="3"/>
+            <a:endCxn id="324" idx="1"/>
+          </p:cNvCxnSpPr>
+          <p:nvPr/>
+        </p:nvCxnSpPr>
+        <p:spPr>
+          <a:xfrm>
+            <a:off x="8853347" y="10450094"/>
+            <a:ext cx="1549927" cy="0"/>
+          </a:xfrm>
+          <a:prstGeom prst="straightConnector1">
+            <a:avLst/>
+          </a:prstGeom>
+          <a:ln>
+            <a:headEnd type="none" w="med" len="med"/>
+            <a:tailEnd type="arrow" w="med" len="med"/>
+          </a:ln>
+        </p:spPr>
+        <p:style>
+          <a:lnRef idx="2">
+            <a:schemeClr val="dk1"/>
+          </a:lnRef>
+          <a:fillRef idx="0">
+            <a:schemeClr val="dk1"/>
+          </a:fillRef>
+          <a:effectRef idx="1">
+            <a:schemeClr val="dk1"/>
+          </a:effectRef>
+          <a:fontRef idx="minor">
+            <a:schemeClr val="tx1"/>
+          </a:fontRef>
+        </p:style>
+      </p:cxnSp>
+      <p:cxnSp>
+        <p:nvCxnSpPr>
+          <p:cNvPr id="242" name="Connector: Elbow 241">
+            <a:extLst>
+              <a:ext uri="{FF2B5EF4-FFF2-40B4-BE49-F238E27FC236}">
+                <a16:creationId xmlns:a16="http://schemas.microsoft.com/office/drawing/2014/main" id="{41120B5F-F708-A6F2-F648-80267F4FED55}"/>
+              </a:ext>
+            </a:extLst>
+          </p:cNvPr>
+          <p:cNvCxnSpPr>
+            <a:cxnSpLocks/>
+            <a:stCxn id="15" idx="2"/>
+            <a:endCxn id="305" idx="0"/>
+          </p:cNvCxnSpPr>
+          <p:nvPr/>
+        </p:nvCxnSpPr>
+        <p:spPr>
+          <a:xfrm flipH="1">
+            <a:off x="2455683" y="8631843"/>
+            <a:ext cx="2" cy="998412"/>
+          </a:xfrm>
+          <a:prstGeom prst="straightConnector1">
+            <a:avLst/>
+          </a:prstGeom>
+          <a:ln>
+            <a:headEnd type="none" w="med" len="med"/>
+            <a:tailEnd type="arrow" w="med" len="med"/>
+          </a:ln>
+        </p:spPr>
+        <p:style>
+          <a:lnRef idx="2">
+            <a:schemeClr val="dk1"/>
+          </a:lnRef>
+          <a:fillRef idx="0">
+            <a:schemeClr val="dk1"/>
+          </a:fillRef>
+          <a:effectRef idx="1">
+            <a:schemeClr val="dk1"/>
+          </a:effectRef>
+          <a:fontRef idx="minor">
+            <a:schemeClr val="tx1"/>
+          </a:fontRef>
+        </p:style>
+      </p:cxnSp>
+      <p:sp>
+        <p:nvSpPr>
+          <p:cNvPr id="277" name="Rectangle 276">
+            <a:extLst>
+              <a:ext uri="{FF2B5EF4-FFF2-40B4-BE49-F238E27FC236}">
+                <a16:creationId xmlns:a16="http://schemas.microsoft.com/office/drawing/2014/main" id="{3115CC88-6263-38C2-0D3E-003BDACFE043}"/>
+              </a:ext>
+            </a:extLst>
+          </p:cNvPr>
+          <p:cNvSpPr/>
+          <p:nvPr/>
+        </p:nvSpPr>
+        <p:spPr>
+          <a:xfrm>
+            <a:off x="4824786" y="7186210"/>
+            <a:ext cx="2279745" cy="1259320"/>
+          </a:xfrm>
+          <a:prstGeom prst="rect">
+            <a:avLst/>
+          </a:prstGeom>
+          <a:solidFill>
+            <a:srgbClr val="2596BE">
+              <a:alpha val="30196"/>
+            </a:srgbClr>
+          </a:solidFill>
+        </p:spPr>
+        <p:style>
+          <a:lnRef idx="2">
+            <a:schemeClr val="accent1">
+              <a:shade val="15000"/>
+            </a:schemeClr>
+          </a:lnRef>
+          <a:fillRef idx="1">
+            <a:schemeClr val="accent1"/>
+          </a:fillRef>
+          <a:effectRef idx="0">
+            <a:schemeClr val="accent1"/>
+          </a:effectRef>
+          <a:fontRef idx="minor">
+            <a:schemeClr val="lt1"/>
+          </a:fontRef>
+        </p:style>
+        <p:txBody>
+          <a:bodyPr rtlCol="0" anchor="ctr"/>
+          <a:lstStyle/>
+          <a:p>
+            <a:pPr algn="ctr"/>
+            <a:r>
+              <a:rPr lang="en-GB" sz="2000" dirty="0">
+                <a:solidFill>
+                  <a:schemeClr val="tx1"/>
+                </a:solidFill>
+              </a:rPr>
+              <a:t>You will need to use a </a:t>
+            </a:r>
+            <a:r>
+              <a:rPr lang="en-GB" sz="2000" b="1" dirty="0">
+                <a:solidFill>
+                  <a:schemeClr val="tx1"/>
+                </a:solidFill>
+              </a:rPr>
+              <a:t>PC-VR </a:t>
+            </a:r>
+            <a:r>
+              <a:rPr lang="en-GB" sz="2000" dirty="0">
+                <a:solidFill>
+                  <a:schemeClr val="tx1"/>
+                </a:solidFill>
+              </a:rPr>
+              <a:t>setup</a:t>
+            </a:r>
+            <a:r>
+              <a:rPr lang="en-GB" sz="2000" b="1" dirty="0">
+                <a:solidFill>
+                  <a:schemeClr val="tx1"/>
+                </a:solidFill>
+              </a:rPr>
+              <a:t> via SteamVR</a:t>
+            </a:r>
+            <a:r>
+              <a:rPr lang="en-GB" sz="2000" dirty="0">
+                <a:solidFill>
+                  <a:schemeClr val="tx1"/>
+                </a:solidFill>
+              </a:rPr>
+              <a:t>.</a:t>
+            </a:r>
+          </a:p>
+        </p:txBody>
+      </p:sp>
+      <p:sp>
+        <p:nvSpPr>
+          <p:cNvPr id="305" name="Rectangle 304">
+            <a:extLst>
+              <a:ext uri="{FF2B5EF4-FFF2-40B4-BE49-F238E27FC236}">
+                <a16:creationId xmlns:a16="http://schemas.microsoft.com/office/drawing/2014/main" id="{E93FBCF3-1541-0A07-BEC4-E6C4601835E9}"/>
+              </a:ext>
+            </a:extLst>
+          </p:cNvPr>
+          <p:cNvSpPr/>
+          <p:nvPr/>
+        </p:nvSpPr>
+        <p:spPr>
+          <a:xfrm>
+            <a:off x="1237490" y="9630255"/>
+            <a:ext cx="2436386" cy="1644960"/>
+          </a:xfrm>
+          <a:prstGeom prst="rect">
+            <a:avLst/>
+          </a:prstGeom>
+          <a:solidFill>
+            <a:schemeClr val="bg1">
+              <a:lumMod val="85000"/>
+            </a:schemeClr>
+          </a:solidFill>
+        </p:spPr>
+        <p:style>
+          <a:lnRef idx="2">
+            <a:schemeClr val="accent1">
+              <a:shade val="15000"/>
+            </a:schemeClr>
+          </a:lnRef>
+          <a:fillRef idx="1">
+            <a:schemeClr val="accent1"/>
+          </a:fillRef>
+          <a:effectRef idx="0">
+            <a:schemeClr val="accent1"/>
+          </a:effectRef>
+          <a:fontRef idx="minor">
+            <a:schemeClr val="lt1"/>
+          </a:fontRef>
+        </p:style>
+        <p:txBody>
+          <a:bodyPr rtlCol="0" anchor="ctr"/>
+          <a:lstStyle/>
+          <a:p>
+            <a:pPr algn="ctr"/>
+            <a:r>
+              <a:rPr lang="en-GB" sz="2000" dirty="0">
+                <a:solidFill>
+                  <a:schemeClr val="tx1"/>
+                </a:solidFill>
+              </a:rPr>
+              <a:t>Do you have a </a:t>
+            </a:r>
+            <a:r>
+              <a:rPr lang="en-GB" sz="2000" b="1" dirty="0">
+                <a:solidFill>
+                  <a:schemeClr val="tx1"/>
+                </a:solidFill>
+              </a:rPr>
+              <a:t>strong and stable internet connection</a:t>
+            </a:r>
+            <a:r>
+              <a:rPr lang="en-GB" sz="2000" dirty="0">
+                <a:solidFill>
+                  <a:schemeClr val="tx1"/>
+                </a:solidFill>
+              </a:rPr>
+              <a:t>?</a:t>
+            </a:r>
+          </a:p>
+        </p:txBody>
+      </p:sp>
+      <p:sp>
+        <p:nvSpPr>
+          <p:cNvPr id="314" name="Rectangle 313">
+            <a:extLst>
+              <a:ext uri="{FF2B5EF4-FFF2-40B4-BE49-F238E27FC236}">
+                <a16:creationId xmlns:a16="http://schemas.microsoft.com/office/drawing/2014/main" id="{6FF04236-50E5-8739-1895-3CA914FEB9DF}"/>
+              </a:ext>
+            </a:extLst>
+          </p:cNvPr>
+          <p:cNvSpPr/>
+          <p:nvPr/>
+        </p:nvSpPr>
+        <p:spPr>
+          <a:xfrm>
+            <a:off x="6306646" y="4558596"/>
+            <a:ext cx="2436388" cy="1644960"/>
+          </a:xfrm>
+          <a:prstGeom prst="rect">
+            <a:avLst/>
+          </a:prstGeom>
+          <a:solidFill>
+            <a:srgbClr val="2596BE">
+              <a:alpha val="30196"/>
+            </a:srgbClr>
+          </a:solidFill>
+        </p:spPr>
+        <p:style>
+          <a:lnRef idx="2">
+            <a:schemeClr val="accent1">
+              <a:shade val="15000"/>
+            </a:schemeClr>
+          </a:lnRef>
+          <a:fillRef idx="1">
+            <a:schemeClr val="accent1"/>
+          </a:fillRef>
+          <a:effectRef idx="0">
+            <a:schemeClr val="accent1"/>
+          </a:effectRef>
+          <a:fontRef idx="minor">
+            <a:schemeClr val="lt1"/>
+          </a:fontRef>
+        </p:style>
+        <p:txBody>
+          <a:bodyPr rtlCol="0" anchor="ctr"/>
+          <a:lstStyle/>
+          <a:p>
+            <a:pPr algn="ctr"/>
+            <a:r>
+              <a:rPr lang="en-GB" sz="2000" dirty="0">
+                <a:solidFill>
+                  <a:schemeClr val="tx1"/>
+                </a:solidFill>
+              </a:rPr>
+              <a:t>You will need to use a cable to connect your VR headset to your computer (</a:t>
+            </a:r>
+            <a:r>
+              <a:rPr lang="en-GB" sz="2000" b="1" dirty="0">
+                <a:solidFill>
+                  <a:schemeClr val="tx1"/>
+                </a:solidFill>
+              </a:rPr>
+              <a:t>tethered</a:t>
+            </a:r>
+            <a:r>
+              <a:rPr lang="en-GB" sz="2000" dirty="0">
+                <a:solidFill>
+                  <a:schemeClr val="tx1"/>
+                </a:solidFill>
+              </a:rPr>
+              <a:t>).</a:t>
+            </a:r>
+          </a:p>
+        </p:txBody>
+      </p:sp>
+      <p:cxnSp>
+        <p:nvCxnSpPr>
+          <p:cNvPr id="320" name="Straight Arrow Connector 319">
+            <a:extLst>
+              <a:ext uri="{FF2B5EF4-FFF2-40B4-BE49-F238E27FC236}">
+                <a16:creationId xmlns:a16="http://schemas.microsoft.com/office/drawing/2014/main" id="{B010DB81-FF87-6096-9227-5030260B4C51}"/>
+              </a:ext>
+            </a:extLst>
+          </p:cNvPr>
+          <p:cNvCxnSpPr>
+            <a:cxnSpLocks/>
+            <a:stCxn id="314" idx="2"/>
+            <a:endCxn id="4" idx="0"/>
+          </p:cNvCxnSpPr>
+          <p:nvPr/>
+        </p:nvCxnSpPr>
+        <p:spPr>
+          <a:xfrm flipH="1">
+            <a:off x="7521505" y="6203556"/>
+            <a:ext cx="3335" cy="3616878"/>
+          </a:xfrm>
+          <a:prstGeom prst="straightConnector1">
+            <a:avLst/>
+          </a:prstGeom>
+          <a:ln>
+            <a:headEnd type="none" w="med" len="med"/>
+            <a:tailEnd type="arrow" w="med" len="med"/>
+          </a:ln>
+        </p:spPr>
+        <p:style>
+          <a:lnRef idx="2">
+            <a:schemeClr val="dk1"/>
+          </a:lnRef>
+          <a:fillRef idx="0">
+            <a:schemeClr val="dk1"/>
+          </a:fillRef>
+          <a:effectRef idx="1">
+            <a:schemeClr val="dk1"/>
+          </a:effectRef>
+          <a:fontRef idx="minor">
+            <a:schemeClr val="tx1"/>
+          </a:fontRef>
+        </p:style>
+      </p:cxnSp>
+      <p:sp>
+        <p:nvSpPr>
+          <p:cNvPr id="324" name="Rectangle 323">
+            <a:extLst>
+              <a:ext uri="{FF2B5EF4-FFF2-40B4-BE49-F238E27FC236}">
+                <a16:creationId xmlns:a16="http://schemas.microsoft.com/office/drawing/2014/main" id="{6A00F52B-C080-2BFF-9C5D-566A00C0B6BD}"/>
+              </a:ext>
+            </a:extLst>
+          </p:cNvPr>
+          <p:cNvSpPr/>
+          <p:nvPr/>
+        </p:nvSpPr>
+        <p:spPr>
+          <a:xfrm>
+            <a:off x="10403274" y="9820434"/>
+            <a:ext cx="2663685" cy="1259320"/>
+          </a:xfrm>
+          <a:prstGeom prst="rect">
+            <a:avLst/>
+          </a:prstGeom>
+          <a:solidFill>
+            <a:schemeClr val="bg1">
+              <a:lumMod val="85000"/>
+            </a:schemeClr>
+          </a:solidFill>
+        </p:spPr>
+        <p:style>
+          <a:lnRef idx="2">
+            <a:schemeClr val="accent1">
+              <a:shade val="15000"/>
+            </a:schemeClr>
+          </a:lnRef>
+          <a:fillRef idx="1">
+            <a:schemeClr val="accent1"/>
+          </a:fillRef>
+          <a:effectRef idx="0">
+            <a:schemeClr val="accent1"/>
+          </a:effectRef>
+          <a:fontRef idx="minor">
+            <a:schemeClr val="lt1"/>
+          </a:fontRef>
+        </p:style>
+        <p:txBody>
+          <a:bodyPr rtlCol="0" anchor="ctr"/>
+          <a:lstStyle/>
+          <a:p>
+            <a:pPr algn="ctr"/>
+            <a:r>
+              <a:rPr lang="en-GB" sz="2000" dirty="0">
+                <a:solidFill>
+                  <a:schemeClr val="tx1"/>
+                </a:solidFill>
+              </a:rPr>
+              <a:t>Are you running the server and client on the </a:t>
+            </a:r>
+            <a:r>
+              <a:rPr lang="en-GB" sz="2000" b="1" dirty="0">
+                <a:solidFill>
+                  <a:schemeClr val="tx1"/>
+                </a:solidFill>
+              </a:rPr>
+              <a:t>same computer</a:t>
+            </a:r>
+            <a:r>
+              <a:rPr lang="en-GB" sz="2000" dirty="0">
+                <a:solidFill>
+                  <a:schemeClr val="tx1"/>
+                </a:solidFill>
+              </a:rPr>
+              <a:t>?</a:t>
+            </a:r>
+          </a:p>
+        </p:txBody>
+      </p:sp>
+      <p:sp>
+        <p:nvSpPr>
+          <p:cNvPr id="329" name="Rectangle 328">
+            <a:extLst>
+              <a:ext uri="{FF2B5EF4-FFF2-40B4-BE49-F238E27FC236}">
+                <a16:creationId xmlns:a16="http://schemas.microsoft.com/office/drawing/2014/main" id="{CAB42C7C-D886-2F51-799D-9AE8A4A3E3CA}"/>
+              </a:ext>
+            </a:extLst>
+          </p:cNvPr>
+          <p:cNvSpPr/>
+          <p:nvPr/>
+        </p:nvSpPr>
+        <p:spPr>
+          <a:xfrm>
+            <a:off x="5170879" y="12004224"/>
+            <a:ext cx="4724962" cy="1554112"/>
+          </a:xfrm>
+          <a:prstGeom prst="rect">
+            <a:avLst/>
+          </a:prstGeom>
+          <a:solidFill>
+            <a:srgbClr val="2596BE">
+              <a:alpha val="30196"/>
+            </a:srgbClr>
+          </a:solidFill>
+        </p:spPr>
+        <p:style>
+          <a:lnRef idx="2">
+            <a:schemeClr val="accent1">
+              <a:shade val="15000"/>
+            </a:schemeClr>
+          </a:lnRef>
+          <a:fillRef idx="1">
+            <a:schemeClr val="accent1"/>
+          </a:fillRef>
+          <a:effectRef idx="0">
+            <a:schemeClr val="accent1"/>
+          </a:effectRef>
+          <a:fontRef idx="minor">
+            <a:schemeClr val="lt1"/>
+          </a:fontRef>
+        </p:style>
+        <p:txBody>
+          <a:bodyPr rtlCol="0" anchor="ctr"/>
+          <a:lstStyle/>
+          <a:p>
+            <a:pPr algn="ctr"/>
+            <a:r>
+              <a:rPr lang="en-GB" sz="2000" dirty="0">
+                <a:solidFill>
+                  <a:schemeClr val="tx1"/>
+                </a:solidFill>
+              </a:rPr>
+              <a:t>Your </a:t>
+            </a:r>
+            <a:r>
+              <a:rPr lang="en-GB" sz="2000" b="1" dirty="0">
+                <a:solidFill>
+                  <a:schemeClr val="tx1"/>
+                </a:solidFill>
+              </a:rPr>
+              <a:t>computers must be connected via an ethernet cable or LAN </a:t>
+            </a:r>
+            <a:r>
+              <a:rPr lang="en-GB" sz="2000" dirty="0">
+                <a:solidFill>
+                  <a:schemeClr val="tx1"/>
+                </a:solidFill>
+              </a:rPr>
+              <a:t>(internet connection not required).</a:t>
+            </a:r>
+          </a:p>
+        </p:txBody>
+      </p:sp>
+      <p:cxnSp>
+        <p:nvCxnSpPr>
+          <p:cNvPr id="330" name="Straight Arrow Connector 329">
+            <a:extLst>
+              <a:ext uri="{FF2B5EF4-FFF2-40B4-BE49-F238E27FC236}">
+                <a16:creationId xmlns:a16="http://schemas.microsoft.com/office/drawing/2014/main" id="{893746EB-0D3E-1251-F62D-B34FFC6F5154}"/>
+              </a:ext>
+            </a:extLst>
+          </p:cNvPr>
+          <p:cNvCxnSpPr>
+            <a:cxnSpLocks/>
+            <a:stCxn id="324" idx="2"/>
+            <a:endCxn id="42" idx="0"/>
+          </p:cNvCxnSpPr>
+          <p:nvPr/>
+        </p:nvCxnSpPr>
+        <p:spPr>
+          <a:xfrm flipH="1">
+            <a:off x="11734220" y="11079754"/>
+            <a:ext cx="897" cy="924462"/>
+          </a:xfrm>
+          <a:prstGeom prst="straightConnector1">
+            <a:avLst/>
+          </a:prstGeom>
+          <a:ln>
+            <a:headEnd type="none" w="med" len="med"/>
+            <a:tailEnd type="arrow" w="med" len="med"/>
+          </a:ln>
+        </p:spPr>
+        <p:style>
+          <a:lnRef idx="2">
+            <a:schemeClr val="dk1"/>
+          </a:lnRef>
+          <a:fillRef idx="0">
+            <a:schemeClr val="dk1"/>
+          </a:fillRef>
+          <a:effectRef idx="1">
+            <a:schemeClr val="dk1"/>
+          </a:effectRef>
+          <a:fontRef idx="minor">
+            <a:schemeClr val="tx1"/>
+          </a:fontRef>
+        </p:style>
+      </p:cxnSp>
+      <p:sp>
+        <p:nvSpPr>
+          <p:cNvPr id="334" name="TextBox 333">
+            <a:extLst>
+              <a:ext uri="{FF2B5EF4-FFF2-40B4-BE49-F238E27FC236}">
+                <a16:creationId xmlns:a16="http://schemas.microsoft.com/office/drawing/2014/main" id="{69E8B08F-6DCC-96A9-0430-EFAF16983513}"/>
+              </a:ext>
+            </a:extLst>
+          </p:cNvPr>
+          <p:cNvSpPr txBox="1"/>
+          <p:nvPr/>
+        </p:nvSpPr>
+        <p:spPr>
+          <a:xfrm>
+            <a:off x="11657207" y="11368769"/>
+            <a:ext cx="721103" cy="400110"/>
+          </a:xfrm>
+          <a:prstGeom prst="rect">
+            <a:avLst/>
+          </a:prstGeom>
+          <a:noFill/>
+        </p:spPr>
+        <p:txBody>
+          <a:bodyPr wrap="square" rtlCol="0">
+            <a:spAutoFit/>
+          </a:bodyPr>
+          <a:lstStyle/>
+          <a:p>
+            <a:pPr algn="ctr"/>
+            <a:r>
+              <a:rPr lang="en-GB" sz="2000" dirty="0"/>
+              <a:t>Yes</a:t>
+            </a:r>
+          </a:p>
+        </p:txBody>
+      </p:sp>
+      <p:sp>
+        <p:nvSpPr>
+          <p:cNvPr id="338" name="TextBox 337">
+            <a:extLst>
+              <a:ext uri="{FF2B5EF4-FFF2-40B4-BE49-F238E27FC236}">
+                <a16:creationId xmlns:a16="http://schemas.microsoft.com/office/drawing/2014/main" id="{AF7A6573-2EB0-85AC-1396-5C156AEBC5D4}"/>
+              </a:ext>
+            </a:extLst>
+          </p:cNvPr>
+          <p:cNvSpPr txBox="1"/>
+          <p:nvPr/>
+        </p:nvSpPr>
+        <p:spPr>
+          <a:xfrm>
+            <a:off x="13066062" y="9979909"/>
+            <a:ext cx="802351" cy="400110"/>
+          </a:xfrm>
+          <a:prstGeom prst="rect">
+            <a:avLst/>
+          </a:prstGeom>
+          <a:noFill/>
+        </p:spPr>
+        <p:txBody>
+          <a:bodyPr wrap="square" rtlCol="0">
+            <a:spAutoFit/>
+          </a:bodyPr>
+          <a:lstStyle/>
+          <a:p>
+            <a:pPr algn="ctr"/>
+            <a:r>
+              <a:rPr lang="en-GB" sz="2000" dirty="0"/>
+              <a:t>No</a:t>
+            </a:r>
+          </a:p>
+        </p:txBody>
+      </p:sp>
+      <p:cxnSp>
+        <p:nvCxnSpPr>
+          <p:cNvPr id="352" name="Straight Arrow Connector 351">
+            <a:extLst>
+              <a:ext uri="{FF2B5EF4-FFF2-40B4-BE49-F238E27FC236}">
+                <a16:creationId xmlns:a16="http://schemas.microsoft.com/office/drawing/2014/main" id="{FD7702DC-CEB3-F428-AC58-7631036208F5}"/>
+              </a:ext>
+            </a:extLst>
+          </p:cNvPr>
+          <p:cNvCxnSpPr>
+            <a:cxnSpLocks/>
+            <a:stCxn id="4" idx="2"/>
+            <a:endCxn id="329" idx="0"/>
+          </p:cNvCxnSpPr>
+          <p:nvPr/>
+        </p:nvCxnSpPr>
+        <p:spPr>
+          <a:xfrm>
+            <a:off x="7521505" y="11079754"/>
+            <a:ext cx="11855" cy="924470"/>
+          </a:xfrm>
+          <a:prstGeom prst="straightConnector1">
+            <a:avLst/>
+          </a:prstGeom>
+          <a:ln>
+            <a:headEnd type="none" w="med" len="med"/>
+            <a:tailEnd type="arrow" w="med" len="med"/>
+          </a:ln>
+        </p:spPr>
+        <p:style>
+          <a:lnRef idx="2">
+            <a:schemeClr val="dk1"/>
+          </a:lnRef>
+          <a:fillRef idx="0">
+            <a:schemeClr val="dk1"/>
+          </a:fillRef>
+          <a:effectRef idx="1">
+            <a:schemeClr val="dk1"/>
+          </a:effectRef>
+          <a:fontRef idx="minor">
+            <a:schemeClr val="tx1"/>
+          </a:fontRef>
+        </p:style>
+      </p:cxnSp>
+      <p:sp>
+        <p:nvSpPr>
+          <p:cNvPr id="363" name="Rectangle 362">
+            <a:extLst>
+              <a:ext uri="{FF2B5EF4-FFF2-40B4-BE49-F238E27FC236}">
+                <a16:creationId xmlns:a16="http://schemas.microsoft.com/office/drawing/2014/main" id="{33B453C8-38F8-3B27-667B-C8A99434E2AD}"/>
+              </a:ext>
+            </a:extLst>
+          </p:cNvPr>
+          <p:cNvSpPr/>
+          <p:nvPr/>
+        </p:nvSpPr>
+        <p:spPr>
+          <a:xfrm>
+            <a:off x="9857386" y="14468911"/>
+            <a:ext cx="3476229" cy="1406149"/>
+          </a:xfrm>
+          <a:prstGeom prst="rect">
+            <a:avLst/>
+          </a:prstGeom>
+          <a:solidFill>
+            <a:schemeClr val="accent5">
+              <a:lumMod val="50000"/>
+              <a:alpha val="30196"/>
+            </a:schemeClr>
+          </a:solidFill>
+        </p:spPr>
+        <p:style>
+          <a:lnRef idx="2">
+            <a:schemeClr val="accent1">
+              <a:shade val="15000"/>
+            </a:schemeClr>
+          </a:lnRef>
+          <a:fillRef idx="1">
+            <a:schemeClr val="accent1"/>
+          </a:fillRef>
+          <a:effectRef idx="0">
+            <a:schemeClr val="accent1"/>
+          </a:effectRef>
+          <a:fontRef idx="minor">
+            <a:schemeClr val="lt1"/>
+          </a:fontRef>
+        </p:style>
+        <p:txBody>
+          <a:bodyPr rtlCol="0" anchor="ctr"/>
+          <a:lstStyle/>
+          <a:p>
+            <a:r>
+              <a:rPr lang="en-GB" sz="2000" b="1" baseline="30000" dirty="0">
+                <a:solidFill>
+                  <a:schemeClr val="tx1"/>
+                </a:solidFill>
+              </a:rPr>
+              <a:t>‡ </a:t>
+            </a:r>
+            <a:r>
+              <a:rPr lang="en-GB" sz="2000" b="1" dirty="0">
+                <a:solidFill>
+                  <a:schemeClr val="tx1"/>
+                </a:solidFill>
+              </a:rPr>
+              <a:t>Using Meta Quest Link or SteamVR</a:t>
+            </a:r>
+            <a:r>
+              <a:rPr lang="en-GB" sz="2000" dirty="0">
+                <a:solidFill>
+                  <a:schemeClr val="tx1"/>
+                </a:solidFill>
+              </a:rPr>
+              <a:t> with a cable to your computer (tethered)</a:t>
+            </a:r>
+          </a:p>
+        </p:txBody>
+      </p:sp>
+      <p:cxnSp>
+        <p:nvCxnSpPr>
+          <p:cNvPr id="366" name="Straight Arrow Connector 365">
+            <a:extLst>
+              <a:ext uri="{FF2B5EF4-FFF2-40B4-BE49-F238E27FC236}">
+                <a16:creationId xmlns:a16="http://schemas.microsoft.com/office/drawing/2014/main" id="{01456621-189B-690B-2D6C-43CD380F59E4}"/>
+              </a:ext>
+            </a:extLst>
+          </p:cNvPr>
+          <p:cNvCxnSpPr>
+            <a:cxnSpLocks/>
+            <a:stCxn id="305" idx="2"/>
+            <a:endCxn id="19" idx="0"/>
+          </p:cNvCxnSpPr>
+          <p:nvPr/>
+        </p:nvCxnSpPr>
+        <p:spPr>
+          <a:xfrm>
+            <a:off x="2455683" y="11275215"/>
+            <a:ext cx="0" cy="910584"/>
+          </a:xfrm>
+          <a:prstGeom prst="straightConnector1">
+            <a:avLst/>
+          </a:prstGeom>
+          <a:ln>
+            <a:headEnd type="none" w="med" len="med"/>
+            <a:tailEnd type="arrow" w="med" len="med"/>
+          </a:ln>
+        </p:spPr>
+        <p:style>
+          <a:lnRef idx="2">
+            <a:schemeClr val="dk1"/>
+          </a:lnRef>
+          <a:fillRef idx="0">
+            <a:schemeClr val="dk1"/>
+          </a:fillRef>
+          <a:effectRef idx="1">
+            <a:schemeClr val="dk1"/>
+          </a:effectRef>
+          <a:fontRef idx="minor">
+            <a:schemeClr val="tx1"/>
+          </a:fontRef>
+        </p:style>
+      </p:cxnSp>
+      <p:sp>
+        <p:nvSpPr>
+          <p:cNvPr id="371" name="TextBox 370">
+            <a:extLst>
+              <a:ext uri="{FF2B5EF4-FFF2-40B4-BE49-F238E27FC236}">
+                <a16:creationId xmlns:a16="http://schemas.microsoft.com/office/drawing/2014/main" id="{A79CC35C-7554-7426-B927-FF1CD8F0DFAA}"/>
+              </a:ext>
+            </a:extLst>
+          </p:cNvPr>
+          <p:cNvSpPr txBox="1"/>
+          <p:nvPr/>
+        </p:nvSpPr>
+        <p:spPr>
+          <a:xfrm>
+            <a:off x="2432190" y="11439664"/>
+            <a:ext cx="646232" cy="400110"/>
+          </a:xfrm>
+          <a:prstGeom prst="rect">
+            <a:avLst/>
+          </a:prstGeom>
+          <a:noFill/>
+        </p:spPr>
+        <p:txBody>
+          <a:bodyPr wrap="square" rtlCol="0">
+            <a:spAutoFit/>
+          </a:bodyPr>
+          <a:lstStyle/>
+          <a:p>
+            <a:pPr algn="ctr"/>
+            <a:r>
+              <a:rPr lang="en-GB" sz="2000" dirty="0"/>
+              <a:t>Yes</a:t>
+            </a:r>
+          </a:p>
+        </p:txBody>
+      </p:sp>
+      <p:sp>
+        <p:nvSpPr>
+          <p:cNvPr id="385" name="TextBox 384">
+            <a:extLst>
+              <a:ext uri="{FF2B5EF4-FFF2-40B4-BE49-F238E27FC236}">
+                <a16:creationId xmlns:a16="http://schemas.microsoft.com/office/drawing/2014/main" id="{D00C56CC-CD79-D04E-6939-916AD014486C}"/>
+              </a:ext>
+            </a:extLst>
+          </p:cNvPr>
+          <p:cNvSpPr txBox="1"/>
+          <p:nvPr/>
+        </p:nvSpPr>
+        <p:spPr>
+          <a:xfrm>
+            <a:off x="4639504" y="10095043"/>
+            <a:ext cx="730306" cy="400110"/>
+          </a:xfrm>
+          <a:prstGeom prst="rect">
+            <a:avLst/>
+          </a:prstGeom>
+          <a:noFill/>
+        </p:spPr>
+        <p:txBody>
+          <a:bodyPr wrap="square" rtlCol="0">
+            <a:spAutoFit/>
+          </a:bodyPr>
+          <a:lstStyle/>
+          <a:p>
+            <a:pPr algn="ctr"/>
+            <a:r>
+              <a:rPr lang="en-GB" sz="2000" dirty="0"/>
+              <a:t>No</a:t>
+            </a:r>
+          </a:p>
+        </p:txBody>
+      </p:sp>
+      <p:cxnSp>
+        <p:nvCxnSpPr>
+          <p:cNvPr id="402" name="Connector: Elbow 401">
+            <a:extLst>
+              <a:ext uri="{FF2B5EF4-FFF2-40B4-BE49-F238E27FC236}">
+                <a16:creationId xmlns:a16="http://schemas.microsoft.com/office/drawing/2014/main" id="{602FD4CE-BF27-5BA3-4A42-313934A36984}"/>
+              </a:ext>
+            </a:extLst>
+          </p:cNvPr>
+          <p:cNvCxnSpPr>
+            <a:cxnSpLocks/>
+            <a:stCxn id="305" idx="3"/>
+            <a:endCxn id="4" idx="1"/>
+          </p:cNvCxnSpPr>
+          <p:nvPr/>
+        </p:nvCxnSpPr>
+        <p:spPr>
+          <a:xfrm flipV="1">
+            <a:off x="3673876" y="10450094"/>
+            <a:ext cx="2515786" cy="2641"/>
+          </a:xfrm>
+          <a:prstGeom prst="straightConnector1">
+            <a:avLst/>
+          </a:prstGeom>
+          <a:ln>
+            <a:headEnd type="none" w="med" len="med"/>
+            <a:tailEnd type="arrow" w="med" len="med"/>
+          </a:ln>
+        </p:spPr>
+        <p:style>
+          <a:lnRef idx="2">
+            <a:schemeClr val="dk1"/>
+          </a:lnRef>
+          <a:fillRef idx="0">
+            <a:schemeClr val="dk1"/>
+          </a:fillRef>
+          <a:effectRef idx="1">
+            <a:schemeClr val="dk1"/>
+          </a:effectRef>
+          <a:fontRef idx="minor">
+            <a:schemeClr val="tx1"/>
+          </a:fontRef>
+        </p:style>
+      </p:cxnSp>
+      <p:cxnSp>
+        <p:nvCxnSpPr>
+          <p:cNvPr id="414" name="Connector: Elbow 413">
+            <a:extLst>
+              <a:ext uri="{FF2B5EF4-FFF2-40B4-BE49-F238E27FC236}">
+                <a16:creationId xmlns:a16="http://schemas.microsoft.com/office/drawing/2014/main" id="{3EBB69BF-321C-B3CE-8472-0FD925D21411}"/>
+              </a:ext>
+            </a:extLst>
+          </p:cNvPr>
+          <p:cNvCxnSpPr>
+            <a:cxnSpLocks/>
+            <a:stCxn id="277" idx="2"/>
+            <a:endCxn id="305" idx="0"/>
+          </p:cNvCxnSpPr>
+          <p:nvPr/>
+        </p:nvCxnSpPr>
+        <p:spPr>
+          <a:xfrm rot="5400000">
+            <a:off x="3617809" y="7283404"/>
+            <a:ext cx="1184725" cy="3508976"/>
+          </a:xfrm>
+          <a:prstGeom prst="bentConnector3">
+            <a:avLst>
+              <a:gd name="adj1" fmla="val 50000"/>
+            </a:avLst>
+          </a:prstGeom>
+          <a:ln>
+            <a:headEnd type="none" w="med" len="med"/>
+            <a:tailEnd type="arrow" w="med" len="med"/>
+          </a:ln>
+        </p:spPr>
+        <p:style>
+          <a:lnRef idx="2">
+            <a:schemeClr val="dk1"/>
+          </a:lnRef>
+          <a:fillRef idx="0">
+            <a:schemeClr val="dk1"/>
+          </a:fillRef>
+          <a:effectRef idx="1">
+            <a:schemeClr val="dk1"/>
+          </a:effectRef>
+          <a:fontRef idx="minor">
+            <a:schemeClr val="tx1"/>
+          </a:fontRef>
+        </p:style>
+      </p:cxnSp>
+      <p:cxnSp>
+        <p:nvCxnSpPr>
+          <p:cNvPr id="526" name="Connector: Elbow 525">
+            <a:extLst>
+              <a:ext uri="{FF2B5EF4-FFF2-40B4-BE49-F238E27FC236}">
+                <a16:creationId xmlns:a16="http://schemas.microsoft.com/office/drawing/2014/main" id="{D53EE2C6-E9F4-0577-52F1-603DDF342357}"/>
+              </a:ext>
+            </a:extLst>
+          </p:cNvPr>
+          <p:cNvCxnSpPr>
+            <a:cxnSpLocks/>
+            <a:stCxn id="324" idx="3"/>
+            <a:endCxn id="329" idx="2"/>
+          </p:cNvCxnSpPr>
+          <p:nvPr/>
+        </p:nvCxnSpPr>
+        <p:spPr>
+          <a:xfrm flipH="1">
+            <a:off x="7533360" y="10450094"/>
+            <a:ext cx="5533599" cy="3108242"/>
+          </a:xfrm>
+          <a:prstGeom prst="bentConnector4">
+            <a:avLst>
+              <a:gd name="adj1" fmla="val -4131"/>
+              <a:gd name="adj2" fmla="val 109970"/>
+            </a:avLst>
+          </a:prstGeom>
+          <a:ln>
+            <a:headEnd type="none" w="med" len="med"/>
+            <a:tailEnd type="arrow" w="med" len="med"/>
+          </a:ln>
+        </p:spPr>
+        <p:style>
+          <a:lnRef idx="2">
+            <a:schemeClr val="dk1"/>
+          </a:lnRef>
+          <a:fillRef idx="0">
+            <a:schemeClr val="dk1"/>
+          </a:fillRef>
+          <a:effectRef idx="1">
+            <a:schemeClr val="dk1"/>
+          </a:effectRef>
+          <a:fontRef idx="minor">
+            <a:schemeClr val="tx1"/>
+          </a:fontRef>
+        </p:style>
+      </p:cxnSp>
+      <p:cxnSp>
+        <p:nvCxnSpPr>
+          <p:cNvPr id="20" name="Connector: Elbow 213">
+            <a:extLst>
+              <a:ext uri="{FF2B5EF4-FFF2-40B4-BE49-F238E27FC236}">
+                <a16:creationId xmlns:a16="http://schemas.microsoft.com/office/drawing/2014/main" id="{38CF9B38-FDE4-A1FC-8EBD-60F2F36FA19B}"/>
+              </a:ext>
+            </a:extLst>
+          </p:cNvPr>
+          <p:cNvCxnSpPr>
+            <a:cxnSpLocks/>
+            <a:stCxn id="329" idx="3"/>
+            <a:endCxn id="42" idx="1"/>
+          </p:cNvCxnSpPr>
+          <p:nvPr/>
+        </p:nvCxnSpPr>
+        <p:spPr>
+          <a:xfrm flipV="1">
+            <a:off x="9895841" y="12781272"/>
+            <a:ext cx="506536" cy="8"/>
+          </a:xfrm>
+          <a:prstGeom prst="straightConnector1">
+            <a:avLst/>
+          </a:prstGeom>
+          <a:ln>
+            <a:headEnd type="none" w="med" len="med"/>
+            <a:tailEnd type="arrow" w="med" len="med"/>
+          </a:ln>
+        </p:spPr>
+        <p:style>
+          <a:lnRef idx="2">
+            <a:schemeClr val="dk1"/>
+          </a:lnRef>
+          <a:fillRef idx="0">
+            <a:schemeClr val="dk1"/>
+          </a:fillRef>
+          <a:effectRef idx="1">
+            <a:schemeClr val="dk1"/>
+          </a:effectRef>
+          <a:fontRef idx="minor">
+            <a:schemeClr val="tx1"/>
+          </a:fontRef>
+        </p:style>
+      </p:cxnSp>
+      <p:sp>
+        <p:nvSpPr>
+          <p:cNvPr id="6" name="Rectangle 5">
+            <a:extLst>
+              <a:ext uri="{FF2B5EF4-FFF2-40B4-BE49-F238E27FC236}">
+                <a16:creationId xmlns:a16="http://schemas.microsoft.com/office/drawing/2014/main" id="{CB0F3719-CBE3-A9A8-FFCD-2ECFD103C24E}"/>
+              </a:ext>
+            </a:extLst>
+          </p:cNvPr>
+          <p:cNvSpPr/>
+          <p:nvPr/>
+        </p:nvSpPr>
+        <p:spPr>
+          <a:xfrm>
+            <a:off x="6031354" y="14468911"/>
+            <a:ext cx="3259128" cy="1406149"/>
+          </a:xfrm>
+          <a:prstGeom prst="rect">
+            <a:avLst/>
+          </a:prstGeom>
+          <a:solidFill>
+            <a:schemeClr val="accent5">
+              <a:lumMod val="50000"/>
+              <a:alpha val="30196"/>
+            </a:schemeClr>
+          </a:solidFill>
+        </p:spPr>
+        <p:style>
+          <a:lnRef idx="2">
+            <a:schemeClr val="accent1">
+              <a:shade val="15000"/>
+            </a:schemeClr>
+          </a:lnRef>
+          <a:fillRef idx="1">
+            <a:schemeClr val="accent1"/>
+          </a:fillRef>
+          <a:effectRef idx="0">
+            <a:schemeClr val="accent1"/>
+          </a:effectRef>
+          <a:fontRef idx="minor">
+            <a:schemeClr val="lt1"/>
+          </a:fontRef>
+        </p:style>
+        <p:txBody>
+          <a:bodyPr rtlCol="0" anchor="ctr"/>
+          <a:lstStyle/>
+          <a:p>
+            <a:r>
+              <a:rPr lang="en-GB" sz="2000" b="1" i="0" baseline="30000" dirty="0">
+                <a:solidFill>
+                  <a:srgbClr val="040C28"/>
+                </a:solidFill>
+                <a:effectLst/>
+              </a:rPr>
+              <a:t>†</a:t>
+            </a:r>
+            <a:r>
+              <a:rPr lang="en-GB" sz="2000" b="1" dirty="0">
+                <a:solidFill>
+                  <a:schemeClr val="tx1"/>
+                </a:solidFill>
+              </a:rPr>
+              <a:t>Other headsets </a:t>
+            </a:r>
+            <a:r>
+              <a:rPr lang="en-GB" sz="2000" dirty="0">
+                <a:solidFill>
+                  <a:schemeClr val="tx1"/>
+                </a:solidFill>
+              </a:rPr>
+              <a:t>include:</a:t>
+            </a:r>
+          </a:p>
+          <a:p>
+            <a:pPr marL="342900" indent="-342900">
+              <a:buFont typeface="Arial" panose="020B0604020202020204" pitchFamily="34" charset="0"/>
+              <a:buChar char="•"/>
+            </a:pPr>
+            <a:r>
+              <a:rPr lang="en-GB" sz="2000" dirty="0">
+                <a:solidFill>
+                  <a:schemeClr val="tx1"/>
+                </a:solidFill>
+              </a:rPr>
+              <a:t>HTC </a:t>
+            </a:r>
+            <a:r>
+              <a:rPr lang="en-GB" sz="2000" dirty="0" err="1">
+                <a:solidFill>
+                  <a:schemeClr val="tx1"/>
+                </a:solidFill>
+              </a:rPr>
+              <a:t>Vive</a:t>
+            </a:r>
+            <a:endParaRPr lang="en-GB" sz="2000" dirty="0">
+              <a:solidFill>
+                <a:schemeClr val="tx1"/>
+              </a:solidFill>
+            </a:endParaRPr>
+          </a:p>
+          <a:p>
+            <a:pPr marL="342900" indent="-342900">
+              <a:buFont typeface="Arial" panose="020B0604020202020204" pitchFamily="34" charset="0"/>
+              <a:buChar char="•"/>
+            </a:pPr>
+            <a:r>
+              <a:rPr lang="en-GB" sz="2000" dirty="0">
+                <a:solidFill>
+                  <a:schemeClr val="tx1"/>
+                </a:solidFill>
+              </a:rPr>
+              <a:t>HTC </a:t>
+            </a:r>
+            <a:r>
+              <a:rPr lang="en-GB" sz="2000" dirty="0" err="1">
+                <a:solidFill>
+                  <a:schemeClr val="tx1"/>
+                </a:solidFill>
+              </a:rPr>
+              <a:t>Vive</a:t>
+            </a:r>
+            <a:r>
+              <a:rPr lang="en-GB" sz="2000" dirty="0">
+                <a:solidFill>
+                  <a:schemeClr val="tx1"/>
+                </a:solidFill>
+              </a:rPr>
+              <a:t> Pro</a:t>
+            </a:r>
+          </a:p>
+          <a:p>
+            <a:pPr marL="342900" indent="-342900">
+              <a:buFont typeface="Arial" panose="020B0604020202020204" pitchFamily="34" charset="0"/>
+              <a:buChar char="•"/>
+            </a:pPr>
+            <a:r>
+              <a:rPr lang="en-GB" sz="2000" dirty="0">
+                <a:solidFill>
+                  <a:schemeClr val="tx1"/>
+                </a:solidFill>
+              </a:rPr>
+              <a:t>Valve Index</a:t>
+            </a:r>
+          </a:p>
+        </p:txBody>
+      </p:sp>
+      <p:sp>
+        <p:nvSpPr>
+          <p:cNvPr id="7" name="Rectangle 6">
+            <a:extLst>
+              <a:ext uri="{FF2B5EF4-FFF2-40B4-BE49-F238E27FC236}">
+                <a16:creationId xmlns:a16="http://schemas.microsoft.com/office/drawing/2014/main" id="{64ABE1A5-932C-22BE-9EE8-247D1792463B}"/>
+              </a:ext>
+            </a:extLst>
+          </p:cNvPr>
+          <p:cNvSpPr/>
+          <p:nvPr/>
+        </p:nvSpPr>
+        <p:spPr>
+          <a:xfrm>
+            <a:off x="1210132" y="14468911"/>
+            <a:ext cx="4159678" cy="1406149"/>
+          </a:xfrm>
+          <a:prstGeom prst="rect">
+            <a:avLst/>
+          </a:prstGeom>
+          <a:solidFill>
+            <a:schemeClr val="accent5">
+              <a:lumMod val="50000"/>
+              <a:alpha val="30196"/>
+            </a:schemeClr>
+          </a:solidFill>
+        </p:spPr>
+        <p:style>
+          <a:lnRef idx="2">
+            <a:schemeClr val="accent1">
+              <a:shade val="15000"/>
+            </a:schemeClr>
+          </a:lnRef>
+          <a:fillRef idx="1">
+            <a:schemeClr val="accent1"/>
+          </a:fillRef>
+          <a:effectRef idx="0">
+            <a:schemeClr val="accent1"/>
+          </a:effectRef>
+          <a:fontRef idx="minor">
+            <a:schemeClr val="lt1"/>
+          </a:fontRef>
+        </p:style>
+        <p:txBody>
+          <a:bodyPr rtlCol="0" anchor="ctr"/>
+          <a:lstStyle/>
+          <a:p>
+            <a:r>
+              <a:rPr lang="en-GB" sz="2000" b="1" dirty="0">
+                <a:solidFill>
+                  <a:schemeClr val="tx1"/>
+                </a:solidFill>
+              </a:rPr>
+              <a:t>*Requirements for a wireless setup: </a:t>
+            </a:r>
+            <a:r>
+              <a:rPr lang="en-GB" sz="2000" dirty="0">
+                <a:solidFill>
+                  <a:schemeClr val="tx1"/>
+                </a:solidFill>
+              </a:rPr>
+              <a:t>a strong and stable internet connection that allows communication over the network</a:t>
+            </a:r>
+          </a:p>
+        </p:txBody>
+      </p:sp>
+    </p:spTree>
+    <p:extLst>
+      <p:ext uri="{BB962C8B-B14F-4D97-AF65-F5344CB8AC3E}">
+        <p14:creationId xmlns:p14="http://schemas.microsoft.com/office/powerpoint/2010/main" val="1752442661"/>
       </p:ext>
     </p:extLst>
   </p:cSld>

--- a/source/assets/flow-chart.pptx
+++ b/source/assets/flow-chart.pptx
@@ -8,9 +8,9 @@
     <p:notesMasterId r:id="rId5"/>
   </p:notesMasterIdLst>
   <p:sldIdLst>
-    <p:sldId id="264" r:id="rId2"/>
-    <p:sldId id="263" r:id="rId3"/>
-    <p:sldId id="262" r:id="rId4"/>
+    <p:sldId id="262" r:id="rId2"/>
+    <p:sldId id="264" r:id="rId3"/>
+    <p:sldId id="263" r:id="rId4"/>
   </p:sldIdLst>
   <p:sldSz cx="18000663" cy="18000663"/>
   <p:notesSz cx="6858000" cy="9144000"/>
@@ -117,17 +117,25 @@
 </p:presentation>
 </file>
 
+<file path=ppt/revisionInfo.xml><?xml version="1.0" encoding="utf-8"?>
+<p1510:revInfo xmlns:a="http://schemas.openxmlformats.org/drawingml/2006/main" xmlns:r="http://schemas.openxmlformats.org/officeDocument/2006/relationships" xmlns:p1510="http://schemas.microsoft.com/office/powerpoint/2015/10/main">
+  <p1510:revLst>
+    <p1510:client id="{CA170275-7344-438A-A8F7-1467E1F3B891}" v="2" dt="2024-11-01T12:56:13.060"/>
+  </p1510:revLst>
+</p1510:revInfo>
+</file>
+
 <file path=ppt/changesInfos/changesInfo1.xml><?xml version="1.0" encoding="utf-8"?>
 <pc:chgInfo xmlns:a="http://schemas.openxmlformats.org/drawingml/2006/main" xmlns:r="http://schemas.openxmlformats.org/officeDocument/2006/relationships" xmlns:ac="http://schemas.microsoft.com/office/drawing/2013/main/command" xmlns:pc="http://schemas.microsoft.com/office/powerpoint/2013/main/command">
   <pc:docChgLst>
     <pc:chgData name="ROEBUCK WILLIAMS RHOSLYN" userId="19c0e951-307b-46f9-a42c-f83c2dbad1d6" providerId="ADAL" clId="{CA170275-7344-438A-A8F7-1467E1F3B891}"/>
-    <pc:docChg chg="modSld sldOrd">
-      <pc:chgData name="ROEBUCK WILLIAMS RHOSLYN" userId="19c0e951-307b-46f9-a42c-f83c2dbad1d6" providerId="ADAL" clId="{CA170275-7344-438A-A8F7-1467E1F3B891}" dt="2024-11-01T08:59:28.872" v="104" actId="14100"/>
+    <pc:docChg chg="undo custSel modSld sldOrd">
+      <pc:chgData name="ROEBUCK WILLIAMS RHOSLYN" userId="19c0e951-307b-46f9-a42c-f83c2dbad1d6" providerId="ADAL" clId="{CA170275-7344-438A-A8F7-1467E1F3B891}" dt="2024-11-01T12:56:33.638" v="347" actId="115"/>
       <pc:docMkLst>
         <pc:docMk/>
       </pc:docMkLst>
-      <pc:sldChg chg="modSp mod ord">
-        <pc:chgData name="ROEBUCK WILLIAMS RHOSLYN" userId="19c0e951-307b-46f9-a42c-f83c2dbad1d6" providerId="ADAL" clId="{CA170275-7344-438A-A8F7-1467E1F3B891}" dt="2024-11-01T08:59:28.872" v="104" actId="14100"/>
+      <pc:sldChg chg="addSp delSp modSp mod ord">
+        <pc:chgData name="ROEBUCK WILLIAMS RHOSLYN" userId="19c0e951-307b-46f9-a42c-f83c2dbad1d6" providerId="ADAL" clId="{CA170275-7344-438A-A8F7-1467E1F3B891}" dt="2024-11-01T12:56:33.638" v="347" actId="115"/>
         <pc:sldMkLst>
           <pc:docMk/>
           <pc:sldMk cId="1752442661" sldId="262"/>
@@ -149,7 +157,7 @@
           </ac:spMkLst>
         </pc:spChg>
         <pc:spChg chg="mod">
-          <ac:chgData name="ROEBUCK WILLIAMS RHOSLYN" userId="19c0e951-307b-46f9-a42c-f83c2dbad1d6" providerId="ADAL" clId="{CA170275-7344-438A-A8F7-1467E1F3B891}" dt="2024-11-01T08:59:26.696" v="103" actId="14100"/>
+          <ac:chgData name="ROEBUCK WILLIAMS RHOSLYN" userId="19c0e951-307b-46f9-a42c-f83c2dbad1d6" providerId="ADAL" clId="{CA170275-7344-438A-A8F7-1467E1F3B891}" dt="2024-11-01T12:56:13.059" v="337" actId="164"/>
           <ac:spMkLst>
             <pc:docMk/>
             <pc:sldMk cId="1752442661" sldId="262"/>
@@ -157,7 +165,7 @@
           </ac:spMkLst>
         </pc:spChg>
         <pc:spChg chg="mod">
-          <ac:chgData name="ROEBUCK WILLIAMS RHOSLYN" userId="19c0e951-307b-46f9-a42c-f83c2dbad1d6" providerId="ADAL" clId="{CA170275-7344-438A-A8F7-1467E1F3B891}" dt="2024-11-01T08:59:22.789" v="102" actId="14100"/>
+          <ac:chgData name="ROEBUCK WILLIAMS RHOSLYN" userId="19c0e951-307b-46f9-a42c-f83c2dbad1d6" providerId="ADAL" clId="{CA170275-7344-438A-A8F7-1467E1F3B891}" dt="2024-11-01T12:56:13.059" v="337" actId="164"/>
           <ac:spMkLst>
             <pc:docMk/>
             <pc:sldMk cId="1752442661" sldId="262"/>
@@ -181,7 +189,7 @@
           </ac:spMkLst>
         </pc:spChg>
         <pc:spChg chg="mod">
-          <ac:chgData name="ROEBUCK WILLIAMS RHOSLYN" userId="19c0e951-307b-46f9-a42c-f83c2dbad1d6" providerId="ADAL" clId="{CA170275-7344-438A-A8F7-1467E1F3B891}" dt="2024-11-01T08:58:57.706" v="98" actId="14100"/>
+          <ac:chgData name="ROEBUCK WILLIAMS RHOSLYN" userId="19c0e951-307b-46f9-a42c-f83c2dbad1d6" providerId="ADAL" clId="{CA170275-7344-438A-A8F7-1467E1F3B891}" dt="2024-11-01T12:54:00.004" v="304" actId="14100"/>
           <ac:spMkLst>
             <pc:docMk/>
             <pc:sldMk cId="1752442661" sldId="262"/>
@@ -204,6 +212,14 @@
             <ac:spMk id="29" creationId="{4D859BB7-BEE1-CF6A-BF53-B561B421A0BD}"/>
           </ac:spMkLst>
         </pc:spChg>
+        <pc:spChg chg="add mod ord">
+          <ac:chgData name="ROEBUCK WILLIAMS RHOSLYN" userId="19c0e951-307b-46f9-a42c-f83c2dbad1d6" providerId="ADAL" clId="{CA170275-7344-438A-A8F7-1467E1F3B891}" dt="2024-11-01T12:56:33.638" v="347" actId="115"/>
+          <ac:spMkLst>
+            <pc:docMk/>
+            <pc:sldMk cId="1752442661" sldId="262"/>
+            <ac:spMk id="30" creationId="{F7551075-E788-BE3A-CF54-AC77A5D13676}"/>
+          </ac:spMkLst>
+        </pc:spChg>
         <pc:spChg chg="mod">
           <ac:chgData name="ROEBUCK WILLIAMS RHOSLYN" userId="19c0e951-307b-46f9-a42c-f83c2dbad1d6" providerId="ADAL" clId="{CA170275-7344-438A-A8F7-1467E1F3B891}" dt="2024-11-01T08:58:24.928" v="91" actId="1076"/>
           <ac:spMkLst>
@@ -221,7 +237,7 @@
           </ac:spMkLst>
         </pc:spChg>
         <pc:spChg chg="mod">
-          <ac:chgData name="ROEBUCK WILLIAMS RHOSLYN" userId="19c0e951-307b-46f9-a42c-f83c2dbad1d6" providerId="ADAL" clId="{CA170275-7344-438A-A8F7-1467E1F3B891}" dt="2024-11-01T08:58:32.433" v="93" actId="1076"/>
+          <ac:chgData name="ROEBUCK WILLIAMS RHOSLYN" userId="19c0e951-307b-46f9-a42c-f83c2dbad1d6" providerId="ADAL" clId="{CA170275-7344-438A-A8F7-1467E1F3B891}" dt="2024-11-01T12:53:27.582" v="248" actId="20577"/>
           <ac:spMkLst>
             <pc:docMk/>
             <pc:sldMk cId="1752442661" sldId="262"/>
@@ -242,6 +258,14 @@
             <pc:docMk/>
             <pc:sldMk cId="1752442661" sldId="262"/>
             <ac:spMk id="56" creationId="{9398C94E-A74A-D10C-095D-9AE7266F22CC}"/>
+          </ac:spMkLst>
+        </pc:spChg>
+        <pc:spChg chg="mod">
+          <ac:chgData name="ROEBUCK WILLIAMS RHOSLYN" userId="19c0e951-307b-46f9-a42c-f83c2dbad1d6" providerId="ADAL" clId="{CA170275-7344-438A-A8F7-1467E1F3B891}" dt="2024-11-01T12:51:38.432" v="147" actId="20577"/>
+          <ac:spMkLst>
+            <pc:docMk/>
+            <pc:sldMk cId="1752442661" sldId="262"/>
+            <ac:spMk id="61" creationId="{340C4477-8A90-8A8C-65B7-202314C3ABCC}"/>
           </ac:spMkLst>
         </pc:spChg>
         <pc:spChg chg="mod">
@@ -300,8 +324,8 @@
             <ac:spMk id="338" creationId="{AF7A6573-2EB0-85AC-1396-5C156AEBC5D4}"/>
           </ac:spMkLst>
         </pc:spChg>
-        <pc:spChg chg="mod">
-          <ac:chgData name="ROEBUCK WILLIAMS RHOSLYN" userId="19c0e951-307b-46f9-a42c-f83c2dbad1d6" providerId="ADAL" clId="{CA170275-7344-438A-A8F7-1467E1F3B891}" dt="2024-11-01T08:59:28.872" v="104" actId="14100"/>
+        <pc:spChg chg="del mod">
+          <ac:chgData name="ROEBUCK WILLIAMS RHOSLYN" userId="19c0e951-307b-46f9-a42c-f83c2dbad1d6" providerId="ADAL" clId="{CA170275-7344-438A-A8F7-1467E1F3B891}" dt="2024-11-01T12:54:28.845" v="305" actId="478"/>
           <ac:spMkLst>
             <pc:docMk/>
             <pc:sldMk cId="1752442661" sldId="262"/>
@@ -324,6 +348,14 @@
             <ac:spMk id="385" creationId="{D00C56CC-CD79-D04E-6939-916AD014486C}"/>
           </ac:spMkLst>
         </pc:spChg>
+        <pc:grpChg chg="add mod">
+          <ac:chgData name="ROEBUCK WILLIAMS RHOSLYN" userId="19c0e951-307b-46f9-a42c-f83c2dbad1d6" providerId="ADAL" clId="{CA170275-7344-438A-A8F7-1467E1F3B891}" dt="2024-11-01T12:56:15.436" v="338" actId="1076"/>
+          <ac:grpSpMkLst>
+            <pc:docMk/>
+            <pc:sldMk cId="1752442661" sldId="262"/>
+            <ac:grpSpMk id="31" creationId="{A6F8617E-D961-9C2D-2DA6-A8D1A7235E81}"/>
+          </ac:grpSpMkLst>
+        </pc:grpChg>
         <pc:cxnChg chg="mod">
           <ac:chgData name="ROEBUCK WILLIAMS RHOSLYN" userId="19c0e951-307b-46f9-a42c-f83c2dbad1d6" providerId="ADAL" clId="{CA170275-7344-438A-A8F7-1467E1F3B891}" dt="2024-11-01T08:58:24.928" v="91" actId="1076"/>
           <ac:cxnSpMkLst>
@@ -405,7 +437,7 @@
           </ac:cxnSpMkLst>
         </pc:cxnChg>
         <pc:cxnChg chg="mod">
-          <ac:chgData name="ROEBUCK WILLIAMS RHOSLYN" userId="19c0e951-307b-46f9-a42c-f83c2dbad1d6" providerId="ADAL" clId="{CA170275-7344-438A-A8F7-1467E1F3B891}" dt="2024-11-01T08:58:57.706" v="98" actId="14100"/>
+          <ac:chgData name="ROEBUCK WILLIAMS RHOSLYN" userId="19c0e951-307b-46f9-a42c-f83c2dbad1d6" providerId="ADAL" clId="{CA170275-7344-438A-A8F7-1467E1F3B891}" dt="2024-11-01T12:54:00.004" v="304" actId="14100"/>
           <ac:cxnSpMkLst>
             <pc:docMk/>
             <pc:sldMk cId="1752442661" sldId="262"/>
@@ -413,7 +445,7 @@
           </ac:cxnSpMkLst>
         </pc:cxnChg>
         <pc:cxnChg chg="mod">
-          <ac:chgData name="ROEBUCK WILLIAMS RHOSLYN" userId="19c0e951-307b-46f9-a42c-f83c2dbad1d6" providerId="ADAL" clId="{CA170275-7344-438A-A8F7-1467E1F3B891}" dt="2024-11-01T08:58:32.433" v="93" actId="1076"/>
+          <ac:chgData name="ROEBUCK WILLIAMS RHOSLYN" userId="19c0e951-307b-46f9-a42c-f83c2dbad1d6" providerId="ADAL" clId="{CA170275-7344-438A-A8F7-1467E1F3B891}" dt="2024-11-01T12:50:33.182" v="127" actId="14100"/>
           <ac:cxnSpMkLst>
             <pc:docMk/>
             <pc:sldMk cId="1752442661" sldId="262"/>
@@ -421,7 +453,7 @@
           </ac:cxnSpMkLst>
         </pc:cxnChg>
         <pc:cxnChg chg="mod">
-          <ac:chgData name="ROEBUCK WILLIAMS RHOSLYN" userId="19c0e951-307b-46f9-a42c-f83c2dbad1d6" providerId="ADAL" clId="{CA170275-7344-438A-A8F7-1467E1F3B891}" dt="2024-11-01T08:58:32.433" v="93" actId="1076"/>
+          <ac:chgData name="ROEBUCK WILLIAMS RHOSLYN" userId="19c0e951-307b-46f9-a42c-f83c2dbad1d6" providerId="ADAL" clId="{CA170275-7344-438A-A8F7-1467E1F3B891}" dt="2024-11-01T12:51:11.032" v="139" actId="14100"/>
           <ac:cxnSpMkLst>
             <pc:docMk/>
             <pc:sldMk cId="1752442661" sldId="262"/>
@@ -797,6 +829,90 @@
   <p:cSld>
     <p:spTree>
       <p:nvGrpSpPr>
+        <p:cNvPr id="1" name=""/>
+        <p:cNvGrpSpPr/>
+        <p:nvPr/>
+      </p:nvGrpSpPr>
+      <p:grpSpPr>
+        <a:xfrm>
+          <a:off x="0" y="0"/>
+          <a:ext cx="0" cy="0"/>
+          <a:chOff x="0" y="0"/>
+          <a:chExt cx="0" cy="0"/>
+        </a:xfrm>
+      </p:grpSpPr>
+      <p:sp>
+        <p:nvSpPr>
+          <p:cNvPr id="2" name="Slide Image Placeholder 1"/>
+          <p:cNvSpPr>
+            <a:spLocks noGrp="1" noRot="1" noChangeAspect="1"/>
+          </p:cNvSpPr>
+          <p:nvPr>
+            <p:ph type="sldImg"/>
+          </p:nvPr>
+        </p:nvSpPr>
+        <p:spPr/>
+      </p:sp>
+      <p:sp>
+        <p:nvSpPr>
+          <p:cNvPr id="3" name="Notes Placeholder 2"/>
+          <p:cNvSpPr>
+            <a:spLocks noGrp="1"/>
+          </p:cNvSpPr>
+          <p:nvPr>
+            <p:ph type="body" idx="1"/>
+          </p:nvPr>
+        </p:nvSpPr>
+        <p:spPr/>
+        <p:txBody>
+          <a:bodyPr/>
+          <a:lstStyle/>
+          <a:p>
+            <a:endParaRPr lang="en-GB" dirty="0"/>
+          </a:p>
+        </p:txBody>
+      </p:sp>
+      <p:sp>
+        <p:nvSpPr>
+          <p:cNvPr id="4" name="Slide Number Placeholder 3"/>
+          <p:cNvSpPr>
+            <a:spLocks noGrp="1"/>
+          </p:cNvSpPr>
+          <p:nvPr>
+            <p:ph type="sldNum" sz="quarter" idx="5"/>
+          </p:nvPr>
+        </p:nvSpPr>
+        <p:spPr/>
+        <p:txBody>
+          <a:bodyPr/>
+          <a:lstStyle/>
+          <a:p>
+            <a:fld id="{01581AD5-E424-434F-99BD-F8DE17F851C7}" type="slidenum">
+              <a:rPr lang="en-GB" smtClean="0"/>
+              <a:t>1</a:t>
+            </a:fld>
+            <a:endParaRPr lang="en-GB"/>
+          </a:p>
+        </p:txBody>
+      </p:sp>
+    </p:spTree>
+    <p:extLst>
+      <p:ext uri="{BB962C8B-B14F-4D97-AF65-F5344CB8AC3E}">
+        <p14:creationId xmlns:p14="http://schemas.microsoft.com/office/powerpoint/2010/main" val="3738800988"/>
+      </p:ext>
+    </p:extLst>
+  </p:cSld>
+  <p:clrMapOvr>
+    <a:masterClrMapping/>
+  </p:clrMapOvr>
+</p:notes>
+</file>
+
+<file path=ppt/notesSlides/notesSlide2.xml><?xml version="1.0" encoding="utf-8"?>
+<p:notes xmlns:a="http://schemas.openxmlformats.org/drawingml/2006/main" xmlns:r="http://schemas.openxmlformats.org/officeDocument/2006/relationships" xmlns:p="http://schemas.openxmlformats.org/presentationml/2006/main">
+  <p:cSld>
+    <p:spTree>
+      <p:nvGrpSpPr>
         <p:cNvPr id="1" name="">
           <a:extLst>
             <a:ext uri="{FF2B5EF4-FFF2-40B4-BE49-F238E27FC236}">
@@ -881,7 +997,7 @@
           <a:p>
             <a:fld id="{01581AD5-E424-434F-99BD-F8DE17F851C7}" type="slidenum">
               <a:rPr lang="en-GB" smtClean="0"/>
-              <a:t>1</a:t>
+              <a:t>2</a:t>
             </a:fld>
             <a:endParaRPr lang="en-GB"/>
           </a:p>
@@ -891,90 +1007,6 @@
     <p:extLst>
       <p:ext uri="{BB962C8B-B14F-4D97-AF65-F5344CB8AC3E}">
         <p14:creationId xmlns:p14="http://schemas.microsoft.com/office/powerpoint/2010/main" val="4249480563"/>
-      </p:ext>
-    </p:extLst>
-  </p:cSld>
-  <p:clrMapOvr>
-    <a:masterClrMapping/>
-  </p:clrMapOvr>
-</p:notes>
-</file>
-
-<file path=ppt/notesSlides/notesSlide2.xml><?xml version="1.0" encoding="utf-8"?>
-<p:notes xmlns:a="http://schemas.openxmlformats.org/drawingml/2006/main" xmlns:r="http://schemas.openxmlformats.org/officeDocument/2006/relationships" xmlns:p="http://schemas.openxmlformats.org/presentationml/2006/main">
-  <p:cSld>
-    <p:spTree>
-      <p:nvGrpSpPr>
-        <p:cNvPr id="1" name=""/>
-        <p:cNvGrpSpPr/>
-        <p:nvPr/>
-      </p:nvGrpSpPr>
-      <p:grpSpPr>
-        <a:xfrm>
-          <a:off x="0" y="0"/>
-          <a:ext cx="0" cy="0"/>
-          <a:chOff x="0" y="0"/>
-          <a:chExt cx="0" cy="0"/>
-        </a:xfrm>
-      </p:grpSpPr>
-      <p:sp>
-        <p:nvSpPr>
-          <p:cNvPr id="2" name="Slide Image Placeholder 1"/>
-          <p:cNvSpPr>
-            <a:spLocks noGrp="1" noRot="1" noChangeAspect="1"/>
-          </p:cNvSpPr>
-          <p:nvPr>
-            <p:ph type="sldImg"/>
-          </p:nvPr>
-        </p:nvSpPr>
-        <p:spPr/>
-      </p:sp>
-      <p:sp>
-        <p:nvSpPr>
-          <p:cNvPr id="3" name="Notes Placeholder 2"/>
-          <p:cNvSpPr>
-            <a:spLocks noGrp="1"/>
-          </p:cNvSpPr>
-          <p:nvPr>
-            <p:ph type="body" idx="1"/>
-          </p:nvPr>
-        </p:nvSpPr>
-        <p:spPr/>
-        <p:txBody>
-          <a:bodyPr/>
-          <a:lstStyle/>
-          <a:p>
-            <a:endParaRPr lang="en-GB" dirty="0"/>
-          </a:p>
-        </p:txBody>
-      </p:sp>
-      <p:sp>
-        <p:nvSpPr>
-          <p:cNvPr id="4" name="Slide Number Placeholder 3"/>
-          <p:cNvSpPr>
-            <a:spLocks noGrp="1"/>
-          </p:cNvSpPr>
-          <p:nvPr>
-            <p:ph type="sldNum" sz="quarter" idx="5"/>
-          </p:nvPr>
-        </p:nvSpPr>
-        <p:spPr/>
-        <p:txBody>
-          <a:bodyPr/>
-          <a:lstStyle/>
-          <a:p>
-            <a:fld id="{01581AD5-E424-434F-99BD-F8DE17F851C7}" type="slidenum">
-              <a:rPr lang="en-GB" smtClean="0"/>
-              <a:t>3</a:t>
-            </a:fld>
-            <a:endParaRPr lang="en-GB"/>
-          </a:p>
-        </p:txBody>
-      </p:sp>
-    </p:spTree>
-    <p:extLst>
-      <p:ext uri="{BB962C8B-B14F-4D97-AF65-F5344CB8AC3E}">
-        <p14:creationId xmlns:p14="http://schemas.microsoft.com/office/powerpoint/2010/main" val="3738800988"/>
       </p:ext>
     </p:extLst>
   </p:cSld>
@@ -3833,6 +3865,2436 @@
   <p:cSld>
     <p:spTree>
       <p:nvGrpSpPr>
+        <p:cNvPr id="1" name=""/>
+        <p:cNvGrpSpPr/>
+        <p:nvPr/>
+      </p:nvGrpSpPr>
+      <p:grpSpPr>
+        <a:xfrm>
+          <a:off x="0" y="0"/>
+          <a:ext cx="0" cy="0"/>
+          <a:chOff x="0" y="0"/>
+          <a:chExt cx="0" cy="0"/>
+        </a:xfrm>
+      </p:grpSpPr>
+      <p:sp>
+        <p:nvSpPr>
+          <p:cNvPr id="4" name="Rectangle 3">
+            <a:extLst>
+              <a:ext uri="{FF2B5EF4-FFF2-40B4-BE49-F238E27FC236}">
+                <a16:creationId xmlns:a16="http://schemas.microsoft.com/office/drawing/2014/main" id="{22887272-8CFA-BF44-CACD-537694360768}"/>
+              </a:ext>
+            </a:extLst>
+          </p:cNvPr>
+          <p:cNvSpPr/>
+          <p:nvPr/>
+        </p:nvSpPr>
+        <p:spPr>
+          <a:xfrm>
+            <a:off x="6189662" y="9820434"/>
+            <a:ext cx="2663685" cy="1259320"/>
+          </a:xfrm>
+          <a:prstGeom prst="rect">
+            <a:avLst/>
+          </a:prstGeom>
+          <a:solidFill>
+            <a:schemeClr val="bg1">
+              <a:lumMod val="85000"/>
+            </a:schemeClr>
+          </a:solidFill>
+        </p:spPr>
+        <p:style>
+          <a:lnRef idx="2">
+            <a:schemeClr val="accent1">
+              <a:shade val="15000"/>
+            </a:schemeClr>
+          </a:lnRef>
+          <a:fillRef idx="1">
+            <a:schemeClr val="accent1"/>
+          </a:fillRef>
+          <a:effectRef idx="0">
+            <a:schemeClr val="accent1"/>
+          </a:effectRef>
+          <a:fontRef idx="minor">
+            <a:schemeClr val="lt1"/>
+          </a:fontRef>
+        </p:style>
+        <p:txBody>
+          <a:bodyPr rtlCol="0" anchor="ctr"/>
+          <a:lstStyle/>
+          <a:p>
+            <a:pPr algn="ctr"/>
+            <a:r>
+              <a:rPr lang="en-GB" sz="2000" dirty="0">
+                <a:solidFill>
+                  <a:schemeClr val="tx1"/>
+                </a:solidFill>
+              </a:rPr>
+              <a:t>Which </a:t>
+            </a:r>
+            <a:r>
+              <a:rPr lang="en-GB" sz="2000" b="1" dirty="0">
+                <a:solidFill>
+                  <a:schemeClr val="tx1"/>
+                </a:solidFill>
+              </a:rPr>
+              <a:t>configuration</a:t>
+            </a:r>
+            <a:r>
+              <a:rPr lang="en-GB" sz="2000" dirty="0">
+                <a:solidFill>
+                  <a:schemeClr val="tx1"/>
+                </a:solidFill>
+              </a:rPr>
+              <a:t> are you looking for?</a:t>
+            </a:r>
+          </a:p>
+        </p:txBody>
+      </p:sp>
+      <p:sp>
+        <p:nvSpPr>
+          <p:cNvPr id="5" name="Rectangle 4">
+            <a:extLst>
+              <a:ext uri="{FF2B5EF4-FFF2-40B4-BE49-F238E27FC236}">
+                <a16:creationId xmlns:a16="http://schemas.microsoft.com/office/drawing/2014/main" id="{346FBF56-A7DF-4167-FC34-8C7AAEEE9647}"/>
+              </a:ext>
+            </a:extLst>
+          </p:cNvPr>
+          <p:cNvSpPr/>
+          <p:nvPr/>
+        </p:nvSpPr>
+        <p:spPr>
+          <a:xfrm>
+            <a:off x="1237490" y="4564051"/>
+            <a:ext cx="2436388" cy="1644960"/>
+          </a:xfrm>
+          <a:prstGeom prst="rect">
+            <a:avLst/>
+          </a:prstGeom>
+          <a:solidFill>
+            <a:schemeClr val="bg1">
+              <a:lumMod val="85000"/>
+            </a:schemeClr>
+          </a:solidFill>
+        </p:spPr>
+        <p:style>
+          <a:lnRef idx="2">
+            <a:schemeClr val="accent1">
+              <a:shade val="15000"/>
+            </a:schemeClr>
+          </a:lnRef>
+          <a:fillRef idx="1">
+            <a:schemeClr val="accent1"/>
+          </a:fillRef>
+          <a:effectRef idx="0">
+            <a:schemeClr val="accent1"/>
+          </a:effectRef>
+          <a:fontRef idx="minor">
+            <a:schemeClr val="lt1"/>
+          </a:fontRef>
+        </p:style>
+        <p:txBody>
+          <a:bodyPr rtlCol="0" anchor="ctr"/>
+          <a:lstStyle/>
+          <a:p>
+            <a:pPr algn="ctr"/>
+            <a:r>
+              <a:rPr lang="en-GB" sz="2000" dirty="0">
+                <a:solidFill>
+                  <a:schemeClr val="tx1"/>
+                </a:solidFill>
+              </a:rPr>
+              <a:t>What type of </a:t>
+            </a:r>
+            <a:r>
+              <a:rPr lang="en-GB" sz="2000" b="1" dirty="0">
+                <a:solidFill>
+                  <a:schemeClr val="tx1"/>
+                </a:solidFill>
+              </a:rPr>
+              <a:t>network</a:t>
+            </a:r>
+            <a:r>
+              <a:rPr lang="en-GB" sz="2000" dirty="0">
+                <a:solidFill>
+                  <a:schemeClr val="tx1"/>
+                </a:solidFill>
+              </a:rPr>
+              <a:t> are you using?</a:t>
+            </a:r>
+          </a:p>
+        </p:txBody>
+      </p:sp>
+      <p:sp>
+        <p:nvSpPr>
+          <p:cNvPr id="9" name="TextBox 8">
+            <a:extLst>
+              <a:ext uri="{FF2B5EF4-FFF2-40B4-BE49-F238E27FC236}">
+                <a16:creationId xmlns:a16="http://schemas.microsoft.com/office/drawing/2014/main" id="{1B919D91-FC0C-7368-90E2-67BC1C60183D}"/>
+              </a:ext>
+            </a:extLst>
+          </p:cNvPr>
+          <p:cNvSpPr txBox="1"/>
+          <p:nvPr/>
+        </p:nvSpPr>
+        <p:spPr>
+          <a:xfrm>
+            <a:off x="2455682" y="6373915"/>
+            <a:ext cx="942374" cy="400110"/>
+          </a:xfrm>
+          <a:prstGeom prst="rect">
+            <a:avLst/>
+          </a:prstGeom>
+          <a:noFill/>
+        </p:spPr>
+        <p:txBody>
+          <a:bodyPr wrap="none" rtlCol="0">
+            <a:spAutoFit/>
+          </a:bodyPr>
+          <a:lstStyle/>
+          <a:p>
+            <a:r>
+              <a:rPr lang="en-GB" sz="2000" dirty="0"/>
+              <a:t>Private</a:t>
+            </a:r>
+            <a:endParaRPr lang="en-GB" sz="2000" b="1" dirty="0"/>
+          </a:p>
+        </p:txBody>
+      </p:sp>
+      <p:cxnSp>
+        <p:nvCxnSpPr>
+          <p:cNvPr id="12" name="Straight Arrow Connector 11">
+            <a:extLst>
+              <a:ext uri="{FF2B5EF4-FFF2-40B4-BE49-F238E27FC236}">
+                <a16:creationId xmlns:a16="http://schemas.microsoft.com/office/drawing/2014/main" id="{926B9899-69C1-DC20-8EAB-50BDC2C23273}"/>
+              </a:ext>
+            </a:extLst>
+          </p:cNvPr>
+          <p:cNvCxnSpPr>
+            <a:cxnSpLocks/>
+            <a:stCxn id="5" idx="3"/>
+            <a:endCxn id="314" idx="1"/>
+          </p:cNvCxnSpPr>
+          <p:nvPr/>
+        </p:nvCxnSpPr>
+        <p:spPr>
+          <a:xfrm flipV="1">
+            <a:off x="3673878" y="5381076"/>
+            <a:ext cx="2632768" cy="5455"/>
+          </a:xfrm>
+          <a:prstGeom prst="straightConnector1">
+            <a:avLst/>
+          </a:prstGeom>
+          <a:ln>
+            <a:headEnd type="none" w="med" len="med"/>
+            <a:tailEnd type="arrow" w="med" len="med"/>
+          </a:ln>
+        </p:spPr>
+        <p:style>
+          <a:lnRef idx="2">
+            <a:schemeClr val="dk1"/>
+          </a:lnRef>
+          <a:fillRef idx="0">
+            <a:schemeClr val="dk1"/>
+          </a:fillRef>
+          <a:effectRef idx="1">
+            <a:schemeClr val="dk1"/>
+          </a:effectRef>
+          <a:fontRef idx="minor">
+            <a:schemeClr val="tx1"/>
+          </a:fontRef>
+        </p:style>
+      </p:cxnSp>
+      <p:sp>
+        <p:nvSpPr>
+          <p:cNvPr id="15" name="Rectangle 14">
+            <a:extLst>
+              <a:ext uri="{FF2B5EF4-FFF2-40B4-BE49-F238E27FC236}">
+                <a16:creationId xmlns:a16="http://schemas.microsoft.com/office/drawing/2014/main" id="{1EAFDDEE-0E21-A708-736B-D49DE6669369}"/>
+              </a:ext>
+            </a:extLst>
+          </p:cNvPr>
+          <p:cNvSpPr/>
+          <p:nvPr/>
+        </p:nvSpPr>
+        <p:spPr>
+          <a:xfrm>
+            <a:off x="1237491" y="6986883"/>
+            <a:ext cx="2436387" cy="1644960"/>
+          </a:xfrm>
+          <a:prstGeom prst="rect">
+            <a:avLst/>
+          </a:prstGeom>
+          <a:solidFill>
+            <a:schemeClr val="bg1">
+              <a:lumMod val="85000"/>
+            </a:schemeClr>
+          </a:solidFill>
+        </p:spPr>
+        <p:style>
+          <a:lnRef idx="2">
+            <a:schemeClr val="accent1">
+              <a:shade val="15000"/>
+            </a:schemeClr>
+          </a:lnRef>
+          <a:fillRef idx="1">
+            <a:schemeClr val="accent1"/>
+          </a:fillRef>
+          <a:effectRef idx="0">
+            <a:schemeClr val="accent1"/>
+          </a:effectRef>
+          <a:fontRef idx="minor">
+            <a:schemeClr val="lt1"/>
+          </a:fontRef>
+        </p:style>
+        <p:txBody>
+          <a:bodyPr rtlCol="0" anchor="ctr"/>
+          <a:lstStyle/>
+          <a:p>
+            <a:pPr algn="ctr"/>
+            <a:r>
+              <a:rPr lang="en-GB" sz="2000" dirty="0">
+                <a:solidFill>
+                  <a:schemeClr val="tx1"/>
+                </a:solidFill>
+              </a:rPr>
+              <a:t>Which type of </a:t>
+            </a:r>
+            <a:r>
+              <a:rPr lang="en-GB" sz="2000" b="1" dirty="0">
+                <a:solidFill>
+                  <a:schemeClr val="tx1"/>
+                </a:solidFill>
+              </a:rPr>
+              <a:t>VR headset</a:t>
+            </a:r>
+            <a:r>
+              <a:rPr lang="en-GB" sz="2000" dirty="0">
+                <a:solidFill>
+                  <a:schemeClr val="tx1"/>
+                </a:solidFill>
+              </a:rPr>
+              <a:t> are you using?</a:t>
+            </a:r>
+          </a:p>
+        </p:txBody>
+      </p:sp>
+      <p:cxnSp>
+        <p:nvCxnSpPr>
+          <p:cNvPr id="16" name="Straight Arrow Connector 15">
+            <a:extLst>
+              <a:ext uri="{FF2B5EF4-FFF2-40B4-BE49-F238E27FC236}">
+                <a16:creationId xmlns:a16="http://schemas.microsoft.com/office/drawing/2014/main" id="{235209DE-3AC7-AEA2-ED89-4975A1C0D3D4}"/>
+              </a:ext>
+            </a:extLst>
+          </p:cNvPr>
+          <p:cNvCxnSpPr>
+            <a:cxnSpLocks/>
+            <a:stCxn id="5" idx="2"/>
+            <a:endCxn id="15" idx="0"/>
+          </p:cNvCxnSpPr>
+          <p:nvPr/>
+        </p:nvCxnSpPr>
+        <p:spPr>
+          <a:xfrm>
+            <a:off x="2455684" y="6209011"/>
+            <a:ext cx="1" cy="777872"/>
+          </a:xfrm>
+          <a:prstGeom prst="straightConnector1">
+            <a:avLst/>
+          </a:prstGeom>
+          <a:ln>
+            <a:headEnd type="none" w="med" len="med"/>
+            <a:tailEnd type="arrow" w="med" len="med"/>
+          </a:ln>
+        </p:spPr>
+        <p:style>
+          <a:lnRef idx="2">
+            <a:schemeClr val="dk1"/>
+          </a:lnRef>
+          <a:fillRef idx="0">
+            <a:schemeClr val="dk1"/>
+          </a:fillRef>
+          <a:effectRef idx="1">
+            <a:schemeClr val="dk1"/>
+          </a:effectRef>
+          <a:fontRef idx="minor">
+            <a:schemeClr val="tx1"/>
+          </a:fontRef>
+        </p:style>
+      </p:cxnSp>
+      <p:sp>
+        <p:nvSpPr>
+          <p:cNvPr id="19" name="Rectangle 18">
+            <a:extLst>
+              <a:ext uri="{FF2B5EF4-FFF2-40B4-BE49-F238E27FC236}">
+                <a16:creationId xmlns:a16="http://schemas.microsoft.com/office/drawing/2014/main" id="{D2A92E3D-448A-A5B8-E6F4-384524ED1057}"/>
+              </a:ext>
+            </a:extLst>
+          </p:cNvPr>
+          <p:cNvSpPr/>
+          <p:nvPr/>
+        </p:nvSpPr>
+        <p:spPr>
+          <a:xfrm>
+            <a:off x="1237490" y="12185799"/>
+            <a:ext cx="2436386" cy="1093980"/>
+          </a:xfrm>
+          <a:prstGeom prst="rect">
+            <a:avLst/>
+          </a:prstGeom>
+          <a:solidFill>
+            <a:schemeClr val="accent2">
+              <a:lumMod val="40000"/>
+              <a:lumOff val="60000"/>
+            </a:schemeClr>
+          </a:solidFill>
+        </p:spPr>
+        <p:style>
+          <a:lnRef idx="2">
+            <a:schemeClr val="accent1">
+              <a:shade val="15000"/>
+            </a:schemeClr>
+          </a:lnRef>
+          <a:fillRef idx="1">
+            <a:schemeClr val="accent1"/>
+          </a:fillRef>
+          <a:effectRef idx="0">
+            <a:schemeClr val="accent1"/>
+          </a:effectRef>
+          <a:fontRef idx="minor">
+            <a:schemeClr val="lt1"/>
+          </a:fontRef>
+        </p:style>
+        <p:txBody>
+          <a:bodyPr rtlCol="0" anchor="ctr"/>
+          <a:lstStyle/>
+          <a:p>
+            <a:pPr algn="ctr"/>
+            <a:r>
+              <a:rPr lang="en-GB" sz="2000" dirty="0">
+                <a:solidFill>
+                  <a:schemeClr val="tx1"/>
+                </a:solidFill>
+              </a:rPr>
+              <a:t>You can choose a</a:t>
+            </a:r>
+            <a:r>
+              <a:rPr lang="en-GB" sz="2000" b="1" dirty="0">
+                <a:solidFill>
+                  <a:schemeClr val="tx1"/>
+                </a:solidFill>
+              </a:rPr>
+              <a:t> tethered or wireless </a:t>
+            </a:r>
+            <a:r>
+              <a:rPr lang="en-GB" sz="2000" dirty="0">
+                <a:solidFill>
+                  <a:schemeClr val="tx1"/>
+                </a:solidFill>
+              </a:rPr>
+              <a:t>setup.</a:t>
+            </a:r>
+          </a:p>
+        </p:txBody>
+      </p:sp>
+      <p:sp>
+        <p:nvSpPr>
+          <p:cNvPr id="24" name="TextBox 23">
+            <a:extLst>
+              <a:ext uri="{FF2B5EF4-FFF2-40B4-BE49-F238E27FC236}">
+                <a16:creationId xmlns:a16="http://schemas.microsoft.com/office/drawing/2014/main" id="{0A510DB6-C573-9104-CAAB-0035485EEB71}"/>
+              </a:ext>
+            </a:extLst>
+          </p:cNvPr>
+          <p:cNvSpPr txBox="1"/>
+          <p:nvPr/>
+        </p:nvSpPr>
+        <p:spPr>
+          <a:xfrm>
+            <a:off x="3776743" y="7442101"/>
+            <a:ext cx="920445" cy="400110"/>
+          </a:xfrm>
+          <a:prstGeom prst="rect">
+            <a:avLst/>
+          </a:prstGeom>
+          <a:noFill/>
+        </p:spPr>
+        <p:txBody>
+          <a:bodyPr wrap="none" rtlCol="0">
+            <a:spAutoFit/>
+          </a:bodyPr>
+          <a:lstStyle/>
+          <a:p>
+            <a:r>
+              <a:rPr lang="en-GB" sz="2000" dirty="0"/>
+              <a:t>Other</a:t>
+            </a:r>
+            <a:r>
+              <a:rPr lang="en-GB" sz="2000" b="1" i="0" baseline="30000" dirty="0">
+                <a:solidFill>
+                  <a:srgbClr val="040C28"/>
+                </a:solidFill>
+                <a:effectLst/>
+              </a:rPr>
+              <a:t>†</a:t>
+            </a:r>
+            <a:endParaRPr lang="en-GB" sz="2000" b="1" baseline="30000" dirty="0"/>
+          </a:p>
+        </p:txBody>
+      </p:sp>
+      <p:cxnSp>
+        <p:nvCxnSpPr>
+          <p:cNvPr id="26" name="Straight Arrow Connector 25">
+            <a:extLst>
+              <a:ext uri="{FF2B5EF4-FFF2-40B4-BE49-F238E27FC236}">
+                <a16:creationId xmlns:a16="http://schemas.microsoft.com/office/drawing/2014/main" id="{B4679F37-C6D4-6A1D-0567-7B9D67A33907}"/>
+              </a:ext>
+            </a:extLst>
+          </p:cNvPr>
+          <p:cNvCxnSpPr>
+            <a:cxnSpLocks/>
+            <a:stCxn id="15" idx="3"/>
+            <a:endCxn id="277" idx="1"/>
+          </p:cNvCxnSpPr>
+          <p:nvPr/>
+        </p:nvCxnSpPr>
+        <p:spPr>
+          <a:xfrm>
+            <a:off x="3673878" y="7809363"/>
+            <a:ext cx="1150908" cy="6507"/>
+          </a:xfrm>
+          <a:prstGeom prst="straightConnector1">
+            <a:avLst/>
+          </a:prstGeom>
+          <a:ln>
+            <a:headEnd type="none" w="med" len="med"/>
+            <a:tailEnd type="arrow" w="med" len="med"/>
+          </a:ln>
+        </p:spPr>
+        <p:style>
+          <a:lnRef idx="2">
+            <a:schemeClr val="dk1"/>
+          </a:lnRef>
+          <a:fillRef idx="0">
+            <a:schemeClr val="dk1"/>
+          </a:fillRef>
+          <a:effectRef idx="1">
+            <a:schemeClr val="dk1"/>
+          </a:effectRef>
+          <a:fontRef idx="minor">
+            <a:schemeClr val="tx1"/>
+          </a:fontRef>
+        </p:style>
+      </p:cxnSp>
+      <p:sp>
+        <p:nvSpPr>
+          <p:cNvPr id="29" name="TextBox 28">
+            <a:extLst>
+              <a:ext uri="{FF2B5EF4-FFF2-40B4-BE49-F238E27FC236}">
+                <a16:creationId xmlns:a16="http://schemas.microsoft.com/office/drawing/2014/main" id="{4D859BB7-BEE1-CF6A-BF53-B561B421A0BD}"/>
+              </a:ext>
+            </a:extLst>
+          </p:cNvPr>
+          <p:cNvSpPr txBox="1"/>
+          <p:nvPr/>
+        </p:nvSpPr>
+        <p:spPr>
+          <a:xfrm>
+            <a:off x="1226608" y="8764555"/>
+            <a:ext cx="1205582" cy="707886"/>
+          </a:xfrm>
+          <a:prstGeom prst="rect">
+            <a:avLst/>
+          </a:prstGeom>
+          <a:noFill/>
+        </p:spPr>
+        <p:txBody>
+          <a:bodyPr wrap="square" rtlCol="0">
+            <a:spAutoFit/>
+          </a:bodyPr>
+          <a:lstStyle/>
+          <a:p>
+            <a:pPr algn="r"/>
+            <a:r>
+              <a:rPr lang="en-GB" sz="2000" dirty="0"/>
+              <a:t>Any Meta Quest</a:t>
+            </a:r>
+          </a:p>
+        </p:txBody>
+      </p:sp>
+      <p:sp>
+        <p:nvSpPr>
+          <p:cNvPr id="38" name="TextBox 37">
+            <a:extLst>
+              <a:ext uri="{FF2B5EF4-FFF2-40B4-BE49-F238E27FC236}">
+                <a16:creationId xmlns:a16="http://schemas.microsoft.com/office/drawing/2014/main" id="{50AD24AF-4564-D938-2BE1-3F69D5C62F17}"/>
+              </a:ext>
+            </a:extLst>
+          </p:cNvPr>
+          <p:cNvSpPr txBox="1"/>
+          <p:nvPr/>
+        </p:nvSpPr>
+        <p:spPr>
+          <a:xfrm>
+            <a:off x="3790863" y="4878699"/>
+            <a:ext cx="2398798" cy="1015663"/>
+          </a:xfrm>
+          <a:prstGeom prst="rect">
+            <a:avLst/>
+          </a:prstGeom>
+          <a:noFill/>
+        </p:spPr>
+        <p:txBody>
+          <a:bodyPr wrap="none" rtlCol="0">
+            <a:spAutoFit/>
+          </a:bodyPr>
+          <a:lstStyle/>
+          <a:p>
+            <a:pPr algn="ctr"/>
+            <a:r>
+              <a:rPr lang="en-GB" sz="2000" dirty="0"/>
+              <a:t>Public / Institutional</a:t>
+            </a:r>
+          </a:p>
+          <a:p>
+            <a:pPr algn="ctr"/>
+            <a:br>
+              <a:rPr lang="en-GB" sz="2000" dirty="0"/>
+            </a:br>
+            <a:r>
+              <a:rPr lang="en-GB" sz="2000" dirty="0"/>
+              <a:t>e.g. Eduroam</a:t>
+            </a:r>
+          </a:p>
+        </p:txBody>
+      </p:sp>
+      <p:sp>
+        <p:nvSpPr>
+          <p:cNvPr id="40" name="TextBox 39">
+            <a:extLst>
+              <a:ext uri="{FF2B5EF4-FFF2-40B4-BE49-F238E27FC236}">
+                <a16:creationId xmlns:a16="http://schemas.microsoft.com/office/drawing/2014/main" id="{026E36F0-35D8-4E3A-EE82-977CCCA6EB0F}"/>
+              </a:ext>
+            </a:extLst>
+          </p:cNvPr>
+          <p:cNvSpPr txBox="1"/>
+          <p:nvPr/>
+        </p:nvSpPr>
+        <p:spPr>
+          <a:xfrm>
+            <a:off x="8697192" y="9707619"/>
+            <a:ext cx="1756246" cy="707886"/>
+          </a:xfrm>
+          <a:prstGeom prst="rect">
+            <a:avLst/>
+          </a:prstGeom>
+          <a:noFill/>
+        </p:spPr>
+        <p:txBody>
+          <a:bodyPr wrap="square" rtlCol="0">
+            <a:spAutoFit/>
+          </a:bodyPr>
+          <a:lstStyle/>
+          <a:p>
+            <a:pPr algn="ctr"/>
+            <a:r>
+              <a:rPr lang="en-GB" sz="2000" dirty="0"/>
+              <a:t>Single-</a:t>
+            </a:r>
+          </a:p>
+          <a:p>
+            <a:pPr algn="ctr"/>
+            <a:r>
+              <a:rPr lang="en-GB" sz="2000" dirty="0"/>
+              <a:t>person</a:t>
+            </a:r>
+          </a:p>
+        </p:txBody>
+      </p:sp>
+      <p:sp>
+        <p:nvSpPr>
+          <p:cNvPr id="42" name="Rectangle 41">
+            <a:extLst>
+              <a:ext uri="{FF2B5EF4-FFF2-40B4-BE49-F238E27FC236}">
+                <a16:creationId xmlns:a16="http://schemas.microsoft.com/office/drawing/2014/main" id="{A14A1D4B-5AA1-522A-397C-D1964657C751}"/>
+              </a:ext>
+            </a:extLst>
+          </p:cNvPr>
+          <p:cNvSpPr/>
+          <p:nvPr/>
+        </p:nvSpPr>
+        <p:spPr>
+          <a:xfrm>
+            <a:off x="10402377" y="12004216"/>
+            <a:ext cx="2663685" cy="1554111"/>
+          </a:xfrm>
+          <a:prstGeom prst="rect">
+            <a:avLst/>
+          </a:prstGeom>
+          <a:solidFill>
+            <a:schemeClr val="accent2">
+              <a:lumMod val="40000"/>
+              <a:lumOff val="60000"/>
+            </a:schemeClr>
+          </a:solidFill>
+        </p:spPr>
+        <p:style>
+          <a:lnRef idx="2">
+            <a:schemeClr val="accent1">
+              <a:shade val="15000"/>
+            </a:schemeClr>
+          </a:lnRef>
+          <a:fillRef idx="1">
+            <a:schemeClr val="accent1"/>
+          </a:fillRef>
+          <a:effectRef idx="0">
+            <a:schemeClr val="accent1"/>
+          </a:effectRef>
+          <a:fontRef idx="minor">
+            <a:schemeClr val="lt1"/>
+          </a:fontRef>
+        </p:style>
+        <p:txBody>
+          <a:bodyPr rtlCol="0" anchor="ctr"/>
+          <a:lstStyle/>
+          <a:p>
+            <a:pPr algn="ctr"/>
+            <a:r>
+              <a:rPr lang="en-GB" sz="2000" dirty="0">
+                <a:solidFill>
+                  <a:schemeClr val="tx1"/>
+                </a:solidFill>
+              </a:rPr>
+              <a:t>You must use a </a:t>
+            </a:r>
+            <a:r>
+              <a:rPr lang="en-GB" sz="2000" b="1" dirty="0">
+                <a:solidFill>
+                  <a:schemeClr val="tx1"/>
+                </a:solidFill>
+              </a:rPr>
+              <a:t>tethered</a:t>
+            </a:r>
+            <a:r>
+              <a:rPr lang="en-GB" sz="2000" dirty="0">
+                <a:solidFill>
+                  <a:schemeClr val="tx1"/>
+                </a:solidFill>
+              </a:rPr>
+              <a:t> setup, such as Meta Quest Link or SteamVR.</a:t>
+            </a:r>
+          </a:p>
+        </p:txBody>
+      </p:sp>
+      <p:sp>
+        <p:nvSpPr>
+          <p:cNvPr id="44" name="TextBox 43">
+            <a:extLst>
+              <a:ext uri="{FF2B5EF4-FFF2-40B4-BE49-F238E27FC236}">
+                <a16:creationId xmlns:a16="http://schemas.microsoft.com/office/drawing/2014/main" id="{9A2DFD34-E640-EEAD-3436-DD63DC7A9817}"/>
+              </a:ext>
+            </a:extLst>
+          </p:cNvPr>
+          <p:cNvSpPr txBox="1"/>
+          <p:nvPr/>
+        </p:nvSpPr>
+        <p:spPr>
+          <a:xfrm>
+            <a:off x="7548554" y="11148924"/>
+            <a:ext cx="1155922" cy="707886"/>
+          </a:xfrm>
+          <a:prstGeom prst="rect">
+            <a:avLst/>
+          </a:prstGeom>
+          <a:noFill/>
+        </p:spPr>
+        <p:txBody>
+          <a:bodyPr wrap="square" rtlCol="0">
+            <a:spAutoFit/>
+          </a:bodyPr>
+          <a:lstStyle/>
+          <a:p>
+            <a:r>
+              <a:rPr lang="en-GB" sz="2000" dirty="0"/>
+              <a:t>Multi-person</a:t>
+            </a:r>
+          </a:p>
+        </p:txBody>
+      </p:sp>
+      <p:sp>
+        <p:nvSpPr>
+          <p:cNvPr id="52" name="Rectangle 51">
+            <a:extLst>
+              <a:ext uri="{FF2B5EF4-FFF2-40B4-BE49-F238E27FC236}">
+                <a16:creationId xmlns:a16="http://schemas.microsoft.com/office/drawing/2014/main" id="{0FC5A7EE-B148-0368-C995-579A86B17CD8}"/>
+              </a:ext>
+            </a:extLst>
+          </p:cNvPr>
+          <p:cNvSpPr/>
+          <p:nvPr/>
+        </p:nvSpPr>
+        <p:spPr>
+          <a:xfrm>
+            <a:off x="1237490" y="2252064"/>
+            <a:ext cx="2436388" cy="1644960"/>
+          </a:xfrm>
+          <a:prstGeom prst="rect">
+            <a:avLst/>
+          </a:prstGeom>
+          <a:solidFill>
+            <a:schemeClr val="bg1">
+              <a:lumMod val="85000"/>
+            </a:schemeClr>
+          </a:solidFill>
+        </p:spPr>
+        <p:style>
+          <a:lnRef idx="2">
+            <a:schemeClr val="accent1">
+              <a:shade val="15000"/>
+            </a:schemeClr>
+          </a:lnRef>
+          <a:fillRef idx="1">
+            <a:schemeClr val="accent1"/>
+          </a:fillRef>
+          <a:effectRef idx="0">
+            <a:schemeClr val="accent1"/>
+          </a:effectRef>
+          <a:fontRef idx="minor">
+            <a:schemeClr val="lt1"/>
+          </a:fontRef>
+        </p:style>
+        <p:txBody>
+          <a:bodyPr rtlCol="0" anchor="ctr"/>
+          <a:lstStyle/>
+          <a:p>
+            <a:pPr algn="ctr"/>
+            <a:r>
+              <a:rPr lang="en-GB" sz="2000" dirty="0">
+                <a:solidFill>
+                  <a:schemeClr val="tx1"/>
+                </a:solidFill>
+              </a:rPr>
+              <a:t>Which </a:t>
+            </a:r>
+            <a:r>
+              <a:rPr lang="en-GB" sz="2000" b="1" dirty="0">
+                <a:solidFill>
+                  <a:schemeClr val="tx1"/>
+                </a:solidFill>
+              </a:rPr>
+              <a:t>operating system</a:t>
+            </a:r>
+            <a:r>
+              <a:rPr lang="en-GB" sz="2000" dirty="0">
+                <a:solidFill>
+                  <a:schemeClr val="tx1"/>
+                </a:solidFill>
+              </a:rPr>
+              <a:t> are you using?</a:t>
+            </a:r>
+          </a:p>
+        </p:txBody>
+      </p:sp>
+      <p:cxnSp>
+        <p:nvCxnSpPr>
+          <p:cNvPr id="53" name="Straight Arrow Connector 52">
+            <a:extLst>
+              <a:ext uri="{FF2B5EF4-FFF2-40B4-BE49-F238E27FC236}">
+                <a16:creationId xmlns:a16="http://schemas.microsoft.com/office/drawing/2014/main" id="{C54EEBD3-28EB-9784-419E-34A411BC041E}"/>
+              </a:ext>
+            </a:extLst>
+          </p:cNvPr>
+          <p:cNvCxnSpPr>
+            <a:cxnSpLocks/>
+            <a:stCxn id="52" idx="2"/>
+            <a:endCxn id="5" idx="0"/>
+          </p:cNvCxnSpPr>
+          <p:nvPr/>
+        </p:nvCxnSpPr>
+        <p:spPr>
+          <a:xfrm>
+            <a:off x="2455684" y="3897024"/>
+            <a:ext cx="0" cy="667027"/>
+          </a:xfrm>
+          <a:prstGeom prst="straightConnector1">
+            <a:avLst/>
+          </a:prstGeom>
+          <a:ln>
+            <a:headEnd type="none" w="med" len="med"/>
+            <a:tailEnd type="arrow" w="med" len="med"/>
+          </a:ln>
+        </p:spPr>
+        <p:style>
+          <a:lnRef idx="2">
+            <a:schemeClr val="dk1"/>
+          </a:lnRef>
+          <a:fillRef idx="0">
+            <a:schemeClr val="dk1"/>
+          </a:fillRef>
+          <a:effectRef idx="1">
+            <a:schemeClr val="dk1"/>
+          </a:effectRef>
+          <a:fontRef idx="minor">
+            <a:schemeClr val="tx1"/>
+          </a:fontRef>
+        </p:style>
+      </p:cxnSp>
+      <p:sp>
+        <p:nvSpPr>
+          <p:cNvPr id="56" name="TextBox 55">
+            <a:extLst>
+              <a:ext uri="{FF2B5EF4-FFF2-40B4-BE49-F238E27FC236}">
+                <a16:creationId xmlns:a16="http://schemas.microsoft.com/office/drawing/2014/main" id="{9398C94E-A74A-D10C-095D-9AE7266F22CC}"/>
+              </a:ext>
+            </a:extLst>
+          </p:cNvPr>
+          <p:cNvSpPr txBox="1"/>
+          <p:nvPr/>
+        </p:nvSpPr>
+        <p:spPr>
+          <a:xfrm>
+            <a:off x="2455682" y="4022141"/>
+            <a:ext cx="1206612" cy="400110"/>
+          </a:xfrm>
+          <a:prstGeom prst="rect">
+            <a:avLst/>
+          </a:prstGeom>
+          <a:noFill/>
+        </p:spPr>
+        <p:txBody>
+          <a:bodyPr wrap="none" rtlCol="0">
+            <a:spAutoFit/>
+          </a:bodyPr>
+          <a:lstStyle/>
+          <a:p>
+            <a:r>
+              <a:rPr lang="en-GB" sz="2000" dirty="0"/>
+              <a:t>Windows</a:t>
+            </a:r>
+          </a:p>
+        </p:txBody>
+      </p:sp>
+      <p:cxnSp>
+        <p:nvCxnSpPr>
+          <p:cNvPr id="57" name="Straight Arrow Connector 56">
+            <a:extLst>
+              <a:ext uri="{FF2B5EF4-FFF2-40B4-BE49-F238E27FC236}">
+                <a16:creationId xmlns:a16="http://schemas.microsoft.com/office/drawing/2014/main" id="{C2C88BF7-142B-C3FC-489F-7EEDAA2ED7A9}"/>
+              </a:ext>
+            </a:extLst>
+          </p:cNvPr>
+          <p:cNvCxnSpPr>
+            <a:cxnSpLocks/>
+            <a:stCxn id="52" idx="3"/>
+            <a:endCxn id="61" idx="1"/>
+          </p:cNvCxnSpPr>
+          <p:nvPr/>
+        </p:nvCxnSpPr>
+        <p:spPr>
+          <a:xfrm>
+            <a:off x="3673878" y="3074544"/>
+            <a:ext cx="1792328" cy="1"/>
+          </a:xfrm>
+          <a:prstGeom prst="straightConnector1">
+            <a:avLst/>
+          </a:prstGeom>
+          <a:ln>
+            <a:headEnd type="none" w="med" len="med"/>
+            <a:tailEnd type="arrow" w="med" len="med"/>
+          </a:ln>
+        </p:spPr>
+        <p:style>
+          <a:lnRef idx="2">
+            <a:schemeClr val="dk1"/>
+          </a:lnRef>
+          <a:fillRef idx="0">
+            <a:schemeClr val="dk1"/>
+          </a:fillRef>
+          <a:effectRef idx="1">
+            <a:schemeClr val="dk1"/>
+          </a:effectRef>
+          <a:fontRef idx="minor">
+            <a:schemeClr val="tx1"/>
+          </a:fontRef>
+        </p:style>
+      </p:cxnSp>
+      <p:sp>
+        <p:nvSpPr>
+          <p:cNvPr id="61" name="Rectangle 60">
+            <a:extLst>
+              <a:ext uri="{FF2B5EF4-FFF2-40B4-BE49-F238E27FC236}">
+                <a16:creationId xmlns:a16="http://schemas.microsoft.com/office/drawing/2014/main" id="{340C4477-8A90-8A8C-65B7-202314C3ABCC}"/>
+              </a:ext>
+            </a:extLst>
+          </p:cNvPr>
+          <p:cNvSpPr/>
+          <p:nvPr/>
+        </p:nvSpPr>
+        <p:spPr>
+          <a:xfrm>
+            <a:off x="5466206" y="2252065"/>
+            <a:ext cx="7599855" cy="1644960"/>
+          </a:xfrm>
+          <a:prstGeom prst="rect">
+            <a:avLst/>
+          </a:prstGeom>
+          <a:solidFill>
+            <a:schemeClr val="accent2">
+              <a:lumMod val="40000"/>
+              <a:lumOff val="60000"/>
+            </a:schemeClr>
+          </a:solidFill>
+        </p:spPr>
+        <p:style>
+          <a:lnRef idx="2">
+            <a:schemeClr val="accent1">
+              <a:shade val="15000"/>
+            </a:schemeClr>
+          </a:lnRef>
+          <a:fillRef idx="1">
+            <a:schemeClr val="accent1"/>
+          </a:fillRef>
+          <a:effectRef idx="0">
+            <a:schemeClr val="accent1"/>
+          </a:effectRef>
+          <a:fontRef idx="minor">
+            <a:schemeClr val="lt1"/>
+          </a:fontRef>
+        </p:style>
+        <p:txBody>
+          <a:bodyPr rtlCol="0" anchor="ctr"/>
+          <a:lstStyle/>
+          <a:p>
+            <a:pPr algn="ctr"/>
+            <a:r>
+              <a:rPr lang="en-GB" sz="2000" dirty="0">
+                <a:solidFill>
+                  <a:schemeClr val="tx1"/>
+                </a:solidFill>
+              </a:rPr>
+              <a:t>You will need to run the app </a:t>
+            </a:r>
+            <a:r>
+              <a:rPr lang="en-GB" sz="2000" b="1" dirty="0">
+                <a:solidFill>
+                  <a:schemeClr val="tx1"/>
+                </a:solidFill>
+              </a:rPr>
+              <a:t>locally on a Meta Quest</a:t>
+            </a:r>
+            <a:r>
+              <a:rPr lang="en-GB" sz="2000" dirty="0">
+                <a:solidFill>
+                  <a:schemeClr val="tx1"/>
+                </a:solidFill>
+              </a:rPr>
+              <a:t> headset (you cannot run PC-VR).</a:t>
+            </a:r>
+          </a:p>
+          <a:p>
+            <a:pPr algn="ctr"/>
+            <a:br>
+              <a:rPr lang="en-GB" sz="2000" dirty="0">
+                <a:solidFill>
+                  <a:schemeClr val="tx1"/>
+                </a:solidFill>
+              </a:rPr>
+            </a:br>
+            <a:r>
+              <a:rPr lang="en-GB" sz="2000" dirty="0">
+                <a:solidFill>
+                  <a:schemeClr val="tx1"/>
+                </a:solidFill>
+              </a:rPr>
+              <a:t> You must meet the </a:t>
+            </a:r>
+            <a:r>
+              <a:rPr lang="en-GB" sz="2000" b="1" dirty="0">
+                <a:solidFill>
+                  <a:schemeClr val="tx1"/>
+                </a:solidFill>
+              </a:rPr>
+              <a:t>requirements for a wireless setup*</a:t>
+            </a:r>
+            <a:r>
+              <a:rPr lang="en-GB" sz="2000" dirty="0">
+                <a:solidFill>
+                  <a:schemeClr val="tx1"/>
+                </a:solidFill>
+              </a:rPr>
+              <a:t>.</a:t>
+            </a:r>
+          </a:p>
+        </p:txBody>
+      </p:sp>
+      <p:sp>
+        <p:nvSpPr>
+          <p:cNvPr id="64" name="TextBox 63">
+            <a:extLst>
+              <a:ext uri="{FF2B5EF4-FFF2-40B4-BE49-F238E27FC236}">
+                <a16:creationId xmlns:a16="http://schemas.microsoft.com/office/drawing/2014/main" id="{F1DB31A6-A394-9581-35E2-1B45D8C8135E}"/>
+              </a:ext>
+            </a:extLst>
+          </p:cNvPr>
+          <p:cNvSpPr txBox="1"/>
+          <p:nvPr/>
+        </p:nvSpPr>
+        <p:spPr>
+          <a:xfrm>
+            <a:off x="4048104" y="2357147"/>
+            <a:ext cx="1043876" cy="707886"/>
+          </a:xfrm>
+          <a:prstGeom prst="rect">
+            <a:avLst/>
+          </a:prstGeom>
+          <a:noFill/>
+        </p:spPr>
+        <p:txBody>
+          <a:bodyPr wrap="none" rtlCol="0">
+            <a:spAutoFit/>
+          </a:bodyPr>
+          <a:lstStyle/>
+          <a:p>
+            <a:pPr algn="ctr"/>
+            <a:r>
+              <a:rPr lang="en-GB" sz="2000" dirty="0"/>
+              <a:t>MacOS </a:t>
+            </a:r>
+            <a:br>
+              <a:rPr lang="en-GB" sz="2000" dirty="0"/>
+            </a:br>
+            <a:r>
+              <a:rPr lang="en-GB" sz="2000" dirty="0"/>
+              <a:t>/ Linux</a:t>
+            </a:r>
+            <a:endParaRPr lang="en-GB" sz="2000" b="1" dirty="0"/>
+          </a:p>
+        </p:txBody>
+      </p:sp>
+      <p:cxnSp>
+        <p:nvCxnSpPr>
+          <p:cNvPr id="214" name="Connector: Elbow 213">
+            <a:extLst>
+              <a:ext uri="{FF2B5EF4-FFF2-40B4-BE49-F238E27FC236}">
+                <a16:creationId xmlns:a16="http://schemas.microsoft.com/office/drawing/2014/main" id="{23F45CB1-F915-2592-A1C7-9FD48B78FDD7}"/>
+              </a:ext>
+            </a:extLst>
+          </p:cNvPr>
+          <p:cNvCxnSpPr>
+            <a:cxnSpLocks/>
+            <a:stCxn id="4" idx="3"/>
+            <a:endCxn id="324" idx="1"/>
+          </p:cNvCxnSpPr>
+          <p:nvPr/>
+        </p:nvCxnSpPr>
+        <p:spPr>
+          <a:xfrm>
+            <a:off x="8853347" y="10450094"/>
+            <a:ext cx="1549927" cy="0"/>
+          </a:xfrm>
+          <a:prstGeom prst="straightConnector1">
+            <a:avLst/>
+          </a:prstGeom>
+          <a:ln>
+            <a:headEnd type="none" w="med" len="med"/>
+            <a:tailEnd type="arrow" w="med" len="med"/>
+          </a:ln>
+        </p:spPr>
+        <p:style>
+          <a:lnRef idx="2">
+            <a:schemeClr val="dk1"/>
+          </a:lnRef>
+          <a:fillRef idx="0">
+            <a:schemeClr val="dk1"/>
+          </a:fillRef>
+          <a:effectRef idx="1">
+            <a:schemeClr val="dk1"/>
+          </a:effectRef>
+          <a:fontRef idx="minor">
+            <a:schemeClr val="tx1"/>
+          </a:fontRef>
+        </p:style>
+      </p:cxnSp>
+      <p:cxnSp>
+        <p:nvCxnSpPr>
+          <p:cNvPr id="242" name="Connector: Elbow 241">
+            <a:extLst>
+              <a:ext uri="{FF2B5EF4-FFF2-40B4-BE49-F238E27FC236}">
+                <a16:creationId xmlns:a16="http://schemas.microsoft.com/office/drawing/2014/main" id="{41120B5F-F708-A6F2-F648-80267F4FED55}"/>
+              </a:ext>
+            </a:extLst>
+          </p:cNvPr>
+          <p:cNvCxnSpPr>
+            <a:cxnSpLocks/>
+            <a:stCxn id="15" idx="2"/>
+            <a:endCxn id="305" idx="0"/>
+          </p:cNvCxnSpPr>
+          <p:nvPr/>
+        </p:nvCxnSpPr>
+        <p:spPr>
+          <a:xfrm flipH="1">
+            <a:off x="2455683" y="8631843"/>
+            <a:ext cx="2" cy="998412"/>
+          </a:xfrm>
+          <a:prstGeom prst="straightConnector1">
+            <a:avLst/>
+          </a:prstGeom>
+          <a:ln>
+            <a:headEnd type="none" w="med" len="med"/>
+            <a:tailEnd type="arrow" w="med" len="med"/>
+          </a:ln>
+        </p:spPr>
+        <p:style>
+          <a:lnRef idx="2">
+            <a:schemeClr val="dk1"/>
+          </a:lnRef>
+          <a:fillRef idx="0">
+            <a:schemeClr val="dk1"/>
+          </a:fillRef>
+          <a:effectRef idx="1">
+            <a:schemeClr val="dk1"/>
+          </a:effectRef>
+          <a:fontRef idx="minor">
+            <a:schemeClr val="tx1"/>
+          </a:fontRef>
+        </p:style>
+      </p:cxnSp>
+      <p:sp>
+        <p:nvSpPr>
+          <p:cNvPr id="277" name="Rectangle 276">
+            <a:extLst>
+              <a:ext uri="{FF2B5EF4-FFF2-40B4-BE49-F238E27FC236}">
+                <a16:creationId xmlns:a16="http://schemas.microsoft.com/office/drawing/2014/main" id="{3115CC88-6263-38C2-0D3E-003BDACFE043}"/>
+              </a:ext>
+            </a:extLst>
+          </p:cNvPr>
+          <p:cNvSpPr/>
+          <p:nvPr/>
+        </p:nvSpPr>
+        <p:spPr>
+          <a:xfrm>
+            <a:off x="4824786" y="7186210"/>
+            <a:ext cx="2279745" cy="1259320"/>
+          </a:xfrm>
+          <a:prstGeom prst="rect">
+            <a:avLst/>
+          </a:prstGeom>
+          <a:solidFill>
+            <a:srgbClr val="2596BE">
+              <a:alpha val="30196"/>
+            </a:srgbClr>
+          </a:solidFill>
+        </p:spPr>
+        <p:style>
+          <a:lnRef idx="2">
+            <a:schemeClr val="accent1">
+              <a:shade val="15000"/>
+            </a:schemeClr>
+          </a:lnRef>
+          <a:fillRef idx="1">
+            <a:schemeClr val="accent1"/>
+          </a:fillRef>
+          <a:effectRef idx="0">
+            <a:schemeClr val="accent1"/>
+          </a:effectRef>
+          <a:fontRef idx="minor">
+            <a:schemeClr val="lt1"/>
+          </a:fontRef>
+        </p:style>
+        <p:txBody>
+          <a:bodyPr rtlCol="0" anchor="ctr"/>
+          <a:lstStyle/>
+          <a:p>
+            <a:pPr algn="ctr"/>
+            <a:r>
+              <a:rPr lang="en-GB" sz="2000" dirty="0">
+                <a:solidFill>
+                  <a:schemeClr val="tx1"/>
+                </a:solidFill>
+              </a:rPr>
+              <a:t>You will need to use a </a:t>
+            </a:r>
+            <a:r>
+              <a:rPr lang="en-GB" sz="2000" b="1" dirty="0">
+                <a:solidFill>
+                  <a:schemeClr val="tx1"/>
+                </a:solidFill>
+              </a:rPr>
+              <a:t>PC-VR </a:t>
+            </a:r>
+            <a:r>
+              <a:rPr lang="en-GB" sz="2000" dirty="0">
+                <a:solidFill>
+                  <a:schemeClr val="tx1"/>
+                </a:solidFill>
+              </a:rPr>
+              <a:t>setup</a:t>
+            </a:r>
+            <a:r>
+              <a:rPr lang="en-GB" sz="2000" b="1" dirty="0">
+                <a:solidFill>
+                  <a:schemeClr val="tx1"/>
+                </a:solidFill>
+              </a:rPr>
+              <a:t> via SteamVR</a:t>
+            </a:r>
+            <a:r>
+              <a:rPr lang="en-GB" sz="2000" dirty="0">
+                <a:solidFill>
+                  <a:schemeClr val="tx1"/>
+                </a:solidFill>
+              </a:rPr>
+              <a:t>.</a:t>
+            </a:r>
+          </a:p>
+        </p:txBody>
+      </p:sp>
+      <p:sp>
+        <p:nvSpPr>
+          <p:cNvPr id="305" name="Rectangle 304">
+            <a:extLst>
+              <a:ext uri="{FF2B5EF4-FFF2-40B4-BE49-F238E27FC236}">
+                <a16:creationId xmlns:a16="http://schemas.microsoft.com/office/drawing/2014/main" id="{E93FBCF3-1541-0A07-BEC4-E6C4601835E9}"/>
+              </a:ext>
+            </a:extLst>
+          </p:cNvPr>
+          <p:cNvSpPr/>
+          <p:nvPr/>
+        </p:nvSpPr>
+        <p:spPr>
+          <a:xfrm>
+            <a:off x="1237490" y="9630255"/>
+            <a:ext cx="2436386" cy="1644960"/>
+          </a:xfrm>
+          <a:prstGeom prst="rect">
+            <a:avLst/>
+          </a:prstGeom>
+          <a:solidFill>
+            <a:schemeClr val="bg1">
+              <a:lumMod val="85000"/>
+            </a:schemeClr>
+          </a:solidFill>
+        </p:spPr>
+        <p:style>
+          <a:lnRef idx="2">
+            <a:schemeClr val="accent1">
+              <a:shade val="15000"/>
+            </a:schemeClr>
+          </a:lnRef>
+          <a:fillRef idx="1">
+            <a:schemeClr val="accent1"/>
+          </a:fillRef>
+          <a:effectRef idx="0">
+            <a:schemeClr val="accent1"/>
+          </a:effectRef>
+          <a:fontRef idx="minor">
+            <a:schemeClr val="lt1"/>
+          </a:fontRef>
+        </p:style>
+        <p:txBody>
+          <a:bodyPr rtlCol="0" anchor="ctr"/>
+          <a:lstStyle/>
+          <a:p>
+            <a:pPr algn="ctr"/>
+            <a:r>
+              <a:rPr lang="en-GB" sz="2000" dirty="0">
+                <a:solidFill>
+                  <a:schemeClr val="tx1"/>
+                </a:solidFill>
+              </a:rPr>
+              <a:t>Do you have a </a:t>
+            </a:r>
+            <a:r>
+              <a:rPr lang="en-GB" sz="2000" b="1" dirty="0">
+                <a:solidFill>
+                  <a:schemeClr val="tx1"/>
+                </a:solidFill>
+              </a:rPr>
+              <a:t>strong and stable internet connection</a:t>
+            </a:r>
+            <a:r>
+              <a:rPr lang="en-GB" sz="2000" dirty="0">
+                <a:solidFill>
+                  <a:schemeClr val="tx1"/>
+                </a:solidFill>
+              </a:rPr>
+              <a:t>?</a:t>
+            </a:r>
+          </a:p>
+        </p:txBody>
+      </p:sp>
+      <p:sp>
+        <p:nvSpPr>
+          <p:cNvPr id="314" name="Rectangle 313">
+            <a:extLst>
+              <a:ext uri="{FF2B5EF4-FFF2-40B4-BE49-F238E27FC236}">
+                <a16:creationId xmlns:a16="http://schemas.microsoft.com/office/drawing/2014/main" id="{6FF04236-50E5-8739-1895-3CA914FEB9DF}"/>
+              </a:ext>
+            </a:extLst>
+          </p:cNvPr>
+          <p:cNvSpPr/>
+          <p:nvPr/>
+        </p:nvSpPr>
+        <p:spPr>
+          <a:xfrm>
+            <a:off x="6306646" y="4558596"/>
+            <a:ext cx="2436388" cy="1644960"/>
+          </a:xfrm>
+          <a:prstGeom prst="rect">
+            <a:avLst/>
+          </a:prstGeom>
+          <a:solidFill>
+            <a:srgbClr val="2596BE">
+              <a:alpha val="30196"/>
+            </a:srgbClr>
+          </a:solidFill>
+        </p:spPr>
+        <p:style>
+          <a:lnRef idx="2">
+            <a:schemeClr val="accent1">
+              <a:shade val="15000"/>
+            </a:schemeClr>
+          </a:lnRef>
+          <a:fillRef idx="1">
+            <a:schemeClr val="accent1"/>
+          </a:fillRef>
+          <a:effectRef idx="0">
+            <a:schemeClr val="accent1"/>
+          </a:effectRef>
+          <a:fontRef idx="minor">
+            <a:schemeClr val="lt1"/>
+          </a:fontRef>
+        </p:style>
+        <p:txBody>
+          <a:bodyPr rtlCol="0" anchor="ctr"/>
+          <a:lstStyle/>
+          <a:p>
+            <a:pPr algn="ctr"/>
+            <a:r>
+              <a:rPr lang="en-GB" sz="2000" dirty="0">
+                <a:solidFill>
+                  <a:schemeClr val="tx1"/>
+                </a:solidFill>
+              </a:rPr>
+              <a:t>You will need to use a cable to connect your VR headset to your computer (</a:t>
+            </a:r>
+            <a:r>
+              <a:rPr lang="en-GB" sz="2000" b="1" dirty="0">
+                <a:solidFill>
+                  <a:schemeClr val="tx1"/>
+                </a:solidFill>
+              </a:rPr>
+              <a:t>tethered</a:t>
+            </a:r>
+            <a:r>
+              <a:rPr lang="en-GB" sz="2000" dirty="0">
+                <a:solidFill>
+                  <a:schemeClr val="tx1"/>
+                </a:solidFill>
+              </a:rPr>
+              <a:t>).</a:t>
+            </a:r>
+          </a:p>
+        </p:txBody>
+      </p:sp>
+      <p:cxnSp>
+        <p:nvCxnSpPr>
+          <p:cNvPr id="320" name="Straight Arrow Connector 319">
+            <a:extLst>
+              <a:ext uri="{FF2B5EF4-FFF2-40B4-BE49-F238E27FC236}">
+                <a16:creationId xmlns:a16="http://schemas.microsoft.com/office/drawing/2014/main" id="{B010DB81-FF87-6096-9227-5030260B4C51}"/>
+              </a:ext>
+            </a:extLst>
+          </p:cNvPr>
+          <p:cNvCxnSpPr>
+            <a:cxnSpLocks/>
+            <a:stCxn id="314" idx="2"/>
+            <a:endCxn id="4" idx="0"/>
+          </p:cNvCxnSpPr>
+          <p:nvPr/>
+        </p:nvCxnSpPr>
+        <p:spPr>
+          <a:xfrm flipH="1">
+            <a:off x="7521505" y="6203556"/>
+            <a:ext cx="3335" cy="3616878"/>
+          </a:xfrm>
+          <a:prstGeom prst="straightConnector1">
+            <a:avLst/>
+          </a:prstGeom>
+          <a:ln>
+            <a:headEnd type="none" w="med" len="med"/>
+            <a:tailEnd type="arrow" w="med" len="med"/>
+          </a:ln>
+        </p:spPr>
+        <p:style>
+          <a:lnRef idx="2">
+            <a:schemeClr val="dk1"/>
+          </a:lnRef>
+          <a:fillRef idx="0">
+            <a:schemeClr val="dk1"/>
+          </a:fillRef>
+          <a:effectRef idx="1">
+            <a:schemeClr val="dk1"/>
+          </a:effectRef>
+          <a:fontRef idx="minor">
+            <a:schemeClr val="tx1"/>
+          </a:fontRef>
+        </p:style>
+      </p:cxnSp>
+      <p:sp>
+        <p:nvSpPr>
+          <p:cNvPr id="324" name="Rectangle 323">
+            <a:extLst>
+              <a:ext uri="{FF2B5EF4-FFF2-40B4-BE49-F238E27FC236}">
+                <a16:creationId xmlns:a16="http://schemas.microsoft.com/office/drawing/2014/main" id="{6A00F52B-C080-2BFF-9C5D-566A00C0B6BD}"/>
+              </a:ext>
+            </a:extLst>
+          </p:cNvPr>
+          <p:cNvSpPr/>
+          <p:nvPr/>
+        </p:nvSpPr>
+        <p:spPr>
+          <a:xfrm>
+            <a:off x="10403274" y="9820434"/>
+            <a:ext cx="2663685" cy="1259320"/>
+          </a:xfrm>
+          <a:prstGeom prst="rect">
+            <a:avLst/>
+          </a:prstGeom>
+          <a:solidFill>
+            <a:schemeClr val="bg1">
+              <a:lumMod val="85000"/>
+            </a:schemeClr>
+          </a:solidFill>
+        </p:spPr>
+        <p:style>
+          <a:lnRef idx="2">
+            <a:schemeClr val="accent1">
+              <a:shade val="15000"/>
+            </a:schemeClr>
+          </a:lnRef>
+          <a:fillRef idx="1">
+            <a:schemeClr val="accent1"/>
+          </a:fillRef>
+          <a:effectRef idx="0">
+            <a:schemeClr val="accent1"/>
+          </a:effectRef>
+          <a:fontRef idx="minor">
+            <a:schemeClr val="lt1"/>
+          </a:fontRef>
+        </p:style>
+        <p:txBody>
+          <a:bodyPr rtlCol="0" anchor="ctr"/>
+          <a:lstStyle/>
+          <a:p>
+            <a:pPr algn="ctr"/>
+            <a:r>
+              <a:rPr lang="en-GB" sz="2000" dirty="0">
+                <a:solidFill>
+                  <a:schemeClr val="tx1"/>
+                </a:solidFill>
+              </a:rPr>
+              <a:t>Are you running the server and client on the </a:t>
+            </a:r>
+            <a:r>
+              <a:rPr lang="en-GB" sz="2000" b="1" dirty="0">
+                <a:solidFill>
+                  <a:schemeClr val="tx1"/>
+                </a:solidFill>
+              </a:rPr>
+              <a:t>same computer</a:t>
+            </a:r>
+            <a:r>
+              <a:rPr lang="en-GB" sz="2000" dirty="0">
+                <a:solidFill>
+                  <a:schemeClr val="tx1"/>
+                </a:solidFill>
+              </a:rPr>
+              <a:t>?</a:t>
+            </a:r>
+          </a:p>
+        </p:txBody>
+      </p:sp>
+      <p:sp>
+        <p:nvSpPr>
+          <p:cNvPr id="329" name="Rectangle 328">
+            <a:extLst>
+              <a:ext uri="{FF2B5EF4-FFF2-40B4-BE49-F238E27FC236}">
+                <a16:creationId xmlns:a16="http://schemas.microsoft.com/office/drawing/2014/main" id="{CAB42C7C-D886-2F51-799D-9AE8A4A3E3CA}"/>
+              </a:ext>
+            </a:extLst>
+          </p:cNvPr>
+          <p:cNvSpPr/>
+          <p:nvPr/>
+        </p:nvSpPr>
+        <p:spPr>
+          <a:xfrm>
+            <a:off x="5170879" y="12004224"/>
+            <a:ext cx="4724962" cy="1554112"/>
+          </a:xfrm>
+          <a:prstGeom prst="rect">
+            <a:avLst/>
+          </a:prstGeom>
+          <a:solidFill>
+            <a:srgbClr val="2596BE">
+              <a:alpha val="30196"/>
+            </a:srgbClr>
+          </a:solidFill>
+        </p:spPr>
+        <p:style>
+          <a:lnRef idx="2">
+            <a:schemeClr val="accent1">
+              <a:shade val="15000"/>
+            </a:schemeClr>
+          </a:lnRef>
+          <a:fillRef idx="1">
+            <a:schemeClr val="accent1"/>
+          </a:fillRef>
+          <a:effectRef idx="0">
+            <a:schemeClr val="accent1"/>
+          </a:effectRef>
+          <a:fontRef idx="minor">
+            <a:schemeClr val="lt1"/>
+          </a:fontRef>
+        </p:style>
+        <p:txBody>
+          <a:bodyPr rtlCol="0" anchor="ctr"/>
+          <a:lstStyle/>
+          <a:p>
+            <a:pPr algn="ctr"/>
+            <a:r>
+              <a:rPr lang="en-GB" sz="2000" dirty="0">
+                <a:solidFill>
+                  <a:schemeClr val="tx1"/>
+                </a:solidFill>
+              </a:rPr>
+              <a:t>Your </a:t>
+            </a:r>
+            <a:r>
+              <a:rPr lang="en-GB" sz="2000" b="1" dirty="0">
+                <a:solidFill>
+                  <a:schemeClr val="tx1"/>
+                </a:solidFill>
+              </a:rPr>
+              <a:t>computers must be connected via an ethernet cable or LAN </a:t>
+            </a:r>
+            <a:r>
+              <a:rPr lang="en-GB" sz="2000" dirty="0">
+                <a:solidFill>
+                  <a:schemeClr val="tx1"/>
+                </a:solidFill>
+              </a:rPr>
+              <a:t>(internet connection not required).</a:t>
+            </a:r>
+          </a:p>
+        </p:txBody>
+      </p:sp>
+      <p:cxnSp>
+        <p:nvCxnSpPr>
+          <p:cNvPr id="330" name="Straight Arrow Connector 329">
+            <a:extLst>
+              <a:ext uri="{FF2B5EF4-FFF2-40B4-BE49-F238E27FC236}">
+                <a16:creationId xmlns:a16="http://schemas.microsoft.com/office/drawing/2014/main" id="{893746EB-0D3E-1251-F62D-B34FFC6F5154}"/>
+              </a:ext>
+            </a:extLst>
+          </p:cNvPr>
+          <p:cNvCxnSpPr>
+            <a:cxnSpLocks/>
+            <a:stCxn id="324" idx="2"/>
+            <a:endCxn id="42" idx="0"/>
+          </p:cNvCxnSpPr>
+          <p:nvPr/>
+        </p:nvCxnSpPr>
+        <p:spPr>
+          <a:xfrm flipH="1">
+            <a:off x="11734220" y="11079754"/>
+            <a:ext cx="897" cy="924462"/>
+          </a:xfrm>
+          <a:prstGeom prst="straightConnector1">
+            <a:avLst/>
+          </a:prstGeom>
+          <a:ln>
+            <a:headEnd type="none" w="med" len="med"/>
+            <a:tailEnd type="arrow" w="med" len="med"/>
+          </a:ln>
+        </p:spPr>
+        <p:style>
+          <a:lnRef idx="2">
+            <a:schemeClr val="dk1"/>
+          </a:lnRef>
+          <a:fillRef idx="0">
+            <a:schemeClr val="dk1"/>
+          </a:fillRef>
+          <a:effectRef idx="1">
+            <a:schemeClr val="dk1"/>
+          </a:effectRef>
+          <a:fontRef idx="minor">
+            <a:schemeClr val="tx1"/>
+          </a:fontRef>
+        </p:style>
+      </p:cxnSp>
+      <p:sp>
+        <p:nvSpPr>
+          <p:cNvPr id="334" name="TextBox 333">
+            <a:extLst>
+              <a:ext uri="{FF2B5EF4-FFF2-40B4-BE49-F238E27FC236}">
+                <a16:creationId xmlns:a16="http://schemas.microsoft.com/office/drawing/2014/main" id="{69E8B08F-6DCC-96A9-0430-EFAF16983513}"/>
+              </a:ext>
+            </a:extLst>
+          </p:cNvPr>
+          <p:cNvSpPr txBox="1"/>
+          <p:nvPr/>
+        </p:nvSpPr>
+        <p:spPr>
+          <a:xfrm>
+            <a:off x="11657207" y="11368769"/>
+            <a:ext cx="721103" cy="400110"/>
+          </a:xfrm>
+          <a:prstGeom prst="rect">
+            <a:avLst/>
+          </a:prstGeom>
+          <a:noFill/>
+        </p:spPr>
+        <p:txBody>
+          <a:bodyPr wrap="square" rtlCol="0">
+            <a:spAutoFit/>
+          </a:bodyPr>
+          <a:lstStyle/>
+          <a:p>
+            <a:pPr algn="ctr"/>
+            <a:r>
+              <a:rPr lang="en-GB" sz="2000" dirty="0"/>
+              <a:t>Yes</a:t>
+            </a:r>
+          </a:p>
+        </p:txBody>
+      </p:sp>
+      <p:sp>
+        <p:nvSpPr>
+          <p:cNvPr id="338" name="TextBox 337">
+            <a:extLst>
+              <a:ext uri="{FF2B5EF4-FFF2-40B4-BE49-F238E27FC236}">
+                <a16:creationId xmlns:a16="http://schemas.microsoft.com/office/drawing/2014/main" id="{AF7A6573-2EB0-85AC-1396-5C156AEBC5D4}"/>
+              </a:ext>
+            </a:extLst>
+          </p:cNvPr>
+          <p:cNvSpPr txBox="1"/>
+          <p:nvPr/>
+        </p:nvSpPr>
+        <p:spPr>
+          <a:xfrm>
+            <a:off x="13066062" y="9979909"/>
+            <a:ext cx="802351" cy="400110"/>
+          </a:xfrm>
+          <a:prstGeom prst="rect">
+            <a:avLst/>
+          </a:prstGeom>
+          <a:noFill/>
+        </p:spPr>
+        <p:txBody>
+          <a:bodyPr wrap="square" rtlCol="0">
+            <a:spAutoFit/>
+          </a:bodyPr>
+          <a:lstStyle/>
+          <a:p>
+            <a:pPr algn="ctr"/>
+            <a:r>
+              <a:rPr lang="en-GB" sz="2000" dirty="0"/>
+              <a:t>No</a:t>
+            </a:r>
+          </a:p>
+        </p:txBody>
+      </p:sp>
+      <p:cxnSp>
+        <p:nvCxnSpPr>
+          <p:cNvPr id="352" name="Straight Arrow Connector 351">
+            <a:extLst>
+              <a:ext uri="{FF2B5EF4-FFF2-40B4-BE49-F238E27FC236}">
+                <a16:creationId xmlns:a16="http://schemas.microsoft.com/office/drawing/2014/main" id="{FD7702DC-CEB3-F428-AC58-7631036208F5}"/>
+              </a:ext>
+            </a:extLst>
+          </p:cNvPr>
+          <p:cNvCxnSpPr>
+            <a:cxnSpLocks/>
+            <a:stCxn id="4" idx="2"/>
+            <a:endCxn id="329" idx="0"/>
+          </p:cNvCxnSpPr>
+          <p:nvPr/>
+        </p:nvCxnSpPr>
+        <p:spPr>
+          <a:xfrm>
+            <a:off x="7521505" y="11079754"/>
+            <a:ext cx="11855" cy="924470"/>
+          </a:xfrm>
+          <a:prstGeom prst="straightConnector1">
+            <a:avLst/>
+          </a:prstGeom>
+          <a:ln>
+            <a:headEnd type="none" w="med" len="med"/>
+            <a:tailEnd type="arrow" w="med" len="med"/>
+          </a:ln>
+        </p:spPr>
+        <p:style>
+          <a:lnRef idx="2">
+            <a:schemeClr val="dk1"/>
+          </a:lnRef>
+          <a:fillRef idx="0">
+            <a:schemeClr val="dk1"/>
+          </a:fillRef>
+          <a:effectRef idx="1">
+            <a:schemeClr val="dk1"/>
+          </a:effectRef>
+          <a:fontRef idx="minor">
+            <a:schemeClr val="tx1"/>
+          </a:fontRef>
+        </p:style>
+      </p:cxnSp>
+      <p:cxnSp>
+        <p:nvCxnSpPr>
+          <p:cNvPr id="366" name="Straight Arrow Connector 365">
+            <a:extLst>
+              <a:ext uri="{FF2B5EF4-FFF2-40B4-BE49-F238E27FC236}">
+                <a16:creationId xmlns:a16="http://schemas.microsoft.com/office/drawing/2014/main" id="{01456621-189B-690B-2D6C-43CD380F59E4}"/>
+              </a:ext>
+            </a:extLst>
+          </p:cNvPr>
+          <p:cNvCxnSpPr>
+            <a:cxnSpLocks/>
+            <a:stCxn id="305" idx="2"/>
+            <a:endCxn id="19" idx="0"/>
+          </p:cNvCxnSpPr>
+          <p:nvPr/>
+        </p:nvCxnSpPr>
+        <p:spPr>
+          <a:xfrm>
+            <a:off x="2455683" y="11275215"/>
+            <a:ext cx="0" cy="910584"/>
+          </a:xfrm>
+          <a:prstGeom prst="straightConnector1">
+            <a:avLst/>
+          </a:prstGeom>
+          <a:ln>
+            <a:headEnd type="none" w="med" len="med"/>
+            <a:tailEnd type="arrow" w="med" len="med"/>
+          </a:ln>
+        </p:spPr>
+        <p:style>
+          <a:lnRef idx="2">
+            <a:schemeClr val="dk1"/>
+          </a:lnRef>
+          <a:fillRef idx="0">
+            <a:schemeClr val="dk1"/>
+          </a:fillRef>
+          <a:effectRef idx="1">
+            <a:schemeClr val="dk1"/>
+          </a:effectRef>
+          <a:fontRef idx="minor">
+            <a:schemeClr val="tx1"/>
+          </a:fontRef>
+        </p:style>
+      </p:cxnSp>
+      <p:sp>
+        <p:nvSpPr>
+          <p:cNvPr id="371" name="TextBox 370">
+            <a:extLst>
+              <a:ext uri="{FF2B5EF4-FFF2-40B4-BE49-F238E27FC236}">
+                <a16:creationId xmlns:a16="http://schemas.microsoft.com/office/drawing/2014/main" id="{A79CC35C-7554-7426-B927-FF1CD8F0DFAA}"/>
+              </a:ext>
+            </a:extLst>
+          </p:cNvPr>
+          <p:cNvSpPr txBox="1"/>
+          <p:nvPr/>
+        </p:nvSpPr>
+        <p:spPr>
+          <a:xfrm>
+            <a:off x="2432190" y="11439664"/>
+            <a:ext cx="646232" cy="400110"/>
+          </a:xfrm>
+          <a:prstGeom prst="rect">
+            <a:avLst/>
+          </a:prstGeom>
+          <a:noFill/>
+        </p:spPr>
+        <p:txBody>
+          <a:bodyPr wrap="square" rtlCol="0">
+            <a:spAutoFit/>
+          </a:bodyPr>
+          <a:lstStyle/>
+          <a:p>
+            <a:pPr algn="ctr"/>
+            <a:r>
+              <a:rPr lang="en-GB" sz="2000" dirty="0"/>
+              <a:t>Yes</a:t>
+            </a:r>
+          </a:p>
+        </p:txBody>
+      </p:sp>
+      <p:sp>
+        <p:nvSpPr>
+          <p:cNvPr id="385" name="TextBox 384">
+            <a:extLst>
+              <a:ext uri="{FF2B5EF4-FFF2-40B4-BE49-F238E27FC236}">
+                <a16:creationId xmlns:a16="http://schemas.microsoft.com/office/drawing/2014/main" id="{D00C56CC-CD79-D04E-6939-916AD014486C}"/>
+              </a:ext>
+            </a:extLst>
+          </p:cNvPr>
+          <p:cNvSpPr txBox="1"/>
+          <p:nvPr/>
+        </p:nvSpPr>
+        <p:spPr>
+          <a:xfrm>
+            <a:off x="4639504" y="10095043"/>
+            <a:ext cx="730306" cy="400110"/>
+          </a:xfrm>
+          <a:prstGeom prst="rect">
+            <a:avLst/>
+          </a:prstGeom>
+          <a:noFill/>
+        </p:spPr>
+        <p:txBody>
+          <a:bodyPr wrap="square" rtlCol="0">
+            <a:spAutoFit/>
+          </a:bodyPr>
+          <a:lstStyle/>
+          <a:p>
+            <a:pPr algn="ctr"/>
+            <a:r>
+              <a:rPr lang="en-GB" sz="2000" dirty="0"/>
+              <a:t>No</a:t>
+            </a:r>
+          </a:p>
+        </p:txBody>
+      </p:sp>
+      <p:cxnSp>
+        <p:nvCxnSpPr>
+          <p:cNvPr id="402" name="Connector: Elbow 401">
+            <a:extLst>
+              <a:ext uri="{FF2B5EF4-FFF2-40B4-BE49-F238E27FC236}">
+                <a16:creationId xmlns:a16="http://schemas.microsoft.com/office/drawing/2014/main" id="{602FD4CE-BF27-5BA3-4A42-313934A36984}"/>
+              </a:ext>
+            </a:extLst>
+          </p:cNvPr>
+          <p:cNvCxnSpPr>
+            <a:cxnSpLocks/>
+            <a:stCxn id="305" idx="3"/>
+            <a:endCxn id="4" idx="1"/>
+          </p:cNvCxnSpPr>
+          <p:nvPr/>
+        </p:nvCxnSpPr>
+        <p:spPr>
+          <a:xfrm flipV="1">
+            <a:off x="3673876" y="10450094"/>
+            <a:ext cx="2515786" cy="2641"/>
+          </a:xfrm>
+          <a:prstGeom prst="straightConnector1">
+            <a:avLst/>
+          </a:prstGeom>
+          <a:ln>
+            <a:headEnd type="none" w="med" len="med"/>
+            <a:tailEnd type="arrow" w="med" len="med"/>
+          </a:ln>
+        </p:spPr>
+        <p:style>
+          <a:lnRef idx="2">
+            <a:schemeClr val="dk1"/>
+          </a:lnRef>
+          <a:fillRef idx="0">
+            <a:schemeClr val="dk1"/>
+          </a:fillRef>
+          <a:effectRef idx="1">
+            <a:schemeClr val="dk1"/>
+          </a:effectRef>
+          <a:fontRef idx="minor">
+            <a:schemeClr val="tx1"/>
+          </a:fontRef>
+        </p:style>
+      </p:cxnSp>
+      <p:cxnSp>
+        <p:nvCxnSpPr>
+          <p:cNvPr id="414" name="Connector: Elbow 413">
+            <a:extLst>
+              <a:ext uri="{FF2B5EF4-FFF2-40B4-BE49-F238E27FC236}">
+                <a16:creationId xmlns:a16="http://schemas.microsoft.com/office/drawing/2014/main" id="{3EBB69BF-321C-B3CE-8472-0FD925D21411}"/>
+              </a:ext>
+            </a:extLst>
+          </p:cNvPr>
+          <p:cNvCxnSpPr>
+            <a:cxnSpLocks/>
+            <a:stCxn id="277" idx="2"/>
+          </p:cNvCxnSpPr>
+          <p:nvPr/>
+        </p:nvCxnSpPr>
+        <p:spPr>
+          <a:xfrm rot="5400000">
+            <a:off x="4040538" y="8075537"/>
+            <a:ext cx="1554129" cy="2294115"/>
+          </a:xfrm>
+          <a:prstGeom prst="bentConnector2">
+            <a:avLst/>
+          </a:prstGeom>
+          <a:ln>
+            <a:headEnd type="none" w="med" len="med"/>
+            <a:tailEnd type="arrow" w="med" len="med"/>
+          </a:ln>
+        </p:spPr>
+        <p:style>
+          <a:lnRef idx="2">
+            <a:schemeClr val="dk1"/>
+          </a:lnRef>
+          <a:fillRef idx="0">
+            <a:schemeClr val="dk1"/>
+          </a:fillRef>
+          <a:effectRef idx="1">
+            <a:schemeClr val="dk1"/>
+          </a:effectRef>
+          <a:fontRef idx="minor">
+            <a:schemeClr val="tx1"/>
+          </a:fontRef>
+        </p:style>
+      </p:cxnSp>
+      <p:cxnSp>
+        <p:nvCxnSpPr>
+          <p:cNvPr id="526" name="Connector: Elbow 525">
+            <a:extLst>
+              <a:ext uri="{FF2B5EF4-FFF2-40B4-BE49-F238E27FC236}">
+                <a16:creationId xmlns:a16="http://schemas.microsoft.com/office/drawing/2014/main" id="{D53EE2C6-E9F4-0577-52F1-603DDF342357}"/>
+              </a:ext>
+            </a:extLst>
+          </p:cNvPr>
+          <p:cNvCxnSpPr>
+            <a:cxnSpLocks/>
+            <a:stCxn id="324" idx="3"/>
+            <a:endCxn id="329" idx="2"/>
+          </p:cNvCxnSpPr>
+          <p:nvPr/>
+        </p:nvCxnSpPr>
+        <p:spPr>
+          <a:xfrm flipH="1">
+            <a:off x="7533360" y="10450094"/>
+            <a:ext cx="5533599" cy="3108242"/>
+          </a:xfrm>
+          <a:prstGeom prst="bentConnector4">
+            <a:avLst>
+              <a:gd name="adj1" fmla="val -4131"/>
+              <a:gd name="adj2" fmla="val 109970"/>
+            </a:avLst>
+          </a:prstGeom>
+          <a:ln>
+            <a:headEnd type="none" w="med" len="med"/>
+            <a:tailEnd type="arrow" w="med" len="med"/>
+          </a:ln>
+        </p:spPr>
+        <p:style>
+          <a:lnRef idx="2">
+            <a:schemeClr val="dk1"/>
+          </a:lnRef>
+          <a:fillRef idx="0">
+            <a:schemeClr val="dk1"/>
+          </a:fillRef>
+          <a:effectRef idx="1">
+            <a:schemeClr val="dk1"/>
+          </a:effectRef>
+          <a:fontRef idx="minor">
+            <a:schemeClr val="tx1"/>
+          </a:fontRef>
+        </p:style>
+      </p:cxnSp>
+      <p:cxnSp>
+        <p:nvCxnSpPr>
+          <p:cNvPr id="20" name="Connector: Elbow 213">
+            <a:extLst>
+              <a:ext uri="{FF2B5EF4-FFF2-40B4-BE49-F238E27FC236}">
+                <a16:creationId xmlns:a16="http://schemas.microsoft.com/office/drawing/2014/main" id="{38CF9B38-FDE4-A1FC-8EBD-60F2F36FA19B}"/>
+              </a:ext>
+            </a:extLst>
+          </p:cNvPr>
+          <p:cNvCxnSpPr>
+            <a:cxnSpLocks/>
+            <a:stCxn id="329" idx="3"/>
+            <a:endCxn id="42" idx="1"/>
+          </p:cNvCxnSpPr>
+          <p:nvPr/>
+        </p:nvCxnSpPr>
+        <p:spPr>
+          <a:xfrm flipV="1">
+            <a:off x="9895841" y="12781272"/>
+            <a:ext cx="506536" cy="8"/>
+          </a:xfrm>
+          <a:prstGeom prst="straightConnector1">
+            <a:avLst/>
+          </a:prstGeom>
+          <a:ln>
+            <a:headEnd type="none" w="med" len="med"/>
+            <a:tailEnd type="arrow" w="med" len="med"/>
+          </a:ln>
+        </p:spPr>
+        <p:style>
+          <a:lnRef idx="2">
+            <a:schemeClr val="dk1"/>
+          </a:lnRef>
+          <a:fillRef idx="0">
+            <a:schemeClr val="dk1"/>
+          </a:fillRef>
+          <a:effectRef idx="1">
+            <a:schemeClr val="dk1"/>
+          </a:effectRef>
+          <a:fontRef idx="minor">
+            <a:schemeClr val="tx1"/>
+          </a:fontRef>
+        </p:style>
+      </p:cxnSp>
+      <p:grpSp>
+        <p:nvGrpSpPr>
+          <p:cNvPr id="31" name="Group 30">
+            <a:extLst>
+              <a:ext uri="{FF2B5EF4-FFF2-40B4-BE49-F238E27FC236}">
+                <a16:creationId xmlns:a16="http://schemas.microsoft.com/office/drawing/2014/main" id="{A6F8617E-D961-9C2D-2DA6-A8D1A7235E81}"/>
+              </a:ext>
+            </a:extLst>
+          </p:cNvPr>
+          <p:cNvGrpSpPr/>
+          <p:nvPr/>
+        </p:nvGrpSpPr>
+        <p:grpSpPr>
+          <a:xfrm>
+            <a:off x="2896724" y="14129813"/>
+            <a:ext cx="8415614" cy="2242295"/>
+            <a:chOff x="2801026" y="13978522"/>
+            <a:chExt cx="8415614" cy="2242295"/>
+          </a:xfrm>
+        </p:grpSpPr>
+        <p:sp>
+          <p:nvSpPr>
+            <p:cNvPr id="30" name="Rectangle 29">
+              <a:extLst>
+                <a:ext uri="{FF2B5EF4-FFF2-40B4-BE49-F238E27FC236}">
+                  <a16:creationId xmlns:a16="http://schemas.microsoft.com/office/drawing/2014/main" id="{F7551075-E788-BE3A-CF54-AC77A5D13676}"/>
+                </a:ext>
+              </a:extLst>
+            </p:cNvPr>
+            <p:cNvSpPr/>
+            <p:nvPr/>
+          </p:nvSpPr>
+          <p:spPr>
+            <a:xfrm>
+              <a:off x="2801026" y="13978522"/>
+              <a:ext cx="8415614" cy="2242295"/>
+            </a:xfrm>
+            <a:prstGeom prst="rect">
+              <a:avLst/>
+            </a:prstGeom>
+            <a:solidFill>
+              <a:schemeClr val="accent5">
+                <a:lumMod val="50000"/>
+                <a:alpha val="30196"/>
+              </a:schemeClr>
+            </a:solidFill>
+          </p:spPr>
+          <p:style>
+            <a:lnRef idx="2">
+              <a:schemeClr val="accent1">
+                <a:shade val="15000"/>
+              </a:schemeClr>
+            </a:lnRef>
+            <a:fillRef idx="1">
+              <a:schemeClr val="accent1"/>
+            </a:fillRef>
+            <a:effectRef idx="0">
+              <a:schemeClr val="accent1"/>
+            </a:effectRef>
+            <a:fontRef idx="minor">
+              <a:schemeClr val="lt1"/>
+            </a:fontRef>
+          </p:style>
+          <p:txBody>
+            <a:bodyPr rtlCol="0" anchor="ctr"/>
+            <a:lstStyle/>
+            <a:p>
+              <a:r>
+                <a:rPr lang="en-GB" sz="2000" u="sng" dirty="0">
+                  <a:solidFill>
+                    <a:schemeClr val="tx1"/>
+                  </a:solidFill>
+                </a:rPr>
+                <a:t>Key</a:t>
+              </a:r>
+            </a:p>
+            <a:p>
+              <a:endParaRPr lang="en-GB" sz="2000" dirty="0">
+                <a:solidFill>
+                  <a:schemeClr val="tx1"/>
+                </a:solidFill>
+              </a:endParaRPr>
+            </a:p>
+            <a:p>
+              <a:endParaRPr lang="en-GB" sz="2000" dirty="0">
+                <a:solidFill>
+                  <a:schemeClr val="tx1"/>
+                </a:solidFill>
+              </a:endParaRPr>
+            </a:p>
+            <a:p>
+              <a:endParaRPr lang="en-GB" sz="2000" dirty="0">
+                <a:solidFill>
+                  <a:schemeClr val="tx1"/>
+                </a:solidFill>
+              </a:endParaRPr>
+            </a:p>
+            <a:p>
+              <a:endParaRPr lang="en-GB" sz="2000" dirty="0">
+                <a:solidFill>
+                  <a:schemeClr val="tx1"/>
+                </a:solidFill>
+              </a:endParaRPr>
+            </a:p>
+            <a:p>
+              <a:endParaRPr lang="en-GB" sz="2000" dirty="0">
+                <a:solidFill>
+                  <a:schemeClr val="tx1"/>
+                </a:solidFill>
+              </a:endParaRPr>
+            </a:p>
+            <a:p>
+              <a:endParaRPr lang="en-GB" sz="2000" dirty="0">
+                <a:solidFill>
+                  <a:schemeClr val="tx1"/>
+                </a:solidFill>
+              </a:endParaRPr>
+            </a:p>
+          </p:txBody>
+        </p:sp>
+        <p:sp>
+          <p:nvSpPr>
+            <p:cNvPr id="6" name="Rectangle 5">
+              <a:extLst>
+                <a:ext uri="{FF2B5EF4-FFF2-40B4-BE49-F238E27FC236}">
+                  <a16:creationId xmlns:a16="http://schemas.microsoft.com/office/drawing/2014/main" id="{CB0F3719-CBE3-A9A8-FFCD-2ECFD103C24E}"/>
+                </a:ext>
+              </a:extLst>
+            </p:cNvPr>
+            <p:cNvSpPr/>
+            <p:nvPr/>
+          </p:nvSpPr>
+          <p:spPr>
+            <a:xfrm>
+              <a:off x="7636569" y="14483355"/>
+              <a:ext cx="3259128" cy="1406149"/>
+            </a:xfrm>
+            <a:prstGeom prst="rect">
+              <a:avLst/>
+            </a:prstGeom>
+            <a:solidFill>
+              <a:schemeClr val="accent5">
+                <a:lumMod val="50000"/>
+                <a:alpha val="30196"/>
+              </a:schemeClr>
+            </a:solidFill>
+          </p:spPr>
+          <p:style>
+            <a:lnRef idx="2">
+              <a:schemeClr val="accent1">
+                <a:shade val="15000"/>
+              </a:schemeClr>
+            </a:lnRef>
+            <a:fillRef idx="1">
+              <a:schemeClr val="accent1"/>
+            </a:fillRef>
+            <a:effectRef idx="0">
+              <a:schemeClr val="accent1"/>
+            </a:effectRef>
+            <a:fontRef idx="minor">
+              <a:schemeClr val="lt1"/>
+            </a:fontRef>
+          </p:style>
+          <p:txBody>
+            <a:bodyPr rtlCol="0" anchor="ctr"/>
+            <a:lstStyle/>
+            <a:p>
+              <a:r>
+                <a:rPr lang="en-GB" sz="2000" b="1" i="0" baseline="30000" dirty="0">
+                  <a:solidFill>
+                    <a:srgbClr val="040C28"/>
+                  </a:solidFill>
+                  <a:effectLst/>
+                </a:rPr>
+                <a:t>†</a:t>
+              </a:r>
+              <a:r>
+                <a:rPr lang="en-GB" sz="2000" b="1" dirty="0">
+                  <a:solidFill>
+                    <a:schemeClr val="tx1"/>
+                  </a:solidFill>
+                </a:rPr>
+                <a:t>Other headsets </a:t>
+              </a:r>
+              <a:r>
+                <a:rPr lang="en-GB" sz="2000" dirty="0">
+                  <a:solidFill>
+                    <a:schemeClr val="tx1"/>
+                  </a:solidFill>
+                </a:rPr>
+                <a:t>include:</a:t>
+              </a:r>
+            </a:p>
+            <a:p>
+              <a:pPr marL="342900" indent="-342900">
+                <a:buFont typeface="Arial" panose="020B0604020202020204" pitchFamily="34" charset="0"/>
+                <a:buChar char="•"/>
+              </a:pPr>
+              <a:r>
+                <a:rPr lang="en-GB" sz="2000" dirty="0">
+                  <a:solidFill>
+                    <a:schemeClr val="tx1"/>
+                  </a:solidFill>
+                </a:rPr>
+                <a:t>HTC </a:t>
+              </a:r>
+              <a:r>
+                <a:rPr lang="en-GB" sz="2000" dirty="0" err="1">
+                  <a:solidFill>
+                    <a:schemeClr val="tx1"/>
+                  </a:solidFill>
+                </a:rPr>
+                <a:t>Vive</a:t>
+              </a:r>
+              <a:endParaRPr lang="en-GB" sz="2000" dirty="0">
+                <a:solidFill>
+                  <a:schemeClr val="tx1"/>
+                </a:solidFill>
+              </a:endParaRPr>
+            </a:p>
+            <a:p>
+              <a:pPr marL="342900" indent="-342900">
+                <a:buFont typeface="Arial" panose="020B0604020202020204" pitchFamily="34" charset="0"/>
+                <a:buChar char="•"/>
+              </a:pPr>
+              <a:r>
+                <a:rPr lang="en-GB" sz="2000" dirty="0">
+                  <a:solidFill>
+                    <a:schemeClr val="tx1"/>
+                  </a:solidFill>
+                </a:rPr>
+                <a:t>HTC </a:t>
+              </a:r>
+              <a:r>
+                <a:rPr lang="en-GB" sz="2000" dirty="0" err="1">
+                  <a:solidFill>
+                    <a:schemeClr val="tx1"/>
+                  </a:solidFill>
+                </a:rPr>
+                <a:t>Vive</a:t>
+              </a:r>
+              <a:r>
+                <a:rPr lang="en-GB" sz="2000" dirty="0">
+                  <a:solidFill>
+                    <a:schemeClr val="tx1"/>
+                  </a:solidFill>
+                </a:rPr>
+                <a:t> Pro</a:t>
+              </a:r>
+            </a:p>
+            <a:p>
+              <a:pPr marL="342900" indent="-342900">
+                <a:buFont typeface="Arial" panose="020B0604020202020204" pitchFamily="34" charset="0"/>
+                <a:buChar char="•"/>
+              </a:pPr>
+              <a:r>
+                <a:rPr lang="en-GB" sz="2000" dirty="0">
+                  <a:solidFill>
+                    <a:schemeClr val="tx1"/>
+                  </a:solidFill>
+                </a:rPr>
+                <a:t>Valve Index</a:t>
+              </a:r>
+            </a:p>
+          </p:txBody>
+        </p:sp>
+        <p:sp>
+          <p:nvSpPr>
+            <p:cNvPr id="7" name="Rectangle 6">
+              <a:extLst>
+                <a:ext uri="{FF2B5EF4-FFF2-40B4-BE49-F238E27FC236}">
+                  <a16:creationId xmlns:a16="http://schemas.microsoft.com/office/drawing/2014/main" id="{64ABE1A5-932C-22BE-9EE8-247D1792463B}"/>
+                </a:ext>
+              </a:extLst>
+            </p:cNvPr>
+            <p:cNvSpPr/>
+            <p:nvPr/>
+          </p:nvSpPr>
+          <p:spPr>
+            <a:xfrm>
+              <a:off x="3091040" y="14468911"/>
+              <a:ext cx="4159678" cy="1406149"/>
+            </a:xfrm>
+            <a:prstGeom prst="rect">
+              <a:avLst/>
+            </a:prstGeom>
+            <a:solidFill>
+              <a:schemeClr val="accent5">
+                <a:lumMod val="50000"/>
+                <a:alpha val="30196"/>
+              </a:schemeClr>
+            </a:solidFill>
+          </p:spPr>
+          <p:style>
+            <a:lnRef idx="2">
+              <a:schemeClr val="accent1">
+                <a:shade val="15000"/>
+              </a:schemeClr>
+            </a:lnRef>
+            <a:fillRef idx="1">
+              <a:schemeClr val="accent1"/>
+            </a:fillRef>
+            <a:effectRef idx="0">
+              <a:schemeClr val="accent1"/>
+            </a:effectRef>
+            <a:fontRef idx="minor">
+              <a:schemeClr val="lt1"/>
+            </a:fontRef>
+          </p:style>
+          <p:txBody>
+            <a:bodyPr rtlCol="0" anchor="ctr"/>
+            <a:lstStyle/>
+            <a:p>
+              <a:r>
+                <a:rPr lang="en-GB" sz="2000" b="1" dirty="0">
+                  <a:solidFill>
+                    <a:schemeClr val="tx1"/>
+                  </a:solidFill>
+                </a:rPr>
+                <a:t>*Requirements for a wireless setup: </a:t>
+              </a:r>
+              <a:r>
+                <a:rPr lang="en-GB" sz="2000" dirty="0">
+                  <a:solidFill>
+                    <a:schemeClr val="tx1"/>
+                  </a:solidFill>
+                </a:rPr>
+                <a:t>a strong and stable internet connection that allows communication over the network</a:t>
+              </a:r>
+            </a:p>
+          </p:txBody>
+        </p:sp>
+      </p:grpSp>
+    </p:spTree>
+    <p:extLst>
+      <p:ext uri="{BB962C8B-B14F-4D97-AF65-F5344CB8AC3E}">
+        <p14:creationId xmlns:p14="http://schemas.microsoft.com/office/powerpoint/2010/main" val="1752442661"/>
+      </p:ext>
+    </p:extLst>
+  </p:cSld>
+  <p:clrMapOvr>
+    <a:masterClrMapping/>
+  </p:clrMapOvr>
+</p:sld>
+</file>
+
+<file path=ppt/slides/slide2.xml><?xml version="1.0" encoding="utf-8"?>
+<p:sld xmlns:a="http://schemas.openxmlformats.org/drawingml/2006/main" xmlns:r="http://schemas.openxmlformats.org/officeDocument/2006/relationships" xmlns:p="http://schemas.openxmlformats.org/presentationml/2006/main">
+  <p:cSld>
+    <p:spTree>
+      <p:nvGrpSpPr>
         <p:cNvPr id="1" name="">
           <a:extLst>
             <a:ext uri="{FF2B5EF4-FFF2-40B4-BE49-F238E27FC236}">
@@ -6393,2493 +8855,6 @@
     <p:extLst>
       <p:ext uri="{BB962C8B-B14F-4D97-AF65-F5344CB8AC3E}">
         <p14:creationId xmlns:p14="http://schemas.microsoft.com/office/powerpoint/2010/main" val="1838229114"/>
-      </p:ext>
-    </p:extLst>
-  </p:cSld>
-  <p:clrMapOvr>
-    <a:masterClrMapping/>
-  </p:clrMapOvr>
-</p:sld>
-</file>
-
-<file path=ppt/slides/slide2.xml><?xml version="1.0" encoding="utf-8"?>
-<p:sld xmlns:a="http://schemas.openxmlformats.org/drawingml/2006/main" xmlns:r="http://schemas.openxmlformats.org/officeDocument/2006/relationships" xmlns:p="http://schemas.openxmlformats.org/presentationml/2006/main">
-  <p:cSld>
-    <p:spTree>
-      <p:nvGrpSpPr>
-        <p:cNvPr id="1" name=""/>
-        <p:cNvGrpSpPr/>
-        <p:nvPr/>
-      </p:nvGrpSpPr>
-      <p:grpSpPr>
-        <a:xfrm>
-          <a:off x="0" y="0"/>
-          <a:ext cx="0" cy="0"/>
-          <a:chOff x="0" y="0"/>
-          <a:chExt cx="0" cy="0"/>
-        </a:xfrm>
-      </p:grpSpPr>
-      <p:pic>
-        <p:nvPicPr>
-          <p:cNvPr id="5" name="Picture 4">
-            <a:extLst>
-              <a:ext uri="{FF2B5EF4-FFF2-40B4-BE49-F238E27FC236}">
-                <a16:creationId xmlns:a16="http://schemas.microsoft.com/office/drawing/2014/main" id="{E93F567E-8717-EC59-935B-2ADCDAB9122B}"/>
-              </a:ext>
-            </a:extLst>
-          </p:cNvPr>
-          <p:cNvPicPr>
-            <a:picLocks noChangeAspect="1"/>
-          </p:cNvPicPr>
-          <p:nvPr/>
-        </p:nvPicPr>
-        <p:blipFill>
-          <a:blip r:embed="rId2"/>
-          <a:stretch>
-            <a:fillRect/>
-          </a:stretch>
-        </p:blipFill>
-        <p:spPr>
-          <a:xfrm>
-            <a:off x="4568785" y="3701877"/>
-            <a:ext cx="2654380" cy="7914880"/>
-          </a:xfrm>
-          <a:prstGeom prst="rect">
-            <a:avLst/>
-          </a:prstGeom>
-        </p:spPr>
-      </p:pic>
-      <p:sp>
-        <p:nvSpPr>
-          <p:cNvPr id="6" name="Rectangle 5">
-            <a:extLst>
-              <a:ext uri="{FF2B5EF4-FFF2-40B4-BE49-F238E27FC236}">
-                <a16:creationId xmlns:a16="http://schemas.microsoft.com/office/drawing/2014/main" id="{6E07BB81-D828-144A-EB02-0B2D729F7626}"/>
-              </a:ext>
-            </a:extLst>
-          </p:cNvPr>
-          <p:cNvSpPr/>
-          <p:nvPr/>
-        </p:nvSpPr>
-        <p:spPr>
-          <a:xfrm>
-            <a:off x="23473597" y="5333197"/>
-            <a:ext cx="2279745" cy="1259320"/>
-          </a:xfrm>
-          <a:prstGeom prst="rect">
-            <a:avLst/>
-          </a:prstGeom>
-          <a:solidFill>
-            <a:srgbClr val="2596BE">
-              <a:alpha val="30196"/>
-            </a:srgbClr>
-          </a:solidFill>
-        </p:spPr>
-        <p:style>
-          <a:lnRef idx="2">
-            <a:schemeClr val="accent1">
-              <a:shade val="15000"/>
-            </a:schemeClr>
-          </a:lnRef>
-          <a:fillRef idx="1">
-            <a:schemeClr val="accent1"/>
-          </a:fillRef>
-          <a:effectRef idx="0">
-            <a:schemeClr val="accent1"/>
-          </a:effectRef>
-          <a:fontRef idx="minor">
-            <a:schemeClr val="lt1"/>
-          </a:fontRef>
-        </p:style>
-        <p:txBody>
-          <a:bodyPr rtlCol="0" anchor="ctr"/>
-          <a:lstStyle/>
-          <a:p>
-            <a:pPr algn="ctr"/>
-            <a:endParaRPr lang="en-GB" sz="2000" dirty="0">
-              <a:solidFill>
-                <a:schemeClr val="tx1"/>
-              </a:solidFill>
-            </a:endParaRPr>
-          </a:p>
-        </p:txBody>
-      </p:sp>
-      <p:sp>
-        <p:nvSpPr>
-          <p:cNvPr id="7" name="Rectangle 6">
-            <a:extLst>
-              <a:ext uri="{FF2B5EF4-FFF2-40B4-BE49-F238E27FC236}">
-                <a16:creationId xmlns:a16="http://schemas.microsoft.com/office/drawing/2014/main" id="{E84E2C69-83A0-2B5C-C2DA-56CA1C2C769A}"/>
-              </a:ext>
-            </a:extLst>
-          </p:cNvPr>
-          <p:cNvSpPr/>
-          <p:nvPr/>
-        </p:nvSpPr>
-        <p:spPr>
-          <a:xfrm>
-            <a:off x="23196466" y="2680298"/>
-            <a:ext cx="2436388" cy="1644960"/>
-          </a:xfrm>
-          <a:prstGeom prst="rect">
-            <a:avLst/>
-          </a:prstGeom>
-          <a:solidFill>
-            <a:schemeClr val="bg1">
-              <a:lumMod val="85000"/>
-            </a:schemeClr>
-          </a:solidFill>
-        </p:spPr>
-        <p:style>
-          <a:lnRef idx="2">
-            <a:schemeClr val="accent1">
-              <a:shade val="15000"/>
-            </a:schemeClr>
-          </a:lnRef>
-          <a:fillRef idx="1">
-            <a:schemeClr val="accent1"/>
-          </a:fillRef>
-          <a:effectRef idx="0">
-            <a:schemeClr val="accent1"/>
-          </a:effectRef>
-          <a:fontRef idx="minor">
-            <a:schemeClr val="lt1"/>
-          </a:fontRef>
-        </p:style>
-        <p:txBody>
-          <a:bodyPr rtlCol="0" anchor="ctr"/>
-          <a:lstStyle/>
-          <a:p>
-            <a:pPr algn="ctr"/>
-            <a:endParaRPr lang="en-GB" sz="2000" dirty="0">
-              <a:solidFill>
-                <a:schemeClr val="tx1"/>
-              </a:solidFill>
-            </a:endParaRPr>
-          </a:p>
-        </p:txBody>
-      </p:sp>
-      <p:sp>
-        <p:nvSpPr>
-          <p:cNvPr id="9" name="Rectangle 8">
-            <a:extLst>
-              <a:ext uri="{FF2B5EF4-FFF2-40B4-BE49-F238E27FC236}">
-                <a16:creationId xmlns:a16="http://schemas.microsoft.com/office/drawing/2014/main" id="{488FD193-364C-B76F-A576-6A01CC4D876D}"/>
-              </a:ext>
-            </a:extLst>
-          </p:cNvPr>
-          <p:cNvSpPr/>
-          <p:nvPr/>
-        </p:nvSpPr>
-        <p:spPr>
-          <a:xfrm>
-            <a:off x="1549872" y="747346"/>
-            <a:ext cx="1489937" cy="1188720"/>
-          </a:xfrm>
-          <a:prstGeom prst="rect">
-            <a:avLst/>
-          </a:prstGeom>
-          <a:solidFill>
-            <a:schemeClr val="bg1">
-              <a:lumMod val="85000"/>
-            </a:schemeClr>
-          </a:solidFill>
-        </p:spPr>
-        <p:style>
-          <a:lnRef idx="2">
-            <a:schemeClr val="accent1">
-              <a:shade val="15000"/>
-            </a:schemeClr>
-          </a:lnRef>
-          <a:fillRef idx="1">
-            <a:schemeClr val="accent1"/>
-          </a:fillRef>
-          <a:effectRef idx="0">
-            <a:schemeClr val="accent1"/>
-          </a:effectRef>
-          <a:fontRef idx="minor">
-            <a:schemeClr val="lt1"/>
-          </a:fontRef>
-        </p:style>
-        <p:txBody>
-          <a:bodyPr rtlCol="0" anchor="ctr"/>
-          <a:lstStyle/>
-          <a:p>
-            <a:pPr algn="ctr"/>
-            <a:r>
-              <a:rPr lang="en-GB" sz="2000" dirty="0">
-                <a:solidFill>
-                  <a:schemeClr val="tx1"/>
-                </a:solidFill>
-              </a:rPr>
-              <a:t>Dark grey boxes are </a:t>
-            </a:r>
-            <a:r>
-              <a:rPr lang="en-GB" sz="2000" b="1" dirty="0">
-                <a:solidFill>
-                  <a:schemeClr val="tx1"/>
-                </a:solidFill>
-              </a:rPr>
-              <a:t>headings</a:t>
-            </a:r>
-          </a:p>
-        </p:txBody>
-      </p:sp>
-      <p:sp>
-        <p:nvSpPr>
-          <p:cNvPr id="10" name="Rectangle 9">
-            <a:extLst>
-              <a:ext uri="{FF2B5EF4-FFF2-40B4-BE49-F238E27FC236}">
-                <a16:creationId xmlns:a16="http://schemas.microsoft.com/office/drawing/2014/main" id="{272927D8-E09A-64A9-A3E1-DDA99FC54C8C}"/>
-              </a:ext>
-            </a:extLst>
-          </p:cNvPr>
-          <p:cNvSpPr/>
-          <p:nvPr/>
-        </p:nvSpPr>
-        <p:spPr>
-          <a:xfrm>
-            <a:off x="23348866" y="2832698"/>
-            <a:ext cx="2436388" cy="1644960"/>
-          </a:xfrm>
-          <a:prstGeom prst="rect">
-            <a:avLst/>
-          </a:prstGeom>
-          <a:solidFill>
-            <a:schemeClr val="bg1">
-              <a:lumMod val="85000"/>
-            </a:schemeClr>
-          </a:solidFill>
-        </p:spPr>
-        <p:style>
-          <a:lnRef idx="2">
-            <a:schemeClr val="accent1">
-              <a:shade val="15000"/>
-            </a:schemeClr>
-          </a:lnRef>
-          <a:fillRef idx="1">
-            <a:schemeClr val="accent1"/>
-          </a:fillRef>
-          <a:effectRef idx="0">
-            <a:schemeClr val="accent1"/>
-          </a:effectRef>
-          <a:fontRef idx="minor">
-            <a:schemeClr val="lt1"/>
-          </a:fontRef>
-        </p:style>
-        <p:txBody>
-          <a:bodyPr rtlCol="0" anchor="ctr"/>
-          <a:lstStyle/>
-          <a:p>
-            <a:pPr algn="ctr"/>
-            <a:endParaRPr lang="en-GB" sz="2000" dirty="0">
-              <a:solidFill>
-                <a:schemeClr val="tx1"/>
-              </a:solidFill>
-            </a:endParaRPr>
-          </a:p>
-        </p:txBody>
-      </p:sp>
-      <p:sp>
-        <p:nvSpPr>
-          <p:cNvPr id="11" name="Rectangle 10">
-            <a:extLst>
-              <a:ext uri="{FF2B5EF4-FFF2-40B4-BE49-F238E27FC236}">
-                <a16:creationId xmlns:a16="http://schemas.microsoft.com/office/drawing/2014/main" id="{72F9AC22-B3D0-400C-C41C-251C4935DF71}"/>
-              </a:ext>
-            </a:extLst>
-          </p:cNvPr>
-          <p:cNvSpPr/>
-          <p:nvPr/>
-        </p:nvSpPr>
-        <p:spPr>
-          <a:xfrm>
-            <a:off x="23501266" y="2985098"/>
-            <a:ext cx="2436388" cy="1644960"/>
-          </a:xfrm>
-          <a:prstGeom prst="rect">
-            <a:avLst/>
-          </a:prstGeom>
-          <a:solidFill>
-            <a:schemeClr val="bg1">
-              <a:lumMod val="85000"/>
-            </a:schemeClr>
-          </a:solidFill>
-        </p:spPr>
-        <p:style>
-          <a:lnRef idx="2">
-            <a:schemeClr val="accent1">
-              <a:shade val="15000"/>
-            </a:schemeClr>
-          </a:lnRef>
-          <a:fillRef idx="1">
-            <a:schemeClr val="accent1"/>
-          </a:fillRef>
-          <a:effectRef idx="0">
-            <a:schemeClr val="accent1"/>
-          </a:effectRef>
-          <a:fontRef idx="minor">
-            <a:schemeClr val="lt1"/>
-          </a:fontRef>
-        </p:style>
-        <p:txBody>
-          <a:bodyPr rtlCol="0" anchor="ctr"/>
-          <a:lstStyle/>
-          <a:p>
-            <a:pPr algn="ctr"/>
-            <a:endParaRPr lang="en-GB" sz="2000" dirty="0">
-              <a:solidFill>
-                <a:schemeClr val="tx1"/>
-              </a:solidFill>
-            </a:endParaRPr>
-          </a:p>
-        </p:txBody>
-      </p:sp>
-      <p:sp>
-        <p:nvSpPr>
-          <p:cNvPr id="12" name="Rectangle 11">
-            <a:extLst>
-              <a:ext uri="{FF2B5EF4-FFF2-40B4-BE49-F238E27FC236}">
-                <a16:creationId xmlns:a16="http://schemas.microsoft.com/office/drawing/2014/main" id="{4B7B1D94-EC90-E19D-9B17-9F38F6661FAD}"/>
-              </a:ext>
-            </a:extLst>
-          </p:cNvPr>
-          <p:cNvSpPr/>
-          <p:nvPr/>
-        </p:nvSpPr>
-        <p:spPr>
-          <a:xfrm>
-            <a:off x="23653666" y="3137498"/>
-            <a:ext cx="2436388" cy="1644960"/>
-          </a:xfrm>
-          <a:prstGeom prst="rect">
-            <a:avLst/>
-          </a:prstGeom>
-          <a:solidFill>
-            <a:schemeClr val="bg1">
-              <a:lumMod val="85000"/>
-            </a:schemeClr>
-          </a:solidFill>
-        </p:spPr>
-        <p:style>
-          <a:lnRef idx="2">
-            <a:schemeClr val="accent1">
-              <a:shade val="15000"/>
-            </a:schemeClr>
-          </a:lnRef>
-          <a:fillRef idx="1">
-            <a:schemeClr val="accent1"/>
-          </a:fillRef>
-          <a:effectRef idx="0">
-            <a:schemeClr val="accent1"/>
-          </a:effectRef>
-          <a:fontRef idx="minor">
-            <a:schemeClr val="lt1"/>
-          </a:fontRef>
-        </p:style>
-        <p:txBody>
-          <a:bodyPr rtlCol="0" anchor="ctr"/>
-          <a:lstStyle/>
-          <a:p>
-            <a:pPr algn="ctr"/>
-            <a:endParaRPr lang="en-GB" sz="2000" dirty="0">
-              <a:solidFill>
-                <a:schemeClr val="tx1"/>
-              </a:solidFill>
-            </a:endParaRPr>
-          </a:p>
-        </p:txBody>
-      </p:sp>
-      <p:sp>
-        <p:nvSpPr>
-          <p:cNvPr id="13" name="Rectangle 12">
-            <a:extLst>
-              <a:ext uri="{FF2B5EF4-FFF2-40B4-BE49-F238E27FC236}">
-                <a16:creationId xmlns:a16="http://schemas.microsoft.com/office/drawing/2014/main" id="{EE6B7265-0266-9F6D-AB95-EEEEB85CB011}"/>
-              </a:ext>
-            </a:extLst>
-          </p:cNvPr>
-          <p:cNvSpPr/>
-          <p:nvPr/>
-        </p:nvSpPr>
-        <p:spPr>
-          <a:xfrm>
-            <a:off x="23806066" y="3289898"/>
-            <a:ext cx="2436388" cy="1644960"/>
-          </a:xfrm>
-          <a:prstGeom prst="rect">
-            <a:avLst/>
-          </a:prstGeom>
-          <a:solidFill>
-            <a:schemeClr val="bg1">
-              <a:lumMod val="85000"/>
-            </a:schemeClr>
-          </a:solidFill>
-        </p:spPr>
-        <p:style>
-          <a:lnRef idx="2">
-            <a:schemeClr val="accent1">
-              <a:shade val="15000"/>
-            </a:schemeClr>
-          </a:lnRef>
-          <a:fillRef idx="1">
-            <a:schemeClr val="accent1"/>
-          </a:fillRef>
-          <a:effectRef idx="0">
-            <a:schemeClr val="accent1"/>
-          </a:effectRef>
-          <a:fontRef idx="minor">
-            <a:schemeClr val="lt1"/>
-          </a:fontRef>
-        </p:style>
-        <p:txBody>
-          <a:bodyPr rtlCol="0" anchor="ctr"/>
-          <a:lstStyle/>
-          <a:p>
-            <a:pPr algn="ctr"/>
-            <a:endParaRPr lang="en-GB" sz="2000" dirty="0">
-              <a:solidFill>
-                <a:schemeClr val="tx1"/>
-              </a:solidFill>
-            </a:endParaRPr>
-          </a:p>
-        </p:txBody>
-      </p:sp>
-      <p:sp>
-        <p:nvSpPr>
-          <p:cNvPr id="14" name="Rectangle 13">
-            <a:extLst>
-              <a:ext uri="{FF2B5EF4-FFF2-40B4-BE49-F238E27FC236}">
-                <a16:creationId xmlns:a16="http://schemas.microsoft.com/office/drawing/2014/main" id="{D0FD8DF6-25C8-5F43-32EE-2064C0CF7D37}"/>
-              </a:ext>
-            </a:extLst>
-          </p:cNvPr>
-          <p:cNvSpPr/>
-          <p:nvPr/>
-        </p:nvSpPr>
-        <p:spPr>
-          <a:xfrm>
-            <a:off x="23958466" y="3442298"/>
-            <a:ext cx="2436388" cy="1644960"/>
-          </a:xfrm>
-          <a:prstGeom prst="rect">
-            <a:avLst/>
-          </a:prstGeom>
-          <a:solidFill>
-            <a:schemeClr val="bg1">
-              <a:lumMod val="85000"/>
-            </a:schemeClr>
-          </a:solidFill>
-        </p:spPr>
-        <p:style>
-          <a:lnRef idx="2">
-            <a:schemeClr val="accent1">
-              <a:shade val="15000"/>
-            </a:schemeClr>
-          </a:lnRef>
-          <a:fillRef idx="1">
-            <a:schemeClr val="accent1"/>
-          </a:fillRef>
-          <a:effectRef idx="0">
-            <a:schemeClr val="accent1"/>
-          </a:effectRef>
-          <a:fontRef idx="minor">
-            <a:schemeClr val="lt1"/>
-          </a:fontRef>
-        </p:style>
-        <p:txBody>
-          <a:bodyPr rtlCol="0" anchor="ctr"/>
-          <a:lstStyle/>
-          <a:p>
-            <a:pPr algn="ctr"/>
-            <a:endParaRPr lang="en-GB" sz="2000" dirty="0">
-              <a:solidFill>
-                <a:schemeClr val="tx1"/>
-              </a:solidFill>
-            </a:endParaRPr>
-          </a:p>
-        </p:txBody>
-      </p:sp>
-      <p:sp>
-        <p:nvSpPr>
-          <p:cNvPr id="15" name="Rectangle 14">
-            <a:extLst>
-              <a:ext uri="{FF2B5EF4-FFF2-40B4-BE49-F238E27FC236}">
-                <a16:creationId xmlns:a16="http://schemas.microsoft.com/office/drawing/2014/main" id="{08256543-4CB1-CE21-0DE7-EE964B3723EA}"/>
-              </a:ext>
-            </a:extLst>
-          </p:cNvPr>
-          <p:cNvSpPr/>
-          <p:nvPr/>
-        </p:nvSpPr>
-        <p:spPr>
-          <a:xfrm>
-            <a:off x="23625997" y="5485597"/>
-            <a:ext cx="2279745" cy="1259320"/>
-          </a:xfrm>
-          <a:prstGeom prst="rect">
-            <a:avLst/>
-          </a:prstGeom>
-          <a:solidFill>
-            <a:srgbClr val="2596BE">
-              <a:alpha val="30196"/>
-            </a:srgbClr>
-          </a:solidFill>
-        </p:spPr>
-        <p:style>
-          <a:lnRef idx="2">
-            <a:schemeClr val="accent1">
-              <a:shade val="15000"/>
-            </a:schemeClr>
-          </a:lnRef>
-          <a:fillRef idx="1">
-            <a:schemeClr val="accent1"/>
-          </a:fillRef>
-          <a:effectRef idx="0">
-            <a:schemeClr val="accent1"/>
-          </a:effectRef>
-          <a:fontRef idx="minor">
-            <a:schemeClr val="lt1"/>
-          </a:fontRef>
-        </p:style>
-        <p:txBody>
-          <a:bodyPr rtlCol="0" anchor="ctr"/>
-          <a:lstStyle/>
-          <a:p>
-            <a:pPr algn="ctr"/>
-            <a:endParaRPr lang="en-GB" sz="2000" dirty="0">
-              <a:solidFill>
-                <a:schemeClr val="tx1"/>
-              </a:solidFill>
-            </a:endParaRPr>
-          </a:p>
-        </p:txBody>
-      </p:sp>
-      <p:sp>
-        <p:nvSpPr>
-          <p:cNvPr id="16" name="Rectangle 15">
-            <a:extLst>
-              <a:ext uri="{FF2B5EF4-FFF2-40B4-BE49-F238E27FC236}">
-                <a16:creationId xmlns:a16="http://schemas.microsoft.com/office/drawing/2014/main" id="{BB874D05-B0E0-860E-9FB0-6D88A7ADC7AC}"/>
-              </a:ext>
-            </a:extLst>
-          </p:cNvPr>
-          <p:cNvSpPr/>
-          <p:nvPr/>
-        </p:nvSpPr>
-        <p:spPr>
-          <a:xfrm>
-            <a:off x="23778397" y="5637997"/>
-            <a:ext cx="2279745" cy="1259320"/>
-          </a:xfrm>
-          <a:prstGeom prst="rect">
-            <a:avLst/>
-          </a:prstGeom>
-          <a:solidFill>
-            <a:srgbClr val="2596BE">
-              <a:alpha val="30196"/>
-            </a:srgbClr>
-          </a:solidFill>
-        </p:spPr>
-        <p:style>
-          <a:lnRef idx="2">
-            <a:schemeClr val="accent1">
-              <a:shade val="15000"/>
-            </a:schemeClr>
-          </a:lnRef>
-          <a:fillRef idx="1">
-            <a:schemeClr val="accent1"/>
-          </a:fillRef>
-          <a:effectRef idx="0">
-            <a:schemeClr val="accent1"/>
-          </a:effectRef>
-          <a:fontRef idx="minor">
-            <a:schemeClr val="lt1"/>
-          </a:fontRef>
-        </p:style>
-        <p:txBody>
-          <a:bodyPr rtlCol="0" anchor="ctr"/>
-          <a:lstStyle/>
-          <a:p>
-            <a:pPr algn="ctr"/>
-            <a:endParaRPr lang="en-GB" sz="2000" dirty="0">
-              <a:solidFill>
-                <a:schemeClr val="tx1"/>
-              </a:solidFill>
-            </a:endParaRPr>
-          </a:p>
-        </p:txBody>
-      </p:sp>
-      <p:sp>
-        <p:nvSpPr>
-          <p:cNvPr id="17" name="Rectangle 16">
-            <a:extLst>
-              <a:ext uri="{FF2B5EF4-FFF2-40B4-BE49-F238E27FC236}">
-                <a16:creationId xmlns:a16="http://schemas.microsoft.com/office/drawing/2014/main" id="{5E7585F8-BEBA-0297-A809-C24BC3EFEC68}"/>
-              </a:ext>
-            </a:extLst>
-          </p:cNvPr>
-          <p:cNvSpPr/>
-          <p:nvPr/>
-        </p:nvSpPr>
-        <p:spPr>
-          <a:xfrm>
-            <a:off x="23930797" y="5790397"/>
-            <a:ext cx="2279745" cy="1259320"/>
-          </a:xfrm>
-          <a:prstGeom prst="rect">
-            <a:avLst/>
-          </a:prstGeom>
-          <a:solidFill>
-            <a:srgbClr val="2596BE">
-              <a:alpha val="30196"/>
-            </a:srgbClr>
-          </a:solidFill>
-        </p:spPr>
-        <p:style>
-          <a:lnRef idx="2">
-            <a:schemeClr val="accent1">
-              <a:shade val="15000"/>
-            </a:schemeClr>
-          </a:lnRef>
-          <a:fillRef idx="1">
-            <a:schemeClr val="accent1"/>
-          </a:fillRef>
-          <a:effectRef idx="0">
-            <a:schemeClr val="accent1"/>
-          </a:effectRef>
-          <a:fontRef idx="minor">
-            <a:schemeClr val="lt1"/>
-          </a:fontRef>
-        </p:style>
-        <p:txBody>
-          <a:bodyPr rtlCol="0" anchor="ctr"/>
-          <a:lstStyle/>
-          <a:p>
-            <a:pPr algn="ctr"/>
-            <a:endParaRPr lang="en-GB" sz="2000" dirty="0">
-              <a:solidFill>
-                <a:schemeClr val="tx1"/>
-              </a:solidFill>
-            </a:endParaRPr>
-          </a:p>
-        </p:txBody>
-      </p:sp>
-      <p:sp>
-        <p:nvSpPr>
-          <p:cNvPr id="18" name="Rectangle 17">
-            <a:extLst>
-              <a:ext uri="{FF2B5EF4-FFF2-40B4-BE49-F238E27FC236}">
-                <a16:creationId xmlns:a16="http://schemas.microsoft.com/office/drawing/2014/main" id="{F8737CFD-76FF-93BD-DF6B-9686F9D59FEE}"/>
-              </a:ext>
-            </a:extLst>
-          </p:cNvPr>
-          <p:cNvSpPr/>
-          <p:nvPr/>
-        </p:nvSpPr>
-        <p:spPr>
-          <a:xfrm>
-            <a:off x="24083197" y="5942797"/>
-            <a:ext cx="2279745" cy="1259320"/>
-          </a:xfrm>
-          <a:prstGeom prst="rect">
-            <a:avLst/>
-          </a:prstGeom>
-          <a:solidFill>
-            <a:srgbClr val="2596BE">
-              <a:alpha val="30196"/>
-            </a:srgbClr>
-          </a:solidFill>
-        </p:spPr>
-        <p:style>
-          <a:lnRef idx="2">
-            <a:schemeClr val="accent1">
-              <a:shade val="15000"/>
-            </a:schemeClr>
-          </a:lnRef>
-          <a:fillRef idx="1">
-            <a:schemeClr val="accent1"/>
-          </a:fillRef>
-          <a:effectRef idx="0">
-            <a:schemeClr val="accent1"/>
-          </a:effectRef>
-          <a:fontRef idx="minor">
-            <a:schemeClr val="lt1"/>
-          </a:fontRef>
-        </p:style>
-        <p:txBody>
-          <a:bodyPr rtlCol="0" anchor="ctr"/>
-          <a:lstStyle/>
-          <a:p>
-            <a:pPr algn="ctr"/>
-            <a:endParaRPr lang="en-GB" sz="2000" dirty="0">
-              <a:solidFill>
-                <a:schemeClr val="tx1"/>
-              </a:solidFill>
-            </a:endParaRPr>
-          </a:p>
-        </p:txBody>
-      </p:sp>
-      <p:sp>
-        <p:nvSpPr>
-          <p:cNvPr id="19" name="Rectangle 18">
-            <a:extLst>
-              <a:ext uri="{FF2B5EF4-FFF2-40B4-BE49-F238E27FC236}">
-                <a16:creationId xmlns:a16="http://schemas.microsoft.com/office/drawing/2014/main" id="{5F6D6C7C-4C0A-2396-F7DF-836CB63FD869}"/>
-              </a:ext>
-            </a:extLst>
-          </p:cNvPr>
-          <p:cNvSpPr/>
-          <p:nvPr/>
-        </p:nvSpPr>
-        <p:spPr>
-          <a:xfrm>
-            <a:off x="7265864" y="4112378"/>
-            <a:ext cx="3233475" cy="1373012"/>
-          </a:xfrm>
-          <a:prstGeom prst="rect">
-            <a:avLst/>
-          </a:prstGeom>
-          <a:solidFill>
-            <a:srgbClr val="2596BE">
-              <a:alpha val="30196"/>
-            </a:srgbClr>
-          </a:solidFill>
-        </p:spPr>
-        <p:style>
-          <a:lnRef idx="2">
-            <a:schemeClr val="accent1">
-              <a:shade val="15000"/>
-            </a:schemeClr>
-          </a:lnRef>
-          <a:fillRef idx="1">
-            <a:schemeClr val="accent1"/>
-          </a:fillRef>
-          <a:effectRef idx="0">
-            <a:schemeClr val="accent1"/>
-          </a:effectRef>
-          <a:fontRef idx="minor">
-            <a:schemeClr val="lt1"/>
-          </a:fontRef>
-        </p:style>
-        <p:txBody>
-          <a:bodyPr rtlCol="0" anchor="ctr"/>
-          <a:lstStyle/>
-          <a:p>
-            <a:pPr algn="ctr"/>
-            <a:r>
-              <a:rPr lang="en-GB" sz="2000" b="1" dirty="0">
-                <a:solidFill>
-                  <a:schemeClr val="tx1"/>
-                </a:solidFill>
-              </a:rPr>
-              <a:t>Server: </a:t>
-            </a:r>
-            <a:r>
-              <a:rPr lang="en-GB" sz="2000" dirty="0">
-                <a:solidFill>
-                  <a:schemeClr val="tx1"/>
-                </a:solidFill>
-              </a:rPr>
-              <a:t>different options for connecting to a server</a:t>
-            </a:r>
-          </a:p>
-        </p:txBody>
-      </p:sp>
-      <p:sp>
-        <p:nvSpPr>
-          <p:cNvPr id="20" name="Rectangle 19">
-            <a:extLst>
-              <a:ext uri="{FF2B5EF4-FFF2-40B4-BE49-F238E27FC236}">
-                <a16:creationId xmlns:a16="http://schemas.microsoft.com/office/drawing/2014/main" id="{80117929-D4A6-3D34-5660-F6DA5108CD8F}"/>
-              </a:ext>
-            </a:extLst>
-          </p:cNvPr>
-          <p:cNvSpPr/>
-          <p:nvPr/>
-        </p:nvSpPr>
-        <p:spPr>
-          <a:xfrm>
-            <a:off x="24235597" y="6095197"/>
-            <a:ext cx="2279745" cy="1259320"/>
-          </a:xfrm>
-          <a:prstGeom prst="rect">
-            <a:avLst/>
-          </a:prstGeom>
-          <a:solidFill>
-            <a:srgbClr val="2596BE">
-              <a:alpha val="30196"/>
-            </a:srgbClr>
-          </a:solidFill>
-        </p:spPr>
-        <p:style>
-          <a:lnRef idx="2">
-            <a:schemeClr val="accent1">
-              <a:shade val="15000"/>
-            </a:schemeClr>
-          </a:lnRef>
-          <a:fillRef idx="1">
-            <a:schemeClr val="accent1"/>
-          </a:fillRef>
-          <a:effectRef idx="0">
-            <a:schemeClr val="accent1"/>
-          </a:effectRef>
-          <a:fontRef idx="minor">
-            <a:schemeClr val="lt1"/>
-          </a:fontRef>
-        </p:style>
-        <p:txBody>
-          <a:bodyPr rtlCol="0" anchor="ctr"/>
-          <a:lstStyle/>
-          <a:p>
-            <a:pPr algn="ctr"/>
-            <a:endParaRPr lang="en-GB" sz="2000" dirty="0">
-              <a:solidFill>
-                <a:schemeClr val="tx1"/>
-              </a:solidFill>
-            </a:endParaRPr>
-          </a:p>
-        </p:txBody>
-      </p:sp>
-      <p:sp>
-        <p:nvSpPr>
-          <p:cNvPr id="21" name="Rectangle 20">
-            <a:extLst>
-              <a:ext uri="{FF2B5EF4-FFF2-40B4-BE49-F238E27FC236}">
-                <a16:creationId xmlns:a16="http://schemas.microsoft.com/office/drawing/2014/main" id="{55F55DEF-20AD-AAB1-AB29-BC032AA0A40A}"/>
-              </a:ext>
-            </a:extLst>
-          </p:cNvPr>
-          <p:cNvSpPr/>
-          <p:nvPr/>
-        </p:nvSpPr>
-        <p:spPr>
-          <a:xfrm>
-            <a:off x="24387997" y="6247597"/>
-            <a:ext cx="2279745" cy="1259320"/>
-          </a:xfrm>
-          <a:prstGeom prst="rect">
-            <a:avLst/>
-          </a:prstGeom>
-          <a:solidFill>
-            <a:srgbClr val="2596BE">
-              <a:alpha val="30196"/>
-            </a:srgbClr>
-          </a:solidFill>
-        </p:spPr>
-        <p:style>
-          <a:lnRef idx="2">
-            <a:schemeClr val="accent1">
-              <a:shade val="15000"/>
-            </a:schemeClr>
-          </a:lnRef>
-          <a:fillRef idx="1">
-            <a:schemeClr val="accent1"/>
-          </a:fillRef>
-          <a:effectRef idx="0">
-            <a:schemeClr val="accent1"/>
-          </a:effectRef>
-          <a:fontRef idx="minor">
-            <a:schemeClr val="lt1"/>
-          </a:fontRef>
-        </p:style>
-        <p:txBody>
-          <a:bodyPr rtlCol="0" anchor="ctr"/>
-          <a:lstStyle/>
-          <a:p>
-            <a:pPr algn="ctr"/>
-            <a:endParaRPr lang="en-GB" sz="2000" dirty="0">
-              <a:solidFill>
-                <a:schemeClr val="tx1"/>
-              </a:solidFill>
-            </a:endParaRPr>
-          </a:p>
-        </p:txBody>
-      </p:sp>
-      <p:sp>
-        <p:nvSpPr>
-          <p:cNvPr id="22" name="Rectangle 21">
-            <a:extLst>
-              <a:ext uri="{FF2B5EF4-FFF2-40B4-BE49-F238E27FC236}">
-                <a16:creationId xmlns:a16="http://schemas.microsoft.com/office/drawing/2014/main" id="{B92CF2EF-7863-7831-B4CB-A0BAF2922083}"/>
-              </a:ext>
-            </a:extLst>
-          </p:cNvPr>
-          <p:cNvSpPr/>
-          <p:nvPr/>
-        </p:nvSpPr>
-        <p:spPr>
-          <a:xfrm>
-            <a:off x="24540397" y="6399997"/>
-            <a:ext cx="2279745" cy="1259320"/>
-          </a:xfrm>
-          <a:prstGeom prst="rect">
-            <a:avLst/>
-          </a:prstGeom>
-          <a:solidFill>
-            <a:srgbClr val="2596BE">
-              <a:alpha val="30196"/>
-            </a:srgbClr>
-          </a:solidFill>
-        </p:spPr>
-        <p:style>
-          <a:lnRef idx="2">
-            <a:schemeClr val="accent1">
-              <a:shade val="15000"/>
-            </a:schemeClr>
-          </a:lnRef>
-          <a:fillRef idx="1">
-            <a:schemeClr val="accent1"/>
-          </a:fillRef>
-          <a:effectRef idx="0">
-            <a:schemeClr val="accent1"/>
-          </a:effectRef>
-          <a:fontRef idx="minor">
-            <a:schemeClr val="lt1"/>
-          </a:fontRef>
-        </p:style>
-        <p:txBody>
-          <a:bodyPr rtlCol="0" anchor="ctr"/>
-          <a:lstStyle/>
-          <a:p>
-            <a:pPr algn="ctr"/>
-            <a:endParaRPr lang="en-GB" sz="2000" dirty="0">
-              <a:solidFill>
-                <a:schemeClr val="tx1"/>
-              </a:solidFill>
-            </a:endParaRPr>
-          </a:p>
-        </p:txBody>
-      </p:sp>
-      <p:sp>
-        <p:nvSpPr>
-          <p:cNvPr id="23" name="Rectangle 22">
-            <a:extLst>
-              <a:ext uri="{FF2B5EF4-FFF2-40B4-BE49-F238E27FC236}">
-                <a16:creationId xmlns:a16="http://schemas.microsoft.com/office/drawing/2014/main" id="{F8B03F6E-6F35-D78B-8BA0-0EE5BB8C5945}"/>
-              </a:ext>
-            </a:extLst>
-          </p:cNvPr>
-          <p:cNvSpPr/>
-          <p:nvPr/>
-        </p:nvSpPr>
-        <p:spPr>
-          <a:xfrm>
-            <a:off x="24692797" y="6552397"/>
-            <a:ext cx="2279745" cy="1259320"/>
-          </a:xfrm>
-          <a:prstGeom prst="rect">
-            <a:avLst/>
-          </a:prstGeom>
-          <a:solidFill>
-            <a:srgbClr val="2596BE">
-              <a:alpha val="30196"/>
-            </a:srgbClr>
-          </a:solidFill>
-        </p:spPr>
-        <p:style>
-          <a:lnRef idx="2">
-            <a:schemeClr val="accent1">
-              <a:shade val="15000"/>
-            </a:schemeClr>
-          </a:lnRef>
-          <a:fillRef idx="1">
-            <a:schemeClr val="accent1"/>
-          </a:fillRef>
-          <a:effectRef idx="0">
-            <a:schemeClr val="accent1"/>
-          </a:effectRef>
-          <a:fontRef idx="minor">
-            <a:schemeClr val="lt1"/>
-          </a:fontRef>
-        </p:style>
-        <p:txBody>
-          <a:bodyPr rtlCol="0" anchor="ctr"/>
-          <a:lstStyle/>
-          <a:p>
-            <a:pPr algn="ctr"/>
-            <a:endParaRPr lang="en-GB" sz="2000" dirty="0">
-              <a:solidFill>
-                <a:schemeClr val="tx1"/>
-              </a:solidFill>
-            </a:endParaRPr>
-          </a:p>
-        </p:txBody>
-      </p:sp>
-      <p:sp>
-        <p:nvSpPr>
-          <p:cNvPr id="24" name="Rectangle 23">
-            <a:extLst>
-              <a:ext uri="{FF2B5EF4-FFF2-40B4-BE49-F238E27FC236}">
-                <a16:creationId xmlns:a16="http://schemas.microsoft.com/office/drawing/2014/main" id="{172B55A1-694D-BB7C-6665-B121EEA950AF}"/>
-              </a:ext>
-            </a:extLst>
-          </p:cNvPr>
-          <p:cNvSpPr/>
-          <p:nvPr/>
-        </p:nvSpPr>
-        <p:spPr>
-          <a:xfrm>
-            <a:off x="11620907" y="7854844"/>
-            <a:ext cx="3227959" cy="1259320"/>
-          </a:xfrm>
-          <a:prstGeom prst="rect">
-            <a:avLst/>
-          </a:prstGeom>
-          <a:solidFill>
-            <a:srgbClr val="2596BE">
-              <a:alpha val="30196"/>
-            </a:srgbClr>
-          </a:solidFill>
-        </p:spPr>
-        <p:style>
-          <a:lnRef idx="2">
-            <a:schemeClr val="accent1">
-              <a:shade val="15000"/>
-            </a:schemeClr>
-          </a:lnRef>
-          <a:fillRef idx="1">
-            <a:schemeClr val="accent1"/>
-          </a:fillRef>
-          <a:effectRef idx="0">
-            <a:schemeClr val="accent1"/>
-          </a:effectRef>
-          <a:fontRef idx="minor">
-            <a:schemeClr val="lt1"/>
-          </a:fontRef>
-        </p:style>
-        <p:txBody>
-          <a:bodyPr rtlCol="0" anchor="ctr"/>
-          <a:lstStyle/>
-          <a:p>
-            <a:pPr algn="ctr"/>
-            <a:r>
-              <a:rPr lang="en-GB" sz="2000" b="1" dirty="0">
-                <a:solidFill>
-                  <a:schemeClr val="tx1"/>
-                </a:solidFill>
-              </a:rPr>
-              <a:t>Disconnect:</a:t>
-            </a:r>
-            <a:r>
-              <a:rPr lang="en-GB" sz="2000" dirty="0">
-                <a:solidFill>
-                  <a:schemeClr val="tx1"/>
-                </a:solidFill>
-              </a:rPr>
-              <a:t> if we are connected to a server, disconnect from it.</a:t>
-            </a:r>
-            <a:endParaRPr lang="en-GB" sz="2000" b="1" dirty="0">
-              <a:solidFill>
-                <a:schemeClr val="tx1"/>
-              </a:solidFill>
-            </a:endParaRPr>
-          </a:p>
-        </p:txBody>
-      </p:sp>
-      <p:sp>
-        <p:nvSpPr>
-          <p:cNvPr id="25" name="Rectangle 24">
-            <a:extLst>
-              <a:ext uri="{FF2B5EF4-FFF2-40B4-BE49-F238E27FC236}">
-                <a16:creationId xmlns:a16="http://schemas.microsoft.com/office/drawing/2014/main" id="{86D00E3F-561A-E0ED-F5FF-37A7FDDDD942}"/>
-              </a:ext>
-            </a:extLst>
-          </p:cNvPr>
-          <p:cNvSpPr/>
-          <p:nvPr/>
-        </p:nvSpPr>
-        <p:spPr>
-          <a:xfrm>
-            <a:off x="11620908" y="2656201"/>
-            <a:ext cx="4637956" cy="2441419"/>
-          </a:xfrm>
-          <a:prstGeom prst="rect">
-            <a:avLst/>
-          </a:prstGeom>
-          <a:solidFill>
-            <a:srgbClr val="2596BE">
-              <a:alpha val="30196"/>
-            </a:srgbClr>
-          </a:solidFill>
-        </p:spPr>
-        <p:style>
-          <a:lnRef idx="2">
-            <a:schemeClr val="accent1">
-              <a:shade val="15000"/>
-            </a:schemeClr>
-          </a:lnRef>
-          <a:fillRef idx="1">
-            <a:schemeClr val="accent1"/>
-          </a:fillRef>
-          <a:effectRef idx="0">
-            <a:schemeClr val="accent1"/>
-          </a:effectRef>
-          <a:fontRef idx="minor">
-            <a:schemeClr val="lt1"/>
-          </a:fontRef>
-        </p:style>
-        <p:txBody>
-          <a:bodyPr rtlCol="0" anchor="ctr"/>
-          <a:lstStyle/>
-          <a:p>
-            <a:pPr algn="ctr"/>
-            <a:r>
-              <a:rPr lang="en-GB" sz="2000" b="1" dirty="0">
-                <a:solidFill>
-                  <a:schemeClr val="tx1"/>
-                </a:solidFill>
-              </a:rPr>
-              <a:t>Direct Connect</a:t>
-            </a:r>
-            <a:r>
-              <a:rPr lang="en-GB" sz="2000" dirty="0">
-                <a:solidFill>
-                  <a:schemeClr val="tx1"/>
-                </a:solidFill>
-              </a:rPr>
-              <a:t>: toggles a menu that allows you to change the IP address and trajectory/multiplayer ports of the server you wish to connect to. Use this if you are not using the default ports (specified when you create a server) or if you are connecting to an IP of a different machine/cloud server.</a:t>
-            </a:r>
-          </a:p>
-        </p:txBody>
-      </p:sp>
-      <p:sp>
-        <p:nvSpPr>
-          <p:cNvPr id="26" name="Rectangle 25">
-            <a:extLst>
-              <a:ext uri="{FF2B5EF4-FFF2-40B4-BE49-F238E27FC236}">
-                <a16:creationId xmlns:a16="http://schemas.microsoft.com/office/drawing/2014/main" id="{CCCA6C18-4808-6C21-A408-320E0F3E159B}"/>
-              </a:ext>
-            </a:extLst>
-          </p:cNvPr>
-          <p:cNvSpPr/>
-          <p:nvPr/>
-        </p:nvSpPr>
-        <p:spPr>
-          <a:xfrm>
-            <a:off x="11626423" y="322675"/>
-            <a:ext cx="4578242" cy="1577139"/>
-          </a:xfrm>
-          <a:prstGeom prst="rect">
-            <a:avLst/>
-          </a:prstGeom>
-          <a:solidFill>
-            <a:srgbClr val="2596BE">
-              <a:alpha val="30196"/>
-            </a:srgbClr>
-          </a:solidFill>
-        </p:spPr>
-        <p:style>
-          <a:lnRef idx="2">
-            <a:schemeClr val="accent1">
-              <a:shade val="15000"/>
-            </a:schemeClr>
-          </a:lnRef>
-          <a:fillRef idx="1">
-            <a:schemeClr val="accent1"/>
-          </a:fillRef>
-          <a:effectRef idx="0">
-            <a:schemeClr val="accent1"/>
-          </a:effectRef>
-          <a:fontRef idx="minor">
-            <a:schemeClr val="lt1"/>
-          </a:fontRef>
-        </p:style>
-        <p:txBody>
-          <a:bodyPr rtlCol="0" anchor="ctr"/>
-          <a:lstStyle/>
-          <a:p>
-            <a:pPr algn="ctr"/>
-            <a:r>
-              <a:rPr lang="en-GB" sz="2000" b="1" dirty="0" err="1">
-                <a:solidFill>
-                  <a:schemeClr val="tx1"/>
-                </a:solidFill>
-              </a:rPr>
-              <a:t>Autoconnect</a:t>
-            </a:r>
-            <a:r>
-              <a:rPr lang="en-GB" sz="2000" dirty="0">
-                <a:solidFill>
-                  <a:schemeClr val="tx1"/>
-                </a:solidFill>
-              </a:rPr>
-              <a:t>: connects to the first server found on the network (uses the default parameters). Do not use this if there are multiple servers running on your network.</a:t>
-            </a:r>
-          </a:p>
-        </p:txBody>
-      </p:sp>
-      <p:pic>
-        <p:nvPicPr>
-          <p:cNvPr id="28" name="Picture 27">
-            <a:extLst>
-              <a:ext uri="{FF2B5EF4-FFF2-40B4-BE49-F238E27FC236}">
-                <a16:creationId xmlns:a16="http://schemas.microsoft.com/office/drawing/2014/main" id="{883E1A98-ABC3-47D2-BC09-0EE2F3747C93}"/>
-              </a:ext>
-            </a:extLst>
-          </p:cNvPr>
-          <p:cNvPicPr>
-            <a:picLocks noChangeAspect="1"/>
-          </p:cNvPicPr>
-          <p:nvPr/>
-        </p:nvPicPr>
-        <p:blipFill>
-          <a:blip r:embed="rId3"/>
-          <a:stretch>
-            <a:fillRect/>
-          </a:stretch>
-        </p:blipFill>
-        <p:spPr>
-          <a:xfrm>
-            <a:off x="16421475" y="2656201"/>
-            <a:ext cx="2654380" cy="2949310"/>
-          </a:xfrm>
-          <a:prstGeom prst="rect">
-            <a:avLst/>
-          </a:prstGeom>
-        </p:spPr>
-      </p:pic>
-      <p:pic>
-        <p:nvPicPr>
-          <p:cNvPr id="30" name="Picture 29">
-            <a:extLst>
-              <a:ext uri="{FF2B5EF4-FFF2-40B4-BE49-F238E27FC236}">
-                <a16:creationId xmlns:a16="http://schemas.microsoft.com/office/drawing/2014/main" id="{80766357-3B97-AF21-B22A-54AEE5C5D93F}"/>
-              </a:ext>
-            </a:extLst>
-          </p:cNvPr>
-          <p:cNvPicPr>
-            <a:picLocks noChangeAspect="1"/>
-          </p:cNvPicPr>
-          <p:nvPr/>
-        </p:nvPicPr>
-        <p:blipFill>
-          <a:blip r:embed="rId4"/>
-          <a:stretch>
-            <a:fillRect/>
-          </a:stretch>
-        </p:blipFill>
-        <p:spPr>
-          <a:xfrm>
-            <a:off x="15058441" y="6396574"/>
-            <a:ext cx="2887176" cy="1235443"/>
-          </a:xfrm>
-          <a:prstGeom prst="rect">
-            <a:avLst/>
-          </a:prstGeom>
-        </p:spPr>
-      </p:pic>
-      <p:pic>
-        <p:nvPicPr>
-          <p:cNvPr id="32" name="Picture 31">
-            <a:extLst>
-              <a:ext uri="{FF2B5EF4-FFF2-40B4-BE49-F238E27FC236}">
-                <a16:creationId xmlns:a16="http://schemas.microsoft.com/office/drawing/2014/main" id="{76B58336-0005-B29A-D9C1-4CCCF13BDD65}"/>
-              </a:ext>
-            </a:extLst>
-          </p:cNvPr>
-          <p:cNvPicPr>
-            <a:picLocks noChangeAspect="1"/>
-          </p:cNvPicPr>
-          <p:nvPr/>
-        </p:nvPicPr>
-        <p:blipFill>
-          <a:blip r:embed="rId5"/>
-          <a:stretch>
-            <a:fillRect/>
-          </a:stretch>
-        </p:blipFill>
-        <p:spPr>
-          <a:xfrm>
-            <a:off x="18387092" y="6396574"/>
-            <a:ext cx="2860319" cy="1826307"/>
-          </a:xfrm>
-          <a:prstGeom prst="rect">
-            <a:avLst/>
-          </a:prstGeom>
-        </p:spPr>
-      </p:pic>
-      <p:sp>
-        <p:nvSpPr>
-          <p:cNvPr id="33" name="Rectangle 32">
-            <a:extLst>
-              <a:ext uri="{FF2B5EF4-FFF2-40B4-BE49-F238E27FC236}">
-                <a16:creationId xmlns:a16="http://schemas.microsoft.com/office/drawing/2014/main" id="{F6376597-504F-D315-56EB-7DAB12073E45}"/>
-              </a:ext>
-            </a:extLst>
-          </p:cNvPr>
-          <p:cNvSpPr/>
-          <p:nvPr/>
-        </p:nvSpPr>
-        <p:spPr>
-          <a:xfrm>
-            <a:off x="11620907" y="6331974"/>
-            <a:ext cx="3227959" cy="1235443"/>
-          </a:xfrm>
-          <a:prstGeom prst="rect">
-            <a:avLst/>
-          </a:prstGeom>
-          <a:solidFill>
-            <a:srgbClr val="2596BE">
-              <a:alpha val="30196"/>
-            </a:srgbClr>
-          </a:solidFill>
-        </p:spPr>
-        <p:style>
-          <a:lnRef idx="2">
-            <a:schemeClr val="accent1">
-              <a:shade val="15000"/>
-            </a:schemeClr>
-          </a:lnRef>
-          <a:fillRef idx="1">
-            <a:schemeClr val="accent1"/>
-          </a:fillRef>
-          <a:effectRef idx="0">
-            <a:schemeClr val="accent1"/>
-          </a:effectRef>
-          <a:fontRef idx="minor">
-            <a:schemeClr val="lt1"/>
-          </a:fontRef>
-        </p:style>
-        <p:txBody>
-          <a:bodyPr rtlCol="0" anchor="ctr"/>
-          <a:lstStyle/>
-          <a:p>
-            <a:pPr algn="ctr"/>
-            <a:r>
-              <a:rPr lang="en-GB" sz="2000" b="1" dirty="0">
-                <a:solidFill>
-                  <a:schemeClr val="tx1"/>
-                </a:solidFill>
-              </a:rPr>
-              <a:t>Discover Services</a:t>
-            </a:r>
-            <a:r>
-              <a:rPr lang="en-GB" sz="2000" dirty="0">
-                <a:solidFill>
-                  <a:schemeClr val="tx1"/>
-                </a:solidFill>
-              </a:rPr>
-              <a:t>: toggles a menu for searching for servers on the network.</a:t>
-            </a:r>
-          </a:p>
-        </p:txBody>
-      </p:sp>
-      <p:sp>
-        <p:nvSpPr>
-          <p:cNvPr id="35" name="Rectangle 34">
-            <a:extLst>
-              <a:ext uri="{FF2B5EF4-FFF2-40B4-BE49-F238E27FC236}">
-                <a16:creationId xmlns:a16="http://schemas.microsoft.com/office/drawing/2014/main" id="{0397A6E3-6004-1107-CFA4-3DD0A244CBCC}"/>
-              </a:ext>
-            </a:extLst>
-          </p:cNvPr>
-          <p:cNvSpPr/>
-          <p:nvPr/>
-        </p:nvSpPr>
-        <p:spPr>
-          <a:xfrm>
-            <a:off x="15058441" y="7752742"/>
-            <a:ext cx="3227959" cy="907486"/>
-          </a:xfrm>
-          <a:prstGeom prst="rect">
-            <a:avLst/>
-          </a:prstGeom>
-          <a:solidFill>
-            <a:schemeClr val="accent2">
-              <a:lumMod val="40000"/>
-              <a:lumOff val="60000"/>
-            </a:schemeClr>
-          </a:solidFill>
-        </p:spPr>
-        <p:style>
-          <a:lnRef idx="2">
-            <a:schemeClr val="accent1">
-              <a:shade val="15000"/>
-            </a:schemeClr>
-          </a:lnRef>
-          <a:fillRef idx="1">
-            <a:schemeClr val="accent1"/>
-          </a:fillRef>
-          <a:effectRef idx="0">
-            <a:schemeClr val="accent1"/>
-          </a:effectRef>
-          <a:fontRef idx="minor">
-            <a:schemeClr val="lt1"/>
-          </a:fontRef>
-        </p:style>
-        <p:txBody>
-          <a:bodyPr rtlCol="0" anchor="ctr"/>
-          <a:lstStyle/>
-          <a:p>
-            <a:pPr algn="ctr"/>
-            <a:r>
-              <a:rPr lang="en-GB" sz="2000" dirty="0">
-                <a:solidFill>
-                  <a:schemeClr val="tx1"/>
-                </a:solidFill>
-              </a:rPr>
-              <a:t>Click “Search”. If there are servers available, they will appear underneath.</a:t>
-            </a:r>
-          </a:p>
-        </p:txBody>
-      </p:sp>
-      <p:sp>
-        <p:nvSpPr>
-          <p:cNvPr id="36" name="Rectangle 35">
-            <a:extLst>
-              <a:ext uri="{FF2B5EF4-FFF2-40B4-BE49-F238E27FC236}">
-                <a16:creationId xmlns:a16="http://schemas.microsoft.com/office/drawing/2014/main" id="{052C7F83-0C2F-5979-5556-BD55491AF710}"/>
-              </a:ext>
-            </a:extLst>
-          </p:cNvPr>
-          <p:cNvSpPr/>
-          <p:nvPr/>
-        </p:nvSpPr>
-        <p:spPr>
-          <a:xfrm>
-            <a:off x="23130873" y="8711176"/>
-            <a:ext cx="2654381" cy="1437287"/>
-          </a:xfrm>
-          <a:prstGeom prst="rect">
-            <a:avLst/>
-          </a:prstGeom>
-          <a:solidFill>
-            <a:schemeClr val="accent2">
-              <a:lumMod val="40000"/>
-              <a:lumOff val="60000"/>
-            </a:schemeClr>
-          </a:solidFill>
-        </p:spPr>
-        <p:style>
-          <a:lnRef idx="2">
-            <a:schemeClr val="accent1">
-              <a:shade val="15000"/>
-            </a:schemeClr>
-          </a:lnRef>
-          <a:fillRef idx="1">
-            <a:schemeClr val="accent1"/>
-          </a:fillRef>
-          <a:effectRef idx="0">
-            <a:schemeClr val="accent1"/>
-          </a:effectRef>
-          <a:fontRef idx="minor">
-            <a:schemeClr val="lt1"/>
-          </a:fontRef>
-        </p:style>
-        <p:txBody>
-          <a:bodyPr rtlCol="0" anchor="ctr"/>
-          <a:lstStyle/>
-          <a:p>
-            <a:pPr algn="ctr"/>
-            <a:endParaRPr lang="en-GB" sz="2000" dirty="0">
-              <a:solidFill>
-                <a:schemeClr val="tx1"/>
-              </a:solidFill>
-            </a:endParaRPr>
-          </a:p>
-        </p:txBody>
-      </p:sp>
-      <p:sp>
-        <p:nvSpPr>
-          <p:cNvPr id="37" name="Rectangle 36">
-            <a:extLst>
-              <a:ext uri="{FF2B5EF4-FFF2-40B4-BE49-F238E27FC236}">
-                <a16:creationId xmlns:a16="http://schemas.microsoft.com/office/drawing/2014/main" id="{74F3C1B9-9AF4-244A-FD11-2A291F2B9ED7}"/>
-              </a:ext>
-            </a:extLst>
-          </p:cNvPr>
-          <p:cNvSpPr/>
-          <p:nvPr/>
-        </p:nvSpPr>
-        <p:spPr>
-          <a:xfrm>
-            <a:off x="858968" y="6420057"/>
-            <a:ext cx="3227959" cy="1696046"/>
-          </a:xfrm>
-          <a:prstGeom prst="rect">
-            <a:avLst/>
-          </a:prstGeom>
-          <a:solidFill>
-            <a:srgbClr val="2596BE">
-              <a:alpha val="30196"/>
-            </a:srgbClr>
-          </a:solidFill>
-        </p:spPr>
-        <p:style>
-          <a:lnRef idx="2">
-            <a:schemeClr val="accent1">
-              <a:shade val="15000"/>
-            </a:schemeClr>
-          </a:lnRef>
-          <a:fillRef idx="1">
-            <a:schemeClr val="accent1"/>
-          </a:fillRef>
-          <a:effectRef idx="0">
-            <a:schemeClr val="accent1"/>
-          </a:effectRef>
-          <a:fontRef idx="minor">
-            <a:schemeClr val="lt1"/>
-          </a:fontRef>
-        </p:style>
-        <p:txBody>
-          <a:bodyPr rtlCol="0" anchor="ctr"/>
-          <a:lstStyle/>
-          <a:p>
-            <a:pPr algn="ctr"/>
-            <a:r>
-              <a:rPr lang="en-GB" sz="2000" b="1" dirty="0">
-                <a:solidFill>
-                  <a:schemeClr val="tx1"/>
-                </a:solidFill>
-              </a:rPr>
-              <a:t>Simulation: </a:t>
-            </a:r>
-            <a:r>
-              <a:rPr lang="en-GB" sz="2000" dirty="0">
-                <a:solidFill>
-                  <a:schemeClr val="tx1"/>
-                </a:solidFill>
-              </a:rPr>
-              <a:t>commands relating to the simulation or simulation box.</a:t>
-            </a:r>
-            <a:endParaRPr lang="en-GB" sz="2000" b="1" dirty="0">
-              <a:solidFill>
-                <a:schemeClr val="tx1"/>
-              </a:solidFill>
-            </a:endParaRPr>
-          </a:p>
-        </p:txBody>
-      </p:sp>
-      <p:sp>
-        <p:nvSpPr>
-          <p:cNvPr id="39" name="Rectangle 38">
-            <a:extLst>
-              <a:ext uri="{FF2B5EF4-FFF2-40B4-BE49-F238E27FC236}">
-                <a16:creationId xmlns:a16="http://schemas.microsoft.com/office/drawing/2014/main" id="{D7CA18CF-27F3-B728-483D-0DCAF0F1EBC3}"/>
-              </a:ext>
-            </a:extLst>
-          </p:cNvPr>
-          <p:cNvSpPr/>
-          <p:nvPr/>
-        </p:nvSpPr>
-        <p:spPr>
-          <a:xfrm>
-            <a:off x="21714556" y="10909705"/>
-            <a:ext cx="2700104" cy="1661459"/>
-          </a:xfrm>
-          <a:prstGeom prst="rect">
-            <a:avLst/>
-          </a:prstGeom>
-          <a:solidFill>
-            <a:schemeClr val="accent5">
-              <a:lumMod val="50000"/>
-              <a:alpha val="30196"/>
-            </a:schemeClr>
-          </a:solidFill>
-        </p:spPr>
-        <p:style>
-          <a:lnRef idx="2">
-            <a:schemeClr val="accent1">
-              <a:shade val="15000"/>
-            </a:schemeClr>
-          </a:lnRef>
-          <a:fillRef idx="1">
-            <a:schemeClr val="accent1"/>
-          </a:fillRef>
-          <a:effectRef idx="0">
-            <a:schemeClr val="accent1"/>
-          </a:effectRef>
-          <a:fontRef idx="minor">
-            <a:schemeClr val="lt1"/>
-          </a:fontRef>
-        </p:style>
-        <p:txBody>
-          <a:bodyPr rtlCol="0" anchor="ctr"/>
-          <a:lstStyle/>
-          <a:p>
-            <a:endParaRPr lang="en-GB" sz="2000" dirty="0">
-              <a:solidFill>
-                <a:schemeClr val="tx1"/>
-              </a:solidFill>
-            </a:endParaRPr>
-          </a:p>
-        </p:txBody>
-      </p:sp>
-      <p:sp>
-        <p:nvSpPr>
-          <p:cNvPr id="40" name="Rectangle 39">
-            <a:extLst>
-              <a:ext uri="{FF2B5EF4-FFF2-40B4-BE49-F238E27FC236}">
-                <a16:creationId xmlns:a16="http://schemas.microsoft.com/office/drawing/2014/main" id="{94180434-932E-8F6F-C486-7C91200BA114}"/>
-              </a:ext>
-            </a:extLst>
-          </p:cNvPr>
-          <p:cNvSpPr/>
-          <p:nvPr/>
-        </p:nvSpPr>
-        <p:spPr>
-          <a:xfrm>
-            <a:off x="21866956" y="11062105"/>
-            <a:ext cx="2700104" cy="1661459"/>
-          </a:xfrm>
-          <a:prstGeom prst="rect">
-            <a:avLst/>
-          </a:prstGeom>
-          <a:solidFill>
-            <a:schemeClr val="accent5">
-              <a:lumMod val="50000"/>
-              <a:alpha val="30196"/>
-            </a:schemeClr>
-          </a:solidFill>
-        </p:spPr>
-        <p:style>
-          <a:lnRef idx="2">
-            <a:schemeClr val="accent1">
-              <a:shade val="15000"/>
-            </a:schemeClr>
-          </a:lnRef>
-          <a:fillRef idx="1">
-            <a:schemeClr val="accent1"/>
-          </a:fillRef>
-          <a:effectRef idx="0">
-            <a:schemeClr val="accent1"/>
-          </a:effectRef>
-          <a:fontRef idx="minor">
-            <a:schemeClr val="lt1"/>
-          </a:fontRef>
-        </p:style>
-        <p:txBody>
-          <a:bodyPr rtlCol="0" anchor="ctr"/>
-          <a:lstStyle/>
-          <a:p>
-            <a:endParaRPr lang="en-GB" sz="2000" dirty="0">
-              <a:solidFill>
-                <a:schemeClr val="tx1"/>
-              </a:solidFill>
-            </a:endParaRPr>
-          </a:p>
-        </p:txBody>
-      </p:sp>
-      <p:sp>
-        <p:nvSpPr>
-          <p:cNvPr id="41" name="Rectangle 40">
-            <a:extLst>
-              <a:ext uri="{FF2B5EF4-FFF2-40B4-BE49-F238E27FC236}">
-                <a16:creationId xmlns:a16="http://schemas.microsoft.com/office/drawing/2014/main" id="{77B2A6A4-A8EE-9506-A49C-610AAF5D7832}"/>
-              </a:ext>
-            </a:extLst>
-          </p:cNvPr>
-          <p:cNvSpPr/>
-          <p:nvPr/>
-        </p:nvSpPr>
-        <p:spPr>
-          <a:xfrm>
-            <a:off x="22019356" y="11214505"/>
-            <a:ext cx="2700104" cy="1661459"/>
-          </a:xfrm>
-          <a:prstGeom prst="rect">
-            <a:avLst/>
-          </a:prstGeom>
-          <a:solidFill>
-            <a:schemeClr val="accent5">
-              <a:lumMod val="50000"/>
-              <a:alpha val="30196"/>
-            </a:schemeClr>
-          </a:solidFill>
-        </p:spPr>
-        <p:style>
-          <a:lnRef idx="2">
-            <a:schemeClr val="accent1">
-              <a:shade val="15000"/>
-            </a:schemeClr>
-          </a:lnRef>
-          <a:fillRef idx="1">
-            <a:schemeClr val="accent1"/>
-          </a:fillRef>
-          <a:effectRef idx="0">
-            <a:schemeClr val="accent1"/>
-          </a:effectRef>
-          <a:fontRef idx="minor">
-            <a:schemeClr val="lt1"/>
-          </a:fontRef>
-        </p:style>
-        <p:txBody>
-          <a:bodyPr rtlCol="0" anchor="ctr"/>
-          <a:lstStyle/>
-          <a:p>
-            <a:endParaRPr lang="en-GB" sz="2000" dirty="0">
-              <a:solidFill>
-                <a:schemeClr val="tx1"/>
-              </a:solidFill>
-            </a:endParaRPr>
-          </a:p>
-        </p:txBody>
-      </p:sp>
-      <p:sp>
-        <p:nvSpPr>
-          <p:cNvPr id="42" name="Rectangle 41">
-            <a:extLst>
-              <a:ext uri="{FF2B5EF4-FFF2-40B4-BE49-F238E27FC236}">
-                <a16:creationId xmlns:a16="http://schemas.microsoft.com/office/drawing/2014/main" id="{530B05C7-E804-7C5A-E539-F16252160766}"/>
-              </a:ext>
-            </a:extLst>
-          </p:cNvPr>
-          <p:cNvSpPr/>
-          <p:nvPr/>
-        </p:nvSpPr>
-        <p:spPr>
-          <a:xfrm>
-            <a:off x="819382" y="4982225"/>
-            <a:ext cx="3227959" cy="830730"/>
-          </a:xfrm>
-          <a:prstGeom prst="rect">
-            <a:avLst/>
-          </a:prstGeom>
-          <a:solidFill>
-            <a:schemeClr val="accent5">
-              <a:lumMod val="50000"/>
-              <a:alpha val="30196"/>
-            </a:schemeClr>
-          </a:solidFill>
-        </p:spPr>
-        <p:style>
-          <a:lnRef idx="2">
-            <a:schemeClr val="accent1">
-              <a:shade val="15000"/>
-            </a:schemeClr>
-          </a:lnRef>
-          <a:fillRef idx="1">
-            <a:schemeClr val="accent1"/>
-          </a:fillRef>
-          <a:effectRef idx="0">
-            <a:schemeClr val="accent1"/>
-          </a:effectRef>
-          <a:fontRef idx="minor">
-            <a:schemeClr val="lt1"/>
-          </a:fontRef>
-        </p:style>
-        <p:txBody>
-          <a:bodyPr rtlCol="0" anchor="ctr"/>
-          <a:lstStyle/>
-          <a:p>
-            <a:pPr algn="ctr"/>
-            <a:r>
-              <a:rPr lang="en-GB" sz="2000" b="1" dirty="0">
-                <a:solidFill>
-                  <a:schemeClr val="tx1"/>
-                </a:solidFill>
-              </a:rPr>
-              <a:t>User: </a:t>
-            </a:r>
-            <a:r>
-              <a:rPr lang="en-GB" sz="2000" dirty="0">
-                <a:solidFill>
-                  <a:schemeClr val="tx1"/>
-                </a:solidFill>
-              </a:rPr>
-              <a:t>scale the interaction force applied by the user.</a:t>
-            </a:r>
-            <a:endParaRPr lang="en-GB" sz="2000" b="1" dirty="0">
-              <a:solidFill>
-                <a:schemeClr val="tx1"/>
-              </a:solidFill>
-            </a:endParaRPr>
-          </a:p>
-        </p:txBody>
-      </p:sp>
-      <p:cxnSp>
-        <p:nvCxnSpPr>
-          <p:cNvPr id="45" name="Straight Arrow Connector 44">
-            <a:extLst>
-              <a:ext uri="{FF2B5EF4-FFF2-40B4-BE49-F238E27FC236}">
-                <a16:creationId xmlns:a16="http://schemas.microsoft.com/office/drawing/2014/main" id="{D646AB34-2024-5F47-5BB5-090F27E60CF3}"/>
-              </a:ext>
-            </a:extLst>
-          </p:cNvPr>
-          <p:cNvCxnSpPr>
-            <a:cxnSpLocks/>
-            <a:stCxn id="19" idx="3"/>
-            <a:endCxn id="26" idx="1"/>
-          </p:cNvCxnSpPr>
-          <p:nvPr/>
-        </p:nvCxnSpPr>
-        <p:spPr>
-          <a:xfrm flipV="1">
-            <a:off x="10499339" y="1111245"/>
-            <a:ext cx="1127084" cy="3687639"/>
-          </a:xfrm>
-          <a:prstGeom prst="straightConnector1">
-            <a:avLst/>
-          </a:prstGeom>
-          <a:ln w="19050">
-            <a:headEnd type="none" w="med" len="med"/>
-            <a:tailEnd type="arrow" w="med" len="med"/>
-          </a:ln>
-        </p:spPr>
-        <p:style>
-          <a:lnRef idx="2">
-            <a:schemeClr val="dk1"/>
-          </a:lnRef>
-          <a:fillRef idx="0">
-            <a:schemeClr val="dk1"/>
-          </a:fillRef>
-          <a:effectRef idx="1">
-            <a:schemeClr val="dk1"/>
-          </a:effectRef>
-          <a:fontRef idx="minor">
-            <a:schemeClr val="tx1"/>
-          </a:fontRef>
-        </p:style>
-      </p:cxnSp>
-      <p:cxnSp>
-        <p:nvCxnSpPr>
-          <p:cNvPr id="47" name="Straight Arrow Connector 46">
-            <a:extLst>
-              <a:ext uri="{FF2B5EF4-FFF2-40B4-BE49-F238E27FC236}">
-                <a16:creationId xmlns:a16="http://schemas.microsoft.com/office/drawing/2014/main" id="{55C9C976-3751-C3C5-C979-8969D443B41F}"/>
-              </a:ext>
-            </a:extLst>
-          </p:cNvPr>
-          <p:cNvCxnSpPr>
-            <a:cxnSpLocks/>
-            <a:stCxn id="19" idx="3"/>
-            <a:endCxn id="25" idx="1"/>
-          </p:cNvCxnSpPr>
-          <p:nvPr/>
-        </p:nvCxnSpPr>
-        <p:spPr>
-          <a:xfrm flipV="1">
-            <a:off x="10499339" y="3876911"/>
-            <a:ext cx="1121569" cy="921973"/>
-          </a:xfrm>
-          <a:prstGeom prst="straightConnector1">
-            <a:avLst/>
-          </a:prstGeom>
-          <a:ln w="19050">
-            <a:headEnd type="none" w="med" len="med"/>
-            <a:tailEnd type="arrow" w="med" len="med"/>
-          </a:ln>
-        </p:spPr>
-        <p:style>
-          <a:lnRef idx="2">
-            <a:schemeClr val="dk1"/>
-          </a:lnRef>
-          <a:fillRef idx="0">
-            <a:schemeClr val="dk1"/>
-          </a:fillRef>
-          <a:effectRef idx="1">
-            <a:schemeClr val="dk1"/>
-          </a:effectRef>
-          <a:fontRef idx="minor">
-            <a:schemeClr val="tx1"/>
-          </a:fontRef>
-        </p:style>
-      </p:cxnSp>
-      <p:cxnSp>
-        <p:nvCxnSpPr>
-          <p:cNvPr id="50" name="Straight Arrow Connector 49">
-            <a:extLst>
-              <a:ext uri="{FF2B5EF4-FFF2-40B4-BE49-F238E27FC236}">
-                <a16:creationId xmlns:a16="http://schemas.microsoft.com/office/drawing/2014/main" id="{628EC9C4-2EF7-1F6D-2A9B-942679A3F1A3}"/>
-              </a:ext>
-            </a:extLst>
-          </p:cNvPr>
-          <p:cNvCxnSpPr>
-            <a:cxnSpLocks/>
-          </p:cNvCxnSpPr>
-          <p:nvPr/>
-        </p:nvCxnSpPr>
-        <p:spPr>
-          <a:xfrm flipV="1">
-            <a:off x="16204665" y="11740434"/>
-            <a:ext cx="917198" cy="1835104"/>
-          </a:xfrm>
-          <a:prstGeom prst="straightConnector1">
-            <a:avLst/>
-          </a:prstGeom>
-          <a:ln w="19050">
-            <a:headEnd type="none" w="med" len="med"/>
-            <a:tailEnd type="arrow" w="med" len="med"/>
-          </a:ln>
-        </p:spPr>
-        <p:style>
-          <a:lnRef idx="2">
-            <a:schemeClr val="dk1"/>
-          </a:lnRef>
-          <a:fillRef idx="0">
-            <a:schemeClr val="dk1"/>
-          </a:fillRef>
-          <a:effectRef idx="1">
-            <a:schemeClr val="dk1"/>
-          </a:effectRef>
-          <a:fontRef idx="minor">
-            <a:schemeClr val="tx1"/>
-          </a:fontRef>
-        </p:style>
-      </p:cxnSp>
-      <p:cxnSp>
-        <p:nvCxnSpPr>
-          <p:cNvPr id="51" name="Straight Arrow Connector 50">
-            <a:extLst>
-              <a:ext uri="{FF2B5EF4-FFF2-40B4-BE49-F238E27FC236}">
-                <a16:creationId xmlns:a16="http://schemas.microsoft.com/office/drawing/2014/main" id="{9D90C76E-AAE3-1A13-9DEE-C3012EA5E9FB}"/>
-              </a:ext>
-            </a:extLst>
-          </p:cNvPr>
-          <p:cNvCxnSpPr>
-            <a:cxnSpLocks/>
-            <a:stCxn id="19" idx="3"/>
-            <a:endCxn id="24" idx="1"/>
-          </p:cNvCxnSpPr>
-          <p:nvPr/>
-        </p:nvCxnSpPr>
-        <p:spPr>
-          <a:xfrm>
-            <a:off x="10499339" y="4798884"/>
-            <a:ext cx="1121568" cy="3685620"/>
-          </a:xfrm>
-          <a:prstGeom prst="straightConnector1">
-            <a:avLst/>
-          </a:prstGeom>
-          <a:ln w="19050">
-            <a:headEnd type="none" w="med" len="med"/>
-            <a:tailEnd type="arrow" w="med" len="med"/>
-          </a:ln>
-        </p:spPr>
-        <p:style>
-          <a:lnRef idx="2">
-            <a:schemeClr val="dk1"/>
-          </a:lnRef>
-          <a:fillRef idx="0">
-            <a:schemeClr val="dk1"/>
-          </a:fillRef>
-          <a:effectRef idx="1">
-            <a:schemeClr val="dk1"/>
-          </a:effectRef>
-          <a:fontRef idx="minor">
-            <a:schemeClr val="tx1"/>
-          </a:fontRef>
-        </p:style>
-      </p:cxnSp>
-      <p:cxnSp>
-        <p:nvCxnSpPr>
-          <p:cNvPr id="52" name="Straight Arrow Connector 51">
-            <a:extLst>
-              <a:ext uri="{FF2B5EF4-FFF2-40B4-BE49-F238E27FC236}">
-                <a16:creationId xmlns:a16="http://schemas.microsoft.com/office/drawing/2014/main" id="{25C87051-6B1F-1E9F-597C-BB991529D79E}"/>
-              </a:ext>
-            </a:extLst>
-          </p:cNvPr>
-          <p:cNvCxnSpPr>
-            <a:cxnSpLocks/>
-            <a:stCxn id="19" idx="3"/>
-            <a:endCxn id="33" idx="1"/>
-          </p:cNvCxnSpPr>
-          <p:nvPr/>
-        </p:nvCxnSpPr>
-        <p:spPr>
-          <a:xfrm>
-            <a:off x="10499339" y="4798884"/>
-            <a:ext cx="1121568" cy="2150812"/>
-          </a:xfrm>
-          <a:prstGeom prst="straightConnector1">
-            <a:avLst/>
-          </a:prstGeom>
-          <a:ln w="19050">
-            <a:headEnd type="none" w="med" len="med"/>
-            <a:tailEnd type="arrow" w="med" len="med"/>
-          </a:ln>
-        </p:spPr>
-        <p:style>
-          <a:lnRef idx="2">
-            <a:schemeClr val="dk1"/>
-          </a:lnRef>
-          <a:fillRef idx="0">
-            <a:schemeClr val="dk1"/>
-          </a:fillRef>
-          <a:effectRef idx="1">
-            <a:schemeClr val="dk1"/>
-          </a:effectRef>
-          <a:fontRef idx="minor">
-            <a:schemeClr val="tx1"/>
-          </a:fontRef>
-        </p:style>
-      </p:cxnSp>
-      <p:cxnSp>
-        <p:nvCxnSpPr>
-          <p:cNvPr id="71" name="Straight Arrow Connector 70">
-            <a:extLst>
-              <a:ext uri="{FF2B5EF4-FFF2-40B4-BE49-F238E27FC236}">
-                <a16:creationId xmlns:a16="http://schemas.microsoft.com/office/drawing/2014/main" id="{B2395FF4-4C07-F9D7-5A5D-6A3DDD00CE33}"/>
-              </a:ext>
-            </a:extLst>
-          </p:cNvPr>
-          <p:cNvCxnSpPr>
-            <a:cxnSpLocks/>
-          </p:cNvCxnSpPr>
-          <p:nvPr/>
-        </p:nvCxnSpPr>
-        <p:spPr>
-          <a:xfrm flipV="1">
-            <a:off x="26971160" y="11274518"/>
-            <a:ext cx="1127084" cy="3687639"/>
-          </a:xfrm>
-          <a:prstGeom prst="straightConnector1">
-            <a:avLst/>
-          </a:prstGeom>
-          <a:ln w="19050">
-            <a:headEnd type="none" w="med" len="med"/>
-            <a:tailEnd type="arrow" w="med" len="med"/>
-          </a:ln>
-        </p:spPr>
-        <p:style>
-          <a:lnRef idx="2">
-            <a:schemeClr val="dk1"/>
-          </a:lnRef>
-          <a:fillRef idx="0">
-            <a:schemeClr val="dk1"/>
-          </a:fillRef>
-          <a:effectRef idx="1">
-            <a:schemeClr val="dk1"/>
-          </a:effectRef>
-          <a:fontRef idx="minor">
-            <a:schemeClr val="tx1"/>
-          </a:fontRef>
-        </p:style>
-      </p:cxnSp>
-      <p:cxnSp>
-        <p:nvCxnSpPr>
-          <p:cNvPr id="72" name="Straight Arrow Connector 71">
-            <a:extLst>
-              <a:ext uri="{FF2B5EF4-FFF2-40B4-BE49-F238E27FC236}">
-                <a16:creationId xmlns:a16="http://schemas.microsoft.com/office/drawing/2014/main" id="{49F8ABA7-EEB3-AC1F-A146-C5FD67C1D64C}"/>
-              </a:ext>
-            </a:extLst>
-          </p:cNvPr>
-          <p:cNvCxnSpPr>
-            <a:cxnSpLocks/>
-          </p:cNvCxnSpPr>
-          <p:nvPr/>
-        </p:nvCxnSpPr>
-        <p:spPr>
-          <a:xfrm flipV="1">
-            <a:off x="27123560" y="11426918"/>
-            <a:ext cx="1127084" cy="3687639"/>
-          </a:xfrm>
-          <a:prstGeom prst="straightConnector1">
-            <a:avLst/>
-          </a:prstGeom>
-          <a:ln w="19050">
-            <a:headEnd type="none" w="med" len="med"/>
-            <a:tailEnd type="arrow" w="med" len="med"/>
-          </a:ln>
-        </p:spPr>
-        <p:style>
-          <a:lnRef idx="2">
-            <a:schemeClr val="dk1"/>
-          </a:lnRef>
-          <a:fillRef idx="0">
-            <a:schemeClr val="dk1"/>
-          </a:fillRef>
-          <a:effectRef idx="1">
-            <a:schemeClr val="dk1"/>
-          </a:effectRef>
-          <a:fontRef idx="minor">
-            <a:schemeClr val="tx1"/>
-          </a:fontRef>
-        </p:style>
-      </p:cxnSp>
-      <p:cxnSp>
-        <p:nvCxnSpPr>
-          <p:cNvPr id="73" name="Straight Arrow Connector 72">
-            <a:extLst>
-              <a:ext uri="{FF2B5EF4-FFF2-40B4-BE49-F238E27FC236}">
-                <a16:creationId xmlns:a16="http://schemas.microsoft.com/office/drawing/2014/main" id="{730ECFF9-17E1-9676-909B-72EB33CDB34F}"/>
-              </a:ext>
-            </a:extLst>
-          </p:cNvPr>
-          <p:cNvCxnSpPr>
-            <a:cxnSpLocks/>
-          </p:cNvCxnSpPr>
-          <p:nvPr/>
-        </p:nvCxnSpPr>
-        <p:spPr>
-          <a:xfrm flipV="1">
-            <a:off x="27275960" y="11579318"/>
-            <a:ext cx="1127084" cy="3687639"/>
-          </a:xfrm>
-          <a:prstGeom prst="straightConnector1">
-            <a:avLst/>
-          </a:prstGeom>
-          <a:ln w="19050">
-            <a:headEnd type="none" w="med" len="med"/>
-            <a:tailEnd type="arrow" w="med" len="med"/>
-          </a:ln>
-        </p:spPr>
-        <p:style>
-          <a:lnRef idx="2">
-            <a:schemeClr val="dk1"/>
-          </a:lnRef>
-          <a:fillRef idx="0">
-            <a:schemeClr val="dk1"/>
-          </a:fillRef>
-          <a:effectRef idx="1">
-            <a:schemeClr val="dk1"/>
-          </a:effectRef>
-          <a:fontRef idx="minor">
-            <a:schemeClr val="tx1"/>
-          </a:fontRef>
-        </p:style>
-      </p:cxnSp>
-      <p:cxnSp>
-        <p:nvCxnSpPr>
-          <p:cNvPr id="74" name="Straight Arrow Connector 73">
-            <a:extLst>
-              <a:ext uri="{FF2B5EF4-FFF2-40B4-BE49-F238E27FC236}">
-                <a16:creationId xmlns:a16="http://schemas.microsoft.com/office/drawing/2014/main" id="{93E4ADD4-3A8D-A610-30BC-E6CF8956E03E}"/>
-              </a:ext>
-            </a:extLst>
-          </p:cNvPr>
-          <p:cNvCxnSpPr>
-            <a:cxnSpLocks/>
-          </p:cNvCxnSpPr>
-          <p:nvPr/>
-        </p:nvCxnSpPr>
-        <p:spPr>
-          <a:xfrm flipV="1">
-            <a:off x="27428360" y="11731718"/>
-            <a:ext cx="1127084" cy="3687639"/>
-          </a:xfrm>
-          <a:prstGeom prst="straightConnector1">
-            <a:avLst/>
-          </a:prstGeom>
-          <a:ln w="19050">
-            <a:headEnd type="none" w="med" len="med"/>
-            <a:tailEnd type="arrow" w="med" len="med"/>
-          </a:ln>
-        </p:spPr>
-        <p:style>
-          <a:lnRef idx="2">
-            <a:schemeClr val="dk1"/>
-          </a:lnRef>
-          <a:fillRef idx="0">
-            <a:schemeClr val="dk1"/>
-          </a:fillRef>
-          <a:effectRef idx="1">
-            <a:schemeClr val="dk1"/>
-          </a:effectRef>
-          <a:fontRef idx="minor">
-            <a:schemeClr val="tx1"/>
-          </a:fontRef>
-        </p:style>
-      </p:cxnSp>
-      <p:cxnSp>
-        <p:nvCxnSpPr>
-          <p:cNvPr id="75" name="Straight Arrow Connector 74">
-            <a:extLst>
-              <a:ext uri="{FF2B5EF4-FFF2-40B4-BE49-F238E27FC236}">
-                <a16:creationId xmlns:a16="http://schemas.microsoft.com/office/drawing/2014/main" id="{49406745-520E-D0E2-6F86-87C4E811A97F}"/>
-              </a:ext>
-            </a:extLst>
-          </p:cNvPr>
-          <p:cNvCxnSpPr>
-            <a:cxnSpLocks/>
-          </p:cNvCxnSpPr>
-          <p:nvPr/>
-        </p:nvCxnSpPr>
-        <p:spPr>
-          <a:xfrm flipV="1">
-            <a:off x="27580760" y="11884118"/>
-            <a:ext cx="1127084" cy="3687639"/>
-          </a:xfrm>
-          <a:prstGeom prst="straightConnector1">
-            <a:avLst/>
-          </a:prstGeom>
-          <a:ln w="19050">
-            <a:headEnd type="none" w="med" len="med"/>
-            <a:tailEnd type="arrow" w="med" len="med"/>
-          </a:ln>
-        </p:spPr>
-        <p:style>
-          <a:lnRef idx="2">
-            <a:schemeClr val="dk1"/>
-          </a:lnRef>
-          <a:fillRef idx="0">
-            <a:schemeClr val="dk1"/>
-          </a:fillRef>
-          <a:effectRef idx="1">
-            <a:schemeClr val="dk1"/>
-          </a:effectRef>
-          <a:fontRef idx="minor">
-            <a:schemeClr val="tx1"/>
-          </a:fontRef>
-        </p:style>
-      </p:cxnSp>
-      <p:cxnSp>
-        <p:nvCxnSpPr>
-          <p:cNvPr id="76" name="Straight Arrow Connector 75">
-            <a:extLst>
-              <a:ext uri="{FF2B5EF4-FFF2-40B4-BE49-F238E27FC236}">
-                <a16:creationId xmlns:a16="http://schemas.microsoft.com/office/drawing/2014/main" id="{633FA83C-04D9-65E0-EEF0-C45A137ED53E}"/>
-              </a:ext>
-            </a:extLst>
-          </p:cNvPr>
-          <p:cNvCxnSpPr>
-            <a:cxnSpLocks/>
-            <a:stCxn id="42" idx="3"/>
-          </p:cNvCxnSpPr>
-          <p:nvPr/>
-        </p:nvCxnSpPr>
-        <p:spPr>
-          <a:xfrm>
-            <a:off x="4047341" y="5397590"/>
-            <a:ext cx="478745" cy="415365"/>
-          </a:xfrm>
-          <a:prstGeom prst="straightConnector1">
-            <a:avLst/>
-          </a:prstGeom>
-          <a:ln w="19050">
-            <a:headEnd type="none" w="med" len="med"/>
-            <a:tailEnd type="arrow" w="med" len="med"/>
-          </a:ln>
-        </p:spPr>
-        <p:style>
-          <a:lnRef idx="2">
-            <a:schemeClr val="dk1"/>
-          </a:lnRef>
-          <a:fillRef idx="0">
-            <a:schemeClr val="dk1"/>
-          </a:fillRef>
-          <a:effectRef idx="1">
-            <a:schemeClr val="dk1"/>
-          </a:effectRef>
-          <a:fontRef idx="minor">
-            <a:schemeClr val="tx1"/>
-          </a:fontRef>
-        </p:style>
-      </p:cxnSp>
-      <p:cxnSp>
-        <p:nvCxnSpPr>
-          <p:cNvPr id="81" name="Straight Arrow Connector 80">
-            <a:extLst>
-              <a:ext uri="{FF2B5EF4-FFF2-40B4-BE49-F238E27FC236}">
-                <a16:creationId xmlns:a16="http://schemas.microsoft.com/office/drawing/2014/main" id="{F9571BB6-F48A-855C-998F-76A3D02FC766}"/>
-              </a:ext>
-            </a:extLst>
-          </p:cNvPr>
-          <p:cNvCxnSpPr>
-            <a:cxnSpLocks/>
-            <a:stCxn id="37" idx="3"/>
-          </p:cNvCxnSpPr>
-          <p:nvPr/>
-        </p:nvCxnSpPr>
-        <p:spPr>
-          <a:xfrm flipV="1">
-            <a:off x="4086927" y="6641694"/>
-            <a:ext cx="439159" cy="626386"/>
-          </a:xfrm>
-          <a:prstGeom prst="straightConnector1">
-            <a:avLst/>
-          </a:prstGeom>
-          <a:ln w="19050">
-            <a:headEnd type="none" w="med" len="med"/>
-            <a:tailEnd type="arrow" w="med" len="med"/>
-          </a:ln>
-        </p:spPr>
-        <p:style>
-          <a:lnRef idx="2">
-            <a:schemeClr val="dk1"/>
-          </a:lnRef>
-          <a:fillRef idx="0">
-            <a:schemeClr val="dk1"/>
-          </a:fillRef>
-          <a:effectRef idx="1">
-            <a:schemeClr val="dk1"/>
-          </a:effectRef>
-          <a:fontRef idx="minor">
-            <a:schemeClr val="tx1"/>
-          </a:fontRef>
-        </p:style>
-      </p:cxnSp>
-      <p:pic>
-        <p:nvPicPr>
-          <p:cNvPr id="2" name="Picture 1">
-            <a:extLst>
-              <a:ext uri="{FF2B5EF4-FFF2-40B4-BE49-F238E27FC236}">
-                <a16:creationId xmlns:a16="http://schemas.microsoft.com/office/drawing/2014/main" id="{818261D9-C1E3-5E1B-EC12-BF849741E425}"/>
-              </a:ext>
-            </a:extLst>
-          </p:cNvPr>
-          <p:cNvPicPr>
-            <a:picLocks noChangeAspect="1"/>
-          </p:cNvPicPr>
-          <p:nvPr/>
-        </p:nvPicPr>
-        <p:blipFill rotWithShape="1">
-          <a:blip r:embed="rId2"/>
-          <a:srcRect l="3401" t="5118" r="5355" b="75189"/>
-          <a:stretch/>
-        </p:blipFill>
-        <p:spPr>
-          <a:xfrm>
-            <a:off x="7705022" y="6396575"/>
-            <a:ext cx="2421957" cy="1558706"/>
-          </a:xfrm>
-          <a:prstGeom prst="rect">
-            <a:avLst/>
-          </a:prstGeom>
-        </p:spPr>
-      </p:pic>
-      <p:pic>
-        <p:nvPicPr>
-          <p:cNvPr id="3" name="Picture 2">
-            <a:extLst>
-              <a:ext uri="{FF2B5EF4-FFF2-40B4-BE49-F238E27FC236}">
-                <a16:creationId xmlns:a16="http://schemas.microsoft.com/office/drawing/2014/main" id="{3A4F2863-E9B4-0F41-9B81-E29865ED308A}"/>
-              </a:ext>
-            </a:extLst>
-          </p:cNvPr>
-          <p:cNvPicPr>
-            <a:picLocks noChangeAspect="1"/>
-          </p:cNvPicPr>
-          <p:nvPr/>
-        </p:nvPicPr>
-        <p:blipFill rotWithShape="1">
-          <a:blip r:embed="rId2"/>
-          <a:srcRect l="4396" t="24447" r="4983" b="64797"/>
-          <a:stretch/>
-        </p:blipFill>
-        <p:spPr>
-          <a:xfrm>
-            <a:off x="8011100" y="8427720"/>
-            <a:ext cx="2405439" cy="851340"/>
-          </a:xfrm>
-          <a:prstGeom prst="rect">
-            <a:avLst/>
-          </a:prstGeom>
-        </p:spPr>
-      </p:pic>
-      <p:pic>
-        <p:nvPicPr>
-          <p:cNvPr id="4" name="Picture 3">
-            <a:extLst>
-              <a:ext uri="{FF2B5EF4-FFF2-40B4-BE49-F238E27FC236}">
-                <a16:creationId xmlns:a16="http://schemas.microsoft.com/office/drawing/2014/main" id="{B763D365-327E-FCF9-1151-2497C47D918C}"/>
-              </a:ext>
-            </a:extLst>
-          </p:cNvPr>
-          <p:cNvPicPr>
-            <a:picLocks noChangeAspect="1"/>
-          </p:cNvPicPr>
-          <p:nvPr/>
-        </p:nvPicPr>
-        <p:blipFill rotWithShape="1">
-          <a:blip r:embed="rId2"/>
-          <a:srcRect l="2579" t="58102" r="3742" b="17894"/>
-          <a:stretch/>
-        </p:blipFill>
-        <p:spPr>
-          <a:xfrm>
-            <a:off x="8039989" y="9786203"/>
-            <a:ext cx="2486650" cy="1899921"/>
-          </a:xfrm>
-          <a:prstGeom prst="rect">
-            <a:avLst/>
-          </a:prstGeom>
-        </p:spPr>
-      </p:pic>
-      <p:pic>
-        <p:nvPicPr>
-          <p:cNvPr id="8" name="Picture 7">
-            <a:extLst>
-              <a:ext uri="{FF2B5EF4-FFF2-40B4-BE49-F238E27FC236}">
-                <a16:creationId xmlns:a16="http://schemas.microsoft.com/office/drawing/2014/main" id="{7F0311CE-9841-8D7B-B7CD-A4B43A4080BC}"/>
-              </a:ext>
-            </a:extLst>
-          </p:cNvPr>
-          <p:cNvPicPr>
-            <a:picLocks noChangeAspect="1"/>
-          </p:cNvPicPr>
-          <p:nvPr/>
-        </p:nvPicPr>
-        <p:blipFill rotWithShape="1">
-          <a:blip r:embed="rId2"/>
-          <a:srcRect t="81879" b="10512"/>
-          <a:stretch/>
-        </p:blipFill>
-        <p:spPr>
-          <a:xfrm>
-            <a:off x="7407751" y="14093190"/>
-            <a:ext cx="2654380" cy="602267"/>
-          </a:xfrm>
-          <a:prstGeom prst="rect">
-            <a:avLst/>
-          </a:prstGeom>
-        </p:spPr>
-      </p:pic>
-      <p:pic>
-        <p:nvPicPr>
-          <p:cNvPr id="27" name="Picture 26">
-            <a:extLst>
-              <a:ext uri="{FF2B5EF4-FFF2-40B4-BE49-F238E27FC236}">
-                <a16:creationId xmlns:a16="http://schemas.microsoft.com/office/drawing/2014/main" id="{8EAEE66D-8E22-0044-E609-7970E632BF20}"/>
-              </a:ext>
-            </a:extLst>
-          </p:cNvPr>
-          <p:cNvPicPr>
-            <a:picLocks noChangeAspect="1"/>
-          </p:cNvPicPr>
-          <p:nvPr/>
-        </p:nvPicPr>
-        <p:blipFill rotWithShape="1">
-          <a:blip r:embed="rId2"/>
-          <a:srcRect l="143" t="89373" r="387" b="2540"/>
-          <a:stretch/>
-        </p:blipFill>
-        <p:spPr>
-          <a:xfrm>
-            <a:off x="12479655" y="13321665"/>
-            <a:ext cx="2640330" cy="640080"/>
-          </a:xfrm>
-          <a:prstGeom prst="rect">
-            <a:avLst/>
-          </a:prstGeom>
-        </p:spPr>
-      </p:pic>
-      <p:pic>
-        <p:nvPicPr>
-          <p:cNvPr id="29" name="Picture 28">
-            <a:extLst>
-              <a:ext uri="{FF2B5EF4-FFF2-40B4-BE49-F238E27FC236}">
-                <a16:creationId xmlns:a16="http://schemas.microsoft.com/office/drawing/2014/main" id="{623BF1B8-F9C6-5A40-996E-4CCCCC11FF9C}"/>
-              </a:ext>
-            </a:extLst>
-          </p:cNvPr>
-          <p:cNvPicPr>
-            <a:picLocks noChangeAspect="1"/>
-          </p:cNvPicPr>
-          <p:nvPr/>
-        </p:nvPicPr>
-        <p:blipFill rotWithShape="1">
-          <a:blip r:embed="rId2"/>
-          <a:srcRect l="3361" t="34765" r="2958" b="41609"/>
-          <a:stretch/>
-        </p:blipFill>
-        <p:spPr>
-          <a:xfrm>
-            <a:off x="11578852" y="10123859"/>
-            <a:ext cx="2486650" cy="1870022"/>
-          </a:xfrm>
-          <a:prstGeom prst="rect">
-            <a:avLst/>
-          </a:prstGeom>
-        </p:spPr>
-      </p:pic>
-    </p:spTree>
-    <p:extLst>
-      <p:ext uri="{BB962C8B-B14F-4D97-AF65-F5344CB8AC3E}">
-        <p14:creationId xmlns:p14="http://schemas.microsoft.com/office/powerpoint/2010/main" val="2676893550"/>
       </p:ext>
     </p:extLst>
   </p:cSld>
@@ -8906,12 +8881,42 @@
           <a:chExt cx="0" cy="0"/>
         </a:xfrm>
       </p:grpSpPr>
-      <p:sp>
-        <p:nvSpPr>
-          <p:cNvPr id="4" name="Rectangle 3">
-            <a:extLst>
-              <a:ext uri="{FF2B5EF4-FFF2-40B4-BE49-F238E27FC236}">
-                <a16:creationId xmlns:a16="http://schemas.microsoft.com/office/drawing/2014/main" id="{22887272-8CFA-BF44-CACD-537694360768}"/>
+      <p:pic>
+        <p:nvPicPr>
+          <p:cNvPr id="5" name="Picture 4">
+            <a:extLst>
+              <a:ext uri="{FF2B5EF4-FFF2-40B4-BE49-F238E27FC236}">
+                <a16:creationId xmlns:a16="http://schemas.microsoft.com/office/drawing/2014/main" id="{E93F567E-8717-EC59-935B-2ADCDAB9122B}"/>
+              </a:ext>
+            </a:extLst>
+          </p:cNvPr>
+          <p:cNvPicPr>
+            <a:picLocks noChangeAspect="1"/>
+          </p:cNvPicPr>
+          <p:nvPr/>
+        </p:nvPicPr>
+        <p:blipFill>
+          <a:blip r:embed="rId2"/>
+          <a:stretch>
+            <a:fillRect/>
+          </a:stretch>
+        </p:blipFill>
+        <p:spPr>
+          <a:xfrm>
+            <a:off x="4568785" y="3701877"/>
+            <a:ext cx="2654380" cy="7914880"/>
+          </a:xfrm>
+          <a:prstGeom prst="rect">
+            <a:avLst/>
+          </a:prstGeom>
+        </p:spPr>
+      </p:pic>
+      <p:sp>
+        <p:nvSpPr>
+          <p:cNvPr id="6" name="Rectangle 5">
+            <a:extLst>
+              <a:ext uri="{FF2B5EF4-FFF2-40B4-BE49-F238E27FC236}">
+                <a16:creationId xmlns:a16="http://schemas.microsoft.com/office/drawing/2014/main" id="{6E07BB81-D828-144A-EB02-0B2D729F7626}"/>
               </a:ext>
             </a:extLst>
           </p:cNvPr>
@@ -8920,16 +8925,16 @@
         </p:nvSpPr>
         <p:spPr>
           <a:xfrm>
-            <a:off x="6189662" y="9820434"/>
-            <a:ext cx="2663685" cy="1259320"/>
+            <a:off x="23473597" y="5333197"/>
+            <a:ext cx="2279745" cy="1259320"/>
           </a:xfrm>
           <a:prstGeom prst="rect">
             <a:avLst/>
           </a:prstGeom>
           <a:solidFill>
-            <a:schemeClr val="bg1">
-              <a:lumMod val="85000"/>
-            </a:schemeClr>
+            <a:srgbClr val="2596BE">
+              <a:alpha val="30196"/>
+            </a:srgbClr>
           </a:solidFill>
         </p:spPr>
         <p:style>
@@ -8953,39 +8958,20 @@
           <a:lstStyle/>
           <a:p>
             <a:pPr algn="ctr"/>
-            <a:r>
-              <a:rPr lang="en-GB" sz="2000" dirty="0">
-                <a:solidFill>
-                  <a:schemeClr val="tx1"/>
-                </a:solidFill>
-              </a:rPr>
-              <a:t>Which </a:t>
-            </a:r>
-            <a:r>
-              <a:rPr lang="en-GB" sz="2000" b="1" dirty="0">
-                <a:solidFill>
-                  <a:schemeClr val="tx1"/>
-                </a:solidFill>
-              </a:rPr>
-              <a:t>configuration</a:t>
-            </a:r>
-            <a:r>
-              <a:rPr lang="en-GB" sz="2000" dirty="0">
-                <a:solidFill>
-                  <a:schemeClr val="tx1"/>
-                </a:solidFill>
-              </a:rPr>
-              <a:t> are you looking for?</a:t>
-            </a:r>
-          </a:p>
-        </p:txBody>
-      </p:sp>
-      <p:sp>
-        <p:nvSpPr>
-          <p:cNvPr id="5" name="Rectangle 4">
-            <a:extLst>
-              <a:ext uri="{FF2B5EF4-FFF2-40B4-BE49-F238E27FC236}">
-                <a16:creationId xmlns:a16="http://schemas.microsoft.com/office/drawing/2014/main" id="{346FBF56-A7DF-4167-FC34-8C7AAEEE9647}"/>
+            <a:endParaRPr lang="en-GB" sz="2000" dirty="0">
+              <a:solidFill>
+                <a:schemeClr val="tx1"/>
+              </a:solidFill>
+            </a:endParaRPr>
+          </a:p>
+        </p:txBody>
+      </p:sp>
+      <p:sp>
+        <p:nvSpPr>
+          <p:cNvPr id="7" name="Rectangle 6">
+            <a:extLst>
+              <a:ext uri="{FF2B5EF4-FFF2-40B4-BE49-F238E27FC236}">
+                <a16:creationId xmlns:a16="http://schemas.microsoft.com/office/drawing/2014/main" id="{E84E2C69-83A0-2B5C-C2DA-56CA1C2C769A}"/>
               </a:ext>
             </a:extLst>
           </p:cNvPr>
@@ -8994,7 +8980,7 @@
         </p:nvSpPr>
         <p:spPr>
           <a:xfrm>
-            <a:off x="1237490" y="4564051"/>
+            <a:off x="23196466" y="2680298"/>
             <a:ext cx="2436388" cy="1644960"/>
           </a:xfrm>
           <a:prstGeom prst="rect">
@@ -9027,119 +9013,20 @@
           <a:lstStyle/>
           <a:p>
             <a:pPr algn="ctr"/>
-            <a:r>
-              <a:rPr lang="en-GB" sz="2000" dirty="0">
-                <a:solidFill>
-                  <a:schemeClr val="tx1"/>
-                </a:solidFill>
-              </a:rPr>
-              <a:t>What type of </a:t>
-            </a:r>
-            <a:r>
-              <a:rPr lang="en-GB" sz="2000" b="1" dirty="0">
-                <a:solidFill>
-                  <a:schemeClr val="tx1"/>
-                </a:solidFill>
-              </a:rPr>
-              <a:t>network</a:t>
-            </a:r>
-            <a:r>
-              <a:rPr lang="en-GB" sz="2000" dirty="0">
-                <a:solidFill>
-                  <a:schemeClr val="tx1"/>
-                </a:solidFill>
-              </a:rPr>
-              <a:t> are you using?</a:t>
-            </a:r>
-          </a:p>
-        </p:txBody>
-      </p:sp>
-      <p:sp>
-        <p:nvSpPr>
-          <p:cNvPr id="9" name="TextBox 8">
-            <a:extLst>
-              <a:ext uri="{FF2B5EF4-FFF2-40B4-BE49-F238E27FC236}">
-                <a16:creationId xmlns:a16="http://schemas.microsoft.com/office/drawing/2014/main" id="{1B919D91-FC0C-7368-90E2-67BC1C60183D}"/>
-              </a:ext>
-            </a:extLst>
-          </p:cNvPr>
-          <p:cNvSpPr txBox="1"/>
-          <p:nvPr/>
-        </p:nvSpPr>
-        <p:spPr>
-          <a:xfrm>
-            <a:off x="2455682" y="6373915"/>
-            <a:ext cx="942374" cy="400110"/>
-          </a:xfrm>
-          <a:prstGeom prst="rect">
-            <a:avLst/>
-          </a:prstGeom>
-          <a:noFill/>
-        </p:spPr>
-        <p:txBody>
-          <a:bodyPr wrap="none" rtlCol="0">
-            <a:spAutoFit/>
-          </a:bodyPr>
-          <a:lstStyle/>
-          <a:p>
-            <a:r>
-              <a:rPr lang="en-GB" sz="2000" dirty="0"/>
-              <a:t>Private</a:t>
-            </a:r>
-            <a:endParaRPr lang="en-GB" sz="2000" b="1" dirty="0"/>
-          </a:p>
-        </p:txBody>
-      </p:sp>
-      <p:cxnSp>
-        <p:nvCxnSpPr>
-          <p:cNvPr id="12" name="Straight Arrow Connector 11">
-            <a:extLst>
-              <a:ext uri="{FF2B5EF4-FFF2-40B4-BE49-F238E27FC236}">
-                <a16:creationId xmlns:a16="http://schemas.microsoft.com/office/drawing/2014/main" id="{926B9899-69C1-DC20-8EAB-50BDC2C23273}"/>
-              </a:ext>
-            </a:extLst>
-          </p:cNvPr>
-          <p:cNvCxnSpPr>
-            <a:cxnSpLocks/>
-            <a:stCxn id="5" idx="3"/>
-            <a:endCxn id="314" idx="1"/>
-          </p:cNvCxnSpPr>
-          <p:nvPr/>
-        </p:nvCxnSpPr>
-        <p:spPr>
-          <a:xfrm flipV="1">
-            <a:off x="3673878" y="5381076"/>
-            <a:ext cx="2632768" cy="5455"/>
-          </a:xfrm>
-          <a:prstGeom prst="straightConnector1">
-            <a:avLst/>
-          </a:prstGeom>
-          <a:ln>
-            <a:headEnd type="none" w="med" len="med"/>
-            <a:tailEnd type="arrow" w="med" len="med"/>
-          </a:ln>
-        </p:spPr>
-        <p:style>
-          <a:lnRef idx="2">
-            <a:schemeClr val="dk1"/>
-          </a:lnRef>
-          <a:fillRef idx="0">
-            <a:schemeClr val="dk1"/>
-          </a:fillRef>
-          <a:effectRef idx="1">
-            <a:schemeClr val="dk1"/>
-          </a:effectRef>
-          <a:fontRef idx="minor">
-            <a:schemeClr val="tx1"/>
-          </a:fontRef>
-        </p:style>
-      </p:cxnSp>
-      <p:sp>
-        <p:nvSpPr>
-          <p:cNvPr id="15" name="Rectangle 14">
-            <a:extLst>
-              <a:ext uri="{FF2B5EF4-FFF2-40B4-BE49-F238E27FC236}">
-                <a16:creationId xmlns:a16="http://schemas.microsoft.com/office/drawing/2014/main" id="{1EAFDDEE-0E21-A708-736B-D49DE6669369}"/>
+            <a:endParaRPr lang="en-GB" sz="2000" dirty="0">
+              <a:solidFill>
+                <a:schemeClr val="tx1"/>
+              </a:solidFill>
+            </a:endParaRPr>
+          </a:p>
+        </p:txBody>
+      </p:sp>
+      <p:sp>
+        <p:nvSpPr>
+          <p:cNvPr id="9" name="Rectangle 8">
+            <a:extLst>
+              <a:ext uri="{FF2B5EF4-FFF2-40B4-BE49-F238E27FC236}">
+                <a16:creationId xmlns:a16="http://schemas.microsoft.com/office/drawing/2014/main" id="{488FD193-364C-B76F-A576-6A01CC4D876D}"/>
               </a:ext>
             </a:extLst>
           </p:cNvPr>
@@ -9148,8 +9035,8 @@
         </p:nvSpPr>
         <p:spPr>
           <a:xfrm>
-            <a:off x="1237491" y="6986883"/>
-            <a:ext cx="2436387" cy="1644960"/>
+            <a:off x="1549872" y="747346"/>
+            <a:ext cx="1489937" cy="1188720"/>
           </a:xfrm>
           <a:prstGeom prst="rect">
             <a:avLst/>
@@ -9187,7 +9074,7 @@
                   <a:schemeClr val="tx1"/>
                 </a:solidFill>
               </a:rPr>
-              <a:t>Which type of </a:t>
+              <a:t>Dark grey boxes are </a:t>
             </a:r>
             <a:r>
               <a:rPr lang="en-GB" sz="2000" b="1" dirty="0">
@@ -9195,69 +9082,17 @@
                   <a:schemeClr val="tx1"/>
                 </a:solidFill>
               </a:rPr>
-              <a:t>VR headset</a:t>
-            </a:r>
-            <a:r>
-              <a:rPr lang="en-GB" sz="2000" dirty="0">
-                <a:solidFill>
-                  <a:schemeClr val="tx1"/>
-                </a:solidFill>
-              </a:rPr>
-              <a:t> are you using?</a:t>
-            </a:r>
-          </a:p>
-        </p:txBody>
-      </p:sp>
-      <p:cxnSp>
-        <p:nvCxnSpPr>
-          <p:cNvPr id="16" name="Straight Arrow Connector 15">
-            <a:extLst>
-              <a:ext uri="{FF2B5EF4-FFF2-40B4-BE49-F238E27FC236}">
-                <a16:creationId xmlns:a16="http://schemas.microsoft.com/office/drawing/2014/main" id="{235209DE-3AC7-AEA2-ED89-4975A1C0D3D4}"/>
-              </a:ext>
-            </a:extLst>
-          </p:cNvPr>
-          <p:cNvCxnSpPr>
-            <a:cxnSpLocks/>
-            <a:stCxn id="5" idx="2"/>
-            <a:endCxn id="15" idx="0"/>
-          </p:cNvCxnSpPr>
-          <p:nvPr/>
-        </p:nvCxnSpPr>
-        <p:spPr>
-          <a:xfrm>
-            <a:off x="2455684" y="6209011"/>
-            <a:ext cx="1" cy="777872"/>
-          </a:xfrm>
-          <a:prstGeom prst="straightConnector1">
-            <a:avLst/>
-          </a:prstGeom>
-          <a:ln>
-            <a:headEnd type="none" w="med" len="med"/>
-            <a:tailEnd type="arrow" w="med" len="med"/>
-          </a:ln>
-        </p:spPr>
-        <p:style>
-          <a:lnRef idx="2">
-            <a:schemeClr val="dk1"/>
-          </a:lnRef>
-          <a:fillRef idx="0">
-            <a:schemeClr val="dk1"/>
-          </a:fillRef>
-          <a:effectRef idx="1">
-            <a:schemeClr val="dk1"/>
-          </a:effectRef>
-          <a:fontRef idx="minor">
-            <a:schemeClr val="tx1"/>
-          </a:fontRef>
-        </p:style>
-      </p:cxnSp>
-      <p:sp>
-        <p:nvSpPr>
-          <p:cNvPr id="19" name="Rectangle 18">
-            <a:extLst>
-              <a:ext uri="{FF2B5EF4-FFF2-40B4-BE49-F238E27FC236}">
-                <a16:creationId xmlns:a16="http://schemas.microsoft.com/office/drawing/2014/main" id="{D2A92E3D-448A-A5B8-E6F4-384524ED1057}"/>
+              <a:t>headings</a:t>
+            </a:r>
+          </a:p>
+        </p:txBody>
+      </p:sp>
+      <p:sp>
+        <p:nvSpPr>
+          <p:cNvPr id="10" name="Rectangle 9">
+            <a:extLst>
+              <a:ext uri="{FF2B5EF4-FFF2-40B4-BE49-F238E27FC236}">
+                <a16:creationId xmlns:a16="http://schemas.microsoft.com/office/drawing/2014/main" id="{272927D8-E09A-64A9-A3E1-DDA99FC54C8C}"/>
               </a:ext>
             </a:extLst>
           </p:cNvPr>
@@ -9266,16 +9101,15 @@
         </p:nvSpPr>
         <p:spPr>
           <a:xfrm>
-            <a:off x="1237490" y="12185799"/>
-            <a:ext cx="2436386" cy="1093980"/>
+            <a:off x="23348866" y="2832698"/>
+            <a:ext cx="2436388" cy="1644960"/>
           </a:xfrm>
           <a:prstGeom prst="rect">
             <a:avLst/>
           </a:prstGeom>
           <a:solidFill>
-            <a:schemeClr val="accent2">
-              <a:lumMod val="40000"/>
-              <a:lumOff val="60000"/>
+            <a:schemeClr val="bg1">
+              <a:lumMod val="85000"/>
             </a:schemeClr>
           </a:solidFill>
         </p:spPr>
@@ -9300,271 +9134,37 @@
           <a:lstStyle/>
           <a:p>
             <a:pPr algn="ctr"/>
-            <a:r>
-              <a:rPr lang="en-GB" sz="2000" dirty="0">
-                <a:solidFill>
-                  <a:schemeClr val="tx1"/>
-                </a:solidFill>
-              </a:rPr>
-              <a:t>You can choose </a:t>
-            </a:r>
-            <a:r>
-              <a:rPr lang="en-GB" sz="2000" b="1" dirty="0">
-                <a:solidFill>
-                  <a:schemeClr val="tx1"/>
-                </a:solidFill>
-              </a:rPr>
-              <a:t>any installation option</a:t>
-            </a:r>
-            <a:r>
-              <a:rPr lang="en-GB" sz="2000" dirty="0">
-                <a:solidFill>
-                  <a:schemeClr val="tx1"/>
-                </a:solidFill>
-              </a:rPr>
-              <a:t>.</a:t>
-            </a:r>
-          </a:p>
-        </p:txBody>
-      </p:sp>
-      <p:sp>
-        <p:nvSpPr>
-          <p:cNvPr id="24" name="TextBox 23">
-            <a:extLst>
-              <a:ext uri="{FF2B5EF4-FFF2-40B4-BE49-F238E27FC236}">
-                <a16:creationId xmlns:a16="http://schemas.microsoft.com/office/drawing/2014/main" id="{0A510DB6-C573-9104-CAAB-0035485EEB71}"/>
-              </a:ext>
-            </a:extLst>
-          </p:cNvPr>
-          <p:cNvSpPr txBox="1"/>
-          <p:nvPr/>
-        </p:nvSpPr>
-        <p:spPr>
-          <a:xfrm>
-            <a:off x="3776743" y="7442101"/>
-            <a:ext cx="920445" cy="400110"/>
+            <a:endParaRPr lang="en-GB" sz="2000" dirty="0">
+              <a:solidFill>
+                <a:schemeClr val="tx1"/>
+              </a:solidFill>
+            </a:endParaRPr>
+          </a:p>
+        </p:txBody>
+      </p:sp>
+      <p:sp>
+        <p:nvSpPr>
+          <p:cNvPr id="11" name="Rectangle 10">
+            <a:extLst>
+              <a:ext uri="{FF2B5EF4-FFF2-40B4-BE49-F238E27FC236}">
+                <a16:creationId xmlns:a16="http://schemas.microsoft.com/office/drawing/2014/main" id="{72F9AC22-B3D0-400C-C41C-251C4935DF71}"/>
+              </a:ext>
+            </a:extLst>
+          </p:cNvPr>
+          <p:cNvSpPr/>
+          <p:nvPr/>
+        </p:nvSpPr>
+        <p:spPr>
+          <a:xfrm>
+            <a:off x="23501266" y="2985098"/>
+            <a:ext cx="2436388" cy="1644960"/>
           </a:xfrm>
           <a:prstGeom prst="rect">
             <a:avLst/>
           </a:prstGeom>
-          <a:noFill/>
-        </p:spPr>
-        <p:txBody>
-          <a:bodyPr wrap="none" rtlCol="0">
-            <a:spAutoFit/>
-          </a:bodyPr>
-          <a:lstStyle/>
-          <a:p>
-            <a:r>
-              <a:rPr lang="en-GB" sz="2000" dirty="0"/>
-              <a:t>Other</a:t>
-            </a:r>
-            <a:r>
-              <a:rPr lang="en-GB" sz="2000" b="1" i="0" baseline="30000" dirty="0">
-                <a:solidFill>
-                  <a:srgbClr val="040C28"/>
-                </a:solidFill>
-                <a:effectLst/>
-              </a:rPr>
-              <a:t>†</a:t>
-            </a:r>
-            <a:endParaRPr lang="en-GB" sz="2000" b="1" baseline="30000" dirty="0"/>
-          </a:p>
-        </p:txBody>
-      </p:sp>
-      <p:cxnSp>
-        <p:nvCxnSpPr>
-          <p:cNvPr id="26" name="Straight Arrow Connector 25">
-            <a:extLst>
-              <a:ext uri="{FF2B5EF4-FFF2-40B4-BE49-F238E27FC236}">
-                <a16:creationId xmlns:a16="http://schemas.microsoft.com/office/drawing/2014/main" id="{B4679F37-C6D4-6A1D-0567-7B9D67A33907}"/>
-              </a:ext>
-            </a:extLst>
-          </p:cNvPr>
-          <p:cNvCxnSpPr>
-            <a:cxnSpLocks/>
-            <a:stCxn id="15" idx="3"/>
-            <a:endCxn id="277" idx="1"/>
-          </p:cNvCxnSpPr>
-          <p:nvPr/>
-        </p:nvCxnSpPr>
-        <p:spPr>
-          <a:xfrm>
-            <a:off x="3673878" y="7809363"/>
-            <a:ext cx="1150908" cy="6507"/>
-          </a:xfrm>
-          <a:prstGeom prst="straightConnector1">
-            <a:avLst/>
-          </a:prstGeom>
-          <a:ln>
-            <a:headEnd type="none" w="med" len="med"/>
-            <a:tailEnd type="arrow" w="med" len="med"/>
-          </a:ln>
-        </p:spPr>
-        <p:style>
-          <a:lnRef idx="2">
-            <a:schemeClr val="dk1"/>
-          </a:lnRef>
-          <a:fillRef idx="0">
-            <a:schemeClr val="dk1"/>
-          </a:fillRef>
-          <a:effectRef idx="1">
-            <a:schemeClr val="dk1"/>
-          </a:effectRef>
-          <a:fontRef idx="minor">
-            <a:schemeClr val="tx1"/>
-          </a:fontRef>
-        </p:style>
-      </p:cxnSp>
-      <p:sp>
-        <p:nvSpPr>
-          <p:cNvPr id="29" name="TextBox 28">
-            <a:extLst>
-              <a:ext uri="{FF2B5EF4-FFF2-40B4-BE49-F238E27FC236}">
-                <a16:creationId xmlns:a16="http://schemas.microsoft.com/office/drawing/2014/main" id="{4D859BB7-BEE1-CF6A-BF53-B561B421A0BD}"/>
-              </a:ext>
-            </a:extLst>
-          </p:cNvPr>
-          <p:cNvSpPr txBox="1"/>
-          <p:nvPr/>
-        </p:nvSpPr>
-        <p:spPr>
-          <a:xfrm>
-            <a:off x="1226608" y="8764555"/>
-            <a:ext cx="1205582" cy="707886"/>
-          </a:xfrm>
-          <a:prstGeom prst="rect">
-            <a:avLst/>
-          </a:prstGeom>
-          <a:noFill/>
-        </p:spPr>
-        <p:txBody>
-          <a:bodyPr wrap="square" rtlCol="0">
-            <a:spAutoFit/>
-          </a:bodyPr>
-          <a:lstStyle/>
-          <a:p>
-            <a:pPr algn="r"/>
-            <a:r>
-              <a:rPr lang="en-GB" sz="2000" dirty="0"/>
-              <a:t>Any Meta Quest</a:t>
-            </a:r>
-          </a:p>
-        </p:txBody>
-      </p:sp>
-      <p:sp>
-        <p:nvSpPr>
-          <p:cNvPr id="38" name="TextBox 37">
-            <a:extLst>
-              <a:ext uri="{FF2B5EF4-FFF2-40B4-BE49-F238E27FC236}">
-                <a16:creationId xmlns:a16="http://schemas.microsoft.com/office/drawing/2014/main" id="{50AD24AF-4564-D938-2BE1-3F69D5C62F17}"/>
-              </a:ext>
-            </a:extLst>
-          </p:cNvPr>
-          <p:cNvSpPr txBox="1"/>
-          <p:nvPr/>
-        </p:nvSpPr>
-        <p:spPr>
-          <a:xfrm>
-            <a:off x="3790863" y="4878699"/>
-            <a:ext cx="2398798" cy="1015663"/>
-          </a:xfrm>
-          <a:prstGeom prst="rect">
-            <a:avLst/>
-          </a:prstGeom>
-          <a:noFill/>
-        </p:spPr>
-        <p:txBody>
-          <a:bodyPr wrap="none" rtlCol="0">
-            <a:spAutoFit/>
-          </a:bodyPr>
-          <a:lstStyle/>
-          <a:p>
-            <a:pPr algn="ctr"/>
-            <a:r>
-              <a:rPr lang="en-GB" sz="2000" dirty="0"/>
-              <a:t>Public / Institutional</a:t>
-            </a:r>
-          </a:p>
-          <a:p>
-            <a:pPr algn="ctr"/>
-            <a:br>
-              <a:rPr lang="en-GB" sz="2000" dirty="0"/>
-            </a:br>
-            <a:r>
-              <a:rPr lang="en-GB" sz="2000" dirty="0"/>
-              <a:t>e.g. Eduroam</a:t>
-            </a:r>
-          </a:p>
-        </p:txBody>
-      </p:sp>
-      <p:sp>
-        <p:nvSpPr>
-          <p:cNvPr id="40" name="TextBox 39">
-            <a:extLst>
-              <a:ext uri="{FF2B5EF4-FFF2-40B4-BE49-F238E27FC236}">
-                <a16:creationId xmlns:a16="http://schemas.microsoft.com/office/drawing/2014/main" id="{026E36F0-35D8-4E3A-EE82-977CCCA6EB0F}"/>
-              </a:ext>
-            </a:extLst>
-          </p:cNvPr>
-          <p:cNvSpPr txBox="1"/>
-          <p:nvPr/>
-        </p:nvSpPr>
-        <p:spPr>
-          <a:xfrm>
-            <a:off x="8697192" y="9707619"/>
-            <a:ext cx="1756246" cy="707886"/>
-          </a:xfrm>
-          <a:prstGeom prst="rect">
-            <a:avLst/>
-          </a:prstGeom>
-          <a:noFill/>
-        </p:spPr>
-        <p:txBody>
-          <a:bodyPr wrap="square" rtlCol="0">
-            <a:spAutoFit/>
-          </a:bodyPr>
-          <a:lstStyle/>
-          <a:p>
-            <a:pPr algn="ctr"/>
-            <a:r>
-              <a:rPr lang="en-GB" sz="2000" dirty="0"/>
-              <a:t>Single-</a:t>
-            </a:r>
-          </a:p>
-          <a:p>
-            <a:pPr algn="ctr"/>
-            <a:r>
-              <a:rPr lang="en-GB" sz="2000" dirty="0"/>
-              <a:t>person</a:t>
-            </a:r>
-          </a:p>
-        </p:txBody>
-      </p:sp>
-      <p:sp>
-        <p:nvSpPr>
-          <p:cNvPr id="42" name="Rectangle 41">
-            <a:extLst>
-              <a:ext uri="{FF2B5EF4-FFF2-40B4-BE49-F238E27FC236}">
-                <a16:creationId xmlns:a16="http://schemas.microsoft.com/office/drawing/2014/main" id="{A14A1D4B-5AA1-522A-397C-D1964657C751}"/>
-              </a:ext>
-            </a:extLst>
-          </p:cNvPr>
-          <p:cNvSpPr/>
-          <p:nvPr/>
-        </p:nvSpPr>
-        <p:spPr>
-          <a:xfrm>
-            <a:off x="10402377" y="12004216"/>
-            <a:ext cx="2663685" cy="1554111"/>
-          </a:xfrm>
-          <a:prstGeom prst="rect">
-            <a:avLst/>
-          </a:prstGeom>
           <a:solidFill>
-            <a:schemeClr val="accent2">
-              <a:lumMod val="40000"/>
-              <a:lumOff val="60000"/>
+            <a:schemeClr val="bg1">
+              <a:lumMod val="85000"/>
             </a:schemeClr>
           </a:solidFill>
         </p:spPr>
@@ -9589,120 +9189,20 @@
           <a:lstStyle/>
           <a:p>
             <a:pPr algn="ctr"/>
-            <a:r>
-              <a:rPr lang="en-GB" sz="2000" dirty="0">
-                <a:solidFill>
-                  <a:schemeClr val="tx1"/>
-                </a:solidFill>
-              </a:rPr>
-              <a:t>Follow </a:t>
-            </a:r>
-            <a:r>
-              <a:rPr lang="en-GB" sz="2000" b="1" dirty="0">
-                <a:solidFill>
-                  <a:schemeClr val="tx1"/>
-                </a:solidFill>
-              </a:rPr>
-              <a:t>PC-VR</a:t>
-            </a:r>
-          </a:p>
-          <a:p>
-            <a:pPr algn="ctr"/>
-            <a:r>
-              <a:rPr lang="en-GB" sz="2000" u="sng" dirty="0">
-                <a:solidFill>
-                  <a:schemeClr val="tx1"/>
-                </a:solidFill>
-              </a:rPr>
-              <a:t>or</a:t>
-            </a:r>
-            <a:r>
-              <a:rPr lang="en-GB" sz="2000" dirty="0">
-                <a:solidFill>
-                  <a:schemeClr val="tx1"/>
-                </a:solidFill>
-              </a:rPr>
-              <a:t> </a:t>
-            </a:r>
-          </a:p>
-          <a:p>
-            <a:pPr algn="ctr"/>
-            <a:r>
-              <a:rPr lang="en-GB" sz="2000" b="1" dirty="0">
-                <a:solidFill>
-                  <a:schemeClr val="tx1"/>
-                </a:solidFill>
-              </a:rPr>
-              <a:t>tethered Meta Quest</a:t>
-            </a:r>
-            <a:r>
-              <a:rPr lang="en-GB" sz="2000" b="1" baseline="30000" dirty="0">
-                <a:solidFill>
-                  <a:schemeClr val="tx1"/>
-                </a:solidFill>
-              </a:rPr>
-              <a:t>‡</a:t>
-            </a:r>
-            <a:r>
-              <a:rPr lang="en-GB" sz="2000" b="1" dirty="0">
-                <a:solidFill>
-                  <a:schemeClr val="tx1"/>
-                </a:solidFill>
-              </a:rPr>
-              <a:t> </a:t>
-            </a:r>
-            <a:r>
-              <a:rPr lang="en-GB" sz="2000" dirty="0">
-                <a:solidFill>
-                  <a:schemeClr val="tx1"/>
-                </a:solidFill>
-              </a:rPr>
-              <a:t>instructions.</a:t>
-            </a:r>
-          </a:p>
-        </p:txBody>
-      </p:sp>
-      <p:sp>
-        <p:nvSpPr>
-          <p:cNvPr id="44" name="TextBox 43">
-            <a:extLst>
-              <a:ext uri="{FF2B5EF4-FFF2-40B4-BE49-F238E27FC236}">
-                <a16:creationId xmlns:a16="http://schemas.microsoft.com/office/drawing/2014/main" id="{9A2DFD34-E640-EEAD-3436-DD63DC7A9817}"/>
-              </a:ext>
-            </a:extLst>
-          </p:cNvPr>
-          <p:cNvSpPr txBox="1"/>
-          <p:nvPr/>
-        </p:nvSpPr>
-        <p:spPr>
-          <a:xfrm>
-            <a:off x="7548554" y="11148924"/>
-            <a:ext cx="1155922" cy="707886"/>
-          </a:xfrm>
-          <a:prstGeom prst="rect">
-            <a:avLst/>
-          </a:prstGeom>
-          <a:noFill/>
-        </p:spPr>
-        <p:txBody>
-          <a:bodyPr wrap="square" rtlCol="0">
-            <a:spAutoFit/>
-          </a:bodyPr>
-          <a:lstStyle/>
-          <a:p>
-            <a:r>
-              <a:rPr lang="en-GB" sz="2000" dirty="0"/>
-              <a:t>Multi-person</a:t>
-            </a:r>
-          </a:p>
-        </p:txBody>
-      </p:sp>
-      <p:sp>
-        <p:nvSpPr>
-          <p:cNvPr id="52" name="Rectangle 51">
-            <a:extLst>
-              <a:ext uri="{FF2B5EF4-FFF2-40B4-BE49-F238E27FC236}">
-                <a16:creationId xmlns:a16="http://schemas.microsoft.com/office/drawing/2014/main" id="{0FC5A7EE-B148-0368-C995-579A86B17CD8}"/>
+            <a:endParaRPr lang="en-GB" sz="2000" dirty="0">
+              <a:solidFill>
+                <a:schemeClr val="tx1"/>
+              </a:solidFill>
+            </a:endParaRPr>
+          </a:p>
+        </p:txBody>
+      </p:sp>
+      <p:sp>
+        <p:nvSpPr>
+          <p:cNvPr id="12" name="Rectangle 11">
+            <a:extLst>
+              <a:ext uri="{FF2B5EF4-FFF2-40B4-BE49-F238E27FC236}">
+                <a16:creationId xmlns:a16="http://schemas.microsoft.com/office/drawing/2014/main" id="{4B7B1D94-EC90-E19D-9B17-9F38F6661FAD}"/>
               </a:ext>
             </a:extLst>
           </p:cNvPr>
@@ -9711,7 +9211,7 @@
         </p:nvSpPr>
         <p:spPr>
           <a:xfrm>
-            <a:off x="1237490" y="2252064"/>
+            <a:off x="23653666" y="3137498"/>
             <a:ext cx="2436388" cy="1644960"/>
           </a:xfrm>
           <a:prstGeom prst="rect">
@@ -9744,180 +9244,37 @@
           <a:lstStyle/>
           <a:p>
             <a:pPr algn="ctr"/>
-            <a:r>
-              <a:rPr lang="en-GB" sz="2000" dirty="0">
-                <a:solidFill>
-                  <a:schemeClr val="tx1"/>
-                </a:solidFill>
-              </a:rPr>
-              <a:t>Which </a:t>
-            </a:r>
-            <a:r>
-              <a:rPr lang="en-GB" sz="2000" b="1" dirty="0">
-                <a:solidFill>
-                  <a:schemeClr val="tx1"/>
-                </a:solidFill>
-              </a:rPr>
-              <a:t>operating system</a:t>
-            </a:r>
-            <a:r>
-              <a:rPr lang="en-GB" sz="2000" dirty="0">
-                <a:solidFill>
-                  <a:schemeClr val="tx1"/>
-                </a:solidFill>
-              </a:rPr>
-              <a:t> are you using?</a:t>
-            </a:r>
-          </a:p>
-        </p:txBody>
-      </p:sp>
-      <p:cxnSp>
-        <p:nvCxnSpPr>
-          <p:cNvPr id="53" name="Straight Arrow Connector 52">
-            <a:extLst>
-              <a:ext uri="{FF2B5EF4-FFF2-40B4-BE49-F238E27FC236}">
-                <a16:creationId xmlns:a16="http://schemas.microsoft.com/office/drawing/2014/main" id="{C54EEBD3-28EB-9784-419E-34A411BC041E}"/>
-              </a:ext>
-            </a:extLst>
-          </p:cNvPr>
-          <p:cNvCxnSpPr>
-            <a:cxnSpLocks/>
-            <a:stCxn id="52" idx="2"/>
-            <a:endCxn id="5" idx="0"/>
-          </p:cNvCxnSpPr>
-          <p:nvPr/>
-        </p:nvCxnSpPr>
-        <p:spPr>
-          <a:xfrm>
-            <a:off x="2455684" y="3897024"/>
-            <a:ext cx="0" cy="667027"/>
-          </a:xfrm>
-          <a:prstGeom prst="straightConnector1">
-            <a:avLst/>
-          </a:prstGeom>
-          <a:ln>
-            <a:headEnd type="none" w="med" len="med"/>
-            <a:tailEnd type="arrow" w="med" len="med"/>
-          </a:ln>
-        </p:spPr>
-        <p:style>
-          <a:lnRef idx="2">
-            <a:schemeClr val="dk1"/>
-          </a:lnRef>
-          <a:fillRef idx="0">
-            <a:schemeClr val="dk1"/>
-          </a:fillRef>
-          <a:effectRef idx="1">
-            <a:schemeClr val="dk1"/>
-          </a:effectRef>
-          <a:fontRef idx="minor">
-            <a:schemeClr val="tx1"/>
-          </a:fontRef>
-        </p:style>
-      </p:cxnSp>
-      <p:sp>
-        <p:nvSpPr>
-          <p:cNvPr id="56" name="TextBox 55">
-            <a:extLst>
-              <a:ext uri="{FF2B5EF4-FFF2-40B4-BE49-F238E27FC236}">
-                <a16:creationId xmlns:a16="http://schemas.microsoft.com/office/drawing/2014/main" id="{9398C94E-A74A-D10C-095D-9AE7266F22CC}"/>
-              </a:ext>
-            </a:extLst>
-          </p:cNvPr>
-          <p:cNvSpPr txBox="1"/>
-          <p:nvPr/>
-        </p:nvSpPr>
-        <p:spPr>
-          <a:xfrm>
-            <a:off x="2455682" y="4022141"/>
-            <a:ext cx="1206612" cy="400110"/>
+            <a:endParaRPr lang="en-GB" sz="2000" dirty="0">
+              <a:solidFill>
+                <a:schemeClr val="tx1"/>
+              </a:solidFill>
+            </a:endParaRPr>
+          </a:p>
+        </p:txBody>
+      </p:sp>
+      <p:sp>
+        <p:nvSpPr>
+          <p:cNvPr id="13" name="Rectangle 12">
+            <a:extLst>
+              <a:ext uri="{FF2B5EF4-FFF2-40B4-BE49-F238E27FC236}">
+                <a16:creationId xmlns:a16="http://schemas.microsoft.com/office/drawing/2014/main" id="{EE6B7265-0266-9F6D-AB95-EEEEB85CB011}"/>
+              </a:ext>
+            </a:extLst>
+          </p:cNvPr>
+          <p:cNvSpPr/>
+          <p:nvPr/>
+        </p:nvSpPr>
+        <p:spPr>
+          <a:xfrm>
+            <a:off x="23806066" y="3289898"/>
+            <a:ext cx="2436388" cy="1644960"/>
           </a:xfrm>
           <a:prstGeom prst="rect">
             <a:avLst/>
           </a:prstGeom>
-          <a:noFill/>
-        </p:spPr>
-        <p:txBody>
-          <a:bodyPr wrap="none" rtlCol="0">
-            <a:spAutoFit/>
-          </a:bodyPr>
-          <a:lstStyle/>
-          <a:p>
-            <a:r>
-              <a:rPr lang="en-GB" sz="2000" dirty="0"/>
-              <a:t>Windows</a:t>
-            </a:r>
-          </a:p>
-        </p:txBody>
-      </p:sp>
-      <p:cxnSp>
-        <p:nvCxnSpPr>
-          <p:cNvPr id="57" name="Straight Arrow Connector 56">
-            <a:extLst>
-              <a:ext uri="{FF2B5EF4-FFF2-40B4-BE49-F238E27FC236}">
-                <a16:creationId xmlns:a16="http://schemas.microsoft.com/office/drawing/2014/main" id="{C2C88BF7-142B-C3FC-489F-7EEDAA2ED7A9}"/>
-              </a:ext>
-            </a:extLst>
-          </p:cNvPr>
-          <p:cNvCxnSpPr>
-            <a:cxnSpLocks/>
-            <a:stCxn id="52" idx="3"/>
-            <a:endCxn id="61" idx="1"/>
-          </p:cNvCxnSpPr>
-          <p:nvPr/>
-        </p:nvCxnSpPr>
-        <p:spPr>
-          <a:xfrm>
-            <a:off x="3673878" y="3074544"/>
-            <a:ext cx="1792328" cy="1"/>
-          </a:xfrm>
-          <a:prstGeom prst="straightConnector1">
-            <a:avLst/>
-          </a:prstGeom>
-          <a:ln>
-            <a:headEnd type="none" w="med" len="med"/>
-            <a:tailEnd type="arrow" w="med" len="med"/>
-          </a:ln>
-        </p:spPr>
-        <p:style>
-          <a:lnRef idx="2">
-            <a:schemeClr val="dk1"/>
-          </a:lnRef>
-          <a:fillRef idx="0">
-            <a:schemeClr val="dk1"/>
-          </a:fillRef>
-          <a:effectRef idx="1">
-            <a:schemeClr val="dk1"/>
-          </a:effectRef>
-          <a:fontRef idx="minor">
-            <a:schemeClr val="tx1"/>
-          </a:fontRef>
-        </p:style>
-      </p:cxnSp>
-      <p:sp>
-        <p:nvSpPr>
-          <p:cNvPr id="61" name="Rectangle 60">
-            <a:extLst>
-              <a:ext uri="{FF2B5EF4-FFF2-40B4-BE49-F238E27FC236}">
-                <a16:creationId xmlns:a16="http://schemas.microsoft.com/office/drawing/2014/main" id="{340C4477-8A90-8A8C-65B7-202314C3ABCC}"/>
-              </a:ext>
-            </a:extLst>
-          </p:cNvPr>
-          <p:cNvSpPr/>
-          <p:nvPr/>
-        </p:nvSpPr>
-        <p:spPr>
-          <a:xfrm>
-            <a:off x="5466206" y="2252065"/>
-            <a:ext cx="7599855" cy="1644960"/>
-          </a:xfrm>
-          <a:prstGeom prst="rect">
-            <a:avLst/>
-          </a:prstGeom>
           <a:solidFill>
-            <a:schemeClr val="accent2">
-              <a:lumMod val="40000"/>
-              <a:lumOff val="60000"/>
+            <a:schemeClr val="bg1">
+              <a:lumMod val="85000"/>
             </a:schemeClr>
           </a:solidFill>
         </p:spPr>
@@ -9942,223 +9299,38 @@
           <a:lstStyle/>
           <a:p>
             <a:pPr algn="ctr"/>
-            <a:r>
-              <a:rPr lang="en-GB" sz="2000" dirty="0">
-                <a:solidFill>
-                  <a:schemeClr val="tx1"/>
-                </a:solidFill>
-              </a:rPr>
-              <a:t>You will need to run the app </a:t>
-            </a:r>
-            <a:r>
-              <a:rPr lang="en-GB" sz="2000" b="1" dirty="0">
-                <a:solidFill>
-                  <a:schemeClr val="tx1"/>
-                </a:solidFill>
-              </a:rPr>
-              <a:t>locally on a Meta Quest</a:t>
-            </a:r>
-            <a:r>
-              <a:rPr lang="en-GB" sz="2000" dirty="0">
-                <a:solidFill>
-                  <a:schemeClr val="tx1"/>
-                </a:solidFill>
-              </a:rPr>
-              <a:t> headset (you cannot run PC-VR).</a:t>
-            </a:r>
-          </a:p>
-          <a:p>
-            <a:pPr algn="ctr"/>
-            <a:br>
-              <a:rPr lang="en-GB" sz="2000" dirty="0">
-                <a:solidFill>
-                  <a:schemeClr val="tx1"/>
-                </a:solidFill>
-              </a:rPr>
-            </a:br>
-            <a:r>
-              <a:rPr lang="en-GB" sz="2000" dirty="0">
-                <a:solidFill>
-                  <a:schemeClr val="tx1"/>
-                </a:solidFill>
-              </a:rPr>
-              <a:t> You must meet the </a:t>
-            </a:r>
-            <a:r>
-              <a:rPr lang="en-GB" sz="2000" b="1" dirty="0">
-                <a:solidFill>
-                  <a:schemeClr val="tx1"/>
-                </a:solidFill>
-              </a:rPr>
-              <a:t>requirements for a Wi-Fi setup*</a:t>
-            </a:r>
-            <a:r>
-              <a:rPr lang="en-GB" sz="2000" dirty="0">
-                <a:solidFill>
-                  <a:schemeClr val="tx1"/>
-                </a:solidFill>
-              </a:rPr>
-              <a:t>.</a:t>
-            </a:r>
-          </a:p>
-        </p:txBody>
-      </p:sp>
-      <p:sp>
-        <p:nvSpPr>
-          <p:cNvPr id="64" name="TextBox 63">
-            <a:extLst>
-              <a:ext uri="{FF2B5EF4-FFF2-40B4-BE49-F238E27FC236}">
-                <a16:creationId xmlns:a16="http://schemas.microsoft.com/office/drawing/2014/main" id="{F1DB31A6-A394-9581-35E2-1B45D8C8135E}"/>
-              </a:ext>
-            </a:extLst>
-          </p:cNvPr>
-          <p:cNvSpPr txBox="1"/>
-          <p:nvPr/>
-        </p:nvSpPr>
-        <p:spPr>
-          <a:xfrm>
-            <a:off x="4048104" y="2357147"/>
-            <a:ext cx="1043876" cy="707886"/>
+            <a:endParaRPr lang="en-GB" sz="2000" dirty="0">
+              <a:solidFill>
+                <a:schemeClr val="tx1"/>
+              </a:solidFill>
+            </a:endParaRPr>
+          </a:p>
+        </p:txBody>
+      </p:sp>
+      <p:sp>
+        <p:nvSpPr>
+          <p:cNvPr id="14" name="Rectangle 13">
+            <a:extLst>
+              <a:ext uri="{FF2B5EF4-FFF2-40B4-BE49-F238E27FC236}">
+                <a16:creationId xmlns:a16="http://schemas.microsoft.com/office/drawing/2014/main" id="{D0FD8DF6-25C8-5F43-32EE-2064C0CF7D37}"/>
+              </a:ext>
+            </a:extLst>
+          </p:cNvPr>
+          <p:cNvSpPr/>
+          <p:nvPr/>
+        </p:nvSpPr>
+        <p:spPr>
+          <a:xfrm>
+            <a:off x="23958466" y="3442298"/>
+            <a:ext cx="2436388" cy="1644960"/>
           </a:xfrm>
           <a:prstGeom prst="rect">
             <a:avLst/>
           </a:prstGeom>
-          <a:noFill/>
-        </p:spPr>
-        <p:txBody>
-          <a:bodyPr wrap="none" rtlCol="0">
-            <a:spAutoFit/>
-          </a:bodyPr>
-          <a:lstStyle/>
-          <a:p>
-            <a:pPr algn="ctr"/>
-            <a:r>
-              <a:rPr lang="en-GB" sz="2000" dirty="0"/>
-              <a:t>MacOS </a:t>
-            </a:r>
-            <a:br>
-              <a:rPr lang="en-GB" sz="2000" dirty="0"/>
-            </a:br>
-            <a:r>
-              <a:rPr lang="en-GB" sz="2000" dirty="0"/>
-              <a:t>/ Linux</a:t>
-            </a:r>
-            <a:endParaRPr lang="en-GB" sz="2000" b="1" dirty="0"/>
-          </a:p>
-        </p:txBody>
-      </p:sp>
-      <p:cxnSp>
-        <p:nvCxnSpPr>
-          <p:cNvPr id="214" name="Connector: Elbow 213">
-            <a:extLst>
-              <a:ext uri="{FF2B5EF4-FFF2-40B4-BE49-F238E27FC236}">
-                <a16:creationId xmlns:a16="http://schemas.microsoft.com/office/drawing/2014/main" id="{23F45CB1-F915-2592-A1C7-9FD48B78FDD7}"/>
-              </a:ext>
-            </a:extLst>
-          </p:cNvPr>
-          <p:cNvCxnSpPr>
-            <a:cxnSpLocks/>
-            <a:stCxn id="4" idx="3"/>
-            <a:endCxn id="324" idx="1"/>
-          </p:cNvCxnSpPr>
-          <p:nvPr/>
-        </p:nvCxnSpPr>
-        <p:spPr>
-          <a:xfrm>
-            <a:off x="8853347" y="10450094"/>
-            <a:ext cx="1549927" cy="0"/>
-          </a:xfrm>
-          <a:prstGeom prst="straightConnector1">
-            <a:avLst/>
-          </a:prstGeom>
-          <a:ln>
-            <a:headEnd type="none" w="med" len="med"/>
-            <a:tailEnd type="arrow" w="med" len="med"/>
-          </a:ln>
-        </p:spPr>
-        <p:style>
-          <a:lnRef idx="2">
-            <a:schemeClr val="dk1"/>
-          </a:lnRef>
-          <a:fillRef idx="0">
-            <a:schemeClr val="dk1"/>
-          </a:fillRef>
-          <a:effectRef idx="1">
-            <a:schemeClr val="dk1"/>
-          </a:effectRef>
-          <a:fontRef idx="minor">
-            <a:schemeClr val="tx1"/>
-          </a:fontRef>
-        </p:style>
-      </p:cxnSp>
-      <p:cxnSp>
-        <p:nvCxnSpPr>
-          <p:cNvPr id="242" name="Connector: Elbow 241">
-            <a:extLst>
-              <a:ext uri="{FF2B5EF4-FFF2-40B4-BE49-F238E27FC236}">
-                <a16:creationId xmlns:a16="http://schemas.microsoft.com/office/drawing/2014/main" id="{41120B5F-F708-A6F2-F648-80267F4FED55}"/>
-              </a:ext>
-            </a:extLst>
-          </p:cNvPr>
-          <p:cNvCxnSpPr>
-            <a:cxnSpLocks/>
-            <a:stCxn id="15" idx="2"/>
-            <a:endCxn id="305" idx="0"/>
-          </p:cNvCxnSpPr>
-          <p:nvPr/>
-        </p:nvCxnSpPr>
-        <p:spPr>
-          <a:xfrm flipH="1">
-            <a:off x="2455683" y="8631843"/>
-            <a:ext cx="2" cy="998412"/>
-          </a:xfrm>
-          <a:prstGeom prst="straightConnector1">
-            <a:avLst/>
-          </a:prstGeom>
-          <a:ln>
-            <a:headEnd type="none" w="med" len="med"/>
-            <a:tailEnd type="arrow" w="med" len="med"/>
-          </a:ln>
-        </p:spPr>
-        <p:style>
-          <a:lnRef idx="2">
-            <a:schemeClr val="dk1"/>
-          </a:lnRef>
-          <a:fillRef idx="0">
-            <a:schemeClr val="dk1"/>
-          </a:fillRef>
-          <a:effectRef idx="1">
-            <a:schemeClr val="dk1"/>
-          </a:effectRef>
-          <a:fontRef idx="minor">
-            <a:schemeClr val="tx1"/>
-          </a:fontRef>
-        </p:style>
-      </p:cxnSp>
-      <p:sp>
-        <p:nvSpPr>
-          <p:cNvPr id="277" name="Rectangle 276">
-            <a:extLst>
-              <a:ext uri="{FF2B5EF4-FFF2-40B4-BE49-F238E27FC236}">
-                <a16:creationId xmlns:a16="http://schemas.microsoft.com/office/drawing/2014/main" id="{3115CC88-6263-38C2-0D3E-003BDACFE043}"/>
-              </a:ext>
-            </a:extLst>
-          </p:cNvPr>
-          <p:cNvSpPr/>
-          <p:nvPr/>
-        </p:nvSpPr>
-        <p:spPr>
-          <a:xfrm>
-            <a:off x="4824786" y="7186210"/>
-            <a:ext cx="2279745" cy="1259320"/>
-          </a:xfrm>
-          <a:prstGeom prst="rect">
-            <a:avLst/>
-          </a:prstGeom>
           <a:solidFill>
-            <a:srgbClr val="2596BE">
-              <a:alpha val="30196"/>
-            </a:srgbClr>
+            <a:schemeClr val="bg1">
+              <a:lumMod val="85000"/>
+            </a:schemeClr>
           </a:solidFill>
         </p:spPr>
         <p:style>
@@ -10182,55 +9354,20 @@
           <a:lstStyle/>
           <a:p>
             <a:pPr algn="ctr"/>
-            <a:r>
-              <a:rPr lang="en-GB" sz="2000" dirty="0">
-                <a:solidFill>
-                  <a:schemeClr val="tx1"/>
-                </a:solidFill>
-              </a:rPr>
-              <a:t>You will need to use a </a:t>
-            </a:r>
-            <a:r>
-              <a:rPr lang="en-GB" sz="2000" b="1" dirty="0">
-                <a:solidFill>
-                  <a:schemeClr val="tx1"/>
-                </a:solidFill>
-              </a:rPr>
-              <a:t>PC-VR </a:t>
-            </a:r>
-            <a:r>
-              <a:rPr lang="en-GB" sz="2000" dirty="0">
-                <a:solidFill>
-                  <a:schemeClr val="tx1"/>
-                </a:solidFill>
-              </a:rPr>
-              <a:t>setup</a:t>
-            </a:r>
-            <a:r>
-              <a:rPr lang="en-GB" sz="2000" b="1" dirty="0">
-                <a:solidFill>
-                  <a:schemeClr val="tx1"/>
-                </a:solidFill>
-              </a:rPr>
-              <a:t> via SteamVR</a:t>
-            </a:r>
-            <a:r>
-              <a:rPr lang="en-GB" sz="2000" dirty="0">
-                <a:solidFill>
-                  <a:schemeClr val="tx1"/>
-                </a:solidFill>
-              </a:rPr>
-              <a:t>.</a:t>
-            </a:r>
-          </a:p>
-        </p:txBody>
-      </p:sp>
-      <p:sp>
-        <p:nvSpPr>
-          <p:cNvPr id="305" name="Rectangle 304">
-            <a:extLst>
-              <a:ext uri="{FF2B5EF4-FFF2-40B4-BE49-F238E27FC236}">
-                <a16:creationId xmlns:a16="http://schemas.microsoft.com/office/drawing/2014/main" id="{E93FBCF3-1541-0A07-BEC4-E6C4601835E9}"/>
+            <a:endParaRPr lang="en-GB" sz="2000" dirty="0">
+              <a:solidFill>
+                <a:schemeClr val="tx1"/>
+              </a:solidFill>
+            </a:endParaRPr>
+          </a:p>
+        </p:txBody>
+      </p:sp>
+      <p:sp>
+        <p:nvSpPr>
+          <p:cNvPr id="15" name="Rectangle 14">
+            <a:extLst>
+              <a:ext uri="{FF2B5EF4-FFF2-40B4-BE49-F238E27FC236}">
+                <a16:creationId xmlns:a16="http://schemas.microsoft.com/office/drawing/2014/main" id="{08256543-4CB1-CE21-0DE7-EE964B3723EA}"/>
               </a:ext>
             </a:extLst>
           </p:cNvPr>
@@ -10239,16 +9376,16 @@
         </p:nvSpPr>
         <p:spPr>
           <a:xfrm>
-            <a:off x="1237490" y="9630255"/>
-            <a:ext cx="2436386" cy="1644960"/>
+            <a:off x="23625997" y="5485597"/>
+            <a:ext cx="2279745" cy="1259320"/>
           </a:xfrm>
           <a:prstGeom prst="rect">
             <a:avLst/>
           </a:prstGeom>
           <a:solidFill>
-            <a:schemeClr val="bg1">
-              <a:lumMod val="85000"/>
-            </a:schemeClr>
+            <a:srgbClr val="2596BE">
+              <a:alpha val="30196"/>
+            </a:srgbClr>
           </a:solidFill>
         </p:spPr>
         <p:style>
@@ -10272,39 +9409,20 @@
           <a:lstStyle/>
           <a:p>
             <a:pPr algn="ctr"/>
-            <a:r>
-              <a:rPr lang="en-GB" sz="2000" dirty="0">
-                <a:solidFill>
-                  <a:schemeClr val="tx1"/>
-                </a:solidFill>
-              </a:rPr>
-              <a:t>Do you have a </a:t>
-            </a:r>
-            <a:r>
-              <a:rPr lang="en-GB" sz="2000" b="1" dirty="0">
-                <a:solidFill>
-                  <a:schemeClr val="tx1"/>
-                </a:solidFill>
-              </a:rPr>
-              <a:t>strong and stable internet connection</a:t>
-            </a:r>
-            <a:r>
-              <a:rPr lang="en-GB" sz="2000" dirty="0">
-                <a:solidFill>
-                  <a:schemeClr val="tx1"/>
-                </a:solidFill>
-              </a:rPr>
-              <a:t>?</a:t>
-            </a:r>
-          </a:p>
-        </p:txBody>
-      </p:sp>
-      <p:sp>
-        <p:nvSpPr>
-          <p:cNvPr id="314" name="Rectangle 313">
-            <a:extLst>
-              <a:ext uri="{FF2B5EF4-FFF2-40B4-BE49-F238E27FC236}">
-                <a16:creationId xmlns:a16="http://schemas.microsoft.com/office/drawing/2014/main" id="{6FF04236-50E5-8739-1895-3CA914FEB9DF}"/>
+            <a:endParaRPr lang="en-GB" sz="2000" dirty="0">
+              <a:solidFill>
+                <a:schemeClr val="tx1"/>
+              </a:solidFill>
+            </a:endParaRPr>
+          </a:p>
+        </p:txBody>
+      </p:sp>
+      <p:sp>
+        <p:nvSpPr>
+          <p:cNvPr id="16" name="Rectangle 15">
+            <a:extLst>
+              <a:ext uri="{FF2B5EF4-FFF2-40B4-BE49-F238E27FC236}">
+                <a16:creationId xmlns:a16="http://schemas.microsoft.com/office/drawing/2014/main" id="{BB874D05-B0E0-860E-9FB0-6D88A7ADC7AC}"/>
               </a:ext>
             </a:extLst>
           </p:cNvPr>
@@ -10313,8 +9431,8 @@
         </p:nvSpPr>
         <p:spPr>
           <a:xfrm>
-            <a:off x="6306646" y="4558596"/>
-            <a:ext cx="2436388" cy="1644960"/>
+            <a:off x="23778397" y="5637997"/>
+            <a:ext cx="2279745" cy="1259320"/>
           </a:xfrm>
           <a:prstGeom prst="rect">
             <a:avLst/>
@@ -10346,83 +9464,20 @@
           <a:lstStyle/>
           <a:p>
             <a:pPr algn="ctr"/>
-            <a:r>
-              <a:rPr lang="en-GB" sz="2000" dirty="0">
-                <a:solidFill>
-                  <a:schemeClr val="tx1"/>
-                </a:solidFill>
-              </a:rPr>
-              <a:t>You will need to use a cable to connect your VR headset to your computer (</a:t>
-            </a:r>
-            <a:r>
-              <a:rPr lang="en-GB" sz="2000" b="1" dirty="0">
-                <a:solidFill>
-                  <a:schemeClr val="tx1"/>
-                </a:solidFill>
-              </a:rPr>
-              <a:t>tethered</a:t>
-            </a:r>
-            <a:r>
-              <a:rPr lang="en-GB" sz="2000" dirty="0">
-                <a:solidFill>
-                  <a:schemeClr val="tx1"/>
-                </a:solidFill>
-              </a:rPr>
-              <a:t>).</a:t>
-            </a:r>
-          </a:p>
-        </p:txBody>
-      </p:sp>
-      <p:cxnSp>
-        <p:nvCxnSpPr>
-          <p:cNvPr id="320" name="Straight Arrow Connector 319">
-            <a:extLst>
-              <a:ext uri="{FF2B5EF4-FFF2-40B4-BE49-F238E27FC236}">
-                <a16:creationId xmlns:a16="http://schemas.microsoft.com/office/drawing/2014/main" id="{B010DB81-FF87-6096-9227-5030260B4C51}"/>
-              </a:ext>
-            </a:extLst>
-          </p:cNvPr>
-          <p:cNvCxnSpPr>
-            <a:cxnSpLocks/>
-            <a:stCxn id="314" idx="2"/>
-            <a:endCxn id="4" idx="0"/>
-          </p:cNvCxnSpPr>
-          <p:nvPr/>
-        </p:nvCxnSpPr>
-        <p:spPr>
-          <a:xfrm flipH="1">
-            <a:off x="7521505" y="6203556"/>
-            <a:ext cx="3335" cy="3616878"/>
-          </a:xfrm>
-          <a:prstGeom prst="straightConnector1">
-            <a:avLst/>
-          </a:prstGeom>
-          <a:ln>
-            <a:headEnd type="none" w="med" len="med"/>
-            <a:tailEnd type="arrow" w="med" len="med"/>
-          </a:ln>
-        </p:spPr>
-        <p:style>
-          <a:lnRef idx="2">
-            <a:schemeClr val="dk1"/>
-          </a:lnRef>
-          <a:fillRef idx="0">
-            <a:schemeClr val="dk1"/>
-          </a:fillRef>
-          <a:effectRef idx="1">
-            <a:schemeClr val="dk1"/>
-          </a:effectRef>
-          <a:fontRef idx="minor">
-            <a:schemeClr val="tx1"/>
-          </a:fontRef>
-        </p:style>
-      </p:cxnSp>
-      <p:sp>
-        <p:nvSpPr>
-          <p:cNvPr id="324" name="Rectangle 323">
-            <a:extLst>
-              <a:ext uri="{FF2B5EF4-FFF2-40B4-BE49-F238E27FC236}">
-                <a16:creationId xmlns:a16="http://schemas.microsoft.com/office/drawing/2014/main" id="{6A00F52B-C080-2BFF-9C5D-566A00C0B6BD}"/>
+            <a:endParaRPr lang="en-GB" sz="2000" dirty="0">
+              <a:solidFill>
+                <a:schemeClr val="tx1"/>
+              </a:solidFill>
+            </a:endParaRPr>
+          </a:p>
+        </p:txBody>
+      </p:sp>
+      <p:sp>
+        <p:nvSpPr>
+          <p:cNvPr id="17" name="Rectangle 16">
+            <a:extLst>
+              <a:ext uri="{FF2B5EF4-FFF2-40B4-BE49-F238E27FC236}">
+                <a16:creationId xmlns:a16="http://schemas.microsoft.com/office/drawing/2014/main" id="{5E7585F8-BEBA-0297-A809-C24BC3EFEC68}"/>
               </a:ext>
             </a:extLst>
           </p:cNvPr>
@@ -10431,16 +9486,16 @@
         </p:nvSpPr>
         <p:spPr>
           <a:xfrm>
-            <a:off x="10403274" y="9820434"/>
-            <a:ext cx="2663685" cy="1259320"/>
+            <a:off x="23930797" y="5790397"/>
+            <a:ext cx="2279745" cy="1259320"/>
           </a:xfrm>
           <a:prstGeom prst="rect">
             <a:avLst/>
           </a:prstGeom>
           <a:solidFill>
-            <a:schemeClr val="bg1">
-              <a:lumMod val="85000"/>
-            </a:schemeClr>
+            <a:srgbClr val="2596BE">
+              <a:alpha val="30196"/>
+            </a:srgbClr>
           </a:solidFill>
         </p:spPr>
         <p:style>
@@ -10464,39 +9519,20 @@
           <a:lstStyle/>
           <a:p>
             <a:pPr algn="ctr"/>
-            <a:r>
-              <a:rPr lang="en-GB" sz="2000" dirty="0">
-                <a:solidFill>
-                  <a:schemeClr val="tx1"/>
-                </a:solidFill>
-              </a:rPr>
-              <a:t>Are you running the server and client on the </a:t>
-            </a:r>
-            <a:r>
-              <a:rPr lang="en-GB" sz="2000" b="1" dirty="0">
-                <a:solidFill>
-                  <a:schemeClr val="tx1"/>
-                </a:solidFill>
-              </a:rPr>
-              <a:t>same computer</a:t>
-            </a:r>
-            <a:r>
-              <a:rPr lang="en-GB" sz="2000" dirty="0">
-                <a:solidFill>
-                  <a:schemeClr val="tx1"/>
-                </a:solidFill>
-              </a:rPr>
-              <a:t>?</a:t>
-            </a:r>
-          </a:p>
-        </p:txBody>
-      </p:sp>
-      <p:sp>
-        <p:nvSpPr>
-          <p:cNvPr id="329" name="Rectangle 328">
-            <a:extLst>
-              <a:ext uri="{FF2B5EF4-FFF2-40B4-BE49-F238E27FC236}">
-                <a16:creationId xmlns:a16="http://schemas.microsoft.com/office/drawing/2014/main" id="{CAB42C7C-D886-2F51-799D-9AE8A4A3E3CA}"/>
+            <a:endParaRPr lang="en-GB" sz="2000" dirty="0">
+              <a:solidFill>
+                <a:schemeClr val="tx1"/>
+              </a:solidFill>
+            </a:endParaRPr>
+          </a:p>
+        </p:txBody>
+      </p:sp>
+      <p:sp>
+        <p:nvSpPr>
+          <p:cNvPr id="18" name="Rectangle 17">
+            <a:extLst>
+              <a:ext uri="{FF2B5EF4-FFF2-40B4-BE49-F238E27FC236}">
+                <a16:creationId xmlns:a16="http://schemas.microsoft.com/office/drawing/2014/main" id="{F8737CFD-76FF-93BD-DF6B-9686F9D59FEE}"/>
               </a:ext>
             </a:extLst>
           </p:cNvPr>
@@ -10505,8 +9541,8 @@
         </p:nvSpPr>
         <p:spPr>
           <a:xfrm>
-            <a:off x="5170879" y="12004224"/>
-            <a:ext cx="4724962" cy="1554112"/>
+            <a:off x="24083197" y="5942797"/>
+            <a:ext cx="2279745" cy="1259320"/>
           </a:xfrm>
           <a:prstGeom prst="rect">
             <a:avLst/>
@@ -10538,218 +9574,38 @@
           <a:lstStyle/>
           <a:p>
             <a:pPr algn="ctr"/>
-            <a:r>
-              <a:rPr lang="en-GB" sz="2000" dirty="0">
-                <a:solidFill>
-                  <a:schemeClr val="tx1"/>
-                </a:solidFill>
-              </a:rPr>
-              <a:t>Your </a:t>
-            </a:r>
-            <a:r>
-              <a:rPr lang="en-GB" sz="2000" b="1" dirty="0">
-                <a:solidFill>
-                  <a:schemeClr val="tx1"/>
-                </a:solidFill>
-              </a:rPr>
-              <a:t>computers must be connected via an ethernet cable or LAN </a:t>
-            </a:r>
-            <a:r>
-              <a:rPr lang="en-GB" sz="2000" dirty="0">
-                <a:solidFill>
-                  <a:schemeClr val="tx1"/>
-                </a:solidFill>
-              </a:rPr>
-              <a:t>(internet connection not required).</a:t>
-            </a:r>
-          </a:p>
-        </p:txBody>
-      </p:sp>
-      <p:cxnSp>
-        <p:nvCxnSpPr>
-          <p:cNvPr id="330" name="Straight Arrow Connector 329">
-            <a:extLst>
-              <a:ext uri="{FF2B5EF4-FFF2-40B4-BE49-F238E27FC236}">
-                <a16:creationId xmlns:a16="http://schemas.microsoft.com/office/drawing/2014/main" id="{893746EB-0D3E-1251-F62D-B34FFC6F5154}"/>
-              </a:ext>
-            </a:extLst>
-          </p:cNvPr>
-          <p:cNvCxnSpPr>
-            <a:cxnSpLocks/>
-            <a:stCxn id="324" idx="2"/>
-            <a:endCxn id="42" idx="0"/>
-          </p:cNvCxnSpPr>
-          <p:nvPr/>
-        </p:nvCxnSpPr>
-        <p:spPr>
-          <a:xfrm flipH="1">
-            <a:off x="11734220" y="11079754"/>
-            <a:ext cx="897" cy="924462"/>
-          </a:xfrm>
-          <a:prstGeom prst="straightConnector1">
-            <a:avLst/>
-          </a:prstGeom>
-          <a:ln>
-            <a:headEnd type="none" w="med" len="med"/>
-            <a:tailEnd type="arrow" w="med" len="med"/>
-          </a:ln>
-        </p:spPr>
-        <p:style>
-          <a:lnRef idx="2">
-            <a:schemeClr val="dk1"/>
-          </a:lnRef>
-          <a:fillRef idx="0">
-            <a:schemeClr val="dk1"/>
-          </a:fillRef>
-          <a:effectRef idx="1">
-            <a:schemeClr val="dk1"/>
-          </a:effectRef>
-          <a:fontRef idx="minor">
-            <a:schemeClr val="tx1"/>
-          </a:fontRef>
-        </p:style>
-      </p:cxnSp>
-      <p:sp>
-        <p:nvSpPr>
-          <p:cNvPr id="334" name="TextBox 333">
-            <a:extLst>
-              <a:ext uri="{FF2B5EF4-FFF2-40B4-BE49-F238E27FC236}">
-                <a16:creationId xmlns:a16="http://schemas.microsoft.com/office/drawing/2014/main" id="{69E8B08F-6DCC-96A9-0430-EFAF16983513}"/>
-              </a:ext>
-            </a:extLst>
-          </p:cNvPr>
-          <p:cNvSpPr txBox="1"/>
-          <p:nvPr/>
-        </p:nvSpPr>
-        <p:spPr>
-          <a:xfrm>
-            <a:off x="11657207" y="11368769"/>
-            <a:ext cx="721103" cy="400110"/>
+            <a:endParaRPr lang="en-GB" sz="2000" dirty="0">
+              <a:solidFill>
+                <a:schemeClr val="tx1"/>
+              </a:solidFill>
+            </a:endParaRPr>
+          </a:p>
+        </p:txBody>
+      </p:sp>
+      <p:sp>
+        <p:nvSpPr>
+          <p:cNvPr id="19" name="Rectangle 18">
+            <a:extLst>
+              <a:ext uri="{FF2B5EF4-FFF2-40B4-BE49-F238E27FC236}">
+                <a16:creationId xmlns:a16="http://schemas.microsoft.com/office/drawing/2014/main" id="{5F6D6C7C-4C0A-2396-F7DF-836CB63FD869}"/>
+              </a:ext>
+            </a:extLst>
+          </p:cNvPr>
+          <p:cNvSpPr/>
+          <p:nvPr/>
+        </p:nvSpPr>
+        <p:spPr>
+          <a:xfrm>
+            <a:off x="7265864" y="4112378"/>
+            <a:ext cx="3233475" cy="1373012"/>
           </a:xfrm>
           <a:prstGeom prst="rect">
             <a:avLst/>
           </a:prstGeom>
-          <a:noFill/>
-        </p:spPr>
-        <p:txBody>
-          <a:bodyPr wrap="square" rtlCol="0">
-            <a:spAutoFit/>
-          </a:bodyPr>
-          <a:lstStyle/>
-          <a:p>
-            <a:pPr algn="ctr"/>
-            <a:r>
-              <a:rPr lang="en-GB" sz="2000" dirty="0"/>
-              <a:t>Yes</a:t>
-            </a:r>
-          </a:p>
-        </p:txBody>
-      </p:sp>
-      <p:sp>
-        <p:nvSpPr>
-          <p:cNvPr id="338" name="TextBox 337">
-            <a:extLst>
-              <a:ext uri="{FF2B5EF4-FFF2-40B4-BE49-F238E27FC236}">
-                <a16:creationId xmlns:a16="http://schemas.microsoft.com/office/drawing/2014/main" id="{AF7A6573-2EB0-85AC-1396-5C156AEBC5D4}"/>
-              </a:ext>
-            </a:extLst>
-          </p:cNvPr>
-          <p:cNvSpPr txBox="1"/>
-          <p:nvPr/>
-        </p:nvSpPr>
-        <p:spPr>
-          <a:xfrm>
-            <a:off x="13066062" y="9979909"/>
-            <a:ext cx="802351" cy="400110"/>
-          </a:xfrm>
-          <a:prstGeom prst="rect">
-            <a:avLst/>
-          </a:prstGeom>
-          <a:noFill/>
-        </p:spPr>
-        <p:txBody>
-          <a:bodyPr wrap="square" rtlCol="0">
-            <a:spAutoFit/>
-          </a:bodyPr>
-          <a:lstStyle/>
-          <a:p>
-            <a:pPr algn="ctr"/>
-            <a:r>
-              <a:rPr lang="en-GB" sz="2000" dirty="0"/>
-              <a:t>No</a:t>
-            </a:r>
-          </a:p>
-        </p:txBody>
-      </p:sp>
-      <p:cxnSp>
-        <p:nvCxnSpPr>
-          <p:cNvPr id="352" name="Straight Arrow Connector 351">
-            <a:extLst>
-              <a:ext uri="{FF2B5EF4-FFF2-40B4-BE49-F238E27FC236}">
-                <a16:creationId xmlns:a16="http://schemas.microsoft.com/office/drawing/2014/main" id="{FD7702DC-CEB3-F428-AC58-7631036208F5}"/>
-              </a:ext>
-            </a:extLst>
-          </p:cNvPr>
-          <p:cNvCxnSpPr>
-            <a:cxnSpLocks/>
-            <a:stCxn id="4" idx="2"/>
-            <a:endCxn id="329" idx="0"/>
-          </p:cNvCxnSpPr>
-          <p:nvPr/>
-        </p:nvCxnSpPr>
-        <p:spPr>
-          <a:xfrm>
-            <a:off x="7521505" y="11079754"/>
-            <a:ext cx="11855" cy="924470"/>
-          </a:xfrm>
-          <a:prstGeom prst="straightConnector1">
-            <a:avLst/>
-          </a:prstGeom>
-          <a:ln>
-            <a:headEnd type="none" w="med" len="med"/>
-            <a:tailEnd type="arrow" w="med" len="med"/>
-          </a:ln>
-        </p:spPr>
-        <p:style>
-          <a:lnRef idx="2">
-            <a:schemeClr val="dk1"/>
-          </a:lnRef>
-          <a:fillRef idx="0">
-            <a:schemeClr val="dk1"/>
-          </a:fillRef>
-          <a:effectRef idx="1">
-            <a:schemeClr val="dk1"/>
-          </a:effectRef>
-          <a:fontRef idx="minor">
-            <a:schemeClr val="tx1"/>
-          </a:fontRef>
-        </p:style>
-      </p:cxnSp>
-      <p:sp>
-        <p:nvSpPr>
-          <p:cNvPr id="363" name="Rectangle 362">
-            <a:extLst>
-              <a:ext uri="{FF2B5EF4-FFF2-40B4-BE49-F238E27FC236}">
-                <a16:creationId xmlns:a16="http://schemas.microsoft.com/office/drawing/2014/main" id="{33B453C8-38F8-3B27-667B-C8A99434E2AD}"/>
-              </a:ext>
-            </a:extLst>
-          </p:cNvPr>
-          <p:cNvSpPr/>
-          <p:nvPr/>
-        </p:nvSpPr>
-        <p:spPr>
-          <a:xfrm>
-            <a:off x="9857386" y="14468911"/>
-            <a:ext cx="3476229" cy="1406149"/>
-          </a:xfrm>
-          <a:prstGeom prst="rect">
-            <a:avLst/>
-          </a:prstGeom>
           <a:solidFill>
-            <a:schemeClr val="accent5">
-              <a:lumMod val="50000"/>
+            <a:srgbClr val="2596BE">
               <a:alpha val="30196"/>
-            </a:schemeClr>
+            </a:srgbClr>
           </a:solidFill>
         </p:spPr>
         <p:style>
@@ -10772,21 +9628,14 @@
           <a:bodyPr rtlCol="0" anchor="ctr"/>
           <a:lstStyle/>
           <a:p>
-            <a:r>
-              <a:rPr lang="en-GB" sz="2000" b="1" baseline="30000" dirty="0">
-                <a:solidFill>
-                  <a:schemeClr val="tx1"/>
-                </a:solidFill>
-              </a:rPr>
-              <a:t>‡ </a:t>
-            </a:r>
+            <a:pPr algn="ctr"/>
             <a:r>
               <a:rPr lang="en-GB" sz="2000" b="1" dirty="0">
                 <a:solidFill>
                   <a:schemeClr val="tx1"/>
                 </a:solidFill>
               </a:rPr>
-              <a:t>Using Meta Quest Link or SteamVR</a:t>
+              <a:t>Server: </a:t>
             </a:r>
             <a:r>
               <a:rPr lang="en-GB" sz="2000" dirty="0">
@@ -10794,333 +9643,35 @@
                   <a:schemeClr val="tx1"/>
                 </a:solidFill>
               </a:rPr>
-              <a:t> with a cable to your computer (tethered)</a:t>
-            </a:r>
-          </a:p>
-        </p:txBody>
-      </p:sp>
-      <p:cxnSp>
-        <p:nvCxnSpPr>
-          <p:cNvPr id="366" name="Straight Arrow Connector 365">
-            <a:extLst>
-              <a:ext uri="{FF2B5EF4-FFF2-40B4-BE49-F238E27FC236}">
-                <a16:creationId xmlns:a16="http://schemas.microsoft.com/office/drawing/2014/main" id="{01456621-189B-690B-2D6C-43CD380F59E4}"/>
-              </a:ext>
-            </a:extLst>
-          </p:cNvPr>
-          <p:cNvCxnSpPr>
-            <a:cxnSpLocks/>
-            <a:stCxn id="305" idx="2"/>
-            <a:endCxn id="19" idx="0"/>
-          </p:cNvCxnSpPr>
-          <p:nvPr/>
-        </p:nvCxnSpPr>
-        <p:spPr>
-          <a:xfrm>
-            <a:off x="2455683" y="11275215"/>
-            <a:ext cx="0" cy="910584"/>
-          </a:xfrm>
-          <a:prstGeom prst="straightConnector1">
-            <a:avLst/>
-          </a:prstGeom>
-          <a:ln>
-            <a:headEnd type="none" w="med" len="med"/>
-            <a:tailEnd type="arrow" w="med" len="med"/>
-          </a:ln>
-        </p:spPr>
-        <p:style>
-          <a:lnRef idx="2">
-            <a:schemeClr val="dk1"/>
-          </a:lnRef>
-          <a:fillRef idx="0">
-            <a:schemeClr val="dk1"/>
-          </a:fillRef>
-          <a:effectRef idx="1">
-            <a:schemeClr val="dk1"/>
-          </a:effectRef>
-          <a:fontRef idx="minor">
-            <a:schemeClr val="tx1"/>
-          </a:fontRef>
-        </p:style>
-      </p:cxnSp>
-      <p:sp>
-        <p:nvSpPr>
-          <p:cNvPr id="371" name="TextBox 370">
-            <a:extLst>
-              <a:ext uri="{FF2B5EF4-FFF2-40B4-BE49-F238E27FC236}">
-                <a16:creationId xmlns:a16="http://schemas.microsoft.com/office/drawing/2014/main" id="{A79CC35C-7554-7426-B927-FF1CD8F0DFAA}"/>
-              </a:ext>
-            </a:extLst>
-          </p:cNvPr>
-          <p:cNvSpPr txBox="1"/>
-          <p:nvPr/>
-        </p:nvSpPr>
-        <p:spPr>
-          <a:xfrm>
-            <a:off x="2432190" y="11439664"/>
-            <a:ext cx="646232" cy="400110"/>
+              <a:t>different options for connecting to a server</a:t>
+            </a:r>
+          </a:p>
+        </p:txBody>
+      </p:sp>
+      <p:sp>
+        <p:nvSpPr>
+          <p:cNvPr id="20" name="Rectangle 19">
+            <a:extLst>
+              <a:ext uri="{FF2B5EF4-FFF2-40B4-BE49-F238E27FC236}">
+                <a16:creationId xmlns:a16="http://schemas.microsoft.com/office/drawing/2014/main" id="{80117929-D4A6-3D34-5660-F6DA5108CD8F}"/>
+              </a:ext>
+            </a:extLst>
+          </p:cNvPr>
+          <p:cNvSpPr/>
+          <p:nvPr/>
+        </p:nvSpPr>
+        <p:spPr>
+          <a:xfrm>
+            <a:off x="24235597" y="6095197"/>
+            <a:ext cx="2279745" cy="1259320"/>
           </a:xfrm>
           <a:prstGeom prst="rect">
             <a:avLst/>
           </a:prstGeom>
-          <a:noFill/>
-        </p:spPr>
-        <p:txBody>
-          <a:bodyPr wrap="square" rtlCol="0">
-            <a:spAutoFit/>
-          </a:bodyPr>
-          <a:lstStyle/>
-          <a:p>
-            <a:pPr algn="ctr"/>
-            <a:r>
-              <a:rPr lang="en-GB" sz="2000" dirty="0"/>
-              <a:t>Yes</a:t>
-            </a:r>
-          </a:p>
-        </p:txBody>
-      </p:sp>
-      <p:sp>
-        <p:nvSpPr>
-          <p:cNvPr id="385" name="TextBox 384">
-            <a:extLst>
-              <a:ext uri="{FF2B5EF4-FFF2-40B4-BE49-F238E27FC236}">
-                <a16:creationId xmlns:a16="http://schemas.microsoft.com/office/drawing/2014/main" id="{D00C56CC-CD79-D04E-6939-916AD014486C}"/>
-              </a:ext>
-            </a:extLst>
-          </p:cNvPr>
-          <p:cNvSpPr txBox="1"/>
-          <p:nvPr/>
-        </p:nvSpPr>
-        <p:spPr>
-          <a:xfrm>
-            <a:off x="4639504" y="10095043"/>
-            <a:ext cx="730306" cy="400110"/>
-          </a:xfrm>
-          <a:prstGeom prst="rect">
-            <a:avLst/>
-          </a:prstGeom>
-          <a:noFill/>
-        </p:spPr>
-        <p:txBody>
-          <a:bodyPr wrap="square" rtlCol="0">
-            <a:spAutoFit/>
-          </a:bodyPr>
-          <a:lstStyle/>
-          <a:p>
-            <a:pPr algn="ctr"/>
-            <a:r>
-              <a:rPr lang="en-GB" sz="2000" dirty="0"/>
-              <a:t>No</a:t>
-            </a:r>
-          </a:p>
-        </p:txBody>
-      </p:sp>
-      <p:cxnSp>
-        <p:nvCxnSpPr>
-          <p:cNvPr id="402" name="Connector: Elbow 401">
-            <a:extLst>
-              <a:ext uri="{FF2B5EF4-FFF2-40B4-BE49-F238E27FC236}">
-                <a16:creationId xmlns:a16="http://schemas.microsoft.com/office/drawing/2014/main" id="{602FD4CE-BF27-5BA3-4A42-313934A36984}"/>
-              </a:ext>
-            </a:extLst>
-          </p:cNvPr>
-          <p:cNvCxnSpPr>
-            <a:cxnSpLocks/>
-            <a:stCxn id="305" idx="3"/>
-            <a:endCxn id="4" idx="1"/>
-          </p:cNvCxnSpPr>
-          <p:nvPr/>
-        </p:nvCxnSpPr>
-        <p:spPr>
-          <a:xfrm flipV="1">
-            <a:off x="3673876" y="10450094"/>
-            <a:ext cx="2515786" cy="2641"/>
-          </a:xfrm>
-          <a:prstGeom prst="straightConnector1">
-            <a:avLst/>
-          </a:prstGeom>
-          <a:ln>
-            <a:headEnd type="none" w="med" len="med"/>
-            <a:tailEnd type="arrow" w="med" len="med"/>
-          </a:ln>
-        </p:spPr>
-        <p:style>
-          <a:lnRef idx="2">
-            <a:schemeClr val="dk1"/>
-          </a:lnRef>
-          <a:fillRef idx="0">
-            <a:schemeClr val="dk1"/>
-          </a:fillRef>
-          <a:effectRef idx="1">
-            <a:schemeClr val="dk1"/>
-          </a:effectRef>
-          <a:fontRef idx="minor">
-            <a:schemeClr val="tx1"/>
-          </a:fontRef>
-        </p:style>
-      </p:cxnSp>
-      <p:cxnSp>
-        <p:nvCxnSpPr>
-          <p:cNvPr id="414" name="Connector: Elbow 413">
-            <a:extLst>
-              <a:ext uri="{FF2B5EF4-FFF2-40B4-BE49-F238E27FC236}">
-                <a16:creationId xmlns:a16="http://schemas.microsoft.com/office/drawing/2014/main" id="{3EBB69BF-321C-B3CE-8472-0FD925D21411}"/>
-              </a:ext>
-            </a:extLst>
-          </p:cNvPr>
-          <p:cNvCxnSpPr>
-            <a:cxnSpLocks/>
-            <a:stCxn id="277" idx="2"/>
-            <a:endCxn id="305" idx="0"/>
-          </p:cNvCxnSpPr>
-          <p:nvPr/>
-        </p:nvCxnSpPr>
-        <p:spPr>
-          <a:xfrm rot="5400000">
-            <a:off x="3617809" y="7283404"/>
-            <a:ext cx="1184725" cy="3508976"/>
-          </a:xfrm>
-          <a:prstGeom prst="bentConnector3">
-            <a:avLst>
-              <a:gd name="adj1" fmla="val 50000"/>
-            </a:avLst>
-          </a:prstGeom>
-          <a:ln>
-            <a:headEnd type="none" w="med" len="med"/>
-            <a:tailEnd type="arrow" w="med" len="med"/>
-          </a:ln>
-        </p:spPr>
-        <p:style>
-          <a:lnRef idx="2">
-            <a:schemeClr val="dk1"/>
-          </a:lnRef>
-          <a:fillRef idx="0">
-            <a:schemeClr val="dk1"/>
-          </a:fillRef>
-          <a:effectRef idx="1">
-            <a:schemeClr val="dk1"/>
-          </a:effectRef>
-          <a:fontRef idx="minor">
-            <a:schemeClr val="tx1"/>
-          </a:fontRef>
-        </p:style>
-      </p:cxnSp>
-      <p:cxnSp>
-        <p:nvCxnSpPr>
-          <p:cNvPr id="526" name="Connector: Elbow 525">
-            <a:extLst>
-              <a:ext uri="{FF2B5EF4-FFF2-40B4-BE49-F238E27FC236}">
-                <a16:creationId xmlns:a16="http://schemas.microsoft.com/office/drawing/2014/main" id="{D53EE2C6-E9F4-0577-52F1-603DDF342357}"/>
-              </a:ext>
-            </a:extLst>
-          </p:cNvPr>
-          <p:cNvCxnSpPr>
-            <a:cxnSpLocks/>
-            <a:stCxn id="324" idx="3"/>
-            <a:endCxn id="329" idx="2"/>
-          </p:cNvCxnSpPr>
-          <p:nvPr/>
-        </p:nvCxnSpPr>
-        <p:spPr>
-          <a:xfrm flipH="1">
-            <a:off x="7533360" y="10450094"/>
-            <a:ext cx="5533599" cy="3108242"/>
-          </a:xfrm>
-          <a:prstGeom prst="bentConnector4">
-            <a:avLst>
-              <a:gd name="adj1" fmla="val -4131"/>
-              <a:gd name="adj2" fmla="val 109970"/>
-            </a:avLst>
-          </a:prstGeom>
-          <a:ln>
-            <a:headEnd type="none" w="med" len="med"/>
-            <a:tailEnd type="arrow" w="med" len="med"/>
-          </a:ln>
-        </p:spPr>
-        <p:style>
-          <a:lnRef idx="2">
-            <a:schemeClr val="dk1"/>
-          </a:lnRef>
-          <a:fillRef idx="0">
-            <a:schemeClr val="dk1"/>
-          </a:fillRef>
-          <a:effectRef idx="1">
-            <a:schemeClr val="dk1"/>
-          </a:effectRef>
-          <a:fontRef idx="minor">
-            <a:schemeClr val="tx1"/>
-          </a:fontRef>
-        </p:style>
-      </p:cxnSp>
-      <p:cxnSp>
-        <p:nvCxnSpPr>
-          <p:cNvPr id="20" name="Connector: Elbow 213">
-            <a:extLst>
-              <a:ext uri="{FF2B5EF4-FFF2-40B4-BE49-F238E27FC236}">
-                <a16:creationId xmlns:a16="http://schemas.microsoft.com/office/drawing/2014/main" id="{38CF9B38-FDE4-A1FC-8EBD-60F2F36FA19B}"/>
-              </a:ext>
-            </a:extLst>
-          </p:cNvPr>
-          <p:cNvCxnSpPr>
-            <a:cxnSpLocks/>
-            <a:stCxn id="329" idx="3"/>
-            <a:endCxn id="42" idx="1"/>
-          </p:cNvCxnSpPr>
-          <p:nvPr/>
-        </p:nvCxnSpPr>
-        <p:spPr>
-          <a:xfrm flipV="1">
-            <a:off x="9895841" y="12781272"/>
-            <a:ext cx="506536" cy="8"/>
-          </a:xfrm>
-          <a:prstGeom prst="straightConnector1">
-            <a:avLst/>
-          </a:prstGeom>
-          <a:ln>
-            <a:headEnd type="none" w="med" len="med"/>
-            <a:tailEnd type="arrow" w="med" len="med"/>
-          </a:ln>
-        </p:spPr>
-        <p:style>
-          <a:lnRef idx="2">
-            <a:schemeClr val="dk1"/>
-          </a:lnRef>
-          <a:fillRef idx="0">
-            <a:schemeClr val="dk1"/>
-          </a:fillRef>
-          <a:effectRef idx="1">
-            <a:schemeClr val="dk1"/>
-          </a:effectRef>
-          <a:fontRef idx="minor">
-            <a:schemeClr val="tx1"/>
-          </a:fontRef>
-        </p:style>
-      </p:cxnSp>
-      <p:sp>
-        <p:nvSpPr>
-          <p:cNvPr id="6" name="Rectangle 5">
-            <a:extLst>
-              <a:ext uri="{FF2B5EF4-FFF2-40B4-BE49-F238E27FC236}">
-                <a16:creationId xmlns:a16="http://schemas.microsoft.com/office/drawing/2014/main" id="{CB0F3719-CBE3-A9A8-FFCD-2ECFD103C24E}"/>
-              </a:ext>
-            </a:extLst>
-          </p:cNvPr>
-          <p:cNvSpPr/>
-          <p:nvPr/>
-        </p:nvSpPr>
-        <p:spPr>
-          <a:xfrm>
-            <a:off x="6031354" y="14468911"/>
-            <a:ext cx="3259128" cy="1406149"/>
-          </a:xfrm>
-          <a:prstGeom prst="rect">
-            <a:avLst/>
-          </a:prstGeom>
           <a:solidFill>
-            <a:schemeClr val="accent5">
-              <a:lumMod val="50000"/>
+            <a:srgbClr val="2596BE">
               <a:alpha val="30196"/>
-            </a:schemeClr>
+            </a:srgbClr>
           </a:solidFill>
         </p:spPr>
         <p:style>
@@ -11143,111 +9694,21 @@
           <a:bodyPr rtlCol="0" anchor="ctr"/>
           <a:lstStyle/>
           <a:p>
-            <a:r>
-              <a:rPr lang="en-GB" sz="2000" b="1" i="0" baseline="30000" dirty="0">
-                <a:solidFill>
-                  <a:srgbClr val="040C28"/>
-                </a:solidFill>
-                <a:effectLst/>
-              </a:rPr>
-              <a:t>†</a:t>
-            </a:r>
-            <a:r>
-              <a:rPr lang="en-GB" sz="2000" b="1" dirty="0">
-                <a:solidFill>
-                  <a:schemeClr val="tx1"/>
-                </a:solidFill>
-              </a:rPr>
-              <a:t>Other headsets </a:t>
-            </a:r>
-            <a:r>
-              <a:rPr lang="en-GB" sz="2000" dirty="0">
-                <a:solidFill>
-                  <a:schemeClr val="tx1"/>
-                </a:solidFill>
-              </a:rPr>
-              <a:t>include:</a:t>
-            </a:r>
-          </a:p>
-          <a:p>
-            <a:pPr marL="342900" indent="-342900">
-              <a:buFont typeface="Arial" panose="020B0604020202020204" pitchFamily="34" charset="0"/>
-              <a:buChar char="•"/>
-            </a:pPr>
-            <a:r>
-              <a:rPr lang="en-GB" sz="2000" dirty="0">
-                <a:solidFill>
-                  <a:schemeClr val="tx1"/>
-                </a:solidFill>
-              </a:rPr>
-              <a:t>HTC </a:t>
-            </a:r>
-            <a:r>
-              <a:rPr lang="en-GB" sz="2000" dirty="0" err="1">
-                <a:solidFill>
-                  <a:schemeClr val="tx1"/>
-                </a:solidFill>
-              </a:rPr>
-              <a:t>Vive</a:t>
-            </a:r>
+            <a:pPr algn="ctr"/>
             <a:endParaRPr lang="en-GB" sz="2000" dirty="0">
               <a:solidFill>
                 <a:schemeClr val="tx1"/>
               </a:solidFill>
             </a:endParaRPr>
           </a:p>
-          <a:p>
-            <a:pPr marL="342900" indent="-342900">
-              <a:buFont typeface="Arial" panose="020B0604020202020204" pitchFamily="34" charset="0"/>
-              <a:buChar char="•"/>
-            </a:pPr>
-            <a:r>
-              <a:rPr lang="en-GB" sz="2000" dirty="0">
-                <a:solidFill>
-                  <a:schemeClr val="tx1"/>
-                </a:solidFill>
-              </a:rPr>
-              <a:t>HTC </a:t>
-            </a:r>
-            <a:r>
-              <a:rPr lang="en-GB" sz="2000" dirty="0" err="1">
-                <a:solidFill>
-                  <a:schemeClr val="tx1"/>
-                </a:solidFill>
-              </a:rPr>
-              <a:t>Vive</a:t>
-            </a:r>
-            <a:r>
-              <a:rPr lang="en-GB" sz="2000" dirty="0">
-                <a:solidFill>
-                  <a:schemeClr val="tx1"/>
-                </a:solidFill>
-              </a:rPr>
-              <a:t> Pro</a:t>
-            </a:r>
-          </a:p>
-          <a:p>
-            <a:pPr marL="342900" indent="-342900">
-              <a:buFont typeface="Arial" panose="020B0604020202020204" pitchFamily="34" charset="0"/>
-              <a:buChar char="•"/>
-            </a:pPr>
-            <a:r>
-              <a:rPr lang="en-GB" sz="2000" dirty="0">
-                <a:solidFill>
-                  <a:schemeClr val="tx1"/>
-                </a:solidFill>
-              </a:rPr>
-              <a:t>Valve Index</a:t>
-            </a:r>
-          </a:p>
-        </p:txBody>
-      </p:sp>
-      <p:sp>
-        <p:nvSpPr>
-          <p:cNvPr id="7" name="Rectangle 6">
-            <a:extLst>
-              <a:ext uri="{FF2B5EF4-FFF2-40B4-BE49-F238E27FC236}">
-                <a16:creationId xmlns:a16="http://schemas.microsoft.com/office/drawing/2014/main" id="{64ABE1A5-932C-22BE-9EE8-247D1792463B}"/>
+        </p:txBody>
+      </p:sp>
+      <p:sp>
+        <p:nvSpPr>
+          <p:cNvPr id="21" name="Rectangle 20">
+            <a:extLst>
+              <a:ext uri="{FF2B5EF4-FFF2-40B4-BE49-F238E27FC236}">
+                <a16:creationId xmlns:a16="http://schemas.microsoft.com/office/drawing/2014/main" id="{55F55DEF-20AD-AAB1-AB29-BC032AA0A40A}"/>
               </a:ext>
             </a:extLst>
           </p:cNvPr>
@@ -11256,17 +9717,16 @@
         </p:nvSpPr>
         <p:spPr>
           <a:xfrm>
-            <a:off x="1210132" y="14468911"/>
-            <a:ext cx="4159678" cy="1406149"/>
+            <a:off x="24387997" y="6247597"/>
+            <a:ext cx="2279745" cy="1259320"/>
           </a:xfrm>
           <a:prstGeom prst="rect">
             <a:avLst/>
           </a:prstGeom>
           <a:solidFill>
-            <a:schemeClr val="accent5">
-              <a:lumMod val="50000"/>
+            <a:srgbClr val="2596BE">
               <a:alpha val="30196"/>
-            </a:schemeClr>
+            </a:srgbClr>
           </a:solidFill>
         </p:spPr>
         <p:style>
@@ -11289,13 +9749,179 @@
           <a:bodyPr rtlCol="0" anchor="ctr"/>
           <a:lstStyle/>
           <a:p>
+            <a:pPr algn="ctr"/>
+            <a:endParaRPr lang="en-GB" sz="2000" dirty="0">
+              <a:solidFill>
+                <a:schemeClr val="tx1"/>
+              </a:solidFill>
+            </a:endParaRPr>
+          </a:p>
+        </p:txBody>
+      </p:sp>
+      <p:sp>
+        <p:nvSpPr>
+          <p:cNvPr id="22" name="Rectangle 21">
+            <a:extLst>
+              <a:ext uri="{FF2B5EF4-FFF2-40B4-BE49-F238E27FC236}">
+                <a16:creationId xmlns:a16="http://schemas.microsoft.com/office/drawing/2014/main" id="{B92CF2EF-7863-7831-B4CB-A0BAF2922083}"/>
+              </a:ext>
+            </a:extLst>
+          </p:cNvPr>
+          <p:cNvSpPr/>
+          <p:nvPr/>
+        </p:nvSpPr>
+        <p:spPr>
+          <a:xfrm>
+            <a:off x="24540397" y="6399997"/>
+            <a:ext cx="2279745" cy="1259320"/>
+          </a:xfrm>
+          <a:prstGeom prst="rect">
+            <a:avLst/>
+          </a:prstGeom>
+          <a:solidFill>
+            <a:srgbClr val="2596BE">
+              <a:alpha val="30196"/>
+            </a:srgbClr>
+          </a:solidFill>
+        </p:spPr>
+        <p:style>
+          <a:lnRef idx="2">
+            <a:schemeClr val="accent1">
+              <a:shade val="15000"/>
+            </a:schemeClr>
+          </a:lnRef>
+          <a:fillRef idx="1">
+            <a:schemeClr val="accent1"/>
+          </a:fillRef>
+          <a:effectRef idx="0">
+            <a:schemeClr val="accent1"/>
+          </a:effectRef>
+          <a:fontRef idx="minor">
+            <a:schemeClr val="lt1"/>
+          </a:fontRef>
+        </p:style>
+        <p:txBody>
+          <a:bodyPr rtlCol="0" anchor="ctr"/>
+          <a:lstStyle/>
+          <a:p>
+            <a:pPr algn="ctr"/>
+            <a:endParaRPr lang="en-GB" sz="2000" dirty="0">
+              <a:solidFill>
+                <a:schemeClr val="tx1"/>
+              </a:solidFill>
+            </a:endParaRPr>
+          </a:p>
+        </p:txBody>
+      </p:sp>
+      <p:sp>
+        <p:nvSpPr>
+          <p:cNvPr id="23" name="Rectangle 22">
+            <a:extLst>
+              <a:ext uri="{FF2B5EF4-FFF2-40B4-BE49-F238E27FC236}">
+                <a16:creationId xmlns:a16="http://schemas.microsoft.com/office/drawing/2014/main" id="{F8B03F6E-6F35-D78B-8BA0-0EE5BB8C5945}"/>
+              </a:ext>
+            </a:extLst>
+          </p:cNvPr>
+          <p:cNvSpPr/>
+          <p:nvPr/>
+        </p:nvSpPr>
+        <p:spPr>
+          <a:xfrm>
+            <a:off x="24692797" y="6552397"/>
+            <a:ext cx="2279745" cy="1259320"/>
+          </a:xfrm>
+          <a:prstGeom prst="rect">
+            <a:avLst/>
+          </a:prstGeom>
+          <a:solidFill>
+            <a:srgbClr val="2596BE">
+              <a:alpha val="30196"/>
+            </a:srgbClr>
+          </a:solidFill>
+        </p:spPr>
+        <p:style>
+          <a:lnRef idx="2">
+            <a:schemeClr val="accent1">
+              <a:shade val="15000"/>
+            </a:schemeClr>
+          </a:lnRef>
+          <a:fillRef idx="1">
+            <a:schemeClr val="accent1"/>
+          </a:fillRef>
+          <a:effectRef idx="0">
+            <a:schemeClr val="accent1"/>
+          </a:effectRef>
+          <a:fontRef idx="minor">
+            <a:schemeClr val="lt1"/>
+          </a:fontRef>
+        </p:style>
+        <p:txBody>
+          <a:bodyPr rtlCol="0" anchor="ctr"/>
+          <a:lstStyle/>
+          <a:p>
+            <a:pPr algn="ctr"/>
+            <a:endParaRPr lang="en-GB" sz="2000" dirty="0">
+              <a:solidFill>
+                <a:schemeClr val="tx1"/>
+              </a:solidFill>
+            </a:endParaRPr>
+          </a:p>
+        </p:txBody>
+      </p:sp>
+      <p:sp>
+        <p:nvSpPr>
+          <p:cNvPr id="24" name="Rectangle 23">
+            <a:extLst>
+              <a:ext uri="{FF2B5EF4-FFF2-40B4-BE49-F238E27FC236}">
+                <a16:creationId xmlns:a16="http://schemas.microsoft.com/office/drawing/2014/main" id="{172B55A1-694D-BB7C-6665-B121EEA950AF}"/>
+              </a:ext>
+            </a:extLst>
+          </p:cNvPr>
+          <p:cNvSpPr/>
+          <p:nvPr/>
+        </p:nvSpPr>
+        <p:spPr>
+          <a:xfrm>
+            <a:off x="11620907" y="7854844"/>
+            <a:ext cx="3227959" cy="1259320"/>
+          </a:xfrm>
+          <a:prstGeom prst="rect">
+            <a:avLst/>
+          </a:prstGeom>
+          <a:solidFill>
+            <a:srgbClr val="2596BE">
+              <a:alpha val="30196"/>
+            </a:srgbClr>
+          </a:solidFill>
+        </p:spPr>
+        <p:style>
+          <a:lnRef idx="2">
+            <a:schemeClr val="accent1">
+              <a:shade val="15000"/>
+            </a:schemeClr>
+          </a:lnRef>
+          <a:fillRef idx="1">
+            <a:schemeClr val="accent1"/>
+          </a:fillRef>
+          <a:effectRef idx="0">
+            <a:schemeClr val="accent1"/>
+          </a:effectRef>
+          <a:fontRef idx="minor">
+            <a:schemeClr val="lt1"/>
+          </a:fontRef>
+        </p:style>
+        <p:txBody>
+          <a:bodyPr rtlCol="0" anchor="ctr"/>
+          <a:lstStyle/>
+          <a:p>
+            <a:pPr algn="ctr"/>
             <a:r>
               <a:rPr lang="en-GB" sz="2000" b="1" dirty="0">
                 <a:solidFill>
                   <a:schemeClr val="tx1"/>
                 </a:solidFill>
               </a:rPr>
-              <a:t>*Requirements for a wireless setup: </a:t>
+              <a:t>Disconnect:</a:t>
             </a:r>
             <a:r>
               <a:rPr lang="en-GB" sz="2000" dirty="0">
@@ -11303,15 +9929,1419 @@
                   <a:schemeClr val="tx1"/>
                 </a:solidFill>
               </a:rPr>
-              <a:t>a strong and stable internet connection that allows communication over the network</a:t>
-            </a:r>
-          </a:p>
-        </p:txBody>
-      </p:sp>
+              <a:t> if we are connected to a server, disconnect from it.</a:t>
+            </a:r>
+            <a:endParaRPr lang="en-GB" sz="2000" b="1" dirty="0">
+              <a:solidFill>
+                <a:schemeClr val="tx1"/>
+              </a:solidFill>
+            </a:endParaRPr>
+          </a:p>
+        </p:txBody>
+      </p:sp>
+      <p:sp>
+        <p:nvSpPr>
+          <p:cNvPr id="25" name="Rectangle 24">
+            <a:extLst>
+              <a:ext uri="{FF2B5EF4-FFF2-40B4-BE49-F238E27FC236}">
+                <a16:creationId xmlns:a16="http://schemas.microsoft.com/office/drawing/2014/main" id="{86D00E3F-561A-E0ED-F5FF-37A7FDDDD942}"/>
+              </a:ext>
+            </a:extLst>
+          </p:cNvPr>
+          <p:cNvSpPr/>
+          <p:nvPr/>
+        </p:nvSpPr>
+        <p:spPr>
+          <a:xfrm>
+            <a:off x="11620908" y="2656201"/>
+            <a:ext cx="4637956" cy="2441419"/>
+          </a:xfrm>
+          <a:prstGeom prst="rect">
+            <a:avLst/>
+          </a:prstGeom>
+          <a:solidFill>
+            <a:srgbClr val="2596BE">
+              <a:alpha val="30196"/>
+            </a:srgbClr>
+          </a:solidFill>
+        </p:spPr>
+        <p:style>
+          <a:lnRef idx="2">
+            <a:schemeClr val="accent1">
+              <a:shade val="15000"/>
+            </a:schemeClr>
+          </a:lnRef>
+          <a:fillRef idx="1">
+            <a:schemeClr val="accent1"/>
+          </a:fillRef>
+          <a:effectRef idx="0">
+            <a:schemeClr val="accent1"/>
+          </a:effectRef>
+          <a:fontRef idx="minor">
+            <a:schemeClr val="lt1"/>
+          </a:fontRef>
+        </p:style>
+        <p:txBody>
+          <a:bodyPr rtlCol="0" anchor="ctr"/>
+          <a:lstStyle/>
+          <a:p>
+            <a:pPr algn="ctr"/>
+            <a:r>
+              <a:rPr lang="en-GB" sz="2000" b="1" dirty="0">
+                <a:solidFill>
+                  <a:schemeClr val="tx1"/>
+                </a:solidFill>
+              </a:rPr>
+              <a:t>Direct Connect</a:t>
+            </a:r>
+            <a:r>
+              <a:rPr lang="en-GB" sz="2000" dirty="0">
+                <a:solidFill>
+                  <a:schemeClr val="tx1"/>
+                </a:solidFill>
+              </a:rPr>
+              <a:t>: toggles a menu that allows you to change the IP address and trajectory/multiplayer ports of the server you wish to connect to. Use this if you are not using the default ports (specified when you create a server) or if you are connecting to an IP of a different machine/cloud server.</a:t>
+            </a:r>
+          </a:p>
+        </p:txBody>
+      </p:sp>
+      <p:sp>
+        <p:nvSpPr>
+          <p:cNvPr id="26" name="Rectangle 25">
+            <a:extLst>
+              <a:ext uri="{FF2B5EF4-FFF2-40B4-BE49-F238E27FC236}">
+                <a16:creationId xmlns:a16="http://schemas.microsoft.com/office/drawing/2014/main" id="{CCCA6C18-4808-6C21-A408-320E0F3E159B}"/>
+              </a:ext>
+            </a:extLst>
+          </p:cNvPr>
+          <p:cNvSpPr/>
+          <p:nvPr/>
+        </p:nvSpPr>
+        <p:spPr>
+          <a:xfrm>
+            <a:off x="11626423" y="322675"/>
+            <a:ext cx="4578242" cy="1577139"/>
+          </a:xfrm>
+          <a:prstGeom prst="rect">
+            <a:avLst/>
+          </a:prstGeom>
+          <a:solidFill>
+            <a:srgbClr val="2596BE">
+              <a:alpha val="30196"/>
+            </a:srgbClr>
+          </a:solidFill>
+        </p:spPr>
+        <p:style>
+          <a:lnRef idx="2">
+            <a:schemeClr val="accent1">
+              <a:shade val="15000"/>
+            </a:schemeClr>
+          </a:lnRef>
+          <a:fillRef idx="1">
+            <a:schemeClr val="accent1"/>
+          </a:fillRef>
+          <a:effectRef idx="0">
+            <a:schemeClr val="accent1"/>
+          </a:effectRef>
+          <a:fontRef idx="minor">
+            <a:schemeClr val="lt1"/>
+          </a:fontRef>
+        </p:style>
+        <p:txBody>
+          <a:bodyPr rtlCol="0" anchor="ctr"/>
+          <a:lstStyle/>
+          <a:p>
+            <a:pPr algn="ctr"/>
+            <a:r>
+              <a:rPr lang="en-GB" sz="2000" b="1" dirty="0" err="1">
+                <a:solidFill>
+                  <a:schemeClr val="tx1"/>
+                </a:solidFill>
+              </a:rPr>
+              <a:t>Autoconnect</a:t>
+            </a:r>
+            <a:r>
+              <a:rPr lang="en-GB" sz="2000" dirty="0">
+                <a:solidFill>
+                  <a:schemeClr val="tx1"/>
+                </a:solidFill>
+              </a:rPr>
+              <a:t>: connects to the first server found on the network (uses the default parameters). Do not use this if there are multiple servers running on your network.</a:t>
+            </a:r>
+          </a:p>
+        </p:txBody>
+      </p:sp>
+      <p:pic>
+        <p:nvPicPr>
+          <p:cNvPr id="28" name="Picture 27">
+            <a:extLst>
+              <a:ext uri="{FF2B5EF4-FFF2-40B4-BE49-F238E27FC236}">
+                <a16:creationId xmlns:a16="http://schemas.microsoft.com/office/drawing/2014/main" id="{883E1A98-ABC3-47D2-BC09-0EE2F3747C93}"/>
+              </a:ext>
+            </a:extLst>
+          </p:cNvPr>
+          <p:cNvPicPr>
+            <a:picLocks noChangeAspect="1"/>
+          </p:cNvPicPr>
+          <p:nvPr/>
+        </p:nvPicPr>
+        <p:blipFill>
+          <a:blip r:embed="rId3"/>
+          <a:stretch>
+            <a:fillRect/>
+          </a:stretch>
+        </p:blipFill>
+        <p:spPr>
+          <a:xfrm>
+            <a:off x="16421475" y="2656201"/>
+            <a:ext cx="2654380" cy="2949310"/>
+          </a:xfrm>
+          <a:prstGeom prst="rect">
+            <a:avLst/>
+          </a:prstGeom>
+        </p:spPr>
+      </p:pic>
+      <p:pic>
+        <p:nvPicPr>
+          <p:cNvPr id="30" name="Picture 29">
+            <a:extLst>
+              <a:ext uri="{FF2B5EF4-FFF2-40B4-BE49-F238E27FC236}">
+                <a16:creationId xmlns:a16="http://schemas.microsoft.com/office/drawing/2014/main" id="{80766357-3B97-AF21-B22A-54AEE5C5D93F}"/>
+              </a:ext>
+            </a:extLst>
+          </p:cNvPr>
+          <p:cNvPicPr>
+            <a:picLocks noChangeAspect="1"/>
+          </p:cNvPicPr>
+          <p:nvPr/>
+        </p:nvPicPr>
+        <p:blipFill>
+          <a:blip r:embed="rId4"/>
+          <a:stretch>
+            <a:fillRect/>
+          </a:stretch>
+        </p:blipFill>
+        <p:spPr>
+          <a:xfrm>
+            <a:off x="15058441" y="6396574"/>
+            <a:ext cx="2887176" cy="1235443"/>
+          </a:xfrm>
+          <a:prstGeom prst="rect">
+            <a:avLst/>
+          </a:prstGeom>
+        </p:spPr>
+      </p:pic>
+      <p:pic>
+        <p:nvPicPr>
+          <p:cNvPr id="32" name="Picture 31">
+            <a:extLst>
+              <a:ext uri="{FF2B5EF4-FFF2-40B4-BE49-F238E27FC236}">
+                <a16:creationId xmlns:a16="http://schemas.microsoft.com/office/drawing/2014/main" id="{76B58336-0005-B29A-D9C1-4CCCF13BDD65}"/>
+              </a:ext>
+            </a:extLst>
+          </p:cNvPr>
+          <p:cNvPicPr>
+            <a:picLocks noChangeAspect="1"/>
+          </p:cNvPicPr>
+          <p:nvPr/>
+        </p:nvPicPr>
+        <p:blipFill>
+          <a:blip r:embed="rId5"/>
+          <a:stretch>
+            <a:fillRect/>
+          </a:stretch>
+        </p:blipFill>
+        <p:spPr>
+          <a:xfrm>
+            <a:off x="18387092" y="6396574"/>
+            <a:ext cx="2860319" cy="1826307"/>
+          </a:xfrm>
+          <a:prstGeom prst="rect">
+            <a:avLst/>
+          </a:prstGeom>
+        </p:spPr>
+      </p:pic>
+      <p:sp>
+        <p:nvSpPr>
+          <p:cNvPr id="33" name="Rectangle 32">
+            <a:extLst>
+              <a:ext uri="{FF2B5EF4-FFF2-40B4-BE49-F238E27FC236}">
+                <a16:creationId xmlns:a16="http://schemas.microsoft.com/office/drawing/2014/main" id="{F6376597-504F-D315-56EB-7DAB12073E45}"/>
+              </a:ext>
+            </a:extLst>
+          </p:cNvPr>
+          <p:cNvSpPr/>
+          <p:nvPr/>
+        </p:nvSpPr>
+        <p:spPr>
+          <a:xfrm>
+            <a:off x="11620907" y="6331974"/>
+            <a:ext cx="3227959" cy="1235443"/>
+          </a:xfrm>
+          <a:prstGeom prst="rect">
+            <a:avLst/>
+          </a:prstGeom>
+          <a:solidFill>
+            <a:srgbClr val="2596BE">
+              <a:alpha val="30196"/>
+            </a:srgbClr>
+          </a:solidFill>
+        </p:spPr>
+        <p:style>
+          <a:lnRef idx="2">
+            <a:schemeClr val="accent1">
+              <a:shade val="15000"/>
+            </a:schemeClr>
+          </a:lnRef>
+          <a:fillRef idx="1">
+            <a:schemeClr val="accent1"/>
+          </a:fillRef>
+          <a:effectRef idx="0">
+            <a:schemeClr val="accent1"/>
+          </a:effectRef>
+          <a:fontRef idx="minor">
+            <a:schemeClr val="lt1"/>
+          </a:fontRef>
+        </p:style>
+        <p:txBody>
+          <a:bodyPr rtlCol="0" anchor="ctr"/>
+          <a:lstStyle/>
+          <a:p>
+            <a:pPr algn="ctr"/>
+            <a:r>
+              <a:rPr lang="en-GB" sz="2000" b="1" dirty="0">
+                <a:solidFill>
+                  <a:schemeClr val="tx1"/>
+                </a:solidFill>
+              </a:rPr>
+              <a:t>Discover Services</a:t>
+            </a:r>
+            <a:r>
+              <a:rPr lang="en-GB" sz="2000" dirty="0">
+                <a:solidFill>
+                  <a:schemeClr val="tx1"/>
+                </a:solidFill>
+              </a:rPr>
+              <a:t>: toggles a menu for searching for servers on the network.</a:t>
+            </a:r>
+          </a:p>
+        </p:txBody>
+      </p:sp>
+      <p:sp>
+        <p:nvSpPr>
+          <p:cNvPr id="35" name="Rectangle 34">
+            <a:extLst>
+              <a:ext uri="{FF2B5EF4-FFF2-40B4-BE49-F238E27FC236}">
+                <a16:creationId xmlns:a16="http://schemas.microsoft.com/office/drawing/2014/main" id="{0397A6E3-6004-1107-CFA4-3DD0A244CBCC}"/>
+              </a:ext>
+            </a:extLst>
+          </p:cNvPr>
+          <p:cNvSpPr/>
+          <p:nvPr/>
+        </p:nvSpPr>
+        <p:spPr>
+          <a:xfrm>
+            <a:off x="15058441" y="7752742"/>
+            <a:ext cx="3227959" cy="907486"/>
+          </a:xfrm>
+          <a:prstGeom prst="rect">
+            <a:avLst/>
+          </a:prstGeom>
+          <a:solidFill>
+            <a:schemeClr val="accent2">
+              <a:lumMod val="40000"/>
+              <a:lumOff val="60000"/>
+            </a:schemeClr>
+          </a:solidFill>
+        </p:spPr>
+        <p:style>
+          <a:lnRef idx="2">
+            <a:schemeClr val="accent1">
+              <a:shade val="15000"/>
+            </a:schemeClr>
+          </a:lnRef>
+          <a:fillRef idx="1">
+            <a:schemeClr val="accent1"/>
+          </a:fillRef>
+          <a:effectRef idx="0">
+            <a:schemeClr val="accent1"/>
+          </a:effectRef>
+          <a:fontRef idx="minor">
+            <a:schemeClr val="lt1"/>
+          </a:fontRef>
+        </p:style>
+        <p:txBody>
+          <a:bodyPr rtlCol="0" anchor="ctr"/>
+          <a:lstStyle/>
+          <a:p>
+            <a:pPr algn="ctr"/>
+            <a:r>
+              <a:rPr lang="en-GB" sz="2000" dirty="0">
+                <a:solidFill>
+                  <a:schemeClr val="tx1"/>
+                </a:solidFill>
+              </a:rPr>
+              <a:t>Click “Search”. If there are servers available, they will appear underneath.</a:t>
+            </a:r>
+          </a:p>
+        </p:txBody>
+      </p:sp>
+      <p:sp>
+        <p:nvSpPr>
+          <p:cNvPr id="36" name="Rectangle 35">
+            <a:extLst>
+              <a:ext uri="{FF2B5EF4-FFF2-40B4-BE49-F238E27FC236}">
+                <a16:creationId xmlns:a16="http://schemas.microsoft.com/office/drawing/2014/main" id="{052C7F83-0C2F-5979-5556-BD55491AF710}"/>
+              </a:ext>
+            </a:extLst>
+          </p:cNvPr>
+          <p:cNvSpPr/>
+          <p:nvPr/>
+        </p:nvSpPr>
+        <p:spPr>
+          <a:xfrm>
+            <a:off x="23130873" y="8711176"/>
+            <a:ext cx="2654381" cy="1437287"/>
+          </a:xfrm>
+          <a:prstGeom prst="rect">
+            <a:avLst/>
+          </a:prstGeom>
+          <a:solidFill>
+            <a:schemeClr val="accent2">
+              <a:lumMod val="40000"/>
+              <a:lumOff val="60000"/>
+            </a:schemeClr>
+          </a:solidFill>
+        </p:spPr>
+        <p:style>
+          <a:lnRef idx="2">
+            <a:schemeClr val="accent1">
+              <a:shade val="15000"/>
+            </a:schemeClr>
+          </a:lnRef>
+          <a:fillRef idx="1">
+            <a:schemeClr val="accent1"/>
+          </a:fillRef>
+          <a:effectRef idx="0">
+            <a:schemeClr val="accent1"/>
+          </a:effectRef>
+          <a:fontRef idx="minor">
+            <a:schemeClr val="lt1"/>
+          </a:fontRef>
+        </p:style>
+        <p:txBody>
+          <a:bodyPr rtlCol="0" anchor="ctr"/>
+          <a:lstStyle/>
+          <a:p>
+            <a:pPr algn="ctr"/>
+            <a:endParaRPr lang="en-GB" sz="2000" dirty="0">
+              <a:solidFill>
+                <a:schemeClr val="tx1"/>
+              </a:solidFill>
+            </a:endParaRPr>
+          </a:p>
+        </p:txBody>
+      </p:sp>
+      <p:sp>
+        <p:nvSpPr>
+          <p:cNvPr id="37" name="Rectangle 36">
+            <a:extLst>
+              <a:ext uri="{FF2B5EF4-FFF2-40B4-BE49-F238E27FC236}">
+                <a16:creationId xmlns:a16="http://schemas.microsoft.com/office/drawing/2014/main" id="{74F3C1B9-9AF4-244A-FD11-2A291F2B9ED7}"/>
+              </a:ext>
+            </a:extLst>
+          </p:cNvPr>
+          <p:cNvSpPr/>
+          <p:nvPr/>
+        </p:nvSpPr>
+        <p:spPr>
+          <a:xfrm>
+            <a:off x="858968" y="6420057"/>
+            <a:ext cx="3227959" cy="1696046"/>
+          </a:xfrm>
+          <a:prstGeom prst="rect">
+            <a:avLst/>
+          </a:prstGeom>
+          <a:solidFill>
+            <a:srgbClr val="2596BE">
+              <a:alpha val="30196"/>
+            </a:srgbClr>
+          </a:solidFill>
+        </p:spPr>
+        <p:style>
+          <a:lnRef idx="2">
+            <a:schemeClr val="accent1">
+              <a:shade val="15000"/>
+            </a:schemeClr>
+          </a:lnRef>
+          <a:fillRef idx="1">
+            <a:schemeClr val="accent1"/>
+          </a:fillRef>
+          <a:effectRef idx="0">
+            <a:schemeClr val="accent1"/>
+          </a:effectRef>
+          <a:fontRef idx="minor">
+            <a:schemeClr val="lt1"/>
+          </a:fontRef>
+        </p:style>
+        <p:txBody>
+          <a:bodyPr rtlCol="0" anchor="ctr"/>
+          <a:lstStyle/>
+          <a:p>
+            <a:pPr algn="ctr"/>
+            <a:r>
+              <a:rPr lang="en-GB" sz="2000" b="1" dirty="0">
+                <a:solidFill>
+                  <a:schemeClr val="tx1"/>
+                </a:solidFill>
+              </a:rPr>
+              <a:t>Simulation: </a:t>
+            </a:r>
+            <a:r>
+              <a:rPr lang="en-GB" sz="2000" dirty="0">
+                <a:solidFill>
+                  <a:schemeClr val="tx1"/>
+                </a:solidFill>
+              </a:rPr>
+              <a:t>commands relating to the simulation or simulation box.</a:t>
+            </a:r>
+            <a:endParaRPr lang="en-GB" sz="2000" b="1" dirty="0">
+              <a:solidFill>
+                <a:schemeClr val="tx1"/>
+              </a:solidFill>
+            </a:endParaRPr>
+          </a:p>
+        </p:txBody>
+      </p:sp>
+      <p:sp>
+        <p:nvSpPr>
+          <p:cNvPr id="39" name="Rectangle 38">
+            <a:extLst>
+              <a:ext uri="{FF2B5EF4-FFF2-40B4-BE49-F238E27FC236}">
+                <a16:creationId xmlns:a16="http://schemas.microsoft.com/office/drawing/2014/main" id="{D7CA18CF-27F3-B728-483D-0DCAF0F1EBC3}"/>
+              </a:ext>
+            </a:extLst>
+          </p:cNvPr>
+          <p:cNvSpPr/>
+          <p:nvPr/>
+        </p:nvSpPr>
+        <p:spPr>
+          <a:xfrm>
+            <a:off x="21714556" y="10909705"/>
+            <a:ext cx="2700104" cy="1661459"/>
+          </a:xfrm>
+          <a:prstGeom prst="rect">
+            <a:avLst/>
+          </a:prstGeom>
+          <a:solidFill>
+            <a:schemeClr val="accent5">
+              <a:lumMod val="50000"/>
+              <a:alpha val="30196"/>
+            </a:schemeClr>
+          </a:solidFill>
+        </p:spPr>
+        <p:style>
+          <a:lnRef idx="2">
+            <a:schemeClr val="accent1">
+              <a:shade val="15000"/>
+            </a:schemeClr>
+          </a:lnRef>
+          <a:fillRef idx="1">
+            <a:schemeClr val="accent1"/>
+          </a:fillRef>
+          <a:effectRef idx="0">
+            <a:schemeClr val="accent1"/>
+          </a:effectRef>
+          <a:fontRef idx="minor">
+            <a:schemeClr val="lt1"/>
+          </a:fontRef>
+        </p:style>
+        <p:txBody>
+          <a:bodyPr rtlCol="0" anchor="ctr"/>
+          <a:lstStyle/>
+          <a:p>
+            <a:endParaRPr lang="en-GB" sz="2000" dirty="0">
+              <a:solidFill>
+                <a:schemeClr val="tx1"/>
+              </a:solidFill>
+            </a:endParaRPr>
+          </a:p>
+        </p:txBody>
+      </p:sp>
+      <p:sp>
+        <p:nvSpPr>
+          <p:cNvPr id="40" name="Rectangle 39">
+            <a:extLst>
+              <a:ext uri="{FF2B5EF4-FFF2-40B4-BE49-F238E27FC236}">
+                <a16:creationId xmlns:a16="http://schemas.microsoft.com/office/drawing/2014/main" id="{94180434-932E-8F6F-C486-7C91200BA114}"/>
+              </a:ext>
+            </a:extLst>
+          </p:cNvPr>
+          <p:cNvSpPr/>
+          <p:nvPr/>
+        </p:nvSpPr>
+        <p:spPr>
+          <a:xfrm>
+            <a:off x="21866956" y="11062105"/>
+            <a:ext cx="2700104" cy="1661459"/>
+          </a:xfrm>
+          <a:prstGeom prst="rect">
+            <a:avLst/>
+          </a:prstGeom>
+          <a:solidFill>
+            <a:schemeClr val="accent5">
+              <a:lumMod val="50000"/>
+              <a:alpha val="30196"/>
+            </a:schemeClr>
+          </a:solidFill>
+        </p:spPr>
+        <p:style>
+          <a:lnRef idx="2">
+            <a:schemeClr val="accent1">
+              <a:shade val="15000"/>
+            </a:schemeClr>
+          </a:lnRef>
+          <a:fillRef idx="1">
+            <a:schemeClr val="accent1"/>
+          </a:fillRef>
+          <a:effectRef idx="0">
+            <a:schemeClr val="accent1"/>
+          </a:effectRef>
+          <a:fontRef idx="minor">
+            <a:schemeClr val="lt1"/>
+          </a:fontRef>
+        </p:style>
+        <p:txBody>
+          <a:bodyPr rtlCol="0" anchor="ctr"/>
+          <a:lstStyle/>
+          <a:p>
+            <a:endParaRPr lang="en-GB" sz="2000" dirty="0">
+              <a:solidFill>
+                <a:schemeClr val="tx1"/>
+              </a:solidFill>
+            </a:endParaRPr>
+          </a:p>
+        </p:txBody>
+      </p:sp>
+      <p:sp>
+        <p:nvSpPr>
+          <p:cNvPr id="41" name="Rectangle 40">
+            <a:extLst>
+              <a:ext uri="{FF2B5EF4-FFF2-40B4-BE49-F238E27FC236}">
+                <a16:creationId xmlns:a16="http://schemas.microsoft.com/office/drawing/2014/main" id="{77B2A6A4-A8EE-9506-A49C-610AAF5D7832}"/>
+              </a:ext>
+            </a:extLst>
+          </p:cNvPr>
+          <p:cNvSpPr/>
+          <p:nvPr/>
+        </p:nvSpPr>
+        <p:spPr>
+          <a:xfrm>
+            <a:off x="22019356" y="11214505"/>
+            <a:ext cx="2700104" cy="1661459"/>
+          </a:xfrm>
+          <a:prstGeom prst="rect">
+            <a:avLst/>
+          </a:prstGeom>
+          <a:solidFill>
+            <a:schemeClr val="accent5">
+              <a:lumMod val="50000"/>
+              <a:alpha val="30196"/>
+            </a:schemeClr>
+          </a:solidFill>
+        </p:spPr>
+        <p:style>
+          <a:lnRef idx="2">
+            <a:schemeClr val="accent1">
+              <a:shade val="15000"/>
+            </a:schemeClr>
+          </a:lnRef>
+          <a:fillRef idx="1">
+            <a:schemeClr val="accent1"/>
+          </a:fillRef>
+          <a:effectRef idx="0">
+            <a:schemeClr val="accent1"/>
+          </a:effectRef>
+          <a:fontRef idx="minor">
+            <a:schemeClr val="lt1"/>
+          </a:fontRef>
+        </p:style>
+        <p:txBody>
+          <a:bodyPr rtlCol="0" anchor="ctr"/>
+          <a:lstStyle/>
+          <a:p>
+            <a:endParaRPr lang="en-GB" sz="2000" dirty="0">
+              <a:solidFill>
+                <a:schemeClr val="tx1"/>
+              </a:solidFill>
+            </a:endParaRPr>
+          </a:p>
+        </p:txBody>
+      </p:sp>
+      <p:sp>
+        <p:nvSpPr>
+          <p:cNvPr id="42" name="Rectangle 41">
+            <a:extLst>
+              <a:ext uri="{FF2B5EF4-FFF2-40B4-BE49-F238E27FC236}">
+                <a16:creationId xmlns:a16="http://schemas.microsoft.com/office/drawing/2014/main" id="{530B05C7-E804-7C5A-E539-F16252160766}"/>
+              </a:ext>
+            </a:extLst>
+          </p:cNvPr>
+          <p:cNvSpPr/>
+          <p:nvPr/>
+        </p:nvSpPr>
+        <p:spPr>
+          <a:xfrm>
+            <a:off x="819382" y="4982225"/>
+            <a:ext cx="3227959" cy="830730"/>
+          </a:xfrm>
+          <a:prstGeom prst="rect">
+            <a:avLst/>
+          </a:prstGeom>
+          <a:solidFill>
+            <a:schemeClr val="accent5">
+              <a:lumMod val="50000"/>
+              <a:alpha val="30196"/>
+            </a:schemeClr>
+          </a:solidFill>
+        </p:spPr>
+        <p:style>
+          <a:lnRef idx="2">
+            <a:schemeClr val="accent1">
+              <a:shade val="15000"/>
+            </a:schemeClr>
+          </a:lnRef>
+          <a:fillRef idx="1">
+            <a:schemeClr val="accent1"/>
+          </a:fillRef>
+          <a:effectRef idx="0">
+            <a:schemeClr val="accent1"/>
+          </a:effectRef>
+          <a:fontRef idx="minor">
+            <a:schemeClr val="lt1"/>
+          </a:fontRef>
+        </p:style>
+        <p:txBody>
+          <a:bodyPr rtlCol="0" anchor="ctr"/>
+          <a:lstStyle/>
+          <a:p>
+            <a:pPr algn="ctr"/>
+            <a:r>
+              <a:rPr lang="en-GB" sz="2000" b="1" dirty="0">
+                <a:solidFill>
+                  <a:schemeClr val="tx1"/>
+                </a:solidFill>
+              </a:rPr>
+              <a:t>User: </a:t>
+            </a:r>
+            <a:r>
+              <a:rPr lang="en-GB" sz="2000" dirty="0">
+                <a:solidFill>
+                  <a:schemeClr val="tx1"/>
+                </a:solidFill>
+              </a:rPr>
+              <a:t>scale the interaction force applied by the user.</a:t>
+            </a:r>
+            <a:endParaRPr lang="en-GB" sz="2000" b="1" dirty="0">
+              <a:solidFill>
+                <a:schemeClr val="tx1"/>
+              </a:solidFill>
+            </a:endParaRPr>
+          </a:p>
+        </p:txBody>
+      </p:sp>
+      <p:cxnSp>
+        <p:nvCxnSpPr>
+          <p:cNvPr id="45" name="Straight Arrow Connector 44">
+            <a:extLst>
+              <a:ext uri="{FF2B5EF4-FFF2-40B4-BE49-F238E27FC236}">
+                <a16:creationId xmlns:a16="http://schemas.microsoft.com/office/drawing/2014/main" id="{D646AB34-2024-5F47-5BB5-090F27E60CF3}"/>
+              </a:ext>
+            </a:extLst>
+          </p:cNvPr>
+          <p:cNvCxnSpPr>
+            <a:cxnSpLocks/>
+            <a:stCxn id="19" idx="3"/>
+            <a:endCxn id="26" idx="1"/>
+          </p:cNvCxnSpPr>
+          <p:nvPr/>
+        </p:nvCxnSpPr>
+        <p:spPr>
+          <a:xfrm flipV="1">
+            <a:off x="10499339" y="1111245"/>
+            <a:ext cx="1127084" cy="3687639"/>
+          </a:xfrm>
+          <a:prstGeom prst="straightConnector1">
+            <a:avLst/>
+          </a:prstGeom>
+          <a:ln w="19050">
+            <a:headEnd type="none" w="med" len="med"/>
+            <a:tailEnd type="arrow" w="med" len="med"/>
+          </a:ln>
+        </p:spPr>
+        <p:style>
+          <a:lnRef idx="2">
+            <a:schemeClr val="dk1"/>
+          </a:lnRef>
+          <a:fillRef idx="0">
+            <a:schemeClr val="dk1"/>
+          </a:fillRef>
+          <a:effectRef idx="1">
+            <a:schemeClr val="dk1"/>
+          </a:effectRef>
+          <a:fontRef idx="minor">
+            <a:schemeClr val="tx1"/>
+          </a:fontRef>
+        </p:style>
+      </p:cxnSp>
+      <p:cxnSp>
+        <p:nvCxnSpPr>
+          <p:cNvPr id="47" name="Straight Arrow Connector 46">
+            <a:extLst>
+              <a:ext uri="{FF2B5EF4-FFF2-40B4-BE49-F238E27FC236}">
+                <a16:creationId xmlns:a16="http://schemas.microsoft.com/office/drawing/2014/main" id="{55C9C976-3751-C3C5-C979-8969D443B41F}"/>
+              </a:ext>
+            </a:extLst>
+          </p:cNvPr>
+          <p:cNvCxnSpPr>
+            <a:cxnSpLocks/>
+            <a:stCxn id="19" idx="3"/>
+            <a:endCxn id="25" idx="1"/>
+          </p:cNvCxnSpPr>
+          <p:nvPr/>
+        </p:nvCxnSpPr>
+        <p:spPr>
+          <a:xfrm flipV="1">
+            <a:off x="10499339" y="3876911"/>
+            <a:ext cx="1121569" cy="921973"/>
+          </a:xfrm>
+          <a:prstGeom prst="straightConnector1">
+            <a:avLst/>
+          </a:prstGeom>
+          <a:ln w="19050">
+            <a:headEnd type="none" w="med" len="med"/>
+            <a:tailEnd type="arrow" w="med" len="med"/>
+          </a:ln>
+        </p:spPr>
+        <p:style>
+          <a:lnRef idx="2">
+            <a:schemeClr val="dk1"/>
+          </a:lnRef>
+          <a:fillRef idx="0">
+            <a:schemeClr val="dk1"/>
+          </a:fillRef>
+          <a:effectRef idx="1">
+            <a:schemeClr val="dk1"/>
+          </a:effectRef>
+          <a:fontRef idx="minor">
+            <a:schemeClr val="tx1"/>
+          </a:fontRef>
+        </p:style>
+      </p:cxnSp>
+      <p:cxnSp>
+        <p:nvCxnSpPr>
+          <p:cNvPr id="50" name="Straight Arrow Connector 49">
+            <a:extLst>
+              <a:ext uri="{FF2B5EF4-FFF2-40B4-BE49-F238E27FC236}">
+                <a16:creationId xmlns:a16="http://schemas.microsoft.com/office/drawing/2014/main" id="{628EC9C4-2EF7-1F6D-2A9B-942679A3F1A3}"/>
+              </a:ext>
+            </a:extLst>
+          </p:cNvPr>
+          <p:cNvCxnSpPr>
+            <a:cxnSpLocks/>
+          </p:cNvCxnSpPr>
+          <p:nvPr/>
+        </p:nvCxnSpPr>
+        <p:spPr>
+          <a:xfrm flipV="1">
+            <a:off x="16204665" y="11740434"/>
+            <a:ext cx="917198" cy="1835104"/>
+          </a:xfrm>
+          <a:prstGeom prst="straightConnector1">
+            <a:avLst/>
+          </a:prstGeom>
+          <a:ln w="19050">
+            <a:headEnd type="none" w="med" len="med"/>
+            <a:tailEnd type="arrow" w="med" len="med"/>
+          </a:ln>
+        </p:spPr>
+        <p:style>
+          <a:lnRef idx="2">
+            <a:schemeClr val="dk1"/>
+          </a:lnRef>
+          <a:fillRef idx="0">
+            <a:schemeClr val="dk1"/>
+          </a:fillRef>
+          <a:effectRef idx="1">
+            <a:schemeClr val="dk1"/>
+          </a:effectRef>
+          <a:fontRef idx="minor">
+            <a:schemeClr val="tx1"/>
+          </a:fontRef>
+        </p:style>
+      </p:cxnSp>
+      <p:cxnSp>
+        <p:nvCxnSpPr>
+          <p:cNvPr id="51" name="Straight Arrow Connector 50">
+            <a:extLst>
+              <a:ext uri="{FF2B5EF4-FFF2-40B4-BE49-F238E27FC236}">
+                <a16:creationId xmlns:a16="http://schemas.microsoft.com/office/drawing/2014/main" id="{9D90C76E-AAE3-1A13-9DEE-C3012EA5E9FB}"/>
+              </a:ext>
+            </a:extLst>
+          </p:cNvPr>
+          <p:cNvCxnSpPr>
+            <a:cxnSpLocks/>
+            <a:stCxn id="19" idx="3"/>
+            <a:endCxn id="24" idx="1"/>
+          </p:cNvCxnSpPr>
+          <p:nvPr/>
+        </p:nvCxnSpPr>
+        <p:spPr>
+          <a:xfrm>
+            <a:off x="10499339" y="4798884"/>
+            <a:ext cx="1121568" cy="3685620"/>
+          </a:xfrm>
+          <a:prstGeom prst="straightConnector1">
+            <a:avLst/>
+          </a:prstGeom>
+          <a:ln w="19050">
+            <a:headEnd type="none" w="med" len="med"/>
+            <a:tailEnd type="arrow" w="med" len="med"/>
+          </a:ln>
+        </p:spPr>
+        <p:style>
+          <a:lnRef idx="2">
+            <a:schemeClr val="dk1"/>
+          </a:lnRef>
+          <a:fillRef idx="0">
+            <a:schemeClr val="dk1"/>
+          </a:fillRef>
+          <a:effectRef idx="1">
+            <a:schemeClr val="dk1"/>
+          </a:effectRef>
+          <a:fontRef idx="minor">
+            <a:schemeClr val="tx1"/>
+          </a:fontRef>
+        </p:style>
+      </p:cxnSp>
+      <p:cxnSp>
+        <p:nvCxnSpPr>
+          <p:cNvPr id="52" name="Straight Arrow Connector 51">
+            <a:extLst>
+              <a:ext uri="{FF2B5EF4-FFF2-40B4-BE49-F238E27FC236}">
+                <a16:creationId xmlns:a16="http://schemas.microsoft.com/office/drawing/2014/main" id="{25C87051-6B1F-1E9F-597C-BB991529D79E}"/>
+              </a:ext>
+            </a:extLst>
+          </p:cNvPr>
+          <p:cNvCxnSpPr>
+            <a:cxnSpLocks/>
+            <a:stCxn id="19" idx="3"/>
+            <a:endCxn id="33" idx="1"/>
+          </p:cNvCxnSpPr>
+          <p:nvPr/>
+        </p:nvCxnSpPr>
+        <p:spPr>
+          <a:xfrm>
+            <a:off x="10499339" y="4798884"/>
+            <a:ext cx="1121568" cy="2150812"/>
+          </a:xfrm>
+          <a:prstGeom prst="straightConnector1">
+            <a:avLst/>
+          </a:prstGeom>
+          <a:ln w="19050">
+            <a:headEnd type="none" w="med" len="med"/>
+            <a:tailEnd type="arrow" w="med" len="med"/>
+          </a:ln>
+        </p:spPr>
+        <p:style>
+          <a:lnRef idx="2">
+            <a:schemeClr val="dk1"/>
+          </a:lnRef>
+          <a:fillRef idx="0">
+            <a:schemeClr val="dk1"/>
+          </a:fillRef>
+          <a:effectRef idx="1">
+            <a:schemeClr val="dk1"/>
+          </a:effectRef>
+          <a:fontRef idx="minor">
+            <a:schemeClr val="tx1"/>
+          </a:fontRef>
+        </p:style>
+      </p:cxnSp>
+      <p:cxnSp>
+        <p:nvCxnSpPr>
+          <p:cNvPr id="71" name="Straight Arrow Connector 70">
+            <a:extLst>
+              <a:ext uri="{FF2B5EF4-FFF2-40B4-BE49-F238E27FC236}">
+                <a16:creationId xmlns:a16="http://schemas.microsoft.com/office/drawing/2014/main" id="{B2395FF4-4C07-F9D7-5A5D-6A3DDD00CE33}"/>
+              </a:ext>
+            </a:extLst>
+          </p:cNvPr>
+          <p:cNvCxnSpPr>
+            <a:cxnSpLocks/>
+          </p:cNvCxnSpPr>
+          <p:nvPr/>
+        </p:nvCxnSpPr>
+        <p:spPr>
+          <a:xfrm flipV="1">
+            <a:off x="26971160" y="11274518"/>
+            <a:ext cx="1127084" cy="3687639"/>
+          </a:xfrm>
+          <a:prstGeom prst="straightConnector1">
+            <a:avLst/>
+          </a:prstGeom>
+          <a:ln w="19050">
+            <a:headEnd type="none" w="med" len="med"/>
+            <a:tailEnd type="arrow" w="med" len="med"/>
+          </a:ln>
+        </p:spPr>
+        <p:style>
+          <a:lnRef idx="2">
+            <a:schemeClr val="dk1"/>
+          </a:lnRef>
+          <a:fillRef idx="0">
+            <a:schemeClr val="dk1"/>
+          </a:fillRef>
+          <a:effectRef idx="1">
+            <a:schemeClr val="dk1"/>
+          </a:effectRef>
+          <a:fontRef idx="minor">
+            <a:schemeClr val="tx1"/>
+          </a:fontRef>
+        </p:style>
+      </p:cxnSp>
+      <p:cxnSp>
+        <p:nvCxnSpPr>
+          <p:cNvPr id="72" name="Straight Arrow Connector 71">
+            <a:extLst>
+              <a:ext uri="{FF2B5EF4-FFF2-40B4-BE49-F238E27FC236}">
+                <a16:creationId xmlns:a16="http://schemas.microsoft.com/office/drawing/2014/main" id="{49F8ABA7-EEB3-AC1F-A146-C5FD67C1D64C}"/>
+              </a:ext>
+            </a:extLst>
+          </p:cNvPr>
+          <p:cNvCxnSpPr>
+            <a:cxnSpLocks/>
+          </p:cNvCxnSpPr>
+          <p:nvPr/>
+        </p:nvCxnSpPr>
+        <p:spPr>
+          <a:xfrm flipV="1">
+            <a:off x="27123560" y="11426918"/>
+            <a:ext cx="1127084" cy="3687639"/>
+          </a:xfrm>
+          <a:prstGeom prst="straightConnector1">
+            <a:avLst/>
+          </a:prstGeom>
+          <a:ln w="19050">
+            <a:headEnd type="none" w="med" len="med"/>
+            <a:tailEnd type="arrow" w="med" len="med"/>
+          </a:ln>
+        </p:spPr>
+        <p:style>
+          <a:lnRef idx="2">
+            <a:schemeClr val="dk1"/>
+          </a:lnRef>
+          <a:fillRef idx="0">
+            <a:schemeClr val="dk1"/>
+          </a:fillRef>
+          <a:effectRef idx="1">
+            <a:schemeClr val="dk1"/>
+          </a:effectRef>
+          <a:fontRef idx="minor">
+            <a:schemeClr val="tx1"/>
+          </a:fontRef>
+        </p:style>
+      </p:cxnSp>
+      <p:cxnSp>
+        <p:nvCxnSpPr>
+          <p:cNvPr id="73" name="Straight Arrow Connector 72">
+            <a:extLst>
+              <a:ext uri="{FF2B5EF4-FFF2-40B4-BE49-F238E27FC236}">
+                <a16:creationId xmlns:a16="http://schemas.microsoft.com/office/drawing/2014/main" id="{730ECFF9-17E1-9676-909B-72EB33CDB34F}"/>
+              </a:ext>
+            </a:extLst>
+          </p:cNvPr>
+          <p:cNvCxnSpPr>
+            <a:cxnSpLocks/>
+          </p:cNvCxnSpPr>
+          <p:nvPr/>
+        </p:nvCxnSpPr>
+        <p:spPr>
+          <a:xfrm flipV="1">
+            <a:off x="27275960" y="11579318"/>
+            <a:ext cx="1127084" cy="3687639"/>
+          </a:xfrm>
+          <a:prstGeom prst="straightConnector1">
+            <a:avLst/>
+          </a:prstGeom>
+          <a:ln w="19050">
+            <a:headEnd type="none" w="med" len="med"/>
+            <a:tailEnd type="arrow" w="med" len="med"/>
+          </a:ln>
+        </p:spPr>
+        <p:style>
+          <a:lnRef idx="2">
+            <a:schemeClr val="dk1"/>
+          </a:lnRef>
+          <a:fillRef idx="0">
+            <a:schemeClr val="dk1"/>
+          </a:fillRef>
+          <a:effectRef idx="1">
+            <a:schemeClr val="dk1"/>
+          </a:effectRef>
+          <a:fontRef idx="minor">
+            <a:schemeClr val="tx1"/>
+          </a:fontRef>
+        </p:style>
+      </p:cxnSp>
+      <p:cxnSp>
+        <p:nvCxnSpPr>
+          <p:cNvPr id="74" name="Straight Arrow Connector 73">
+            <a:extLst>
+              <a:ext uri="{FF2B5EF4-FFF2-40B4-BE49-F238E27FC236}">
+                <a16:creationId xmlns:a16="http://schemas.microsoft.com/office/drawing/2014/main" id="{93E4ADD4-3A8D-A610-30BC-E6CF8956E03E}"/>
+              </a:ext>
+            </a:extLst>
+          </p:cNvPr>
+          <p:cNvCxnSpPr>
+            <a:cxnSpLocks/>
+          </p:cNvCxnSpPr>
+          <p:nvPr/>
+        </p:nvCxnSpPr>
+        <p:spPr>
+          <a:xfrm flipV="1">
+            <a:off x="27428360" y="11731718"/>
+            <a:ext cx="1127084" cy="3687639"/>
+          </a:xfrm>
+          <a:prstGeom prst="straightConnector1">
+            <a:avLst/>
+          </a:prstGeom>
+          <a:ln w="19050">
+            <a:headEnd type="none" w="med" len="med"/>
+            <a:tailEnd type="arrow" w="med" len="med"/>
+          </a:ln>
+        </p:spPr>
+        <p:style>
+          <a:lnRef idx="2">
+            <a:schemeClr val="dk1"/>
+          </a:lnRef>
+          <a:fillRef idx="0">
+            <a:schemeClr val="dk1"/>
+          </a:fillRef>
+          <a:effectRef idx="1">
+            <a:schemeClr val="dk1"/>
+          </a:effectRef>
+          <a:fontRef idx="minor">
+            <a:schemeClr val="tx1"/>
+          </a:fontRef>
+        </p:style>
+      </p:cxnSp>
+      <p:cxnSp>
+        <p:nvCxnSpPr>
+          <p:cNvPr id="75" name="Straight Arrow Connector 74">
+            <a:extLst>
+              <a:ext uri="{FF2B5EF4-FFF2-40B4-BE49-F238E27FC236}">
+                <a16:creationId xmlns:a16="http://schemas.microsoft.com/office/drawing/2014/main" id="{49406745-520E-D0E2-6F86-87C4E811A97F}"/>
+              </a:ext>
+            </a:extLst>
+          </p:cNvPr>
+          <p:cNvCxnSpPr>
+            <a:cxnSpLocks/>
+          </p:cNvCxnSpPr>
+          <p:nvPr/>
+        </p:nvCxnSpPr>
+        <p:spPr>
+          <a:xfrm flipV="1">
+            <a:off x="27580760" y="11884118"/>
+            <a:ext cx="1127084" cy="3687639"/>
+          </a:xfrm>
+          <a:prstGeom prst="straightConnector1">
+            <a:avLst/>
+          </a:prstGeom>
+          <a:ln w="19050">
+            <a:headEnd type="none" w="med" len="med"/>
+            <a:tailEnd type="arrow" w="med" len="med"/>
+          </a:ln>
+        </p:spPr>
+        <p:style>
+          <a:lnRef idx="2">
+            <a:schemeClr val="dk1"/>
+          </a:lnRef>
+          <a:fillRef idx="0">
+            <a:schemeClr val="dk1"/>
+          </a:fillRef>
+          <a:effectRef idx="1">
+            <a:schemeClr val="dk1"/>
+          </a:effectRef>
+          <a:fontRef idx="minor">
+            <a:schemeClr val="tx1"/>
+          </a:fontRef>
+        </p:style>
+      </p:cxnSp>
+      <p:cxnSp>
+        <p:nvCxnSpPr>
+          <p:cNvPr id="76" name="Straight Arrow Connector 75">
+            <a:extLst>
+              <a:ext uri="{FF2B5EF4-FFF2-40B4-BE49-F238E27FC236}">
+                <a16:creationId xmlns:a16="http://schemas.microsoft.com/office/drawing/2014/main" id="{633FA83C-04D9-65E0-EEF0-C45A137ED53E}"/>
+              </a:ext>
+            </a:extLst>
+          </p:cNvPr>
+          <p:cNvCxnSpPr>
+            <a:cxnSpLocks/>
+            <a:stCxn id="42" idx="3"/>
+          </p:cNvCxnSpPr>
+          <p:nvPr/>
+        </p:nvCxnSpPr>
+        <p:spPr>
+          <a:xfrm>
+            <a:off x="4047341" y="5397590"/>
+            <a:ext cx="478745" cy="415365"/>
+          </a:xfrm>
+          <a:prstGeom prst="straightConnector1">
+            <a:avLst/>
+          </a:prstGeom>
+          <a:ln w="19050">
+            <a:headEnd type="none" w="med" len="med"/>
+            <a:tailEnd type="arrow" w="med" len="med"/>
+          </a:ln>
+        </p:spPr>
+        <p:style>
+          <a:lnRef idx="2">
+            <a:schemeClr val="dk1"/>
+          </a:lnRef>
+          <a:fillRef idx="0">
+            <a:schemeClr val="dk1"/>
+          </a:fillRef>
+          <a:effectRef idx="1">
+            <a:schemeClr val="dk1"/>
+          </a:effectRef>
+          <a:fontRef idx="minor">
+            <a:schemeClr val="tx1"/>
+          </a:fontRef>
+        </p:style>
+      </p:cxnSp>
+      <p:cxnSp>
+        <p:nvCxnSpPr>
+          <p:cNvPr id="81" name="Straight Arrow Connector 80">
+            <a:extLst>
+              <a:ext uri="{FF2B5EF4-FFF2-40B4-BE49-F238E27FC236}">
+                <a16:creationId xmlns:a16="http://schemas.microsoft.com/office/drawing/2014/main" id="{F9571BB6-F48A-855C-998F-76A3D02FC766}"/>
+              </a:ext>
+            </a:extLst>
+          </p:cNvPr>
+          <p:cNvCxnSpPr>
+            <a:cxnSpLocks/>
+            <a:stCxn id="37" idx="3"/>
+          </p:cNvCxnSpPr>
+          <p:nvPr/>
+        </p:nvCxnSpPr>
+        <p:spPr>
+          <a:xfrm flipV="1">
+            <a:off x="4086927" y="6641694"/>
+            <a:ext cx="439159" cy="626386"/>
+          </a:xfrm>
+          <a:prstGeom prst="straightConnector1">
+            <a:avLst/>
+          </a:prstGeom>
+          <a:ln w="19050">
+            <a:headEnd type="none" w="med" len="med"/>
+            <a:tailEnd type="arrow" w="med" len="med"/>
+          </a:ln>
+        </p:spPr>
+        <p:style>
+          <a:lnRef idx="2">
+            <a:schemeClr val="dk1"/>
+          </a:lnRef>
+          <a:fillRef idx="0">
+            <a:schemeClr val="dk1"/>
+          </a:fillRef>
+          <a:effectRef idx="1">
+            <a:schemeClr val="dk1"/>
+          </a:effectRef>
+          <a:fontRef idx="minor">
+            <a:schemeClr val="tx1"/>
+          </a:fontRef>
+        </p:style>
+      </p:cxnSp>
+      <p:pic>
+        <p:nvPicPr>
+          <p:cNvPr id="2" name="Picture 1">
+            <a:extLst>
+              <a:ext uri="{FF2B5EF4-FFF2-40B4-BE49-F238E27FC236}">
+                <a16:creationId xmlns:a16="http://schemas.microsoft.com/office/drawing/2014/main" id="{818261D9-C1E3-5E1B-EC12-BF849741E425}"/>
+              </a:ext>
+            </a:extLst>
+          </p:cNvPr>
+          <p:cNvPicPr>
+            <a:picLocks noChangeAspect="1"/>
+          </p:cNvPicPr>
+          <p:nvPr/>
+        </p:nvPicPr>
+        <p:blipFill rotWithShape="1">
+          <a:blip r:embed="rId2"/>
+          <a:srcRect l="3401" t="5118" r="5355" b="75189"/>
+          <a:stretch/>
+        </p:blipFill>
+        <p:spPr>
+          <a:xfrm>
+            <a:off x="7705022" y="6396575"/>
+            <a:ext cx="2421957" cy="1558706"/>
+          </a:xfrm>
+          <a:prstGeom prst="rect">
+            <a:avLst/>
+          </a:prstGeom>
+        </p:spPr>
+      </p:pic>
+      <p:pic>
+        <p:nvPicPr>
+          <p:cNvPr id="3" name="Picture 2">
+            <a:extLst>
+              <a:ext uri="{FF2B5EF4-FFF2-40B4-BE49-F238E27FC236}">
+                <a16:creationId xmlns:a16="http://schemas.microsoft.com/office/drawing/2014/main" id="{3A4F2863-E9B4-0F41-9B81-E29865ED308A}"/>
+              </a:ext>
+            </a:extLst>
+          </p:cNvPr>
+          <p:cNvPicPr>
+            <a:picLocks noChangeAspect="1"/>
+          </p:cNvPicPr>
+          <p:nvPr/>
+        </p:nvPicPr>
+        <p:blipFill rotWithShape="1">
+          <a:blip r:embed="rId2"/>
+          <a:srcRect l="4396" t="24447" r="4983" b="64797"/>
+          <a:stretch/>
+        </p:blipFill>
+        <p:spPr>
+          <a:xfrm>
+            <a:off x="8011100" y="8427720"/>
+            <a:ext cx="2405439" cy="851340"/>
+          </a:xfrm>
+          <a:prstGeom prst="rect">
+            <a:avLst/>
+          </a:prstGeom>
+        </p:spPr>
+      </p:pic>
+      <p:pic>
+        <p:nvPicPr>
+          <p:cNvPr id="4" name="Picture 3">
+            <a:extLst>
+              <a:ext uri="{FF2B5EF4-FFF2-40B4-BE49-F238E27FC236}">
+                <a16:creationId xmlns:a16="http://schemas.microsoft.com/office/drawing/2014/main" id="{B763D365-327E-FCF9-1151-2497C47D918C}"/>
+              </a:ext>
+            </a:extLst>
+          </p:cNvPr>
+          <p:cNvPicPr>
+            <a:picLocks noChangeAspect="1"/>
+          </p:cNvPicPr>
+          <p:nvPr/>
+        </p:nvPicPr>
+        <p:blipFill rotWithShape="1">
+          <a:blip r:embed="rId2"/>
+          <a:srcRect l="2579" t="58102" r="3742" b="17894"/>
+          <a:stretch/>
+        </p:blipFill>
+        <p:spPr>
+          <a:xfrm>
+            <a:off x="8039989" y="9786203"/>
+            <a:ext cx="2486650" cy="1899921"/>
+          </a:xfrm>
+          <a:prstGeom prst="rect">
+            <a:avLst/>
+          </a:prstGeom>
+        </p:spPr>
+      </p:pic>
+      <p:pic>
+        <p:nvPicPr>
+          <p:cNvPr id="8" name="Picture 7">
+            <a:extLst>
+              <a:ext uri="{FF2B5EF4-FFF2-40B4-BE49-F238E27FC236}">
+                <a16:creationId xmlns:a16="http://schemas.microsoft.com/office/drawing/2014/main" id="{7F0311CE-9841-8D7B-B7CD-A4B43A4080BC}"/>
+              </a:ext>
+            </a:extLst>
+          </p:cNvPr>
+          <p:cNvPicPr>
+            <a:picLocks noChangeAspect="1"/>
+          </p:cNvPicPr>
+          <p:nvPr/>
+        </p:nvPicPr>
+        <p:blipFill rotWithShape="1">
+          <a:blip r:embed="rId2"/>
+          <a:srcRect t="81879" b="10512"/>
+          <a:stretch/>
+        </p:blipFill>
+        <p:spPr>
+          <a:xfrm>
+            <a:off x="7407751" y="14093190"/>
+            <a:ext cx="2654380" cy="602267"/>
+          </a:xfrm>
+          <a:prstGeom prst="rect">
+            <a:avLst/>
+          </a:prstGeom>
+        </p:spPr>
+      </p:pic>
+      <p:pic>
+        <p:nvPicPr>
+          <p:cNvPr id="27" name="Picture 26">
+            <a:extLst>
+              <a:ext uri="{FF2B5EF4-FFF2-40B4-BE49-F238E27FC236}">
+                <a16:creationId xmlns:a16="http://schemas.microsoft.com/office/drawing/2014/main" id="{8EAEE66D-8E22-0044-E609-7970E632BF20}"/>
+              </a:ext>
+            </a:extLst>
+          </p:cNvPr>
+          <p:cNvPicPr>
+            <a:picLocks noChangeAspect="1"/>
+          </p:cNvPicPr>
+          <p:nvPr/>
+        </p:nvPicPr>
+        <p:blipFill rotWithShape="1">
+          <a:blip r:embed="rId2"/>
+          <a:srcRect l="143" t="89373" r="387" b="2540"/>
+          <a:stretch/>
+        </p:blipFill>
+        <p:spPr>
+          <a:xfrm>
+            <a:off x="12479655" y="13321665"/>
+            <a:ext cx="2640330" cy="640080"/>
+          </a:xfrm>
+          <a:prstGeom prst="rect">
+            <a:avLst/>
+          </a:prstGeom>
+        </p:spPr>
+      </p:pic>
+      <p:pic>
+        <p:nvPicPr>
+          <p:cNvPr id="29" name="Picture 28">
+            <a:extLst>
+              <a:ext uri="{FF2B5EF4-FFF2-40B4-BE49-F238E27FC236}">
+                <a16:creationId xmlns:a16="http://schemas.microsoft.com/office/drawing/2014/main" id="{623BF1B8-F9C6-5A40-996E-4CCCCC11FF9C}"/>
+              </a:ext>
+            </a:extLst>
+          </p:cNvPr>
+          <p:cNvPicPr>
+            <a:picLocks noChangeAspect="1"/>
+          </p:cNvPicPr>
+          <p:nvPr/>
+        </p:nvPicPr>
+        <p:blipFill rotWithShape="1">
+          <a:blip r:embed="rId2"/>
+          <a:srcRect l="3361" t="34765" r="2958" b="41609"/>
+          <a:stretch/>
+        </p:blipFill>
+        <p:spPr>
+          <a:xfrm>
+            <a:off x="11578852" y="10123859"/>
+            <a:ext cx="2486650" cy="1870022"/>
+          </a:xfrm>
+          <a:prstGeom prst="rect">
+            <a:avLst/>
+          </a:prstGeom>
+        </p:spPr>
+      </p:pic>
     </p:spTree>
     <p:extLst>
       <p:ext uri="{BB962C8B-B14F-4D97-AF65-F5344CB8AC3E}">
-        <p14:creationId xmlns:p14="http://schemas.microsoft.com/office/powerpoint/2010/main" val="1752442661"/>
+        <p14:creationId xmlns:p14="http://schemas.microsoft.com/office/powerpoint/2010/main" val="2676893550"/>
       </p:ext>
     </p:extLst>
   </p:cSld>

--- a/source/assets/flow-chart.pptx
+++ b/source/assets/flow-chart.pptx
@@ -4889,41 +4889,58 @@
                   <a:schemeClr val="tx1"/>
                 </a:solidFill>
               </a:rPr>
-              <a:t> headset (you cannot run PC-VR).</a:t>
+              <a:t> </a:t>
+            </a:r>
+            <a:r>
+              <a:rPr lang="en-GB" sz="2000" b="1" dirty="0">
+                <a:solidFill>
+                  <a:schemeClr val="tx1"/>
+                </a:solidFill>
+              </a:rPr>
+              <a:t>headset wirelessly</a:t>
+            </a:r>
+            <a:r>
+              <a:rPr lang="en-GB" sz="2000" dirty="0">
+                <a:solidFill>
+                  <a:schemeClr val="tx1"/>
+                </a:solidFill>
+              </a:rPr>
+              <a:t>. You must meet the </a:t>
+            </a:r>
+            <a:r>
+              <a:rPr lang="en-GB" sz="2000" b="1" dirty="0">
+                <a:solidFill>
+                  <a:schemeClr val="tx1"/>
+                </a:solidFill>
+              </a:rPr>
+              <a:t>requirements for a wireless setup</a:t>
+            </a:r>
+            <a:r>
+              <a:rPr lang="en-GB" sz="2000" dirty="0">
+                <a:solidFill>
+                  <a:schemeClr val="tx1"/>
+                </a:solidFill>
+              </a:rPr>
+              <a:t>.</a:t>
             </a:r>
           </a:p>
           <a:p>
             <a:pPr algn="ctr"/>
-            <a:br>
+            <a:endParaRPr lang="en-GB" sz="2000" dirty="0">
+              <a:solidFill>
+                <a:schemeClr val="tx1"/>
+              </a:solidFill>
+            </a:endParaRPr>
+          </a:p>
+          <a:p>
+            <a:pPr algn="ctr"/>
+            <a:r>
               <a:rPr lang="en-GB" sz="2000" dirty="0">
                 <a:solidFill>
                   <a:schemeClr val="tx1"/>
                 </a:solidFill>
               </a:rPr>
-            </a:br>
-            <a:r>
-              <a:rPr lang="en-GB" sz="2000" dirty="0">
-                <a:solidFill>
-                  <a:schemeClr val="tx1"/>
-                </a:solidFill>
-              </a:rPr>
-              <a:t> You must meet the </a:t>
-            </a:r>
-            <a:r>
-              <a:rPr lang="en-GB" sz="2000" b="1" dirty="0">
-                <a:solidFill>
-                  <a:schemeClr val="tx1"/>
-                </a:solidFill>
-              </a:rPr>
-              <a:t>requirements for a wireless setup*</a:t>
-            </a:r>
-            <a:r>
-              <a:rPr lang="en-GB" sz="2000" dirty="0">
-                <a:solidFill>
-                  <a:schemeClr val="tx1"/>
-                </a:solidFill>
-              </a:rPr>
-              <a:t>.</a:t>
+              <a:t>You cannot run PC-VR or use a tethered setup.</a:t>
             </a:r>
           </a:p>
         </p:txBody>
@@ -5277,7 +5294,7 @@
                   <a:schemeClr val="tx1"/>
                 </a:solidFill>
               </a:rPr>
-              <a:t>You will need to use a cable to connect your VR headset to your computer (</a:t>
+              <a:t>You will need to use a cable to connect your VR headset to your computer (a </a:t>
             </a:r>
             <a:r>
               <a:rPr lang="en-GB" sz="2000" b="1" dirty="0">
@@ -5285,7 +5302,7 @@
                   <a:schemeClr val="tx1"/>
                 </a:solidFill>
               </a:rPr>
-              <a:t>tethered</a:t>
+              <a:t>tethered </a:t>
             </a:r>
             <a:r>
               <a:rPr lang="en-GB" sz="2000" dirty="0">
@@ -5293,7 +5310,7 @@
                   <a:schemeClr val="tx1"/>
                 </a:solidFill>
               </a:rPr>
-              <a:t>).</a:t>
+              <a:t>setup).</a:t>
             </a:r>
           </a:p>
         </p:txBody>
@@ -5958,10 +5975,10 @@
         </p:nvGrpSpPr>
         <p:grpSpPr>
           <a:xfrm>
-            <a:off x="2896724" y="14129813"/>
-            <a:ext cx="8415614" cy="2242295"/>
+            <a:off x="9426119" y="5937933"/>
+            <a:ext cx="3892696" cy="2242295"/>
             <a:chOff x="2801026" y="13978522"/>
-            <a:chExt cx="8415614" cy="2242295"/>
+            <a:chExt cx="3892696" cy="2242295"/>
           </a:xfrm>
         </p:grpSpPr>
         <p:sp>
@@ -5979,7 +5996,7 @@
           <p:spPr>
             <a:xfrm>
               <a:off x="2801026" y="13978522"/>
-              <a:ext cx="8415614" cy="2242295"/>
+              <a:ext cx="3892696" cy="2242295"/>
             </a:xfrm>
             <a:prstGeom prst="rect">
               <a:avLst/>
@@ -6078,7 +6095,7 @@
           </p:nvSpPr>
           <p:spPr>
             <a:xfrm>
-              <a:off x="7636569" y="14483355"/>
+              <a:off x="3092340" y="14475735"/>
               <a:ext cx="3259128" cy="1406149"/>
             </a:xfrm>
             <a:prstGeom prst="rect">
@@ -6206,72 +6223,6 @@
                   </a:solidFill>
                 </a:rPr>
                 <a:t>Valve Index</a:t>
-              </a:r>
-            </a:p>
-          </p:txBody>
-        </p:sp>
-        <p:sp>
-          <p:nvSpPr>
-            <p:cNvPr id="7" name="Rectangle 6">
-              <a:extLst>
-                <a:ext uri="{FF2B5EF4-FFF2-40B4-BE49-F238E27FC236}">
-                  <a16:creationId xmlns:a16="http://schemas.microsoft.com/office/drawing/2014/main" id="{64ABE1A5-932C-22BE-9EE8-247D1792463B}"/>
-                </a:ext>
-              </a:extLst>
-            </p:cNvPr>
-            <p:cNvSpPr/>
-            <p:nvPr/>
-          </p:nvSpPr>
-          <p:spPr>
-            <a:xfrm>
-              <a:off x="3091040" y="14468911"/>
-              <a:ext cx="4159678" cy="1406149"/>
-            </a:xfrm>
-            <a:prstGeom prst="rect">
-              <a:avLst/>
-            </a:prstGeom>
-            <a:solidFill>
-              <a:schemeClr val="accent5">
-                <a:lumMod val="50000"/>
-                <a:alpha val="30196"/>
-              </a:schemeClr>
-            </a:solidFill>
-          </p:spPr>
-          <p:style>
-            <a:lnRef idx="2">
-              <a:schemeClr val="accent1">
-                <a:shade val="15000"/>
-              </a:schemeClr>
-            </a:lnRef>
-            <a:fillRef idx="1">
-              <a:schemeClr val="accent1"/>
-            </a:fillRef>
-            <a:effectRef idx="0">
-              <a:schemeClr val="accent1"/>
-            </a:effectRef>
-            <a:fontRef idx="minor">
-              <a:schemeClr val="lt1"/>
-            </a:fontRef>
-          </p:style>
-          <p:txBody>
-            <a:bodyPr rtlCol="0" anchor="ctr"/>
-            <a:lstStyle/>
-            <a:p>
-              <a:r>
-                <a:rPr lang="en-GB" sz="2000" b="1" dirty="0">
-                  <a:solidFill>
-                    <a:schemeClr val="tx1"/>
-                  </a:solidFill>
-                </a:rPr>
-                <a:t>*Requirements for a wireless setup: </a:t>
-              </a:r>
-              <a:r>
-                <a:rPr lang="en-GB" sz="2000" dirty="0">
-                  <a:solidFill>
-                    <a:schemeClr val="tx1"/>
-                  </a:solidFill>
-                </a:rPr>
-                <a:t>a strong and stable internet connection that allows communication over the network</a:t>
               </a:r>
             </a:p>
           </p:txBody>

--- a/source/assets/flow-chart.pptx
+++ b/source/assets/flow-chart.pptx
@@ -5,11 +5,12 @@
     <p:sldMasterId id="2147483660" r:id="rId1"/>
   </p:sldMasterIdLst>
   <p:notesMasterIdLst>
-    <p:notesMasterId r:id="rId4"/>
+    <p:notesMasterId r:id="rId5"/>
   </p:notesMasterIdLst>
   <p:sldIdLst>
     <p:sldId id="262" r:id="rId2"/>
-    <p:sldId id="263" r:id="rId3"/>
+    <p:sldId id="264" r:id="rId3"/>
+    <p:sldId id="263" r:id="rId4"/>
   </p:sldIdLst>
   <p:sldSz cx="18000663" cy="18000663"/>
   <p:notesSz cx="6858000" cy="9144000"/>
@@ -119,7 +120,7 @@
 <file path=ppt/revisionInfo.xml><?xml version="1.0" encoding="utf-8"?>
 <p1510:revInfo xmlns:a="http://schemas.openxmlformats.org/drawingml/2006/main" xmlns:r="http://schemas.openxmlformats.org/officeDocument/2006/relationships" xmlns:p1510="http://schemas.microsoft.com/office/powerpoint/2015/10/main">
   <p1510:revLst>
-    <p1510:client id="{9539E4F2-C474-48D6-B56C-A71574028F87}" v="97" dt="2024-08-05T14:56:37.064"/>
+    <p1510:client id="{CA170275-7344-438A-A8F7-1467E1F3B891}" v="2" dt="2024-11-01T12:56:13.060"/>
   </p1510:revLst>
 </p1510:revInfo>
 </file>
@@ -127,591 +128,20 @@
 <file path=ppt/changesInfos/changesInfo1.xml><?xml version="1.0" encoding="utf-8"?>
 <pc:chgInfo xmlns:a="http://schemas.openxmlformats.org/drawingml/2006/main" xmlns:r="http://schemas.openxmlformats.org/officeDocument/2006/relationships" xmlns:ac="http://schemas.microsoft.com/office/drawing/2013/main/command" xmlns:pc="http://schemas.microsoft.com/office/powerpoint/2013/main/command">
   <pc:docChgLst>
-    <pc:chgData name="ROEBUCK WILLIAMS RHOSLYN" userId="19c0e951-307b-46f9-a42c-f83c2dbad1d6" providerId="ADAL" clId="{9539E4F2-C474-48D6-B56C-A71574028F87}"/>
-    <pc:docChg chg="undo redo custSel addSld delSld modSld sldOrd">
-      <pc:chgData name="ROEBUCK WILLIAMS RHOSLYN" userId="19c0e951-307b-46f9-a42c-f83c2dbad1d6" providerId="ADAL" clId="{9539E4F2-C474-48D6-B56C-A71574028F87}" dt="2024-08-12T15:13:10.724" v="5223" actId="14100"/>
+    <pc:chgData name="ROEBUCK WILLIAMS RHOSLYN" userId="19c0e951-307b-46f9-a42c-f83c2dbad1d6" providerId="ADAL" clId="{CA170275-7344-438A-A8F7-1467E1F3B891}"/>
+    <pc:docChg chg="undo custSel modSld sldOrd">
+      <pc:chgData name="ROEBUCK WILLIAMS RHOSLYN" userId="19c0e951-307b-46f9-a42c-f83c2dbad1d6" providerId="ADAL" clId="{CA170275-7344-438A-A8F7-1467E1F3B891}" dt="2024-11-01T12:56:33.638" v="347" actId="115"/>
       <pc:docMkLst>
         <pc:docMk/>
       </pc:docMkLst>
-      <pc:sldChg chg="del">
-        <pc:chgData name="ROEBUCK WILLIAMS RHOSLYN" userId="19c0e951-307b-46f9-a42c-f83c2dbad1d6" providerId="ADAL" clId="{9539E4F2-C474-48D6-B56C-A71574028F87}" dt="2024-08-05T11:21:39.913" v="3200" actId="47"/>
-        <pc:sldMkLst>
-          <pc:docMk/>
-          <pc:sldMk cId="2896242572" sldId="257"/>
-        </pc:sldMkLst>
-      </pc:sldChg>
-      <pc:sldChg chg="addSp delSp modSp del mod ord">
-        <pc:chgData name="ROEBUCK WILLIAMS RHOSLYN" userId="19c0e951-307b-46f9-a42c-f83c2dbad1d6" providerId="ADAL" clId="{9539E4F2-C474-48D6-B56C-A71574028F87}" dt="2024-08-05T11:21:39.913" v="3200" actId="47"/>
-        <pc:sldMkLst>
-          <pc:docMk/>
-          <pc:sldMk cId="822998820" sldId="258"/>
-        </pc:sldMkLst>
-        <pc:spChg chg="mod">
-          <ac:chgData name="ROEBUCK WILLIAMS RHOSLYN" userId="19c0e951-307b-46f9-a42c-f83c2dbad1d6" providerId="ADAL" clId="{9539E4F2-C474-48D6-B56C-A71574028F87}" dt="2024-08-02T14:23:16.103" v="2439" actId="14100"/>
-          <ac:spMkLst>
-            <pc:docMk/>
-            <pc:sldMk cId="822998820" sldId="258"/>
-            <ac:spMk id="4" creationId="{22887272-8CFA-BF44-CACD-537694360768}"/>
-          </ac:spMkLst>
-        </pc:spChg>
-        <pc:spChg chg="mod">
-          <ac:chgData name="ROEBUCK WILLIAMS RHOSLYN" userId="19c0e951-307b-46f9-a42c-f83c2dbad1d6" providerId="ADAL" clId="{9539E4F2-C474-48D6-B56C-A71574028F87}" dt="2024-08-02T14:15:00.012" v="2364" actId="1076"/>
-          <ac:spMkLst>
-            <pc:docMk/>
-            <pc:sldMk cId="822998820" sldId="258"/>
-            <ac:spMk id="5" creationId="{346FBF56-A7DF-4167-FC34-8C7AAEEE9647}"/>
-          </ac:spMkLst>
-        </pc:spChg>
-        <pc:spChg chg="mod">
-          <ac:chgData name="ROEBUCK WILLIAMS RHOSLYN" userId="19c0e951-307b-46f9-a42c-f83c2dbad1d6" providerId="ADAL" clId="{9539E4F2-C474-48D6-B56C-A71574028F87}" dt="2024-08-02T14:22:27.766" v="2429" actId="20577"/>
-          <ac:spMkLst>
-            <pc:docMk/>
-            <pc:sldMk cId="822998820" sldId="258"/>
-            <ac:spMk id="9" creationId="{1B919D91-FC0C-7368-90E2-67BC1C60183D}"/>
-          </ac:spMkLst>
-        </pc:spChg>
-        <pc:spChg chg="mod">
-          <ac:chgData name="ROEBUCK WILLIAMS RHOSLYN" userId="19c0e951-307b-46f9-a42c-f83c2dbad1d6" providerId="ADAL" clId="{9539E4F2-C474-48D6-B56C-A71574028F87}" dt="2024-08-02T14:15:12.327" v="2366" actId="14100"/>
-          <ac:spMkLst>
-            <pc:docMk/>
-            <pc:sldMk cId="822998820" sldId="258"/>
-            <ac:spMk id="15" creationId="{1EAFDDEE-0E21-A708-736B-D49DE6669369}"/>
-          </ac:spMkLst>
-        </pc:spChg>
-        <pc:spChg chg="mod">
-          <ac:chgData name="ROEBUCK WILLIAMS RHOSLYN" userId="19c0e951-307b-46f9-a42c-f83c2dbad1d6" providerId="ADAL" clId="{9539E4F2-C474-48D6-B56C-A71574028F87}" dt="2024-08-02T14:28:59.310" v="2538" actId="20577"/>
-          <ac:spMkLst>
-            <pc:docMk/>
-            <pc:sldMk cId="822998820" sldId="258"/>
-            <ac:spMk id="19" creationId="{D2A92E3D-448A-A5B8-E6F4-384524ED1057}"/>
-          </ac:spMkLst>
-        </pc:spChg>
-        <pc:spChg chg="mod">
-          <ac:chgData name="ROEBUCK WILLIAMS RHOSLYN" userId="19c0e951-307b-46f9-a42c-f83c2dbad1d6" providerId="ADAL" clId="{9539E4F2-C474-48D6-B56C-A71574028F87}" dt="2024-08-03T08:04:34.910" v="2738" actId="1076"/>
-          <ac:spMkLst>
-            <pc:docMk/>
-            <pc:sldMk cId="822998820" sldId="258"/>
-            <ac:spMk id="24" creationId="{0A510DB6-C573-9104-CAAB-0035485EEB71}"/>
-          </ac:spMkLst>
-        </pc:spChg>
-        <pc:spChg chg="mod">
-          <ac:chgData name="ROEBUCK WILLIAMS RHOSLYN" userId="19c0e951-307b-46f9-a42c-f83c2dbad1d6" providerId="ADAL" clId="{9539E4F2-C474-48D6-B56C-A71574028F87}" dt="2024-08-03T08:04:31.868" v="2737" actId="1076"/>
-          <ac:spMkLst>
-            <pc:docMk/>
-            <pc:sldMk cId="822998820" sldId="258"/>
-            <ac:spMk id="29" creationId="{4D859BB7-BEE1-CF6A-BF53-B561B421A0BD}"/>
-          </ac:spMkLst>
-        </pc:spChg>
-        <pc:spChg chg="del mod">
-          <ac:chgData name="ROEBUCK WILLIAMS RHOSLYN" userId="19c0e951-307b-46f9-a42c-f83c2dbad1d6" providerId="ADAL" clId="{9539E4F2-C474-48D6-B56C-A71574028F87}" dt="2024-08-02T13:55:53.437" v="1994" actId="478"/>
-          <ac:spMkLst>
-            <pc:docMk/>
-            <pc:sldMk cId="822998820" sldId="258"/>
-            <ac:spMk id="30" creationId="{A8BB5F93-AA12-98E0-3D8E-30E3F1C00D0B}"/>
-          </ac:spMkLst>
-        </pc:spChg>
-        <pc:spChg chg="mod">
-          <ac:chgData name="ROEBUCK WILLIAMS RHOSLYN" userId="19c0e951-307b-46f9-a42c-f83c2dbad1d6" providerId="ADAL" clId="{9539E4F2-C474-48D6-B56C-A71574028F87}" dt="2024-08-02T14:22:35.484" v="2433" actId="20577"/>
-          <ac:spMkLst>
-            <pc:docMk/>
-            <pc:sldMk cId="822998820" sldId="258"/>
-            <ac:spMk id="38" creationId="{50AD24AF-4564-D938-2BE1-3F69D5C62F17}"/>
-          </ac:spMkLst>
-        </pc:spChg>
-        <pc:spChg chg="mod">
-          <ac:chgData name="ROEBUCK WILLIAMS RHOSLYN" userId="19c0e951-307b-46f9-a42c-f83c2dbad1d6" providerId="ADAL" clId="{9539E4F2-C474-48D6-B56C-A71574028F87}" dt="2024-08-02T14:23:16.103" v="2439" actId="14100"/>
-          <ac:spMkLst>
-            <pc:docMk/>
-            <pc:sldMk cId="822998820" sldId="258"/>
-            <ac:spMk id="40" creationId="{026E36F0-35D8-4E3A-EE82-977CCCA6EB0F}"/>
-          </ac:spMkLst>
-        </pc:spChg>
-        <pc:spChg chg="mod">
-          <ac:chgData name="ROEBUCK WILLIAMS RHOSLYN" userId="19c0e951-307b-46f9-a42c-f83c2dbad1d6" providerId="ADAL" clId="{9539E4F2-C474-48D6-B56C-A71574028F87}" dt="2024-08-02T14:31:31.682" v="2559" actId="1076"/>
-          <ac:spMkLst>
-            <pc:docMk/>
-            <pc:sldMk cId="822998820" sldId="258"/>
-            <ac:spMk id="42" creationId="{A14A1D4B-5AA1-522A-397C-D1964657C751}"/>
-          </ac:spMkLst>
-        </pc:spChg>
-        <pc:spChg chg="mod">
-          <ac:chgData name="ROEBUCK WILLIAMS RHOSLYN" userId="19c0e951-307b-46f9-a42c-f83c2dbad1d6" providerId="ADAL" clId="{9539E4F2-C474-48D6-B56C-A71574028F87}" dt="2024-08-02T14:23:16.103" v="2439" actId="14100"/>
-          <ac:spMkLst>
-            <pc:docMk/>
-            <pc:sldMk cId="822998820" sldId="258"/>
-            <ac:spMk id="44" creationId="{9A2DFD34-E640-EEAD-3436-DD63DC7A9817}"/>
-          </ac:spMkLst>
-        </pc:spChg>
-        <pc:spChg chg="del mod">
-          <ac:chgData name="ROEBUCK WILLIAMS RHOSLYN" userId="19c0e951-307b-46f9-a42c-f83c2dbad1d6" providerId="ADAL" clId="{9539E4F2-C474-48D6-B56C-A71574028F87}" dt="2024-08-02T14:01:19.925" v="2042" actId="478"/>
-          <ac:spMkLst>
-            <pc:docMk/>
-            <pc:sldMk cId="822998820" sldId="258"/>
-            <ac:spMk id="48" creationId="{B724A3D6-BE52-821F-F0CA-1E032478E6FC}"/>
-          </ac:spMkLst>
-        </pc:spChg>
-        <pc:spChg chg="mod">
-          <ac:chgData name="ROEBUCK WILLIAMS RHOSLYN" userId="19c0e951-307b-46f9-a42c-f83c2dbad1d6" providerId="ADAL" clId="{9539E4F2-C474-48D6-B56C-A71574028F87}" dt="2024-08-02T12:44:53.872" v="359" actId="255"/>
-          <ac:spMkLst>
-            <pc:docMk/>
-            <pc:sldMk cId="822998820" sldId="258"/>
-            <ac:spMk id="52" creationId="{0FC5A7EE-B148-0368-C995-579A86B17CD8}"/>
-          </ac:spMkLst>
-        </pc:spChg>
-        <pc:spChg chg="mod">
-          <ac:chgData name="ROEBUCK WILLIAMS RHOSLYN" userId="19c0e951-307b-46f9-a42c-f83c2dbad1d6" providerId="ADAL" clId="{9539E4F2-C474-48D6-B56C-A71574028F87}" dt="2024-08-02T14:05:11.979" v="2062" actId="1076"/>
-          <ac:spMkLst>
-            <pc:docMk/>
-            <pc:sldMk cId="822998820" sldId="258"/>
-            <ac:spMk id="56" creationId="{9398C94E-A74A-D10C-095D-9AE7266F22CC}"/>
-          </ac:spMkLst>
-        </pc:spChg>
-        <pc:spChg chg="mod">
-          <ac:chgData name="ROEBUCK WILLIAMS RHOSLYN" userId="19c0e951-307b-46f9-a42c-f83c2dbad1d6" providerId="ADAL" clId="{9539E4F2-C474-48D6-B56C-A71574028F87}" dt="2024-08-02T14:26:32.843" v="2517" actId="14100"/>
-          <ac:spMkLst>
-            <pc:docMk/>
-            <pc:sldMk cId="822998820" sldId="258"/>
-            <ac:spMk id="61" creationId="{340C4477-8A90-8A8C-65B7-202314C3ABCC}"/>
-          </ac:spMkLst>
-        </pc:spChg>
-        <pc:spChg chg="mod">
-          <ac:chgData name="ROEBUCK WILLIAMS RHOSLYN" userId="19c0e951-307b-46f9-a42c-f83c2dbad1d6" providerId="ADAL" clId="{9539E4F2-C474-48D6-B56C-A71574028F87}" dt="2024-08-02T14:05:21.669" v="2066" actId="1076"/>
-          <ac:spMkLst>
-            <pc:docMk/>
-            <pc:sldMk cId="822998820" sldId="258"/>
-            <ac:spMk id="64" creationId="{F1DB31A6-A394-9581-35E2-1B45D8C8135E}"/>
-          </ac:spMkLst>
-        </pc:spChg>
-        <pc:spChg chg="add mod">
-          <ac:chgData name="ROEBUCK WILLIAMS RHOSLYN" userId="19c0e951-307b-46f9-a42c-f83c2dbad1d6" providerId="ADAL" clId="{9539E4F2-C474-48D6-B56C-A71574028F87}" dt="2024-08-02T13:06:04.368" v="988" actId="1076"/>
-          <ac:spMkLst>
-            <pc:docMk/>
-            <pc:sldMk cId="822998820" sldId="258"/>
-            <ac:spMk id="271" creationId="{9731557B-6A8D-ECE3-CBF2-FAF304D57E5B}"/>
-          </ac:spMkLst>
-        </pc:spChg>
-        <pc:spChg chg="add mod">
-          <ac:chgData name="ROEBUCK WILLIAMS RHOSLYN" userId="19c0e951-307b-46f9-a42c-f83c2dbad1d6" providerId="ADAL" clId="{9539E4F2-C474-48D6-B56C-A71574028F87}" dt="2024-08-02T13:50:04.403" v="1962" actId="14100"/>
-          <ac:spMkLst>
-            <pc:docMk/>
-            <pc:sldMk cId="822998820" sldId="258"/>
-            <ac:spMk id="275" creationId="{8B8BBD31-1124-0F3F-A559-EBBC9215C49B}"/>
-          </ac:spMkLst>
-        </pc:spChg>
-        <pc:spChg chg="add mod">
-          <ac:chgData name="ROEBUCK WILLIAMS RHOSLYN" userId="19c0e951-307b-46f9-a42c-f83c2dbad1d6" providerId="ADAL" clId="{9539E4F2-C474-48D6-B56C-A71574028F87}" dt="2024-08-02T14:28:12.893" v="2522" actId="20577"/>
-          <ac:spMkLst>
-            <pc:docMk/>
-            <pc:sldMk cId="822998820" sldId="258"/>
-            <ac:spMk id="277" creationId="{3115CC88-6263-38C2-0D3E-003BDACFE043}"/>
-          </ac:spMkLst>
-        </pc:spChg>
-        <pc:spChg chg="add del mod">
-          <ac:chgData name="ROEBUCK WILLIAMS RHOSLYN" userId="19c0e951-307b-46f9-a42c-f83c2dbad1d6" providerId="ADAL" clId="{9539E4F2-C474-48D6-B56C-A71574028F87}" dt="2024-08-02T13:33:28.290" v="1549" actId="478"/>
-          <ac:spMkLst>
-            <pc:docMk/>
-            <pc:sldMk cId="822998820" sldId="258"/>
-            <ac:spMk id="299" creationId="{3DB9A0EF-23AE-F47C-4248-8EDBBEE1CE06}"/>
-          </ac:spMkLst>
-        </pc:spChg>
-        <pc:spChg chg="add del mod">
-          <ac:chgData name="ROEBUCK WILLIAMS RHOSLYN" userId="19c0e951-307b-46f9-a42c-f83c2dbad1d6" providerId="ADAL" clId="{9539E4F2-C474-48D6-B56C-A71574028F87}" dt="2024-08-02T13:50:43.906" v="1966" actId="1076"/>
-          <ac:spMkLst>
-            <pc:docMk/>
-            <pc:sldMk cId="822998820" sldId="258"/>
-            <ac:spMk id="300" creationId="{80207DE3-4325-095A-7ABD-C12AD403D167}"/>
-          </ac:spMkLst>
-        </pc:spChg>
-        <pc:spChg chg="add mod">
-          <ac:chgData name="ROEBUCK WILLIAMS RHOSLYN" userId="19c0e951-307b-46f9-a42c-f83c2dbad1d6" providerId="ADAL" clId="{9539E4F2-C474-48D6-B56C-A71574028F87}" dt="2024-08-02T14:15:28.622" v="2369" actId="14100"/>
-          <ac:spMkLst>
-            <pc:docMk/>
-            <pc:sldMk cId="822998820" sldId="258"/>
-            <ac:spMk id="305" creationId="{E93FBCF3-1541-0A07-BEC4-E6C4601835E9}"/>
-          </ac:spMkLst>
-        </pc:spChg>
-        <pc:spChg chg="add mod">
-          <ac:chgData name="ROEBUCK WILLIAMS RHOSLYN" userId="19c0e951-307b-46f9-a42c-f83c2dbad1d6" providerId="ADAL" clId="{9539E4F2-C474-48D6-B56C-A71574028F87}" dt="2024-08-02T14:29:35.689" v="2547" actId="20577"/>
-          <ac:spMkLst>
-            <pc:docMk/>
-            <pc:sldMk cId="822998820" sldId="258"/>
-            <ac:spMk id="314" creationId="{6FF04236-50E5-8739-1895-3CA914FEB9DF}"/>
-          </ac:spMkLst>
-        </pc:spChg>
-        <pc:spChg chg="add mod">
-          <ac:chgData name="ROEBUCK WILLIAMS RHOSLYN" userId="19c0e951-307b-46f9-a42c-f83c2dbad1d6" providerId="ADAL" clId="{9539E4F2-C474-48D6-B56C-A71574028F87}" dt="2024-08-02T14:24:27.121" v="2449" actId="113"/>
-          <ac:spMkLst>
-            <pc:docMk/>
-            <pc:sldMk cId="822998820" sldId="258"/>
-            <ac:spMk id="324" creationId="{6A00F52B-C080-2BFF-9C5D-566A00C0B6BD}"/>
-          </ac:spMkLst>
-        </pc:spChg>
-        <pc:spChg chg="add mod">
-          <ac:chgData name="ROEBUCK WILLIAMS RHOSLYN" userId="19c0e951-307b-46f9-a42c-f83c2dbad1d6" providerId="ADAL" clId="{9539E4F2-C474-48D6-B56C-A71574028F87}" dt="2024-08-02T14:31:44.425" v="2561" actId="113"/>
-          <ac:spMkLst>
-            <pc:docMk/>
-            <pc:sldMk cId="822998820" sldId="258"/>
-            <ac:spMk id="329" creationId="{CAB42C7C-D886-2F51-799D-9AE8A4A3E3CA}"/>
-          </ac:spMkLst>
-        </pc:spChg>
-        <pc:spChg chg="add mod">
-          <ac:chgData name="ROEBUCK WILLIAMS RHOSLYN" userId="19c0e951-307b-46f9-a42c-f83c2dbad1d6" providerId="ADAL" clId="{9539E4F2-C474-48D6-B56C-A71574028F87}" dt="2024-08-03T08:03:40.444" v="2726" actId="1076"/>
-          <ac:spMkLst>
-            <pc:docMk/>
-            <pc:sldMk cId="822998820" sldId="258"/>
-            <ac:spMk id="334" creationId="{69E8B08F-6DCC-96A9-0430-EFAF16983513}"/>
-          </ac:spMkLst>
-        </pc:spChg>
-        <pc:spChg chg="add mod">
-          <ac:chgData name="ROEBUCK WILLIAMS RHOSLYN" userId="19c0e951-307b-46f9-a42c-f83c2dbad1d6" providerId="ADAL" clId="{9539E4F2-C474-48D6-B56C-A71574028F87}" dt="2024-08-03T08:03:52.177" v="2728" actId="1076"/>
-          <ac:spMkLst>
-            <pc:docMk/>
-            <pc:sldMk cId="822998820" sldId="258"/>
-            <ac:spMk id="338" creationId="{AF7A6573-2EB0-85AC-1396-5C156AEBC5D4}"/>
-          </ac:spMkLst>
-        </pc:spChg>
-        <pc:spChg chg="add mod">
-          <ac:chgData name="ROEBUCK WILLIAMS RHOSLYN" userId="19c0e951-307b-46f9-a42c-f83c2dbad1d6" providerId="ADAL" clId="{9539E4F2-C474-48D6-B56C-A71574028F87}" dt="2024-08-02T13:19:37.790" v="1267" actId="207"/>
-          <ac:spMkLst>
-            <pc:docMk/>
-            <pc:sldMk cId="822998820" sldId="258"/>
-            <ac:spMk id="363" creationId="{33B453C8-38F8-3B27-667B-C8A99434E2AD}"/>
-          </ac:spMkLst>
-        </pc:spChg>
-        <pc:spChg chg="add mod">
-          <ac:chgData name="ROEBUCK WILLIAMS RHOSLYN" userId="19c0e951-307b-46f9-a42c-f83c2dbad1d6" providerId="ADAL" clId="{9539E4F2-C474-48D6-B56C-A71574028F87}" dt="2024-08-02T13:20:39.591" v="1293"/>
-          <ac:spMkLst>
-            <pc:docMk/>
-            <pc:sldMk cId="822998820" sldId="258"/>
-            <ac:spMk id="365" creationId="{519E1AFC-C0F5-BF15-5039-88A485B9CAA5}"/>
-          </ac:spMkLst>
-        </pc:spChg>
-        <pc:spChg chg="add mod">
-          <ac:chgData name="ROEBUCK WILLIAMS RHOSLYN" userId="19c0e951-307b-46f9-a42c-f83c2dbad1d6" providerId="ADAL" clId="{9539E4F2-C474-48D6-B56C-A71574028F87}" dt="2024-08-02T13:33:07.422" v="1544" actId="14100"/>
-          <ac:spMkLst>
-            <pc:docMk/>
-            <pc:sldMk cId="822998820" sldId="258"/>
-            <ac:spMk id="370" creationId="{1E6C3132-5A2F-96A7-98D0-8FCF4269FB45}"/>
-          </ac:spMkLst>
-        </pc:spChg>
-        <pc:spChg chg="add mod">
-          <ac:chgData name="ROEBUCK WILLIAMS RHOSLYN" userId="19c0e951-307b-46f9-a42c-f83c2dbad1d6" providerId="ADAL" clId="{9539E4F2-C474-48D6-B56C-A71574028F87}" dt="2024-08-03T08:04:08.330" v="2730" actId="1076"/>
-          <ac:spMkLst>
-            <pc:docMk/>
-            <pc:sldMk cId="822998820" sldId="258"/>
-            <ac:spMk id="371" creationId="{A79CC35C-7554-7426-B927-FF1CD8F0DFAA}"/>
-          </ac:spMkLst>
-        </pc:spChg>
-        <pc:spChg chg="add mod">
-          <ac:chgData name="ROEBUCK WILLIAMS RHOSLYN" userId="19c0e951-307b-46f9-a42c-f83c2dbad1d6" providerId="ADAL" clId="{9539E4F2-C474-48D6-B56C-A71574028F87}" dt="2024-08-02T14:22:08.852" v="2425" actId="1076"/>
-          <ac:spMkLst>
-            <pc:docMk/>
-            <pc:sldMk cId="822998820" sldId="258"/>
-            <ac:spMk id="385" creationId="{D00C56CC-CD79-D04E-6939-916AD014486C}"/>
-          </ac:spMkLst>
-        </pc:spChg>
-        <pc:spChg chg="add del mod">
-          <ac:chgData name="ROEBUCK WILLIAMS RHOSLYN" userId="19c0e951-307b-46f9-a42c-f83c2dbad1d6" providerId="ADAL" clId="{9539E4F2-C474-48D6-B56C-A71574028F87}" dt="2024-08-02T13:56:31.480" v="2004" actId="478"/>
-          <ac:spMkLst>
-            <pc:docMk/>
-            <pc:sldMk cId="822998820" sldId="258"/>
-            <ac:spMk id="408" creationId="{81552B28-3C5E-0817-DB34-06D8B5C2100C}"/>
-          </ac:spMkLst>
-        </pc:spChg>
-        <pc:spChg chg="add del mod">
-          <ac:chgData name="ROEBUCK WILLIAMS RHOSLYN" userId="19c0e951-307b-46f9-a42c-f83c2dbad1d6" providerId="ADAL" clId="{9539E4F2-C474-48D6-B56C-A71574028F87}" dt="2024-08-02T13:56:58.529" v="2010" actId="478"/>
-          <ac:spMkLst>
-            <pc:docMk/>
-            <pc:sldMk cId="822998820" sldId="258"/>
-            <ac:spMk id="409" creationId="{1416F415-169F-40CA-C993-B4B04C77729C}"/>
-          </ac:spMkLst>
-        </pc:spChg>
-        <pc:spChg chg="add del mod">
-          <ac:chgData name="ROEBUCK WILLIAMS RHOSLYN" userId="19c0e951-307b-46f9-a42c-f83c2dbad1d6" providerId="ADAL" clId="{9539E4F2-C474-48D6-B56C-A71574028F87}" dt="2024-08-02T13:56:50.956" v="2008" actId="478"/>
-          <ac:spMkLst>
-            <pc:docMk/>
-            <pc:sldMk cId="822998820" sldId="258"/>
-            <ac:spMk id="410" creationId="{E354E138-3846-9D61-9110-93E53BEB5A0B}"/>
-          </ac:spMkLst>
-        </pc:spChg>
-        <pc:grpChg chg="add mod">
-          <ac:chgData name="ROEBUCK WILLIAMS RHOSLYN" userId="19c0e951-307b-46f9-a42c-f83c2dbad1d6" providerId="ADAL" clId="{9539E4F2-C474-48D6-B56C-A71574028F87}" dt="2024-08-02T14:02:19.606" v="2046" actId="164"/>
-          <ac:grpSpMkLst>
-            <pc:docMk/>
-            <pc:sldMk cId="822998820" sldId="258"/>
-            <ac:grpSpMk id="454" creationId="{B44AF0C9-5264-F189-84BB-3594A5969415}"/>
-          </ac:grpSpMkLst>
-        </pc:grpChg>
-        <pc:cxnChg chg="mod">
-          <ac:chgData name="ROEBUCK WILLIAMS RHOSLYN" userId="19c0e951-307b-46f9-a42c-f83c2dbad1d6" providerId="ADAL" clId="{9539E4F2-C474-48D6-B56C-A71574028F87}" dt="2024-08-02T14:23:16.103" v="2439" actId="14100"/>
-          <ac:cxnSpMkLst>
-            <pc:docMk/>
-            <pc:sldMk cId="822998820" sldId="258"/>
-            <ac:cxnSpMk id="12" creationId="{926B9899-69C1-DC20-8EAB-50BDC2C23273}"/>
-          </ac:cxnSpMkLst>
-        </pc:cxnChg>
-        <pc:cxnChg chg="mod">
-          <ac:chgData name="ROEBUCK WILLIAMS RHOSLYN" userId="19c0e951-307b-46f9-a42c-f83c2dbad1d6" providerId="ADAL" clId="{9539E4F2-C474-48D6-B56C-A71574028F87}" dt="2024-08-02T14:15:12.327" v="2366" actId="14100"/>
-          <ac:cxnSpMkLst>
-            <pc:docMk/>
-            <pc:sldMk cId="822998820" sldId="258"/>
-            <ac:cxnSpMk id="16" creationId="{235209DE-3AC7-AEA2-ED89-4975A1C0D3D4}"/>
-          </ac:cxnSpMkLst>
-        </pc:cxnChg>
-        <pc:cxnChg chg="mod">
-          <ac:chgData name="ROEBUCK WILLIAMS RHOSLYN" userId="19c0e951-307b-46f9-a42c-f83c2dbad1d6" providerId="ADAL" clId="{9539E4F2-C474-48D6-B56C-A71574028F87}" dt="2024-08-02T14:15:17.055" v="2367" actId="1076"/>
-          <ac:cxnSpMkLst>
-            <pc:docMk/>
-            <pc:sldMk cId="822998820" sldId="258"/>
-            <ac:cxnSpMk id="26" creationId="{B4679F37-C6D4-6A1D-0567-7B9D67A33907}"/>
-          </ac:cxnSpMkLst>
-        </pc:cxnChg>
-        <pc:cxnChg chg="add del mod">
-          <ac:chgData name="ROEBUCK WILLIAMS RHOSLYN" userId="19c0e951-307b-46f9-a42c-f83c2dbad1d6" providerId="ADAL" clId="{9539E4F2-C474-48D6-B56C-A71574028F87}" dt="2024-08-02T12:24:56.096" v="151" actId="478"/>
-          <ac:cxnSpMkLst>
-            <pc:docMk/>
-            <pc:sldMk cId="822998820" sldId="258"/>
-            <ac:cxnSpMk id="39" creationId="{63015399-6201-1FD0-7A89-56340F3B4E03}"/>
-          </ac:cxnSpMkLst>
-        </pc:cxnChg>
-        <pc:cxnChg chg="mod">
-          <ac:chgData name="ROEBUCK WILLIAMS RHOSLYN" userId="19c0e951-307b-46f9-a42c-f83c2dbad1d6" providerId="ADAL" clId="{9539E4F2-C474-48D6-B56C-A71574028F87}" dt="2024-08-02T14:15:00.012" v="2364" actId="1076"/>
-          <ac:cxnSpMkLst>
-            <pc:docMk/>
-            <pc:sldMk cId="822998820" sldId="258"/>
-            <ac:cxnSpMk id="53" creationId="{C54EEBD3-28EB-9784-419E-34A411BC041E}"/>
-          </ac:cxnSpMkLst>
-        </pc:cxnChg>
-        <pc:cxnChg chg="mod">
-          <ac:chgData name="ROEBUCK WILLIAMS RHOSLYN" userId="19c0e951-307b-46f9-a42c-f83c2dbad1d6" providerId="ADAL" clId="{9539E4F2-C474-48D6-B56C-A71574028F87}" dt="2024-08-02T14:26:32.843" v="2517" actId="14100"/>
-          <ac:cxnSpMkLst>
-            <pc:docMk/>
-            <pc:sldMk cId="822998820" sldId="258"/>
-            <ac:cxnSpMk id="57" creationId="{C2C88BF7-142B-C3FC-489F-7EEDAA2ED7A9}"/>
-          </ac:cxnSpMkLst>
-        </pc:cxnChg>
-        <pc:cxnChg chg="add del mod">
-          <ac:chgData name="ROEBUCK WILLIAMS RHOSLYN" userId="19c0e951-307b-46f9-a42c-f83c2dbad1d6" providerId="ADAL" clId="{9539E4F2-C474-48D6-B56C-A71574028F87}" dt="2024-08-02T12:24:35.427" v="144" actId="478"/>
-          <ac:cxnSpMkLst>
-            <pc:docMk/>
-            <pc:sldMk cId="822998820" sldId="258"/>
-            <ac:cxnSpMk id="70" creationId="{16C9D944-125E-E5D2-91F2-77E9E77CB6D5}"/>
-          </ac:cxnSpMkLst>
-        </pc:cxnChg>
-        <pc:cxnChg chg="del mod">
-          <ac:chgData name="ROEBUCK WILLIAMS RHOSLYN" userId="19c0e951-307b-46f9-a42c-f83c2dbad1d6" providerId="ADAL" clId="{9539E4F2-C474-48D6-B56C-A71574028F87}" dt="2024-08-02T12:23:07.922" v="120" actId="478"/>
-          <ac:cxnSpMkLst>
-            <pc:docMk/>
-            <pc:sldMk cId="822998820" sldId="258"/>
-            <ac:cxnSpMk id="76" creationId="{AE591BCC-DECE-F195-49EA-20C6BFB1394D}"/>
-          </ac:cxnSpMkLst>
-        </pc:cxnChg>
-        <pc:cxnChg chg="add del mod">
-          <ac:chgData name="ROEBUCK WILLIAMS RHOSLYN" userId="19c0e951-307b-46f9-a42c-f83c2dbad1d6" providerId="ADAL" clId="{9539E4F2-C474-48D6-B56C-A71574028F87}" dt="2024-08-02T12:31:25.170" v="216" actId="478"/>
-          <ac:cxnSpMkLst>
-            <pc:docMk/>
-            <pc:sldMk cId="822998820" sldId="258"/>
-            <ac:cxnSpMk id="165" creationId="{65F0AE7C-9689-33F2-E5FA-39A986D10A4E}"/>
-          </ac:cxnSpMkLst>
-        </pc:cxnChg>
-        <pc:cxnChg chg="add del mod">
-          <ac:chgData name="ROEBUCK WILLIAMS RHOSLYN" userId="19c0e951-307b-46f9-a42c-f83c2dbad1d6" providerId="ADAL" clId="{9539E4F2-C474-48D6-B56C-A71574028F87}" dt="2024-08-02T12:24:55.344" v="150" actId="478"/>
-          <ac:cxnSpMkLst>
-            <pc:docMk/>
-            <pc:sldMk cId="822998820" sldId="258"/>
-            <ac:cxnSpMk id="201" creationId="{7D55D6B0-7793-1032-94BB-37F29ACFEC93}"/>
-          </ac:cxnSpMkLst>
-        </pc:cxnChg>
-        <pc:cxnChg chg="add del mod">
-          <ac:chgData name="ROEBUCK WILLIAMS RHOSLYN" userId="19c0e951-307b-46f9-a42c-f83c2dbad1d6" providerId="ADAL" clId="{9539E4F2-C474-48D6-B56C-A71574028F87}" dt="2024-08-02T13:17:33.542" v="1262" actId="478"/>
-          <ac:cxnSpMkLst>
-            <pc:docMk/>
-            <pc:sldMk cId="822998820" sldId="258"/>
-            <ac:cxnSpMk id="206" creationId="{EE022208-F676-BF61-DCC9-9C0CFF258276}"/>
-          </ac:cxnSpMkLst>
-        </pc:cxnChg>
-        <pc:cxnChg chg="add del">
-          <ac:chgData name="ROEBUCK WILLIAMS RHOSLYN" userId="19c0e951-307b-46f9-a42c-f83c2dbad1d6" providerId="ADAL" clId="{9539E4F2-C474-48D6-B56C-A71574028F87}" dt="2024-08-02T12:25:53.840" v="164" actId="478"/>
-          <ac:cxnSpMkLst>
-            <pc:docMk/>
-            <pc:sldMk cId="822998820" sldId="258"/>
-            <ac:cxnSpMk id="209" creationId="{C485AABC-44D4-0361-D451-730DF675939D}"/>
-          </ac:cxnSpMkLst>
-        </pc:cxnChg>
-        <pc:cxnChg chg="add del mod">
-          <ac:chgData name="ROEBUCK WILLIAMS RHOSLYN" userId="19c0e951-307b-46f9-a42c-f83c2dbad1d6" providerId="ADAL" clId="{9539E4F2-C474-48D6-B56C-A71574028F87}" dt="2024-08-02T12:28:42.803" v="172" actId="478"/>
-          <ac:cxnSpMkLst>
-            <pc:docMk/>
-            <pc:sldMk cId="822998820" sldId="258"/>
-            <ac:cxnSpMk id="211" creationId="{3F6A9DF7-D5A1-2A7C-98A1-2585107D06F9}"/>
-          </ac:cxnSpMkLst>
-        </pc:cxnChg>
-        <pc:cxnChg chg="add mod">
-          <ac:chgData name="ROEBUCK WILLIAMS RHOSLYN" userId="19c0e951-307b-46f9-a42c-f83c2dbad1d6" providerId="ADAL" clId="{9539E4F2-C474-48D6-B56C-A71574028F87}" dt="2024-08-02T14:23:16.103" v="2439" actId="14100"/>
-          <ac:cxnSpMkLst>
-            <pc:docMk/>
-            <pc:sldMk cId="822998820" sldId="258"/>
-            <ac:cxnSpMk id="214" creationId="{23F45CB1-F915-2592-A1C7-9FD48B78FDD7}"/>
-          </ac:cxnSpMkLst>
-        </pc:cxnChg>
-        <pc:cxnChg chg="add mod">
-          <ac:chgData name="ROEBUCK WILLIAMS RHOSLYN" userId="19c0e951-307b-46f9-a42c-f83c2dbad1d6" providerId="ADAL" clId="{9539E4F2-C474-48D6-B56C-A71574028F87}" dt="2024-08-02T14:21:44.666" v="2423"/>
-          <ac:cxnSpMkLst>
-            <pc:docMk/>
-            <pc:sldMk cId="822998820" sldId="258"/>
-            <ac:cxnSpMk id="242" creationId="{41120B5F-F708-A6F2-F648-80267F4FED55}"/>
-          </ac:cxnSpMkLst>
-        </pc:cxnChg>
-        <pc:cxnChg chg="add del mod">
-          <ac:chgData name="ROEBUCK WILLIAMS RHOSLYN" userId="19c0e951-307b-46f9-a42c-f83c2dbad1d6" providerId="ADAL" clId="{9539E4F2-C474-48D6-B56C-A71574028F87}" dt="2024-08-02T13:56:41.141" v="2007" actId="478"/>
-          <ac:cxnSpMkLst>
-            <pc:docMk/>
-            <pc:sldMk cId="822998820" sldId="258"/>
-            <ac:cxnSpMk id="273" creationId="{9DE6167A-5865-823B-B7D6-6B8D89723816}"/>
-          </ac:cxnSpMkLst>
-        </pc:cxnChg>
-        <pc:cxnChg chg="add del mod">
-          <ac:chgData name="ROEBUCK WILLIAMS RHOSLYN" userId="19c0e951-307b-46f9-a42c-f83c2dbad1d6" providerId="ADAL" clId="{9539E4F2-C474-48D6-B56C-A71574028F87}" dt="2024-08-02T12:54:37.457" v="610" actId="478"/>
-          <ac:cxnSpMkLst>
-            <pc:docMk/>
-            <pc:sldMk cId="822998820" sldId="258"/>
-            <ac:cxnSpMk id="281" creationId="{00C8B45E-E469-5A1D-2A41-1B7AF8BBAB0D}"/>
-          </ac:cxnSpMkLst>
-        </pc:cxnChg>
-        <pc:cxnChg chg="add mod">
-          <ac:chgData name="ROEBUCK WILLIAMS RHOSLYN" userId="19c0e951-307b-46f9-a42c-f83c2dbad1d6" providerId="ADAL" clId="{9539E4F2-C474-48D6-B56C-A71574028F87}" dt="2024-08-02T14:23:16.103" v="2439" actId="14100"/>
-          <ac:cxnSpMkLst>
-            <pc:docMk/>
-            <pc:sldMk cId="822998820" sldId="258"/>
-            <ac:cxnSpMk id="320" creationId="{B010DB81-FF87-6096-9227-5030260B4C51}"/>
-          </ac:cxnSpMkLst>
-        </pc:cxnChg>
-        <pc:cxnChg chg="add mod">
-          <ac:chgData name="ROEBUCK WILLIAMS RHOSLYN" userId="19c0e951-307b-46f9-a42c-f83c2dbad1d6" providerId="ADAL" clId="{9539E4F2-C474-48D6-B56C-A71574028F87}" dt="2024-08-02T14:31:31.682" v="2559" actId="1076"/>
-          <ac:cxnSpMkLst>
-            <pc:docMk/>
-            <pc:sldMk cId="822998820" sldId="258"/>
-            <ac:cxnSpMk id="330" creationId="{893746EB-0D3E-1251-F62D-B34FFC6F5154}"/>
-          </ac:cxnSpMkLst>
-        </pc:cxnChg>
-        <pc:cxnChg chg="add del mod">
-          <ac:chgData name="ROEBUCK WILLIAMS RHOSLYN" userId="19c0e951-307b-46f9-a42c-f83c2dbad1d6" providerId="ADAL" clId="{9539E4F2-C474-48D6-B56C-A71574028F87}" dt="2024-08-02T14:09:01.961" v="2107" actId="478"/>
-          <ac:cxnSpMkLst>
-            <pc:docMk/>
-            <pc:sldMk cId="822998820" sldId="258"/>
-            <ac:cxnSpMk id="335" creationId="{C772C035-D0C2-29A3-6882-8F33E7F56805}"/>
-          </ac:cxnSpMkLst>
-        </pc:cxnChg>
-        <pc:cxnChg chg="add mod">
-          <ac:chgData name="ROEBUCK WILLIAMS RHOSLYN" userId="19c0e951-307b-46f9-a42c-f83c2dbad1d6" providerId="ADAL" clId="{9539E4F2-C474-48D6-B56C-A71574028F87}" dt="2024-08-02T14:30:24.683" v="2552" actId="1076"/>
-          <ac:cxnSpMkLst>
-            <pc:docMk/>
-            <pc:sldMk cId="822998820" sldId="258"/>
-            <ac:cxnSpMk id="352" creationId="{FD7702DC-CEB3-F428-AC58-7631036208F5}"/>
-          </ac:cxnSpMkLst>
-        </pc:cxnChg>
-        <pc:cxnChg chg="add del mod">
-          <ac:chgData name="ROEBUCK WILLIAMS RHOSLYN" userId="19c0e951-307b-46f9-a42c-f83c2dbad1d6" providerId="ADAL" clId="{9539E4F2-C474-48D6-B56C-A71574028F87}" dt="2024-08-02T13:55:56.386" v="1995" actId="478"/>
-          <ac:cxnSpMkLst>
-            <pc:docMk/>
-            <pc:sldMk cId="822998820" sldId="258"/>
-            <ac:cxnSpMk id="359" creationId="{A5EDC472-8E4A-D0CE-D357-4F971605554D}"/>
-          </ac:cxnSpMkLst>
-        </pc:cxnChg>
-        <pc:cxnChg chg="add mod">
-          <ac:chgData name="ROEBUCK WILLIAMS RHOSLYN" userId="19c0e951-307b-46f9-a42c-f83c2dbad1d6" providerId="ADAL" clId="{9539E4F2-C474-48D6-B56C-A71574028F87}" dt="2024-08-02T13:20:39.591" v="1293"/>
-          <ac:cxnSpMkLst>
-            <pc:docMk/>
-            <pc:sldMk cId="822998820" sldId="258"/>
-            <ac:cxnSpMk id="364" creationId="{3D02C758-16C7-F121-7834-586DCEAE40D6}"/>
-          </ac:cxnSpMkLst>
-        </pc:cxnChg>
-        <pc:cxnChg chg="add mod">
-          <ac:chgData name="ROEBUCK WILLIAMS RHOSLYN" userId="19c0e951-307b-46f9-a42c-f83c2dbad1d6" providerId="ADAL" clId="{9539E4F2-C474-48D6-B56C-A71574028F87}" dt="2024-08-02T14:16:00.670" v="2374" actId="14100"/>
-          <ac:cxnSpMkLst>
-            <pc:docMk/>
-            <pc:sldMk cId="822998820" sldId="258"/>
-            <ac:cxnSpMk id="366" creationId="{01456621-189B-690B-2D6C-43CD380F59E4}"/>
-          </ac:cxnSpMkLst>
-        </pc:cxnChg>
-        <pc:cxnChg chg="add mod">
-          <ac:chgData name="ROEBUCK WILLIAMS RHOSLYN" userId="19c0e951-307b-46f9-a42c-f83c2dbad1d6" providerId="ADAL" clId="{9539E4F2-C474-48D6-B56C-A71574028F87}" dt="2024-08-02T14:23:16.103" v="2439" actId="14100"/>
-          <ac:cxnSpMkLst>
-            <pc:docMk/>
-            <pc:sldMk cId="822998820" sldId="258"/>
-            <ac:cxnSpMk id="402" creationId="{602FD4CE-BF27-5BA3-4A42-313934A36984}"/>
-          </ac:cxnSpMkLst>
-        </pc:cxnChg>
-        <pc:cxnChg chg="add del mod">
-          <ac:chgData name="ROEBUCK WILLIAMS RHOSLYN" userId="19c0e951-307b-46f9-a42c-f83c2dbad1d6" providerId="ADAL" clId="{9539E4F2-C474-48D6-B56C-A71574028F87}" dt="2024-08-02T13:56:38.531" v="2006" actId="478"/>
-          <ac:cxnSpMkLst>
-            <pc:docMk/>
-            <pc:sldMk cId="822998820" sldId="258"/>
-            <ac:cxnSpMk id="411" creationId="{ED61133C-99CD-8570-354F-84B1697EFDC6}"/>
-          </ac:cxnSpMkLst>
-        </pc:cxnChg>
-        <pc:cxnChg chg="add mod">
-          <ac:chgData name="ROEBUCK WILLIAMS RHOSLYN" userId="19c0e951-307b-46f9-a42c-f83c2dbad1d6" providerId="ADAL" clId="{9539E4F2-C474-48D6-B56C-A71574028F87}" dt="2024-08-02T14:23:24.814" v="2441" actId="14100"/>
-          <ac:cxnSpMkLst>
-            <pc:docMk/>
-            <pc:sldMk cId="822998820" sldId="258"/>
-            <ac:cxnSpMk id="414" creationId="{3EBB69BF-321C-B3CE-8472-0FD925D21411}"/>
-          </ac:cxnSpMkLst>
-        </pc:cxnChg>
-        <pc:cxnChg chg="add mod">
-          <ac:chgData name="ROEBUCK WILLIAMS RHOSLYN" userId="19c0e951-307b-46f9-a42c-f83c2dbad1d6" providerId="ADAL" clId="{9539E4F2-C474-48D6-B56C-A71574028F87}" dt="2024-08-02T14:31:07" v="2557" actId="33986"/>
-          <ac:cxnSpMkLst>
-            <pc:docMk/>
-            <pc:sldMk cId="822998820" sldId="258"/>
-            <ac:cxnSpMk id="526" creationId="{D53EE2C6-E9F4-0577-52F1-603DDF342357}"/>
-          </ac:cxnSpMkLst>
-        </pc:cxnChg>
-      </pc:sldChg>
-      <pc:sldChg chg="add del ord">
-        <pc:chgData name="ROEBUCK WILLIAMS RHOSLYN" userId="19c0e951-307b-46f9-a42c-f83c2dbad1d6" providerId="ADAL" clId="{9539E4F2-C474-48D6-B56C-A71574028F87}" dt="2024-08-05T11:21:39.913" v="3200" actId="47"/>
-        <pc:sldMkLst>
-          <pc:docMk/>
-          <pc:sldMk cId="4017035160" sldId="259"/>
-        </pc:sldMkLst>
-      </pc:sldChg>
-      <pc:sldChg chg="add del">
-        <pc:chgData name="ROEBUCK WILLIAMS RHOSLYN" userId="19c0e951-307b-46f9-a42c-f83c2dbad1d6" providerId="ADAL" clId="{9539E4F2-C474-48D6-B56C-A71574028F87}" dt="2024-08-05T11:21:39.913" v="3200" actId="47"/>
-        <pc:sldMkLst>
-          <pc:docMk/>
-          <pc:sldMk cId="4157479431" sldId="260"/>
-        </pc:sldMkLst>
-      </pc:sldChg>
-      <pc:sldChg chg="delSp modSp new del mod">
-        <pc:chgData name="ROEBUCK WILLIAMS RHOSLYN" userId="19c0e951-307b-46f9-a42c-f83c2dbad1d6" providerId="ADAL" clId="{9539E4F2-C474-48D6-B56C-A71574028F87}" dt="2024-08-05T11:21:39.913" v="3200" actId="47"/>
-        <pc:sldMkLst>
-          <pc:docMk/>
-          <pc:sldMk cId="641181504" sldId="261"/>
-        </pc:sldMkLst>
-        <pc:spChg chg="del">
-          <ac:chgData name="ROEBUCK WILLIAMS RHOSLYN" userId="19c0e951-307b-46f9-a42c-f83c2dbad1d6" providerId="ADAL" clId="{9539E4F2-C474-48D6-B56C-A71574028F87}" dt="2024-08-02T13:23:56.483" v="1482" actId="478"/>
-          <ac:spMkLst>
-            <pc:docMk/>
-            <pc:sldMk cId="641181504" sldId="261"/>
-            <ac:spMk id="2" creationId="{8EBFF33B-00C6-C498-82AF-6098B38D3D9C}"/>
-          </ac:spMkLst>
-        </pc:spChg>
-        <pc:spChg chg="mod">
-          <ac:chgData name="ROEBUCK WILLIAMS RHOSLYN" userId="19c0e951-307b-46f9-a42c-f83c2dbad1d6" providerId="ADAL" clId="{9539E4F2-C474-48D6-B56C-A71574028F87}" dt="2024-08-02T13:24:01.547" v="1486" actId="20577"/>
-          <ac:spMkLst>
-            <pc:docMk/>
-            <pc:sldMk cId="641181504" sldId="261"/>
-            <ac:spMk id="3" creationId="{2BDE50D2-F0DF-A701-798F-AB86BDCDAEF2}"/>
-          </ac:spMkLst>
-        </pc:spChg>
-      </pc:sldChg>
-      <pc:sldChg chg="addSp delSp modSp add mod ord">
-        <pc:chgData name="ROEBUCK WILLIAMS RHOSLYN" userId="19c0e951-307b-46f9-a42c-f83c2dbad1d6" providerId="ADAL" clId="{9539E4F2-C474-48D6-B56C-A71574028F87}" dt="2024-08-12T15:13:10.724" v="5223" actId="14100"/>
+      <pc:sldChg chg="addSp delSp modSp mod ord">
+        <pc:chgData name="ROEBUCK WILLIAMS RHOSLYN" userId="19c0e951-307b-46f9-a42c-f83c2dbad1d6" providerId="ADAL" clId="{CA170275-7344-438A-A8F7-1467E1F3B891}" dt="2024-11-01T12:56:33.638" v="347" actId="115"/>
         <pc:sldMkLst>
           <pc:docMk/>
           <pc:sldMk cId="1752442661" sldId="262"/>
         </pc:sldMkLst>
         <pc:spChg chg="mod">
-          <ac:chgData name="ROEBUCK WILLIAMS RHOSLYN" userId="19c0e951-307b-46f9-a42c-f83c2dbad1d6" providerId="ADAL" clId="{9539E4F2-C474-48D6-B56C-A71574028F87}" dt="2024-08-05T10:58:57.906" v="3199" actId="14100"/>
+          <ac:chgData name="ROEBUCK WILLIAMS RHOSLYN" userId="19c0e951-307b-46f9-a42c-f83c2dbad1d6" providerId="ADAL" clId="{CA170275-7344-438A-A8F7-1467E1F3B891}" dt="2024-11-01T08:58:32.433" v="93" actId="1076"/>
           <ac:spMkLst>
             <pc:docMk/>
             <pc:sldMk cId="1752442661" sldId="262"/>
@@ -719,7 +149,39 @@
           </ac:spMkLst>
         </pc:spChg>
         <pc:spChg chg="mod">
-          <ac:chgData name="ROEBUCK WILLIAMS RHOSLYN" userId="19c0e951-307b-46f9-a42c-f83c2dbad1d6" providerId="ADAL" clId="{9539E4F2-C474-48D6-B56C-A71574028F87}" dt="2024-08-02T14:43:13.485" v="2724" actId="20577"/>
+          <ac:chgData name="ROEBUCK WILLIAMS RHOSLYN" userId="19c0e951-307b-46f9-a42c-f83c2dbad1d6" providerId="ADAL" clId="{CA170275-7344-438A-A8F7-1467E1F3B891}" dt="2024-11-01T08:58:24.928" v="91" actId="1076"/>
+          <ac:spMkLst>
+            <pc:docMk/>
+            <pc:sldMk cId="1752442661" sldId="262"/>
+            <ac:spMk id="5" creationId="{346FBF56-A7DF-4167-FC34-8C7AAEEE9647}"/>
+          </ac:spMkLst>
+        </pc:spChg>
+        <pc:spChg chg="mod">
+          <ac:chgData name="ROEBUCK WILLIAMS RHOSLYN" userId="19c0e951-307b-46f9-a42c-f83c2dbad1d6" providerId="ADAL" clId="{CA170275-7344-438A-A8F7-1467E1F3B891}" dt="2024-11-01T12:56:13.059" v="337" actId="164"/>
+          <ac:spMkLst>
+            <pc:docMk/>
+            <pc:sldMk cId="1752442661" sldId="262"/>
+            <ac:spMk id="6" creationId="{CB0F3719-CBE3-A9A8-FFCD-2ECFD103C24E}"/>
+          </ac:spMkLst>
+        </pc:spChg>
+        <pc:spChg chg="mod">
+          <ac:chgData name="ROEBUCK WILLIAMS RHOSLYN" userId="19c0e951-307b-46f9-a42c-f83c2dbad1d6" providerId="ADAL" clId="{CA170275-7344-438A-A8F7-1467E1F3B891}" dt="2024-11-01T12:56:13.059" v="337" actId="164"/>
+          <ac:spMkLst>
+            <pc:docMk/>
+            <pc:sldMk cId="1752442661" sldId="262"/>
+            <ac:spMk id="7" creationId="{64ABE1A5-932C-22BE-9EE8-247D1792463B}"/>
+          </ac:spMkLst>
+        </pc:spChg>
+        <pc:spChg chg="mod">
+          <ac:chgData name="ROEBUCK WILLIAMS RHOSLYN" userId="19c0e951-307b-46f9-a42c-f83c2dbad1d6" providerId="ADAL" clId="{CA170275-7344-438A-A8F7-1467E1F3B891}" dt="2024-11-01T08:58:34.991" v="94" actId="1076"/>
+          <ac:spMkLst>
+            <pc:docMk/>
+            <pc:sldMk cId="1752442661" sldId="262"/>
+            <ac:spMk id="9" creationId="{1B919D91-FC0C-7368-90E2-67BC1C60183D}"/>
+          </ac:spMkLst>
+        </pc:spChg>
+        <pc:spChg chg="mod">
+          <ac:chgData name="ROEBUCK WILLIAMS RHOSLYN" userId="19c0e951-307b-46f9-a42c-f83c2dbad1d6" providerId="ADAL" clId="{CA170275-7344-438A-A8F7-1467E1F3B891}" dt="2024-11-01T08:58:32.433" v="93" actId="1076"/>
           <ac:spMkLst>
             <pc:docMk/>
             <pc:sldMk cId="1752442661" sldId="262"/>
@@ -727,7 +189,15 @@
           </ac:spMkLst>
         </pc:spChg>
         <pc:spChg chg="mod">
-          <ac:chgData name="ROEBUCK WILLIAMS RHOSLYN" userId="19c0e951-307b-46f9-a42c-f83c2dbad1d6" providerId="ADAL" clId="{9539E4F2-C474-48D6-B56C-A71574028F87}" dt="2024-08-12T15:09:43.193" v="5207" actId="255"/>
+          <ac:chgData name="ROEBUCK WILLIAMS RHOSLYN" userId="19c0e951-307b-46f9-a42c-f83c2dbad1d6" providerId="ADAL" clId="{CA170275-7344-438A-A8F7-1467E1F3B891}" dt="2024-11-01T12:54:00.004" v="304" actId="14100"/>
+          <ac:spMkLst>
+            <pc:docMk/>
+            <pc:sldMk cId="1752442661" sldId="262"/>
+            <ac:spMk id="19" creationId="{D2A92E3D-448A-A5B8-E6F4-384524ED1057}"/>
+          </ac:spMkLst>
+        </pc:spChg>
+        <pc:spChg chg="mod">
+          <ac:chgData name="ROEBUCK WILLIAMS RHOSLYN" userId="19c0e951-307b-46f9-a42c-f83c2dbad1d6" providerId="ADAL" clId="{CA170275-7344-438A-A8F7-1467E1F3B891}" dt="2024-11-01T08:58:32.433" v="93" actId="1076"/>
           <ac:spMkLst>
             <pc:docMk/>
             <pc:sldMk cId="1752442661" sldId="262"/>
@@ -735,15 +205,23 @@
           </ac:spMkLst>
         </pc:spChg>
         <pc:spChg chg="mod">
-          <ac:chgData name="ROEBUCK WILLIAMS RHOSLYN" userId="19c0e951-307b-46f9-a42c-f83c2dbad1d6" providerId="ADAL" clId="{9539E4F2-C474-48D6-B56C-A71574028F87}" dt="2024-08-03T08:04:57.505" v="2746" actId="14100"/>
+          <ac:chgData name="ROEBUCK WILLIAMS RHOSLYN" userId="19c0e951-307b-46f9-a42c-f83c2dbad1d6" providerId="ADAL" clId="{CA170275-7344-438A-A8F7-1467E1F3B891}" dt="2024-11-01T08:58:40.060" v="95" actId="121"/>
           <ac:spMkLst>
             <pc:docMk/>
             <pc:sldMk cId="1752442661" sldId="262"/>
             <ac:spMk id="29" creationId="{4D859BB7-BEE1-CF6A-BF53-B561B421A0BD}"/>
           </ac:spMkLst>
         </pc:spChg>
+        <pc:spChg chg="add mod ord">
+          <ac:chgData name="ROEBUCK WILLIAMS RHOSLYN" userId="19c0e951-307b-46f9-a42c-f83c2dbad1d6" providerId="ADAL" clId="{CA170275-7344-438A-A8F7-1467E1F3B891}" dt="2024-11-01T12:56:33.638" v="347" actId="115"/>
+          <ac:spMkLst>
+            <pc:docMk/>
+            <pc:sldMk cId="1752442661" sldId="262"/>
+            <ac:spMk id="30" creationId="{F7551075-E788-BE3A-CF54-AC77A5D13676}"/>
+          </ac:spMkLst>
+        </pc:spChg>
         <pc:spChg chg="mod">
-          <ac:chgData name="ROEBUCK WILLIAMS RHOSLYN" userId="19c0e951-307b-46f9-a42c-f83c2dbad1d6" providerId="ADAL" clId="{9539E4F2-C474-48D6-B56C-A71574028F87}" dt="2024-08-02T14:36:40.137" v="2623" actId="1076"/>
+          <ac:chgData name="ROEBUCK WILLIAMS RHOSLYN" userId="19c0e951-307b-46f9-a42c-f83c2dbad1d6" providerId="ADAL" clId="{CA170275-7344-438A-A8F7-1467E1F3B891}" dt="2024-11-01T08:58:24.928" v="91" actId="1076"/>
           <ac:spMkLst>
             <pc:docMk/>
             <pc:sldMk cId="1752442661" sldId="262"/>
@@ -751,7 +229,15 @@
           </ac:spMkLst>
         </pc:spChg>
         <pc:spChg chg="mod">
-          <ac:chgData name="ROEBUCK WILLIAMS RHOSLYN" userId="19c0e951-307b-46f9-a42c-f83c2dbad1d6" providerId="ADAL" clId="{9539E4F2-C474-48D6-B56C-A71574028F87}" dt="2024-08-12T15:13:10.724" v="5223" actId="14100"/>
+          <ac:chgData name="ROEBUCK WILLIAMS RHOSLYN" userId="19c0e951-307b-46f9-a42c-f83c2dbad1d6" providerId="ADAL" clId="{CA170275-7344-438A-A8F7-1467E1F3B891}" dt="2024-11-01T08:58:32.433" v="93" actId="1076"/>
+          <ac:spMkLst>
+            <pc:docMk/>
+            <pc:sldMk cId="1752442661" sldId="262"/>
+            <ac:spMk id="40" creationId="{026E36F0-35D8-4E3A-EE82-977CCCA6EB0F}"/>
+          </ac:spMkLst>
+        </pc:spChg>
+        <pc:spChg chg="mod">
+          <ac:chgData name="ROEBUCK WILLIAMS RHOSLYN" userId="19c0e951-307b-46f9-a42c-f83c2dbad1d6" providerId="ADAL" clId="{CA170275-7344-438A-A8F7-1467E1F3B891}" dt="2024-11-01T12:53:27.582" v="248" actId="20577"/>
           <ac:spMkLst>
             <pc:docMk/>
             <pc:sldMk cId="1752442661" sldId="262"/>
@@ -759,7 +245,7 @@
           </ac:spMkLst>
         </pc:spChg>
         <pc:spChg chg="mod">
-          <ac:chgData name="ROEBUCK WILLIAMS RHOSLYN" userId="19c0e951-307b-46f9-a42c-f83c2dbad1d6" providerId="ADAL" clId="{9539E4F2-C474-48D6-B56C-A71574028F87}" dt="2024-08-03T08:07:36.950" v="2781" actId="1076"/>
+          <ac:chgData name="ROEBUCK WILLIAMS RHOSLYN" userId="19c0e951-307b-46f9-a42c-f83c2dbad1d6" providerId="ADAL" clId="{CA170275-7344-438A-A8F7-1467E1F3B891}" dt="2024-11-01T08:58:32.433" v="93" actId="1076"/>
           <ac:spMkLst>
             <pc:docMk/>
             <pc:sldMk cId="1752442661" sldId="262"/>
@@ -767,7 +253,15 @@
           </ac:spMkLst>
         </pc:spChg>
         <pc:spChg chg="mod">
-          <ac:chgData name="ROEBUCK WILLIAMS RHOSLYN" userId="19c0e951-307b-46f9-a42c-f83c2dbad1d6" providerId="ADAL" clId="{9539E4F2-C474-48D6-B56C-A71574028F87}" dt="2024-08-05T09:57:52.663" v="3085" actId="20577"/>
+          <ac:chgData name="ROEBUCK WILLIAMS RHOSLYN" userId="19c0e951-307b-46f9-a42c-f83c2dbad1d6" providerId="ADAL" clId="{CA170275-7344-438A-A8F7-1467E1F3B891}" dt="2024-11-01T08:58:27.144" v="92" actId="1076"/>
+          <ac:spMkLst>
+            <pc:docMk/>
+            <pc:sldMk cId="1752442661" sldId="262"/>
+            <ac:spMk id="56" creationId="{9398C94E-A74A-D10C-095D-9AE7266F22CC}"/>
+          </ac:spMkLst>
+        </pc:spChg>
+        <pc:spChg chg="mod">
+          <ac:chgData name="ROEBUCK WILLIAMS RHOSLYN" userId="19c0e951-307b-46f9-a42c-f83c2dbad1d6" providerId="ADAL" clId="{CA170275-7344-438A-A8F7-1467E1F3B891}" dt="2024-11-01T12:51:38.432" v="147" actId="20577"/>
           <ac:spMkLst>
             <pc:docMk/>
             <pc:sldMk cId="1752442661" sldId="262"/>
@@ -775,47 +269,23 @@
           </ac:spMkLst>
         </pc:spChg>
         <pc:spChg chg="mod">
-          <ac:chgData name="ROEBUCK WILLIAMS RHOSLYN" userId="19c0e951-307b-46f9-a42c-f83c2dbad1d6" providerId="ADAL" clId="{9539E4F2-C474-48D6-B56C-A71574028F87}" dt="2024-08-03T08:07:51.346" v="2782" actId="1076"/>
-          <ac:spMkLst>
-            <pc:docMk/>
-            <pc:sldMk cId="1752442661" sldId="262"/>
-            <ac:spMk id="64" creationId="{F1DB31A6-A394-9581-35E2-1B45D8C8135E}"/>
-          </ac:spMkLst>
-        </pc:spChg>
-        <pc:spChg chg="mod">
-          <ac:chgData name="ROEBUCK WILLIAMS RHOSLYN" userId="19c0e951-307b-46f9-a42c-f83c2dbad1d6" providerId="ADAL" clId="{9539E4F2-C474-48D6-B56C-A71574028F87}" dt="2024-08-03T08:09:19.672" v="2859" actId="1076"/>
-          <ac:spMkLst>
-            <pc:docMk/>
-            <pc:sldMk cId="1752442661" sldId="262"/>
-            <ac:spMk id="271" creationId="{9731557B-6A8D-ECE3-CBF2-FAF304D57E5B}"/>
-          </ac:spMkLst>
-        </pc:spChg>
-        <pc:spChg chg="del">
-          <ac:chgData name="ROEBUCK WILLIAMS RHOSLYN" userId="19c0e951-307b-46f9-a42c-f83c2dbad1d6" providerId="ADAL" clId="{9539E4F2-C474-48D6-B56C-A71574028F87}" dt="2024-08-03T08:09:15.716" v="2857" actId="478"/>
-          <ac:spMkLst>
-            <pc:docMk/>
-            <pc:sldMk cId="1752442661" sldId="262"/>
-            <ac:spMk id="275" creationId="{8B8BBD31-1124-0F3F-A559-EBBC9215C49B}"/>
-          </ac:spMkLst>
-        </pc:spChg>
-        <pc:spChg chg="mod">
-          <ac:chgData name="ROEBUCK WILLIAMS RHOSLYN" userId="19c0e951-307b-46f9-a42c-f83c2dbad1d6" providerId="ADAL" clId="{9539E4F2-C474-48D6-B56C-A71574028F87}" dt="2024-08-12T15:10:58.819" v="5211" actId="113"/>
+          <ac:chgData name="ROEBUCK WILLIAMS RHOSLYN" userId="19c0e951-307b-46f9-a42c-f83c2dbad1d6" providerId="ADAL" clId="{CA170275-7344-438A-A8F7-1467E1F3B891}" dt="2024-11-01T08:58:32.433" v="93" actId="1076"/>
           <ac:spMkLst>
             <pc:docMk/>
             <pc:sldMk cId="1752442661" sldId="262"/>
             <ac:spMk id="277" creationId="{3115CC88-6263-38C2-0D3E-003BDACFE043}"/>
           </ac:spMkLst>
         </pc:spChg>
-        <pc:spChg chg="del mod">
-          <ac:chgData name="ROEBUCK WILLIAMS RHOSLYN" userId="19c0e951-307b-46f9-a42c-f83c2dbad1d6" providerId="ADAL" clId="{9539E4F2-C474-48D6-B56C-A71574028F87}" dt="2024-08-03T08:09:17.582" v="2858" actId="478"/>
+        <pc:spChg chg="mod">
+          <ac:chgData name="ROEBUCK WILLIAMS RHOSLYN" userId="19c0e951-307b-46f9-a42c-f83c2dbad1d6" providerId="ADAL" clId="{CA170275-7344-438A-A8F7-1467E1F3B891}" dt="2024-11-01T08:58:32.433" v="93" actId="1076"/>
           <ac:spMkLst>
             <pc:docMk/>
             <pc:sldMk cId="1752442661" sldId="262"/>
-            <ac:spMk id="300" creationId="{80207DE3-4325-095A-7ABD-C12AD403D167}"/>
+            <ac:spMk id="305" creationId="{E93FBCF3-1541-0A07-BEC4-E6C4601835E9}"/>
           </ac:spMkLst>
         </pc:spChg>
         <pc:spChg chg="mod">
-          <ac:chgData name="ROEBUCK WILLIAMS RHOSLYN" userId="19c0e951-307b-46f9-a42c-f83c2dbad1d6" providerId="ADAL" clId="{9539E4F2-C474-48D6-B56C-A71574028F87}" dt="2024-08-12T15:10:49.798" v="5210" actId="113"/>
+          <ac:chgData name="ROEBUCK WILLIAMS RHOSLYN" userId="19c0e951-307b-46f9-a42c-f83c2dbad1d6" providerId="ADAL" clId="{CA170275-7344-438A-A8F7-1467E1F3B891}" dt="2024-11-01T08:58:24.928" v="91" actId="1076"/>
           <ac:spMkLst>
             <pc:docMk/>
             <pc:sldMk cId="1752442661" sldId="262"/>
@@ -823,7 +293,15 @@
           </ac:spMkLst>
         </pc:spChg>
         <pc:spChg chg="mod">
-          <ac:chgData name="ROEBUCK WILLIAMS RHOSLYN" userId="19c0e951-307b-46f9-a42c-f83c2dbad1d6" providerId="ADAL" clId="{9539E4F2-C474-48D6-B56C-A71574028F87}" dt="2024-08-03T08:06:46.855" v="2776" actId="14100"/>
+          <ac:chgData name="ROEBUCK WILLIAMS RHOSLYN" userId="19c0e951-307b-46f9-a42c-f83c2dbad1d6" providerId="ADAL" clId="{CA170275-7344-438A-A8F7-1467E1F3B891}" dt="2024-11-01T08:58:32.433" v="93" actId="1076"/>
+          <ac:spMkLst>
+            <pc:docMk/>
+            <pc:sldMk cId="1752442661" sldId="262"/>
+            <ac:spMk id="324" creationId="{6A00F52B-C080-2BFF-9C5D-566A00C0B6BD}"/>
+          </ac:spMkLst>
+        </pc:spChg>
+        <pc:spChg chg="mod">
+          <ac:chgData name="ROEBUCK WILLIAMS RHOSLYN" userId="19c0e951-307b-46f9-a42c-f83c2dbad1d6" providerId="ADAL" clId="{CA170275-7344-438A-A8F7-1467E1F3B891}" dt="2024-11-01T08:58:32.433" v="93" actId="1076"/>
           <ac:spMkLst>
             <pc:docMk/>
             <pc:sldMk cId="1752442661" sldId="262"/>
@@ -831,7 +309,7 @@
           </ac:spMkLst>
         </pc:spChg>
         <pc:spChg chg="mod">
-          <ac:chgData name="ROEBUCK WILLIAMS RHOSLYN" userId="19c0e951-307b-46f9-a42c-f83c2dbad1d6" providerId="ADAL" clId="{9539E4F2-C474-48D6-B56C-A71574028F87}" dt="2024-08-12T15:02:55.636" v="5019" actId="1076"/>
+          <ac:chgData name="ROEBUCK WILLIAMS RHOSLYN" userId="19c0e951-307b-46f9-a42c-f83c2dbad1d6" providerId="ADAL" clId="{CA170275-7344-438A-A8F7-1467E1F3B891}" dt="2024-11-01T08:58:47.534" v="96" actId="1076"/>
           <ac:spMkLst>
             <pc:docMk/>
             <pc:sldMk cId="1752442661" sldId="262"/>
@@ -839,15 +317,15 @@
           </ac:spMkLst>
         </pc:spChg>
         <pc:spChg chg="mod">
-          <ac:chgData name="ROEBUCK WILLIAMS RHOSLYN" userId="19c0e951-307b-46f9-a42c-f83c2dbad1d6" providerId="ADAL" clId="{9539E4F2-C474-48D6-B56C-A71574028F87}" dt="2024-08-02T14:34:29.254" v="2593" actId="1076"/>
+          <ac:chgData name="ROEBUCK WILLIAMS RHOSLYN" userId="19c0e951-307b-46f9-a42c-f83c2dbad1d6" providerId="ADAL" clId="{CA170275-7344-438A-A8F7-1467E1F3B891}" dt="2024-11-01T08:58:32.433" v="93" actId="1076"/>
           <ac:spMkLst>
             <pc:docMk/>
             <pc:sldMk cId="1752442661" sldId="262"/>
             <ac:spMk id="338" creationId="{AF7A6573-2EB0-85AC-1396-5C156AEBC5D4}"/>
           </ac:spMkLst>
         </pc:spChg>
-        <pc:spChg chg="mod">
-          <ac:chgData name="ROEBUCK WILLIAMS RHOSLYN" userId="19c0e951-307b-46f9-a42c-f83c2dbad1d6" providerId="ADAL" clId="{9539E4F2-C474-48D6-B56C-A71574028F87}" dt="2024-08-12T15:09:22.988" v="5206" actId="20577"/>
+        <pc:spChg chg="del mod">
+          <ac:chgData name="ROEBUCK WILLIAMS RHOSLYN" userId="19c0e951-307b-46f9-a42c-f83c2dbad1d6" providerId="ADAL" clId="{CA170275-7344-438A-A8F7-1467E1F3B891}" dt="2024-11-01T12:54:28.845" v="305" actId="478"/>
           <ac:spMkLst>
             <pc:docMk/>
             <pc:sldMk cId="1752442661" sldId="262"/>
@@ -855,15 +333,7 @@
           </ac:spMkLst>
         </pc:spChg>
         <pc:spChg chg="mod">
-          <ac:chgData name="ROEBUCK WILLIAMS RHOSLYN" userId="19c0e951-307b-46f9-a42c-f83c2dbad1d6" providerId="ADAL" clId="{9539E4F2-C474-48D6-B56C-A71574028F87}" dt="2024-08-03T08:10:07.173" v="2971" actId="20577"/>
-          <ac:spMkLst>
-            <pc:docMk/>
-            <pc:sldMk cId="1752442661" sldId="262"/>
-            <ac:spMk id="370" creationId="{1E6C3132-5A2F-96A7-98D0-8FCF4269FB45}"/>
-          </ac:spMkLst>
-        </pc:spChg>
-        <pc:spChg chg="mod">
-          <ac:chgData name="ROEBUCK WILLIAMS RHOSLYN" userId="19c0e951-307b-46f9-a42c-f83c2dbad1d6" providerId="ADAL" clId="{9539E4F2-C474-48D6-B56C-A71574028F87}" dt="2024-08-03T08:05:14.402" v="2750" actId="1076"/>
+          <ac:chgData name="ROEBUCK WILLIAMS RHOSLYN" userId="19c0e951-307b-46f9-a42c-f83c2dbad1d6" providerId="ADAL" clId="{CA170275-7344-438A-A8F7-1467E1F3B891}" dt="2024-11-01T08:58:32.433" v="93" actId="1076"/>
           <ac:spMkLst>
             <pc:docMk/>
             <pc:sldMk cId="1752442661" sldId="262"/>
@@ -871,23 +341,39 @@
           </ac:spMkLst>
         </pc:spChg>
         <pc:spChg chg="mod">
-          <ac:chgData name="ROEBUCK WILLIAMS RHOSLYN" userId="19c0e951-307b-46f9-a42c-f83c2dbad1d6" providerId="ADAL" clId="{9539E4F2-C474-48D6-B56C-A71574028F87}" dt="2024-08-03T08:05:06.706" v="2748" actId="1076"/>
+          <ac:chgData name="ROEBUCK WILLIAMS RHOSLYN" userId="19c0e951-307b-46f9-a42c-f83c2dbad1d6" providerId="ADAL" clId="{CA170275-7344-438A-A8F7-1467E1F3B891}" dt="2024-11-01T08:58:32.433" v="93" actId="1076"/>
           <ac:spMkLst>
             <pc:docMk/>
             <pc:sldMk cId="1752442661" sldId="262"/>
             <ac:spMk id="385" creationId="{D00C56CC-CD79-D04E-6939-916AD014486C}"/>
           </ac:spMkLst>
         </pc:spChg>
+        <pc:grpChg chg="add mod">
+          <ac:chgData name="ROEBUCK WILLIAMS RHOSLYN" userId="19c0e951-307b-46f9-a42c-f83c2dbad1d6" providerId="ADAL" clId="{CA170275-7344-438A-A8F7-1467E1F3B891}" dt="2024-11-01T12:56:15.436" v="338" actId="1076"/>
+          <ac:grpSpMkLst>
+            <pc:docMk/>
+            <pc:sldMk cId="1752442661" sldId="262"/>
+            <ac:grpSpMk id="31" creationId="{A6F8617E-D961-9C2D-2DA6-A8D1A7235E81}"/>
+          </ac:grpSpMkLst>
+        </pc:grpChg>
         <pc:cxnChg chg="mod">
-          <ac:chgData name="ROEBUCK WILLIAMS RHOSLYN" userId="19c0e951-307b-46f9-a42c-f83c2dbad1d6" providerId="ADAL" clId="{9539E4F2-C474-48D6-B56C-A71574028F87}" dt="2024-08-02T14:35:55.395" v="2613" actId="1038"/>
+          <ac:chgData name="ROEBUCK WILLIAMS RHOSLYN" userId="19c0e951-307b-46f9-a42c-f83c2dbad1d6" providerId="ADAL" clId="{CA170275-7344-438A-A8F7-1467E1F3B891}" dt="2024-11-01T08:58:24.928" v="91" actId="1076"/>
           <ac:cxnSpMkLst>
             <pc:docMk/>
             <pc:sldMk cId="1752442661" sldId="262"/>
             <ac:cxnSpMk id="12" creationId="{926B9899-69C1-DC20-8EAB-50BDC2C23273}"/>
           </ac:cxnSpMkLst>
         </pc:cxnChg>
-        <pc:cxnChg chg="add mod">
-          <ac:chgData name="ROEBUCK WILLIAMS RHOSLYN" userId="19c0e951-307b-46f9-a42c-f83c2dbad1d6" providerId="ADAL" clId="{9539E4F2-C474-48D6-B56C-A71574028F87}" dt="2024-08-12T15:13:10.724" v="5223" actId="14100"/>
+        <pc:cxnChg chg="mod">
+          <ac:chgData name="ROEBUCK WILLIAMS RHOSLYN" userId="19c0e951-307b-46f9-a42c-f83c2dbad1d6" providerId="ADAL" clId="{CA170275-7344-438A-A8F7-1467E1F3B891}" dt="2024-11-01T08:58:32.433" v="93" actId="1076"/>
+          <ac:cxnSpMkLst>
+            <pc:docMk/>
+            <pc:sldMk cId="1752442661" sldId="262"/>
+            <ac:cxnSpMk id="16" creationId="{235209DE-3AC7-AEA2-ED89-4975A1C0D3D4}"/>
+          </ac:cxnSpMkLst>
+        </pc:cxnChg>
+        <pc:cxnChg chg="mod">
+          <ac:chgData name="ROEBUCK WILLIAMS RHOSLYN" userId="19c0e951-307b-46f9-a42c-f83c2dbad1d6" providerId="ADAL" clId="{CA170275-7344-438A-A8F7-1467E1F3B891}" dt="2024-11-01T08:58:32.433" v="93" actId="1076"/>
           <ac:cxnSpMkLst>
             <pc:docMk/>
             <pc:sldMk cId="1752442661" sldId="262"/>
@@ -895,7 +381,7 @@
           </ac:cxnSpMkLst>
         </pc:cxnChg>
         <pc:cxnChg chg="mod">
-          <ac:chgData name="ROEBUCK WILLIAMS RHOSLYN" userId="19c0e951-307b-46f9-a42c-f83c2dbad1d6" providerId="ADAL" clId="{9539E4F2-C474-48D6-B56C-A71574028F87}" dt="2024-08-05T09:56:55.368" v="2990" actId="14100"/>
+          <ac:chgData name="ROEBUCK WILLIAMS RHOSLYN" userId="19c0e951-307b-46f9-a42c-f83c2dbad1d6" providerId="ADAL" clId="{CA170275-7344-438A-A8F7-1467E1F3B891}" dt="2024-11-01T08:58:32.433" v="93" actId="1076"/>
           <ac:cxnSpMkLst>
             <pc:docMk/>
             <pc:sldMk cId="1752442661" sldId="262"/>
@@ -903,7 +389,15 @@
           </ac:cxnSpMkLst>
         </pc:cxnChg>
         <pc:cxnChg chg="mod">
-          <ac:chgData name="ROEBUCK WILLIAMS RHOSLYN" userId="19c0e951-307b-46f9-a42c-f83c2dbad1d6" providerId="ADAL" clId="{9539E4F2-C474-48D6-B56C-A71574028F87}" dt="2024-08-05T10:58:57.906" v="3199" actId="14100"/>
+          <ac:chgData name="ROEBUCK WILLIAMS RHOSLYN" userId="19c0e951-307b-46f9-a42c-f83c2dbad1d6" providerId="ADAL" clId="{CA170275-7344-438A-A8F7-1467E1F3B891}" dt="2024-11-01T08:58:24.928" v="91" actId="1076"/>
+          <ac:cxnSpMkLst>
+            <pc:docMk/>
+            <pc:sldMk cId="1752442661" sldId="262"/>
+            <ac:cxnSpMk id="53" creationId="{C54EEBD3-28EB-9784-419E-34A411BC041E}"/>
+          </ac:cxnSpMkLst>
+        </pc:cxnChg>
+        <pc:cxnChg chg="mod">
+          <ac:chgData name="ROEBUCK WILLIAMS RHOSLYN" userId="19c0e951-307b-46f9-a42c-f83c2dbad1d6" providerId="ADAL" clId="{CA170275-7344-438A-A8F7-1467E1F3B891}" dt="2024-11-01T08:58:32.433" v="93" actId="1076"/>
           <ac:cxnSpMkLst>
             <pc:docMk/>
             <pc:sldMk cId="1752442661" sldId="262"/>
@@ -911,7 +405,15 @@
           </ac:cxnSpMkLst>
         </pc:cxnChg>
         <pc:cxnChg chg="mod">
-          <ac:chgData name="ROEBUCK WILLIAMS RHOSLYN" userId="19c0e951-307b-46f9-a42c-f83c2dbad1d6" providerId="ADAL" clId="{9539E4F2-C474-48D6-B56C-A71574028F87}" dt="2024-08-05T10:58:57.906" v="3199" actId="14100"/>
+          <ac:chgData name="ROEBUCK WILLIAMS RHOSLYN" userId="19c0e951-307b-46f9-a42c-f83c2dbad1d6" providerId="ADAL" clId="{CA170275-7344-438A-A8F7-1467E1F3B891}" dt="2024-11-01T08:58:32.433" v="93" actId="1076"/>
+          <ac:cxnSpMkLst>
+            <pc:docMk/>
+            <pc:sldMk cId="1752442661" sldId="262"/>
+            <ac:cxnSpMk id="242" creationId="{41120B5F-F708-A6F2-F648-80267F4FED55}"/>
+          </ac:cxnSpMkLst>
+        </pc:cxnChg>
+        <pc:cxnChg chg="mod">
+          <ac:chgData name="ROEBUCK WILLIAMS RHOSLYN" userId="19c0e951-307b-46f9-a42c-f83c2dbad1d6" providerId="ADAL" clId="{CA170275-7344-438A-A8F7-1467E1F3B891}" dt="2024-11-01T08:58:32.433" v="93" actId="1076"/>
           <ac:cxnSpMkLst>
             <pc:docMk/>
             <pc:sldMk cId="1752442661" sldId="262"/>
@@ -919,7 +421,7 @@
           </ac:cxnSpMkLst>
         </pc:cxnChg>
         <pc:cxnChg chg="mod">
-          <ac:chgData name="ROEBUCK WILLIAMS RHOSLYN" userId="19c0e951-307b-46f9-a42c-f83c2dbad1d6" providerId="ADAL" clId="{9539E4F2-C474-48D6-B56C-A71574028F87}" dt="2024-08-12T15:13:10.724" v="5223" actId="14100"/>
+          <ac:chgData name="ROEBUCK WILLIAMS RHOSLYN" userId="19c0e951-307b-46f9-a42c-f83c2dbad1d6" providerId="ADAL" clId="{CA170275-7344-438A-A8F7-1467E1F3B891}" dt="2024-11-01T08:58:32.433" v="93" actId="1076"/>
           <ac:cxnSpMkLst>
             <pc:docMk/>
             <pc:sldMk cId="1752442661" sldId="262"/>
@@ -927,7 +429,7 @@
           </ac:cxnSpMkLst>
         </pc:cxnChg>
         <pc:cxnChg chg="mod">
-          <ac:chgData name="ROEBUCK WILLIAMS RHOSLYN" userId="19c0e951-307b-46f9-a42c-f83c2dbad1d6" providerId="ADAL" clId="{9539E4F2-C474-48D6-B56C-A71574028F87}" dt="2024-08-05T10:58:57.906" v="3199" actId="14100"/>
+          <ac:chgData name="ROEBUCK WILLIAMS RHOSLYN" userId="19c0e951-307b-46f9-a42c-f83c2dbad1d6" providerId="ADAL" clId="{CA170275-7344-438A-A8F7-1467E1F3B891}" dt="2024-11-01T08:58:32.433" v="93" actId="1076"/>
           <ac:cxnSpMkLst>
             <pc:docMk/>
             <pc:sldMk cId="1752442661" sldId="262"/>
@@ -935,7 +437,15 @@
           </ac:cxnSpMkLst>
         </pc:cxnChg>
         <pc:cxnChg chg="mod">
-          <ac:chgData name="ROEBUCK WILLIAMS RHOSLYN" userId="19c0e951-307b-46f9-a42c-f83c2dbad1d6" providerId="ADAL" clId="{9539E4F2-C474-48D6-B56C-A71574028F87}" dt="2024-08-05T10:58:57.906" v="3199" actId="14100"/>
+          <ac:chgData name="ROEBUCK WILLIAMS RHOSLYN" userId="19c0e951-307b-46f9-a42c-f83c2dbad1d6" providerId="ADAL" clId="{CA170275-7344-438A-A8F7-1467E1F3B891}" dt="2024-11-01T12:54:00.004" v="304" actId="14100"/>
+          <ac:cxnSpMkLst>
+            <pc:docMk/>
+            <pc:sldMk cId="1752442661" sldId="262"/>
+            <ac:cxnSpMk id="366" creationId="{01456621-189B-690B-2D6C-43CD380F59E4}"/>
+          </ac:cxnSpMkLst>
+        </pc:cxnChg>
+        <pc:cxnChg chg="mod">
+          <ac:chgData name="ROEBUCK WILLIAMS RHOSLYN" userId="19c0e951-307b-46f9-a42c-f83c2dbad1d6" providerId="ADAL" clId="{CA170275-7344-438A-A8F7-1467E1F3B891}" dt="2024-11-01T12:50:33.182" v="127" actId="14100"/>
           <ac:cxnSpMkLst>
             <pc:docMk/>
             <pc:sldMk cId="1752442661" sldId="262"/>
@@ -943,7 +453,7 @@
           </ac:cxnSpMkLst>
         </pc:cxnChg>
         <pc:cxnChg chg="mod">
-          <ac:chgData name="ROEBUCK WILLIAMS RHOSLYN" userId="19c0e951-307b-46f9-a42c-f83c2dbad1d6" providerId="ADAL" clId="{9539E4F2-C474-48D6-B56C-A71574028F87}" dt="2024-08-05T09:56:55.368" v="2990" actId="14100"/>
+          <ac:chgData name="ROEBUCK WILLIAMS RHOSLYN" userId="19c0e951-307b-46f9-a42c-f83c2dbad1d6" providerId="ADAL" clId="{CA170275-7344-438A-A8F7-1467E1F3B891}" dt="2024-11-01T12:51:11.032" v="139" actId="14100"/>
           <ac:cxnSpMkLst>
             <pc:docMk/>
             <pc:sldMk cId="1752442661" sldId="262"/>
@@ -951,466 +461,11 @@
           </ac:cxnSpMkLst>
         </pc:cxnChg>
         <pc:cxnChg chg="mod">
-          <ac:chgData name="ROEBUCK WILLIAMS RHOSLYN" userId="19c0e951-307b-46f9-a42c-f83c2dbad1d6" providerId="ADAL" clId="{9539E4F2-C474-48D6-B56C-A71574028F87}" dt="2024-08-12T15:03:24.106" v="5065" actId="14100"/>
+          <ac:chgData name="ROEBUCK WILLIAMS RHOSLYN" userId="19c0e951-307b-46f9-a42c-f83c2dbad1d6" providerId="ADAL" clId="{CA170275-7344-438A-A8F7-1467E1F3B891}" dt="2024-11-01T08:58:32.433" v="93" actId="1076"/>
           <ac:cxnSpMkLst>
             <pc:docMk/>
             <pc:sldMk cId="1752442661" sldId="262"/>
             <ac:cxnSpMk id="526" creationId="{D53EE2C6-E9F4-0577-52F1-603DDF342357}"/>
-          </ac:cxnSpMkLst>
-        </pc:cxnChg>
-      </pc:sldChg>
-      <pc:sldChg chg="addSp delSp modSp new mod ord">
-        <pc:chgData name="ROEBUCK WILLIAMS RHOSLYN" userId="19c0e951-307b-46f9-a42c-f83c2dbad1d6" providerId="ADAL" clId="{9539E4F2-C474-48D6-B56C-A71574028F87}" dt="2024-08-05T15:04:48.539" v="4928" actId="1076"/>
-        <pc:sldMkLst>
-          <pc:docMk/>
-          <pc:sldMk cId="2676893550" sldId="263"/>
-        </pc:sldMkLst>
-        <pc:spChg chg="del">
-          <ac:chgData name="ROEBUCK WILLIAMS RHOSLYN" userId="19c0e951-307b-46f9-a42c-f83c2dbad1d6" providerId="ADAL" clId="{9539E4F2-C474-48D6-B56C-A71574028F87}" dt="2024-08-05T11:21:43.663" v="3202" actId="478"/>
-          <ac:spMkLst>
-            <pc:docMk/>
-            <pc:sldMk cId="2676893550" sldId="263"/>
-            <ac:spMk id="2" creationId="{C17FAF17-B73C-1BC2-0CD8-B9C6B077C650}"/>
-          </ac:spMkLst>
-        </pc:spChg>
-        <pc:spChg chg="del">
-          <ac:chgData name="ROEBUCK WILLIAMS RHOSLYN" userId="19c0e951-307b-46f9-a42c-f83c2dbad1d6" providerId="ADAL" clId="{9539E4F2-C474-48D6-B56C-A71574028F87}" dt="2024-08-05T11:21:44.382" v="3203" actId="478"/>
-          <ac:spMkLst>
-            <pc:docMk/>
-            <pc:sldMk cId="2676893550" sldId="263"/>
-            <ac:spMk id="3" creationId="{B534D582-78CF-C35E-697A-A0367507FE2C}"/>
-          </ac:spMkLst>
-        </pc:spChg>
-        <pc:spChg chg="add mod">
-          <ac:chgData name="ROEBUCK WILLIAMS RHOSLYN" userId="19c0e951-307b-46f9-a42c-f83c2dbad1d6" providerId="ADAL" clId="{9539E4F2-C474-48D6-B56C-A71574028F87}" dt="2024-08-05T11:38:36.043" v="4724" actId="1076"/>
-          <ac:spMkLst>
-            <pc:docMk/>
-            <pc:sldMk cId="2676893550" sldId="263"/>
-            <ac:spMk id="6" creationId="{6E07BB81-D828-144A-EB02-0B2D729F7626}"/>
-          </ac:spMkLst>
-        </pc:spChg>
-        <pc:spChg chg="add mod">
-          <ac:chgData name="ROEBUCK WILLIAMS RHOSLYN" userId="19c0e951-307b-46f9-a42c-f83c2dbad1d6" providerId="ADAL" clId="{9539E4F2-C474-48D6-B56C-A71574028F87}" dt="2024-08-05T11:38:36.043" v="4724" actId="1076"/>
-          <ac:spMkLst>
-            <pc:docMk/>
-            <pc:sldMk cId="2676893550" sldId="263"/>
-            <ac:spMk id="7" creationId="{E84E2C69-83A0-2B5C-C2DA-56CA1C2C769A}"/>
-          </ac:spMkLst>
-        </pc:spChg>
-        <pc:spChg chg="add del mod">
-          <ac:chgData name="ROEBUCK WILLIAMS RHOSLYN" userId="19c0e951-307b-46f9-a42c-f83c2dbad1d6" providerId="ADAL" clId="{9539E4F2-C474-48D6-B56C-A71574028F87}" dt="2024-08-05T11:23:31.542" v="3274" actId="478"/>
-          <ac:spMkLst>
-            <pc:docMk/>
-            <pc:sldMk cId="2676893550" sldId="263"/>
-            <ac:spMk id="8" creationId="{49DECEBE-7783-B9BC-67B7-D6D3ED9EE93A}"/>
-          </ac:spMkLst>
-        </pc:spChg>
-        <pc:spChg chg="add mod">
-          <ac:chgData name="ROEBUCK WILLIAMS RHOSLYN" userId="19c0e951-307b-46f9-a42c-f83c2dbad1d6" providerId="ADAL" clId="{9539E4F2-C474-48D6-B56C-A71574028F87}" dt="2024-08-05T11:41:10.749" v="4859" actId="1076"/>
-          <ac:spMkLst>
-            <pc:docMk/>
-            <pc:sldMk cId="2676893550" sldId="263"/>
-            <ac:spMk id="9" creationId="{488FD193-364C-B76F-A576-6A01CC4D876D}"/>
-          </ac:spMkLst>
-        </pc:spChg>
-        <pc:spChg chg="add mod">
-          <ac:chgData name="ROEBUCK WILLIAMS RHOSLYN" userId="19c0e951-307b-46f9-a42c-f83c2dbad1d6" providerId="ADAL" clId="{9539E4F2-C474-48D6-B56C-A71574028F87}" dt="2024-08-05T11:38:36.043" v="4724" actId="1076"/>
-          <ac:spMkLst>
-            <pc:docMk/>
-            <pc:sldMk cId="2676893550" sldId="263"/>
-            <ac:spMk id="10" creationId="{272927D8-E09A-64A9-A3E1-DDA99FC54C8C}"/>
-          </ac:spMkLst>
-        </pc:spChg>
-        <pc:spChg chg="add mod">
-          <ac:chgData name="ROEBUCK WILLIAMS RHOSLYN" userId="19c0e951-307b-46f9-a42c-f83c2dbad1d6" providerId="ADAL" clId="{9539E4F2-C474-48D6-B56C-A71574028F87}" dt="2024-08-05T11:38:36.043" v="4724" actId="1076"/>
-          <ac:spMkLst>
-            <pc:docMk/>
-            <pc:sldMk cId="2676893550" sldId="263"/>
-            <ac:spMk id="11" creationId="{72F9AC22-B3D0-400C-C41C-251C4935DF71}"/>
-          </ac:spMkLst>
-        </pc:spChg>
-        <pc:spChg chg="add mod">
-          <ac:chgData name="ROEBUCK WILLIAMS RHOSLYN" userId="19c0e951-307b-46f9-a42c-f83c2dbad1d6" providerId="ADAL" clId="{9539E4F2-C474-48D6-B56C-A71574028F87}" dt="2024-08-05T11:38:36.043" v="4724" actId="1076"/>
-          <ac:spMkLst>
-            <pc:docMk/>
-            <pc:sldMk cId="2676893550" sldId="263"/>
-            <ac:spMk id="12" creationId="{4B7B1D94-EC90-E19D-9B17-9F38F6661FAD}"/>
-          </ac:spMkLst>
-        </pc:spChg>
-        <pc:spChg chg="add mod">
-          <ac:chgData name="ROEBUCK WILLIAMS RHOSLYN" userId="19c0e951-307b-46f9-a42c-f83c2dbad1d6" providerId="ADAL" clId="{9539E4F2-C474-48D6-B56C-A71574028F87}" dt="2024-08-05T11:38:36.043" v="4724" actId="1076"/>
-          <ac:spMkLst>
-            <pc:docMk/>
-            <pc:sldMk cId="2676893550" sldId="263"/>
-            <ac:spMk id="13" creationId="{EE6B7265-0266-9F6D-AB95-EEEEB85CB011}"/>
-          </ac:spMkLst>
-        </pc:spChg>
-        <pc:spChg chg="add mod">
-          <ac:chgData name="ROEBUCK WILLIAMS RHOSLYN" userId="19c0e951-307b-46f9-a42c-f83c2dbad1d6" providerId="ADAL" clId="{9539E4F2-C474-48D6-B56C-A71574028F87}" dt="2024-08-05T11:38:36.043" v="4724" actId="1076"/>
-          <ac:spMkLst>
-            <pc:docMk/>
-            <pc:sldMk cId="2676893550" sldId="263"/>
-            <ac:spMk id="14" creationId="{D0FD8DF6-25C8-5F43-32EE-2064C0CF7D37}"/>
-          </ac:spMkLst>
-        </pc:spChg>
-        <pc:spChg chg="add mod">
-          <ac:chgData name="ROEBUCK WILLIAMS RHOSLYN" userId="19c0e951-307b-46f9-a42c-f83c2dbad1d6" providerId="ADAL" clId="{9539E4F2-C474-48D6-B56C-A71574028F87}" dt="2024-08-05T11:38:36.043" v="4724" actId="1076"/>
-          <ac:spMkLst>
-            <pc:docMk/>
-            <pc:sldMk cId="2676893550" sldId="263"/>
-            <ac:spMk id="15" creationId="{08256543-4CB1-CE21-0DE7-EE964B3723EA}"/>
-          </ac:spMkLst>
-        </pc:spChg>
-        <pc:spChg chg="add mod">
-          <ac:chgData name="ROEBUCK WILLIAMS RHOSLYN" userId="19c0e951-307b-46f9-a42c-f83c2dbad1d6" providerId="ADAL" clId="{9539E4F2-C474-48D6-B56C-A71574028F87}" dt="2024-08-05T11:38:36.043" v="4724" actId="1076"/>
-          <ac:spMkLst>
-            <pc:docMk/>
-            <pc:sldMk cId="2676893550" sldId="263"/>
-            <ac:spMk id="16" creationId="{BB874D05-B0E0-860E-9FB0-6D88A7ADC7AC}"/>
-          </ac:spMkLst>
-        </pc:spChg>
-        <pc:spChg chg="add mod">
-          <ac:chgData name="ROEBUCK WILLIAMS RHOSLYN" userId="19c0e951-307b-46f9-a42c-f83c2dbad1d6" providerId="ADAL" clId="{9539E4F2-C474-48D6-B56C-A71574028F87}" dt="2024-08-05T11:38:36.043" v="4724" actId="1076"/>
-          <ac:spMkLst>
-            <pc:docMk/>
-            <pc:sldMk cId="2676893550" sldId="263"/>
-            <ac:spMk id="17" creationId="{5E7585F8-BEBA-0297-A809-C24BC3EFEC68}"/>
-          </ac:spMkLst>
-        </pc:spChg>
-        <pc:spChg chg="add mod">
-          <ac:chgData name="ROEBUCK WILLIAMS RHOSLYN" userId="19c0e951-307b-46f9-a42c-f83c2dbad1d6" providerId="ADAL" clId="{9539E4F2-C474-48D6-B56C-A71574028F87}" dt="2024-08-05T11:38:36.043" v="4724" actId="1076"/>
-          <ac:spMkLst>
-            <pc:docMk/>
-            <pc:sldMk cId="2676893550" sldId="263"/>
-            <ac:spMk id="18" creationId="{F8737CFD-76FF-93BD-DF6B-9686F9D59FEE}"/>
-          </ac:spMkLst>
-        </pc:spChg>
-        <pc:spChg chg="add mod">
-          <ac:chgData name="ROEBUCK WILLIAMS RHOSLYN" userId="19c0e951-307b-46f9-a42c-f83c2dbad1d6" providerId="ADAL" clId="{9539E4F2-C474-48D6-B56C-A71574028F87}" dt="2024-08-05T11:38:36.043" v="4724" actId="1076"/>
-          <ac:spMkLst>
-            <pc:docMk/>
-            <pc:sldMk cId="2676893550" sldId="263"/>
-            <ac:spMk id="19" creationId="{5F6D6C7C-4C0A-2396-F7DF-836CB63FD869}"/>
-          </ac:spMkLst>
-        </pc:spChg>
-        <pc:spChg chg="add mod">
-          <ac:chgData name="ROEBUCK WILLIAMS RHOSLYN" userId="19c0e951-307b-46f9-a42c-f83c2dbad1d6" providerId="ADAL" clId="{9539E4F2-C474-48D6-B56C-A71574028F87}" dt="2024-08-05T11:38:36.043" v="4724" actId="1076"/>
-          <ac:spMkLst>
-            <pc:docMk/>
-            <pc:sldMk cId="2676893550" sldId="263"/>
-            <ac:spMk id="20" creationId="{80117929-D4A6-3D34-5660-F6DA5108CD8F}"/>
-          </ac:spMkLst>
-        </pc:spChg>
-        <pc:spChg chg="add mod">
-          <ac:chgData name="ROEBUCK WILLIAMS RHOSLYN" userId="19c0e951-307b-46f9-a42c-f83c2dbad1d6" providerId="ADAL" clId="{9539E4F2-C474-48D6-B56C-A71574028F87}" dt="2024-08-05T11:38:36.043" v="4724" actId="1076"/>
-          <ac:spMkLst>
-            <pc:docMk/>
-            <pc:sldMk cId="2676893550" sldId="263"/>
-            <ac:spMk id="21" creationId="{55F55DEF-20AD-AAB1-AB29-BC032AA0A40A}"/>
-          </ac:spMkLst>
-        </pc:spChg>
-        <pc:spChg chg="add mod">
-          <ac:chgData name="ROEBUCK WILLIAMS RHOSLYN" userId="19c0e951-307b-46f9-a42c-f83c2dbad1d6" providerId="ADAL" clId="{9539E4F2-C474-48D6-B56C-A71574028F87}" dt="2024-08-05T11:38:36.043" v="4724" actId="1076"/>
-          <ac:spMkLst>
-            <pc:docMk/>
-            <pc:sldMk cId="2676893550" sldId="263"/>
-            <ac:spMk id="22" creationId="{B92CF2EF-7863-7831-B4CB-A0BAF2922083}"/>
-          </ac:spMkLst>
-        </pc:spChg>
-        <pc:spChg chg="add mod">
-          <ac:chgData name="ROEBUCK WILLIAMS RHOSLYN" userId="19c0e951-307b-46f9-a42c-f83c2dbad1d6" providerId="ADAL" clId="{9539E4F2-C474-48D6-B56C-A71574028F87}" dt="2024-08-05T11:38:36.043" v="4724" actId="1076"/>
-          <ac:spMkLst>
-            <pc:docMk/>
-            <pc:sldMk cId="2676893550" sldId="263"/>
-            <ac:spMk id="23" creationId="{F8B03F6E-6F35-D78B-8BA0-0EE5BB8C5945}"/>
-          </ac:spMkLst>
-        </pc:spChg>
-        <pc:spChg chg="add mod">
-          <ac:chgData name="ROEBUCK WILLIAMS RHOSLYN" userId="19c0e951-307b-46f9-a42c-f83c2dbad1d6" providerId="ADAL" clId="{9539E4F2-C474-48D6-B56C-A71574028F87}" dt="2024-08-05T11:39:27.587" v="4741" actId="1076"/>
-          <ac:spMkLst>
-            <pc:docMk/>
-            <pc:sldMk cId="2676893550" sldId="263"/>
-            <ac:spMk id="24" creationId="{172B55A1-694D-BB7C-6665-B121EEA950AF}"/>
-          </ac:spMkLst>
-        </pc:spChg>
-        <pc:spChg chg="add mod">
-          <ac:chgData name="ROEBUCK WILLIAMS RHOSLYN" userId="19c0e951-307b-46f9-a42c-f83c2dbad1d6" providerId="ADAL" clId="{9539E4F2-C474-48D6-B56C-A71574028F87}" dt="2024-08-05T11:40:53.163" v="4857" actId="14100"/>
-          <ac:spMkLst>
-            <pc:docMk/>
-            <pc:sldMk cId="2676893550" sldId="263"/>
-            <ac:spMk id="25" creationId="{86D00E3F-561A-E0ED-F5FF-37A7FDDDD942}"/>
-          </ac:spMkLst>
-        </pc:spChg>
-        <pc:spChg chg="add mod">
-          <ac:chgData name="ROEBUCK WILLIAMS RHOSLYN" userId="19c0e951-307b-46f9-a42c-f83c2dbad1d6" providerId="ADAL" clId="{9539E4F2-C474-48D6-B56C-A71574028F87}" dt="2024-08-05T11:40:48.357" v="4855" actId="14100"/>
-          <ac:spMkLst>
-            <pc:docMk/>
-            <pc:sldMk cId="2676893550" sldId="263"/>
-            <ac:spMk id="26" creationId="{CCCA6C18-4808-6C21-A408-320E0F3E159B}"/>
-          </ac:spMkLst>
-        </pc:spChg>
-        <pc:spChg chg="add mod">
-          <ac:chgData name="ROEBUCK WILLIAMS RHOSLYN" userId="19c0e951-307b-46f9-a42c-f83c2dbad1d6" providerId="ADAL" clId="{9539E4F2-C474-48D6-B56C-A71574028F87}" dt="2024-08-05T11:39:53.625" v="4748" actId="20577"/>
-          <ac:spMkLst>
-            <pc:docMk/>
-            <pc:sldMk cId="2676893550" sldId="263"/>
-            <ac:spMk id="33" creationId="{F6376597-504F-D315-56EB-7DAB12073E45}"/>
-          </ac:spMkLst>
-        </pc:spChg>
-        <pc:spChg chg="add del mod">
-          <ac:chgData name="ROEBUCK WILLIAMS RHOSLYN" userId="19c0e951-307b-46f9-a42c-f83c2dbad1d6" providerId="ADAL" clId="{9539E4F2-C474-48D6-B56C-A71574028F87}" dt="2024-08-05T11:33:42.768" v="4384" actId="478"/>
-          <ac:spMkLst>
-            <pc:docMk/>
-            <pc:sldMk cId="2676893550" sldId="263"/>
-            <ac:spMk id="34" creationId="{AEC83513-C771-3363-9BE4-B5C12028D384}"/>
-          </ac:spMkLst>
-        </pc:spChg>
-        <pc:spChg chg="add mod">
-          <ac:chgData name="ROEBUCK WILLIAMS RHOSLYN" userId="19c0e951-307b-46f9-a42c-f83c2dbad1d6" providerId="ADAL" clId="{9539E4F2-C474-48D6-B56C-A71574028F87}" dt="2024-08-05T11:38:51.108" v="4726" actId="1076"/>
-          <ac:spMkLst>
-            <pc:docMk/>
-            <pc:sldMk cId="2676893550" sldId="263"/>
-            <ac:spMk id="35" creationId="{0397A6E3-6004-1107-CFA4-3DD0A244CBCC}"/>
-          </ac:spMkLst>
-        </pc:spChg>
-        <pc:spChg chg="add mod">
-          <ac:chgData name="ROEBUCK WILLIAMS RHOSLYN" userId="19c0e951-307b-46f9-a42c-f83c2dbad1d6" providerId="ADAL" clId="{9539E4F2-C474-48D6-B56C-A71574028F87}" dt="2024-08-05T11:38:36.043" v="4724" actId="1076"/>
-          <ac:spMkLst>
-            <pc:docMk/>
-            <pc:sldMk cId="2676893550" sldId="263"/>
-            <ac:spMk id="36" creationId="{052C7F83-0C2F-5979-5556-BD55491AF710}"/>
-          </ac:spMkLst>
-        </pc:spChg>
-        <pc:spChg chg="add mod">
-          <ac:chgData name="ROEBUCK WILLIAMS RHOSLYN" userId="19c0e951-307b-46f9-a42c-f83c2dbad1d6" providerId="ADAL" clId="{9539E4F2-C474-48D6-B56C-A71574028F87}" dt="2024-08-05T11:42:02.529" v="4876" actId="1076"/>
-          <ac:spMkLst>
-            <pc:docMk/>
-            <pc:sldMk cId="2676893550" sldId="263"/>
-            <ac:spMk id="37" creationId="{74F3C1B9-9AF4-244A-FD11-2A291F2B9ED7}"/>
-          </ac:spMkLst>
-        </pc:spChg>
-        <pc:spChg chg="add del mod">
-          <ac:chgData name="ROEBUCK WILLIAMS RHOSLYN" userId="19c0e951-307b-46f9-a42c-f83c2dbad1d6" providerId="ADAL" clId="{9539E4F2-C474-48D6-B56C-A71574028F87}" dt="2024-08-05T11:36:32.624" v="4696" actId="478"/>
-          <ac:spMkLst>
-            <pc:docMk/>
-            <pc:sldMk cId="2676893550" sldId="263"/>
-            <ac:spMk id="38" creationId="{2DC1C59F-C61C-06BE-62AE-503287BFBEB5}"/>
-          </ac:spMkLst>
-        </pc:spChg>
-        <pc:spChg chg="add mod">
-          <ac:chgData name="ROEBUCK WILLIAMS RHOSLYN" userId="19c0e951-307b-46f9-a42c-f83c2dbad1d6" providerId="ADAL" clId="{9539E4F2-C474-48D6-B56C-A71574028F87}" dt="2024-08-05T11:38:36.043" v="4724" actId="1076"/>
-          <ac:spMkLst>
-            <pc:docMk/>
-            <pc:sldMk cId="2676893550" sldId="263"/>
-            <ac:spMk id="39" creationId="{D7CA18CF-27F3-B728-483D-0DCAF0F1EBC3}"/>
-          </ac:spMkLst>
-        </pc:spChg>
-        <pc:spChg chg="add mod">
-          <ac:chgData name="ROEBUCK WILLIAMS RHOSLYN" userId="19c0e951-307b-46f9-a42c-f83c2dbad1d6" providerId="ADAL" clId="{9539E4F2-C474-48D6-B56C-A71574028F87}" dt="2024-08-05T11:38:36.043" v="4724" actId="1076"/>
-          <ac:spMkLst>
-            <pc:docMk/>
-            <pc:sldMk cId="2676893550" sldId="263"/>
-            <ac:spMk id="40" creationId="{94180434-932E-8F6F-C486-7C91200BA114}"/>
-          </ac:spMkLst>
-        </pc:spChg>
-        <pc:spChg chg="add mod">
-          <ac:chgData name="ROEBUCK WILLIAMS RHOSLYN" userId="19c0e951-307b-46f9-a42c-f83c2dbad1d6" providerId="ADAL" clId="{9539E4F2-C474-48D6-B56C-A71574028F87}" dt="2024-08-05T11:38:36.043" v="4724" actId="1076"/>
-          <ac:spMkLst>
-            <pc:docMk/>
-            <pc:sldMk cId="2676893550" sldId="263"/>
-            <ac:spMk id="41" creationId="{77B2A6A4-A8EE-9506-A49C-610AAF5D7832}"/>
-          </ac:spMkLst>
-        </pc:spChg>
-        <pc:spChg chg="add mod">
-          <ac:chgData name="ROEBUCK WILLIAMS RHOSLYN" userId="19c0e951-307b-46f9-a42c-f83c2dbad1d6" providerId="ADAL" clId="{9539E4F2-C474-48D6-B56C-A71574028F87}" dt="2024-08-05T11:41:40.675" v="4872" actId="1076"/>
-          <ac:spMkLst>
-            <pc:docMk/>
-            <pc:sldMk cId="2676893550" sldId="263"/>
-            <ac:spMk id="42" creationId="{530B05C7-E804-7C5A-E539-F16252160766}"/>
-          </ac:spMkLst>
-        </pc:spChg>
-        <pc:spChg chg="add del">
-          <ac:chgData name="ROEBUCK WILLIAMS RHOSLYN" userId="19c0e951-307b-46f9-a42c-f83c2dbad1d6" providerId="ADAL" clId="{9539E4F2-C474-48D6-B56C-A71574028F87}" dt="2024-08-05T11:37:03.871" v="4702" actId="11529"/>
-          <ac:spMkLst>
-            <pc:docMk/>
-            <pc:sldMk cId="2676893550" sldId="263"/>
-            <ac:spMk id="43" creationId="{60B31F21-1C30-3A92-6A87-59C1C8A02F9D}"/>
-          </ac:spMkLst>
-        </pc:spChg>
-        <pc:picChg chg="add mod modCrop">
-          <ac:chgData name="ROEBUCK WILLIAMS RHOSLYN" userId="19c0e951-307b-46f9-a42c-f83c2dbad1d6" providerId="ADAL" clId="{9539E4F2-C474-48D6-B56C-A71574028F87}" dt="2024-08-05T12:23:55.708" v="4887" actId="732"/>
-          <ac:picMkLst>
-            <pc:docMk/>
-            <pc:sldMk cId="2676893550" sldId="263"/>
-            <ac:picMk id="2" creationId="{818261D9-C1E3-5E1B-EC12-BF849741E425}"/>
-          </ac:picMkLst>
-        </pc:picChg>
-        <pc:picChg chg="add mod modCrop">
-          <ac:chgData name="ROEBUCK WILLIAMS RHOSLYN" userId="19c0e951-307b-46f9-a42c-f83c2dbad1d6" providerId="ADAL" clId="{9539E4F2-C474-48D6-B56C-A71574028F87}" dt="2024-08-05T13:51:46.518" v="4898" actId="732"/>
-          <ac:picMkLst>
-            <pc:docMk/>
-            <pc:sldMk cId="2676893550" sldId="263"/>
-            <ac:picMk id="3" creationId="{3A4F2863-E9B4-0F41-9B81-E29865ED308A}"/>
-          </ac:picMkLst>
-        </pc:picChg>
-        <pc:picChg chg="add mod modCrop">
-          <ac:chgData name="ROEBUCK WILLIAMS RHOSLYN" userId="19c0e951-307b-46f9-a42c-f83c2dbad1d6" providerId="ADAL" clId="{9539E4F2-C474-48D6-B56C-A71574028F87}" dt="2024-08-05T15:04:48.539" v="4928" actId="1076"/>
-          <ac:picMkLst>
-            <pc:docMk/>
-            <pc:sldMk cId="2676893550" sldId="263"/>
-            <ac:picMk id="4" creationId="{B763D365-327E-FCF9-1151-2497C47D918C}"/>
-          </ac:picMkLst>
-        </pc:picChg>
-        <pc:picChg chg="add mod">
-          <ac:chgData name="ROEBUCK WILLIAMS RHOSLYN" userId="19c0e951-307b-46f9-a42c-f83c2dbad1d6" providerId="ADAL" clId="{9539E4F2-C474-48D6-B56C-A71574028F87}" dt="2024-08-05T11:38:36.043" v="4724" actId="1076"/>
-          <ac:picMkLst>
-            <pc:docMk/>
-            <pc:sldMk cId="2676893550" sldId="263"/>
-            <ac:picMk id="5" creationId="{E93F567E-8717-EC59-935B-2ADCDAB9122B}"/>
-          </ac:picMkLst>
-        </pc:picChg>
-        <pc:picChg chg="add mod modCrop">
-          <ac:chgData name="ROEBUCK WILLIAMS RHOSLYN" userId="19c0e951-307b-46f9-a42c-f83c2dbad1d6" providerId="ADAL" clId="{9539E4F2-C474-48D6-B56C-A71574028F87}" dt="2024-08-05T14:35:01.215" v="4912" actId="1076"/>
-          <ac:picMkLst>
-            <pc:docMk/>
-            <pc:sldMk cId="2676893550" sldId="263"/>
-            <ac:picMk id="8" creationId="{7F0311CE-9841-8D7B-B7CD-A4B43A4080BC}"/>
-          </ac:picMkLst>
-        </pc:picChg>
-        <pc:picChg chg="add mod modCrop">
-          <ac:chgData name="ROEBUCK WILLIAMS RHOSLYN" userId="19c0e951-307b-46f9-a42c-f83c2dbad1d6" providerId="ADAL" clId="{9539E4F2-C474-48D6-B56C-A71574028F87}" dt="2024-08-05T14:35:15.529" v="4920" actId="732"/>
-          <ac:picMkLst>
-            <pc:docMk/>
-            <pc:sldMk cId="2676893550" sldId="263"/>
-            <ac:picMk id="27" creationId="{8EAEE66D-8E22-0044-E609-7970E632BF20}"/>
-          </ac:picMkLst>
-        </pc:picChg>
-        <pc:picChg chg="add mod">
-          <ac:chgData name="ROEBUCK WILLIAMS RHOSLYN" userId="19c0e951-307b-46f9-a42c-f83c2dbad1d6" providerId="ADAL" clId="{9539E4F2-C474-48D6-B56C-A71574028F87}" dt="2024-08-05T11:40:58.779" v="4858" actId="1076"/>
-          <ac:picMkLst>
-            <pc:docMk/>
-            <pc:sldMk cId="2676893550" sldId="263"/>
-            <ac:picMk id="28" creationId="{883E1A98-ABC3-47D2-BC09-0EE2F3747C93}"/>
-          </ac:picMkLst>
-        </pc:picChg>
-        <pc:picChg chg="add mod modCrop">
-          <ac:chgData name="ROEBUCK WILLIAMS RHOSLYN" userId="19c0e951-307b-46f9-a42c-f83c2dbad1d6" providerId="ADAL" clId="{9539E4F2-C474-48D6-B56C-A71574028F87}" dt="2024-08-05T14:56:49.157" v="4927" actId="732"/>
-          <ac:picMkLst>
-            <pc:docMk/>
-            <pc:sldMk cId="2676893550" sldId="263"/>
-            <ac:picMk id="29" creationId="{623BF1B8-F9C6-5A40-996E-4CCCCC11FF9C}"/>
-          </ac:picMkLst>
-        </pc:picChg>
-        <pc:picChg chg="add mod">
-          <ac:chgData name="ROEBUCK WILLIAMS RHOSLYN" userId="19c0e951-307b-46f9-a42c-f83c2dbad1d6" providerId="ADAL" clId="{9539E4F2-C474-48D6-B56C-A71574028F87}" dt="2024-08-05T11:38:51.108" v="4726" actId="1076"/>
-          <ac:picMkLst>
-            <pc:docMk/>
-            <pc:sldMk cId="2676893550" sldId="263"/>
-            <ac:picMk id="30" creationId="{80766357-3B97-AF21-B22A-54AEE5C5D93F}"/>
-          </ac:picMkLst>
-        </pc:picChg>
-        <pc:picChg chg="add mod">
-          <ac:chgData name="ROEBUCK WILLIAMS RHOSLYN" userId="19c0e951-307b-46f9-a42c-f83c2dbad1d6" providerId="ADAL" clId="{9539E4F2-C474-48D6-B56C-A71574028F87}" dt="2024-08-05T11:38:51.108" v="4726" actId="1076"/>
-          <ac:picMkLst>
-            <pc:docMk/>
-            <pc:sldMk cId="2676893550" sldId="263"/>
-            <ac:picMk id="32" creationId="{76B58336-0005-B29A-D9C1-4CCCF13BDD65}"/>
-          </ac:picMkLst>
-        </pc:picChg>
-        <pc:cxnChg chg="add mod">
-          <ac:chgData name="ROEBUCK WILLIAMS RHOSLYN" userId="19c0e951-307b-46f9-a42c-f83c2dbad1d6" providerId="ADAL" clId="{9539E4F2-C474-48D6-B56C-A71574028F87}" dt="2024-08-05T11:40:48.357" v="4855" actId="14100"/>
-          <ac:cxnSpMkLst>
-            <pc:docMk/>
-            <pc:sldMk cId="2676893550" sldId="263"/>
-            <ac:cxnSpMk id="45" creationId="{D646AB34-2024-5F47-5BB5-090F27E60CF3}"/>
-          </ac:cxnSpMkLst>
-        </pc:cxnChg>
-        <pc:cxnChg chg="add mod">
-          <ac:chgData name="ROEBUCK WILLIAMS RHOSLYN" userId="19c0e951-307b-46f9-a42c-f83c2dbad1d6" providerId="ADAL" clId="{9539E4F2-C474-48D6-B56C-A71574028F87}" dt="2024-08-05T11:40:53.163" v="4857" actId="14100"/>
-          <ac:cxnSpMkLst>
-            <pc:docMk/>
-            <pc:sldMk cId="2676893550" sldId="263"/>
-            <ac:cxnSpMk id="47" creationId="{55C9C976-3751-C3C5-C979-8969D443B41F}"/>
-          </ac:cxnSpMkLst>
-        </pc:cxnChg>
-        <pc:cxnChg chg="add mod">
-          <ac:chgData name="ROEBUCK WILLIAMS RHOSLYN" userId="19c0e951-307b-46f9-a42c-f83c2dbad1d6" providerId="ADAL" clId="{9539E4F2-C474-48D6-B56C-A71574028F87}" dt="2024-08-05T11:38:36.043" v="4724" actId="1076"/>
-          <ac:cxnSpMkLst>
-            <pc:docMk/>
-            <pc:sldMk cId="2676893550" sldId="263"/>
-            <ac:cxnSpMk id="50" creationId="{628EC9C4-2EF7-1F6D-2A9B-942679A3F1A3}"/>
-          </ac:cxnSpMkLst>
-        </pc:cxnChg>
-        <pc:cxnChg chg="add mod">
-          <ac:chgData name="ROEBUCK WILLIAMS RHOSLYN" userId="19c0e951-307b-46f9-a42c-f83c2dbad1d6" providerId="ADAL" clId="{9539E4F2-C474-48D6-B56C-A71574028F87}" dt="2024-08-05T11:39:27.587" v="4741" actId="1076"/>
-          <ac:cxnSpMkLst>
-            <pc:docMk/>
-            <pc:sldMk cId="2676893550" sldId="263"/>
-            <ac:cxnSpMk id="51" creationId="{9D90C76E-AAE3-1A13-9DEE-C3012EA5E9FB}"/>
-          </ac:cxnSpMkLst>
-        </pc:cxnChg>
-        <pc:cxnChg chg="add mod">
-          <ac:chgData name="ROEBUCK WILLIAMS RHOSLYN" userId="19c0e951-307b-46f9-a42c-f83c2dbad1d6" providerId="ADAL" clId="{9539E4F2-C474-48D6-B56C-A71574028F87}" dt="2024-08-05T11:38:51.108" v="4726" actId="1076"/>
-          <ac:cxnSpMkLst>
-            <pc:docMk/>
-            <pc:sldMk cId="2676893550" sldId="263"/>
-            <ac:cxnSpMk id="52" creationId="{25C87051-6B1F-1E9F-597C-BB991529D79E}"/>
-          </ac:cxnSpMkLst>
-        </pc:cxnChg>
-        <pc:cxnChg chg="add mod">
-          <ac:chgData name="ROEBUCK WILLIAMS RHOSLYN" userId="19c0e951-307b-46f9-a42c-f83c2dbad1d6" providerId="ADAL" clId="{9539E4F2-C474-48D6-B56C-A71574028F87}" dt="2024-08-05T11:41:56.251" v="4875" actId="1076"/>
-          <ac:cxnSpMkLst>
-            <pc:docMk/>
-            <pc:sldMk cId="2676893550" sldId="263"/>
-            <ac:cxnSpMk id="71" creationId="{B2395FF4-4C07-F9D7-5A5D-6A3DDD00CE33}"/>
-          </ac:cxnSpMkLst>
-        </pc:cxnChg>
-        <pc:cxnChg chg="add mod">
-          <ac:chgData name="ROEBUCK WILLIAMS RHOSLYN" userId="19c0e951-307b-46f9-a42c-f83c2dbad1d6" providerId="ADAL" clId="{9539E4F2-C474-48D6-B56C-A71574028F87}" dt="2024-08-05T11:41:56.251" v="4875" actId="1076"/>
-          <ac:cxnSpMkLst>
-            <pc:docMk/>
-            <pc:sldMk cId="2676893550" sldId="263"/>
-            <ac:cxnSpMk id="72" creationId="{49F8ABA7-EEB3-AC1F-A146-C5FD67C1D64C}"/>
-          </ac:cxnSpMkLst>
-        </pc:cxnChg>
-        <pc:cxnChg chg="add mod">
-          <ac:chgData name="ROEBUCK WILLIAMS RHOSLYN" userId="19c0e951-307b-46f9-a42c-f83c2dbad1d6" providerId="ADAL" clId="{9539E4F2-C474-48D6-B56C-A71574028F87}" dt="2024-08-05T11:41:56.251" v="4875" actId="1076"/>
-          <ac:cxnSpMkLst>
-            <pc:docMk/>
-            <pc:sldMk cId="2676893550" sldId="263"/>
-            <ac:cxnSpMk id="73" creationId="{730ECFF9-17E1-9676-909B-72EB33CDB34F}"/>
-          </ac:cxnSpMkLst>
-        </pc:cxnChg>
-        <pc:cxnChg chg="add mod">
-          <ac:chgData name="ROEBUCK WILLIAMS RHOSLYN" userId="19c0e951-307b-46f9-a42c-f83c2dbad1d6" providerId="ADAL" clId="{9539E4F2-C474-48D6-B56C-A71574028F87}" dt="2024-08-05T11:41:56.251" v="4875" actId="1076"/>
-          <ac:cxnSpMkLst>
-            <pc:docMk/>
-            <pc:sldMk cId="2676893550" sldId="263"/>
-            <ac:cxnSpMk id="74" creationId="{93E4ADD4-3A8D-A610-30BC-E6CF8956E03E}"/>
-          </ac:cxnSpMkLst>
-        </pc:cxnChg>
-        <pc:cxnChg chg="add mod">
-          <ac:chgData name="ROEBUCK WILLIAMS RHOSLYN" userId="19c0e951-307b-46f9-a42c-f83c2dbad1d6" providerId="ADAL" clId="{9539E4F2-C474-48D6-B56C-A71574028F87}" dt="2024-08-05T11:41:56.251" v="4875" actId="1076"/>
-          <ac:cxnSpMkLst>
-            <pc:docMk/>
-            <pc:sldMk cId="2676893550" sldId="263"/>
-            <ac:cxnSpMk id="75" creationId="{49406745-520E-D0E2-6F86-87C4E811A97F}"/>
-          </ac:cxnSpMkLst>
-        </pc:cxnChg>
-        <pc:cxnChg chg="add mod">
-          <ac:chgData name="ROEBUCK WILLIAMS RHOSLYN" userId="19c0e951-307b-46f9-a42c-f83c2dbad1d6" providerId="ADAL" clId="{9539E4F2-C474-48D6-B56C-A71574028F87}" dt="2024-08-05T11:41:48.569" v="4874" actId="14100"/>
-          <ac:cxnSpMkLst>
-            <pc:docMk/>
-            <pc:sldMk cId="2676893550" sldId="263"/>
-            <ac:cxnSpMk id="76" creationId="{633FA83C-04D9-65E0-EEF0-C45A137ED53E}"/>
-          </ac:cxnSpMkLst>
-        </pc:cxnChg>
-        <pc:cxnChg chg="add mod">
-          <ac:chgData name="ROEBUCK WILLIAMS RHOSLYN" userId="19c0e951-307b-46f9-a42c-f83c2dbad1d6" providerId="ADAL" clId="{9539E4F2-C474-48D6-B56C-A71574028F87}" dt="2024-08-05T11:42:07.481" v="4879" actId="14100"/>
-          <ac:cxnSpMkLst>
-            <pc:docMk/>
-            <pc:sldMk cId="2676893550" sldId="263"/>
-            <ac:cxnSpMk id="81" creationId="{F9571BB6-F48A-855C-998F-76A3D02FC766}"/>
           </ac:cxnSpMkLst>
         </pc:cxnChg>
       </pc:sldChg>
@@ -1501,7 +556,7 @@
           <a:p>
             <a:fld id="{E198B52E-59E9-459A-8A51-6D063C146C47}" type="datetimeFigureOut">
               <a:rPr lang="en-GB" smtClean="0"/>
-              <a:t>12/08/2024</a:t>
+              <a:t>01/11/2024</a:t>
             </a:fld>
             <a:endParaRPr lang="en-GB"/>
           </a:p>
@@ -1853,6 +908,114 @@
 </p:notes>
 </file>
 
+<file path=ppt/notesSlides/notesSlide2.xml><?xml version="1.0" encoding="utf-8"?>
+<p:notes xmlns:a="http://schemas.openxmlformats.org/drawingml/2006/main" xmlns:r="http://schemas.openxmlformats.org/officeDocument/2006/relationships" xmlns:p="http://schemas.openxmlformats.org/presentationml/2006/main">
+  <p:cSld>
+    <p:spTree>
+      <p:nvGrpSpPr>
+        <p:cNvPr id="1" name="">
+          <a:extLst>
+            <a:ext uri="{FF2B5EF4-FFF2-40B4-BE49-F238E27FC236}">
+              <a16:creationId xmlns:a16="http://schemas.microsoft.com/office/drawing/2014/main" id="{9A60DBAE-BE04-EC35-3677-452F24D5EAC5}"/>
+            </a:ext>
+          </a:extLst>
+        </p:cNvPr>
+        <p:cNvGrpSpPr/>
+        <p:nvPr/>
+      </p:nvGrpSpPr>
+      <p:grpSpPr>
+        <a:xfrm>
+          <a:off x="0" y="0"/>
+          <a:ext cx="0" cy="0"/>
+          <a:chOff x="0" y="0"/>
+          <a:chExt cx="0" cy="0"/>
+        </a:xfrm>
+      </p:grpSpPr>
+      <p:sp>
+        <p:nvSpPr>
+          <p:cNvPr id="2" name="Slide Image Placeholder 1">
+            <a:extLst>
+              <a:ext uri="{FF2B5EF4-FFF2-40B4-BE49-F238E27FC236}">
+                <a16:creationId xmlns:a16="http://schemas.microsoft.com/office/drawing/2014/main" id="{3FC26DAA-E3E4-A35B-6DC2-C41E23BB895A}"/>
+              </a:ext>
+            </a:extLst>
+          </p:cNvPr>
+          <p:cNvSpPr>
+            <a:spLocks noGrp="1" noRot="1" noChangeAspect="1"/>
+          </p:cNvSpPr>
+          <p:nvPr>
+            <p:ph type="sldImg"/>
+          </p:nvPr>
+        </p:nvSpPr>
+        <p:spPr/>
+      </p:sp>
+      <p:sp>
+        <p:nvSpPr>
+          <p:cNvPr id="3" name="Notes Placeholder 2">
+            <a:extLst>
+              <a:ext uri="{FF2B5EF4-FFF2-40B4-BE49-F238E27FC236}">
+                <a16:creationId xmlns:a16="http://schemas.microsoft.com/office/drawing/2014/main" id="{7B92C53B-B4F9-EA70-B44D-C9977A1A554A}"/>
+              </a:ext>
+            </a:extLst>
+          </p:cNvPr>
+          <p:cNvSpPr>
+            <a:spLocks noGrp="1"/>
+          </p:cNvSpPr>
+          <p:nvPr>
+            <p:ph type="body" idx="1"/>
+          </p:nvPr>
+        </p:nvSpPr>
+        <p:spPr/>
+        <p:txBody>
+          <a:bodyPr/>
+          <a:lstStyle/>
+          <a:p>
+            <a:endParaRPr lang="en-GB" dirty="0"/>
+          </a:p>
+        </p:txBody>
+      </p:sp>
+      <p:sp>
+        <p:nvSpPr>
+          <p:cNvPr id="4" name="Slide Number Placeholder 3">
+            <a:extLst>
+              <a:ext uri="{FF2B5EF4-FFF2-40B4-BE49-F238E27FC236}">
+                <a16:creationId xmlns:a16="http://schemas.microsoft.com/office/drawing/2014/main" id="{5223BC79-5566-4F25-DD06-C866D48AF91A}"/>
+              </a:ext>
+            </a:extLst>
+          </p:cNvPr>
+          <p:cNvSpPr>
+            <a:spLocks noGrp="1"/>
+          </p:cNvSpPr>
+          <p:nvPr>
+            <p:ph type="sldNum" sz="quarter" idx="5"/>
+          </p:nvPr>
+        </p:nvSpPr>
+        <p:spPr/>
+        <p:txBody>
+          <a:bodyPr/>
+          <a:lstStyle/>
+          <a:p>
+            <a:fld id="{01581AD5-E424-434F-99BD-F8DE17F851C7}" type="slidenum">
+              <a:rPr lang="en-GB" smtClean="0"/>
+              <a:t>2</a:t>
+            </a:fld>
+            <a:endParaRPr lang="en-GB"/>
+          </a:p>
+        </p:txBody>
+      </p:sp>
+    </p:spTree>
+    <p:extLst>
+      <p:ext uri="{BB962C8B-B14F-4D97-AF65-F5344CB8AC3E}">
+        <p14:creationId xmlns:p14="http://schemas.microsoft.com/office/powerpoint/2010/main" val="4249480563"/>
+      </p:ext>
+    </p:extLst>
+  </p:cSld>
+  <p:clrMapOvr>
+    <a:masterClrMapping/>
+  </p:clrMapOvr>
+</p:notes>
+</file>
+
 <file path=ppt/slideLayouts/slideLayout1.xml><?xml version="1.0" encoding="utf-8"?>
 <p:sldLayout xmlns:a="http://schemas.openxmlformats.org/drawingml/2006/main" xmlns:r="http://schemas.openxmlformats.org/officeDocument/2006/relationships" xmlns:p="http://schemas.openxmlformats.org/presentationml/2006/main" type="title" preserve="1">
   <p:cSld name="Title Slide">
@@ -1984,7 +1147,7 @@
           <a:p>
             <a:fld id="{3FBAF93D-98AC-4FE3-B4B6-00701F2D46F7}" type="datetimeFigureOut">
               <a:rPr lang="en-GB" smtClean="0"/>
-              <a:t>12/08/2024</a:t>
+              <a:t>01/11/2024</a:t>
             </a:fld>
             <a:endParaRPr lang="en-GB"/>
           </a:p>
@@ -2154,7 +1317,7 @@
           <a:p>
             <a:fld id="{3FBAF93D-98AC-4FE3-B4B6-00701F2D46F7}" type="datetimeFigureOut">
               <a:rPr lang="en-GB" smtClean="0"/>
-              <a:t>12/08/2024</a:t>
+              <a:t>01/11/2024</a:t>
             </a:fld>
             <a:endParaRPr lang="en-GB"/>
           </a:p>
@@ -2334,7 +1497,7 @@
           <a:p>
             <a:fld id="{3FBAF93D-98AC-4FE3-B4B6-00701F2D46F7}" type="datetimeFigureOut">
               <a:rPr lang="en-GB" smtClean="0"/>
-              <a:t>12/08/2024</a:t>
+              <a:t>01/11/2024</a:t>
             </a:fld>
             <a:endParaRPr lang="en-GB"/>
           </a:p>
@@ -2504,7 +1667,7 @@
           <a:p>
             <a:fld id="{3FBAF93D-98AC-4FE3-B4B6-00701F2D46F7}" type="datetimeFigureOut">
               <a:rPr lang="en-GB" smtClean="0"/>
-              <a:t>12/08/2024</a:t>
+              <a:t>01/11/2024</a:t>
             </a:fld>
             <a:endParaRPr lang="en-GB"/>
           </a:p>
@@ -2750,7 +1913,7 @@
           <a:p>
             <a:fld id="{3FBAF93D-98AC-4FE3-B4B6-00701F2D46F7}" type="datetimeFigureOut">
               <a:rPr lang="en-GB" smtClean="0"/>
-              <a:t>12/08/2024</a:t>
+              <a:t>01/11/2024</a:t>
             </a:fld>
             <a:endParaRPr lang="en-GB"/>
           </a:p>
@@ -2982,7 +2145,7 @@
           <a:p>
             <a:fld id="{3FBAF93D-98AC-4FE3-B4B6-00701F2D46F7}" type="datetimeFigureOut">
               <a:rPr lang="en-GB" smtClean="0"/>
-              <a:t>12/08/2024</a:t>
+              <a:t>01/11/2024</a:t>
             </a:fld>
             <a:endParaRPr lang="en-GB"/>
           </a:p>
@@ -3349,7 +2512,7 @@
           <a:p>
             <a:fld id="{3FBAF93D-98AC-4FE3-B4B6-00701F2D46F7}" type="datetimeFigureOut">
               <a:rPr lang="en-GB" smtClean="0"/>
-              <a:t>12/08/2024</a:t>
+              <a:t>01/11/2024</a:t>
             </a:fld>
             <a:endParaRPr lang="en-GB"/>
           </a:p>
@@ -3467,7 +2630,7 @@
           <a:p>
             <a:fld id="{3FBAF93D-98AC-4FE3-B4B6-00701F2D46F7}" type="datetimeFigureOut">
               <a:rPr lang="en-GB" smtClean="0"/>
-              <a:t>12/08/2024</a:t>
+              <a:t>01/11/2024</a:t>
             </a:fld>
             <a:endParaRPr lang="en-GB"/>
           </a:p>
@@ -3562,7 +2725,7 @@
           <a:p>
             <a:fld id="{3FBAF93D-98AC-4FE3-B4B6-00701F2D46F7}" type="datetimeFigureOut">
               <a:rPr lang="en-GB" smtClean="0"/>
-              <a:t>12/08/2024</a:t>
+              <a:t>01/11/2024</a:t>
             </a:fld>
             <a:endParaRPr lang="en-GB"/>
           </a:p>
@@ -3839,7 +3002,7 @@
           <a:p>
             <a:fld id="{3FBAF93D-98AC-4FE3-B4B6-00701F2D46F7}" type="datetimeFigureOut">
               <a:rPr lang="en-GB" smtClean="0"/>
-              <a:t>12/08/2024</a:t>
+              <a:t>01/11/2024</a:t>
             </a:fld>
             <a:endParaRPr lang="en-GB"/>
           </a:p>
@@ -4096,7 +3259,7 @@
           <a:p>
             <a:fld id="{3FBAF93D-98AC-4FE3-B4B6-00701F2D46F7}" type="datetimeFigureOut">
               <a:rPr lang="en-GB" smtClean="0"/>
-              <a:t>12/08/2024</a:t>
+              <a:t>01/11/2024</a:t>
             </a:fld>
             <a:endParaRPr lang="en-GB"/>
           </a:p>
@@ -4309,7 +3472,7 @@
           <a:p>
             <a:fld id="{3FBAF93D-98AC-4FE3-B4B6-00701F2D46F7}" type="datetimeFigureOut">
               <a:rPr lang="en-GB" smtClean="0"/>
-              <a:t>12/08/2024</a:t>
+              <a:t>01/11/2024</a:t>
             </a:fld>
             <a:endParaRPr lang="en-GB"/>
           </a:p>
@@ -4728,7 +3891,7 @@
         </p:nvSpPr>
         <p:spPr>
           <a:xfrm>
-            <a:off x="6189661" y="10776752"/>
+            <a:off x="6189662" y="9820434"/>
             <a:ext cx="2663685" cy="1259320"/>
           </a:xfrm>
           <a:prstGeom prst="rect">
@@ -4802,7 +3965,7 @@
         </p:nvSpPr>
         <p:spPr>
           <a:xfrm>
-            <a:off x="1237490" y="5161801"/>
+            <a:off x="1237490" y="4564051"/>
             <a:ext cx="2436388" cy="1644960"/>
           </a:xfrm>
           <a:prstGeom prst="rect">
@@ -4876,7 +4039,7 @@
         </p:nvSpPr>
         <p:spPr>
           <a:xfrm>
-            <a:off x="2497525" y="7137935"/>
+            <a:off x="2455682" y="6373915"/>
             <a:ext cx="942374" cy="400110"/>
           </a:xfrm>
           <a:prstGeom prst="rect">
@@ -4915,9 +4078,9 @@
           <p:nvPr/>
         </p:nvCxnSpPr>
         <p:spPr>
-          <a:xfrm>
-            <a:off x="3673878" y="5984281"/>
-            <a:ext cx="2632768" cy="2722"/>
+          <a:xfrm flipV="1">
+            <a:off x="3673878" y="5381076"/>
+            <a:ext cx="2632768" cy="5455"/>
           </a:xfrm>
           <a:prstGeom prst="straightConnector1">
             <a:avLst/>
@@ -4956,7 +4119,7 @@
         </p:nvSpPr>
         <p:spPr>
           <a:xfrm>
-            <a:off x="1237490" y="7943201"/>
+            <a:off x="1237491" y="6986883"/>
             <a:ext cx="2436387" cy="1644960"/>
           </a:xfrm>
           <a:prstGeom prst="rect">
@@ -5034,8 +4197,8 @@
         </p:nvCxnSpPr>
         <p:spPr>
           <a:xfrm>
-            <a:off x="2455684" y="6806761"/>
-            <a:ext cx="0" cy="1136440"/>
+            <a:off x="2455684" y="6209011"/>
+            <a:ext cx="1" cy="777872"/>
           </a:xfrm>
           <a:prstGeom prst="straightConnector1">
             <a:avLst/>
@@ -5074,8 +4237,8 @@
         </p:nvSpPr>
         <p:spPr>
           <a:xfrm>
-            <a:off x="1237489" y="12960541"/>
-            <a:ext cx="2436386" cy="1644960"/>
+            <a:off x="1237490" y="12185799"/>
+            <a:ext cx="2436386" cy="1093980"/>
           </a:xfrm>
           <a:prstGeom prst="rect">
             <a:avLst/>
@@ -5114,7 +4277,7 @@
                   <a:schemeClr val="tx1"/>
                 </a:solidFill>
               </a:rPr>
-              <a:t>You can choose </a:t>
+              <a:t>You can choose a</a:t>
             </a:r>
             <a:r>
               <a:rPr lang="en-GB" sz="2000" b="1" dirty="0">
@@ -5122,7 +4285,7 @@
                   <a:schemeClr val="tx1"/>
                 </a:solidFill>
               </a:rPr>
-              <a:t>any installation option</a:t>
+              <a:t> tethered or wireless </a:t>
             </a:r>
             <a:r>
               <a:rPr lang="en-GB" sz="2000" dirty="0">
@@ -5130,7 +4293,7 @@
                   <a:schemeClr val="tx1"/>
                 </a:solidFill>
               </a:rPr>
-              <a:t>.</a:t>
+              <a:t>setup.</a:t>
             </a:r>
           </a:p>
         </p:txBody>
@@ -5149,7 +4312,7 @@
         </p:nvSpPr>
         <p:spPr>
           <a:xfrm>
-            <a:off x="3776742" y="8398419"/>
+            <a:off x="3776743" y="7442101"/>
             <a:ext cx="920445" cy="400110"/>
           </a:xfrm>
           <a:prstGeom prst="rect">
@@ -5198,7 +4361,7 @@
         </p:nvCxnSpPr>
         <p:spPr>
           <a:xfrm>
-            <a:off x="3673877" y="8765681"/>
+            <a:off x="3673878" y="7809363"/>
             <a:ext cx="1150908" cy="6507"/>
           </a:xfrm>
           <a:prstGeom prst="straightConnector1">
@@ -5238,7 +4401,7 @@
         </p:nvSpPr>
         <p:spPr>
           <a:xfrm>
-            <a:off x="2468294" y="9733424"/>
+            <a:off x="1226608" y="8764555"/>
             <a:ext cx="1205582" cy="707886"/>
           </a:xfrm>
           <a:prstGeom prst="rect">
@@ -5252,6 +4415,7 @@
           </a:bodyPr>
           <a:lstStyle/>
           <a:p>
+            <a:pPr algn="r"/>
             <a:r>
               <a:rPr lang="en-GB" sz="2000" dirty="0"/>
               <a:t>Any Meta Quest</a:t>
@@ -5273,7 +4437,7 @@
         </p:nvSpPr>
         <p:spPr>
           <a:xfrm>
-            <a:off x="3790863" y="5476449"/>
+            <a:off x="3790863" y="4878699"/>
             <a:ext cx="2398798" cy="1015663"/>
           </a:xfrm>
           <a:prstGeom prst="rect">
@@ -5319,7 +4483,7 @@
         </p:nvSpPr>
         <p:spPr>
           <a:xfrm>
-            <a:off x="8697191" y="10663937"/>
+            <a:off x="8697192" y="9707619"/>
             <a:ext cx="1756246" cy="707886"/>
           </a:xfrm>
           <a:prstGeom prst="rect">
@@ -5362,7 +4526,7 @@
         </p:nvSpPr>
         <p:spPr>
           <a:xfrm>
-            <a:off x="10402376" y="12960534"/>
+            <a:off x="10402377" y="12004216"/>
             <a:ext cx="2663685" cy="1554111"/>
           </a:xfrm>
           <a:prstGeom prst="rect">
@@ -5402,7 +4566,7 @@
                   <a:schemeClr val="tx1"/>
                 </a:solidFill>
               </a:rPr>
-              <a:t>Follow </a:t>
+              <a:t>You must use a </a:t>
             </a:r>
             <a:r>
               <a:rPr lang="en-GB" sz="2000" b="1" dirty="0">
@@ -5410,18 +4574,7 @@
                   <a:schemeClr val="tx1"/>
                 </a:solidFill>
               </a:rPr>
-              <a:t>PC-VR</a:t>
-            </a:r>
-          </a:p>
-          <a:p>
-            <a:pPr algn="ctr"/>
-            <a:r>
-              <a:rPr lang="en-GB" sz="2000" u="sng" dirty="0">
-                <a:solidFill>
-                  <a:schemeClr val="tx1"/>
-                </a:solidFill>
-              </a:rPr>
-              <a:t>or</a:t>
+              <a:t>tethered</a:t>
             </a:r>
             <a:r>
               <a:rPr lang="en-GB" sz="2000" dirty="0">
@@ -5429,42 +4582,7 @@
                   <a:schemeClr val="tx1"/>
                 </a:solidFill>
               </a:rPr>
-              <a:t> </a:t>
-            </a:r>
-          </a:p>
-          <a:p>
-            <a:pPr algn="ctr"/>
-            <a:r>
-              <a:rPr lang="en-GB" sz="2000" b="1" dirty="0">
-                <a:solidFill>
-                  <a:schemeClr val="tx1"/>
-                </a:solidFill>
-              </a:rPr>
-              <a:t>tethered Meta Quest</a:t>
-            </a:r>
-            <a:r>
-              <a:rPr lang="en-GB" sz="2000" b="1" baseline="30000" dirty="0">
-                <a:solidFill>
-                  <a:schemeClr val="tx1"/>
-                </a:solidFill>
-              </a:rPr>
-              <a:t>‡</a:t>
-            </a:r>
-            <a:r>
-              <a:rPr lang="en-GB" sz="2000" b="1" dirty="0">
-                <a:solidFill>
-                  <a:schemeClr val="tx1"/>
-                </a:solidFill>
-              </a:rPr>
-              <a:t> </a:t>
-            </a:r>
-            <a:r>
-              <a:rPr lang="en-GB" sz="2000" dirty="0">
-                <a:solidFill>
-                  <a:schemeClr val="tx1"/>
-                </a:solidFill>
-              </a:rPr>
-              <a:t>instructions.</a:t>
+              <a:t> setup, such as Meta Quest Link or SteamVR.</a:t>
             </a:r>
           </a:p>
         </p:txBody>
@@ -5483,7 +4601,7 @@
         </p:nvSpPr>
         <p:spPr>
           <a:xfrm>
-            <a:off x="7548553" y="12105242"/>
+            <a:off x="7548554" y="11148924"/>
             <a:ext cx="1155922" cy="707886"/>
           </a:xfrm>
           <a:prstGeom prst="rect">
@@ -5597,7 +4715,7 @@
         <p:spPr>
           <a:xfrm>
             <a:off x="2455684" y="3897024"/>
-            <a:ext cx="0" cy="1264777"/>
+            <a:ext cx="0" cy="667027"/>
           </a:xfrm>
           <a:prstGeom prst="straightConnector1">
             <a:avLst/>
@@ -5636,7 +4754,7 @@
         </p:nvSpPr>
         <p:spPr>
           <a:xfrm>
-            <a:off x="2497525" y="4287236"/>
+            <a:off x="2455682" y="4022141"/>
             <a:ext cx="1206612" cy="400110"/>
           </a:xfrm>
           <a:prstGeom prst="rect">
@@ -5771,41 +4889,58 @@
                   <a:schemeClr val="tx1"/>
                 </a:solidFill>
               </a:rPr>
-              <a:t> headset (you cannot run PC-VR).</a:t>
+              <a:t> </a:t>
+            </a:r>
+            <a:r>
+              <a:rPr lang="en-GB" sz="2000" b="1" dirty="0">
+                <a:solidFill>
+                  <a:schemeClr val="tx1"/>
+                </a:solidFill>
+              </a:rPr>
+              <a:t>headset wirelessly</a:t>
+            </a:r>
+            <a:r>
+              <a:rPr lang="en-GB" sz="2000" dirty="0">
+                <a:solidFill>
+                  <a:schemeClr val="tx1"/>
+                </a:solidFill>
+              </a:rPr>
+              <a:t>. You must meet the </a:t>
+            </a:r>
+            <a:r>
+              <a:rPr lang="en-GB" sz="2000" b="1" dirty="0">
+                <a:solidFill>
+                  <a:schemeClr val="tx1"/>
+                </a:solidFill>
+              </a:rPr>
+              <a:t>requirements for a wireless setup</a:t>
+            </a:r>
+            <a:r>
+              <a:rPr lang="en-GB" sz="2000" dirty="0">
+                <a:solidFill>
+                  <a:schemeClr val="tx1"/>
+                </a:solidFill>
+              </a:rPr>
+              <a:t>.</a:t>
             </a:r>
           </a:p>
           <a:p>
             <a:pPr algn="ctr"/>
-            <a:br>
+            <a:endParaRPr lang="en-GB" sz="2000" dirty="0">
+              <a:solidFill>
+                <a:schemeClr val="tx1"/>
+              </a:solidFill>
+            </a:endParaRPr>
+          </a:p>
+          <a:p>
+            <a:pPr algn="ctr"/>
+            <a:r>
               <a:rPr lang="en-GB" sz="2000" dirty="0">
                 <a:solidFill>
                   <a:schemeClr val="tx1"/>
                 </a:solidFill>
               </a:rPr>
-            </a:br>
-            <a:r>
-              <a:rPr lang="en-GB" sz="2000" dirty="0">
-                <a:solidFill>
-                  <a:schemeClr val="tx1"/>
-                </a:solidFill>
-              </a:rPr>
-              <a:t> You must meet the </a:t>
-            </a:r>
-            <a:r>
-              <a:rPr lang="en-GB" sz="2000" b="1" dirty="0">
-                <a:solidFill>
-                  <a:schemeClr val="tx1"/>
-                </a:solidFill>
-              </a:rPr>
-              <a:t>requirements for a Wi-Fi setup*</a:t>
-            </a:r>
-            <a:r>
-              <a:rPr lang="en-GB" sz="2000" dirty="0">
-                <a:solidFill>
-                  <a:schemeClr val="tx1"/>
-                </a:solidFill>
-              </a:rPr>
-              <a:t>.</a:t>
+              <a:t>You cannot run PC-VR or use a tethered setup.</a:t>
             </a:r>
           </a:p>
         </p:txBody>
@@ -5872,7 +5007,7 @@
         </p:nvCxnSpPr>
         <p:spPr>
           <a:xfrm>
-            <a:off x="8853346" y="11406412"/>
+            <a:off x="8853347" y="10450094"/>
             <a:ext cx="1549927" cy="0"/>
           </a:xfrm>
           <a:prstGeom prst="straightConnector1">
@@ -5916,7 +5051,7 @@
         </p:nvCxnSpPr>
         <p:spPr>
           <a:xfrm flipH="1">
-            <a:off x="2455682" y="9588161"/>
+            <a:off x="2455683" y="8631843"/>
             <a:ext cx="2" cy="998412"/>
           </a:xfrm>
           <a:prstGeom prst="straightConnector1">
@@ -5944,10 +5079,10 @@
       </p:cxnSp>
       <p:sp>
         <p:nvSpPr>
-          <p:cNvPr id="271" name="Rectangle 270">
-            <a:extLst>
-              <a:ext uri="{FF2B5EF4-FFF2-40B4-BE49-F238E27FC236}">
-                <a16:creationId xmlns:a16="http://schemas.microsoft.com/office/drawing/2014/main" id="{9731557B-6A8D-ECE3-CBF2-FAF304D57E5B}"/>
+          <p:cNvPr id="277" name="Rectangle 276">
+            <a:extLst>
+              <a:ext uri="{FF2B5EF4-FFF2-40B4-BE49-F238E27FC236}">
+                <a16:creationId xmlns:a16="http://schemas.microsoft.com/office/drawing/2014/main" id="{3115CC88-6263-38C2-0D3E-003BDACFE043}"/>
               </a:ext>
             </a:extLst>
           </p:cNvPr>
@@ -5956,8 +5091,8 @@
         </p:nvSpPr>
         <p:spPr>
           <a:xfrm>
-            <a:off x="20718251" y="4529412"/>
-            <a:ext cx="4398984" cy="1567354"/>
+            <a:off x="4824786" y="7186210"/>
+            <a:ext cx="2279745" cy="1259320"/>
           </a:xfrm>
           <a:prstGeom prst="rect">
             <a:avLst/>
@@ -5990,12 +5125,20 @@
           <a:p>
             <a:pPr algn="ctr"/>
             <a:r>
+              <a:rPr lang="en-GB" sz="2000" dirty="0">
+                <a:solidFill>
+                  <a:schemeClr val="tx1"/>
+                </a:solidFill>
+              </a:rPr>
+              <a:t>You will need to use a </a:t>
+            </a:r>
+            <a:r>
               <a:rPr lang="en-GB" sz="2000" b="1" dirty="0">
                 <a:solidFill>
                   <a:schemeClr val="tx1"/>
                 </a:solidFill>
               </a:rPr>
-              <a:t>*</a:t>
+              <a:t>PC-VR </a:t>
             </a:r>
             <a:r>
               <a:rPr lang="en-GB" sz="2000" dirty="0">
@@ -6003,17 +5146,33 @@
                   <a:schemeClr val="tx1"/>
                 </a:solidFill>
               </a:rPr>
-              <a:t> IMPORTANT: This setup requires a strong and stable internet connection that allows communication over the network.</a:t>
-            </a:r>
-          </a:p>
-        </p:txBody>
-      </p:sp>
-      <p:sp>
-        <p:nvSpPr>
-          <p:cNvPr id="277" name="Rectangle 276">
-            <a:extLst>
-              <a:ext uri="{FF2B5EF4-FFF2-40B4-BE49-F238E27FC236}">
-                <a16:creationId xmlns:a16="http://schemas.microsoft.com/office/drawing/2014/main" id="{3115CC88-6263-38C2-0D3E-003BDACFE043}"/>
+              <a:t>setup</a:t>
+            </a:r>
+            <a:r>
+              <a:rPr lang="en-GB" sz="2000" b="1" dirty="0">
+                <a:solidFill>
+                  <a:schemeClr val="tx1"/>
+                </a:solidFill>
+              </a:rPr>
+              <a:t> via SteamVR</a:t>
+            </a:r>
+            <a:r>
+              <a:rPr lang="en-GB" sz="2000" dirty="0">
+                <a:solidFill>
+                  <a:schemeClr val="tx1"/>
+                </a:solidFill>
+              </a:rPr>
+              <a:t>.</a:t>
+            </a:r>
+          </a:p>
+        </p:txBody>
+      </p:sp>
+      <p:sp>
+        <p:nvSpPr>
+          <p:cNvPr id="305" name="Rectangle 304">
+            <a:extLst>
+              <a:ext uri="{FF2B5EF4-FFF2-40B4-BE49-F238E27FC236}">
+                <a16:creationId xmlns:a16="http://schemas.microsoft.com/office/drawing/2014/main" id="{E93FBCF3-1541-0A07-BEC4-E6C4601835E9}"/>
               </a:ext>
             </a:extLst>
           </p:cNvPr>
@@ -6022,16 +5181,16 @@
         </p:nvSpPr>
         <p:spPr>
           <a:xfrm>
-            <a:off x="4824785" y="8142528"/>
-            <a:ext cx="2279745" cy="1259320"/>
+            <a:off x="1237490" y="9630255"/>
+            <a:ext cx="2436386" cy="1644960"/>
           </a:xfrm>
           <a:prstGeom prst="rect">
             <a:avLst/>
           </a:prstGeom>
           <a:solidFill>
-            <a:srgbClr val="2596BE">
-              <a:alpha val="30196"/>
-            </a:srgbClr>
+            <a:schemeClr val="bg1">
+              <a:lumMod val="85000"/>
+            </a:schemeClr>
           </a:solidFill>
         </p:spPr>
         <p:style>
@@ -6061,7 +5220,7 @@
                   <a:schemeClr val="tx1"/>
                 </a:solidFill>
               </a:rPr>
-              <a:t>You will need to use a </a:t>
+              <a:t>Do you have a </a:t>
             </a:r>
             <a:r>
               <a:rPr lang="en-GB" sz="2000" b="1" dirty="0">
@@ -6069,7 +5228,7 @@
                   <a:schemeClr val="tx1"/>
                 </a:solidFill>
               </a:rPr>
-              <a:t>PC-VR </a:t>
+              <a:t>strong and stable internet connection</a:t>
             </a:r>
             <a:r>
               <a:rPr lang="en-GB" sz="2000" dirty="0">
@@ -6077,33 +5236,17 @@
                   <a:schemeClr val="tx1"/>
                 </a:solidFill>
               </a:rPr>
-              <a:t>setup</a:t>
-            </a:r>
-            <a:r>
-              <a:rPr lang="en-GB" sz="2000" b="1" dirty="0">
-                <a:solidFill>
-                  <a:schemeClr val="tx1"/>
-                </a:solidFill>
-              </a:rPr>
-              <a:t> via SteamVR</a:t>
-            </a:r>
-            <a:r>
-              <a:rPr lang="en-GB" sz="2000" dirty="0">
-                <a:solidFill>
-                  <a:schemeClr val="tx1"/>
-                </a:solidFill>
-              </a:rPr>
-              <a:t>.</a:t>
-            </a:r>
-          </a:p>
-        </p:txBody>
-      </p:sp>
-      <p:sp>
-        <p:nvSpPr>
-          <p:cNvPr id="305" name="Rectangle 304">
-            <a:extLst>
-              <a:ext uri="{FF2B5EF4-FFF2-40B4-BE49-F238E27FC236}">
-                <a16:creationId xmlns:a16="http://schemas.microsoft.com/office/drawing/2014/main" id="{E93FBCF3-1541-0A07-BEC4-E6C4601835E9}"/>
+              <a:t>?</a:t>
+            </a:r>
+          </a:p>
+        </p:txBody>
+      </p:sp>
+      <p:sp>
+        <p:nvSpPr>
+          <p:cNvPr id="314" name="Rectangle 313">
+            <a:extLst>
+              <a:ext uri="{FF2B5EF4-FFF2-40B4-BE49-F238E27FC236}">
+                <a16:creationId xmlns:a16="http://schemas.microsoft.com/office/drawing/2014/main" id="{6FF04236-50E5-8739-1895-3CA914FEB9DF}"/>
               </a:ext>
             </a:extLst>
           </p:cNvPr>
@@ -6112,16 +5255,16 @@
         </p:nvSpPr>
         <p:spPr>
           <a:xfrm>
-            <a:off x="1237489" y="10586573"/>
-            <a:ext cx="2436386" cy="1644960"/>
+            <a:off x="6306646" y="4558596"/>
+            <a:ext cx="2436388" cy="1644960"/>
           </a:xfrm>
           <a:prstGeom prst="rect">
             <a:avLst/>
           </a:prstGeom>
           <a:solidFill>
-            <a:schemeClr val="bg1">
-              <a:lumMod val="85000"/>
-            </a:schemeClr>
+            <a:srgbClr val="2596BE">
+              <a:alpha val="30196"/>
+            </a:srgbClr>
           </a:solidFill>
         </p:spPr>
         <p:style>
@@ -6151,7 +5294,7 @@
                   <a:schemeClr val="tx1"/>
                 </a:solidFill>
               </a:rPr>
-              <a:t>Do you have a </a:t>
+              <a:t>You will need to use a cable to connect your VR headset to your computer (a </a:t>
             </a:r>
             <a:r>
               <a:rPr lang="en-GB" sz="2000" b="1" dirty="0">
@@ -6159,7 +5302,7 @@
                   <a:schemeClr val="tx1"/>
                 </a:solidFill>
               </a:rPr>
-              <a:t>strong and stable internet connection</a:t>
+              <a:t>tethered </a:t>
             </a:r>
             <a:r>
               <a:rPr lang="en-GB" sz="2000" dirty="0">
@@ -6167,17 +5310,61 @@
                   <a:schemeClr val="tx1"/>
                 </a:solidFill>
               </a:rPr>
-              <a:t>?</a:t>
-            </a:r>
-          </a:p>
-        </p:txBody>
-      </p:sp>
-      <p:sp>
-        <p:nvSpPr>
-          <p:cNvPr id="314" name="Rectangle 313">
-            <a:extLst>
-              <a:ext uri="{FF2B5EF4-FFF2-40B4-BE49-F238E27FC236}">
-                <a16:creationId xmlns:a16="http://schemas.microsoft.com/office/drawing/2014/main" id="{6FF04236-50E5-8739-1895-3CA914FEB9DF}"/>
+              <a:t>setup).</a:t>
+            </a:r>
+          </a:p>
+        </p:txBody>
+      </p:sp>
+      <p:cxnSp>
+        <p:nvCxnSpPr>
+          <p:cNvPr id="320" name="Straight Arrow Connector 319">
+            <a:extLst>
+              <a:ext uri="{FF2B5EF4-FFF2-40B4-BE49-F238E27FC236}">
+                <a16:creationId xmlns:a16="http://schemas.microsoft.com/office/drawing/2014/main" id="{B010DB81-FF87-6096-9227-5030260B4C51}"/>
+              </a:ext>
+            </a:extLst>
+          </p:cNvPr>
+          <p:cNvCxnSpPr>
+            <a:cxnSpLocks/>
+            <a:stCxn id="314" idx="2"/>
+            <a:endCxn id="4" idx="0"/>
+          </p:cNvCxnSpPr>
+          <p:nvPr/>
+        </p:nvCxnSpPr>
+        <p:spPr>
+          <a:xfrm flipH="1">
+            <a:off x="7521505" y="6203556"/>
+            <a:ext cx="3335" cy="3616878"/>
+          </a:xfrm>
+          <a:prstGeom prst="straightConnector1">
+            <a:avLst/>
+          </a:prstGeom>
+          <a:ln>
+            <a:headEnd type="none" w="med" len="med"/>
+            <a:tailEnd type="arrow" w="med" len="med"/>
+          </a:ln>
+        </p:spPr>
+        <p:style>
+          <a:lnRef idx="2">
+            <a:schemeClr val="dk1"/>
+          </a:lnRef>
+          <a:fillRef idx="0">
+            <a:schemeClr val="dk1"/>
+          </a:fillRef>
+          <a:effectRef idx="1">
+            <a:schemeClr val="dk1"/>
+          </a:effectRef>
+          <a:fontRef idx="minor">
+            <a:schemeClr val="tx1"/>
+          </a:fontRef>
+        </p:style>
+      </p:cxnSp>
+      <p:sp>
+        <p:nvSpPr>
+          <p:cNvPr id="324" name="Rectangle 323">
+            <a:extLst>
+              <a:ext uri="{FF2B5EF4-FFF2-40B4-BE49-F238E27FC236}">
+                <a16:creationId xmlns:a16="http://schemas.microsoft.com/office/drawing/2014/main" id="{6A00F52B-C080-2BFF-9C5D-566A00C0B6BD}"/>
               </a:ext>
             </a:extLst>
           </p:cNvPr>
@@ -6186,16 +5373,16 @@
         </p:nvSpPr>
         <p:spPr>
           <a:xfrm>
-            <a:off x="6306646" y="5488515"/>
-            <a:ext cx="2436388" cy="996976"/>
+            <a:off x="10403274" y="9820434"/>
+            <a:ext cx="2663685" cy="1259320"/>
           </a:xfrm>
           <a:prstGeom prst="rect">
             <a:avLst/>
           </a:prstGeom>
           <a:solidFill>
-            <a:srgbClr val="2596BE">
-              <a:alpha val="30196"/>
-            </a:srgbClr>
+            <a:schemeClr val="bg1">
+              <a:lumMod val="85000"/>
+            </a:schemeClr>
           </a:solidFill>
         </p:spPr>
         <p:style>
@@ -6225,7 +5412,7 @@
                   <a:schemeClr val="tx1"/>
                 </a:solidFill>
               </a:rPr>
-              <a:t>You will need to use a </a:t>
+              <a:t>Are you running the server and client on the </a:t>
             </a:r>
             <a:r>
               <a:rPr lang="en-GB" sz="2000" b="1" dirty="0">
@@ -6233,7 +5420,7 @@
                   <a:schemeClr val="tx1"/>
                 </a:solidFill>
               </a:rPr>
-              <a:t>tethered </a:t>
+              <a:t>same computer</a:t>
             </a:r>
             <a:r>
               <a:rPr lang="en-GB" sz="2000" dirty="0">
@@ -6241,61 +5428,17 @@
                   <a:schemeClr val="tx1"/>
                 </a:solidFill>
               </a:rPr>
-              <a:t>setup.</a:t>
-            </a:r>
-          </a:p>
-        </p:txBody>
-      </p:sp>
-      <p:cxnSp>
-        <p:nvCxnSpPr>
-          <p:cNvPr id="320" name="Straight Arrow Connector 319">
-            <a:extLst>
-              <a:ext uri="{FF2B5EF4-FFF2-40B4-BE49-F238E27FC236}">
-                <a16:creationId xmlns:a16="http://schemas.microsoft.com/office/drawing/2014/main" id="{B010DB81-FF87-6096-9227-5030260B4C51}"/>
-              </a:ext>
-            </a:extLst>
-          </p:cNvPr>
-          <p:cNvCxnSpPr>
-            <a:cxnSpLocks/>
-            <a:stCxn id="314" idx="2"/>
-            <a:endCxn id="4" idx="0"/>
-          </p:cNvCxnSpPr>
-          <p:nvPr/>
-        </p:nvCxnSpPr>
-        <p:spPr>
-          <a:xfrm flipH="1">
-            <a:off x="7521504" y="6485491"/>
-            <a:ext cx="3336" cy="4291261"/>
-          </a:xfrm>
-          <a:prstGeom prst="straightConnector1">
-            <a:avLst/>
-          </a:prstGeom>
-          <a:ln>
-            <a:headEnd type="none" w="med" len="med"/>
-            <a:tailEnd type="arrow" w="med" len="med"/>
-          </a:ln>
-        </p:spPr>
-        <p:style>
-          <a:lnRef idx="2">
-            <a:schemeClr val="dk1"/>
-          </a:lnRef>
-          <a:fillRef idx="0">
-            <a:schemeClr val="dk1"/>
-          </a:fillRef>
-          <a:effectRef idx="1">
-            <a:schemeClr val="dk1"/>
-          </a:effectRef>
-          <a:fontRef idx="minor">
-            <a:schemeClr val="tx1"/>
-          </a:fontRef>
-        </p:style>
-      </p:cxnSp>
-      <p:sp>
-        <p:nvSpPr>
-          <p:cNvPr id="324" name="Rectangle 323">
-            <a:extLst>
-              <a:ext uri="{FF2B5EF4-FFF2-40B4-BE49-F238E27FC236}">
-                <a16:creationId xmlns:a16="http://schemas.microsoft.com/office/drawing/2014/main" id="{6A00F52B-C080-2BFF-9C5D-566A00C0B6BD}"/>
+              <a:t>?</a:t>
+            </a:r>
+          </a:p>
+        </p:txBody>
+      </p:sp>
+      <p:sp>
+        <p:nvSpPr>
+          <p:cNvPr id="329" name="Rectangle 328">
+            <a:extLst>
+              <a:ext uri="{FF2B5EF4-FFF2-40B4-BE49-F238E27FC236}">
+                <a16:creationId xmlns:a16="http://schemas.microsoft.com/office/drawing/2014/main" id="{CAB42C7C-D886-2F51-799D-9AE8A4A3E3CA}"/>
               </a:ext>
             </a:extLst>
           </p:cNvPr>
@@ -6304,16 +5447,16 @@
         </p:nvSpPr>
         <p:spPr>
           <a:xfrm>
-            <a:off x="10403273" y="10776752"/>
-            <a:ext cx="2663685" cy="1259320"/>
+            <a:off x="5170879" y="12004224"/>
+            <a:ext cx="4724962" cy="1554112"/>
           </a:xfrm>
           <a:prstGeom prst="rect">
             <a:avLst/>
           </a:prstGeom>
           <a:solidFill>
-            <a:schemeClr val="bg1">
-              <a:lumMod val="85000"/>
-            </a:schemeClr>
+            <a:srgbClr val="2596BE">
+              <a:alpha val="30196"/>
+            </a:srgbClr>
           </a:solidFill>
         </p:spPr>
         <p:style>
@@ -6343,7 +5486,7 @@
                   <a:schemeClr val="tx1"/>
                 </a:solidFill>
               </a:rPr>
-              <a:t>Are you running the server and client on the </a:t>
+              <a:t>Your </a:t>
             </a:r>
             <a:r>
               <a:rPr lang="en-GB" sz="2000" b="1" dirty="0">
@@ -6351,7 +5494,7 @@
                   <a:schemeClr val="tx1"/>
                 </a:solidFill>
               </a:rPr>
-              <a:t>same computer</a:t>
+              <a:t>computers must be connected via an ethernet cable or LAN </a:t>
             </a:r>
             <a:r>
               <a:rPr lang="en-GB" sz="2000" dirty="0">
@@ -6359,17 +5502,774 @@
                   <a:schemeClr val="tx1"/>
                 </a:solidFill>
               </a:rPr>
-              <a:t>?</a:t>
-            </a:r>
-          </a:p>
-        </p:txBody>
-      </p:sp>
-      <p:sp>
-        <p:nvSpPr>
-          <p:cNvPr id="329" name="Rectangle 328">
-            <a:extLst>
-              <a:ext uri="{FF2B5EF4-FFF2-40B4-BE49-F238E27FC236}">
-                <a16:creationId xmlns:a16="http://schemas.microsoft.com/office/drawing/2014/main" id="{CAB42C7C-D886-2F51-799D-9AE8A4A3E3CA}"/>
+              <a:t>(internet connection not required).</a:t>
+            </a:r>
+          </a:p>
+        </p:txBody>
+      </p:sp>
+      <p:cxnSp>
+        <p:nvCxnSpPr>
+          <p:cNvPr id="330" name="Straight Arrow Connector 329">
+            <a:extLst>
+              <a:ext uri="{FF2B5EF4-FFF2-40B4-BE49-F238E27FC236}">
+                <a16:creationId xmlns:a16="http://schemas.microsoft.com/office/drawing/2014/main" id="{893746EB-0D3E-1251-F62D-B34FFC6F5154}"/>
+              </a:ext>
+            </a:extLst>
+          </p:cNvPr>
+          <p:cNvCxnSpPr>
+            <a:cxnSpLocks/>
+            <a:stCxn id="324" idx="2"/>
+            <a:endCxn id="42" idx="0"/>
+          </p:cNvCxnSpPr>
+          <p:nvPr/>
+        </p:nvCxnSpPr>
+        <p:spPr>
+          <a:xfrm flipH="1">
+            <a:off x="11734220" y="11079754"/>
+            <a:ext cx="897" cy="924462"/>
+          </a:xfrm>
+          <a:prstGeom prst="straightConnector1">
+            <a:avLst/>
+          </a:prstGeom>
+          <a:ln>
+            <a:headEnd type="none" w="med" len="med"/>
+            <a:tailEnd type="arrow" w="med" len="med"/>
+          </a:ln>
+        </p:spPr>
+        <p:style>
+          <a:lnRef idx="2">
+            <a:schemeClr val="dk1"/>
+          </a:lnRef>
+          <a:fillRef idx="0">
+            <a:schemeClr val="dk1"/>
+          </a:fillRef>
+          <a:effectRef idx="1">
+            <a:schemeClr val="dk1"/>
+          </a:effectRef>
+          <a:fontRef idx="minor">
+            <a:schemeClr val="tx1"/>
+          </a:fontRef>
+        </p:style>
+      </p:cxnSp>
+      <p:sp>
+        <p:nvSpPr>
+          <p:cNvPr id="334" name="TextBox 333">
+            <a:extLst>
+              <a:ext uri="{FF2B5EF4-FFF2-40B4-BE49-F238E27FC236}">
+                <a16:creationId xmlns:a16="http://schemas.microsoft.com/office/drawing/2014/main" id="{69E8B08F-6DCC-96A9-0430-EFAF16983513}"/>
+              </a:ext>
+            </a:extLst>
+          </p:cNvPr>
+          <p:cNvSpPr txBox="1"/>
+          <p:nvPr/>
+        </p:nvSpPr>
+        <p:spPr>
+          <a:xfrm>
+            <a:off x="11657207" y="11368769"/>
+            <a:ext cx="721103" cy="400110"/>
+          </a:xfrm>
+          <a:prstGeom prst="rect">
+            <a:avLst/>
+          </a:prstGeom>
+          <a:noFill/>
+        </p:spPr>
+        <p:txBody>
+          <a:bodyPr wrap="square" rtlCol="0">
+            <a:spAutoFit/>
+          </a:bodyPr>
+          <a:lstStyle/>
+          <a:p>
+            <a:pPr algn="ctr"/>
+            <a:r>
+              <a:rPr lang="en-GB" sz="2000" dirty="0"/>
+              <a:t>Yes</a:t>
+            </a:r>
+          </a:p>
+        </p:txBody>
+      </p:sp>
+      <p:sp>
+        <p:nvSpPr>
+          <p:cNvPr id="338" name="TextBox 337">
+            <a:extLst>
+              <a:ext uri="{FF2B5EF4-FFF2-40B4-BE49-F238E27FC236}">
+                <a16:creationId xmlns:a16="http://schemas.microsoft.com/office/drawing/2014/main" id="{AF7A6573-2EB0-85AC-1396-5C156AEBC5D4}"/>
+              </a:ext>
+            </a:extLst>
+          </p:cNvPr>
+          <p:cNvSpPr txBox="1"/>
+          <p:nvPr/>
+        </p:nvSpPr>
+        <p:spPr>
+          <a:xfrm>
+            <a:off x="13066062" y="9979909"/>
+            <a:ext cx="802351" cy="400110"/>
+          </a:xfrm>
+          <a:prstGeom prst="rect">
+            <a:avLst/>
+          </a:prstGeom>
+          <a:noFill/>
+        </p:spPr>
+        <p:txBody>
+          <a:bodyPr wrap="square" rtlCol="0">
+            <a:spAutoFit/>
+          </a:bodyPr>
+          <a:lstStyle/>
+          <a:p>
+            <a:pPr algn="ctr"/>
+            <a:r>
+              <a:rPr lang="en-GB" sz="2000" dirty="0"/>
+              <a:t>No</a:t>
+            </a:r>
+          </a:p>
+        </p:txBody>
+      </p:sp>
+      <p:cxnSp>
+        <p:nvCxnSpPr>
+          <p:cNvPr id="352" name="Straight Arrow Connector 351">
+            <a:extLst>
+              <a:ext uri="{FF2B5EF4-FFF2-40B4-BE49-F238E27FC236}">
+                <a16:creationId xmlns:a16="http://schemas.microsoft.com/office/drawing/2014/main" id="{FD7702DC-CEB3-F428-AC58-7631036208F5}"/>
+              </a:ext>
+            </a:extLst>
+          </p:cNvPr>
+          <p:cNvCxnSpPr>
+            <a:cxnSpLocks/>
+            <a:stCxn id="4" idx="2"/>
+            <a:endCxn id="329" idx="0"/>
+          </p:cNvCxnSpPr>
+          <p:nvPr/>
+        </p:nvCxnSpPr>
+        <p:spPr>
+          <a:xfrm>
+            <a:off x="7521505" y="11079754"/>
+            <a:ext cx="11855" cy="924470"/>
+          </a:xfrm>
+          <a:prstGeom prst="straightConnector1">
+            <a:avLst/>
+          </a:prstGeom>
+          <a:ln>
+            <a:headEnd type="none" w="med" len="med"/>
+            <a:tailEnd type="arrow" w="med" len="med"/>
+          </a:ln>
+        </p:spPr>
+        <p:style>
+          <a:lnRef idx="2">
+            <a:schemeClr val="dk1"/>
+          </a:lnRef>
+          <a:fillRef idx="0">
+            <a:schemeClr val="dk1"/>
+          </a:fillRef>
+          <a:effectRef idx="1">
+            <a:schemeClr val="dk1"/>
+          </a:effectRef>
+          <a:fontRef idx="minor">
+            <a:schemeClr val="tx1"/>
+          </a:fontRef>
+        </p:style>
+      </p:cxnSp>
+      <p:cxnSp>
+        <p:nvCxnSpPr>
+          <p:cNvPr id="366" name="Straight Arrow Connector 365">
+            <a:extLst>
+              <a:ext uri="{FF2B5EF4-FFF2-40B4-BE49-F238E27FC236}">
+                <a16:creationId xmlns:a16="http://schemas.microsoft.com/office/drawing/2014/main" id="{01456621-189B-690B-2D6C-43CD380F59E4}"/>
+              </a:ext>
+            </a:extLst>
+          </p:cNvPr>
+          <p:cNvCxnSpPr>
+            <a:cxnSpLocks/>
+            <a:stCxn id="305" idx="2"/>
+            <a:endCxn id="19" idx="0"/>
+          </p:cNvCxnSpPr>
+          <p:nvPr/>
+        </p:nvCxnSpPr>
+        <p:spPr>
+          <a:xfrm>
+            <a:off x="2455683" y="11275215"/>
+            <a:ext cx="0" cy="910584"/>
+          </a:xfrm>
+          <a:prstGeom prst="straightConnector1">
+            <a:avLst/>
+          </a:prstGeom>
+          <a:ln>
+            <a:headEnd type="none" w="med" len="med"/>
+            <a:tailEnd type="arrow" w="med" len="med"/>
+          </a:ln>
+        </p:spPr>
+        <p:style>
+          <a:lnRef idx="2">
+            <a:schemeClr val="dk1"/>
+          </a:lnRef>
+          <a:fillRef idx="0">
+            <a:schemeClr val="dk1"/>
+          </a:fillRef>
+          <a:effectRef idx="1">
+            <a:schemeClr val="dk1"/>
+          </a:effectRef>
+          <a:fontRef idx="minor">
+            <a:schemeClr val="tx1"/>
+          </a:fontRef>
+        </p:style>
+      </p:cxnSp>
+      <p:sp>
+        <p:nvSpPr>
+          <p:cNvPr id="371" name="TextBox 370">
+            <a:extLst>
+              <a:ext uri="{FF2B5EF4-FFF2-40B4-BE49-F238E27FC236}">
+                <a16:creationId xmlns:a16="http://schemas.microsoft.com/office/drawing/2014/main" id="{A79CC35C-7554-7426-B927-FF1CD8F0DFAA}"/>
+              </a:ext>
+            </a:extLst>
+          </p:cNvPr>
+          <p:cNvSpPr txBox="1"/>
+          <p:nvPr/>
+        </p:nvSpPr>
+        <p:spPr>
+          <a:xfrm>
+            <a:off x="2432190" y="11439664"/>
+            <a:ext cx="646232" cy="400110"/>
+          </a:xfrm>
+          <a:prstGeom prst="rect">
+            <a:avLst/>
+          </a:prstGeom>
+          <a:noFill/>
+        </p:spPr>
+        <p:txBody>
+          <a:bodyPr wrap="square" rtlCol="0">
+            <a:spAutoFit/>
+          </a:bodyPr>
+          <a:lstStyle/>
+          <a:p>
+            <a:pPr algn="ctr"/>
+            <a:r>
+              <a:rPr lang="en-GB" sz="2000" dirty="0"/>
+              <a:t>Yes</a:t>
+            </a:r>
+          </a:p>
+        </p:txBody>
+      </p:sp>
+      <p:sp>
+        <p:nvSpPr>
+          <p:cNvPr id="385" name="TextBox 384">
+            <a:extLst>
+              <a:ext uri="{FF2B5EF4-FFF2-40B4-BE49-F238E27FC236}">
+                <a16:creationId xmlns:a16="http://schemas.microsoft.com/office/drawing/2014/main" id="{D00C56CC-CD79-D04E-6939-916AD014486C}"/>
+              </a:ext>
+            </a:extLst>
+          </p:cNvPr>
+          <p:cNvSpPr txBox="1"/>
+          <p:nvPr/>
+        </p:nvSpPr>
+        <p:spPr>
+          <a:xfrm>
+            <a:off x="4639504" y="10095043"/>
+            <a:ext cx="730306" cy="400110"/>
+          </a:xfrm>
+          <a:prstGeom prst="rect">
+            <a:avLst/>
+          </a:prstGeom>
+          <a:noFill/>
+        </p:spPr>
+        <p:txBody>
+          <a:bodyPr wrap="square" rtlCol="0">
+            <a:spAutoFit/>
+          </a:bodyPr>
+          <a:lstStyle/>
+          <a:p>
+            <a:pPr algn="ctr"/>
+            <a:r>
+              <a:rPr lang="en-GB" sz="2000" dirty="0"/>
+              <a:t>No</a:t>
+            </a:r>
+          </a:p>
+        </p:txBody>
+      </p:sp>
+      <p:cxnSp>
+        <p:nvCxnSpPr>
+          <p:cNvPr id="402" name="Connector: Elbow 401">
+            <a:extLst>
+              <a:ext uri="{FF2B5EF4-FFF2-40B4-BE49-F238E27FC236}">
+                <a16:creationId xmlns:a16="http://schemas.microsoft.com/office/drawing/2014/main" id="{602FD4CE-BF27-5BA3-4A42-313934A36984}"/>
+              </a:ext>
+            </a:extLst>
+          </p:cNvPr>
+          <p:cNvCxnSpPr>
+            <a:cxnSpLocks/>
+            <a:stCxn id="305" idx="3"/>
+            <a:endCxn id="4" idx="1"/>
+          </p:cNvCxnSpPr>
+          <p:nvPr/>
+        </p:nvCxnSpPr>
+        <p:spPr>
+          <a:xfrm flipV="1">
+            <a:off x="3673876" y="10450094"/>
+            <a:ext cx="2515786" cy="2641"/>
+          </a:xfrm>
+          <a:prstGeom prst="straightConnector1">
+            <a:avLst/>
+          </a:prstGeom>
+          <a:ln>
+            <a:headEnd type="none" w="med" len="med"/>
+            <a:tailEnd type="arrow" w="med" len="med"/>
+          </a:ln>
+        </p:spPr>
+        <p:style>
+          <a:lnRef idx="2">
+            <a:schemeClr val="dk1"/>
+          </a:lnRef>
+          <a:fillRef idx="0">
+            <a:schemeClr val="dk1"/>
+          </a:fillRef>
+          <a:effectRef idx="1">
+            <a:schemeClr val="dk1"/>
+          </a:effectRef>
+          <a:fontRef idx="minor">
+            <a:schemeClr val="tx1"/>
+          </a:fontRef>
+        </p:style>
+      </p:cxnSp>
+      <p:cxnSp>
+        <p:nvCxnSpPr>
+          <p:cNvPr id="414" name="Connector: Elbow 413">
+            <a:extLst>
+              <a:ext uri="{FF2B5EF4-FFF2-40B4-BE49-F238E27FC236}">
+                <a16:creationId xmlns:a16="http://schemas.microsoft.com/office/drawing/2014/main" id="{3EBB69BF-321C-B3CE-8472-0FD925D21411}"/>
+              </a:ext>
+            </a:extLst>
+          </p:cNvPr>
+          <p:cNvCxnSpPr>
+            <a:cxnSpLocks/>
+            <a:stCxn id="277" idx="2"/>
+          </p:cNvCxnSpPr>
+          <p:nvPr/>
+        </p:nvCxnSpPr>
+        <p:spPr>
+          <a:xfrm rot="5400000">
+            <a:off x="4040538" y="8075537"/>
+            <a:ext cx="1554129" cy="2294115"/>
+          </a:xfrm>
+          <a:prstGeom prst="bentConnector2">
+            <a:avLst/>
+          </a:prstGeom>
+          <a:ln>
+            <a:headEnd type="none" w="med" len="med"/>
+            <a:tailEnd type="arrow" w="med" len="med"/>
+          </a:ln>
+        </p:spPr>
+        <p:style>
+          <a:lnRef idx="2">
+            <a:schemeClr val="dk1"/>
+          </a:lnRef>
+          <a:fillRef idx="0">
+            <a:schemeClr val="dk1"/>
+          </a:fillRef>
+          <a:effectRef idx="1">
+            <a:schemeClr val="dk1"/>
+          </a:effectRef>
+          <a:fontRef idx="minor">
+            <a:schemeClr val="tx1"/>
+          </a:fontRef>
+        </p:style>
+      </p:cxnSp>
+      <p:cxnSp>
+        <p:nvCxnSpPr>
+          <p:cNvPr id="526" name="Connector: Elbow 525">
+            <a:extLst>
+              <a:ext uri="{FF2B5EF4-FFF2-40B4-BE49-F238E27FC236}">
+                <a16:creationId xmlns:a16="http://schemas.microsoft.com/office/drawing/2014/main" id="{D53EE2C6-E9F4-0577-52F1-603DDF342357}"/>
+              </a:ext>
+            </a:extLst>
+          </p:cNvPr>
+          <p:cNvCxnSpPr>
+            <a:cxnSpLocks/>
+            <a:stCxn id="324" idx="3"/>
+            <a:endCxn id="329" idx="2"/>
+          </p:cNvCxnSpPr>
+          <p:nvPr/>
+        </p:nvCxnSpPr>
+        <p:spPr>
+          <a:xfrm flipH="1">
+            <a:off x="7533360" y="10450094"/>
+            <a:ext cx="5533599" cy="3108242"/>
+          </a:xfrm>
+          <a:prstGeom prst="bentConnector4">
+            <a:avLst>
+              <a:gd name="adj1" fmla="val -4131"/>
+              <a:gd name="adj2" fmla="val 109970"/>
+            </a:avLst>
+          </a:prstGeom>
+          <a:ln>
+            <a:headEnd type="none" w="med" len="med"/>
+            <a:tailEnd type="arrow" w="med" len="med"/>
+          </a:ln>
+        </p:spPr>
+        <p:style>
+          <a:lnRef idx="2">
+            <a:schemeClr val="dk1"/>
+          </a:lnRef>
+          <a:fillRef idx="0">
+            <a:schemeClr val="dk1"/>
+          </a:fillRef>
+          <a:effectRef idx="1">
+            <a:schemeClr val="dk1"/>
+          </a:effectRef>
+          <a:fontRef idx="minor">
+            <a:schemeClr val="tx1"/>
+          </a:fontRef>
+        </p:style>
+      </p:cxnSp>
+      <p:cxnSp>
+        <p:nvCxnSpPr>
+          <p:cNvPr id="20" name="Connector: Elbow 213">
+            <a:extLst>
+              <a:ext uri="{FF2B5EF4-FFF2-40B4-BE49-F238E27FC236}">
+                <a16:creationId xmlns:a16="http://schemas.microsoft.com/office/drawing/2014/main" id="{38CF9B38-FDE4-A1FC-8EBD-60F2F36FA19B}"/>
+              </a:ext>
+            </a:extLst>
+          </p:cNvPr>
+          <p:cNvCxnSpPr>
+            <a:cxnSpLocks/>
+            <a:stCxn id="329" idx="3"/>
+            <a:endCxn id="42" idx="1"/>
+          </p:cNvCxnSpPr>
+          <p:nvPr/>
+        </p:nvCxnSpPr>
+        <p:spPr>
+          <a:xfrm flipV="1">
+            <a:off x="9895841" y="12781272"/>
+            <a:ext cx="506536" cy="8"/>
+          </a:xfrm>
+          <a:prstGeom prst="straightConnector1">
+            <a:avLst/>
+          </a:prstGeom>
+          <a:ln>
+            <a:headEnd type="none" w="med" len="med"/>
+            <a:tailEnd type="arrow" w="med" len="med"/>
+          </a:ln>
+        </p:spPr>
+        <p:style>
+          <a:lnRef idx="2">
+            <a:schemeClr val="dk1"/>
+          </a:lnRef>
+          <a:fillRef idx="0">
+            <a:schemeClr val="dk1"/>
+          </a:fillRef>
+          <a:effectRef idx="1">
+            <a:schemeClr val="dk1"/>
+          </a:effectRef>
+          <a:fontRef idx="minor">
+            <a:schemeClr val="tx1"/>
+          </a:fontRef>
+        </p:style>
+      </p:cxnSp>
+      <p:grpSp>
+        <p:nvGrpSpPr>
+          <p:cNvPr id="31" name="Group 30">
+            <a:extLst>
+              <a:ext uri="{FF2B5EF4-FFF2-40B4-BE49-F238E27FC236}">
+                <a16:creationId xmlns:a16="http://schemas.microsoft.com/office/drawing/2014/main" id="{A6F8617E-D961-9C2D-2DA6-A8D1A7235E81}"/>
+              </a:ext>
+            </a:extLst>
+          </p:cNvPr>
+          <p:cNvGrpSpPr/>
+          <p:nvPr/>
+        </p:nvGrpSpPr>
+        <p:grpSpPr>
+          <a:xfrm>
+            <a:off x="9426119" y="5937933"/>
+            <a:ext cx="3892696" cy="2242295"/>
+            <a:chOff x="2801026" y="13978522"/>
+            <a:chExt cx="3892696" cy="2242295"/>
+          </a:xfrm>
+        </p:grpSpPr>
+        <p:sp>
+          <p:nvSpPr>
+            <p:cNvPr id="30" name="Rectangle 29">
+              <a:extLst>
+                <a:ext uri="{FF2B5EF4-FFF2-40B4-BE49-F238E27FC236}">
+                  <a16:creationId xmlns:a16="http://schemas.microsoft.com/office/drawing/2014/main" id="{F7551075-E788-BE3A-CF54-AC77A5D13676}"/>
+                </a:ext>
+              </a:extLst>
+            </p:cNvPr>
+            <p:cNvSpPr/>
+            <p:nvPr/>
+          </p:nvSpPr>
+          <p:spPr>
+            <a:xfrm>
+              <a:off x="2801026" y="13978522"/>
+              <a:ext cx="3892696" cy="2242295"/>
+            </a:xfrm>
+            <a:prstGeom prst="rect">
+              <a:avLst/>
+            </a:prstGeom>
+            <a:solidFill>
+              <a:schemeClr val="accent5">
+                <a:lumMod val="50000"/>
+                <a:alpha val="30196"/>
+              </a:schemeClr>
+            </a:solidFill>
+          </p:spPr>
+          <p:style>
+            <a:lnRef idx="2">
+              <a:schemeClr val="accent1">
+                <a:shade val="15000"/>
+              </a:schemeClr>
+            </a:lnRef>
+            <a:fillRef idx="1">
+              <a:schemeClr val="accent1"/>
+            </a:fillRef>
+            <a:effectRef idx="0">
+              <a:schemeClr val="accent1"/>
+            </a:effectRef>
+            <a:fontRef idx="minor">
+              <a:schemeClr val="lt1"/>
+            </a:fontRef>
+          </p:style>
+          <p:txBody>
+            <a:bodyPr rtlCol="0" anchor="ctr"/>
+            <a:lstStyle/>
+            <a:p>
+              <a:r>
+                <a:rPr lang="en-GB" sz="2000" u="sng" dirty="0">
+                  <a:solidFill>
+                    <a:schemeClr val="tx1"/>
+                  </a:solidFill>
+                </a:rPr>
+                <a:t>Key</a:t>
+              </a:r>
+            </a:p>
+            <a:p>
+              <a:endParaRPr lang="en-GB" sz="2000" dirty="0">
+                <a:solidFill>
+                  <a:schemeClr val="tx1"/>
+                </a:solidFill>
+              </a:endParaRPr>
+            </a:p>
+            <a:p>
+              <a:endParaRPr lang="en-GB" sz="2000" dirty="0">
+                <a:solidFill>
+                  <a:schemeClr val="tx1"/>
+                </a:solidFill>
+              </a:endParaRPr>
+            </a:p>
+            <a:p>
+              <a:endParaRPr lang="en-GB" sz="2000" dirty="0">
+                <a:solidFill>
+                  <a:schemeClr val="tx1"/>
+                </a:solidFill>
+              </a:endParaRPr>
+            </a:p>
+            <a:p>
+              <a:endParaRPr lang="en-GB" sz="2000" dirty="0">
+                <a:solidFill>
+                  <a:schemeClr val="tx1"/>
+                </a:solidFill>
+              </a:endParaRPr>
+            </a:p>
+            <a:p>
+              <a:endParaRPr lang="en-GB" sz="2000" dirty="0">
+                <a:solidFill>
+                  <a:schemeClr val="tx1"/>
+                </a:solidFill>
+              </a:endParaRPr>
+            </a:p>
+            <a:p>
+              <a:endParaRPr lang="en-GB" sz="2000" dirty="0">
+                <a:solidFill>
+                  <a:schemeClr val="tx1"/>
+                </a:solidFill>
+              </a:endParaRPr>
+            </a:p>
+          </p:txBody>
+        </p:sp>
+        <p:sp>
+          <p:nvSpPr>
+            <p:cNvPr id="6" name="Rectangle 5">
+              <a:extLst>
+                <a:ext uri="{FF2B5EF4-FFF2-40B4-BE49-F238E27FC236}">
+                  <a16:creationId xmlns:a16="http://schemas.microsoft.com/office/drawing/2014/main" id="{CB0F3719-CBE3-A9A8-FFCD-2ECFD103C24E}"/>
+                </a:ext>
+              </a:extLst>
+            </p:cNvPr>
+            <p:cNvSpPr/>
+            <p:nvPr/>
+          </p:nvSpPr>
+          <p:spPr>
+            <a:xfrm>
+              <a:off x="3092340" y="14475735"/>
+              <a:ext cx="3259128" cy="1406149"/>
+            </a:xfrm>
+            <a:prstGeom prst="rect">
+              <a:avLst/>
+            </a:prstGeom>
+            <a:solidFill>
+              <a:schemeClr val="accent5">
+                <a:lumMod val="50000"/>
+                <a:alpha val="30196"/>
+              </a:schemeClr>
+            </a:solidFill>
+          </p:spPr>
+          <p:style>
+            <a:lnRef idx="2">
+              <a:schemeClr val="accent1">
+                <a:shade val="15000"/>
+              </a:schemeClr>
+            </a:lnRef>
+            <a:fillRef idx="1">
+              <a:schemeClr val="accent1"/>
+            </a:fillRef>
+            <a:effectRef idx="0">
+              <a:schemeClr val="accent1"/>
+            </a:effectRef>
+            <a:fontRef idx="minor">
+              <a:schemeClr val="lt1"/>
+            </a:fontRef>
+          </p:style>
+          <p:txBody>
+            <a:bodyPr rtlCol="0" anchor="ctr"/>
+            <a:lstStyle/>
+            <a:p>
+              <a:r>
+                <a:rPr lang="en-GB" sz="2000" b="1" i="0" baseline="30000" dirty="0">
+                  <a:solidFill>
+                    <a:srgbClr val="040C28"/>
+                  </a:solidFill>
+                  <a:effectLst/>
+                </a:rPr>
+                <a:t>†</a:t>
+              </a:r>
+              <a:r>
+                <a:rPr lang="en-GB" sz="2000" b="1" dirty="0">
+                  <a:solidFill>
+                    <a:schemeClr val="tx1"/>
+                  </a:solidFill>
+                </a:rPr>
+                <a:t>Other headsets </a:t>
+              </a:r>
+              <a:r>
+                <a:rPr lang="en-GB" sz="2000" dirty="0">
+                  <a:solidFill>
+                    <a:schemeClr val="tx1"/>
+                  </a:solidFill>
+                </a:rPr>
+                <a:t>include:</a:t>
+              </a:r>
+            </a:p>
+            <a:p>
+              <a:pPr marL="342900" indent="-342900">
+                <a:buFont typeface="Arial" panose="020B0604020202020204" pitchFamily="34" charset="0"/>
+                <a:buChar char="•"/>
+              </a:pPr>
+              <a:r>
+                <a:rPr lang="en-GB" sz="2000" dirty="0">
+                  <a:solidFill>
+                    <a:schemeClr val="tx1"/>
+                  </a:solidFill>
+                </a:rPr>
+                <a:t>HTC </a:t>
+              </a:r>
+              <a:r>
+                <a:rPr lang="en-GB" sz="2000" dirty="0" err="1">
+                  <a:solidFill>
+                    <a:schemeClr val="tx1"/>
+                  </a:solidFill>
+                </a:rPr>
+                <a:t>Vive</a:t>
+              </a:r>
+              <a:endParaRPr lang="en-GB" sz="2000" dirty="0">
+                <a:solidFill>
+                  <a:schemeClr val="tx1"/>
+                </a:solidFill>
+              </a:endParaRPr>
+            </a:p>
+            <a:p>
+              <a:pPr marL="342900" indent="-342900">
+                <a:buFont typeface="Arial" panose="020B0604020202020204" pitchFamily="34" charset="0"/>
+                <a:buChar char="•"/>
+              </a:pPr>
+              <a:r>
+                <a:rPr lang="en-GB" sz="2000" dirty="0">
+                  <a:solidFill>
+                    <a:schemeClr val="tx1"/>
+                  </a:solidFill>
+                </a:rPr>
+                <a:t>HTC </a:t>
+              </a:r>
+              <a:r>
+                <a:rPr lang="en-GB" sz="2000" dirty="0" err="1">
+                  <a:solidFill>
+                    <a:schemeClr val="tx1"/>
+                  </a:solidFill>
+                </a:rPr>
+                <a:t>Vive</a:t>
+              </a:r>
+              <a:r>
+                <a:rPr lang="en-GB" sz="2000" dirty="0">
+                  <a:solidFill>
+                    <a:schemeClr val="tx1"/>
+                  </a:solidFill>
+                </a:rPr>
+                <a:t> Pro</a:t>
+              </a:r>
+            </a:p>
+            <a:p>
+              <a:pPr marL="342900" indent="-342900">
+                <a:buFont typeface="Arial" panose="020B0604020202020204" pitchFamily="34" charset="0"/>
+                <a:buChar char="•"/>
+              </a:pPr>
+              <a:r>
+                <a:rPr lang="en-GB" sz="2000" dirty="0">
+                  <a:solidFill>
+                    <a:schemeClr val="tx1"/>
+                  </a:solidFill>
+                </a:rPr>
+                <a:t>Valve Index</a:t>
+              </a:r>
+            </a:p>
+          </p:txBody>
+        </p:sp>
+      </p:grpSp>
+    </p:spTree>
+    <p:extLst>
+      <p:ext uri="{BB962C8B-B14F-4D97-AF65-F5344CB8AC3E}">
+        <p14:creationId xmlns:p14="http://schemas.microsoft.com/office/powerpoint/2010/main" val="1752442661"/>
+      </p:ext>
+    </p:extLst>
+  </p:cSld>
+  <p:clrMapOvr>
+    <a:masterClrMapping/>
+  </p:clrMapOvr>
+</p:sld>
+</file>
+
+<file path=ppt/slides/slide2.xml><?xml version="1.0" encoding="utf-8"?>
+<p:sld xmlns:a="http://schemas.openxmlformats.org/drawingml/2006/main" xmlns:r="http://schemas.openxmlformats.org/officeDocument/2006/relationships" xmlns:p="http://schemas.openxmlformats.org/presentationml/2006/main">
+  <p:cSld>
+    <p:spTree>
+      <p:nvGrpSpPr>
+        <p:cNvPr id="1" name="">
+          <a:extLst>
+            <a:ext uri="{FF2B5EF4-FFF2-40B4-BE49-F238E27FC236}">
+              <a16:creationId xmlns:a16="http://schemas.microsoft.com/office/drawing/2014/main" id="{F5F4711A-F49F-54B0-5EF6-45217BB4E1FF}"/>
+            </a:ext>
+          </a:extLst>
+        </p:cNvPr>
+        <p:cNvGrpSpPr/>
+        <p:nvPr/>
+      </p:nvGrpSpPr>
+      <p:grpSpPr>
+        <a:xfrm>
+          <a:off x="0" y="0"/>
+          <a:ext cx="0" cy="0"/>
+          <a:chOff x="0" y="0"/>
+          <a:chExt cx="0" cy="0"/>
+        </a:xfrm>
+      </p:grpSpPr>
+      <p:sp>
+        <p:nvSpPr>
+          <p:cNvPr id="4" name="Rectangle 3">
+            <a:extLst>
+              <a:ext uri="{FF2B5EF4-FFF2-40B4-BE49-F238E27FC236}">
+                <a16:creationId xmlns:a16="http://schemas.microsoft.com/office/drawing/2014/main" id="{A2FAD702-8DD7-A37A-3ED0-A82F441A6E58}"/>
               </a:ext>
             </a:extLst>
           </p:cNvPr>
@@ -6378,16 +6278,16 @@
         </p:nvSpPr>
         <p:spPr>
           <a:xfrm>
-            <a:off x="5170878" y="12960542"/>
-            <a:ext cx="4724962" cy="1554112"/>
+            <a:off x="6189661" y="10776752"/>
+            <a:ext cx="2663685" cy="1259320"/>
           </a:xfrm>
           <a:prstGeom prst="rect">
             <a:avLst/>
           </a:prstGeom>
           <a:solidFill>
-            <a:srgbClr val="2596BE">
-              <a:alpha val="30196"/>
-            </a:srgbClr>
+            <a:schemeClr val="bg1">
+              <a:lumMod val="85000"/>
+            </a:schemeClr>
           </a:solidFill>
         </p:spPr>
         <p:style>
@@ -6417,7 +6317,7 @@
                   <a:schemeClr val="tx1"/>
                 </a:solidFill>
               </a:rPr>
-              <a:t>Your </a:t>
+              <a:t>Which </a:t>
             </a:r>
             <a:r>
               <a:rPr lang="en-GB" sz="2000" b="1" dirty="0">
@@ -6425,7 +6325,7 @@
                   <a:schemeClr val="tx1"/>
                 </a:solidFill>
               </a:rPr>
-              <a:t>computers must be connected via an ethernet cable or LAN </a:t>
+              <a:t>configuration</a:t>
             </a:r>
             <a:r>
               <a:rPr lang="en-GB" sz="2000" dirty="0">
@@ -6433,195 +6333,34 @@
                   <a:schemeClr val="tx1"/>
                 </a:solidFill>
               </a:rPr>
-              <a:t>(internet connection not required).</a:t>
-            </a:r>
-          </a:p>
-        </p:txBody>
-      </p:sp>
-      <p:cxnSp>
-        <p:nvCxnSpPr>
-          <p:cNvPr id="330" name="Straight Arrow Connector 329">
-            <a:extLst>
-              <a:ext uri="{FF2B5EF4-FFF2-40B4-BE49-F238E27FC236}">
-                <a16:creationId xmlns:a16="http://schemas.microsoft.com/office/drawing/2014/main" id="{893746EB-0D3E-1251-F62D-B34FFC6F5154}"/>
-              </a:ext>
-            </a:extLst>
-          </p:cNvPr>
-          <p:cNvCxnSpPr>
-            <a:cxnSpLocks/>
-            <a:stCxn id="324" idx="2"/>
-            <a:endCxn id="42" idx="0"/>
-          </p:cNvCxnSpPr>
-          <p:nvPr/>
-        </p:nvCxnSpPr>
-        <p:spPr>
-          <a:xfrm flipH="1">
-            <a:off x="11734219" y="12036072"/>
-            <a:ext cx="897" cy="924462"/>
-          </a:xfrm>
-          <a:prstGeom prst="straightConnector1">
-            <a:avLst/>
-          </a:prstGeom>
-          <a:ln>
-            <a:headEnd type="none" w="med" len="med"/>
-            <a:tailEnd type="arrow" w="med" len="med"/>
-          </a:ln>
-        </p:spPr>
-        <p:style>
-          <a:lnRef idx="2">
-            <a:schemeClr val="dk1"/>
-          </a:lnRef>
-          <a:fillRef idx="0">
-            <a:schemeClr val="dk1"/>
-          </a:fillRef>
-          <a:effectRef idx="1">
-            <a:schemeClr val="dk1"/>
-          </a:effectRef>
-          <a:fontRef idx="minor">
-            <a:schemeClr val="tx1"/>
-          </a:fontRef>
-        </p:style>
-      </p:cxnSp>
-      <p:sp>
-        <p:nvSpPr>
-          <p:cNvPr id="334" name="TextBox 333">
-            <a:extLst>
-              <a:ext uri="{FF2B5EF4-FFF2-40B4-BE49-F238E27FC236}">
-                <a16:creationId xmlns:a16="http://schemas.microsoft.com/office/drawing/2014/main" id="{69E8B08F-6DCC-96A9-0430-EFAF16983513}"/>
-              </a:ext>
-            </a:extLst>
-          </p:cNvPr>
-          <p:cNvSpPr txBox="1"/>
-          <p:nvPr/>
-        </p:nvSpPr>
-        <p:spPr>
-          <a:xfrm>
-            <a:off x="11712587" y="12231533"/>
-            <a:ext cx="721103" cy="400110"/>
+              <a:t> are you looking for?</a:t>
+            </a:r>
+          </a:p>
+        </p:txBody>
+      </p:sp>
+      <p:sp>
+        <p:nvSpPr>
+          <p:cNvPr id="5" name="Rectangle 4">
+            <a:extLst>
+              <a:ext uri="{FF2B5EF4-FFF2-40B4-BE49-F238E27FC236}">
+                <a16:creationId xmlns:a16="http://schemas.microsoft.com/office/drawing/2014/main" id="{7CE8EFDC-AF70-645A-8B22-E4E90BFC9B3B}"/>
+              </a:ext>
+            </a:extLst>
+          </p:cNvPr>
+          <p:cNvSpPr/>
+          <p:nvPr/>
+        </p:nvSpPr>
+        <p:spPr>
+          <a:xfrm>
+            <a:off x="1237490" y="5161801"/>
+            <a:ext cx="2436388" cy="1644960"/>
           </a:xfrm>
           <a:prstGeom prst="rect">
             <a:avLst/>
           </a:prstGeom>
-          <a:noFill/>
-        </p:spPr>
-        <p:txBody>
-          <a:bodyPr wrap="square" rtlCol="0">
-            <a:spAutoFit/>
-          </a:bodyPr>
-          <a:lstStyle/>
-          <a:p>
-            <a:pPr algn="ctr"/>
-            <a:r>
-              <a:rPr lang="en-GB" sz="2000" dirty="0"/>
-              <a:t>Yes</a:t>
-            </a:r>
-          </a:p>
-        </p:txBody>
-      </p:sp>
-      <p:sp>
-        <p:nvSpPr>
-          <p:cNvPr id="338" name="TextBox 337">
-            <a:extLst>
-              <a:ext uri="{FF2B5EF4-FFF2-40B4-BE49-F238E27FC236}">
-                <a16:creationId xmlns:a16="http://schemas.microsoft.com/office/drawing/2014/main" id="{AF7A6573-2EB0-85AC-1396-5C156AEBC5D4}"/>
-              </a:ext>
-            </a:extLst>
-          </p:cNvPr>
-          <p:cNvSpPr txBox="1"/>
-          <p:nvPr/>
-        </p:nvSpPr>
-        <p:spPr>
-          <a:xfrm>
-            <a:off x="13066061" y="10936227"/>
-            <a:ext cx="802351" cy="400110"/>
-          </a:xfrm>
-          <a:prstGeom prst="rect">
-            <a:avLst/>
-          </a:prstGeom>
-          <a:noFill/>
-        </p:spPr>
-        <p:txBody>
-          <a:bodyPr wrap="square" rtlCol="0">
-            <a:spAutoFit/>
-          </a:bodyPr>
-          <a:lstStyle/>
-          <a:p>
-            <a:pPr algn="ctr"/>
-            <a:r>
-              <a:rPr lang="en-GB" sz="2000" dirty="0"/>
-              <a:t>No</a:t>
-            </a:r>
-          </a:p>
-        </p:txBody>
-      </p:sp>
-      <p:cxnSp>
-        <p:nvCxnSpPr>
-          <p:cNvPr id="352" name="Straight Arrow Connector 351">
-            <a:extLst>
-              <a:ext uri="{FF2B5EF4-FFF2-40B4-BE49-F238E27FC236}">
-                <a16:creationId xmlns:a16="http://schemas.microsoft.com/office/drawing/2014/main" id="{FD7702DC-CEB3-F428-AC58-7631036208F5}"/>
-              </a:ext>
-            </a:extLst>
-          </p:cNvPr>
-          <p:cNvCxnSpPr>
-            <a:cxnSpLocks/>
-            <a:stCxn id="4" idx="2"/>
-            <a:endCxn id="329" idx="0"/>
-          </p:cNvCxnSpPr>
-          <p:nvPr/>
-        </p:nvCxnSpPr>
-        <p:spPr>
-          <a:xfrm>
-            <a:off x="7521504" y="12036072"/>
-            <a:ext cx="11855" cy="924470"/>
-          </a:xfrm>
-          <a:prstGeom prst="straightConnector1">
-            <a:avLst/>
-          </a:prstGeom>
-          <a:ln>
-            <a:headEnd type="none" w="med" len="med"/>
-            <a:tailEnd type="arrow" w="med" len="med"/>
-          </a:ln>
-        </p:spPr>
-        <p:style>
-          <a:lnRef idx="2">
-            <a:schemeClr val="dk1"/>
-          </a:lnRef>
-          <a:fillRef idx="0">
-            <a:schemeClr val="dk1"/>
-          </a:fillRef>
-          <a:effectRef idx="1">
-            <a:schemeClr val="dk1"/>
-          </a:effectRef>
-          <a:fontRef idx="minor">
-            <a:schemeClr val="tx1"/>
-          </a:fontRef>
-        </p:style>
-      </p:cxnSp>
-      <p:sp>
-        <p:nvSpPr>
-          <p:cNvPr id="363" name="Rectangle 362">
-            <a:extLst>
-              <a:ext uri="{FF2B5EF4-FFF2-40B4-BE49-F238E27FC236}">
-                <a16:creationId xmlns:a16="http://schemas.microsoft.com/office/drawing/2014/main" id="{33B453C8-38F8-3B27-667B-C8A99434E2AD}"/>
-              </a:ext>
-            </a:extLst>
-          </p:cNvPr>
-          <p:cNvSpPr/>
-          <p:nvPr/>
-        </p:nvSpPr>
-        <p:spPr>
-          <a:xfrm>
-            <a:off x="9406692" y="5218104"/>
-            <a:ext cx="3931546" cy="4252210"/>
-          </a:xfrm>
-          <a:prstGeom prst="rect">
-            <a:avLst/>
-          </a:prstGeom>
           <a:solidFill>
-            <a:schemeClr val="accent5">
-              <a:lumMod val="50000"/>
-              <a:alpha val="30196"/>
+            <a:schemeClr val="bg1">
+              <a:lumMod val="85000"/>
             </a:schemeClr>
           </a:solidFill>
         </p:spPr>
@@ -6645,6 +6384,1817 @@
           <a:bodyPr rtlCol="0" anchor="ctr"/>
           <a:lstStyle/>
           <a:p>
+            <a:pPr algn="ctr"/>
+            <a:r>
+              <a:rPr lang="en-GB" sz="2000" dirty="0">
+                <a:solidFill>
+                  <a:schemeClr val="tx1"/>
+                </a:solidFill>
+              </a:rPr>
+              <a:t>What type of </a:t>
+            </a:r>
+            <a:r>
+              <a:rPr lang="en-GB" sz="2000" b="1" dirty="0">
+                <a:solidFill>
+                  <a:schemeClr val="tx1"/>
+                </a:solidFill>
+              </a:rPr>
+              <a:t>network</a:t>
+            </a:r>
+            <a:r>
+              <a:rPr lang="en-GB" sz="2000" dirty="0">
+                <a:solidFill>
+                  <a:schemeClr val="tx1"/>
+                </a:solidFill>
+              </a:rPr>
+              <a:t> are you using?</a:t>
+            </a:r>
+          </a:p>
+        </p:txBody>
+      </p:sp>
+      <p:sp>
+        <p:nvSpPr>
+          <p:cNvPr id="9" name="TextBox 8">
+            <a:extLst>
+              <a:ext uri="{FF2B5EF4-FFF2-40B4-BE49-F238E27FC236}">
+                <a16:creationId xmlns:a16="http://schemas.microsoft.com/office/drawing/2014/main" id="{D8A1B8CA-51D1-3C90-7BD8-3F765925E2E8}"/>
+              </a:ext>
+            </a:extLst>
+          </p:cNvPr>
+          <p:cNvSpPr txBox="1"/>
+          <p:nvPr/>
+        </p:nvSpPr>
+        <p:spPr>
+          <a:xfrm>
+            <a:off x="2497525" y="7137935"/>
+            <a:ext cx="942374" cy="400110"/>
+          </a:xfrm>
+          <a:prstGeom prst="rect">
+            <a:avLst/>
+          </a:prstGeom>
+          <a:noFill/>
+        </p:spPr>
+        <p:txBody>
+          <a:bodyPr wrap="none" rtlCol="0">
+            <a:spAutoFit/>
+          </a:bodyPr>
+          <a:lstStyle/>
+          <a:p>
+            <a:r>
+              <a:rPr lang="en-GB" sz="2000" dirty="0"/>
+              <a:t>Private</a:t>
+            </a:r>
+            <a:endParaRPr lang="en-GB" sz="2000" b="1" dirty="0"/>
+          </a:p>
+        </p:txBody>
+      </p:sp>
+      <p:cxnSp>
+        <p:nvCxnSpPr>
+          <p:cNvPr id="12" name="Straight Arrow Connector 11">
+            <a:extLst>
+              <a:ext uri="{FF2B5EF4-FFF2-40B4-BE49-F238E27FC236}">
+                <a16:creationId xmlns:a16="http://schemas.microsoft.com/office/drawing/2014/main" id="{E9947C11-89C9-617D-1395-69BE03F64A4D}"/>
+              </a:ext>
+            </a:extLst>
+          </p:cNvPr>
+          <p:cNvCxnSpPr>
+            <a:cxnSpLocks/>
+            <a:stCxn id="5" idx="3"/>
+            <a:endCxn id="314" idx="1"/>
+          </p:cNvCxnSpPr>
+          <p:nvPr/>
+        </p:nvCxnSpPr>
+        <p:spPr>
+          <a:xfrm flipV="1">
+            <a:off x="3673878" y="5978826"/>
+            <a:ext cx="2632768" cy="5455"/>
+          </a:xfrm>
+          <a:prstGeom prst="straightConnector1">
+            <a:avLst/>
+          </a:prstGeom>
+          <a:ln>
+            <a:headEnd type="none" w="med" len="med"/>
+            <a:tailEnd type="arrow" w="med" len="med"/>
+          </a:ln>
+        </p:spPr>
+        <p:style>
+          <a:lnRef idx="2">
+            <a:schemeClr val="dk1"/>
+          </a:lnRef>
+          <a:fillRef idx="0">
+            <a:schemeClr val="dk1"/>
+          </a:fillRef>
+          <a:effectRef idx="1">
+            <a:schemeClr val="dk1"/>
+          </a:effectRef>
+          <a:fontRef idx="minor">
+            <a:schemeClr val="tx1"/>
+          </a:fontRef>
+        </p:style>
+      </p:cxnSp>
+      <p:sp>
+        <p:nvSpPr>
+          <p:cNvPr id="15" name="Rectangle 14">
+            <a:extLst>
+              <a:ext uri="{FF2B5EF4-FFF2-40B4-BE49-F238E27FC236}">
+                <a16:creationId xmlns:a16="http://schemas.microsoft.com/office/drawing/2014/main" id="{55B72C93-E32A-3D96-9BE1-7ED2791C9484}"/>
+              </a:ext>
+            </a:extLst>
+          </p:cNvPr>
+          <p:cNvSpPr/>
+          <p:nvPr/>
+        </p:nvSpPr>
+        <p:spPr>
+          <a:xfrm>
+            <a:off x="1237490" y="7943201"/>
+            <a:ext cx="2436387" cy="1644960"/>
+          </a:xfrm>
+          <a:prstGeom prst="rect">
+            <a:avLst/>
+          </a:prstGeom>
+          <a:solidFill>
+            <a:schemeClr val="bg1">
+              <a:lumMod val="85000"/>
+            </a:schemeClr>
+          </a:solidFill>
+        </p:spPr>
+        <p:style>
+          <a:lnRef idx="2">
+            <a:schemeClr val="accent1">
+              <a:shade val="15000"/>
+            </a:schemeClr>
+          </a:lnRef>
+          <a:fillRef idx="1">
+            <a:schemeClr val="accent1"/>
+          </a:fillRef>
+          <a:effectRef idx="0">
+            <a:schemeClr val="accent1"/>
+          </a:effectRef>
+          <a:fontRef idx="minor">
+            <a:schemeClr val="lt1"/>
+          </a:fontRef>
+        </p:style>
+        <p:txBody>
+          <a:bodyPr rtlCol="0" anchor="ctr"/>
+          <a:lstStyle/>
+          <a:p>
+            <a:pPr algn="ctr"/>
+            <a:r>
+              <a:rPr lang="en-GB" sz="2000" dirty="0">
+                <a:solidFill>
+                  <a:schemeClr val="tx1"/>
+                </a:solidFill>
+              </a:rPr>
+              <a:t>Which type of </a:t>
+            </a:r>
+            <a:r>
+              <a:rPr lang="en-GB" sz="2000" b="1" dirty="0">
+                <a:solidFill>
+                  <a:schemeClr val="tx1"/>
+                </a:solidFill>
+              </a:rPr>
+              <a:t>VR headset</a:t>
+            </a:r>
+            <a:r>
+              <a:rPr lang="en-GB" sz="2000" dirty="0">
+                <a:solidFill>
+                  <a:schemeClr val="tx1"/>
+                </a:solidFill>
+              </a:rPr>
+              <a:t> are you using?</a:t>
+            </a:r>
+          </a:p>
+        </p:txBody>
+      </p:sp>
+      <p:cxnSp>
+        <p:nvCxnSpPr>
+          <p:cNvPr id="16" name="Straight Arrow Connector 15">
+            <a:extLst>
+              <a:ext uri="{FF2B5EF4-FFF2-40B4-BE49-F238E27FC236}">
+                <a16:creationId xmlns:a16="http://schemas.microsoft.com/office/drawing/2014/main" id="{9CDF47D4-E647-B8D3-0FEF-B8587CA5075F}"/>
+              </a:ext>
+            </a:extLst>
+          </p:cNvPr>
+          <p:cNvCxnSpPr>
+            <a:cxnSpLocks/>
+            <a:stCxn id="5" idx="2"/>
+            <a:endCxn id="15" idx="0"/>
+          </p:cNvCxnSpPr>
+          <p:nvPr/>
+        </p:nvCxnSpPr>
+        <p:spPr>
+          <a:xfrm>
+            <a:off x="2455684" y="6806761"/>
+            <a:ext cx="0" cy="1136440"/>
+          </a:xfrm>
+          <a:prstGeom prst="straightConnector1">
+            <a:avLst/>
+          </a:prstGeom>
+          <a:ln>
+            <a:headEnd type="none" w="med" len="med"/>
+            <a:tailEnd type="arrow" w="med" len="med"/>
+          </a:ln>
+        </p:spPr>
+        <p:style>
+          <a:lnRef idx="2">
+            <a:schemeClr val="dk1"/>
+          </a:lnRef>
+          <a:fillRef idx="0">
+            <a:schemeClr val="dk1"/>
+          </a:fillRef>
+          <a:effectRef idx="1">
+            <a:schemeClr val="dk1"/>
+          </a:effectRef>
+          <a:fontRef idx="minor">
+            <a:schemeClr val="tx1"/>
+          </a:fontRef>
+        </p:style>
+      </p:cxnSp>
+      <p:sp>
+        <p:nvSpPr>
+          <p:cNvPr id="19" name="Rectangle 18">
+            <a:extLst>
+              <a:ext uri="{FF2B5EF4-FFF2-40B4-BE49-F238E27FC236}">
+                <a16:creationId xmlns:a16="http://schemas.microsoft.com/office/drawing/2014/main" id="{584C948F-3175-6CD7-B771-F31566E7BFCD}"/>
+              </a:ext>
+            </a:extLst>
+          </p:cNvPr>
+          <p:cNvSpPr/>
+          <p:nvPr/>
+        </p:nvSpPr>
+        <p:spPr>
+          <a:xfrm>
+            <a:off x="1237489" y="12960541"/>
+            <a:ext cx="2436386" cy="1644960"/>
+          </a:xfrm>
+          <a:prstGeom prst="rect">
+            <a:avLst/>
+          </a:prstGeom>
+          <a:solidFill>
+            <a:schemeClr val="accent2">
+              <a:lumMod val="40000"/>
+              <a:lumOff val="60000"/>
+            </a:schemeClr>
+          </a:solidFill>
+        </p:spPr>
+        <p:style>
+          <a:lnRef idx="2">
+            <a:schemeClr val="accent1">
+              <a:shade val="15000"/>
+            </a:schemeClr>
+          </a:lnRef>
+          <a:fillRef idx="1">
+            <a:schemeClr val="accent1"/>
+          </a:fillRef>
+          <a:effectRef idx="0">
+            <a:schemeClr val="accent1"/>
+          </a:effectRef>
+          <a:fontRef idx="minor">
+            <a:schemeClr val="lt1"/>
+          </a:fontRef>
+        </p:style>
+        <p:txBody>
+          <a:bodyPr rtlCol="0" anchor="ctr"/>
+          <a:lstStyle/>
+          <a:p>
+            <a:pPr algn="ctr"/>
+            <a:r>
+              <a:rPr lang="en-GB" sz="2000" dirty="0">
+                <a:solidFill>
+                  <a:schemeClr val="tx1"/>
+                </a:solidFill>
+              </a:rPr>
+              <a:t>You can choose </a:t>
+            </a:r>
+            <a:r>
+              <a:rPr lang="en-GB" sz="2000" b="1" dirty="0">
+                <a:solidFill>
+                  <a:schemeClr val="tx1"/>
+                </a:solidFill>
+              </a:rPr>
+              <a:t>any installation option</a:t>
+            </a:r>
+            <a:r>
+              <a:rPr lang="en-GB" sz="2000" dirty="0">
+                <a:solidFill>
+                  <a:schemeClr val="tx1"/>
+                </a:solidFill>
+              </a:rPr>
+              <a:t>.</a:t>
+            </a:r>
+          </a:p>
+        </p:txBody>
+      </p:sp>
+      <p:sp>
+        <p:nvSpPr>
+          <p:cNvPr id="24" name="TextBox 23">
+            <a:extLst>
+              <a:ext uri="{FF2B5EF4-FFF2-40B4-BE49-F238E27FC236}">
+                <a16:creationId xmlns:a16="http://schemas.microsoft.com/office/drawing/2014/main" id="{D0713938-E086-EA75-0F22-9FFB35C94E61}"/>
+              </a:ext>
+            </a:extLst>
+          </p:cNvPr>
+          <p:cNvSpPr txBox="1"/>
+          <p:nvPr/>
+        </p:nvSpPr>
+        <p:spPr>
+          <a:xfrm>
+            <a:off x="3776742" y="8398419"/>
+            <a:ext cx="920445" cy="400110"/>
+          </a:xfrm>
+          <a:prstGeom prst="rect">
+            <a:avLst/>
+          </a:prstGeom>
+          <a:noFill/>
+        </p:spPr>
+        <p:txBody>
+          <a:bodyPr wrap="none" rtlCol="0">
+            <a:spAutoFit/>
+          </a:bodyPr>
+          <a:lstStyle/>
+          <a:p>
+            <a:r>
+              <a:rPr lang="en-GB" sz="2000" dirty="0"/>
+              <a:t>Other</a:t>
+            </a:r>
+            <a:r>
+              <a:rPr lang="en-GB" sz="2000" b="1" i="0" baseline="30000" dirty="0">
+                <a:solidFill>
+                  <a:srgbClr val="040C28"/>
+                </a:solidFill>
+                <a:effectLst/>
+              </a:rPr>
+              <a:t>†</a:t>
+            </a:r>
+            <a:endParaRPr lang="en-GB" sz="2000" b="1" baseline="30000" dirty="0"/>
+          </a:p>
+        </p:txBody>
+      </p:sp>
+      <p:cxnSp>
+        <p:nvCxnSpPr>
+          <p:cNvPr id="26" name="Straight Arrow Connector 25">
+            <a:extLst>
+              <a:ext uri="{FF2B5EF4-FFF2-40B4-BE49-F238E27FC236}">
+                <a16:creationId xmlns:a16="http://schemas.microsoft.com/office/drawing/2014/main" id="{D5012E44-10FC-E095-69D2-A88C43EF1FBB}"/>
+              </a:ext>
+            </a:extLst>
+          </p:cNvPr>
+          <p:cNvCxnSpPr>
+            <a:cxnSpLocks/>
+            <a:stCxn id="15" idx="3"/>
+            <a:endCxn id="277" idx="1"/>
+          </p:cNvCxnSpPr>
+          <p:nvPr/>
+        </p:nvCxnSpPr>
+        <p:spPr>
+          <a:xfrm>
+            <a:off x="3673877" y="8765681"/>
+            <a:ext cx="1150908" cy="6507"/>
+          </a:xfrm>
+          <a:prstGeom prst="straightConnector1">
+            <a:avLst/>
+          </a:prstGeom>
+          <a:ln>
+            <a:headEnd type="none" w="med" len="med"/>
+            <a:tailEnd type="arrow" w="med" len="med"/>
+          </a:ln>
+        </p:spPr>
+        <p:style>
+          <a:lnRef idx="2">
+            <a:schemeClr val="dk1"/>
+          </a:lnRef>
+          <a:fillRef idx="0">
+            <a:schemeClr val="dk1"/>
+          </a:fillRef>
+          <a:effectRef idx="1">
+            <a:schemeClr val="dk1"/>
+          </a:effectRef>
+          <a:fontRef idx="minor">
+            <a:schemeClr val="tx1"/>
+          </a:fontRef>
+        </p:style>
+      </p:cxnSp>
+      <p:sp>
+        <p:nvSpPr>
+          <p:cNvPr id="29" name="TextBox 28">
+            <a:extLst>
+              <a:ext uri="{FF2B5EF4-FFF2-40B4-BE49-F238E27FC236}">
+                <a16:creationId xmlns:a16="http://schemas.microsoft.com/office/drawing/2014/main" id="{21C2B675-6EB8-254F-1E47-F62C60390582}"/>
+              </a:ext>
+            </a:extLst>
+          </p:cNvPr>
+          <p:cNvSpPr txBox="1"/>
+          <p:nvPr/>
+        </p:nvSpPr>
+        <p:spPr>
+          <a:xfrm>
+            <a:off x="2468294" y="9733424"/>
+            <a:ext cx="1205582" cy="707886"/>
+          </a:xfrm>
+          <a:prstGeom prst="rect">
+            <a:avLst/>
+          </a:prstGeom>
+          <a:noFill/>
+        </p:spPr>
+        <p:txBody>
+          <a:bodyPr wrap="square" rtlCol="0">
+            <a:spAutoFit/>
+          </a:bodyPr>
+          <a:lstStyle/>
+          <a:p>
+            <a:r>
+              <a:rPr lang="en-GB" sz="2000" dirty="0"/>
+              <a:t>Any Meta Quest</a:t>
+            </a:r>
+          </a:p>
+        </p:txBody>
+      </p:sp>
+      <p:sp>
+        <p:nvSpPr>
+          <p:cNvPr id="38" name="TextBox 37">
+            <a:extLst>
+              <a:ext uri="{FF2B5EF4-FFF2-40B4-BE49-F238E27FC236}">
+                <a16:creationId xmlns:a16="http://schemas.microsoft.com/office/drawing/2014/main" id="{79D96338-8637-2174-9D22-3340B13DBF76}"/>
+              </a:ext>
+            </a:extLst>
+          </p:cNvPr>
+          <p:cNvSpPr txBox="1"/>
+          <p:nvPr/>
+        </p:nvSpPr>
+        <p:spPr>
+          <a:xfrm>
+            <a:off x="3790863" y="5476449"/>
+            <a:ext cx="2398798" cy="1015663"/>
+          </a:xfrm>
+          <a:prstGeom prst="rect">
+            <a:avLst/>
+          </a:prstGeom>
+          <a:noFill/>
+        </p:spPr>
+        <p:txBody>
+          <a:bodyPr wrap="none" rtlCol="0">
+            <a:spAutoFit/>
+          </a:bodyPr>
+          <a:lstStyle/>
+          <a:p>
+            <a:pPr algn="ctr"/>
+            <a:r>
+              <a:rPr lang="en-GB" sz="2000" dirty="0"/>
+              <a:t>Public / Institutional</a:t>
+            </a:r>
+          </a:p>
+          <a:p>
+            <a:pPr algn="ctr"/>
+            <a:br>
+              <a:rPr lang="en-GB" sz="2000" dirty="0"/>
+            </a:br>
+            <a:r>
+              <a:rPr lang="en-GB" sz="2000" dirty="0"/>
+              <a:t>e.g. Eduroam</a:t>
+            </a:r>
+          </a:p>
+        </p:txBody>
+      </p:sp>
+      <p:sp>
+        <p:nvSpPr>
+          <p:cNvPr id="40" name="TextBox 39">
+            <a:extLst>
+              <a:ext uri="{FF2B5EF4-FFF2-40B4-BE49-F238E27FC236}">
+                <a16:creationId xmlns:a16="http://schemas.microsoft.com/office/drawing/2014/main" id="{01A9FA33-334D-E559-397F-2099F3B668DC}"/>
+              </a:ext>
+            </a:extLst>
+          </p:cNvPr>
+          <p:cNvSpPr txBox="1"/>
+          <p:nvPr/>
+        </p:nvSpPr>
+        <p:spPr>
+          <a:xfrm>
+            <a:off x="8697191" y="10663937"/>
+            <a:ext cx="1756246" cy="707886"/>
+          </a:xfrm>
+          <a:prstGeom prst="rect">
+            <a:avLst/>
+          </a:prstGeom>
+          <a:noFill/>
+        </p:spPr>
+        <p:txBody>
+          <a:bodyPr wrap="square" rtlCol="0">
+            <a:spAutoFit/>
+          </a:bodyPr>
+          <a:lstStyle/>
+          <a:p>
+            <a:pPr algn="ctr"/>
+            <a:r>
+              <a:rPr lang="en-GB" sz="2000" dirty="0"/>
+              <a:t>Single-</a:t>
+            </a:r>
+          </a:p>
+          <a:p>
+            <a:pPr algn="ctr"/>
+            <a:r>
+              <a:rPr lang="en-GB" sz="2000" dirty="0"/>
+              <a:t>person</a:t>
+            </a:r>
+          </a:p>
+        </p:txBody>
+      </p:sp>
+      <p:sp>
+        <p:nvSpPr>
+          <p:cNvPr id="42" name="Rectangle 41">
+            <a:extLst>
+              <a:ext uri="{FF2B5EF4-FFF2-40B4-BE49-F238E27FC236}">
+                <a16:creationId xmlns:a16="http://schemas.microsoft.com/office/drawing/2014/main" id="{2C44848B-8CCB-0FD0-82B6-5793FB8EDDFF}"/>
+              </a:ext>
+            </a:extLst>
+          </p:cNvPr>
+          <p:cNvSpPr/>
+          <p:nvPr/>
+        </p:nvSpPr>
+        <p:spPr>
+          <a:xfrm>
+            <a:off x="10402376" y="12960534"/>
+            <a:ext cx="2663685" cy="1554111"/>
+          </a:xfrm>
+          <a:prstGeom prst="rect">
+            <a:avLst/>
+          </a:prstGeom>
+          <a:solidFill>
+            <a:schemeClr val="accent2">
+              <a:lumMod val="40000"/>
+              <a:lumOff val="60000"/>
+            </a:schemeClr>
+          </a:solidFill>
+        </p:spPr>
+        <p:style>
+          <a:lnRef idx="2">
+            <a:schemeClr val="accent1">
+              <a:shade val="15000"/>
+            </a:schemeClr>
+          </a:lnRef>
+          <a:fillRef idx="1">
+            <a:schemeClr val="accent1"/>
+          </a:fillRef>
+          <a:effectRef idx="0">
+            <a:schemeClr val="accent1"/>
+          </a:effectRef>
+          <a:fontRef idx="minor">
+            <a:schemeClr val="lt1"/>
+          </a:fontRef>
+        </p:style>
+        <p:txBody>
+          <a:bodyPr rtlCol="0" anchor="ctr"/>
+          <a:lstStyle/>
+          <a:p>
+            <a:pPr algn="ctr"/>
+            <a:r>
+              <a:rPr lang="en-GB" sz="2000" dirty="0">
+                <a:solidFill>
+                  <a:schemeClr val="tx1"/>
+                </a:solidFill>
+              </a:rPr>
+              <a:t>Follow </a:t>
+            </a:r>
+            <a:r>
+              <a:rPr lang="en-GB" sz="2000" b="1" dirty="0">
+                <a:solidFill>
+                  <a:schemeClr val="tx1"/>
+                </a:solidFill>
+              </a:rPr>
+              <a:t>PC-VR</a:t>
+            </a:r>
+          </a:p>
+          <a:p>
+            <a:pPr algn="ctr"/>
+            <a:r>
+              <a:rPr lang="en-GB" sz="2000" u="sng" dirty="0">
+                <a:solidFill>
+                  <a:schemeClr val="tx1"/>
+                </a:solidFill>
+              </a:rPr>
+              <a:t>or</a:t>
+            </a:r>
+            <a:r>
+              <a:rPr lang="en-GB" sz="2000" dirty="0">
+                <a:solidFill>
+                  <a:schemeClr val="tx1"/>
+                </a:solidFill>
+              </a:rPr>
+              <a:t> </a:t>
+            </a:r>
+          </a:p>
+          <a:p>
+            <a:pPr algn="ctr"/>
+            <a:r>
+              <a:rPr lang="en-GB" sz="2000" b="1" dirty="0">
+                <a:solidFill>
+                  <a:schemeClr val="tx1"/>
+                </a:solidFill>
+              </a:rPr>
+              <a:t>tethered Meta Quest</a:t>
+            </a:r>
+            <a:r>
+              <a:rPr lang="en-GB" sz="2000" b="1" baseline="30000" dirty="0">
+                <a:solidFill>
+                  <a:schemeClr val="tx1"/>
+                </a:solidFill>
+              </a:rPr>
+              <a:t>‡</a:t>
+            </a:r>
+            <a:r>
+              <a:rPr lang="en-GB" sz="2000" b="1" dirty="0">
+                <a:solidFill>
+                  <a:schemeClr val="tx1"/>
+                </a:solidFill>
+              </a:rPr>
+              <a:t> </a:t>
+            </a:r>
+            <a:r>
+              <a:rPr lang="en-GB" sz="2000" dirty="0">
+                <a:solidFill>
+                  <a:schemeClr val="tx1"/>
+                </a:solidFill>
+              </a:rPr>
+              <a:t>instructions.</a:t>
+            </a:r>
+          </a:p>
+        </p:txBody>
+      </p:sp>
+      <p:sp>
+        <p:nvSpPr>
+          <p:cNvPr id="44" name="TextBox 43">
+            <a:extLst>
+              <a:ext uri="{FF2B5EF4-FFF2-40B4-BE49-F238E27FC236}">
+                <a16:creationId xmlns:a16="http://schemas.microsoft.com/office/drawing/2014/main" id="{4715A73C-FCFD-7450-B019-55EA79F7C8A9}"/>
+              </a:ext>
+            </a:extLst>
+          </p:cNvPr>
+          <p:cNvSpPr txBox="1"/>
+          <p:nvPr/>
+        </p:nvSpPr>
+        <p:spPr>
+          <a:xfrm>
+            <a:off x="7548553" y="12105242"/>
+            <a:ext cx="1155922" cy="707886"/>
+          </a:xfrm>
+          <a:prstGeom prst="rect">
+            <a:avLst/>
+          </a:prstGeom>
+          <a:noFill/>
+        </p:spPr>
+        <p:txBody>
+          <a:bodyPr wrap="square" rtlCol="0">
+            <a:spAutoFit/>
+          </a:bodyPr>
+          <a:lstStyle/>
+          <a:p>
+            <a:r>
+              <a:rPr lang="en-GB" sz="2000" dirty="0"/>
+              <a:t>Multi-person</a:t>
+            </a:r>
+          </a:p>
+        </p:txBody>
+      </p:sp>
+      <p:sp>
+        <p:nvSpPr>
+          <p:cNvPr id="52" name="Rectangle 51">
+            <a:extLst>
+              <a:ext uri="{FF2B5EF4-FFF2-40B4-BE49-F238E27FC236}">
+                <a16:creationId xmlns:a16="http://schemas.microsoft.com/office/drawing/2014/main" id="{A9F42814-BA83-FC20-C818-545BF4150D3A}"/>
+              </a:ext>
+            </a:extLst>
+          </p:cNvPr>
+          <p:cNvSpPr/>
+          <p:nvPr/>
+        </p:nvSpPr>
+        <p:spPr>
+          <a:xfrm>
+            <a:off x="1237490" y="2252064"/>
+            <a:ext cx="2436388" cy="1644960"/>
+          </a:xfrm>
+          <a:prstGeom prst="rect">
+            <a:avLst/>
+          </a:prstGeom>
+          <a:solidFill>
+            <a:schemeClr val="bg1">
+              <a:lumMod val="85000"/>
+            </a:schemeClr>
+          </a:solidFill>
+        </p:spPr>
+        <p:style>
+          <a:lnRef idx="2">
+            <a:schemeClr val="accent1">
+              <a:shade val="15000"/>
+            </a:schemeClr>
+          </a:lnRef>
+          <a:fillRef idx="1">
+            <a:schemeClr val="accent1"/>
+          </a:fillRef>
+          <a:effectRef idx="0">
+            <a:schemeClr val="accent1"/>
+          </a:effectRef>
+          <a:fontRef idx="minor">
+            <a:schemeClr val="lt1"/>
+          </a:fontRef>
+        </p:style>
+        <p:txBody>
+          <a:bodyPr rtlCol="0" anchor="ctr"/>
+          <a:lstStyle/>
+          <a:p>
+            <a:pPr algn="ctr"/>
+            <a:r>
+              <a:rPr lang="en-GB" sz="2000" dirty="0">
+                <a:solidFill>
+                  <a:schemeClr val="tx1"/>
+                </a:solidFill>
+              </a:rPr>
+              <a:t>Which </a:t>
+            </a:r>
+            <a:r>
+              <a:rPr lang="en-GB" sz="2000" b="1" dirty="0">
+                <a:solidFill>
+                  <a:schemeClr val="tx1"/>
+                </a:solidFill>
+              </a:rPr>
+              <a:t>operating system</a:t>
+            </a:r>
+            <a:r>
+              <a:rPr lang="en-GB" sz="2000" dirty="0">
+                <a:solidFill>
+                  <a:schemeClr val="tx1"/>
+                </a:solidFill>
+              </a:rPr>
+              <a:t> are you using?</a:t>
+            </a:r>
+          </a:p>
+        </p:txBody>
+      </p:sp>
+      <p:cxnSp>
+        <p:nvCxnSpPr>
+          <p:cNvPr id="53" name="Straight Arrow Connector 52">
+            <a:extLst>
+              <a:ext uri="{FF2B5EF4-FFF2-40B4-BE49-F238E27FC236}">
+                <a16:creationId xmlns:a16="http://schemas.microsoft.com/office/drawing/2014/main" id="{FF98F939-3778-C647-30CA-D55FDAD22C50}"/>
+              </a:ext>
+            </a:extLst>
+          </p:cNvPr>
+          <p:cNvCxnSpPr>
+            <a:cxnSpLocks/>
+            <a:stCxn id="52" idx="2"/>
+            <a:endCxn id="5" idx="0"/>
+          </p:cNvCxnSpPr>
+          <p:nvPr/>
+        </p:nvCxnSpPr>
+        <p:spPr>
+          <a:xfrm>
+            <a:off x="2455684" y="3897024"/>
+            <a:ext cx="0" cy="1264777"/>
+          </a:xfrm>
+          <a:prstGeom prst="straightConnector1">
+            <a:avLst/>
+          </a:prstGeom>
+          <a:ln>
+            <a:headEnd type="none" w="med" len="med"/>
+            <a:tailEnd type="arrow" w="med" len="med"/>
+          </a:ln>
+        </p:spPr>
+        <p:style>
+          <a:lnRef idx="2">
+            <a:schemeClr val="dk1"/>
+          </a:lnRef>
+          <a:fillRef idx="0">
+            <a:schemeClr val="dk1"/>
+          </a:fillRef>
+          <a:effectRef idx="1">
+            <a:schemeClr val="dk1"/>
+          </a:effectRef>
+          <a:fontRef idx="minor">
+            <a:schemeClr val="tx1"/>
+          </a:fontRef>
+        </p:style>
+      </p:cxnSp>
+      <p:sp>
+        <p:nvSpPr>
+          <p:cNvPr id="56" name="TextBox 55">
+            <a:extLst>
+              <a:ext uri="{FF2B5EF4-FFF2-40B4-BE49-F238E27FC236}">
+                <a16:creationId xmlns:a16="http://schemas.microsoft.com/office/drawing/2014/main" id="{2DC2420B-077E-DD07-3FAC-507EBC2E6892}"/>
+              </a:ext>
+            </a:extLst>
+          </p:cNvPr>
+          <p:cNvSpPr txBox="1"/>
+          <p:nvPr/>
+        </p:nvSpPr>
+        <p:spPr>
+          <a:xfrm>
+            <a:off x="2497525" y="4287236"/>
+            <a:ext cx="1206612" cy="400110"/>
+          </a:xfrm>
+          <a:prstGeom prst="rect">
+            <a:avLst/>
+          </a:prstGeom>
+          <a:noFill/>
+        </p:spPr>
+        <p:txBody>
+          <a:bodyPr wrap="none" rtlCol="0">
+            <a:spAutoFit/>
+          </a:bodyPr>
+          <a:lstStyle/>
+          <a:p>
+            <a:r>
+              <a:rPr lang="en-GB" sz="2000" dirty="0"/>
+              <a:t>Windows</a:t>
+            </a:r>
+          </a:p>
+        </p:txBody>
+      </p:sp>
+      <p:cxnSp>
+        <p:nvCxnSpPr>
+          <p:cNvPr id="57" name="Straight Arrow Connector 56">
+            <a:extLst>
+              <a:ext uri="{FF2B5EF4-FFF2-40B4-BE49-F238E27FC236}">
+                <a16:creationId xmlns:a16="http://schemas.microsoft.com/office/drawing/2014/main" id="{6D412D88-B13A-82C7-8E5F-224111B6AA86}"/>
+              </a:ext>
+            </a:extLst>
+          </p:cNvPr>
+          <p:cNvCxnSpPr>
+            <a:cxnSpLocks/>
+            <a:stCxn id="52" idx="3"/>
+            <a:endCxn id="61" idx="1"/>
+          </p:cNvCxnSpPr>
+          <p:nvPr/>
+        </p:nvCxnSpPr>
+        <p:spPr>
+          <a:xfrm>
+            <a:off x="3673878" y="3074544"/>
+            <a:ext cx="1792328" cy="1"/>
+          </a:xfrm>
+          <a:prstGeom prst="straightConnector1">
+            <a:avLst/>
+          </a:prstGeom>
+          <a:ln>
+            <a:headEnd type="none" w="med" len="med"/>
+            <a:tailEnd type="arrow" w="med" len="med"/>
+          </a:ln>
+        </p:spPr>
+        <p:style>
+          <a:lnRef idx="2">
+            <a:schemeClr val="dk1"/>
+          </a:lnRef>
+          <a:fillRef idx="0">
+            <a:schemeClr val="dk1"/>
+          </a:fillRef>
+          <a:effectRef idx="1">
+            <a:schemeClr val="dk1"/>
+          </a:effectRef>
+          <a:fontRef idx="minor">
+            <a:schemeClr val="tx1"/>
+          </a:fontRef>
+        </p:style>
+      </p:cxnSp>
+      <p:sp>
+        <p:nvSpPr>
+          <p:cNvPr id="61" name="Rectangle 60">
+            <a:extLst>
+              <a:ext uri="{FF2B5EF4-FFF2-40B4-BE49-F238E27FC236}">
+                <a16:creationId xmlns:a16="http://schemas.microsoft.com/office/drawing/2014/main" id="{00F965A2-4698-D65C-2B1F-3601FDCBF34D}"/>
+              </a:ext>
+            </a:extLst>
+          </p:cNvPr>
+          <p:cNvSpPr/>
+          <p:nvPr/>
+        </p:nvSpPr>
+        <p:spPr>
+          <a:xfrm>
+            <a:off x="5466206" y="2252065"/>
+            <a:ext cx="7599855" cy="1644960"/>
+          </a:xfrm>
+          <a:prstGeom prst="rect">
+            <a:avLst/>
+          </a:prstGeom>
+          <a:solidFill>
+            <a:schemeClr val="accent2">
+              <a:lumMod val="40000"/>
+              <a:lumOff val="60000"/>
+            </a:schemeClr>
+          </a:solidFill>
+        </p:spPr>
+        <p:style>
+          <a:lnRef idx="2">
+            <a:schemeClr val="accent1">
+              <a:shade val="15000"/>
+            </a:schemeClr>
+          </a:lnRef>
+          <a:fillRef idx="1">
+            <a:schemeClr val="accent1"/>
+          </a:fillRef>
+          <a:effectRef idx="0">
+            <a:schemeClr val="accent1"/>
+          </a:effectRef>
+          <a:fontRef idx="minor">
+            <a:schemeClr val="lt1"/>
+          </a:fontRef>
+        </p:style>
+        <p:txBody>
+          <a:bodyPr rtlCol="0" anchor="ctr"/>
+          <a:lstStyle/>
+          <a:p>
+            <a:pPr algn="ctr"/>
+            <a:r>
+              <a:rPr lang="en-GB" sz="2000" dirty="0">
+                <a:solidFill>
+                  <a:schemeClr val="tx1"/>
+                </a:solidFill>
+              </a:rPr>
+              <a:t>You will need to run the app </a:t>
+            </a:r>
+            <a:r>
+              <a:rPr lang="en-GB" sz="2000" b="1" dirty="0">
+                <a:solidFill>
+                  <a:schemeClr val="tx1"/>
+                </a:solidFill>
+              </a:rPr>
+              <a:t>locally on a Meta Quest</a:t>
+            </a:r>
+            <a:r>
+              <a:rPr lang="en-GB" sz="2000" dirty="0">
+                <a:solidFill>
+                  <a:schemeClr val="tx1"/>
+                </a:solidFill>
+              </a:rPr>
+              <a:t> headset (you cannot run PC-VR).</a:t>
+            </a:r>
+          </a:p>
+          <a:p>
+            <a:pPr algn="ctr"/>
+            <a:br>
+              <a:rPr lang="en-GB" sz="2000" dirty="0">
+                <a:solidFill>
+                  <a:schemeClr val="tx1"/>
+                </a:solidFill>
+              </a:rPr>
+            </a:br>
+            <a:r>
+              <a:rPr lang="en-GB" sz="2000" dirty="0">
+                <a:solidFill>
+                  <a:schemeClr val="tx1"/>
+                </a:solidFill>
+              </a:rPr>
+              <a:t> You must meet the </a:t>
+            </a:r>
+            <a:r>
+              <a:rPr lang="en-GB" sz="2000" b="1" dirty="0">
+                <a:solidFill>
+                  <a:schemeClr val="tx1"/>
+                </a:solidFill>
+              </a:rPr>
+              <a:t>requirements for a Wi-Fi setup*</a:t>
+            </a:r>
+            <a:r>
+              <a:rPr lang="en-GB" sz="2000" dirty="0">
+                <a:solidFill>
+                  <a:schemeClr val="tx1"/>
+                </a:solidFill>
+              </a:rPr>
+              <a:t>.</a:t>
+            </a:r>
+          </a:p>
+        </p:txBody>
+      </p:sp>
+      <p:sp>
+        <p:nvSpPr>
+          <p:cNvPr id="64" name="TextBox 63">
+            <a:extLst>
+              <a:ext uri="{FF2B5EF4-FFF2-40B4-BE49-F238E27FC236}">
+                <a16:creationId xmlns:a16="http://schemas.microsoft.com/office/drawing/2014/main" id="{E7DA87D9-7353-A367-0573-09BE9672AE94}"/>
+              </a:ext>
+            </a:extLst>
+          </p:cNvPr>
+          <p:cNvSpPr txBox="1"/>
+          <p:nvPr/>
+        </p:nvSpPr>
+        <p:spPr>
+          <a:xfrm>
+            <a:off x="4048104" y="2357147"/>
+            <a:ext cx="1043876" cy="707886"/>
+          </a:xfrm>
+          <a:prstGeom prst="rect">
+            <a:avLst/>
+          </a:prstGeom>
+          <a:noFill/>
+        </p:spPr>
+        <p:txBody>
+          <a:bodyPr wrap="none" rtlCol="0">
+            <a:spAutoFit/>
+          </a:bodyPr>
+          <a:lstStyle/>
+          <a:p>
+            <a:pPr algn="ctr"/>
+            <a:r>
+              <a:rPr lang="en-GB" sz="2000" dirty="0"/>
+              <a:t>MacOS </a:t>
+            </a:r>
+            <a:br>
+              <a:rPr lang="en-GB" sz="2000" dirty="0"/>
+            </a:br>
+            <a:r>
+              <a:rPr lang="en-GB" sz="2000" dirty="0"/>
+              <a:t>/ Linux</a:t>
+            </a:r>
+            <a:endParaRPr lang="en-GB" sz="2000" b="1" dirty="0"/>
+          </a:p>
+        </p:txBody>
+      </p:sp>
+      <p:cxnSp>
+        <p:nvCxnSpPr>
+          <p:cNvPr id="214" name="Connector: Elbow 213">
+            <a:extLst>
+              <a:ext uri="{FF2B5EF4-FFF2-40B4-BE49-F238E27FC236}">
+                <a16:creationId xmlns:a16="http://schemas.microsoft.com/office/drawing/2014/main" id="{8915FEFC-CA70-F387-533F-0C8D5A8498EA}"/>
+              </a:ext>
+            </a:extLst>
+          </p:cNvPr>
+          <p:cNvCxnSpPr>
+            <a:cxnSpLocks/>
+            <a:stCxn id="4" idx="3"/>
+            <a:endCxn id="324" idx="1"/>
+          </p:cNvCxnSpPr>
+          <p:nvPr/>
+        </p:nvCxnSpPr>
+        <p:spPr>
+          <a:xfrm>
+            <a:off x="8853346" y="11406412"/>
+            <a:ext cx="1549927" cy="0"/>
+          </a:xfrm>
+          <a:prstGeom prst="straightConnector1">
+            <a:avLst/>
+          </a:prstGeom>
+          <a:ln>
+            <a:headEnd type="none" w="med" len="med"/>
+            <a:tailEnd type="arrow" w="med" len="med"/>
+          </a:ln>
+        </p:spPr>
+        <p:style>
+          <a:lnRef idx="2">
+            <a:schemeClr val="dk1"/>
+          </a:lnRef>
+          <a:fillRef idx="0">
+            <a:schemeClr val="dk1"/>
+          </a:fillRef>
+          <a:effectRef idx="1">
+            <a:schemeClr val="dk1"/>
+          </a:effectRef>
+          <a:fontRef idx="minor">
+            <a:schemeClr val="tx1"/>
+          </a:fontRef>
+        </p:style>
+      </p:cxnSp>
+      <p:cxnSp>
+        <p:nvCxnSpPr>
+          <p:cNvPr id="242" name="Connector: Elbow 241">
+            <a:extLst>
+              <a:ext uri="{FF2B5EF4-FFF2-40B4-BE49-F238E27FC236}">
+                <a16:creationId xmlns:a16="http://schemas.microsoft.com/office/drawing/2014/main" id="{0F449B89-EC22-6C06-2851-24D2ED0F59EA}"/>
+              </a:ext>
+            </a:extLst>
+          </p:cNvPr>
+          <p:cNvCxnSpPr>
+            <a:cxnSpLocks/>
+            <a:stCxn id="15" idx="2"/>
+            <a:endCxn id="305" idx="0"/>
+          </p:cNvCxnSpPr>
+          <p:nvPr/>
+        </p:nvCxnSpPr>
+        <p:spPr>
+          <a:xfrm flipH="1">
+            <a:off x="2455682" y="9588161"/>
+            <a:ext cx="2" cy="998412"/>
+          </a:xfrm>
+          <a:prstGeom prst="straightConnector1">
+            <a:avLst/>
+          </a:prstGeom>
+          <a:ln>
+            <a:headEnd type="none" w="med" len="med"/>
+            <a:tailEnd type="arrow" w="med" len="med"/>
+          </a:ln>
+        </p:spPr>
+        <p:style>
+          <a:lnRef idx="2">
+            <a:schemeClr val="dk1"/>
+          </a:lnRef>
+          <a:fillRef idx="0">
+            <a:schemeClr val="dk1"/>
+          </a:fillRef>
+          <a:effectRef idx="1">
+            <a:schemeClr val="dk1"/>
+          </a:effectRef>
+          <a:fontRef idx="minor">
+            <a:schemeClr val="tx1"/>
+          </a:fontRef>
+        </p:style>
+      </p:cxnSp>
+      <p:sp>
+        <p:nvSpPr>
+          <p:cNvPr id="271" name="Rectangle 270">
+            <a:extLst>
+              <a:ext uri="{FF2B5EF4-FFF2-40B4-BE49-F238E27FC236}">
+                <a16:creationId xmlns:a16="http://schemas.microsoft.com/office/drawing/2014/main" id="{EFDFD7D8-A683-BDA2-6299-5DB0307AC51F}"/>
+              </a:ext>
+            </a:extLst>
+          </p:cNvPr>
+          <p:cNvSpPr/>
+          <p:nvPr/>
+        </p:nvSpPr>
+        <p:spPr>
+          <a:xfrm>
+            <a:off x="20718251" y="4529412"/>
+            <a:ext cx="4398984" cy="1567354"/>
+          </a:xfrm>
+          <a:prstGeom prst="rect">
+            <a:avLst/>
+          </a:prstGeom>
+          <a:solidFill>
+            <a:srgbClr val="2596BE">
+              <a:alpha val="30196"/>
+            </a:srgbClr>
+          </a:solidFill>
+        </p:spPr>
+        <p:style>
+          <a:lnRef idx="2">
+            <a:schemeClr val="accent1">
+              <a:shade val="15000"/>
+            </a:schemeClr>
+          </a:lnRef>
+          <a:fillRef idx="1">
+            <a:schemeClr val="accent1"/>
+          </a:fillRef>
+          <a:effectRef idx="0">
+            <a:schemeClr val="accent1"/>
+          </a:effectRef>
+          <a:fontRef idx="minor">
+            <a:schemeClr val="lt1"/>
+          </a:fontRef>
+        </p:style>
+        <p:txBody>
+          <a:bodyPr rtlCol="0" anchor="ctr"/>
+          <a:lstStyle/>
+          <a:p>
+            <a:pPr algn="ctr"/>
+            <a:r>
+              <a:rPr lang="en-GB" sz="2000" b="1" dirty="0">
+                <a:solidFill>
+                  <a:schemeClr val="tx1"/>
+                </a:solidFill>
+              </a:rPr>
+              <a:t>*</a:t>
+            </a:r>
+            <a:r>
+              <a:rPr lang="en-GB" sz="2000" dirty="0">
+                <a:solidFill>
+                  <a:schemeClr val="tx1"/>
+                </a:solidFill>
+              </a:rPr>
+              <a:t> IMPORTANT: This setup requires a strong and stable internet connection that allows communication over the network.</a:t>
+            </a:r>
+          </a:p>
+        </p:txBody>
+      </p:sp>
+      <p:sp>
+        <p:nvSpPr>
+          <p:cNvPr id="277" name="Rectangle 276">
+            <a:extLst>
+              <a:ext uri="{FF2B5EF4-FFF2-40B4-BE49-F238E27FC236}">
+                <a16:creationId xmlns:a16="http://schemas.microsoft.com/office/drawing/2014/main" id="{054B4518-B4E6-0287-E41E-BCFD01E3E6D9}"/>
+              </a:ext>
+            </a:extLst>
+          </p:cNvPr>
+          <p:cNvSpPr/>
+          <p:nvPr/>
+        </p:nvSpPr>
+        <p:spPr>
+          <a:xfrm>
+            <a:off x="4824785" y="8142528"/>
+            <a:ext cx="2279745" cy="1259320"/>
+          </a:xfrm>
+          <a:prstGeom prst="rect">
+            <a:avLst/>
+          </a:prstGeom>
+          <a:solidFill>
+            <a:srgbClr val="2596BE">
+              <a:alpha val="30196"/>
+            </a:srgbClr>
+          </a:solidFill>
+        </p:spPr>
+        <p:style>
+          <a:lnRef idx="2">
+            <a:schemeClr val="accent1">
+              <a:shade val="15000"/>
+            </a:schemeClr>
+          </a:lnRef>
+          <a:fillRef idx="1">
+            <a:schemeClr val="accent1"/>
+          </a:fillRef>
+          <a:effectRef idx="0">
+            <a:schemeClr val="accent1"/>
+          </a:effectRef>
+          <a:fontRef idx="minor">
+            <a:schemeClr val="lt1"/>
+          </a:fontRef>
+        </p:style>
+        <p:txBody>
+          <a:bodyPr rtlCol="0" anchor="ctr"/>
+          <a:lstStyle/>
+          <a:p>
+            <a:pPr algn="ctr"/>
+            <a:r>
+              <a:rPr lang="en-GB" sz="2000" dirty="0">
+                <a:solidFill>
+                  <a:schemeClr val="tx1"/>
+                </a:solidFill>
+              </a:rPr>
+              <a:t>You will need to use a </a:t>
+            </a:r>
+            <a:r>
+              <a:rPr lang="en-GB" sz="2000" b="1" dirty="0">
+                <a:solidFill>
+                  <a:schemeClr val="tx1"/>
+                </a:solidFill>
+              </a:rPr>
+              <a:t>PC-VR </a:t>
+            </a:r>
+            <a:r>
+              <a:rPr lang="en-GB" sz="2000" dirty="0">
+                <a:solidFill>
+                  <a:schemeClr val="tx1"/>
+                </a:solidFill>
+              </a:rPr>
+              <a:t>setup</a:t>
+            </a:r>
+            <a:r>
+              <a:rPr lang="en-GB" sz="2000" b="1" dirty="0">
+                <a:solidFill>
+                  <a:schemeClr val="tx1"/>
+                </a:solidFill>
+              </a:rPr>
+              <a:t> via SteamVR</a:t>
+            </a:r>
+            <a:r>
+              <a:rPr lang="en-GB" sz="2000" dirty="0">
+                <a:solidFill>
+                  <a:schemeClr val="tx1"/>
+                </a:solidFill>
+              </a:rPr>
+              <a:t>.</a:t>
+            </a:r>
+          </a:p>
+        </p:txBody>
+      </p:sp>
+      <p:sp>
+        <p:nvSpPr>
+          <p:cNvPr id="305" name="Rectangle 304">
+            <a:extLst>
+              <a:ext uri="{FF2B5EF4-FFF2-40B4-BE49-F238E27FC236}">
+                <a16:creationId xmlns:a16="http://schemas.microsoft.com/office/drawing/2014/main" id="{37186F6D-EA23-AC06-B48C-CF71E21CC18F}"/>
+              </a:ext>
+            </a:extLst>
+          </p:cNvPr>
+          <p:cNvSpPr/>
+          <p:nvPr/>
+        </p:nvSpPr>
+        <p:spPr>
+          <a:xfrm>
+            <a:off x="1237489" y="10586573"/>
+            <a:ext cx="2436386" cy="1644960"/>
+          </a:xfrm>
+          <a:prstGeom prst="rect">
+            <a:avLst/>
+          </a:prstGeom>
+          <a:solidFill>
+            <a:schemeClr val="bg1">
+              <a:lumMod val="85000"/>
+            </a:schemeClr>
+          </a:solidFill>
+        </p:spPr>
+        <p:style>
+          <a:lnRef idx="2">
+            <a:schemeClr val="accent1">
+              <a:shade val="15000"/>
+            </a:schemeClr>
+          </a:lnRef>
+          <a:fillRef idx="1">
+            <a:schemeClr val="accent1"/>
+          </a:fillRef>
+          <a:effectRef idx="0">
+            <a:schemeClr val="accent1"/>
+          </a:effectRef>
+          <a:fontRef idx="minor">
+            <a:schemeClr val="lt1"/>
+          </a:fontRef>
+        </p:style>
+        <p:txBody>
+          <a:bodyPr rtlCol="0" anchor="ctr"/>
+          <a:lstStyle/>
+          <a:p>
+            <a:pPr algn="ctr"/>
+            <a:r>
+              <a:rPr lang="en-GB" sz="2000" dirty="0">
+                <a:solidFill>
+                  <a:schemeClr val="tx1"/>
+                </a:solidFill>
+              </a:rPr>
+              <a:t>Do you have a </a:t>
+            </a:r>
+            <a:r>
+              <a:rPr lang="en-GB" sz="2000" b="1" dirty="0">
+                <a:solidFill>
+                  <a:schemeClr val="tx1"/>
+                </a:solidFill>
+              </a:rPr>
+              <a:t>strong and stable internet connection</a:t>
+            </a:r>
+            <a:r>
+              <a:rPr lang="en-GB" sz="2000" dirty="0">
+                <a:solidFill>
+                  <a:schemeClr val="tx1"/>
+                </a:solidFill>
+              </a:rPr>
+              <a:t>?</a:t>
+            </a:r>
+          </a:p>
+        </p:txBody>
+      </p:sp>
+      <p:sp>
+        <p:nvSpPr>
+          <p:cNvPr id="314" name="Rectangle 313">
+            <a:extLst>
+              <a:ext uri="{FF2B5EF4-FFF2-40B4-BE49-F238E27FC236}">
+                <a16:creationId xmlns:a16="http://schemas.microsoft.com/office/drawing/2014/main" id="{4ABE8EE9-4D34-8761-817F-837E91450588}"/>
+              </a:ext>
+            </a:extLst>
+          </p:cNvPr>
+          <p:cNvSpPr/>
+          <p:nvPr/>
+        </p:nvSpPr>
+        <p:spPr>
+          <a:xfrm>
+            <a:off x="6306646" y="5156346"/>
+            <a:ext cx="2436388" cy="1644960"/>
+          </a:xfrm>
+          <a:prstGeom prst="rect">
+            <a:avLst/>
+          </a:prstGeom>
+          <a:solidFill>
+            <a:srgbClr val="2596BE">
+              <a:alpha val="30196"/>
+            </a:srgbClr>
+          </a:solidFill>
+        </p:spPr>
+        <p:style>
+          <a:lnRef idx="2">
+            <a:schemeClr val="accent1">
+              <a:shade val="15000"/>
+            </a:schemeClr>
+          </a:lnRef>
+          <a:fillRef idx="1">
+            <a:schemeClr val="accent1"/>
+          </a:fillRef>
+          <a:effectRef idx="0">
+            <a:schemeClr val="accent1"/>
+          </a:effectRef>
+          <a:fontRef idx="minor">
+            <a:schemeClr val="lt1"/>
+          </a:fontRef>
+        </p:style>
+        <p:txBody>
+          <a:bodyPr rtlCol="0" anchor="ctr"/>
+          <a:lstStyle/>
+          <a:p>
+            <a:pPr algn="ctr"/>
+            <a:r>
+              <a:rPr lang="en-GB" sz="2000" dirty="0">
+                <a:solidFill>
+                  <a:schemeClr val="tx1"/>
+                </a:solidFill>
+              </a:rPr>
+              <a:t>You will need to use a cable to connect your VR headset to your computer, see </a:t>
+            </a:r>
+            <a:r>
+              <a:rPr lang="en-GB" sz="2000" b="1" dirty="0">
+                <a:solidFill>
+                  <a:schemeClr val="tx1"/>
+                </a:solidFill>
+              </a:rPr>
+              <a:t>tethered</a:t>
+            </a:r>
+            <a:r>
+              <a:rPr lang="en-GB" sz="2000" dirty="0">
+                <a:solidFill>
+                  <a:schemeClr val="tx1"/>
+                </a:solidFill>
+              </a:rPr>
+              <a:t> setup.</a:t>
+            </a:r>
+          </a:p>
+        </p:txBody>
+      </p:sp>
+      <p:cxnSp>
+        <p:nvCxnSpPr>
+          <p:cNvPr id="320" name="Straight Arrow Connector 319">
+            <a:extLst>
+              <a:ext uri="{FF2B5EF4-FFF2-40B4-BE49-F238E27FC236}">
+                <a16:creationId xmlns:a16="http://schemas.microsoft.com/office/drawing/2014/main" id="{4082EBAF-97DE-51D0-B32D-BFB60A659864}"/>
+              </a:ext>
+            </a:extLst>
+          </p:cNvPr>
+          <p:cNvCxnSpPr>
+            <a:cxnSpLocks/>
+            <a:stCxn id="314" idx="2"/>
+            <a:endCxn id="4" idx="0"/>
+          </p:cNvCxnSpPr>
+          <p:nvPr/>
+        </p:nvCxnSpPr>
+        <p:spPr>
+          <a:xfrm flipH="1">
+            <a:off x="7521504" y="6801306"/>
+            <a:ext cx="3336" cy="3975446"/>
+          </a:xfrm>
+          <a:prstGeom prst="straightConnector1">
+            <a:avLst/>
+          </a:prstGeom>
+          <a:ln>
+            <a:headEnd type="none" w="med" len="med"/>
+            <a:tailEnd type="arrow" w="med" len="med"/>
+          </a:ln>
+        </p:spPr>
+        <p:style>
+          <a:lnRef idx="2">
+            <a:schemeClr val="dk1"/>
+          </a:lnRef>
+          <a:fillRef idx="0">
+            <a:schemeClr val="dk1"/>
+          </a:fillRef>
+          <a:effectRef idx="1">
+            <a:schemeClr val="dk1"/>
+          </a:effectRef>
+          <a:fontRef idx="minor">
+            <a:schemeClr val="tx1"/>
+          </a:fontRef>
+        </p:style>
+      </p:cxnSp>
+      <p:sp>
+        <p:nvSpPr>
+          <p:cNvPr id="324" name="Rectangle 323">
+            <a:extLst>
+              <a:ext uri="{FF2B5EF4-FFF2-40B4-BE49-F238E27FC236}">
+                <a16:creationId xmlns:a16="http://schemas.microsoft.com/office/drawing/2014/main" id="{8B7A30EB-4E2C-0232-AB53-D2D1AA4C927A}"/>
+              </a:ext>
+            </a:extLst>
+          </p:cNvPr>
+          <p:cNvSpPr/>
+          <p:nvPr/>
+        </p:nvSpPr>
+        <p:spPr>
+          <a:xfrm>
+            <a:off x="10403273" y="10776752"/>
+            <a:ext cx="2663685" cy="1259320"/>
+          </a:xfrm>
+          <a:prstGeom prst="rect">
+            <a:avLst/>
+          </a:prstGeom>
+          <a:solidFill>
+            <a:schemeClr val="bg1">
+              <a:lumMod val="85000"/>
+            </a:schemeClr>
+          </a:solidFill>
+        </p:spPr>
+        <p:style>
+          <a:lnRef idx="2">
+            <a:schemeClr val="accent1">
+              <a:shade val="15000"/>
+            </a:schemeClr>
+          </a:lnRef>
+          <a:fillRef idx="1">
+            <a:schemeClr val="accent1"/>
+          </a:fillRef>
+          <a:effectRef idx="0">
+            <a:schemeClr val="accent1"/>
+          </a:effectRef>
+          <a:fontRef idx="minor">
+            <a:schemeClr val="lt1"/>
+          </a:fontRef>
+        </p:style>
+        <p:txBody>
+          <a:bodyPr rtlCol="0" anchor="ctr"/>
+          <a:lstStyle/>
+          <a:p>
+            <a:pPr algn="ctr"/>
+            <a:r>
+              <a:rPr lang="en-GB" sz="2000" dirty="0">
+                <a:solidFill>
+                  <a:schemeClr val="tx1"/>
+                </a:solidFill>
+              </a:rPr>
+              <a:t>Are you running the server and client on the </a:t>
+            </a:r>
+            <a:r>
+              <a:rPr lang="en-GB" sz="2000" b="1" dirty="0">
+                <a:solidFill>
+                  <a:schemeClr val="tx1"/>
+                </a:solidFill>
+              </a:rPr>
+              <a:t>same computer</a:t>
+            </a:r>
+            <a:r>
+              <a:rPr lang="en-GB" sz="2000" dirty="0">
+                <a:solidFill>
+                  <a:schemeClr val="tx1"/>
+                </a:solidFill>
+              </a:rPr>
+              <a:t>?</a:t>
+            </a:r>
+          </a:p>
+        </p:txBody>
+      </p:sp>
+      <p:sp>
+        <p:nvSpPr>
+          <p:cNvPr id="329" name="Rectangle 328">
+            <a:extLst>
+              <a:ext uri="{FF2B5EF4-FFF2-40B4-BE49-F238E27FC236}">
+                <a16:creationId xmlns:a16="http://schemas.microsoft.com/office/drawing/2014/main" id="{5B436087-E31E-E23C-F799-5BCFC6A70BEB}"/>
+              </a:ext>
+            </a:extLst>
+          </p:cNvPr>
+          <p:cNvSpPr/>
+          <p:nvPr/>
+        </p:nvSpPr>
+        <p:spPr>
+          <a:xfrm>
+            <a:off x="5170878" y="12960542"/>
+            <a:ext cx="4724962" cy="1554112"/>
+          </a:xfrm>
+          <a:prstGeom prst="rect">
+            <a:avLst/>
+          </a:prstGeom>
+          <a:solidFill>
+            <a:srgbClr val="2596BE">
+              <a:alpha val="30196"/>
+            </a:srgbClr>
+          </a:solidFill>
+        </p:spPr>
+        <p:style>
+          <a:lnRef idx="2">
+            <a:schemeClr val="accent1">
+              <a:shade val="15000"/>
+            </a:schemeClr>
+          </a:lnRef>
+          <a:fillRef idx="1">
+            <a:schemeClr val="accent1"/>
+          </a:fillRef>
+          <a:effectRef idx="0">
+            <a:schemeClr val="accent1"/>
+          </a:effectRef>
+          <a:fontRef idx="minor">
+            <a:schemeClr val="lt1"/>
+          </a:fontRef>
+        </p:style>
+        <p:txBody>
+          <a:bodyPr rtlCol="0" anchor="ctr"/>
+          <a:lstStyle/>
+          <a:p>
+            <a:pPr algn="ctr"/>
+            <a:r>
+              <a:rPr lang="en-GB" sz="2000" dirty="0">
+                <a:solidFill>
+                  <a:schemeClr val="tx1"/>
+                </a:solidFill>
+              </a:rPr>
+              <a:t>Your </a:t>
+            </a:r>
+            <a:r>
+              <a:rPr lang="en-GB" sz="2000" b="1" dirty="0">
+                <a:solidFill>
+                  <a:schemeClr val="tx1"/>
+                </a:solidFill>
+              </a:rPr>
+              <a:t>computers must be connected via an ethernet cable or LAN </a:t>
+            </a:r>
+            <a:r>
+              <a:rPr lang="en-GB" sz="2000" dirty="0">
+                <a:solidFill>
+                  <a:schemeClr val="tx1"/>
+                </a:solidFill>
+              </a:rPr>
+              <a:t>(internet connection not required).</a:t>
+            </a:r>
+          </a:p>
+        </p:txBody>
+      </p:sp>
+      <p:cxnSp>
+        <p:nvCxnSpPr>
+          <p:cNvPr id="330" name="Straight Arrow Connector 329">
+            <a:extLst>
+              <a:ext uri="{FF2B5EF4-FFF2-40B4-BE49-F238E27FC236}">
+                <a16:creationId xmlns:a16="http://schemas.microsoft.com/office/drawing/2014/main" id="{0E92A7F7-7B0A-2D55-5955-98EAA33B77F6}"/>
+              </a:ext>
+            </a:extLst>
+          </p:cNvPr>
+          <p:cNvCxnSpPr>
+            <a:cxnSpLocks/>
+            <a:stCxn id="324" idx="2"/>
+            <a:endCxn id="42" idx="0"/>
+          </p:cNvCxnSpPr>
+          <p:nvPr/>
+        </p:nvCxnSpPr>
+        <p:spPr>
+          <a:xfrm flipH="1">
+            <a:off x="11734219" y="12036072"/>
+            <a:ext cx="897" cy="924462"/>
+          </a:xfrm>
+          <a:prstGeom prst="straightConnector1">
+            <a:avLst/>
+          </a:prstGeom>
+          <a:ln>
+            <a:headEnd type="none" w="med" len="med"/>
+            <a:tailEnd type="arrow" w="med" len="med"/>
+          </a:ln>
+        </p:spPr>
+        <p:style>
+          <a:lnRef idx="2">
+            <a:schemeClr val="dk1"/>
+          </a:lnRef>
+          <a:fillRef idx="0">
+            <a:schemeClr val="dk1"/>
+          </a:fillRef>
+          <a:effectRef idx="1">
+            <a:schemeClr val="dk1"/>
+          </a:effectRef>
+          <a:fontRef idx="minor">
+            <a:schemeClr val="tx1"/>
+          </a:fontRef>
+        </p:style>
+      </p:cxnSp>
+      <p:sp>
+        <p:nvSpPr>
+          <p:cNvPr id="334" name="TextBox 333">
+            <a:extLst>
+              <a:ext uri="{FF2B5EF4-FFF2-40B4-BE49-F238E27FC236}">
+                <a16:creationId xmlns:a16="http://schemas.microsoft.com/office/drawing/2014/main" id="{2D9BE690-229C-4FD7-EE40-B9522A8FD700}"/>
+              </a:ext>
+            </a:extLst>
+          </p:cNvPr>
+          <p:cNvSpPr txBox="1"/>
+          <p:nvPr/>
+        </p:nvSpPr>
+        <p:spPr>
+          <a:xfrm>
+            <a:off x="11712587" y="12231533"/>
+            <a:ext cx="721103" cy="400110"/>
+          </a:xfrm>
+          <a:prstGeom prst="rect">
+            <a:avLst/>
+          </a:prstGeom>
+          <a:noFill/>
+        </p:spPr>
+        <p:txBody>
+          <a:bodyPr wrap="square" rtlCol="0">
+            <a:spAutoFit/>
+          </a:bodyPr>
+          <a:lstStyle/>
+          <a:p>
+            <a:pPr algn="ctr"/>
+            <a:r>
+              <a:rPr lang="en-GB" sz="2000" dirty="0"/>
+              <a:t>Yes</a:t>
+            </a:r>
+          </a:p>
+        </p:txBody>
+      </p:sp>
+      <p:sp>
+        <p:nvSpPr>
+          <p:cNvPr id="338" name="TextBox 337">
+            <a:extLst>
+              <a:ext uri="{FF2B5EF4-FFF2-40B4-BE49-F238E27FC236}">
+                <a16:creationId xmlns:a16="http://schemas.microsoft.com/office/drawing/2014/main" id="{7936CC4F-0E31-81CA-7154-1A0F59097619}"/>
+              </a:ext>
+            </a:extLst>
+          </p:cNvPr>
+          <p:cNvSpPr txBox="1"/>
+          <p:nvPr/>
+        </p:nvSpPr>
+        <p:spPr>
+          <a:xfrm>
+            <a:off x="13066061" y="10936227"/>
+            <a:ext cx="802351" cy="400110"/>
+          </a:xfrm>
+          <a:prstGeom prst="rect">
+            <a:avLst/>
+          </a:prstGeom>
+          <a:noFill/>
+        </p:spPr>
+        <p:txBody>
+          <a:bodyPr wrap="square" rtlCol="0">
+            <a:spAutoFit/>
+          </a:bodyPr>
+          <a:lstStyle/>
+          <a:p>
+            <a:pPr algn="ctr"/>
+            <a:r>
+              <a:rPr lang="en-GB" sz="2000" dirty="0"/>
+              <a:t>No</a:t>
+            </a:r>
+          </a:p>
+        </p:txBody>
+      </p:sp>
+      <p:cxnSp>
+        <p:nvCxnSpPr>
+          <p:cNvPr id="352" name="Straight Arrow Connector 351">
+            <a:extLst>
+              <a:ext uri="{FF2B5EF4-FFF2-40B4-BE49-F238E27FC236}">
+                <a16:creationId xmlns:a16="http://schemas.microsoft.com/office/drawing/2014/main" id="{2D87CCDF-2114-179A-6FBF-4C0D60B8CD5A}"/>
+              </a:ext>
+            </a:extLst>
+          </p:cNvPr>
+          <p:cNvCxnSpPr>
+            <a:cxnSpLocks/>
+            <a:stCxn id="4" idx="2"/>
+            <a:endCxn id="329" idx="0"/>
+          </p:cNvCxnSpPr>
+          <p:nvPr/>
+        </p:nvCxnSpPr>
+        <p:spPr>
+          <a:xfrm>
+            <a:off x="7521504" y="12036072"/>
+            <a:ext cx="11855" cy="924470"/>
+          </a:xfrm>
+          <a:prstGeom prst="straightConnector1">
+            <a:avLst/>
+          </a:prstGeom>
+          <a:ln>
+            <a:headEnd type="none" w="med" len="med"/>
+            <a:tailEnd type="arrow" w="med" len="med"/>
+          </a:ln>
+        </p:spPr>
+        <p:style>
+          <a:lnRef idx="2">
+            <a:schemeClr val="dk1"/>
+          </a:lnRef>
+          <a:fillRef idx="0">
+            <a:schemeClr val="dk1"/>
+          </a:fillRef>
+          <a:effectRef idx="1">
+            <a:schemeClr val="dk1"/>
+          </a:effectRef>
+          <a:fontRef idx="minor">
+            <a:schemeClr val="tx1"/>
+          </a:fontRef>
+        </p:style>
+      </p:cxnSp>
+      <p:sp>
+        <p:nvSpPr>
+          <p:cNvPr id="363" name="Rectangle 362">
+            <a:extLst>
+              <a:ext uri="{FF2B5EF4-FFF2-40B4-BE49-F238E27FC236}">
+                <a16:creationId xmlns:a16="http://schemas.microsoft.com/office/drawing/2014/main" id="{3FCABCA6-B23A-47BA-509B-5D47655E682F}"/>
+              </a:ext>
+            </a:extLst>
+          </p:cNvPr>
+          <p:cNvSpPr/>
+          <p:nvPr/>
+        </p:nvSpPr>
+        <p:spPr>
+          <a:xfrm>
+            <a:off x="9406692" y="5218104"/>
+            <a:ext cx="3931546" cy="4252210"/>
+          </a:xfrm>
+          <a:prstGeom prst="rect">
+            <a:avLst/>
+          </a:prstGeom>
+          <a:solidFill>
+            <a:schemeClr val="accent5">
+              <a:lumMod val="50000"/>
+              <a:alpha val="30196"/>
+            </a:schemeClr>
+          </a:solidFill>
+        </p:spPr>
+        <p:style>
+          <a:lnRef idx="2">
+            <a:schemeClr val="accent1">
+              <a:shade val="15000"/>
+            </a:schemeClr>
+          </a:lnRef>
+          <a:fillRef idx="1">
+            <a:schemeClr val="accent1"/>
+          </a:fillRef>
+          <a:effectRef idx="0">
+            <a:schemeClr val="accent1"/>
+          </a:effectRef>
+          <a:fontRef idx="minor">
+            <a:schemeClr val="lt1"/>
+          </a:fontRef>
+        </p:style>
+        <p:txBody>
+          <a:bodyPr rtlCol="0" anchor="ctr"/>
+          <a:lstStyle/>
+          <a:p>
             <a:r>
               <a:rPr lang="en-GB" sz="2000" b="1" dirty="0">
                 <a:solidFill>
@@ -6816,7 +8366,7 @@
           <p:cNvPr id="366" name="Straight Arrow Connector 365">
             <a:extLst>
               <a:ext uri="{FF2B5EF4-FFF2-40B4-BE49-F238E27FC236}">
-                <a16:creationId xmlns:a16="http://schemas.microsoft.com/office/drawing/2014/main" id="{01456621-189B-690B-2D6C-43CD380F59E4}"/>
+                <a16:creationId xmlns:a16="http://schemas.microsoft.com/office/drawing/2014/main" id="{35082CC1-0216-3C16-EAB7-F23A16C2CB6C}"/>
               </a:ext>
             </a:extLst>
           </p:cNvPr>
@@ -6860,7 +8410,7 @@
           <p:cNvPr id="370" name="Content Placeholder 2">
             <a:extLst>
               <a:ext uri="{FF2B5EF4-FFF2-40B4-BE49-F238E27FC236}">
-                <a16:creationId xmlns:a16="http://schemas.microsoft.com/office/drawing/2014/main" id="{1E6C3132-5A2F-96A7-98D0-8FCF4269FB45}"/>
+                <a16:creationId xmlns:a16="http://schemas.microsoft.com/office/drawing/2014/main" id="{2468CD57-6ABB-E6A0-F4E1-75AF0C420360}"/>
               </a:ext>
             </a:extLst>
           </p:cNvPr>
@@ -7007,7 +8557,7 @@
           <p:cNvPr id="371" name="TextBox 370">
             <a:extLst>
               <a:ext uri="{FF2B5EF4-FFF2-40B4-BE49-F238E27FC236}">
-                <a16:creationId xmlns:a16="http://schemas.microsoft.com/office/drawing/2014/main" id="{A79CC35C-7554-7426-B927-FF1CD8F0DFAA}"/>
+                <a16:creationId xmlns:a16="http://schemas.microsoft.com/office/drawing/2014/main" id="{E48CC2C6-AA99-29A0-6C4E-49FF890CFBB4}"/>
               </a:ext>
             </a:extLst>
           </p:cNvPr>
@@ -7043,7 +8593,7 @@
           <p:cNvPr id="385" name="TextBox 384">
             <a:extLst>
               <a:ext uri="{FF2B5EF4-FFF2-40B4-BE49-F238E27FC236}">
-                <a16:creationId xmlns:a16="http://schemas.microsoft.com/office/drawing/2014/main" id="{D00C56CC-CD79-D04E-6939-916AD014486C}"/>
+                <a16:creationId xmlns:a16="http://schemas.microsoft.com/office/drawing/2014/main" id="{5DF54585-F242-75F5-D2D0-D582E257D7DB}"/>
               </a:ext>
             </a:extLst>
           </p:cNvPr>
@@ -7079,7 +8629,7 @@
           <p:cNvPr id="402" name="Connector: Elbow 401">
             <a:extLst>
               <a:ext uri="{FF2B5EF4-FFF2-40B4-BE49-F238E27FC236}">
-                <a16:creationId xmlns:a16="http://schemas.microsoft.com/office/drawing/2014/main" id="{602FD4CE-BF27-5BA3-4A42-313934A36984}"/>
+                <a16:creationId xmlns:a16="http://schemas.microsoft.com/office/drawing/2014/main" id="{613D65C8-C4EF-D149-FD91-825305D1DEAE}"/>
               </a:ext>
             </a:extLst>
           </p:cNvPr>
@@ -7123,7 +8673,7 @@
           <p:cNvPr id="414" name="Connector: Elbow 413">
             <a:extLst>
               <a:ext uri="{FF2B5EF4-FFF2-40B4-BE49-F238E27FC236}">
-                <a16:creationId xmlns:a16="http://schemas.microsoft.com/office/drawing/2014/main" id="{3EBB69BF-321C-B3CE-8472-0FD925D21411}"/>
+                <a16:creationId xmlns:a16="http://schemas.microsoft.com/office/drawing/2014/main" id="{22F97906-8371-B057-3E92-43E13EC8D70E}"/>
               </a:ext>
             </a:extLst>
           </p:cNvPr>
@@ -7166,7 +8716,7 @@
           <p:cNvPr id="526" name="Connector: Elbow 525">
             <a:extLst>
               <a:ext uri="{FF2B5EF4-FFF2-40B4-BE49-F238E27FC236}">
-                <a16:creationId xmlns:a16="http://schemas.microsoft.com/office/drawing/2014/main" id="{D53EE2C6-E9F4-0577-52F1-603DDF342357}"/>
+                <a16:creationId xmlns:a16="http://schemas.microsoft.com/office/drawing/2014/main" id="{0B188F7E-236F-8D45-B01F-6447669D6776}"/>
               </a:ext>
             </a:extLst>
           </p:cNvPr>
@@ -7213,7 +8763,7 @@
           <p:cNvPr id="20" name="Connector: Elbow 213">
             <a:extLst>
               <a:ext uri="{FF2B5EF4-FFF2-40B4-BE49-F238E27FC236}">
-                <a16:creationId xmlns:a16="http://schemas.microsoft.com/office/drawing/2014/main" id="{38CF9B38-FDE4-A1FC-8EBD-60F2F36FA19B}"/>
+                <a16:creationId xmlns:a16="http://schemas.microsoft.com/office/drawing/2014/main" id="{DC564A8A-7E1F-7F21-E7A0-008F0935269A}"/>
               </a:ext>
             </a:extLst>
           </p:cNvPr>
@@ -7255,7 +8805,7 @@
     </p:spTree>
     <p:extLst>
       <p:ext uri="{BB962C8B-B14F-4D97-AF65-F5344CB8AC3E}">
-        <p14:creationId xmlns:p14="http://schemas.microsoft.com/office/powerpoint/2010/main" val="1752442661"/>
+        <p14:creationId xmlns:p14="http://schemas.microsoft.com/office/powerpoint/2010/main" val="1838229114"/>
       </p:ext>
     </p:extLst>
   </p:cSld>
@@ -7265,7 +8815,7 @@
 </p:sld>
 </file>
 
-<file path=ppt/slides/slide2.xml><?xml version="1.0" encoding="utf-8"?>
+<file path=ppt/slides/slide3.xml><?xml version="1.0" encoding="utf-8"?>
 <p:sld xmlns:a="http://schemas.openxmlformats.org/drawingml/2006/main" xmlns:r="http://schemas.openxmlformats.org/officeDocument/2006/relationships" xmlns:p="http://schemas.openxmlformats.org/presentationml/2006/main">
   <p:cSld>
     <p:spTree>

--- a/source/assets/flow-chart.pptx
+++ b/source/assets/flow-chart.pptx
@@ -556,7 +556,7 @@
           <a:p>
             <a:fld id="{E198B52E-59E9-459A-8A51-6D063C146C47}" type="datetimeFigureOut">
               <a:rPr lang="en-GB" smtClean="0"/>
-              <a:t>01/11/2024</a:t>
+              <a:t>12/11/2024</a:t>
             </a:fld>
             <a:endParaRPr lang="en-GB"/>
           </a:p>
@@ -1147,7 +1147,7 @@
           <a:p>
             <a:fld id="{3FBAF93D-98AC-4FE3-B4B6-00701F2D46F7}" type="datetimeFigureOut">
               <a:rPr lang="en-GB" smtClean="0"/>
-              <a:t>01/11/2024</a:t>
+              <a:t>12/11/2024</a:t>
             </a:fld>
             <a:endParaRPr lang="en-GB"/>
           </a:p>
@@ -1317,7 +1317,7 @@
           <a:p>
             <a:fld id="{3FBAF93D-98AC-4FE3-B4B6-00701F2D46F7}" type="datetimeFigureOut">
               <a:rPr lang="en-GB" smtClean="0"/>
-              <a:t>01/11/2024</a:t>
+              <a:t>12/11/2024</a:t>
             </a:fld>
             <a:endParaRPr lang="en-GB"/>
           </a:p>
@@ -1497,7 +1497,7 @@
           <a:p>
             <a:fld id="{3FBAF93D-98AC-4FE3-B4B6-00701F2D46F7}" type="datetimeFigureOut">
               <a:rPr lang="en-GB" smtClean="0"/>
-              <a:t>01/11/2024</a:t>
+              <a:t>12/11/2024</a:t>
             </a:fld>
             <a:endParaRPr lang="en-GB"/>
           </a:p>
@@ -1667,7 +1667,7 @@
           <a:p>
             <a:fld id="{3FBAF93D-98AC-4FE3-B4B6-00701F2D46F7}" type="datetimeFigureOut">
               <a:rPr lang="en-GB" smtClean="0"/>
-              <a:t>01/11/2024</a:t>
+              <a:t>12/11/2024</a:t>
             </a:fld>
             <a:endParaRPr lang="en-GB"/>
           </a:p>
@@ -1913,7 +1913,7 @@
           <a:p>
             <a:fld id="{3FBAF93D-98AC-4FE3-B4B6-00701F2D46F7}" type="datetimeFigureOut">
               <a:rPr lang="en-GB" smtClean="0"/>
-              <a:t>01/11/2024</a:t>
+              <a:t>12/11/2024</a:t>
             </a:fld>
             <a:endParaRPr lang="en-GB"/>
           </a:p>
@@ -2145,7 +2145,7 @@
           <a:p>
             <a:fld id="{3FBAF93D-98AC-4FE3-B4B6-00701F2D46F7}" type="datetimeFigureOut">
               <a:rPr lang="en-GB" smtClean="0"/>
-              <a:t>01/11/2024</a:t>
+              <a:t>12/11/2024</a:t>
             </a:fld>
             <a:endParaRPr lang="en-GB"/>
           </a:p>
@@ -2512,7 +2512,7 @@
           <a:p>
             <a:fld id="{3FBAF93D-98AC-4FE3-B4B6-00701F2D46F7}" type="datetimeFigureOut">
               <a:rPr lang="en-GB" smtClean="0"/>
-              <a:t>01/11/2024</a:t>
+              <a:t>12/11/2024</a:t>
             </a:fld>
             <a:endParaRPr lang="en-GB"/>
           </a:p>
@@ -2630,7 +2630,7 @@
           <a:p>
             <a:fld id="{3FBAF93D-98AC-4FE3-B4B6-00701F2D46F7}" type="datetimeFigureOut">
               <a:rPr lang="en-GB" smtClean="0"/>
-              <a:t>01/11/2024</a:t>
+              <a:t>12/11/2024</a:t>
             </a:fld>
             <a:endParaRPr lang="en-GB"/>
           </a:p>
@@ -2725,7 +2725,7 @@
           <a:p>
             <a:fld id="{3FBAF93D-98AC-4FE3-B4B6-00701F2D46F7}" type="datetimeFigureOut">
               <a:rPr lang="en-GB" smtClean="0"/>
-              <a:t>01/11/2024</a:t>
+              <a:t>12/11/2024</a:t>
             </a:fld>
             <a:endParaRPr lang="en-GB"/>
           </a:p>
@@ -3002,7 +3002,7 @@
           <a:p>
             <a:fld id="{3FBAF93D-98AC-4FE3-B4B6-00701F2D46F7}" type="datetimeFigureOut">
               <a:rPr lang="en-GB" smtClean="0"/>
-              <a:t>01/11/2024</a:t>
+              <a:t>12/11/2024</a:t>
             </a:fld>
             <a:endParaRPr lang="en-GB"/>
           </a:p>
@@ -3259,7 +3259,7 @@
           <a:p>
             <a:fld id="{3FBAF93D-98AC-4FE3-B4B6-00701F2D46F7}" type="datetimeFigureOut">
               <a:rPr lang="en-GB" smtClean="0"/>
-              <a:t>01/11/2024</a:t>
+              <a:t>12/11/2024</a:t>
             </a:fld>
             <a:endParaRPr lang="en-GB"/>
           </a:p>
@@ -3472,7 +3472,7 @@
           <a:p>
             <a:fld id="{3FBAF93D-98AC-4FE3-B4B6-00701F2D46F7}" type="datetimeFigureOut">
               <a:rPr lang="en-GB" smtClean="0"/>
-              <a:t>01/11/2024</a:t>
+              <a:t>12/11/2024</a:t>
             </a:fld>
             <a:endParaRPr lang="en-GB"/>
           </a:p>
@@ -5154,7 +5154,7 @@
                   <a:schemeClr val="tx1"/>
                 </a:solidFill>
               </a:rPr>
-              <a:t> via SteamVR</a:t>
+              <a:t> via Steam</a:t>
             </a:r>
             <a:r>
               <a:rPr lang="en-GB" sz="2000" dirty="0">

--- a/source/assets/flow-chart.pptx
+++ b/source/assets/flow-chart.pptx
@@ -556,7 +556,7 @@
           <a:p>
             <a:fld id="{E198B52E-59E9-459A-8A51-6D063C146C47}" type="datetimeFigureOut">
               <a:rPr lang="en-GB" smtClean="0"/>
-              <a:t>12/11/2024</a:t>
+              <a:t>27/01/2025</a:t>
             </a:fld>
             <a:endParaRPr lang="en-GB"/>
           </a:p>
@@ -1147,7 +1147,7 @@
           <a:p>
             <a:fld id="{3FBAF93D-98AC-4FE3-B4B6-00701F2D46F7}" type="datetimeFigureOut">
               <a:rPr lang="en-GB" smtClean="0"/>
-              <a:t>12/11/2024</a:t>
+              <a:t>27/01/2025</a:t>
             </a:fld>
             <a:endParaRPr lang="en-GB"/>
           </a:p>
@@ -1317,7 +1317,7 @@
           <a:p>
             <a:fld id="{3FBAF93D-98AC-4FE3-B4B6-00701F2D46F7}" type="datetimeFigureOut">
               <a:rPr lang="en-GB" smtClean="0"/>
-              <a:t>12/11/2024</a:t>
+              <a:t>27/01/2025</a:t>
             </a:fld>
             <a:endParaRPr lang="en-GB"/>
           </a:p>
@@ -1497,7 +1497,7 @@
           <a:p>
             <a:fld id="{3FBAF93D-98AC-4FE3-B4B6-00701F2D46F7}" type="datetimeFigureOut">
               <a:rPr lang="en-GB" smtClean="0"/>
-              <a:t>12/11/2024</a:t>
+              <a:t>27/01/2025</a:t>
             </a:fld>
             <a:endParaRPr lang="en-GB"/>
           </a:p>
@@ -1667,7 +1667,7 @@
           <a:p>
             <a:fld id="{3FBAF93D-98AC-4FE3-B4B6-00701F2D46F7}" type="datetimeFigureOut">
               <a:rPr lang="en-GB" smtClean="0"/>
-              <a:t>12/11/2024</a:t>
+              <a:t>27/01/2025</a:t>
             </a:fld>
             <a:endParaRPr lang="en-GB"/>
           </a:p>
@@ -1913,7 +1913,7 @@
           <a:p>
             <a:fld id="{3FBAF93D-98AC-4FE3-B4B6-00701F2D46F7}" type="datetimeFigureOut">
               <a:rPr lang="en-GB" smtClean="0"/>
-              <a:t>12/11/2024</a:t>
+              <a:t>27/01/2025</a:t>
             </a:fld>
             <a:endParaRPr lang="en-GB"/>
           </a:p>
@@ -2145,7 +2145,7 @@
           <a:p>
             <a:fld id="{3FBAF93D-98AC-4FE3-B4B6-00701F2D46F7}" type="datetimeFigureOut">
               <a:rPr lang="en-GB" smtClean="0"/>
-              <a:t>12/11/2024</a:t>
+              <a:t>27/01/2025</a:t>
             </a:fld>
             <a:endParaRPr lang="en-GB"/>
           </a:p>
@@ -2512,7 +2512,7 @@
           <a:p>
             <a:fld id="{3FBAF93D-98AC-4FE3-B4B6-00701F2D46F7}" type="datetimeFigureOut">
               <a:rPr lang="en-GB" smtClean="0"/>
-              <a:t>12/11/2024</a:t>
+              <a:t>27/01/2025</a:t>
             </a:fld>
             <a:endParaRPr lang="en-GB"/>
           </a:p>
@@ -2630,7 +2630,7 @@
           <a:p>
             <a:fld id="{3FBAF93D-98AC-4FE3-B4B6-00701F2D46F7}" type="datetimeFigureOut">
               <a:rPr lang="en-GB" smtClean="0"/>
-              <a:t>12/11/2024</a:t>
+              <a:t>27/01/2025</a:t>
             </a:fld>
             <a:endParaRPr lang="en-GB"/>
           </a:p>
@@ -2725,7 +2725,7 @@
           <a:p>
             <a:fld id="{3FBAF93D-98AC-4FE3-B4B6-00701F2D46F7}" type="datetimeFigureOut">
               <a:rPr lang="en-GB" smtClean="0"/>
-              <a:t>12/11/2024</a:t>
+              <a:t>27/01/2025</a:t>
             </a:fld>
             <a:endParaRPr lang="en-GB"/>
           </a:p>
@@ -3002,7 +3002,7 @@
           <a:p>
             <a:fld id="{3FBAF93D-98AC-4FE3-B4B6-00701F2D46F7}" type="datetimeFigureOut">
               <a:rPr lang="en-GB" smtClean="0"/>
-              <a:t>12/11/2024</a:t>
+              <a:t>27/01/2025</a:t>
             </a:fld>
             <a:endParaRPr lang="en-GB"/>
           </a:p>
@@ -3259,7 +3259,7 @@
           <a:p>
             <a:fld id="{3FBAF93D-98AC-4FE3-B4B6-00701F2D46F7}" type="datetimeFigureOut">
               <a:rPr lang="en-GB" smtClean="0"/>
-              <a:t>12/11/2024</a:t>
+              <a:t>27/01/2025</a:t>
             </a:fld>
             <a:endParaRPr lang="en-GB"/>
           </a:p>
@@ -3472,7 +3472,7 @@
           <a:p>
             <a:fld id="{3FBAF93D-98AC-4FE3-B4B6-00701F2D46F7}" type="datetimeFigureOut">
               <a:rPr lang="en-GB" smtClean="0"/>
-              <a:t>12/11/2024</a:t>
+              <a:t>27/01/2025</a:t>
             </a:fld>
             <a:endParaRPr lang="en-GB"/>
           </a:p>
@@ -3891,7 +3891,7 @@
         </p:nvSpPr>
         <p:spPr>
           <a:xfrm>
-            <a:off x="6189662" y="9820434"/>
+            <a:off x="7935991" y="11803562"/>
             <a:ext cx="2663685" cy="1259320"/>
           </a:xfrm>
           <a:prstGeom prst="rect">
@@ -3965,7 +3965,7 @@
         </p:nvSpPr>
         <p:spPr>
           <a:xfrm>
-            <a:off x="1237490" y="4564051"/>
+            <a:off x="2983819" y="6055967"/>
             <a:ext cx="2436388" cy="1644960"/>
           </a:xfrm>
           <a:prstGeom prst="rect">
@@ -4039,8 +4039,8 @@
         </p:nvSpPr>
         <p:spPr>
           <a:xfrm>
-            <a:off x="2455682" y="6373915"/>
-            <a:ext cx="942374" cy="400110"/>
+            <a:off x="4202011" y="7970137"/>
+            <a:ext cx="2195409" cy="707886"/>
           </a:xfrm>
           <a:prstGeom prst="rect">
             <a:avLst/>
@@ -4055,7 +4055,13 @@
           <a:p>
             <a:r>
               <a:rPr lang="en-GB" sz="2000" dirty="0"/>
-              <a:t>Private</a:t>
+              <a:t>e.g. private Wi-Fi</a:t>
+            </a:r>
+          </a:p>
+          <a:p>
+            <a:r>
+              <a:rPr lang="en-GB" sz="2000" dirty="0"/>
+              <a:t> or mobile hotspot</a:t>
             </a:r>
             <a:endParaRPr lang="en-GB" sz="2000" b="1" dirty="0"/>
           </a:p>
@@ -4079,7 +4085,7 @@
         </p:nvCxnSpPr>
         <p:spPr>
           <a:xfrm flipV="1">
-            <a:off x="3673878" y="5381076"/>
+            <a:off x="5420207" y="6872992"/>
             <a:ext cx="2632768" cy="5455"/>
           </a:xfrm>
           <a:prstGeom prst="straightConnector1">
@@ -4119,7 +4125,7 @@
         </p:nvSpPr>
         <p:spPr>
           <a:xfrm>
-            <a:off x="1237491" y="6986883"/>
+            <a:off x="2983820" y="8970011"/>
             <a:ext cx="2436387" cy="1644960"/>
           </a:xfrm>
           <a:prstGeom prst="rect">
@@ -4197,8 +4203,8 @@
         </p:nvCxnSpPr>
         <p:spPr>
           <a:xfrm>
-            <a:off x="2455684" y="6209011"/>
-            <a:ext cx="1" cy="777872"/>
+            <a:off x="4202013" y="7700927"/>
+            <a:ext cx="1" cy="1269084"/>
           </a:xfrm>
           <a:prstGeom prst="straightConnector1">
             <a:avLst/>
@@ -4237,7 +4243,7 @@
         </p:nvSpPr>
         <p:spPr>
           <a:xfrm>
-            <a:off x="1237490" y="12185799"/>
+            <a:off x="2983819" y="14168927"/>
             <a:ext cx="2436386" cy="1093980"/>
           </a:xfrm>
           <a:prstGeom prst="rect">
@@ -4312,7 +4318,7 @@
         </p:nvSpPr>
         <p:spPr>
           <a:xfrm>
-            <a:off x="3776743" y="7442101"/>
+            <a:off x="5523072" y="9425229"/>
             <a:ext cx="920445" cy="400110"/>
           </a:xfrm>
           <a:prstGeom prst="rect">
@@ -4361,7 +4367,7 @@
         </p:nvCxnSpPr>
         <p:spPr>
           <a:xfrm>
-            <a:off x="3673878" y="7809363"/>
+            <a:off x="5420207" y="9792491"/>
             <a:ext cx="1150908" cy="6507"/>
           </a:xfrm>
           <a:prstGeom prst="straightConnector1">
@@ -4401,7 +4407,7 @@
         </p:nvSpPr>
         <p:spPr>
           <a:xfrm>
-            <a:off x="1226608" y="8764555"/>
+            <a:off x="2972937" y="10747683"/>
             <a:ext cx="1205582" cy="707886"/>
           </a:xfrm>
           <a:prstGeom prst="rect">
@@ -4437,7 +4443,7 @@
         </p:nvSpPr>
         <p:spPr>
           <a:xfrm>
-            <a:off x="3790863" y="4878699"/>
+            <a:off x="5537192" y="6370615"/>
             <a:ext cx="2398798" cy="1015663"/>
           </a:xfrm>
           <a:prstGeom prst="rect">
@@ -4483,7 +4489,7 @@
         </p:nvSpPr>
         <p:spPr>
           <a:xfrm>
-            <a:off x="8697192" y="9707619"/>
+            <a:off x="10443521" y="11690747"/>
             <a:ext cx="1756246" cy="707886"/>
           </a:xfrm>
           <a:prstGeom prst="rect">
@@ -4526,7 +4532,7 @@
         </p:nvSpPr>
         <p:spPr>
           <a:xfrm>
-            <a:off x="10402377" y="12004216"/>
+            <a:off x="12148706" y="13987344"/>
             <a:ext cx="2663685" cy="1554111"/>
           </a:xfrm>
           <a:prstGeom prst="rect">
@@ -4601,7 +4607,7 @@
         </p:nvSpPr>
         <p:spPr>
           <a:xfrm>
-            <a:off x="7548554" y="11148924"/>
+            <a:off x="9294883" y="13132052"/>
             <a:ext cx="1155922" cy="707886"/>
           </a:xfrm>
           <a:prstGeom prst="rect">
@@ -4636,7 +4642,7 @@
         </p:nvSpPr>
         <p:spPr>
           <a:xfrm>
-            <a:off x="1237490" y="2252064"/>
+            <a:off x="2983819" y="3743980"/>
             <a:ext cx="2436388" cy="1644960"/>
           </a:xfrm>
           <a:prstGeom prst="rect">
@@ -4714,7 +4720,7 @@
         </p:nvCxnSpPr>
         <p:spPr>
           <a:xfrm>
-            <a:off x="2455684" y="3897024"/>
+            <a:off x="4202013" y="5388940"/>
             <a:ext cx="0" cy="667027"/>
           </a:xfrm>
           <a:prstGeom prst="straightConnector1">
@@ -4754,7 +4760,7 @@
         </p:nvSpPr>
         <p:spPr>
           <a:xfrm>
-            <a:off x="2455682" y="4022141"/>
+            <a:off x="4202011" y="5514057"/>
             <a:ext cx="1206612" cy="400110"/>
           </a:xfrm>
           <a:prstGeom prst="rect">
@@ -4793,7 +4799,7 @@
         </p:nvCxnSpPr>
         <p:spPr>
           <a:xfrm>
-            <a:off x="3673878" y="3074544"/>
+            <a:off x="5420207" y="4566460"/>
             <a:ext cx="1792328" cy="1"/>
           </a:xfrm>
           <a:prstGeom prst="straightConnector1">
@@ -4833,7 +4839,7 @@
         </p:nvSpPr>
         <p:spPr>
           <a:xfrm>
-            <a:off x="5466206" y="2252065"/>
+            <a:off x="7212535" y="3743981"/>
             <a:ext cx="7599855" cy="1644960"/>
           </a:xfrm>
           <a:prstGeom prst="rect">
@@ -4959,7 +4965,7 @@
         </p:nvSpPr>
         <p:spPr>
           <a:xfrm>
-            <a:off x="4048104" y="2357147"/>
+            <a:off x="5794433" y="3849063"/>
             <a:ext cx="1043876" cy="707886"/>
           </a:xfrm>
           <a:prstGeom prst="rect">
@@ -5007,7 +5013,7 @@
         </p:nvCxnSpPr>
         <p:spPr>
           <a:xfrm>
-            <a:off x="8853347" y="10450094"/>
+            <a:off x="10599676" y="12433222"/>
             <a:ext cx="1549927" cy="0"/>
           </a:xfrm>
           <a:prstGeom prst="straightConnector1">
@@ -5051,7 +5057,7 @@
         </p:nvCxnSpPr>
         <p:spPr>
           <a:xfrm flipH="1">
-            <a:off x="2455683" y="8631843"/>
+            <a:off x="4202012" y="10614971"/>
             <a:ext cx="2" cy="998412"/>
           </a:xfrm>
           <a:prstGeom prst="straightConnector1">
@@ -5091,7 +5097,7 @@
         </p:nvSpPr>
         <p:spPr>
           <a:xfrm>
-            <a:off x="4824786" y="7186210"/>
+            <a:off x="6571115" y="9169338"/>
             <a:ext cx="2279745" cy="1259320"/>
           </a:xfrm>
           <a:prstGeom prst="rect">
@@ -5181,7 +5187,7 @@
         </p:nvSpPr>
         <p:spPr>
           <a:xfrm>
-            <a:off x="1237490" y="9630255"/>
+            <a:off x="2983819" y="11613383"/>
             <a:ext cx="2436386" cy="1644960"/>
           </a:xfrm>
           <a:prstGeom prst="rect">
@@ -5255,7 +5261,7 @@
         </p:nvSpPr>
         <p:spPr>
           <a:xfrm>
-            <a:off x="6306646" y="4558596"/>
+            <a:off x="8052975" y="6050512"/>
             <a:ext cx="2436388" cy="1644960"/>
           </a:xfrm>
           <a:prstGeom prst="rect">
@@ -5333,8 +5339,8 @@
         </p:nvCxnSpPr>
         <p:spPr>
           <a:xfrm flipH="1">
-            <a:off x="7521505" y="6203556"/>
-            <a:ext cx="3335" cy="3616878"/>
+            <a:off x="9267834" y="7695472"/>
+            <a:ext cx="3335" cy="4108090"/>
           </a:xfrm>
           <a:prstGeom prst="straightConnector1">
             <a:avLst/>
@@ -5373,7 +5379,7 @@
         </p:nvSpPr>
         <p:spPr>
           <a:xfrm>
-            <a:off x="10403274" y="9820434"/>
+            <a:off x="12149603" y="11803562"/>
             <a:ext cx="2663685" cy="1259320"/>
           </a:xfrm>
           <a:prstGeom prst="rect">
@@ -5447,7 +5453,7 @@
         </p:nvSpPr>
         <p:spPr>
           <a:xfrm>
-            <a:off x="5170879" y="12004224"/>
+            <a:off x="6917208" y="13987352"/>
             <a:ext cx="4724962" cy="1554112"/>
           </a:xfrm>
           <a:prstGeom prst="rect">
@@ -5525,7 +5531,7 @@
         </p:nvCxnSpPr>
         <p:spPr>
           <a:xfrm flipH="1">
-            <a:off x="11734220" y="11079754"/>
+            <a:off x="13480549" y="13062882"/>
             <a:ext cx="897" cy="924462"/>
           </a:xfrm>
           <a:prstGeom prst="straightConnector1">
@@ -5565,7 +5571,7 @@
         </p:nvSpPr>
         <p:spPr>
           <a:xfrm>
-            <a:off x="11657207" y="11368769"/>
+            <a:off x="13403536" y="13351897"/>
             <a:ext cx="721103" cy="400110"/>
           </a:xfrm>
           <a:prstGeom prst="rect">
@@ -5601,7 +5607,7 @@
         </p:nvSpPr>
         <p:spPr>
           <a:xfrm>
-            <a:off x="13066062" y="9979909"/>
+            <a:off x="14812391" y="11963037"/>
             <a:ext cx="802351" cy="400110"/>
           </a:xfrm>
           <a:prstGeom prst="rect">
@@ -5641,7 +5647,7 @@
         </p:nvCxnSpPr>
         <p:spPr>
           <a:xfrm>
-            <a:off x="7521505" y="11079754"/>
+            <a:off x="9267834" y="13062882"/>
             <a:ext cx="11855" cy="924470"/>
           </a:xfrm>
           <a:prstGeom prst="straightConnector1">
@@ -5685,7 +5691,7 @@
         </p:nvCxnSpPr>
         <p:spPr>
           <a:xfrm>
-            <a:off x="2455683" y="11275215"/>
+            <a:off x="4202012" y="13258343"/>
             <a:ext cx="0" cy="910584"/>
           </a:xfrm>
           <a:prstGeom prst="straightConnector1">
@@ -5725,7 +5731,7 @@
         </p:nvSpPr>
         <p:spPr>
           <a:xfrm>
-            <a:off x="2432190" y="11439664"/>
+            <a:off x="4178519" y="13422792"/>
             <a:ext cx="646232" cy="400110"/>
           </a:xfrm>
           <a:prstGeom prst="rect">
@@ -5761,7 +5767,7 @@
         </p:nvSpPr>
         <p:spPr>
           <a:xfrm>
-            <a:off x="4639504" y="10095043"/>
+            <a:off x="6385833" y="12078171"/>
             <a:ext cx="730306" cy="400110"/>
           </a:xfrm>
           <a:prstGeom prst="rect">
@@ -5801,7 +5807,7 @@
         </p:nvCxnSpPr>
         <p:spPr>
           <a:xfrm flipV="1">
-            <a:off x="3673876" y="10450094"/>
+            <a:off x="5420205" y="12433222"/>
             <a:ext cx="2515786" cy="2641"/>
           </a:xfrm>
           <a:prstGeom prst="straightConnector1">
@@ -5844,7 +5850,7 @@
         </p:nvCxnSpPr>
         <p:spPr>
           <a:xfrm rot="5400000">
-            <a:off x="4040538" y="8075537"/>
+            <a:off x="5786867" y="10058665"/>
             <a:ext cx="1554129" cy="2294115"/>
           </a:xfrm>
           <a:prstGeom prst="bentConnector2">
@@ -5888,7 +5894,7 @@
         </p:nvCxnSpPr>
         <p:spPr>
           <a:xfrm flipH="1">
-            <a:off x="7533360" y="10450094"/>
+            <a:off x="9279689" y="12433222"/>
             <a:ext cx="5533599" cy="3108242"/>
           </a:xfrm>
           <a:prstGeom prst="bentConnector4">
@@ -5935,7 +5941,7 @@
         </p:nvCxnSpPr>
         <p:spPr>
           <a:xfrm flipV="1">
-            <a:off x="9895841" y="12781272"/>
+            <a:off x="11642170" y="14764400"/>
             <a:ext cx="506536" cy="8"/>
           </a:xfrm>
           <a:prstGeom prst="straightConnector1">
@@ -5975,7 +5981,7 @@
         </p:nvGrpSpPr>
         <p:grpSpPr>
           <a:xfrm>
-            <a:off x="9426119" y="5937933"/>
+            <a:off x="11172448" y="7429849"/>
             <a:ext cx="3892696" cy="2242295"/>
             <a:chOff x="2801026" y="13978522"/>
             <a:chExt cx="3892696" cy="2242295"/>
@@ -6228,6 +6234,77 @@
           </p:txBody>
         </p:sp>
       </p:grpSp>
+      <p:sp>
+        <p:nvSpPr>
+          <p:cNvPr id="2" name="TextBox 1">
+            <a:extLst>
+              <a:ext uri="{FF2B5EF4-FFF2-40B4-BE49-F238E27FC236}">
+                <a16:creationId xmlns:a16="http://schemas.microsoft.com/office/drawing/2014/main" id="{ECB4CC63-F65B-1B06-1F77-5E21AF60CBB2}"/>
+              </a:ext>
+            </a:extLst>
+          </p:cNvPr>
+          <p:cNvSpPr txBox="1"/>
+          <p:nvPr/>
+        </p:nvSpPr>
+        <p:spPr>
+          <a:xfrm>
+            <a:off x="6917208" y="287920"/>
+            <a:ext cx="3574248" cy="769441"/>
+          </a:xfrm>
+          <a:prstGeom prst="rect">
+            <a:avLst/>
+          </a:prstGeom>
+          <a:noFill/>
+        </p:spPr>
+        <p:txBody>
+          <a:bodyPr wrap="none" rtlCol="0">
+            <a:spAutoFit/>
+          </a:bodyPr>
+          <a:lstStyle/>
+          <a:p>
+            <a:r>
+              <a:rPr lang="en-GB" sz="4400" dirty="0"/>
+              <a:t>Latest version</a:t>
+            </a:r>
+          </a:p>
+        </p:txBody>
+      </p:sp>
+      <p:sp>
+        <p:nvSpPr>
+          <p:cNvPr id="8" name="TextBox 7">
+            <a:extLst>
+              <a:ext uri="{FF2B5EF4-FFF2-40B4-BE49-F238E27FC236}">
+                <a16:creationId xmlns:a16="http://schemas.microsoft.com/office/drawing/2014/main" id="{D7E353EA-A529-B799-6CC2-BFD169EE4D00}"/>
+              </a:ext>
+            </a:extLst>
+          </p:cNvPr>
+          <p:cNvSpPr txBox="1"/>
+          <p:nvPr/>
+        </p:nvSpPr>
+        <p:spPr>
+          <a:xfrm>
+            <a:off x="3226499" y="8066841"/>
+            <a:ext cx="942374" cy="400110"/>
+          </a:xfrm>
+          <a:prstGeom prst="rect">
+            <a:avLst/>
+          </a:prstGeom>
+          <a:noFill/>
+        </p:spPr>
+        <p:txBody>
+          <a:bodyPr wrap="none" rtlCol="0">
+            <a:spAutoFit/>
+          </a:bodyPr>
+          <a:lstStyle/>
+          <a:p>
+            <a:r>
+              <a:rPr lang="en-GB" sz="2000" dirty="0"/>
+              <a:t>Private</a:t>
+            </a:r>
+            <a:endParaRPr lang="en-GB" sz="2000" b="1" dirty="0"/>
+          </a:p>
+        </p:txBody>
+      </p:sp>
     </p:spTree>
     <p:extLst>
       <p:ext uri="{BB962C8B-B14F-4D97-AF65-F5344CB8AC3E}">
@@ -6278,7 +6355,7 @@
         </p:nvSpPr>
         <p:spPr>
           <a:xfrm>
-            <a:off x="6189661" y="10776752"/>
+            <a:off x="7988858" y="11691152"/>
             <a:ext cx="2663685" cy="1259320"/>
           </a:xfrm>
           <a:prstGeom prst="rect">
@@ -6352,7 +6429,7 @@
         </p:nvSpPr>
         <p:spPr>
           <a:xfrm>
-            <a:off x="1237490" y="5161801"/>
+            <a:off x="3036687" y="6076201"/>
             <a:ext cx="2436388" cy="1644960"/>
           </a:xfrm>
           <a:prstGeom prst="rect">
@@ -6426,7 +6503,7 @@
         </p:nvSpPr>
         <p:spPr>
           <a:xfrm>
-            <a:off x="2497525" y="7137935"/>
+            <a:off x="4296722" y="8052335"/>
             <a:ext cx="942374" cy="400110"/>
           </a:xfrm>
           <a:prstGeom prst="rect">
@@ -6466,7 +6543,7 @@
         </p:nvCxnSpPr>
         <p:spPr>
           <a:xfrm flipV="1">
-            <a:off x="3673878" y="5978826"/>
+            <a:off x="5473075" y="6893226"/>
             <a:ext cx="2632768" cy="5455"/>
           </a:xfrm>
           <a:prstGeom prst="straightConnector1">
@@ -6506,7 +6583,7 @@
         </p:nvSpPr>
         <p:spPr>
           <a:xfrm>
-            <a:off x="1237490" y="7943201"/>
+            <a:off x="3036687" y="8857601"/>
             <a:ext cx="2436387" cy="1644960"/>
           </a:xfrm>
           <a:prstGeom prst="rect">
@@ -6584,7 +6661,7 @@
         </p:nvCxnSpPr>
         <p:spPr>
           <a:xfrm>
-            <a:off x="2455684" y="6806761"/>
+            <a:off x="4254881" y="7721161"/>
             <a:ext cx="0" cy="1136440"/>
           </a:xfrm>
           <a:prstGeom prst="straightConnector1">
@@ -6624,7 +6701,7 @@
         </p:nvSpPr>
         <p:spPr>
           <a:xfrm>
-            <a:off x="1237489" y="12960541"/>
+            <a:off x="3036686" y="13874941"/>
             <a:ext cx="2436386" cy="1644960"/>
           </a:xfrm>
           <a:prstGeom prst="rect">
@@ -6699,7 +6776,7 @@
         </p:nvSpPr>
         <p:spPr>
           <a:xfrm>
-            <a:off x="3776742" y="8398419"/>
+            <a:off x="5575939" y="9312819"/>
             <a:ext cx="920445" cy="400110"/>
           </a:xfrm>
           <a:prstGeom prst="rect">
@@ -6748,7 +6825,7 @@
         </p:nvCxnSpPr>
         <p:spPr>
           <a:xfrm>
-            <a:off x="3673877" y="8765681"/>
+            <a:off x="5473074" y="9680081"/>
             <a:ext cx="1150908" cy="6507"/>
           </a:xfrm>
           <a:prstGeom prst="straightConnector1">
@@ -6788,7 +6865,7 @@
         </p:nvSpPr>
         <p:spPr>
           <a:xfrm>
-            <a:off x="2468294" y="9733424"/>
+            <a:off x="4267491" y="10647824"/>
             <a:ext cx="1205582" cy="707886"/>
           </a:xfrm>
           <a:prstGeom prst="rect">
@@ -6823,7 +6900,7 @@
         </p:nvSpPr>
         <p:spPr>
           <a:xfrm>
-            <a:off x="3790863" y="5476449"/>
+            <a:off x="5590060" y="6390849"/>
             <a:ext cx="2398798" cy="1015663"/>
           </a:xfrm>
           <a:prstGeom prst="rect">
@@ -6869,7 +6946,7 @@
         </p:nvSpPr>
         <p:spPr>
           <a:xfrm>
-            <a:off x="8697191" y="10663937"/>
+            <a:off x="10496388" y="11578337"/>
             <a:ext cx="1756246" cy="707886"/>
           </a:xfrm>
           <a:prstGeom prst="rect">
@@ -6912,7 +6989,7 @@
         </p:nvSpPr>
         <p:spPr>
           <a:xfrm>
-            <a:off x="10402376" y="12960534"/>
+            <a:off x="12201573" y="13874934"/>
             <a:ext cx="2663685" cy="1554111"/>
           </a:xfrm>
           <a:prstGeom prst="rect">
@@ -7033,7 +7110,7 @@
         </p:nvSpPr>
         <p:spPr>
           <a:xfrm>
-            <a:off x="7548553" y="12105242"/>
+            <a:off x="9347750" y="13019642"/>
             <a:ext cx="1155922" cy="707886"/>
           </a:xfrm>
           <a:prstGeom prst="rect">
@@ -7068,7 +7145,7 @@
         </p:nvSpPr>
         <p:spPr>
           <a:xfrm>
-            <a:off x="1237490" y="2252064"/>
+            <a:off x="3036687" y="3166464"/>
             <a:ext cx="2436388" cy="1644960"/>
           </a:xfrm>
           <a:prstGeom prst="rect">
@@ -7146,7 +7223,7 @@
         </p:nvCxnSpPr>
         <p:spPr>
           <a:xfrm>
-            <a:off x="2455684" y="3897024"/>
+            <a:off x="4254881" y="4811424"/>
             <a:ext cx="0" cy="1264777"/>
           </a:xfrm>
           <a:prstGeom prst="straightConnector1">
@@ -7186,7 +7263,7 @@
         </p:nvSpPr>
         <p:spPr>
           <a:xfrm>
-            <a:off x="2497525" y="4287236"/>
+            <a:off x="4296722" y="5201636"/>
             <a:ext cx="1206612" cy="400110"/>
           </a:xfrm>
           <a:prstGeom prst="rect">
@@ -7225,7 +7302,7 @@
         </p:nvCxnSpPr>
         <p:spPr>
           <a:xfrm>
-            <a:off x="3673878" y="3074544"/>
+            <a:off x="5473075" y="3988944"/>
             <a:ext cx="1792328" cy="1"/>
           </a:xfrm>
           <a:prstGeom prst="straightConnector1">
@@ -7265,7 +7342,7 @@
         </p:nvSpPr>
         <p:spPr>
           <a:xfrm>
-            <a:off x="5466206" y="2252065"/>
+            <a:off x="7265403" y="3166465"/>
             <a:ext cx="7599855" cy="1644960"/>
           </a:xfrm>
           <a:prstGeom prst="rect">
@@ -7374,7 +7451,7 @@
         </p:nvSpPr>
         <p:spPr>
           <a:xfrm>
-            <a:off x="4048104" y="2357147"/>
+            <a:off x="5847301" y="3271547"/>
             <a:ext cx="1043876" cy="707886"/>
           </a:xfrm>
           <a:prstGeom prst="rect">
@@ -7422,7 +7499,7 @@
         </p:nvCxnSpPr>
         <p:spPr>
           <a:xfrm>
-            <a:off x="8853346" y="11406412"/>
+            <a:off x="10652543" y="12320812"/>
             <a:ext cx="1549927" cy="0"/>
           </a:xfrm>
           <a:prstGeom prst="straightConnector1">
@@ -7466,7 +7543,7 @@
         </p:nvCxnSpPr>
         <p:spPr>
           <a:xfrm flipH="1">
-            <a:off x="2455682" y="9588161"/>
+            <a:off x="4254879" y="10502561"/>
             <a:ext cx="2" cy="998412"/>
           </a:xfrm>
           <a:prstGeom prst="straightConnector1">
@@ -7572,7 +7649,7 @@
         </p:nvSpPr>
         <p:spPr>
           <a:xfrm>
-            <a:off x="4824785" y="8142528"/>
+            <a:off x="6623982" y="9056928"/>
             <a:ext cx="2279745" cy="1259320"/>
           </a:xfrm>
           <a:prstGeom prst="rect">
@@ -7662,7 +7739,7 @@
         </p:nvSpPr>
         <p:spPr>
           <a:xfrm>
-            <a:off x="1237489" y="10586573"/>
+            <a:off x="3036686" y="11500973"/>
             <a:ext cx="2436386" cy="1644960"/>
           </a:xfrm>
           <a:prstGeom prst="rect">
@@ -7736,7 +7813,7 @@
         </p:nvSpPr>
         <p:spPr>
           <a:xfrm>
-            <a:off x="6306646" y="5156346"/>
+            <a:off x="8105843" y="6070746"/>
             <a:ext cx="2436388" cy="1644960"/>
           </a:xfrm>
           <a:prstGeom prst="rect">
@@ -7814,7 +7891,7 @@
         </p:nvCxnSpPr>
         <p:spPr>
           <a:xfrm flipH="1">
-            <a:off x="7521504" y="6801306"/>
+            <a:off x="9320701" y="7715706"/>
             <a:ext cx="3336" cy="3975446"/>
           </a:xfrm>
           <a:prstGeom prst="straightConnector1">
@@ -7854,7 +7931,7 @@
         </p:nvSpPr>
         <p:spPr>
           <a:xfrm>
-            <a:off x="10403273" y="10776752"/>
+            <a:off x="12202470" y="11691152"/>
             <a:ext cx="2663685" cy="1259320"/>
           </a:xfrm>
           <a:prstGeom prst="rect">
@@ -7928,7 +8005,7 @@
         </p:nvSpPr>
         <p:spPr>
           <a:xfrm>
-            <a:off x="5170878" y="12960542"/>
+            <a:off x="6970075" y="13874942"/>
             <a:ext cx="4724962" cy="1554112"/>
           </a:xfrm>
           <a:prstGeom prst="rect">
@@ -8006,7 +8083,7 @@
         </p:nvCxnSpPr>
         <p:spPr>
           <a:xfrm flipH="1">
-            <a:off x="11734219" y="12036072"/>
+            <a:off x="13533416" y="12950472"/>
             <a:ext cx="897" cy="924462"/>
           </a:xfrm>
           <a:prstGeom prst="straightConnector1">
@@ -8046,7 +8123,7 @@
         </p:nvSpPr>
         <p:spPr>
           <a:xfrm>
-            <a:off x="11712587" y="12231533"/>
+            <a:off x="13511784" y="13145933"/>
             <a:ext cx="721103" cy="400110"/>
           </a:xfrm>
           <a:prstGeom prst="rect">
@@ -8082,7 +8159,7 @@
         </p:nvSpPr>
         <p:spPr>
           <a:xfrm>
-            <a:off x="13066061" y="10936227"/>
+            <a:off x="14865258" y="11850627"/>
             <a:ext cx="802351" cy="400110"/>
           </a:xfrm>
           <a:prstGeom prst="rect">
@@ -8122,7 +8199,7 @@
         </p:nvCxnSpPr>
         <p:spPr>
           <a:xfrm>
-            <a:off x="7521504" y="12036072"/>
+            <a:off x="9320701" y="12950472"/>
             <a:ext cx="11855" cy="924470"/>
           </a:xfrm>
           <a:prstGeom prst="straightConnector1">
@@ -8162,7 +8239,7 @@
         </p:nvSpPr>
         <p:spPr>
           <a:xfrm>
-            <a:off x="9406692" y="5218104"/>
+            <a:off x="11205889" y="6132504"/>
             <a:ext cx="3931546" cy="4252210"/>
           </a:xfrm>
           <a:prstGeom prst="rect">
@@ -8379,7 +8456,7 @@
         </p:nvCxnSpPr>
         <p:spPr>
           <a:xfrm>
-            <a:off x="2455682" y="12231533"/>
+            <a:off x="4254879" y="13145933"/>
             <a:ext cx="0" cy="729008"/>
           </a:xfrm>
           <a:prstGeom prst="straightConnector1">
@@ -8566,7 +8643,7 @@
         </p:nvSpPr>
         <p:spPr>
           <a:xfrm>
-            <a:off x="2432189" y="12395982"/>
+            <a:off x="4231386" y="13310382"/>
             <a:ext cx="646232" cy="400110"/>
           </a:xfrm>
           <a:prstGeom prst="rect">
@@ -8602,7 +8679,7 @@
         </p:nvSpPr>
         <p:spPr>
           <a:xfrm>
-            <a:off x="4639503" y="11051361"/>
+            <a:off x="6438700" y="11965761"/>
             <a:ext cx="730306" cy="400110"/>
           </a:xfrm>
           <a:prstGeom prst="rect">
@@ -8642,7 +8719,7 @@
         </p:nvCxnSpPr>
         <p:spPr>
           <a:xfrm flipV="1">
-            <a:off x="3673875" y="11406412"/>
+            <a:off x="5473072" y="12320812"/>
             <a:ext cx="2515786" cy="2641"/>
           </a:xfrm>
           <a:prstGeom prst="straightConnector1">
@@ -8685,7 +8762,7 @@
         </p:nvCxnSpPr>
         <p:spPr>
           <a:xfrm>
-            <a:off x="7104530" y="8772188"/>
+            <a:off x="8903727" y="9686588"/>
             <a:ext cx="223549" cy="2011035"/>
           </a:xfrm>
           <a:prstGeom prst="bentConnector2">
@@ -8729,7 +8806,7 @@
         </p:nvCxnSpPr>
         <p:spPr>
           <a:xfrm flipH="1">
-            <a:off x="7533359" y="11406412"/>
+            <a:off x="9332556" y="12320812"/>
             <a:ext cx="5533599" cy="3108242"/>
           </a:xfrm>
           <a:prstGeom prst="bentConnector4">
@@ -8776,7 +8853,7 @@
         </p:nvCxnSpPr>
         <p:spPr>
           <a:xfrm flipV="1">
-            <a:off x="9895840" y="13737590"/>
+            <a:off x="11695037" y="14651990"/>
             <a:ext cx="506536" cy="8"/>
           </a:xfrm>
           <a:prstGeom prst="straightConnector1">
@@ -8802,6 +8879,41 @@
           </a:fontRef>
         </p:style>
       </p:cxnSp>
+      <p:sp>
+        <p:nvSpPr>
+          <p:cNvPr id="2" name="TextBox 1">
+            <a:extLst>
+              <a:ext uri="{FF2B5EF4-FFF2-40B4-BE49-F238E27FC236}">
+                <a16:creationId xmlns:a16="http://schemas.microsoft.com/office/drawing/2014/main" id="{72FCE891-241C-8D09-352A-6C4AE577572A}"/>
+              </a:ext>
+            </a:extLst>
+          </p:cNvPr>
+          <p:cNvSpPr txBox="1"/>
+          <p:nvPr/>
+        </p:nvSpPr>
+        <p:spPr>
+          <a:xfrm>
+            <a:off x="6917208" y="287920"/>
+            <a:ext cx="4148123" cy="769441"/>
+          </a:xfrm>
+          <a:prstGeom prst="rect">
+            <a:avLst/>
+          </a:prstGeom>
+          <a:noFill/>
+        </p:spPr>
+        <p:txBody>
+          <a:bodyPr wrap="none" rtlCol="0">
+            <a:spAutoFit/>
+          </a:bodyPr>
+          <a:lstStyle/>
+          <a:p>
+            <a:r>
+              <a:rPr lang="en-GB" sz="4400" dirty="0"/>
+              <a:t>Previous version</a:t>
+            </a:r>
+          </a:p>
+        </p:txBody>
+      </p:sp>
     </p:spTree>
     <p:extLst>
       <p:ext uri="{BB962C8B-B14F-4D97-AF65-F5344CB8AC3E}">
@@ -8864,10 +8976,10 @@
       </p:pic>
       <p:sp>
         <p:nvSpPr>
-          <p:cNvPr id="6" name="Rectangle 5">
-            <a:extLst>
-              <a:ext uri="{FF2B5EF4-FFF2-40B4-BE49-F238E27FC236}">
-                <a16:creationId xmlns:a16="http://schemas.microsoft.com/office/drawing/2014/main" id="{6E07BB81-D828-144A-EB02-0B2D729F7626}"/>
+          <p:cNvPr id="9" name="Rectangle 8">
+            <a:extLst>
+              <a:ext uri="{FF2B5EF4-FFF2-40B4-BE49-F238E27FC236}">
+                <a16:creationId xmlns:a16="http://schemas.microsoft.com/office/drawing/2014/main" id="{488FD193-364C-B76F-A576-6A01CC4D876D}"/>
               </a:ext>
             </a:extLst>
           </p:cNvPr>
@@ -8876,16 +8988,16 @@
         </p:nvSpPr>
         <p:spPr>
           <a:xfrm>
-            <a:off x="23473597" y="5333197"/>
-            <a:ext cx="2279745" cy="1259320"/>
+            <a:off x="552093" y="2656201"/>
+            <a:ext cx="1489937" cy="1188720"/>
           </a:xfrm>
           <a:prstGeom prst="rect">
             <a:avLst/>
           </a:prstGeom>
           <a:solidFill>
-            <a:srgbClr val="2596BE">
-              <a:alpha val="30196"/>
-            </a:srgbClr>
+            <a:schemeClr val="bg1">
+              <a:lumMod val="85000"/>
+            </a:schemeClr>
           </a:solidFill>
         </p:spPr>
         <p:style>
@@ -8909,20 +9021,31 @@
           <a:lstStyle/>
           <a:p>
             <a:pPr algn="ctr"/>
-            <a:endParaRPr lang="en-GB" sz="2000" dirty="0">
-              <a:solidFill>
-                <a:schemeClr val="tx1"/>
-              </a:solidFill>
-            </a:endParaRPr>
-          </a:p>
-        </p:txBody>
-      </p:sp>
-      <p:sp>
-        <p:nvSpPr>
-          <p:cNvPr id="7" name="Rectangle 6">
-            <a:extLst>
-              <a:ext uri="{FF2B5EF4-FFF2-40B4-BE49-F238E27FC236}">
-                <a16:creationId xmlns:a16="http://schemas.microsoft.com/office/drawing/2014/main" id="{E84E2C69-83A0-2B5C-C2DA-56CA1C2C769A}"/>
+            <a:r>
+              <a:rPr lang="en-GB" sz="2000" dirty="0">
+                <a:solidFill>
+                  <a:schemeClr val="tx1"/>
+                </a:solidFill>
+              </a:rPr>
+              <a:t>Dark grey boxes are </a:t>
+            </a:r>
+            <a:r>
+              <a:rPr lang="en-GB" sz="2000" b="1" dirty="0">
+                <a:solidFill>
+                  <a:schemeClr val="tx1"/>
+                </a:solidFill>
+              </a:rPr>
+              <a:t>headings</a:t>
+            </a:r>
+          </a:p>
+        </p:txBody>
+      </p:sp>
+      <p:sp>
+        <p:nvSpPr>
+          <p:cNvPr id="19" name="Rectangle 18">
+            <a:extLst>
+              <a:ext uri="{FF2B5EF4-FFF2-40B4-BE49-F238E27FC236}">
+                <a16:creationId xmlns:a16="http://schemas.microsoft.com/office/drawing/2014/main" id="{5F6D6C7C-4C0A-2396-F7DF-836CB63FD869}"/>
               </a:ext>
             </a:extLst>
           </p:cNvPr>
@@ -8931,16 +9054,16 @@
         </p:nvSpPr>
         <p:spPr>
           <a:xfrm>
-            <a:off x="23196466" y="2680298"/>
-            <a:ext cx="2436388" cy="1644960"/>
+            <a:off x="7265864" y="4112378"/>
+            <a:ext cx="3233475" cy="1373012"/>
           </a:xfrm>
           <a:prstGeom prst="rect">
             <a:avLst/>
           </a:prstGeom>
           <a:solidFill>
-            <a:schemeClr val="bg1">
-              <a:lumMod val="85000"/>
-            </a:schemeClr>
+            <a:srgbClr val="2596BE">
+              <a:alpha val="30196"/>
+            </a:srgbClr>
           </a:solidFill>
         </p:spPr>
         <p:style>
@@ -8964,20 +9087,31 @@
           <a:lstStyle/>
           <a:p>
             <a:pPr algn="ctr"/>
-            <a:endParaRPr lang="en-GB" sz="2000" dirty="0">
-              <a:solidFill>
-                <a:schemeClr val="tx1"/>
-              </a:solidFill>
-            </a:endParaRPr>
-          </a:p>
-        </p:txBody>
-      </p:sp>
-      <p:sp>
-        <p:nvSpPr>
-          <p:cNvPr id="9" name="Rectangle 8">
-            <a:extLst>
-              <a:ext uri="{FF2B5EF4-FFF2-40B4-BE49-F238E27FC236}">
-                <a16:creationId xmlns:a16="http://schemas.microsoft.com/office/drawing/2014/main" id="{488FD193-364C-B76F-A576-6A01CC4D876D}"/>
+            <a:r>
+              <a:rPr lang="en-GB" sz="2000" b="1" dirty="0">
+                <a:solidFill>
+                  <a:schemeClr val="tx1"/>
+                </a:solidFill>
+              </a:rPr>
+              <a:t>Server: </a:t>
+            </a:r>
+            <a:r>
+              <a:rPr lang="en-GB" sz="2000" dirty="0">
+                <a:solidFill>
+                  <a:schemeClr val="tx1"/>
+                </a:solidFill>
+              </a:rPr>
+              <a:t>different options for connecting to a server</a:t>
+            </a:r>
+          </a:p>
+        </p:txBody>
+      </p:sp>
+      <p:sp>
+        <p:nvSpPr>
+          <p:cNvPr id="24" name="Rectangle 23">
+            <a:extLst>
+              <a:ext uri="{FF2B5EF4-FFF2-40B4-BE49-F238E27FC236}">
+                <a16:creationId xmlns:a16="http://schemas.microsoft.com/office/drawing/2014/main" id="{172B55A1-694D-BB7C-6665-B121EEA950AF}"/>
               </a:ext>
             </a:extLst>
           </p:cNvPr>
@@ -8986,16 +9120,16 @@
         </p:nvSpPr>
         <p:spPr>
           <a:xfrm>
-            <a:off x="1549872" y="747346"/>
-            <a:ext cx="1489937" cy="1188720"/>
+            <a:off x="11620907" y="7854844"/>
+            <a:ext cx="3227959" cy="1259320"/>
           </a:xfrm>
           <a:prstGeom prst="rect">
             <a:avLst/>
           </a:prstGeom>
           <a:solidFill>
-            <a:schemeClr val="bg1">
-              <a:lumMod val="85000"/>
-            </a:schemeClr>
+            <a:srgbClr val="2596BE">
+              <a:alpha val="30196"/>
+            </a:srgbClr>
           </a:solidFill>
         </p:spPr>
         <p:style>
@@ -9020,30 +9154,35 @@
           <a:p>
             <a:pPr algn="ctr"/>
             <a:r>
+              <a:rPr lang="en-GB" sz="2000" b="1" dirty="0">
+                <a:solidFill>
+                  <a:schemeClr val="tx1"/>
+                </a:solidFill>
+              </a:rPr>
+              <a:t>Disconnect:</a:t>
+            </a:r>
+            <a:r>
               <a:rPr lang="en-GB" sz="2000" dirty="0">
                 <a:solidFill>
                   <a:schemeClr val="tx1"/>
                 </a:solidFill>
               </a:rPr>
-              <a:t>Dark grey boxes are </a:t>
-            </a:r>
-            <a:r>
-              <a:rPr lang="en-GB" sz="2000" b="1" dirty="0">
-                <a:solidFill>
-                  <a:schemeClr val="tx1"/>
-                </a:solidFill>
-              </a:rPr>
-              <a:t>headings</a:t>
-            </a:r>
-          </a:p>
-        </p:txBody>
-      </p:sp>
-      <p:sp>
-        <p:nvSpPr>
-          <p:cNvPr id="10" name="Rectangle 9">
-            <a:extLst>
-              <a:ext uri="{FF2B5EF4-FFF2-40B4-BE49-F238E27FC236}">
-                <a16:creationId xmlns:a16="http://schemas.microsoft.com/office/drawing/2014/main" id="{272927D8-E09A-64A9-A3E1-DDA99FC54C8C}"/>
+              <a:t> if we are connected to a server, disconnect from it.</a:t>
+            </a:r>
+            <a:endParaRPr lang="en-GB" sz="2000" b="1" dirty="0">
+              <a:solidFill>
+                <a:schemeClr val="tx1"/>
+              </a:solidFill>
+            </a:endParaRPr>
+          </a:p>
+        </p:txBody>
+      </p:sp>
+      <p:sp>
+        <p:nvSpPr>
+          <p:cNvPr id="25" name="Rectangle 24">
+            <a:extLst>
+              <a:ext uri="{FF2B5EF4-FFF2-40B4-BE49-F238E27FC236}">
+                <a16:creationId xmlns:a16="http://schemas.microsoft.com/office/drawing/2014/main" id="{86D00E3F-561A-E0ED-F5FF-37A7FDDDD942}"/>
               </a:ext>
             </a:extLst>
           </p:cNvPr>
@@ -9052,16 +9191,16 @@
         </p:nvSpPr>
         <p:spPr>
           <a:xfrm>
-            <a:off x="23348866" y="2832698"/>
-            <a:ext cx="2436388" cy="1644960"/>
+            <a:off x="11620908" y="2656201"/>
+            <a:ext cx="4637956" cy="2441419"/>
           </a:xfrm>
           <a:prstGeom prst="rect">
             <a:avLst/>
           </a:prstGeom>
           <a:solidFill>
-            <a:schemeClr val="bg1">
-              <a:lumMod val="85000"/>
-            </a:schemeClr>
+            <a:srgbClr val="2596BE">
+              <a:alpha val="30196"/>
+            </a:srgbClr>
           </a:solidFill>
         </p:spPr>
         <p:style>
@@ -9085,20 +9224,31 @@
           <a:lstStyle/>
           <a:p>
             <a:pPr algn="ctr"/>
-            <a:endParaRPr lang="en-GB" sz="2000" dirty="0">
-              <a:solidFill>
-                <a:schemeClr val="tx1"/>
-              </a:solidFill>
-            </a:endParaRPr>
-          </a:p>
-        </p:txBody>
-      </p:sp>
-      <p:sp>
-        <p:nvSpPr>
-          <p:cNvPr id="11" name="Rectangle 10">
-            <a:extLst>
-              <a:ext uri="{FF2B5EF4-FFF2-40B4-BE49-F238E27FC236}">
-                <a16:creationId xmlns:a16="http://schemas.microsoft.com/office/drawing/2014/main" id="{72F9AC22-B3D0-400C-C41C-251C4935DF71}"/>
+            <a:r>
+              <a:rPr lang="en-GB" sz="2000" b="1" dirty="0">
+                <a:solidFill>
+                  <a:schemeClr val="tx1"/>
+                </a:solidFill>
+              </a:rPr>
+              <a:t>Direct Connect</a:t>
+            </a:r>
+            <a:r>
+              <a:rPr lang="en-GB" sz="2000" dirty="0">
+                <a:solidFill>
+                  <a:schemeClr val="tx1"/>
+                </a:solidFill>
+              </a:rPr>
+              <a:t>: toggles a menu that allows you to change the IP address and trajectory/multiplayer ports of the server you wish to connect to. Use this if you are not using the default ports (specified when you create a server) or if you are connecting to an IP of a different machine/cloud server.</a:t>
+            </a:r>
+          </a:p>
+        </p:txBody>
+      </p:sp>
+      <p:sp>
+        <p:nvSpPr>
+          <p:cNvPr id="26" name="Rectangle 25">
+            <a:extLst>
+              <a:ext uri="{FF2B5EF4-FFF2-40B4-BE49-F238E27FC236}">
+                <a16:creationId xmlns:a16="http://schemas.microsoft.com/office/drawing/2014/main" id="{CCCA6C18-4808-6C21-A408-320E0F3E159B}"/>
               </a:ext>
             </a:extLst>
           </p:cNvPr>
@@ -9107,16 +9257,16 @@
         </p:nvSpPr>
         <p:spPr>
           <a:xfrm>
-            <a:off x="23501266" y="2985098"/>
-            <a:ext cx="2436388" cy="1644960"/>
+            <a:off x="11626423" y="322675"/>
+            <a:ext cx="4578242" cy="1577139"/>
           </a:xfrm>
           <a:prstGeom prst="rect">
             <a:avLst/>
           </a:prstGeom>
           <a:solidFill>
-            <a:schemeClr val="bg1">
-              <a:lumMod val="85000"/>
-            </a:schemeClr>
+            <a:srgbClr val="2596BE">
+              <a:alpha val="30196"/>
+            </a:srgbClr>
           </a:solidFill>
         </p:spPr>
         <p:style>
@@ -9140,20 +9290,121 @@
           <a:lstStyle/>
           <a:p>
             <a:pPr algn="ctr"/>
-            <a:endParaRPr lang="en-GB" sz="2000" dirty="0">
-              <a:solidFill>
-                <a:schemeClr val="tx1"/>
-              </a:solidFill>
-            </a:endParaRPr>
-          </a:p>
-        </p:txBody>
-      </p:sp>
-      <p:sp>
-        <p:nvSpPr>
-          <p:cNvPr id="12" name="Rectangle 11">
-            <a:extLst>
-              <a:ext uri="{FF2B5EF4-FFF2-40B4-BE49-F238E27FC236}">
-                <a16:creationId xmlns:a16="http://schemas.microsoft.com/office/drawing/2014/main" id="{4B7B1D94-EC90-E19D-9B17-9F38F6661FAD}"/>
+            <a:r>
+              <a:rPr lang="en-GB" sz="2000" b="1" dirty="0" err="1">
+                <a:solidFill>
+                  <a:schemeClr val="tx1"/>
+                </a:solidFill>
+              </a:rPr>
+              <a:t>Autoconnect</a:t>
+            </a:r>
+            <a:r>
+              <a:rPr lang="en-GB" sz="2000" dirty="0">
+                <a:solidFill>
+                  <a:schemeClr val="tx1"/>
+                </a:solidFill>
+              </a:rPr>
+              <a:t>: connects to the first server found on the network (uses the default parameters). Do not use this if there are multiple servers running on your network.</a:t>
+            </a:r>
+          </a:p>
+        </p:txBody>
+      </p:sp>
+      <p:pic>
+        <p:nvPicPr>
+          <p:cNvPr id="28" name="Picture 27">
+            <a:extLst>
+              <a:ext uri="{FF2B5EF4-FFF2-40B4-BE49-F238E27FC236}">
+                <a16:creationId xmlns:a16="http://schemas.microsoft.com/office/drawing/2014/main" id="{883E1A98-ABC3-47D2-BC09-0EE2F3747C93}"/>
+              </a:ext>
+            </a:extLst>
+          </p:cNvPr>
+          <p:cNvPicPr>
+            <a:picLocks noChangeAspect="1"/>
+          </p:cNvPicPr>
+          <p:nvPr/>
+        </p:nvPicPr>
+        <p:blipFill>
+          <a:blip r:embed="rId3"/>
+          <a:stretch>
+            <a:fillRect/>
+          </a:stretch>
+        </p:blipFill>
+        <p:spPr>
+          <a:xfrm>
+            <a:off x="16421475" y="2656201"/>
+            <a:ext cx="2654380" cy="2949310"/>
+          </a:xfrm>
+          <a:prstGeom prst="rect">
+            <a:avLst/>
+          </a:prstGeom>
+        </p:spPr>
+      </p:pic>
+      <p:pic>
+        <p:nvPicPr>
+          <p:cNvPr id="30" name="Picture 29">
+            <a:extLst>
+              <a:ext uri="{FF2B5EF4-FFF2-40B4-BE49-F238E27FC236}">
+                <a16:creationId xmlns:a16="http://schemas.microsoft.com/office/drawing/2014/main" id="{80766357-3B97-AF21-B22A-54AEE5C5D93F}"/>
+              </a:ext>
+            </a:extLst>
+          </p:cNvPr>
+          <p:cNvPicPr>
+            <a:picLocks noChangeAspect="1"/>
+          </p:cNvPicPr>
+          <p:nvPr/>
+        </p:nvPicPr>
+        <p:blipFill>
+          <a:blip r:embed="rId4"/>
+          <a:stretch>
+            <a:fillRect/>
+          </a:stretch>
+        </p:blipFill>
+        <p:spPr>
+          <a:xfrm>
+            <a:off x="15058441" y="6396574"/>
+            <a:ext cx="2887176" cy="1235443"/>
+          </a:xfrm>
+          <a:prstGeom prst="rect">
+            <a:avLst/>
+          </a:prstGeom>
+        </p:spPr>
+      </p:pic>
+      <p:pic>
+        <p:nvPicPr>
+          <p:cNvPr id="32" name="Picture 31">
+            <a:extLst>
+              <a:ext uri="{FF2B5EF4-FFF2-40B4-BE49-F238E27FC236}">
+                <a16:creationId xmlns:a16="http://schemas.microsoft.com/office/drawing/2014/main" id="{76B58336-0005-B29A-D9C1-4CCCF13BDD65}"/>
+              </a:ext>
+            </a:extLst>
+          </p:cNvPr>
+          <p:cNvPicPr>
+            <a:picLocks noChangeAspect="1"/>
+          </p:cNvPicPr>
+          <p:nvPr/>
+        </p:nvPicPr>
+        <p:blipFill>
+          <a:blip r:embed="rId5"/>
+          <a:stretch>
+            <a:fillRect/>
+          </a:stretch>
+        </p:blipFill>
+        <p:spPr>
+          <a:xfrm>
+            <a:off x="18387092" y="6396574"/>
+            <a:ext cx="2860319" cy="1826307"/>
+          </a:xfrm>
+          <a:prstGeom prst="rect">
+            <a:avLst/>
+          </a:prstGeom>
+        </p:spPr>
+      </p:pic>
+      <p:sp>
+        <p:nvSpPr>
+          <p:cNvPr id="33" name="Rectangle 32">
+            <a:extLst>
+              <a:ext uri="{FF2B5EF4-FFF2-40B4-BE49-F238E27FC236}">
+                <a16:creationId xmlns:a16="http://schemas.microsoft.com/office/drawing/2014/main" id="{F6376597-504F-D315-56EB-7DAB12073E45}"/>
               </a:ext>
             </a:extLst>
           </p:cNvPr>
@@ -9162,16 +9413,16 @@
         </p:nvSpPr>
         <p:spPr>
           <a:xfrm>
-            <a:off x="23653666" y="3137498"/>
-            <a:ext cx="2436388" cy="1644960"/>
+            <a:off x="11620907" y="6331974"/>
+            <a:ext cx="3227959" cy="1235443"/>
           </a:xfrm>
           <a:prstGeom prst="rect">
             <a:avLst/>
           </a:prstGeom>
           <a:solidFill>
-            <a:schemeClr val="bg1">
-              <a:lumMod val="85000"/>
-            </a:schemeClr>
+            <a:srgbClr val="2596BE">
+              <a:alpha val="30196"/>
+            </a:srgbClr>
           </a:solidFill>
         </p:spPr>
         <p:style>
@@ -9195,20 +9446,31 @@
           <a:lstStyle/>
           <a:p>
             <a:pPr algn="ctr"/>
-            <a:endParaRPr lang="en-GB" sz="2000" dirty="0">
-              <a:solidFill>
-                <a:schemeClr val="tx1"/>
-              </a:solidFill>
-            </a:endParaRPr>
-          </a:p>
-        </p:txBody>
-      </p:sp>
-      <p:sp>
-        <p:nvSpPr>
-          <p:cNvPr id="13" name="Rectangle 12">
-            <a:extLst>
-              <a:ext uri="{FF2B5EF4-FFF2-40B4-BE49-F238E27FC236}">
-                <a16:creationId xmlns:a16="http://schemas.microsoft.com/office/drawing/2014/main" id="{EE6B7265-0266-9F6D-AB95-EEEEB85CB011}"/>
+            <a:r>
+              <a:rPr lang="en-GB" sz="2000" b="1" dirty="0">
+                <a:solidFill>
+                  <a:schemeClr val="tx1"/>
+                </a:solidFill>
+              </a:rPr>
+              <a:t>Discover Services</a:t>
+            </a:r>
+            <a:r>
+              <a:rPr lang="en-GB" sz="2000" dirty="0">
+                <a:solidFill>
+                  <a:schemeClr val="tx1"/>
+                </a:solidFill>
+              </a:rPr>
+              <a:t>: toggles a menu for searching for servers on the network.</a:t>
+            </a:r>
+          </a:p>
+        </p:txBody>
+      </p:sp>
+      <p:sp>
+        <p:nvSpPr>
+          <p:cNvPr id="35" name="Rectangle 34">
+            <a:extLst>
+              <a:ext uri="{FF2B5EF4-FFF2-40B4-BE49-F238E27FC236}">
+                <a16:creationId xmlns:a16="http://schemas.microsoft.com/office/drawing/2014/main" id="{0397A6E3-6004-1107-CFA4-3DD0A244CBCC}"/>
               </a:ext>
             </a:extLst>
           </p:cNvPr>
@@ -9217,15 +9479,16 @@
         </p:nvSpPr>
         <p:spPr>
           <a:xfrm>
-            <a:off x="23806066" y="3289898"/>
-            <a:ext cx="2436388" cy="1644960"/>
+            <a:off x="15058441" y="7752742"/>
+            <a:ext cx="3227959" cy="907486"/>
           </a:xfrm>
           <a:prstGeom prst="rect">
             <a:avLst/>
           </a:prstGeom>
           <a:solidFill>
-            <a:schemeClr val="bg1">
-              <a:lumMod val="85000"/>
+            <a:schemeClr val="accent2">
+              <a:lumMod val="40000"/>
+              <a:lumOff val="60000"/>
             </a:schemeClr>
           </a:solidFill>
         </p:spPr>
@@ -9250,20 +9513,23 @@
           <a:lstStyle/>
           <a:p>
             <a:pPr algn="ctr"/>
-            <a:endParaRPr lang="en-GB" sz="2000" dirty="0">
-              <a:solidFill>
-                <a:schemeClr val="tx1"/>
-              </a:solidFill>
-            </a:endParaRPr>
-          </a:p>
-        </p:txBody>
-      </p:sp>
-      <p:sp>
-        <p:nvSpPr>
-          <p:cNvPr id="14" name="Rectangle 13">
-            <a:extLst>
-              <a:ext uri="{FF2B5EF4-FFF2-40B4-BE49-F238E27FC236}">
-                <a16:creationId xmlns:a16="http://schemas.microsoft.com/office/drawing/2014/main" id="{D0FD8DF6-25C8-5F43-32EE-2064C0CF7D37}"/>
+            <a:r>
+              <a:rPr lang="en-GB" sz="2000" dirty="0">
+                <a:solidFill>
+                  <a:schemeClr val="tx1"/>
+                </a:solidFill>
+              </a:rPr>
+              <a:t>Click “Search”. If there are servers available, they will appear underneath.</a:t>
+            </a:r>
+          </a:p>
+        </p:txBody>
+      </p:sp>
+      <p:sp>
+        <p:nvSpPr>
+          <p:cNvPr id="37" name="Rectangle 36">
+            <a:extLst>
+              <a:ext uri="{FF2B5EF4-FFF2-40B4-BE49-F238E27FC236}">
+                <a16:creationId xmlns:a16="http://schemas.microsoft.com/office/drawing/2014/main" id="{74F3C1B9-9AF4-244A-FD11-2A291F2B9ED7}"/>
               </a:ext>
             </a:extLst>
           </p:cNvPr>
@@ -9272,16 +9538,16 @@
         </p:nvSpPr>
         <p:spPr>
           <a:xfrm>
-            <a:off x="23958466" y="3442298"/>
-            <a:ext cx="2436388" cy="1644960"/>
+            <a:off x="858968" y="6420057"/>
+            <a:ext cx="3227959" cy="1696046"/>
           </a:xfrm>
           <a:prstGeom prst="rect">
             <a:avLst/>
           </a:prstGeom>
           <a:solidFill>
-            <a:schemeClr val="bg1">
-              <a:lumMod val="85000"/>
-            </a:schemeClr>
+            <a:srgbClr val="2596BE">
+              <a:alpha val="30196"/>
+            </a:srgbClr>
           </a:solidFill>
         </p:spPr>
         <p:style>
@@ -9305,288 +9571,13 @@
           <a:lstStyle/>
           <a:p>
             <a:pPr algn="ctr"/>
-            <a:endParaRPr lang="en-GB" sz="2000" dirty="0">
-              <a:solidFill>
-                <a:schemeClr val="tx1"/>
-              </a:solidFill>
-            </a:endParaRPr>
-          </a:p>
-        </p:txBody>
-      </p:sp>
-      <p:sp>
-        <p:nvSpPr>
-          <p:cNvPr id="15" name="Rectangle 14">
-            <a:extLst>
-              <a:ext uri="{FF2B5EF4-FFF2-40B4-BE49-F238E27FC236}">
-                <a16:creationId xmlns:a16="http://schemas.microsoft.com/office/drawing/2014/main" id="{08256543-4CB1-CE21-0DE7-EE964B3723EA}"/>
-              </a:ext>
-            </a:extLst>
-          </p:cNvPr>
-          <p:cNvSpPr/>
-          <p:nvPr/>
-        </p:nvSpPr>
-        <p:spPr>
-          <a:xfrm>
-            <a:off x="23625997" y="5485597"/>
-            <a:ext cx="2279745" cy="1259320"/>
-          </a:xfrm>
-          <a:prstGeom prst="rect">
-            <a:avLst/>
-          </a:prstGeom>
-          <a:solidFill>
-            <a:srgbClr val="2596BE">
-              <a:alpha val="30196"/>
-            </a:srgbClr>
-          </a:solidFill>
-        </p:spPr>
-        <p:style>
-          <a:lnRef idx="2">
-            <a:schemeClr val="accent1">
-              <a:shade val="15000"/>
-            </a:schemeClr>
-          </a:lnRef>
-          <a:fillRef idx="1">
-            <a:schemeClr val="accent1"/>
-          </a:fillRef>
-          <a:effectRef idx="0">
-            <a:schemeClr val="accent1"/>
-          </a:effectRef>
-          <a:fontRef idx="minor">
-            <a:schemeClr val="lt1"/>
-          </a:fontRef>
-        </p:style>
-        <p:txBody>
-          <a:bodyPr rtlCol="0" anchor="ctr"/>
-          <a:lstStyle/>
-          <a:p>
-            <a:pPr algn="ctr"/>
-            <a:endParaRPr lang="en-GB" sz="2000" dirty="0">
-              <a:solidFill>
-                <a:schemeClr val="tx1"/>
-              </a:solidFill>
-            </a:endParaRPr>
-          </a:p>
-        </p:txBody>
-      </p:sp>
-      <p:sp>
-        <p:nvSpPr>
-          <p:cNvPr id="16" name="Rectangle 15">
-            <a:extLst>
-              <a:ext uri="{FF2B5EF4-FFF2-40B4-BE49-F238E27FC236}">
-                <a16:creationId xmlns:a16="http://schemas.microsoft.com/office/drawing/2014/main" id="{BB874D05-B0E0-860E-9FB0-6D88A7ADC7AC}"/>
-              </a:ext>
-            </a:extLst>
-          </p:cNvPr>
-          <p:cNvSpPr/>
-          <p:nvPr/>
-        </p:nvSpPr>
-        <p:spPr>
-          <a:xfrm>
-            <a:off x="23778397" y="5637997"/>
-            <a:ext cx="2279745" cy="1259320"/>
-          </a:xfrm>
-          <a:prstGeom prst="rect">
-            <a:avLst/>
-          </a:prstGeom>
-          <a:solidFill>
-            <a:srgbClr val="2596BE">
-              <a:alpha val="30196"/>
-            </a:srgbClr>
-          </a:solidFill>
-        </p:spPr>
-        <p:style>
-          <a:lnRef idx="2">
-            <a:schemeClr val="accent1">
-              <a:shade val="15000"/>
-            </a:schemeClr>
-          </a:lnRef>
-          <a:fillRef idx="1">
-            <a:schemeClr val="accent1"/>
-          </a:fillRef>
-          <a:effectRef idx="0">
-            <a:schemeClr val="accent1"/>
-          </a:effectRef>
-          <a:fontRef idx="minor">
-            <a:schemeClr val="lt1"/>
-          </a:fontRef>
-        </p:style>
-        <p:txBody>
-          <a:bodyPr rtlCol="0" anchor="ctr"/>
-          <a:lstStyle/>
-          <a:p>
-            <a:pPr algn="ctr"/>
-            <a:endParaRPr lang="en-GB" sz="2000" dirty="0">
-              <a:solidFill>
-                <a:schemeClr val="tx1"/>
-              </a:solidFill>
-            </a:endParaRPr>
-          </a:p>
-        </p:txBody>
-      </p:sp>
-      <p:sp>
-        <p:nvSpPr>
-          <p:cNvPr id="17" name="Rectangle 16">
-            <a:extLst>
-              <a:ext uri="{FF2B5EF4-FFF2-40B4-BE49-F238E27FC236}">
-                <a16:creationId xmlns:a16="http://schemas.microsoft.com/office/drawing/2014/main" id="{5E7585F8-BEBA-0297-A809-C24BC3EFEC68}"/>
-              </a:ext>
-            </a:extLst>
-          </p:cNvPr>
-          <p:cNvSpPr/>
-          <p:nvPr/>
-        </p:nvSpPr>
-        <p:spPr>
-          <a:xfrm>
-            <a:off x="23930797" y="5790397"/>
-            <a:ext cx="2279745" cy="1259320"/>
-          </a:xfrm>
-          <a:prstGeom prst="rect">
-            <a:avLst/>
-          </a:prstGeom>
-          <a:solidFill>
-            <a:srgbClr val="2596BE">
-              <a:alpha val="30196"/>
-            </a:srgbClr>
-          </a:solidFill>
-        </p:spPr>
-        <p:style>
-          <a:lnRef idx="2">
-            <a:schemeClr val="accent1">
-              <a:shade val="15000"/>
-            </a:schemeClr>
-          </a:lnRef>
-          <a:fillRef idx="1">
-            <a:schemeClr val="accent1"/>
-          </a:fillRef>
-          <a:effectRef idx="0">
-            <a:schemeClr val="accent1"/>
-          </a:effectRef>
-          <a:fontRef idx="minor">
-            <a:schemeClr val="lt1"/>
-          </a:fontRef>
-        </p:style>
-        <p:txBody>
-          <a:bodyPr rtlCol="0" anchor="ctr"/>
-          <a:lstStyle/>
-          <a:p>
-            <a:pPr algn="ctr"/>
-            <a:endParaRPr lang="en-GB" sz="2000" dirty="0">
-              <a:solidFill>
-                <a:schemeClr val="tx1"/>
-              </a:solidFill>
-            </a:endParaRPr>
-          </a:p>
-        </p:txBody>
-      </p:sp>
-      <p:sp>
-        <p:nvSpPr>
-          <p:cNvPr id="18" name="Rectangle 17">
-            <a:extLst>
-              <a:ext uri="{FF2B5EF4-FFF2-40B4-BE49-F238E27FC236}">
-                <a16:creationId xmlns:a16="http://schemas.microsoft.com/office/drawing/2014/main" id="{F8737CFD-76FF-93BD-DF6B-9686F9D59FEE}"/>
-              </a:ext>
-            </a:extLst>
-          </p:cNvPr>
-          <p:cNvSpPr/>
-          <p:nvPr/>
-        </p:nvSpPr>
-        <p:spPr>
-          <a:xfrm>
-            <a:off x="24083197" y="5942797"/>
-            <a:ext cx="2279745" cy="1259320"/>
-          </a:xfrm>
-          <a:prstGeom prst="rect">
-            <a:avLst/>
-          </a:prstGeom>
-          <a:solidFill>
-            <a:srgbClr val="2596BE">
-              <a:alpha val="30196"/>
-            </a:srgbClr>
-          </a:solidFill>
-        </p:spPr>
-        <p:style>
-          <a:lnRef idx="2">
-            <a:schemeClr val="accent1">
-              <a:shade val="15000"/>
-            </a:schemeClr>
-          </a:lnRef>
-          <a:fillRef idx="1">
-            <a:schemeClr val="accent1"/>
-          </a:fillRef>
-          <a:effectRef idx="0">
-            <a:schemeClr val="accent1"/>
-          </a:effectRef>
-          <a:fontRef idx="minor">
-            <a:schemeClr val="lt1"/>
-          </a:fontRef>
-        </p:style>
-        <p:txBody>
-          <a:bodyPr rtlCol="0" anchor="ctr"/>
-          <a:lstStyle/>
-          <a:p>
-            <a:pPr algn="ctr"/>
-            <a:endParaRPr lang="en-GB" sz="2000" dirty="0">
-              <a:solidFill>
-                <a:schemeClr val="tx1"/>
-              </a:solidFill>
-            </a:endParaRPr>
-          </a:p>
-        </p:txBody>
-      </p:sp>
-      <p:sp>
-        <p:nvSpPr>
-          <p:cNvPr id="19" name="Rectangle 18">
-            <a:extLst>
-              <a:ext uri="{FF2B5EF4-FFF2-40B4-BE49-F238E27FC236}">
-                <a16:creationId xmlns:a16="http://schemas.microsoft.com/office/drawing/2014/main" id="{5F6D6C7C-4C0A-2396-F7DF-836CB63FD869}"/>
-              </a:ext>
-            </a:extLst>
-          </p:cNvPr>
-          <p:cNvSpPr/>
-          <p:nvPr/>
-        </p:nvSpPr>
-        <p:spPr>
-          <a:xfrm>
-            <a:off x="7265864" y="4112378"/>
-            <a:ext cx="3233475" cy="1373012"/>
-          </a:xfrm>
-          <a:prstGeom prst="rect">
-            <a:avLst/>
-          </a:prstGeom>
-          <a:solidFill>
-            <a:srgbClr val="2596BE">
-              <a:alpha val="30196"/>
-            </a:srgbClr>
-          </a:solidFill>
-        </p:spPr>
-        <p:style>
-          <a:lnRef idx="2">
-            <a:schemeClr val="accent1">
-              <a:shade val="15000"/>
-            </a:schemeClr>
-          </a:lnRef>
-          <a:fillRef idx="1">
-            <a:schemeClr val="accent1"/>
-          </a:fillRef>
-          <a:effectRef idx="0">
-            <a:schemeClr val="accent1"/>
-          </a:effectRef>
-          <a:fontRef idx="minor">
-            <a:schemeClr val="lt1"/>
-          </a:fontRef>
-        </p:style>
-        <p:txBody>
-          <a:bodyPr rtlCol="0" anchor="ctr"/>
-          <a:lstStyle/>
-          <a:p>
-            <a:pPr algn="ctr"/>
             <a:r>
               <a:rPr lang="en-GB" sz="2000" b="1" dirty="0">
                 <a:solidFill>
                   <a:schemeClr val="tx1"/>
                 </a:solidFill>
               </a:rPr>
-              <a:t>Server: </a:t>
+              <a:t>Simulation: </a:t>
             </a:r>
             <a:r>
               <a:rPr lang="en-GB" sz="2000" dirty="0">
@@ -9594,934 +9585,9 @@
                   <a:schemeClr val="tx1"/>
                 </a:solidFill>
               </a:rPr>
-              <a:t>different options for connecting to a server</a:t>
-            </a:r>
-          </a:p>
-        </p:txBody>
-      </p:sp>
-      <p:sp>
-        <p:nvSpPr>
-          <p:cNvPr id="20" name="Rectangle 19">
-            <a:extLst>
-              <a:ext uri="{FF2B5EF4-FFF2-40B4-BE49-F238E27FC236}">
-                <a16:creationId xmlns:a16="http://schemas.microsoft.com/office/drawing/2014/main" id="{80117929-D4A6-3D34-5660-F6DA5108CD8F}"/>
-              </a:ext>
-            </a:extLst>
-          </p:cNvPr>
-          <p:cNvSpPr/>
-          <p:nvPr/>
-        </p:nvSpPr>
-        <p:spPr>
-          <a:xfrm>
-            <a:off x="24235597" y="6095197"/>
-            <a:ext cx="2279745" cy="1259320"/>
-          </a:xfrm>
-          <a:prstGeom prst="rect">
-            <a:avLst/>
-          </a:prstGeom>
-          <a:solidFill>
-            <a:srgbClr val="2596BE">
-              <a:alpha val="30196"/>
-            </a:srgbClr>
-          </a:solidFill>
-        </p:spPr>
-        <p:style>
-          <a:lnRef idx="2">
-            <a:schemeClr val="accent1">
-              <a:shade val="15000"/>
-            </a:schemeClr>
-          </a:lnRef>
-          <a:fillRef idx="1">
-            <a:schemeClr val="accent1"/>
-          </a:fillRef>
-          <a:effectRef idx="0">
-            <a:schemeClr val="accent1"/>
-          </a:effectRef>
-          <a:fontRef idx="minor">
-            <a:schemeClr val="lt1"/>
-          </a:fontRef>
-        </p:style>
-        <p:txBody>
-          <a:bodyPr rtlCol="0" anchor="ctr"/>
-          <a:lstStyle/>
-          <a:p>
-            <a:pPr algn="ctr"/>
-            <a:endParaRPr lang="en-GB" sz="2000" dirty="0">
-              <a:solidFill>
-                <a:schemeClr val="tx1"/>
-              </a:solidFill>
-            </a:endParaRPr>
-          </a:p>
-        </p:txBody>
-      </p:sp>
-      <p:sp>
-        <p:nvSpPr>
-          <p:cNvPr id="21" name="Rectangle 20">
-            <a:extLst>
-              <a:ext uri="{FF2B5EF4-FFF2-40B4-BE49-F238E27FC236}">
-                <a16:creationId xmlns:a16="http://schemas.microsoft.com/office/drawing/2014/main" id="{55F55DEF-20AD-AAB1-AB29-BC032AA0A40A}"/>
-              </a:ext>
-            </a:extLst>
-          </p:cNvPr>
-          <p:cNvSpPr/>
-          <p:nvPr/>
-        </p:nvSpPr>
-        <p:spPr>
-          <a:xfrm>
-            <a:off x="24387997" y="6247597"/>
-            <a:ext cx="2279745" cy="1259320"/>
-          </a:xfrm>
-          <a:prstGeom prst="rect">
-            <a:avLst/>
-          </a:prstGeom>
-          <a:solidFill>
-            <a:srgbClr val="2596BE">
-              <a:alpha val="30196"/>
-            </a:srgbClr>
-          </a:solidFill>
-        </p:spPr>
-        <p:style>
-          <a:lnRef idx="2">
-            <a:schemeClr val="accent1">
-              <a:shade val="15000"/>
-            </a:schemeClr>
-          </a:lnRef>
-          <a:fillRef idx="1">
-            <a:schemeClr val="accent1"/>
-          </a:fillRef>
-          <a:effectRef idx="0">
-            <a:schemeClr val="accent1"/>
-          </a:effectRef>
-          <a:fontRef idx="minor">
-            <a:schemeClr val="lt1"/>
-          </a:fontRef>
-        </p:style>
-        <p:txBody>
-          <a:bodyPr rtlCol="0" anchor="ctr"/>
-          <a:lstStyle/>
-          <a:p>
-            <a:pPr algn="ctr"/>
-            <a:endParaRPr lang="en-GB" sz="2000" dirty="0">
-              <a:solidFill>
-                <a:schemeClr val="tx1"/>
-              </a:solidFill>
-            </a:endParaRPr>
-          </a:p>
-        </p:txBody>
-      </p:sp>
-      <p:sp>
-        <p:nvSpPr>
-          <p:cNvPr id="22" name="Rectangle 21">
-            <a:extLst>
-              <a:ext uri="{FF2B5EF4-FFF2-40B4-BE49-F238E27FC236}">
-                <a16:creationId xmlns:a16="http://schemas.microsoft.com/office/drawing/2014/main" id="{B92CF2EF-7863-7831-B4CB-A0BAF2922083}"/>
-              </a:ext>
-            </a:extLst>
-          </p:cNvPr>
-          <p:cNvSpPr/>
-          <p:nvPr/>
-        </p:nvSpPr>
-        <p:spPr>
-          <a:xfrm>
-            <a:off x="24540397" y="6399997"/>
-            <a:ext cx="2279745" cy="1259320"/>
-          </a:xfrm>
-          <a:prstGeom prst="rect">
-            <a:avLst/>
-          </a:prstGeom>
-          <a:solidFill>
-            <a:srgbClr val="2596BE">
-              <a:alpha val="30196"/>
-            </a:srgbClr>
-          </a:solidFill>
-        </p:spPr>
-        <p:style>
-          <a:lnRef idx="2">
-            <a:schemeClr val="accent1">
-              <a:shade val="15000"/>
-            </a:schemeClr>
-          </a:lnRef>
-          <a:fillRef idx="1">
-            <a:schemeClr val="accent1"/>
-          </a:fillRef>
-          <a:effectRef idx="0">
-            <a:schemeClr val="accent1"/>
-          </a:effectRef>
-          <a:fontRef idx="minor">
-            <a:schemeClr val="lt1"/>
-          </a:fontRef>
-        </p:style>
-        <p:txBody>
-          <a:bodyPr rtlCol="0" anchor="ctr"/>
-          <a:lstStyle/>
-          <a:p>
-            <a:pPr algn="ctr"/>
-            <a:endParaRPr lang="en-GB" sz="2000" dirty="0">
-              <a:solidFill>
-                <a:schemeClr val="tx1"/>
-              </a:solidFill>
-            </a:endParaRPr>
-          </a:p>
-        </p:txBody>
-      </p:sp>
-      <p:sp>
-        <p:nvSpPr>
-          <p:cNvPr id="23" name="Rectangle 22">
-            <a:extLst>
-              <a:ext uri="{FF2B5EF4-FFF2-40B4-BE49-F238E27FC236}">
-                <a16:creationId xmlns:a16="http://schemas.microsoft.com/office/drawing/2014/main" id="{F8B03F6E-6F35-D78B-8BA0-0EE5BB8C5945}"/>
-              </a:ext>
-            </a:extLst>
-          </p:cNvPr>
-          <p:cNvSpPr/>
-          <p:nvPr/>
-        </p:nvSpPr>
-        <p:spPr>
-          <a:xfrm>
-            <a:off x="24692797" y="6552397"/>
-            <a:ext cx="2279745" cy="1259320"/>
-          </a:xfrm>
-          <a:prstGeom prst="rect">
-            <a:avLst/>
-          </a:prstGeom>
-          <a:solidFill>
-            <a:srgbClr val="2596BE">
-              <a:alpha val="30196"/>
-            </a:srgbClr>
-          </a:solidFill>
-        </p:spPr>
-        <p:style>
-          <a:lnRef idx="2">
-            <a:schemeClr val="accent1">
-              <a:shade val="15000"/>
-            </a:schemeClr>
-          </a:lnRef>
-          <a:fillRef idx="1">
-            <a:schemeClr val="accent1"/>
-          </a:fillRef>
-          <a:effectRef idx="0">
-            <a:schemeClr val="accent1"/>
-          </a:effectRef>
-          <a:fontRef idx="minor">
-            <a:schemeClr val="lt1"/>
-          </a:fontRef>
-        </p:style>
-        <p:txBody>
-          <a:bodyPr rtlCol="0" anchor="ctr"/>
-          <a:lstStyle/>
-          <a:p>
-            <a:pPr algn="ctr"/>
-            <a:endParaRPr lang="en-GB" sz="2000" dirty="0">
-              <a:solidFill>
-                <a:schemeClr val="tx1"/>
-              </a:solidFill>
-            </a:endParaRPr>
-          </a:p>
-        </p:txBody>
-      </p:sp>
-      <p:sp>
-        <p:nvSpPr>
-          <p:cNvPr id="24" name="Rectangle 23">
-            <a:extLst>
-              <a:ext uri="{FF2B5EF4-FFF2-40B4-BE49-F238E27FC236}">
-                <a16:creationId xmlns:a16="http://schemas.microsoft.com/office/drawing/2014/main" id="{172B55A1-694D-BB7C-6665-B121EEA950AF}"/>
-              </a:ext>
-            </a:extLst>
-          </p:cNvPr>
-          <p:cNvSpPr/>
-          <p:nvPr/>
-        </p:nvSpPr>
-        <p:spPr>
-          <a:xfrm>
-            <a:off x="11620907" y="7854844"/>
-            <a:ext cx="3227959" cy="1259320"/>
-          </a:xfrm>
-          <a:prstGeom prst="rect">
-            <a:avLst/>
-          </a:prstGeom>
-          <a:solidFill>
-            <a:srgbClr val="2596BE">
-              <a:alpha val="30196"/>
-            </a:srgbClr>
-          </a:solidFill>
-        </p:spPr>
-        <p:style>
-          <a:lnRef idx="2">
-            <a:schemeClr val="accent1">
-              <a:shade val="15000"/>
-            </a:schemeClr>
-          </a:lnRef>
-          <a:fillRef idx="1">
-            <a:schemeClr val="accent1"/>
-          </a:fillRef>
-          <a:effectRef idx="0">
-            <a:schemeClr val="accent1"/>
-          </a:effectRef>
-          <a:fontRef idx="minor">
-            <a:schemeClr val="lt1"/>
-          </a:fontRef>
-        </p:style>
-        <p:txBody>
-          <a:bodyPr rtlCol="0" anchor="ctr"/>
-          <a:lstStyle/>
-          <a:p>
-            <a:pPr algn="ctr"/>
-            <a:r>
-              <a:rPr lang="en-GB" sz="2000" b="1" dirty="0">
-                <a:solidFill>
-                  <a:schemeClr val="tx1"/>
-                </a:solidFill>
-              </a:rPr>
-              <a:t>Disconnect:</a:t>
-            </a:r>
-            <a:r>
-              <a:rPr lang="en-GB" sz="2000" dirty="0">
-                <a:solidFill>
-                  <a:schemeClr val="tx1"/>
-                </a:solidFill>
-              </a:rPr>
-              <a:t> if we are connected to a server, disconnect from it.</a:t>
+              <a:t>commands relating to the simulation or simulation box.</a:t>
             </a:r>
             <a:endParaRPr lang="en-GB" sz="2000" b="1" dirty="0">
-              <a:solidFill>
-                <a:schemeClr val="tx1"/>
-              </a:solidFill>
-            </a:endParaRPr>
-          </a:p>
-        </p:txBody>
-      </p:sp>
-      <p:sp>
-        <p:nvSpPr>
-          <p:cNvPr id="25" name="Rectangle 24">
-            <a:extLst>
-              <a:ext uri="{FF2B5EF4-FFF2-40B4-BE49-F238E27FC236}">
-                <a16:creationId xmlns:a16="http://schemas.microsoft.com/office/drawing/2014/main" id="{86D00E3F-561A-E0ED-F5FF-37A7FDDDD942}"/>
-              </a:ext>
-            </a:extLst>
-          </p:cNvPr>
-          <p:cNvSpPr/>
-          <p:nvPr/>
-        </p:nvSpPr>
-        <p:spPr>
-          <a:xfrm>
-            <a:off x="11620908" y="2656201"/>
-            <a:ext cx="4637956" cy="2441419"/>
-          </a:xfrm>
-          <a:prstGeom prst="rect">
-            <a:avLst/>
-          </a:prstGeom>
-          <a:solidFill>
-            <a:srgbClr val="2596BE">
-              <a:alpha val="30196"/>
-            </a:srgbClr>
-          </a:solidFill>
-        </p:spPr>
-        <p:style>
-          <a:lnRef idx="2">
-            <a:schemeClr val="accent1">
-              <a:shade val="15000"/>
-            </a:schemeClr>
-          </a:lnRef>
-          <a:fillRef idx="1">
-            <a:schemeClr val="accent1"/>
-          </a:fillRef>
-          <a:effectRef idx="0">
-            <a:schemeClr val="accent1"/>
-          </a:effectRef>
-          <a:fontRef idx="minor">
-            <a:schemeClr val="lt1"/>
-          </a:fontRef>
-        </p:style>
-        <p:txBody>
-          <a:bodyPr rtlCol="0" anchor="ctr"/>
-          <a:lstStyle/>
-          <a:p>
-            <a:pPr algn="ctr"/>
-            <a:r>
-              <a:rPr lang="en-GB" sz="2000" b="1" dirty="0">
-                <a:solidFill>
-                  <a:schemeClr val="tx1"/>
-                </a:solidFill>
-              </a:rPr>
-              <a:t>Direct Connect</a:t>
-            </a:r>
-            <a:r>
-              <a:rPr lang="en-GB" sz="2000" dirty="0">
-                <a:solidFill>
-                  <a:schemeClr val="tx1"/>
-                </a:solidFill>
-              </a:rPr>
-              <a:t>: toggles a menu that allows you to change the IP address and trajectory/multiplayer ports of the server you wish to connect to. Use this if you are not using the default ports (specified when you create a server) or if you are connecting to an IP of a different machine/cloud server.</a:t>
-            </a:r>
-          </a:p>
-        </p:txBody>
-      </p:sp>
-      <p:sp>
-        <p:nvSpPr>
-          <p:cNvPr id="26" name="Rectangle 25">
-            <a:extLst>
-              <a:ext uri="{FF2B5EF4-FFF2-40B4-BE49-F238E27FC236}">
-                <a16:creationId xmlns:a16="http://schemas.microsoft.com/office/drawing/2014/main" id="{CCCA6C18-4808-6C21-A408-320E0F3E159B}"/>
-              </a:ext>
-            </a:extLst>
-          </p:cNvPr>
-          <p:cNvSpPr/>
-          <p:nvPr/>
-        </p:nvSpPr>
-        <p:spPr>
-          <a:xfrm>
-            <a:off x="11626423" y="322675"/>
-            <a:ext cx="4578242" cy="1577139"/>
-          </a:xfrm>
-          <a:prstGeom prst="rect">
-            <a:avLst/>
-          </a:prstGeom>
-          <a:solidFill>
-            <a:srgbClr val="2596BE">
-              <a:alpha val="30196"/>
-            </a:srgbClr>
-          </a:solidFill>
-        </p:spPr>
-        <p:style>
-          <a:lnRef idx="2">
-            <a:schemeClr val="accent1">
-              <a:shade val="15000"/>
-            </a:schemeClr>
-          </a:lnRef>
-          <a:fillRef idx="1">
-            <a:schemeClr val="accent1"/>
-          </a:fillRef>
-          <a:effectRef idx="0">
-            <a:schemeClr val="accent1"/>
-          </a:effectRef>
-          <a:fontRef idx="minor">
-            <a:schemeClr val="lt1"/>
-          </a:fontRef>
-        </p:style>
-        <p:txBody>
-          <a:bodyPr rtlCol="0" anchor="ctr"/>
-          <a:lstStyle/>
-          <a:p>
-            <a:pPr algn="ctr"/>
-            <a:r>
-              <a:rPr lang="en-GB" sz="2000" b="1" dirty="0" err="1">
-                <a:solidFill>
-                  <a:schemeClr val="tx1"/>
-                </a:solidFill>
-              </a:rPr>
-              <a:t>Autoconnect</a:t>
-            </a:r>
-            <a:r>
-              <a:rPr lang="en-GB" sz="2000" dirty="0">
-                <a:solidFill>
-                  <a:schemeClr val="tx1"/>
-                </a:solidFill>
-              </a:rPr>
-              <a:t>: connects to the first server found on the network (uses the default parameters). Do not use this if there are multiple servers running on your network.</a:t>
-            </a:r>
-          </a:p>
-        </p:txBody>
-      </p:sp>
-      <p:pic>
-        <p:nvPicPr>
-          <p:cNvPr id="28" name="Picture 27">
-            <a:extLst>
-              <a:ext uri="{FF2B5EF4-FFF2-40B4-BE49-F238E27FC236}">
-                <a16:creationId xmlns:a16="http://schemas.microsoft.com/office/drawing/2014/main" id="{883E1A98-ABC3-47D2-BC09-0EE2F3747C93}"/>
-              </a:ext>
-            </a:extLst>
-          </p:cNvPr>
-          <p:cNvPicPr>
-            <a:picLocks noChangeAspect="1"/>
-          </p:cNvPicPr>
-          <p:nvPr/>
-        </p:nvPicPr>
-        <p:blipFill>
-          <a:blip r:embed="rId3"/>
-          <a:stretch>
-            <a:fillRect/>
-          </a:stretch>
-        </p:blipFill>
-        <p:spPr>
-          <a:xfrm>
-            <a:off x="16421475" y="2656201"/>
-            <a:ext cx="2654380" cy="2949310"/>
-          </a:xfrm>
-          <a:prstGeom prst="rect">
-            <a:avLst/>
-          </a:prstGeom>
-        </p:spPr>
-      </p:pic>
-      <p:pic>
-        <p:nvPicPr>
-          <p:cNvPr id="30" name="Picture 29">
-            <a:extLst>
-              <a:ext uri="{FF2B5EF4-FFF2-40B4-BE49-F238E27FC236}">
-                <a16:creationId xmlns:a16="http://schemas.microsoft.com/office/drawing/2014/main" id="{80766357-3B97-AF21-B22A-54AEE5C5D93F}"/>
-              </a:ext>
-            </a:extLst>
-          </p:cNvPr>
-          <p:cNvPicPr>
-            <a:picLocks noChangeAspect="1"/>
-          </p:cNvPicPr>
-          <p:nvPr/>
-        </p:nvPicPr>
-        <p:blipFill>
-          <a:blip r:embed="rId4"/>
-          <a:stretch>
-            <a:fillRect/>
-          </a:stretch>
-        </p:blipFill>
-        <p:spPr>
-          <a:xfrm>
-            <a:off x="15058441" y="6396574"/>
-            <a:ext cx="2887176" cy="1235443"/>
-          </a:xfrm>
-          <a:prstGeom prst="rect">
-            <a:avLst/>
-          </a:prstGeom>
-        </p:spPr>
-      </p:pic>
-      <p:pic>
-        <p:nvPicPr>
-          <p:cNvPr id="32" name="Picture 31">
-            <a:extLst>
-              <a:ext uri="{FF2B5EF4-FFF2-40B4-BE49-F238E27FC236}">
-                <a16:creationId xmlns:a16="http://schemas.microsoft.com/office/drawing/2014/main" id="{76B58336-0005-B29A-D9C1-4CCCF13BDD65}"/>
-              </a:ext>
-            </a:extLst>
-          </p:cNvPr>
-          <p:cNvPicPr>
-            <a:picLocks noChangeAspect="1"/>
-          </p:cNvPicPr>
-          <p:nvPr/>
-        </p:nvPicPr>
-        <p:blipFill>
-          <a:blip r:embed="rId5"/>
-          <a:stretch>
-            <a:fillRect/>
-          </a:stretch>
-        </p:blipFill>
-        <p:spPr>
-          <a:xfrm>
-            <a:off x="18387092" y="6396574"/>
-            <a:ext cx="2860319" cy="1826307"/>
-          </a:xfrm>
-          <a:prstGeom prst="rect">
-            <a:avLst/>
-          </a:prstGeom>
-        </p:spPr>
-      </p:pic>
-      <p:sp>
-        <p:nvSpPr>
-          <p:cNvPr id="33" name="Rectangle 32">
-            <a:extLst>
-              <a:ext uri="{FF2B5EF4-FFF2-40B4-BE49-F238E27FC236}">
-                <a16:creationId xmlns:a16="http://schemas.microsoft.com/office/drawing/2014/main" id="{F6376597-504F-D315-56EB-7DAB12073E45}"/>
-              </a:ext>
-            </a:extLst>
-          </p:cNvPr>
-          <p:cNvSpPr/>
-          <p:nvPr/>
-        </p:nvSpPr>
-        <p:spPr>
-          <a:xfrm>
-            <a:off x="11620907" y="6331974"/>
-            <a:ext cx="3227959" cy="1235443"/>
-          </a:xfrm>
-          <a:prstGeom prst="rect">
-            <a:avLst/>
-          </a:prstGeom>
-          <a:solidFill>
-            <a:srgbClr val="2596BE">
-              <a:alpha val="30196"/>
-            </a:srgbClr>
-          </a:solidFill>
-        </p:spPr>
-        <p:style>
-          <a:lnRef idx="2">
-            <a:schemeClr val="accent1">
-              <a:shade val="15000"/>
-            </a:schemeClr>
-          </a:lnRef>
-          <a:fillRef idx="1">
-            <a:schemeClr val="accent1"/>
-          </a:fillRef>
-          <a:effectRef idx="0">
-            <a:schemeClr val="accent1"/>
-          </a:effectRef>
-          <a:fontRef idx="minor">
-            <a:schemeClr val="lt1"/>
-          </a:fontRef>
-        </p:style>
-        <p:txBody>
-          <a:bodyPr rtlCol="0" anchor="ctr"/>
-          <a:lstStyle/>
-          <a:p>
-            <a:pPr algn="ctr"/>
-            <a:r>
-              <a:rPr lang="en-GB" sz="2000" b="1" dirty="0">
-                <a:solidFill>
-                  <a:schemeClr val="tx1"/>
-                </a:solidFill>
-              </a:rPr>
-              <a:t>Discover Services</a:t>
-            </a:r>
-            <a:r>
-              <a:rPr lang="en-GB" sz="2000" dirty="0">
-                <a:solidFill>
-                  <a:schemeClr val="tx1"/>
-                </a:solidFill>
-              </a:rPr>
-              <a:t>: toggles a menu for searching for servers on the network.</a:t>
-            </a:r>
-          </a:p>
-        </p:txBody>
-      </p:sp>
-      <p:sp>
-        <p:nvSpPr>
-          <p:cNvPr id="35" name="Rectangle 34">
-            <a:extLst>
-              <a:ext uri="{FF2B5EF4-FFF2-40B4-BE49-F238E27FC236}">
-                <a16:creationId xmlns:a16="http://schemas.microsoft.com/office/drawing/2014/main" id="{0397A6E3-6004-1107-CFA4-3DD0A244CBCC}"/>
-              </a:ext>
-            </a:extLst>
-          </p:cNvPr>
-          <p:cNvSpPr/>
-          <p:nvPr/>
-        </p:nvSpPr>
-        <p:spPr>
-          <a:xfrm>
-            <a:off x="15058441" y="7752742"/>
-            <a:ext cx="3227959" cy="907486"/>
-          </a:xfrm>
-          <a:prstGeom prst="rect">
-            <a:avLst/>
-          </a:prstGeom>
-          <a:solidFill>
-            <a:schemeClr val="accent2">
-              <a:lumMod val="40000"/>
-              <a:lumOff val="60000"/>
-            </a:schemeClr>
-          </a:solidFill>
-        </p:spPr>
-        <p:style>
-          <a:lnRef idx="2">
-            <a:schemeClr val="accent1">
-              <a:shade val="15000"/>
-            </a:schemeClr>
-          </a:lnRef>
-          <a:fillRef idx="1">
-            <a:schemeClr val="accent1"/>
-          </a:fillRef>
-          <a:effectRef idx="0">
-            <a:schemeClr val="accent1"/>
-          </a:effectRef>
-          <a:fontRef idx="minor">
-            <a:schemeClr val="lt1"/>
-          </a:fontRef>
-        </p:style>
-        <p:txBody>
-          <a:bodyPr rtlCol="0" anchor="ctr"/>
-          <a:lstStyle/>
-          <a:p>
-            <a:pPr algn="ctr"/>
-            <a:r>
-              <a:rPr lang="en-GB" sz="2000" dirty="0">
-                <a:solidFill>
-                  <a:schemeClr val="tx1"/>
-                </a:solidFill>
-              </a:rPr>
-              <a:t>Click “Search”. If there are servers available, they will appear underneath.</a:t>
-            </a:r>
-          </a:p>
-        </p:txBody>
-      </p:sp>
-      <p:sp>
-        <p:nvSpPr>
-          <p:cNvPr id="36" name="Rectangle 35">
-            <a:extLst>
-              <a:ext uri="{FF2B5EF4-FFF2-40B4-BE49-F238E27FC236}">
-                <a16:creationId xmlns:a16="http://schemas.microsoft.com/office/drawing/2014/main" id="{052C7F83-0C2F-5979-5556-BD55491AF710}"/>
-              </a:ext>
-            </a:extLst>
-          </p:cNvPr>
-          <p:cNvSpPr/>
-          <p:nvPr/>
-        </p:nvSpPr>
-        <p:spPr>
-          <a:xfrm>
-            <a:off x="23130873" y="8711176"/>
-            <a:ext cx="2654381" cy="1437287"/>
-          </a:xfrm>
-          <a:prstGeom prst="rect">
-            <a:avLst/>
-          </a:prstGeom>
-          <a:solidFill>
-            <a:schemeClr val="accent2">
-              <a:lumMod val="40000"/>
-              <a:lumOff val="60000"/>
-            </a:schemeClr>
-          </a:solidFill>
-        </p:spPr>
-        <p:style>
-          <a:lnRef idx="2">
-            <a:schemeClr val="accent1">
-              <a:shade val="15000"/>
-            </a:schemeClr>
-          </a:lnRef>
-          <a:fillRef idx="1">
-            <a:schemeClr val="accent1"/>
-          </a:fillRef>
-          <a:effectRef idx="0">
-            <a:schemeClr val="accent1"/>
-          </a:effectRef>
-          <a:fontRef idx="minor">
-            <a:schemeClr val="lt1"/>
-          </a:fontRef>
-        </p:style>
-        <p:txBody>
-          <a:bodyPr rtlCol="0" anchor="ctr"/>
-          <a:lstStyle/>
-          <a:p>
-            <a:pPr algn="ctr"/>
-            <a:endParaRPr lang="en-GB" sz="2000" dirty="0">
-              <a:solidFill>
-                <a:schemeClr val="tx1"/>
-              </a:solidFill>
-            </a:endParaRPr>
-          </a:p>
-        </p:txBody>
-      </p:sp>
-      <p:sp>
-        <p:nvSpPr>
-          <p:cNvPr id="37" name="Rectangle 36">
-            <a:extLst>
-              <a:ext uri="{FF2B5EF4-FFF2-40B4-BE49-F238E27FC236}">
-                <a16:creationId xmlns:a16="http://schemas.microsoft.com/office/drawing/2014/main" id="{74F3C1B9-9AF4-244A-FD11-2A291F2B9ED7}"/>
-              </a:ext>
-            </a:extLst>
-          </p:cNvPr>
-          <p:cNvSpPr/>
-          <p:nvPr/>
-        </p:nvSpPr>
-        <p:spPr>
-          <a:xfrm>
-            <a:off x="858968" y="6420057"/>
-            <a:ext cx="3227959" cy="1696046"/>
-          </a:xfrm>
-          <a:prstGeom prst="rect">
-            <a:avLst/>
-          </a:prstGeom>
-          <a:solidFill>
-            <a:srgbClr val="2596BE">
-              <a:alpha val="30196"/>
-            </a:srgbClr>
-          </a:solidFill>
-        </p:spPr>
-        <p:style>
-          <a:lnRef idx="2">
-            <a:schemeClr val="accent1">
-              <a:shade val="15000"/>
-            </a:schemeClr>
-          </a:lnRef>
-          <a:fillRef idx="1">
-            <a:schemeClr val="accent1"/>
-          </a:fillRef>
-          <a:effectRef idx="0">
-            <a:schemeClr val="accent1"/>
-          </a:effectRef>
-          <a:fontRef idx="minor">
-            <a:schemeClr val="lt1"/>
-          </a:fontRef>
-        </p:style>
-        <p:txBody>
-          <a:bodyPr rtlCol="0" anchor="ctr"/>
-          <a:lstStyle/>
-          <a:p>
-            <a:pPr algn="ctr"/>
-            <a:r>
-              <a:rPr lang="en-GB" sz="2000" b="1" dirty="0">
-                <a:solidFill>
-                  <a:schemeClr val="tx1"/>
-                </a:solidFill>
-              </a:rPr>
-              <a:t>Simulation: </a:t>
-            </a:r>
-            <a:r>
-              <a:rPr lang="en-GB" sz="2000" dirty="0">
-                <a:solidFill>
-                  <a:schemeClr val="tx1"/>
-                </a:solidFill>
-              </a:rPr>
-              <a:t>commands relating to the simulation or simulation box.</a:t>
-            </a:r>
-            <a:endParaRPr lang="en-GB" sz="2000" b="1" dirty="0">
-              <a:solidFill>
-                <a:schemeClr val="tx1"/>
-              </a:solidFill>
-            </a:endParaRPr>
-          </a:p>
-        </p:txBody>
-      </p:sp>
-      <p:sp>
-        <p:nvSpPr>
-          <p:cNvPr id="39" name="Rectangle 38">
-            <a:extLst>
-              <a:ext uri="{FF2B5EF4-FFF2-40B4-BE49-F238E27FC236}">
-                <a16:creationId xmlns:a16="http://schemas.microsoft.com/office/drawing/2014/main" id="{D7CA18CF-27F3-B728-483D-0DCAF0F1EBC3}"/>
-              </a:ext>
-            </a:extLst>
-          </p:cNvPr>
-          <p:cNvSpPr/>
-          <p:nvPr/>
-        </p:nvSpPr>
-        <p:spPr>
-          <a:xfrm>
-            <a:off x="21714556" y="10909705"/>
-            <a:ext cx="2700104" cy="1661459"/>
-          </a:xfrm>
-          <a:prstGeom prst="rect">
-            <a:avLst/>
-          </a:prstGeom>
-          <a:solidFill>
-            <a:schemeClr val="accent5">
-              <a:lumMod val="50000"/>
-              <a:alpha val="30196"/>
-            </a:schemeClr>
-          </a:solidFill>
-        </p:spPr>
-        <p:style>
-          <a:lnRef idx="2">
-            <a:schemeClr val="accent1">
-              <a:shade val="15000"/>
-            </a:schemeClr>
-          </a:lnRef>
-          <a:fillRef idx="1">
-            <a:schemeClr val="accent1"/>
-          </a:fillRef>
-          <a:effectRef idx="0">
-            <a:schemeClr val="accent1"/>
-          </a:effectRef>
-          <a:fontRef idx="minor">
-            <a:schemeClr val="lt1"/>
-          </a:fontRef>
-        </p:style>
-        <p:txBody>
-          <a:bodyPr rtlCol="0" anchor="ctr"/>
-          <a:lstStyle/>
-          <a:p>
-            <a:endParaRPr lang="en-GB" sz="2000" dirty="0">
-              <a:solidFill>
-                <a:schemeClr val="tx1"/>
-              </a:solidFill>
-            </a:endParaRPr>
-          </a:p>
-        </p:txBody>
-      </p:sp>
-      <p:sp>
-        <p:nvSpPr>
-          <p:cNvPr id="40" name="Rectangle 39">
-            <a:extLst>
-              <a:ext uri="{FF2B5EF4-FFF2-40B4-BE49-F238E27FC236}">
-                <a16:creationId xmlns:a16="http://schemas.microsoft.com/office/drawing/2014/main" id="{94180434-932E-8F6F-C486-7C91200BA114}"/>
-              </a:ext>
-            </a:extLst>
-          </p:cNvPr>
-          <p:cNvSpPr/>
-          <p:nvPr/>
-        </p:nvSpPr>
-        <p:spPr>
-          <a:xfrm>
-            <a:off x="21866956" y="11062105"/>
-            <a:ext cx="2700104" cy="1661459"/>
-          </a:xfrm>
-          <a:prstGeom prst="rect">
-            <a:avLst/>
-          </a:prstGeom>
-          <a:solidFill>
-            <a:schemeClr val="accent5">
-              <a:lumMod val="50000"/>
-              <a:alpha val="30196"/>
-            </a:schemeClr>
-          </a:solidFill>
-        </p:spPr>
-        <p:style>
-          <a:lnRef idx="2">
-            <a:schemeClr val="accent1">
-              <a:shade val="15000"/>
-            </a:schemeClr>
-          </a:lnRef>
-          <a:fillRef idx="1">
-            <a:schemeClr val="accent1"/>
-          </a:fillRef>
-          <a:effectRef idx="0">
-            <a:schemeClr val="accent1"/>
-          </a:effectRef>
-          <a:fontRef idx="minor">
-            <a:schemeClr val="lt1"/>
-          </a:fontRef>
-        </p:style>
-        <p:txBody>
-          <a:bodyPr rtlCol="0" anchor="ctr"/>
-          <a:lstStyle/>
-          <a:p>
-            <a:endParaRPr lang="en-GB" sz="2000" dirty="0">
-              <a:solidFill>
-                <a:schemeClr val="tx1"/>
-              </a:solidFill>
-            </a:endParaRPr>
-          </a:p>
-        </p:txBody>
-      </p:sp>
-      <p:sp>
-        <p:nvSpPr>
-          <p:cNvPr id="41" name="Rectangle 40">
-            <a:extLst>
-              <a:ext uri="{FF2B5EF4-FFF2-40B4-BE49-F238E27FC236}">
-                <a16:creationId xmlns:a16="http://schemas.microsoft.com/office/drawing/2014/main" id="{77B2A6A4-A8EE-9506-A49C-610AAF5D7832}"/>
-              </a:ext>
-            </a:extLst>
-          </p:cNvPr>
-          <p:cNvSpPr/>
-          <p:nvPr/>
-        </p:nvSpPr>
-        <p:spPr>
-          <a:xfrm>
-            <a:off x="22019356" y="11214505"/>
-            <a:ext cx="2700104" cy="1661459"/>
-          </a:xfrm>
-          <a:prstGeom prst="rect">
-            <a:avLst/>
-          </a:prstGeom>
-          <a:solidFill>
-            <a:schemeClr val="accent5">
-              <a:lumMod val="50000"/>
-              <a:alpha val="30196"/>
-            </a:schemeClr>
-          </a:solidFill>
-        </p:spPr>
-        <p:style>
-          <a:lnRef idx="2">
-            <a:schemeClr val="accent1">
-              <a:shade val="15000"/>
-            </a:schemeClr>
-          </a:lnRef>
-          <a:fillRef idx="1">
-            <a:schemeClr val="accent1"/>
-          </a:fillRef>
-          <a:effectRef idx="0">
-            <a:schemeClr val="accent1"/>
-          </a:effectRef>
-          <a:fontRef idx="minor">
-            <a:schemeClr val="lt1"/>
-          </a:fontRef>
-        </p:style>
-        <p:txBody>
-          <a:bodyPr rtlCol="0" anchor="ctr"/>
-          <a:lstStyle/>
-          <a:p>
-            <a:endParaRPr lang="en-GB" sz="2000" dirty="0">
               <a:solidFill>
                 <a:schemeClr val="tx1"/>
               </a:solidFill>
@@ -10691,48 +9757,6 @@
       </p:cxnSp>
       <p:cxnSp>
         <p:nvCxnSpPr>
-          <p:cNvPr id="50" name="Straight Arrow Connector 49">
-            <a:extLst>
-              <a:ext uri="{FF2B5EF4-FFF2-40B4-BE49-F238E27FC236}">
-                <a16:creationId xmlns:a16="http://schemas.microsoft.com/office/drawing/2014/main" id="{628EC9C4-2EF7-1F6D-2A9B-942679A3F1A3}"/>
-              </a:ext>
-            </a:extLst>
-          </p:cNvPr>
-          <p:cNvCxnSpPr>
-            <a:cxnSpLocks/>
-          </p:cNvCxnSpPr>
-          <p:nvPr/>
-        </p:nvCxnSpPr>
-        <p:spPr>
-          <a:xfrm flipV="1">
-            <a:off x="16204665" y="11740434"/>
-            <a:ext cx="917198" cy="1835104"/>
-          </a:xfrm>
-          <a:prstGeom prst="straightConnector1">
-            <a:avLst/>
-          </a:prstGeom>
-          <a:ln w="19050">
-            <a:headEnd type="none" w="med" len="med"/>
-            <a:tailEnd type="arrow" w="med" len="med"/>
-          </a:ln>
-        </p:spPr>
-        <p:style>
-          <a:lnRef idx="2">
-            <a:schemeClr val="dk1"/>
-          </a:lnRef>
-          <a:fillRef idx="0">
-            <a:schemeClr val="dk1"/>
-          </a:fillRef>
-          <a:effectRef idx="1">
-            <a:schemeClr val="dk1"/>
-          </a:effectRef>
-          <a:fontRef idx="minor">
-            <a:schemeClr val="tx1"/>
-          </a:fontRef>
-        </p:style>
-      </p:cxnSp>
-      <p:cxnSp>
-        <p:nvCxnSpPr>
           <p:cNvPr id="51" name="Straight Arrow Connector 50">
             <a:extLst>
               <a:ext uri="{FF2B5EF4-FFF2-40B4-BE49-F238E27FC236}">
@@ -10821,216 +9845,6 @@
       </p:cxnSp>
       <p:cxnSp>
         <p:nvCxnSpPr>
-          <p:cNvPr id="71" name="Straight Arrow Connector 70">
-            <a:extLst>
-              <a:ext uri="{FF2B5EF4-FFF2-40B4-BE49-F238E27FC236}">
-                <a16:creationId xmlns:a16="http://schemas.microsoft.com/office/drawing/2014/main" id="{B2395FF4-4C07-F9D7-5A5D-6A3DDD00CE33}"/>
-              </a:ext>
-            </a:extLst>
-          </p:cNvPr>
-          <p:cNvCxnSpPr>
-            <a:cxnSpLocks/>
-          </p:cNvCxnSpPr>
-          <p:nvPr/>
-        </p:nvCxnSpPr>
-        <p:spPr>
-          <a:xfrm flipV="1">
-            <a:off x="26971160" y="11274518"/>
-            <a:ext cx="1127084" cy="3687639"/>
-          </a:xfrm>
-          <a:prstGeom prst="straightConnector1">
-            <a:avLst/>
-          </a:prstGeom>
-          <a:ln w="19050">
-            <a:headEnd type="none" w="med" len="med"/>
-            <a:tailEnd type="arrow" w="med" len="med"/>
-          </a:ln>
-        </p:spPr>
-        <p:style>
-          <a:lnRef idx="2">
-            <a:schemeClr val="dk1"/>
-          </a:lnRef>
-          <a:fillRef idx="0">
-            <a:schemeClr val="dk1"/>
-          </a:fillRef>
-          <a:effectRef idx="1">
-            <a:schemeClr val="dk1"/>
-          </a:effectRef>
-          <a:fontRef idx="minor">
-            <a:schemeClr val="tx1"/>
-          </a:fontRef>
-        </p:style>
-      </p:cxnSp>
-      <p:cxnSp>
-        <p:nvCxnSpPr>
-          <p:cNvPr id="72" name="Straight Arrow Connector 71">
-            <a:extLst>
-              <a:ext uri="{FF2B5EF4-FFF2-40B4-BE49-F238E27FC236}">
-                <a16:creationId xmlns:a16="http://schemas.microsoft.com/office/drawing/2014/main" id="{49F8ABA7-EEB3-AC1F-A146-C5FD67C1D64C}"/>
-              </a:ext>
-            </a:extLst>
-          </p:cNvPr>
-          <p:cNvCxnSpPr>
-            <a:cxnSpLocks/>
-          </p:cNvCxnSpPr>
-          <p:nvPr/>
-        </p:nvCxnSpPr>
-        <p:spPr>
-          <a:xfrm flipV="1">
-            <a:off x="27123560" y="11426918"/>
-            <a:ext cx="1127084" cy="3687639"/>
-          </a:xfrm>
-          <a:prstGeom prst="straightConnector1">
-            <a:avLst/>
-          </a:prstGeom>
-          <a:ln w="19050">
-            <a:headEnd type="none" w="med" len="med"/>
-            <a:tailEnd type="arrow" w="med" len="med"/>
-          </a:ln>
-        </p:spPr>
-        <p:style>
-          <a:lnRef idx="2">
-            <a:schemeClr val="dk1"/>
-          </a:lnRef>
-          <a:fillRef idx="0">
-            <a:schemeClr val="dk1"/>
-          </a:fillRef>
-          <a:effectRef idx="1">
-            <a:schemeClr val="dk1"/>
-          </a:effectRef>
-          <a:fontRef idx="minor">
-            <a:schemeClr val="tx1"/>
-          </a:fontRef>
-        </p:style>
-      </p:cxnSp>
-      <p:cxnSp>
-        <p:nvCxnSpPr>
-          <p:cNvPr id="73" name="Straight Arrow Connector 72">
-            <a:extLst>
-              <a:ext uri="{FF2B5EF4-FFF2-40B4-BE49-F238E27FC236}">
-                <a16:creationId xmlns:a16="http://schemas.microsoft.com/office/drawing/2014/main" id="{730ECFF9-17E1-9676-909B-72EB33CDB34F}"/>
-              </a:ext>
-            </a:extLst>
-          </p:cNvPr>
-          <p:cNvCxnSpPr>
-            <a:cxnSpLocks/>
-          </p:cNvCxnSpPr>
-          <p:nvPr/>
-        </p:nvCxnSpPr>
-        <p:spPr>
-          <a:xfrm flipV="1">
-            <a:off x="27275960" y="11579318"/>
-            <a:ext cx="1127084" cy="3687639"/>
-          </a:xfrm>
-          <a:prstGeom prst="straightConnector1">
-            <a:avLst/>
-          </a:prstGeom>
-          <a:ln w="19050">
-            <a:headEnd type="none" w="med" len="med"/>
-            <a:tailEnd type="arrow" w="med" len="med"/>
-          </a:ln>
-        </p:spPr>
-        <p:style>
-          <a:lnRef idx="2">
-            <a:schemeClr val="dk1"/>
-          </a:lnRef>
-          <a:fillRef idx="0">
-            <a:schemeClr val="dk1"/>
-          </a:fillRef>
-          <a:effectRef idx="1">
-            <a:schemeClr val="dk1"/>
-          </a:effectRef>
-          <a:fontRef idx="minor">
-            <a:schemeClr val="tx1"/>
-          </a:fontRef>
-        </p:style>
-      </p:cxnSp>
-      <p:cxnSp>
-        <p:nvCxnSpPr>
-          <p:cNvPr id="74" name="Straight Arrow Connector 73">
-            <a:extLst>
-              <a:ext uri="{FF2B5EF4-FFF2-40B4-BE49-F238E27FC236}">
-                <a16:creationId xmlns:a16="http://schemas.microsoft.com/office/drawing/2014/main" id="{93E4ADD4-3A8D-A610-30BC-E6CF8956E03E}"/>
-              </a:ext>
-            </a:extLst>
-          </p:cNvPr>
-          <p:cNvCxnSpPr>
-            <a:cxnSpLocks/>
-          </p:cNvCxnSpPr>
-          <p:nvPr/>
-        </p:nvCxnSpPr>
-        <p:spPr>
-          <a:xfrm flipV="1">
-            <a:off x="27428360" y="11731718"/>
-            <a:ext cx="1127084" cy="3687639"/>
-          </a:xfrm>
-          <a:prstGeom prst="straightConnector1">
-            <a:avLst/>
-          </a:prstGeom>
-          <a:ln w="19050">
-            <a:headEnd type="none" w="med" len="med"/>
-            <a:tailEnd type="arrow" w="med" len="med"/>
-          </a:ln>
-        </p:spPr>
-        <p:style>
-          <a:lnRef idx="2">
-            <a:schemeClr val="dk1"/>
-          </a:lnRef>
-          <a:fillRef idx="0">
-            <a:schemeClr val="dk1"/>
-          </a:fillRef>
-          <a:effectRef idx="1">
-            <a:schemeClr val="dk1"/>
-          </a:effectRef>
-          <a:fontRef idx="minor">
-            <a:schemeClr val="tx1"/>
-          </a:fontRef>
-        </p:style>
-      </p:cxnSp>
-      <p:cxnSp>
-        <p:nvCxnSpPr>
-          <p:cNvPr id="75" name="Straight Arrow Connector 74">
-            <a:extLst>
-              <a:ext uri="{FF2B5EF4-FFF2-40B4-BE49-F238E27FC236}">
-                <a16:creationId xmlns:a16="http://schemas.microsoft.com/office/drawing/2014/main" id="{49406745-520E-D0E2-6F86-87C4E811A97F}"/>
-              </a:ext>
-            </a:extLst>
-          </p:cNvPr>
-          <p:cNvCxnSpPr>
-            <a:cxnSpLocks/>
-          </p:cNvCxnSpPr>
-          <p:nvPr/>
-        </p:nvCxnSpPr>
-        <p:spPr>
-          <a:xfrm flipV="1">
-            <a:off x="27580760" y="11884118"/>
-            <a:ext cx="1127084" cy="3687639"/>
-          </a:xfrm>
-          <a:prstGeom prst="straightConnector1">
-            <a:avLst/>
-          </a:prstGeom>
-          <a:ln w="19050">
-            <a:headEnd type="none" w="med" len="med"/>
-            <a:tailEnd type="arrow" w="med" len="med"/>
-          </a:ln>
-        </p:spPr>
-        <p:style>
-          <a:lnRef idx="2">
-            <a:schemeClr val="dk1"/>
-          </a:lnRef>
-          <a:fillRef idx="0">
-            <a:schemeClr val="dk1"/>
-          </a:fillRef>
-          <a:effectRef idx="1">
-            <a:schemeClr val="dk1"/>
-          </a:effectRef>
-          <a:fontRef idx="minor">
-            <a:schemeClr val="tx1"/>
-          </a:fontRef>
-        </p:style>
-      </p:cxnSp>
-      <p:cxnSp>
-        <p:nvCxnSpPr>
           <p:cNvPr id="76" name="Straight Arrow Connector 75">
             <a:extLst>
               <a:ext uri="{FF2B5EF4-FFF2-40B4-BE49-F238E27FC236}">
@@ -11289,6 +10103,41 @@
           </a:prstGeom>
         </p:spPr>
       </p:pic>
+      <p:sp>
+        <p:nvSpPr>
+          <p:cNvPr id="31" name="TextBox 30">
+            <a:extLst>
+              <a:ext uri="{FF2B5EF4-FFF2-40B4-BE49-F238E27FC236}">
+                <a16:creationId xmlns:a16="http://schemas.microsoft.com/office/drawing/2014/main" id="{B62C052F-3ACF-B4AC-366D-B04FD1D77381}"/>
+              </a:ext>
+            </a:extLst>
+          </p:cNvPr>
+          <p:cNvSpPr txBox="1"/>
+          <p:nvPr/>
+        </p:nvSpPr>
+        <p:spPr>
+          <a:xfrm>
+            <a:off x="3041958" y="551152"/>
+            <a:ext cx="7020173" cy="1446550"/>
+          </a:xfrm>
+          <a:prstGeom prst="rect">
+            <a:avLst/>
+          </a:prstGeom>
+          <a:noFill/>
+        </p:spPr>
+        <p:txBody>
+          <a:bodyPr wrap="square" rtlCol="0">
+            <a:spAutoFit/>
+          </a:bodyPr>
+          <a:lstStyle/>
+          <a:p>
+            <a:r>
+              <a:rPr lang="en-GB" sz="4400" dirty="0"/>
+              <a:t>Ideas &amp; notes for documenting the VR UI</a:t>
+            </a:r>
+          </a:p>
+        </p:txBody>
+      </p:sp>
     </p:spTree>
     <p:extLst>
       <p:ext uri="{BB962C8B-B14F-4D97-AF65-F5344CB8AC3E}">

--- a/source/assets/flow-chart.pptx
+++ b/source/assets/flow-chart.pptx
@@ -556,7 +556,7 @@
           <a:p>
             <a:fld id="{E198B52E-59E9-459A-8A51-6D063C146C47}" type="datetimeFigureOut">
               <a:rPr lang="en-GB" smtClean="0"/>
-              <a:t>27/01/2025</a:t>
+              <a:t>06/03/2025</a:t>
             </a:fld>
             <a:endParaRPr lang="en-GB"/>
           </a:p>
@@ -1147,7 +1147,7 @@
           <a:p>
             <a:fld id="{3FBAF93D-98AC-4FE3-B4B6-00701F2D46F7}" type="datetimeFigureOut">
               <a:rPr lang="en-GB" smtClean="0"/>
-              <a:t>27/01/2025</a:t>
+              <a:t>06/03/2025</a:t>
             </a:fld>
             <a:endParaRPr lang="en-GB"/>
           </a:p>
@@ -1317,7 +1317,7 @@
           <a:p>
             <a:fld id="{3FBAF93D-98AC-4FE3-B4B6-00701F2D46F7}" type="datetimeFigureOut">
               <a:rPr lang="en-GB" smtClean="0"/>
-              <a:t>27/01/2025</a:t>
+              <a:t>06/03/2025</a:t>
             </a:fld>
             <a:endParaRPr lang="en-GB"/>
           </a:p>
@@ -1497,7 +1497,7 @@
           <a:p>
             <a:fld id="{3FBAF93D-98AC-4FE3-B4B6-00701F2D46F7}" type="datetimeFigureOut">
               <a:rPr lang="en-GB" smtClean="0"/>
-              <a:t>27/01/2025</a:t>
+              <a:t>06/03/2025</a:t>
             </a:fld>
             <a:endParaRPr lang="en-GB"/>
           </a:p>
@@ -1667,7 +1667,7 @@
           <a:p>
             <a:fld id="{3FBAF93D-98AC-4FE3-B4B6-00701F2D46F7}" type="datetimeFigureOut">
               <a:rPr lang="en-GB" smtClean="0"/>
-              <a:t>27/01/2025</a:t>
+              <a:t>06/03/2025</a:t>
             </a:fld>
             <a:endParaRPr lang="en-GB"/>
           </a:p>
@@ -1913,7 +1913,7 @@
           <a:p>
             <a:fld id="{3FBAF93D-98AC-4FE3-B4B6-00701F2D46F7}" type="datetimeFigureOut">
               <a:rPr lang="en-GB" smtClean="0"/>
-              <a:t>27/01/2025</a:t>
+              <a:t>06/03/2025</a:t>
             </a:fld>
             <a:endParaRPr lang="en-GB"/>
           </a:p>
@@ -2145,7 +2145,7 @@
           <a:p>
             <a:fld id="{3FBAF93D-98AC-4FE3-B4B6-00701F2D46F7}" type="datetimeFigureOut">
               <a:rPr lang="en-GB" smtClean="0"/>
-              <a:t>27/01/2025</a:t>
+              <a:t>06/03/2025</a:t>
             </a:fld>
             <a:endParaRPr lang="en-GB"/>
           </a:p>
@@ -2512,7 +2512,7 @@
           <a:p>
             <a:fld id="{3FBAF93D-98AC-4FE3-B4B6-00701F2D46F7}" type="datetimeFigureOut">
               <a:rPr lang="en-GB" smtClean="0"/>
-              <a:t>27/01/2025</a:t>
+              <a:t>06/03/2025</a:t>
             </a:fld>
             <a:endParaRPr lang="en-GB"/>
           </a:p>
@@ -2630,7 +2630,7 @@
           <a:p>
             <a:fld id="{3FBAF93D-98AC-4FE3-B4B6-00701F2D46F7}" type="datetimeFigureOut">
               <a:rPr lang="en-GB" smtClean="0"/>
-              <a:t>27/01/2025</a:t>
+              <a:t>06/03/2025</a:t>
             </a:fld>
             <a:endParaRPr lang="en-GB"/>
           </a:p>
@@ -2725,7 +2725,7 @@
           <a:p>
             <a:fld id="{3FBAF93D-98AC-4FE3-B4B6-00701F2D46F7}" type="datetimeFigureOut">
               <a:rPr lang="en-GB" smtClean="0"/>
-              <a:t>27/01/2025</a:t>
+              <a:t>06/03/2025</a:t>
             </a:fld>
             <a:endParaRPr lang="en-GB"/>
           </a:p>
@@ -3002,7 +3002,7 @@
           <a:p>
             <a:fld id="{3FBAF93D-98AC-4FE3-B4B6-00701F2D46F7}" type="datetimeFigureOut">
               <a:rPr lang="en-GB" smtClean="0"/>
-              <a:t>27/01/2025</a:t>
+              <a:t>06/03/2025</a:t>
             </a:fld>
             <a:endParaRPr lang="en-GB"/>
           </a:p>
@@ -3259,7 +3259,7 @@
           <a:p>
             <a:fld id="{3FBAF93D-98AC-4FE3-B4B6-00701F2D46F7}" type="datetimeFigureOut">
               <a:rPr lang="en-GB" smtClean="0"/>
-              <a:t>27/01/2025</a:t>
+              <a:t>06/03/2025</a:t>
             </a:fld>
             <a:endParaRPr lang="en-GB"/>
           </a:p>
@@ -3472,7 +3472,7 @@
           <a:p>
             <a:fld id="{3FBAF93D-98AC-4FE3-B4B6-00701F2D46F7}" type="datetimeFigureOut">
               <a:rPr lang="en-GB" smtClean="0"/>
-              <a:t>27/01/2025</a:t>
+              <a:t>06/03/2025</a:t>
             </a:fld>
             <a:endParaRPr lang="en-GB"/>
           </a:p>
@@ -4085,8 +4085,8 @@
         </p:nvCxnSpPr>
         <p:spPr>
           <a:xfrm flipV="1">
-            <a:off x="5420207" y="6872992"/>
-            <a:ext cx="2632768" cy="5455"/>
+            <a:off x="5420207" y="6878446"/>
+            <a:ext cx="2515783" cy="1"/>
           </a:xfrm>
           <a:prstGeom prst="straightConnector1">
             <a:avLst/>
@@ -5261,8 +5261,8 @@
         </p:nvSpPr>
         <p:spPr>
           <a:xfrm>
-            <a:off x="8052975" y="6050512"/>
-            <a:ext cx="2436388" cy="1644960"/>
+            <a:off x="7935990" y="5670226"/>
+            <a:ext cx="3185514" cy="2416439"/>
           </a:xfrm>
           <a:prstGeom prst="rect">
             <a:avLst/>
@@ -5300,7 +5300,7 @@
                   <a:schemeClr val="tx1"/>
                 </a:solidFill>
               </a:rPr>
-              <a:t>You will need to use a cable to connect your VR headset to your computer (a </a:t>
+              <a:t>You will need to use either a cable to connect your VR headset to your computer (a </a:t>
             </a:r>
             <a:r>
               <a:rPr lang="en-GB" sz="2000" b="1" dirty="0">
@@ -5316,55 +5316,27 @@
                   <a:schemeClr val="tx1"/>
                 </a:solidFill>
               </a:rPr>
-              <a:t>setup).</a:t>
-            </a:r>
-          </a:p>
-        </p:txBody>
-      </p:sp>
-      <p:cxnSp>
-        <p:nvCxnSpPr>
-          <p:cNvPr id="320" name="Straight Arrow Connector 319">
-            <a:extLst>
-              <a:ext uri="{FF2B5EF4-FFF2-40B4-BE49-F238E27FC236}">
-                <a16:creationId xmlns:a16="http://schemas.microsoft.com/office/drawing/2014/main" id="{B010DB81-FF87-6096-9227-5030260B4C51}"/>
-              </a:ext>
-            </a:extLst>
-          </p:cNvPr>
-          <p:cNvCxnSpPr>
-            <a:cxnSpLocks/>
-            <a:stCxn id="314" idx="2"/>
-            <a:endCxn id="4" idx="0"/>
-          </p:cNvCxnSpPr>
-          <p:nvPr/>
-        </p:nvCxnSpPr>
-        <p:spPr>
-          <a:xfrm flipH="1">
-            <a:off x="9267834" y="7695472"/>
-            <a:ext cx="3335" cy="4108090"/>
-          </a:xfrm>
-          <a:prstGeom prst="straightConnector1">
-            <a:avLst/>
-          </a:prstGeom>
-          <a:ln>
-            <a:headEnd type="none" w="med" len="med"/>
-            <a:tailEnd type="arrow" w="med" len="med"/>
-          </a:ln>
-        </p:spPr>
-        <p:style>
-          <a:lnRef idx="2">
-            <a:schemeClr val="dk1"/>
-          </a:lnRef>
-          <a:fillRef idx="0">
-            <a:schemeClr val="dk1"/>
-          </a:fillRef>
-          <a:effectRef idx="1">
-            <a:schemeClr val="dk1"/>
-          </a:effectRef>
-          <a:fontRef idx="minor">
-            <a:schemeClr val="tx1"/>
-          </a:fontRef>
-        </p:style>
-      </p:cxnSp>
+              <a:t>setup) or use a VPN Service (a </a:t>
+            </a:r>
+            <a:r>
+              <a:rPr lang="en-GB" sz="2000" b="1" dirty="0">
+                <a:solidFill>
+                  <a:schemeClr val="tx1"/>
+                </a:solidFill>
+              </a:rPr>
+              <a:t>wireless</a:t>
+            </a:r>
+            <a:r>
+              <a:rPr lang="en-GB" sz="2000" dirty="0">
+                <a:solidFill>
+                  <a:schemeClr val="tx1"/>
+                </a:solidFill>
+              </a:rPr>
+              <a:t> setup).</a:t>
+            </a:r>
+          </a:p>
+        </p:txBody>
+      </p:sp>
       <p:sp>
         <p:nvSpPr>
           <p:cNvPr id="324" name="Rectangle 323">
@@ -6305,6 +6277,53 @@
           </a:p>
         </p:txBody>
       </p:sp>
+      <p:cxnSp>
+        <p:nvCxnSpPr>
+          <p:cNvPr id="33" name="Connector: Elbow 32">
+            <a:extLst>
+              <a:ext uri="{FF2B5EF4-FFF2-40B4-BE49-F238E27FC236}">
+                <a16:creationId xmlns:a16="http://schemas.microsoft.com/office/drawing/2014/main" id="{C35DE11D-3F5C-8C62-956F-3B38E4156141}"/>
+              </a:ext>
+            </a:extLst>
+          </p:cNvPr>
+          <p:cNvCxnSpPr>
+            <a:cxnSpLocks/>
+            <a:stCxn id="314" idx="3"/>
+            <a:endCxn id="305" idx="1"/>
+          </p:cNvCxnSpPr>
+          <p:nvPr/>
+        </p:nvCxnSpPr>
+        <p:spPr>
+          <a:xfrm flipH="1">
+            <a:off x="2983819" y="6878446"/>
+            <a:ext cx="8137685" cy="5557417"/>
+          </a:xfrm>
+          <a:prstGeom prst="bentConnector5">
+            <a:avLst>
+              <a:gd name="adj1" fmla="val -53669"/>
+              <a:gd name="adj2" fmla="val 165182"/>
+              <a:gd name="adj3" fmla="val 102809"/>
+            </a:avLst>
+          </a:prstGeom>
+          <a:ln>
+            <a:tailEnd type="triangle"/>
+          </a:ln>
+        </p:spPr>
+        <p:style>
+          <a:lnRef idx="2">
+            <a:schemeClr val="dk1"/>
+          </a:lnRef>
+          <a:fillRef idx="0">
+            <a:schemeClr val="dk1"/>
+          </a:fillRef>
+          <a:effectRef idx="1">
+            <a:schemeClr val="dk1"/>
+          </a:effectRef>
+          <a:fontRef idx="minor">
+            <a:schemeClr val="tx1"/>
+          </a:fontRef>
+        </p:style>
+      </p:cxnSp>
     </p:spTree>
     <p:extLst>
       <p:ext uri="{BB962C8B-B14F-4D97-AF65-F5344CB8AC3E}">

--- a/source/assets/flow-chart.pptx
+++ b/source/assets/flow-chart.pptx
@@ -556,7 +556,7 @@
           <a:p>
             <a:fld id="{E198B52E-59E9-459A-8A51-6D063C146C47}" type="datetimeFigureOut">
               <a:rPr lang="en-GB" smtClean="0"/>
-              <a:t>06/03/2025</a:t>
+              <a:t>01/04/2025</a:t>
             </a:fld>
             <a:endParaRPr lang="en-GB"/>
           </a:p>
@@ -1147,7 +1147,7 @@
           <a:p>
             <a:fld id="{3FBAF93D-98AC-4FE3-B4B6-00701F2D46F7}" type="datetimeFigureOut">
               <a:rPr lang="en-GB" smtClean="0"/>
-              <a:t>06/03/2025</a:t>
+              <a:t>01/04/2025</a:t>
             </a:fld>
             <a:endParaRPr lang="en-GB"/>
           </a:p>
@@ -1317,7 +1317,7 @@
           <a:p>
             <a:fld id="{3FBAF93D-98AC-4FE3-B4B6-00701F2D46F7}" type="datetimeFigureOut">
               <a:rPr lang="en-GB" smtClean="0"/>
-              <a:t>06/03/2025</a:t>
+              <a:t>01/04/2025</a:t>
             </a:fld>
             <a:endParaRPr lang="en-GB"/>
           </a:p>
@@ -1497,7 +1497,7 @@
           <a:p>
             <a:fld id="{3FBAF93D-98AC-4FE3-B4B6-00701F2D46F7}" type="datetimeFigureOut">
               <a:rPr lang="en-GB" smtClean="0"/>
-              <a:t>06/03/2025</a:t>
+              <a:t>01/04/2025</a:t>
             </a:fld>
             <a:endParaRPr lang="en-GB"/>
           </a:p>
@@ -1667,7 +1667,7 @@
           <a:p>
             <a:fld id="{3FBAF93D-98AC-4FE3-B4B6-00701F2D46F7}" type="datetimeFigureOut">
               <a:rPr lang="en-GB" smtClean="0"/>
-              <a:t>06/03/2025</a:t>
+              <a:t>01/04/2025</a:t>
             </a:fld>
             <a:endParaRPr lang="en-GB"/>
           </a:p>
@@ -1913,7 +1913,7 @@
           <a:p>
             <a:fld id="{3FBAF93D-98AC-4FE3-B4B6-00701F2D46F7}" type="datetimeFigureOut">
               <a:rPr lang="en-GB" smtClean="0"/>
-              <a:t>06/03/2025</a:t>
+              <a:t>01/04/2025</a:t>
             </a:fld>
             <a:endParaRPr lang="en-GB"/>
           </a:p>
@@ -2145,7 +2145,7 @@
           <a:p>
             <a:fld id="{3FBAF93D-98AC-4FE3-B4B6-00701F2D46F7}" type="datetimeFigureOut">
               <a:rPr lang="en-GB" smtClean="0"/>
-              <a:t>06/03/2025</a:t>
+              <a:t>01/04/2025</a:t>
             </a:fld>
             <a:endParaRPr lang="en-GB"/>
           </a:p>
@@ -2512,7 +2512,7 @@
           <a:p>
             <a:fld id="{3FBAF93D-98AC-4FE3-B4B6-00701F2D46F7}" type="datetimeFigureOut">
               <a:rPr lang="en-GB" smtClean="0"/>
-              <a:t>06/03/2025</a:t>
+              <a:t>01/04/2025</a:t>
             </a:fld>
             <a:endParaRPr lang="en-GB"/>
           </a:p>
@@ -2630,7 +2630,7 @@
           <a:p>
             <a:fld id="{3FBAF93D-98AC-4FE3-B4B6-00701F2D46F7}" type="datetimeFigureOut">
               <a:rPr lang="en-GB" smtClean="0"/>
-              <a:t>06/03/2025</a:t>
+              <a:t>01/04/2025</a:t>
             </a:fld>
             <a:endParaRPr lang="en-GB"/>
           </a:p>
@@ -2725,7 +2725,7 @@
           <a:p>
             <a:fld id="{3FBAF93D-98AC-4FE3-B4B6-00701F2D46F7}" type="datetimeFigureOut">
               <a:rPr lang="en-GB" smtClean="0"/>
-              <a:t>06/03/2025</a:t>
+              <a:t>01/04/2025</a:t>
             </a:fld>
             <a:endParaRPr lang="en-GB"/>
           </a:p>
@@ -3002,7 +3002,7 @@
           <a:p>
             <a:fld id="{3FBAF93D-98AC-4FE3-B4B6-00701F2D46F7}" type="datetimeFigureOut">
               <a:rPr lang="en-GB" smtClean="0"/>
-              <a:t>06/03/2025</a:t>
+              <a:t>01/04/2025</a:t>
             </a:fld>
             <a:endParaRPr lang="en-GB"/>
           </a:p>
@@ -3259,7 +3259,7 @@
           <a:p>
             <a:fld id="{3FBAF93D-98AC-4FE3-B4B6-00701F2D46F7}" type="datetimeFigureOut">
               <a:rPr lang="en-GB" smtClean="0"/>
-              <a:t>06/03/2025</a:t>
+              <a:t>01/04/2025</a:t>
             </a:fld>
             <a:endParaRPr lang="en-GB"/>
           </a:p>
@@ -3472,7 +3472,7 @@
           <a:p>
             <a:fld id="{3FBAF93D-98AC-4FE3-B4B6-00701F2D46F7}" type="datetimeFigureOut">
               <a:rPr lang="en-GB" smtClean="0"/>
-              <a:t>06/03/2025</a:t>
+              <a:t>01/04/2025</a:t>
             </a:fld>
             <a:endParaRPr lang="en-GB"/>
           </a:p>
@@ -4084,9 +4084,9 @@
           <p:nvPr/>
         </p:nvCxnSpPr>
         <p:spPr>
-          <a:xfrm flipV="1">
-            <a:off x="5420207" y="6878446"/>
-            <a:ext cx="2515783" cy="1"/>
+          <a:xfrm>
+            <a:off x="5420207" y="6878447"/>
+            <a:ext cx="2494222" cy="28363"/>
           </a:xfrm>
           <a:prstGeom prst="straightConnector1">
             <a:avLst/>
@@ -5261,8 +5261,8 @@
         </p:nvSpPr>
         <p:spPr>
           <a:xfrm>
-            <a:off x="7935990" y="5670226"/>
-            <a:ext cx="3185514" cy="2416439"/>
+            <a:off x="7914429" y="5681168"/>
+            <a:ext cx="5170409" cy="2451283"/>
           </a:xfrm>
           <a:prstGeom prst="rect">
             <a:avLst/>
@@ -5300,7 +5300,29 @@
                   <a:schemeClr val="tx1"/>
                 </a:solidFill>
               </a:rPr>
-              <a:t>You will need to use either a cable to connect your VR headset to your computer (a </a:t>
+              <a:t>You will need to use either:</a:t>
+            </a:r>
+          </a:p>
+          <a:p>
+            <a:pPr algn="ctr"/>
+            <a:endParaRPr lang="en-GB" sz="500" dirty="0">
+              <a:solidFill>
+                <a:schemeClr val="tx1"/>
+              </a:solidFill>
+            </a:endParaRPr>
+          </a:p>
+          <a:p>
+            <a:pPr marL="342900" indent="-342900">
+              <a:buFont typeface="Arial" panose="020B0604020202020204" pitchFamily="34" charset="0"/>
+              <a:buChar char="•"/>
+            </a:pPr>
+            <a:r>
+              <a:rPr lang="en-GB" sz="2000" dirty="0">
+                <a:solidFill>
+                  <a:schemeClr val="tx1"/>
+                </a:solidFill>
+              </a:rPr>
+              <a:t>a cable connecting your VR headset to your computer (</a:t>
             </a:r>
             <a:r>
               <a:rPr lang="en-GB" sz="2000" b="1" dirty="0">
@@ -5308,7 +5330,7 @@
                   <a:schemeClr val="tx1"/>
                 </a:solidFill>
               </a:rPr>
-              <a:t>tethered </a:t>
+              <a:t>tethered</a:t>
             </a:r>
             <a:r>
               <a:rPr lang="en-GB" sz="2000" dirty="0">
@@ -5316,7 +5338,7 @@
                   <a:schemeClr val="tx1"/>
                 </a:solidFill>
               </a:rPr>
-              <a:t>setup) or use a VPN Service (a </a:t>
+              <a:t> setup), compatible with</a:t>
             </a:r>
             <a:r>
               <a:rPr lang="en-GB" sz="2000" b="1" dirty="0">
@@ -5324,6 +5346,59 @@
                   <a:schemeClr val="tx1"/>
                 </a:solidFill>
               </a:rPr>
+              <a:t> single player </a:t>
+            </a:r>
+            <a:r>
+              <a:rPr lang="en-GB" sz="2000" dirty="0">
+                <a:solidFill>
+                  <a:schemeClr val="tx1"/>
+                </a:solidFill>
+              </a:rPr>
+              <a:t>setups only</a:t>
+            </a:r>
+          </a:p>
+          <a:p>
+            <a:endParaRPr lang="en-GB" sz="500" dirty="0">
+              <a:solidFill>
+                <a:schemeClr val="tx1"/>
+              </a:solidFill>
+            </a:endParaRPr>
+          </a:p>
+          <a:p>
+            <a:pPr marL="342900" indent="-342900">
+              <a:buFont typeface="Arial" panose="020B0604020202020204" pitchFamily="34" charset="0"/>
+              <a:buChar char="•"/>
+            </a:pPr>
+            <a:r>
+              <a:rPr lang="en-GB" sz="2000" dirty="0">
+                <a:solidFill>
+                  <a:schemeClr val="tx1"/>
+                </a:solidFill>
+              </a:rPr>
+              <a:t>A mobile hotspot or VPN service, compatible with </a:t>
+            </a:r>
+            <a:r>
+              <a:rPr lang="en-GB" sz="2000" b="1" dirty="0">
+                <a:solidFill>
+                  <a:schemeClr val="tx1"/>
+                </a:solidFill>
+              </a:rPr>
+              <a:t>tethered</a:t>
+            </a:r>
+            <a:r>
+              <a:rPr lang="en-GB" sz="2000" dirty="0">
+                <a:solidFill>
+                  <a:schemeClr val="tx1"/>
+                </a:solidFill>
+              </a:rPr>
+              <a:t>, </a:t>
+            </a:r>
+            <a:r>
+              <a:rPr lang="en-GB" sz="2000" b="1" dirty="0">
+                <a:solidFill>
+                  <a:schemeClr val="tx1"/>
+                </a:solidFill>
+              </a:rPr>
               <a:t>wireless</a:t>
             </a:r>
             <a:r>
@@ -5332,8 +5407,35 @@
                   <a:schemeClr val="tx1"/>
                 </a:solidFill>
               </a:rPr>
-              <a:t> setup).</a:t>
-            </a:r>
+              <a:t> and </a:t>
+            </a:r>
+            <a:r>
+              <a:rPr lang="en-GB" sz="2000" b="1" dirty="0">
+                <a:solidFill>
+                  <a:schemeClr val="tx1"/>
+                </a:solidFill>
+              </a:rPr>
+              <a:t>multiplayer</a:t>
+            </a:r>
+            <a:r>
+              <a:rPr lang="en-GB" sz="2000" dirty="0">
+                <a:solidFill>
+                  <a:schemeClr val="tx1"/>
+                </a:solidFill>
+              </a:rPr>
+              <a:t> setups</a:t>
+            </a:r>
+          </a:p>
+          <a:p>
+            <a:pPr marL="342900" indent="-342900">
+              <a:buFont typeface="Arial" panose="020B0604020202020204" pitchFamily="34" charset="0"/>
+              <a:buChar char="•"/>
+            </a:pPr>
+            <a:endParaRPr lang="en-GB" sz="500" dirty="0">
+              <a:solidFill>
+                <a:schemeClr val="tx1"/>
+              </a:solidFill>
+            </a:endParaRPr>
           </a:p>
         </p:txBody>
       </p:sp>
@@ -5953,7 +6055,7 @@
         </p:nvGrpSpPr>
         <p:grpSpPr>
           <a:xfrm>
-            <a:off x="11172448" y="7429849"/>
+            <a:off x="11139574" y="8683310"/>
             <a:ext cx="3892696" cy="2242295"/>
             <a:chOff x="2801026" y="13978522"/>
             <a:chExt cx="3892696" cy="2242295"/>
@@ -6288,22 +6390,17 @@
           </p:cNvPr>
           <p:cNvCxnSpPr>
             <a:cxnSpLocks/>
-            <a:stCxn id="314" idx="3"/>
-            <a:endCxn id="305" idx="1"/>
+            <a:stCxn id="314" idx="2"/>
           </p:cNvCxnSpPr>
           <p:nvPr/>
         </p:nvCxnSpPr>
         <p:spPr>
-          <a:xfrm flipH="1">
-            <a:off x="2983819" y="6878446"/>
-            <a:ext cx="8137685" cy="5557417"/>
-          </a:xfrm>
-          <a:prstGeom prst="bentConnector5">
-            <a:avLst>
-              <a:gd name="adj1" fmla="val -53669"/>
-              <a:gd name="adj2" fmla="val 165182"/>
-              <a:gd name="adj3" fmla="val 102809"/>
-            </a:avLst>
+          <a:xfrm rot="5400000">
+            <a:off x="7513518" y="6035807"/>
+            <a:ext cx="889473" cy="5082760"/>
+          </a:xfrm>
+          <a:prstGeom prst="bentConnector2">
+            <a:avLst/>
           </a:prstGeom>
           <a:ln>
             <a:tailEnd type="triangle"/>

--- a/source/assets/flow-chart.pptx
+++ b/source/assets/flow-chart.pptx
@@ -556,7 +556,7 @@
           <a:p>
             <a:fld id="{E198B52E-59E9-459A-8A51-6D063C146C47}" type="datetimeFigureOut">
               <a:rPr lang="en-GB" smtClean="0"/>
-              <a:t>27/01/2025</a:t>
+              <a:t>01/04/2025</a:t>
             </a:fld>
             <a:endParaRPr lang="en-GB"/>
           </a:p>
@@ -1147,7 +1147,7 @@
           <a:p>
             <a:fld id="{3FBAF93D-98AC-4FE3-B4B6-00701F2D46F7}" type="datetimeFigureOut">
               <a:rPr lang="en-GB" smtClean="0"/>
-              <a:t>27/01/2025</a:t>
+              <a:t>01/04/2025</a:t>
             </a:fld>
             <a:endParaRPr lang="en-GB"/>
           </a:p>
@@ -1317,7 +1317,7 @@
           <a:p>
             <a:fld id="{3FBAF93D-98AC-4FE3-B4B6-00701F2D46F7}" type="datetimeFigureOut">
               <a:rPr lang="en-GB" smtClean="0"/>
-              <a:t>27/01/2025</a:t>
+              <a:t>01/04/2025</a:t>
             </a:fld>
             <a:endParaRPr lang="en-GB"/>
           </a:p>
@@ -1497,7 +1497,7 @@
           <a:p>
             <a:fld id="{3FBAF93D-98AC-4FE3-B4B6-00701F2D46F7}" type="datetimeFigureOut">
               <a:rPr lang="en-GB" smtClean="0"/>
-              <a:t>27/01/2025</a:t>
+              <a:t>01/04/2025</a:t>
             </a:fld>
             <a:endParaRPr lang="en-GB"/>
           </a:p>
@@ -1667,7 +1667,7 @@
           <a:p>
             <a:fld id="{3FBAF93D-98AC-4FE3-B4B6-00701F2D46F7}" type="datetimeFigureOut">
               <a:rPr lang="en-GB" smtClean="0"/>
-              <a:t>27/01/2025</a:t>
+              <a:t>01/04/2025</a:t>
             </a:fld>
             <a:endParaRPr lang="en-GB"/>
           </a:p>
@@ -1913,7 +1913,7 @@
           <a:p>
             <a:fld id="{3FBAF93D-98AC-4FE3-B4B6-00701F2D46F7}" type="datetimeFigureOut">
               <a:rPr lang="en-GB" smtClean="0"/>
-              <a:t>27/01/2025</a:t>
+              <a:t>01/04/2025</a:t>
             </a:fld>
             <a:endParaRPr lang="en-GB"/>
           </a:p>
@@ -2145,7 +2145,7 @@
           <a:p>
             <a:fld id="{3FBAF93D-98AC-4FE3-B4B6-00701F2D46F7}" type="datetimeFigureOut">
               <a:rPr lang="en-GB" smtClean="0"/>
-              <a:t>27/01/2025</a:t>
+              <a:t>01/04/2025</a:t>
             </a:fld>
             <a:endParaRPr lang="en-GB"/>
           </a:p>
@@ -2512,7 +2512,7 @@
           <a:p>
             <a:fld id="{3FBAF93D-98AC-4FE3-B4B6-00701F2D46F7}" type="datetimeFigureOut">
               <a:rPr lang="en-GB" smtClean="0"/>
-              <a:t>27/01/2025</a:t>
+              <a:t>01/04/2025</a:t>
             </a:fld>
             <a:endParaRPr lang="en-GB"/>
           </a:p>
@@ -2630,7 +2630,7 @@
           <a:p>
             <a:fld id="{3FBAF93D-98AC-4FE3-B4B6-00701F2D46F7}" type="datetimeFigureOut">
               <a:rPr lang="en-GB" smtClean="0"/>
-              <a:t>27/01/2025</a:t>
+              <a:t>01/04/2025</a:t>
             </a:fld>
             <a:endParaRPr lang="en-GB"/>
           </a:p>
@@ -2725,7 +2725,7 @@
           <a:p>
             <a:fld id="{3FBAF93D-98AC-4FE3-B4B6-00701F2D46F7}" type="datetimeFigureOut">
               <a:rPr lang="en-GB" smtClean="0"/>
-              <a:t>27/01/2025</a:t>
+              <a:t>01/04/2025</a:t>
             </a:fld>
             <a:endParaRPr lang="en-GB"/>
           </a:p>
@@ -3002,7 +3002,7 @@
           <a:p>
             <a:fld id="{3FBAF93D-98AC-4FE3-B4B6-00701F2D46F7}" type="datetimeFigureOut">
               <a:rPr lang="en-GB" smtClean="0"/>
-              <a:t>27/01/2025</a:t>
+              <a:t>01/04/2025</a:t>
             </a:fld>
             <a:endParaRPr lang="en-GB"/>
           </a:p>
@@ -3259,7 +3259,7 @@
           <a:p>
             <a:fld id="{3FBAF93D-98AC-4FE3-B4B6-00701F2D46F7}" type="datetimeFigureOut">
               <a:rPr lang="en-GB" smtClean="0"/>
-              <a:t>27/01/2025</a:t>
+              <a:t>01/04/2025</a:t>
             </a:fld>
             <a:endParaRPr lang="en-GB"/>
           </a:p>
@@ -3472,7 +3472,7 @@
           <a:p>
             <a:fld id="{3FBAF93D-98AC-4FE3-B4B6-00701F2D46F7}" type="datetimeFigureOut">
               <a:rPr lang="en-GB" smtClean="0"/>
-              <a:t>27/01/2025</a:t>
+              <a:t>01/04/2025</a:t>
             </a:fld>
             <a:endParaRPr lang="en-GB"/>
           </a:p>
@@ -4084,9 +4084,9 @@
           <p:nvPr/>
         </p:nvCxnSpPr>
         <p:spPr>
-          <a:xfrm flipV="1">
-            <a:off x="5420207" y="6872992"/>
-            <a:ext cx="2632768" cy="5455"/>
+          <a:xfrm>
+            <a:off x="5420207" y="6878447"/>
+            <a:ext cx="2494222" cy="28363"/>
           </a:xfrm>
           <a:prstGeom prst="straightConnector1">
             <a:avLst/>
@@ -5261,8 +5261,8 @@
         </p:nvSpPr>
         <p:spPr>
           <a:xfrm>
-            <a:off x="8052975" y="6050512"/>
-            <a:ext cx="2436388" cy="1644960"/>
+            <a:off x="7914429" y="5681168"/>
+            <a:ext cx="5170409" cy="2451283"/>
           </a:xfrm>
           <a:prstGeom prst="rect">
             <a:avLst/>
@@ -5300,7 +5300,29 @@
                   <a:schemeClr val="tx1"/>
                 </a:solidFill>
               </a:rPr>
-              <a:t>You will need to use a cable to connect your VR headset to your computer (a </a:t>
+              <a:t>You will need to use either:</a:t>
+            </a:r>
+          </a:p>
+          <a:p>
+            <a:pPr algn="ctr"/>
+            <a:endParaRPr lang="en-GB" sz="500" dirty="0">
+              <a:solidFill>
+                <a:schemeClr val="tx1"/>
+              </a:solidFill>
+            </a:endParaRPr>
+          </a:p>
+          <a:p>
+            <a:pPr marL="342900" indent="-342900">
+              <a:buFont typeface="Arial" panose="020B0604020202020204" pitchFamily="34" charset="0"/>
+              <a:buChar char="•"/>
+            </a:pPr>
+            <a:r>
+              <a:rPr lang="en-GB" sz="2000" dirty="0">
+                <a:solidFill>
+                  <a:schemeClr val="tx1"/>
+                </a:solidFill>
+              </a:rPr>
+              <a:t>a cable connecting your VR headset to your computer (</a:t>
             </a:r>
             <a:r>
               <a:rPr lang="en-GB" sz="2000" b="1" dirty="0">
@@ -5308,7 +5330,7 @@
                   <a:schemeClr val="tx1"/>
                 </a:solidFill>
               </a:rPr>
-              <a:t>tethered </a:t>
+              <a:t>tethered</a:t>
             </a:r>
             <a:r>
               <a:rPr lang="en-GB" sz="2000" dirty="0">
@@ -5316,55 +5338,107 @@
                   <a:schemeClr val="tx1"/>
                 </a:solidFill>
               </a:rPr>
-              <a:t>setup).</a:t>
-            </a:r>
-          </a:p>
-        </p:txBody>
-      </p:sp>
-      <p:cxnSp>
-        <p:nvCxnSpPr>
-          <p:cNvPr id="320" name="Straight Arrow Connector 319">
-            <a:extLst>
-              <a:ext uri="{FF2B5EF4-FFF2-40B4-BE49-F238E27FC236}">
-                <a16:creationId xmlns:a16="http://schemas.microsoft.com/office/drawing/2014/main" id="{B010DB81-FF87-6096-9227-5030260B4C51}"/>
-              </a:ext>
-            </a:extLst>
-          </p:cNvPr>
-          <p:cNvCxnSpPr>
-            <a:cxnSpLocks/>
-            <a:stCxn id="314" idx="2"/>
-            <a:endCxn id="4" idx="0"/>
-          </p:cNvCxnSpPr>
-          <p:nvPr/>
-        </p:nvCxnSpPr>
-        <p:spPr>
-          <a:xfrm flipH="1">
-            <a:off x="9267834" y="7695472"/>
-            <a:ext cx="3335" cy="4108090"/>
-          </a:xfrm>
-          <a:prstGeom prst="straightConnector1">
-            <a:avLst/>
-          </a:prstGeom>
-          <a:ln>
-            <a:headEnd type="none" w="med" len="med"/>
-            <a:tailEnd type="arrow" w="med" len="med"/>
-          </a:ln>
-        </p:spPr>
-        <p:style>
-          <a:lnRef idx="2">
-            <a:schemeClr val="dk1"/>
-          </a:lnRef>
-          <a:fillRef idx="0">
-            <a:schemeClr val="dk1"/>
-          </a:fillRef>
-          <a:effectRef idx="1">
-            <a:schemeClr val="dk1"/>
-          </a:effectRef>
-          <a:fontRef idx="minor">
-            <a:schemeClr val="tx1"/>
-          </a:fontRef>
-        </p:style>
-      </p:cxnSp>
+              <a:t> setup), compatible with</a:t>
+            </a:r>
+            <a:r>
+              <a:rPr lang="en-GB" sz="2000" b="1" dirty="0">
+                <a:solidFill>
+                  <a:schemeClr val="tx1"/>
+                </a:solidFill>
+              </a:rPr>
+              <a:t> single player </a:t>
+            </a:r>
+            <a:r>
+              <a:rPr lang="en-GB" sz="2000" dirty="0">
+                <a:solidFill>
+                  <a:schemeClr val="tx1"/>
+                </a:solidFill>
+              </a:rPr>
+              <a:t>setups only</a:t>
+            </a:r>
+          </a:p>
+          <a:p>
+            <a:endParaRPr lang="en-GB" sz="500" dirty="0">
+              <a:solidFill>
+                <a:schemeClr val="tx1"/>
+              </a:solidFill>
+            </a:endParaRPr>
+          </a:p>
+          <a:p>
+            <a:pPr marL="342900" indent="-342900">
+              <a:buFont typeface="Arial" panose="020B0604020202020204" pitchFamily="34" charset="0"/>
+              <a:buChar char="•"/>
+            </a:pPr>
+            <a:r>
+              <a:rPr lang="en-GB" sz="2000" dirty="0">
+                <a:solidFill>
+                  <a:schemeClr val="tx1"/>
+                </a:solidFill>
+              </a:rPr>
+              <a:t>A mobile hotspot or VPN service, compatible with </a:t>
+            </a:r>
+            <a:r>
+              <a:rPr lang="en-GB" sz="2000" b="1" dirty="0">
+                <a:solidFill>
+                  <a:schemeClr val="tx1"/>
+                </a:solidFill>
+              </a:rPr>
+              <a:t>tethered</a:t>
+            </a:r>
+            <a:r>
+              <a:rPr lang="en-GB" sz="2000" dirty="0">
+                <a:solidFill>
+                  <a:schemeClr val="tx1"/>
+                </a:solidFill>
+              </a:rPr>
+              <a:t>, </a:t>
+            </a:r>
+            <a:r>
+              <a:rPr lang="en-GB" sz="2000" b="1" dirty="0">
+                <a:solidFill>
+                  <a:schemeClr val="tx1"/>
+                </a:solidFill>
+              </a:rPr>
+              <a:t>wireless</a:t>
+            </a:r>
+            <a:r>
+              <a:rPr lang="en-GB" sz="2000" dirty="0">
+                <a:solidFill>
+                  <a:schemeClr val="tx1"/>
+                </a:solidFill>
+              </a:rPr>
+              <a:t> and </a:t>
+            </a:r>
+            <a:r>
+              <a:rPr lang="en-GB" sz="2000" b="1" dirty="0">
+                <a:solidFill>
+                  <a:schemeClr val="tx1"/>
+                </a:solidFill>
+              </a:rPr>
+              <a:t>multiplayer</a:t>
+            </a:r>
+            <a:r>
+              <a:rPr lang="en-GB" sz="2000" dirty="0">
+                <a:solidFill>
+                  <a:schemeClr val="tx1"/>
+                </a:solidFill>
+              </a:rPr>
+              <a:t> setups</a:t>
+            </a:r>
+          </a:p>
+          <a:p>
+            <a:pPr marL="342900" indent="-342900">
+              <a:buFont typeface="Arial" panose="020B0604020202020204" pitchFamily="34" charset="0"/>
+              <a:buChar char="•"/>
+            </a:pPr>
+            <a:endParaRPr lang="en-GB" sz="500" dirty="0">
+              <a:solidFill>
+                <a:schemeClr val="tx1"/>
+              </a:solidFill>
+            </a:endParaRPr>
+          </a:p>
+        </p:txBody>
+      </p:sp>
       <p:sp>
         <p:nvSpPr>
           <p:cNvPr id="324" name="Rectangle 323">
@@ -5981,7 +6055,7 @@
         </p:nvGrpSpPr>
         <p:grpSpPr>
           <a:xfrm>
-            <a:off x="11172448" y="7429849"/>
+            <a:off x="11139574" y="8683310"/>
             <a:ext cx="3892696" cy="2242295"/>
             <a:chOff x="2801026" y="13978522"/>
             <a:chExt cx="3892696" cy="2242295"/>
@@ -6305,6 +6379,48 @@
           </a:p>
         </p:txBody>
       </p:sp>
+      <p:cxnSp>
+        <p:nvCxnSpPr>
+          <p:cNvPr id="33" name="Connector: Elbow 32">
+            <a:extLst>
+              <a:ext uri="{FF2B5EF4-FFF2-40B4-BE49-F238E27FC236}">
+                <a16:creationId xmlns:a16="http://schemas.microsoft.com/office/drawing/2014/main" id="{C35DE11D-3F5C-8C62-956F-3B38E4156141}"/>
+              </a:ext>
+            </a:extLst>
+          </p:cNvPr>
+          <p:cNvCxnSpPr>
+            <a:cxnSpLocks/>
+            <a:stCxn id="314" idx="2"/>
+          </p:cNvCxnSpPr>
+          <p:nvPr/>
+        </p:nvCxnSpPr>
+        <p:spPr>
+          <a:xfrm rot="5400000">
+            <a:off x="7513518" y="6035807"/>
+            <a:ext cx="889473" cy="5082760"/>
+          </a:xfrm>
+          <a:prstGeom prst="bentConnector2">
+            <a:avLst/>
+          </a:prstGeom>
+          <a:ln>
+            <a:tailEnd type="triangle"/>
+          </a:ln>
+        </p:spPr>
+        <p:style>
+          <a:lnRef idx="2">
+            <a:schemeClr val="dk1"/>
+          </a:lnRef>
+          <a:fillRef idx="0">
+            <a:schemeClr val="dk1"/>
+          </a:fillRef>
+          <a:effectRef idx="1">
+            <a:schemeClr val="dk1"/>
+          </a:effectRef>
+          <a:fontRef idx="minor">
+            <a:schemeClr val="tx1"/>
+          </a:fontRef>
+        </p:style>
+      </p:cxnSp>
     </p:spTree>
     <p:extLst>
       <p:ext uri="{BB962C8B-B14F-4D97-AF65-F5344CB8AC3E}">
